--- a/R5.pptx
+++ b/R5.pptx
@@ -5,18 +5,25 @@
     <p:sldMasterId id="2147483648" r:id="rId1"/>
   </p:sldMasterIdLst>
   <p:sldIdLst>
-    <p:sldId id="259" r:id="rId2"/>
-    <p:sldId id="267" r:id="rId3"/>
-    <p:sldId id="260" r:id="rId4"/>
-    <p:sldId id="266" r:id="rId5"/>
+    <p:sldId id="273" r:id="rId2"/>
+    <p:sldId id="260" r:id="rId3"/>
+    <p:sldId id="266" r:id="rId4"/>
+    <p:sldId id="275" r:id="rId5"/>
     <p:sldId id="262" r:id="rId6"/>
     <p:sldId id="268" r:id="rId7"/>
-    <p:sldId id="263" r:id="rId8"/>
-    <p:sldId id="269" r:id="rId9"/>
-    <p:sldId id="264" r:id="rId10"/>
-    <p:sldId id="270" r:id="rId11"/>
-    <p:sldId id="265" r:id="rId12"/>
-    <p:sldId id="271" r:id="rId13"/>
+    <p:sldId id="276" r:id="rId8"/>
+    <p:sldId id="259" r:id="rId9"/>
+    <p:sldId id="267" r:id="rId10"/>
+    <p:sldId id="274" r:id="rId11"/>
+    <p:sldId id="263" r:id="rId12"/>
+    <p:sldId id="269" r:id="rId13"/>
+    <p:sldId id="272" r:id="rId14"/>
+    <p:sldId id="265" r:id="rId15"/>
+    <p:sldId id="271" r:id="rId16"/>
+    <p:sldId id="277" r:id="rId17"/>
+    <p:sldId id="278" r:id="rId18"/>
+    <p:sldId id="280" r:id="rId19"/>
+    <p:sldId id="279" r:id="rId20"/>
   </p:sldIdLst>
   <p:sldSz cx="12192000" cy="6858000"/>
   <p:notesSz cx="6858000" cy="9144000"/>
@@ -270,7 +277,7 @@
           <a:p>
             <a:fld id="{5D316963-EF35-41F4-B235-3A3F02295E84}" type="datetimeFigureOut">
               <a:rPr lang="zh-CN" altLang="en-US" smtClean="0"/>
-              <a:t>2025/10/7</a:t>
+              <a:t>2025/10/8</a:t>
             </a:fld>
             <a:endParaRPr lang="zh-CN" altLang="en-US"/>
           </a:p>
@@ -468,7 +475,7 @@
           <a:p>
             <a:fld id="{5D316963-EF35-41F4-B235-3A3F02295E84}" type="datetimeFigureOut">
               <a:rPr lang="zh-CN" altLang="en-US" smtClean="0"/>
-              <a:t>2025/10/7</a:t>
+              <a:t>2025/10/8</a:t>
             </a:fld>
             <a:endParaRPr lang="zh-CN" altLang="en-US"/>
           </a:p>
@@ -676,7 +683,7 @@
           <a:p>
             <a:fld id="{5D316963-EF35-41F4-B235-3A3F02295E84}" type="datetimeFigureOut">
               <a:rPr lang="zh-CN" altLang="en-US" smtClean="0"/>
-              <a:t>2025/10/7</a:t>
+              <a:t>2025/10/8</a:t>
             </a:fld>
             <a:endParaRPr lang="zh-CN" altLang="en-US"/>
           </a:p>
@@ -874,7 +881,7 @@
           <a:p>
             <a:fld id="{5D316963-EF35-41F4-B235-3A3F02295E84}" type="datetimeFigureOut">
               <a:rPr lang="zh-CN" altLang="en-US" smtClean="0"/>
-              <a:t>2025/10/7</a:t>
+              <a:t>2025/10/8</a:t>
             </a:fld>
             <a:endParaRPr lang="zh-CN" altLang="en-US"/>
           </a:p>
@@ -1149,7 +1156,7 @@
           <a:p>
             <a:fld id="{5D316963-EF35-41F4-B235-3A3F02295E84}" type="datetimeFigureOut">
               <a:rPr lang="zh-CN" altLang="en-US" smtClean="0"/>
-              <a:t>2025/10/7</a:t>
+              <a:t>2025/10/8</a:t>
             </a:fld>
             <a:endParaRPr lang="zh-CN" altLang="en-US"/>
           </a:p>
@@ -1414,7 +1421,7 @@
           <a:p>
             <a:fld id="{5D316963-EF35-41F4-B235-3A3F02295E84}" type="datetimeFigureOut">
               <a:rPr lang="zh-CN" altLang="en-US" smtClean="0"/>
-              <a:t>2025/10/7</a:t>
+              <a:t>2025/10/8</a:t>
             </a:fld>
             <a:endParaRPr lang="zh-CN" altLang="en-US"/>
           </a:p>
@@ -1826,7 +1833,7 @@
           <a:p>
             <a:fld id="{5D316963-EF35-41F4-B235-3A3F02295E84}" type="datetimeFigureOut">
               <a:rPr lang="zh-CN" altLang="en-US" smtClean="0"/>
-              <a:t>2025/10/7</a:t>
+              <a:t>2025/10/8</a:t>
             </a:fld>
             <a:endParaRPr lang="zh-CN" altLang="en-US"/>
           </a:p>
@@ -1967,7 +1974,7 @@
           <a:p>
             <a:fld id="{5D316963-EF35-41F4-B235-3A3F02295E84}" type="datetimeFigureOut">
               <a:rPr lang="zh-CN" altLang="en-US" smtClean="0"/>
-              <a:t>2025/10/7</a:t>
+              <a:t>2025/10/8</a:t>
             </a:fld>
             <a:endParaRPr lang="zh-CN" altLang="en-US"/>
           </a:p>
@@ -2080,7 +2087,7 @@
           <a:p>
             <a:fld id="{5D316963-EF35-41F4-B235-3A3F02295E84}" type="datetimeFigureOut">
               <a:rPr lang="zh-CN" altLang="en-US" smtClean="0"/>
-              <a:t>2025/10/7</a:t>
+              <a:t>2025/10/8</a:t>
             </a:fld>
             <a:endParaRPr lang="zh-CN" altLang="en-US"/>
           </a:p>
@@ -2391,7 +2398,7 @@
           <a:p>
             <a:fld id="{5D316963-EF35-41F4-B235-3A3F02295E84}" type="datetimeFigureOut">
               <a:rPr lang="zh-CN" altLang="en-US" smtClean="0"/>
-              <a:t>2025/10/7</a:t>
+              <a:t>2025/10/8</a:t>
             </a:fld>
             <a:endParaRPr lang="zh-CN" altLang="en-US"/>
           </a:p>
@@ -2679,7 +2686,7 @@
           <a:p>
             <a:fld id="{5D316963-EF35-41F4-B235-3A3F02295E84}" type="datetimeFigureOut">
               <a:rPr lang="zh-CN" altLang="en-US" smtClean="0"/>
-              <a:t>2025/10/7</a:t>
+              <a:t>2025/10/8</a:t>
             </a:fld>
             <a:endParaRPr lang="zh-CN" altLang="en-US"/>
           </a:p>
@@ -2920,7 +2927,7 @@
           <a:p>
             <a:fld id="{5D316963-EF35-41F4-B235-3A3F02295E84}" type="datetimeFigureOut">
               <a:rPr lang="zh-CN" altLang="en-US" smtClean="0"/>
-              <a:t>2025/10/7</a:t>
+              <a:t>2025/10/8</a:t>
             </a:fld>
             <a:endParaRPr lang="zh-CN" altLang="en-US"/>
           </a:p>
@@ -3325,10 +3332,308 @@
   <p:cSld>
     <p:spTree>
       <p:nvGrpSpPr>
+        <p:cNvPr id="1" name=""/>
+        <p:cNvGrpSpPr/>
+        <p:nvPr/>
+      </p:nvGrpSpPr>
+      <p:grpSpPr>
+        <a:xfrm>
+          <a:off x="0" y="0"/>
+          <a:ext cx="0" cy="0"/>
+          <a:chOff x="0" y="0"/>
+          <a:chExt cx="0" cy="0"/>
+        </a:xfrm>
+      </p:grpSpPr>
+      <p:sp>
+        <p:nvSpPr>
+          <p:cNvPr id="2" name="标题 1">
+            <a:extLst>
+              <a:ext uri="{FF2B5EF4-FFF2-40B4-BE49-F238E27FC236}">
+                <a16:creationId xmlns:a16="http://schemas.microsoft.com/office/drawing/2014/main" id="{9A8CCC46-24BC-0E1A-D845-B8369ED65C26}"/>
+              </a:ext>
+            </a:extLst>
+          </p:cNvPr>
+          <p:cNvSpPr>
+            <a:spLocks noGrp="1"/>
+          </p:cNvSpPr>
+          <p:nvPr>
+            <p:ph type="title"/>
+          </p:nvPr>
+        </p:nvSpPr>
+        <p:spPr/>
+        <p:txBody>
+          <a:bodyPr/>
+          <a:lstStyle/>
+          <a:p>
+            <a:r>
+              <a:rPr lang="en-US" altLang="zh-CN" dirty="0"/>
+              <a:t>10/8</a:t>
+            </a:r>
+            <a:endParaRPr lang="zh-CN" altLang="en-US" dirty="0"/>
+          </a:p>
+        </p:txBody>
+      </p:sp>
+      <mc:AlternateContent xmlns:mc="http://schemas.openxmlformats.org/markup-compatibility/2006">
+        <mc:Choice xmlns:a14="http://schemas.microsoft.com/office/drawing/2010/main" Requires="a14">
+          <p:sp>
+            <p:nvSpPr>
+              <p:cNvPr id="3" name="内容占位符 2">
+                <a:extLst>
+                  <a:ext uri="{FF2B5EF4-FFF2-40B4-BE49-F238E27FC236}">
+                    <a16:creationId xmlns:a16="http://schemas.microsoft.com/office/drawing/2014/main" id="{83776943-FE15-6FCA-AA6C-CF2BE99E19E9}"/>
+                  </a:ext>
+                </a:extLst>
+              </p:cNvPr>
+              <p:cNvSpPr>
+                <a:spLocks noGrp="1"/>
+              </p:cNvSpPr>
+              <p:nvPr>
+                <p:ph idx="1"/>
+              </p:nvPr>
+            </p:nvSpPr>
+            <p:spPr/>
+            <p:txBody>
+              <a:bodyPr>
+                <a:normAutofit/>
+              </a:bodyPr>
+              <a:lstStyle/>
+              <a:p>
+                <a:r>
+                  <a:rPr lang="zh-CN" altLang="en-US" sz="2000" dirty="0"/>
+                  <a:t>拟合了</a:t>
+                </a:r>
+                <a:r>
+                  <a:rPr lang="en-US" altLang="zh-CN" sz="2000" dirty="0" err="1"/>
+                  <a:t>Matrix_Multiply</a:t>
+                </a:r>
+                <a:r>
+                  <a:rPr lang="zh-CN" altLang="en-US" sz="2000" dirty="0"/>
+                  <a:t>、</a:t>
+                </a:r>
+                <a:r>
+                  <a:rPr lang="en-US" altLang="zh-CN" sz="2000" dirty="0"/>
+                  <a:t>FFT</a:t>
+                </a:r>
+                <a:r>
+                  <a:rPr lang="zh-CN" altLang="en-US" sz="2000" dirty="0"/>
+                  <a:t>、</a:t>
+                </a:r>
+                <a:r>
+                  <a:rPr lang="en-US" altLang="zh-CN" sz="2000" dirty="0"/>
+                  <a:t>KF</a:t>
+                </a:r>
+                <a:r>
+                  <a:rPr lang="zh-CN" altLang="en-US" sz="2000" dirty="0"/>
+                  <a:t>在</a:t>
+                </a:r>
+                <a:r>
+                  <a:rPr lang="en-US" altLang="zh-CN" sz="2000" dirty="0"/>
+                  <a:t>Cortex-R5F</a:t>
+                </a:r>
+                <a:r>
+                  <a:rPr lang="zh-CN" altLang="en-US" sz="2000" dirty="0"/>
+                  <a:t>上的数据。</a:t>
+                </a:r>
+                <a:endParaRPr lang="en-US" altLang="zh-CN" sz="2000" dirty="0"/>
+              </a:p>
+              <a:p>
+                <a:r>
+                  <a:rPr lang="zh-CN" altLang="en-US" sz="2000" dirty="0"/>
+                  <a:t>使用的方法有：</a:t>
+                </a:r>
+                <a:endParaRPr lang="en-US" altLang="zh-CN" sz="2000" dirty="0"/>
+              </a:p>
+              <a:p>
+                <a:r>
+                  <a:rPr lang="en-US" altLang="zh-CN" sz="2000" dirty="0" err="1"/>
+                  <a:t>random_forest</a:t>
+                </a:r>
+                <a:r>
+                  <a:rPr lang="en-US" altLang="zh-CN" sz="2000" dirty="0"/>
+                  <a:t>, </a:t>
+                </a:r>
+                <a:r>
+                  <a:rPr lang="en-US" altLang="zh-CN" sz="2000" dirty="0" err="1"/>
+                  <a:t>svr</a:t>
+                </a:r>
+                <a:r>
+                  <a:rPr lang="en-US" altLang="zh-CN" sz="2000" dirty="0"/>
+                  <a:t>, </a:t>
+                </a:r>
+                <a:r>
+                  <a:rPr lang="en-US" altLang="zh-CN" sz="2000" dirty="0" err="1"/>
+                  <a:t>mlp</a:t>
+                </a:r>
+                <a:r>
+                  <a:rPr lang="en-US" altLang="zh-CN" sz="2000" dirty="0"/>
+                  <a:t>, </a:t>
+                </a:r>
+                <a:r>
+                  <a:rPr lang="en-US" altLang="zh-CN" sz="2000" dirty="0" err="1"/>
+                  <a:t>curve_fit</a:t>
+                </a:r>
+                <a:r>
+                  <a:rPr lang="en-US" altLang="zh-CN" sz="2000" dirty="0"/>
+                  <a:t>, </a:t>
+                </a:r>
+                <a:r>
+                  <a:rPr lang="en-US" altLang="zh-CN" sz="2000" dirty="0" err="1"/>
+                  <a:t>xgboost</a:t>
+                </a:r>
+                <a:r>
+                  <a:rPr lang="en-US" altLang="zh-CN" sz="2000" dirty="0"/>
+                  <a:t>, hybrid</a:t>
+                </a:r>
+              </a:p>
+              <a:p>
+                <a:r>
+                  <a:rPr lang="zh-CN" altLang="en-US" sz="2000" dirty="0"/>
+                  <a:t>现在认为，</a:t>
+                </a:r>
+                <a:r>
+                  <a:rPr lang="en-US" altLang="zh-CN" sz="2000" dirty="0" err="1"/>
+                  <a:t>svr</a:t>
+                </a:r>
+                <a:r>
+                  <a:rPr lang="zh-CN" altLang="en-US" sz="2000" dirty="0"/>
+                  <a:t>是不适合用于预测的。其余的方法在至少一个程序表现</a:t>
+                </a:r>
+                <a14:m>
+                  <m:oMath xmlns:m="http://schemas.openxmlformats.org/officeDocument/2006/math">
+                    <m:r>
+                      <a:rPr lang="zh-CN" altLang="en-US" sz="2000" i="1" u="sng" dirty="0">
+                        <a:latin typeface="Cambria Math" panose="02040503050406030204" pitchFamily="18" charset="0"/>
+                      </a:rPr>
+                      <m:t>相对</m:t>
+                    </m:r>
+                  </m:oMath>
+                </a14:m>
+                <a:r>
+                  <a:rPr lang="zh-CN" altLang="en-US" sz="2000" u="sng" dirty="0"/>
+                  <a:t>较好</a:t>
+                </a:r>
+                <a:r>
+                  <a:rPr lang="zh-CN" altLang="en-US" sz="2000" dirty="0"/>
+                  <a:t>。</a:t>
+                </a:r>
+                <a:endParaRPr lang="en-US" altLang="zh-CN" sz="2000" dirty="0"/>
+              </a:p>
+              <a:p>
+                <a:r>
+                  <a:rPr lang="en-US" altLang="zh-CN" sz="2000" dirty="0"/>
+                  <a:t>MPC</a:t>
+                </a:r>
+                <a:r>
+                  <a:rPr lang="zh-CN" altLang="en-US" sz="2000" dirty="0"/>
+                  <a:t>的代码暂时还没有整合进测试框架中。</a:t>
+                </a:r>
+                <a:endParaRPr lang="en-US" altLang="zh-CN" sz="2000" dirty="0"/>
+              </a:p>
+              <a:p>
+                <a:r>
+                  <a:rPr lang="zh-CN" altLang="en-US" sz="2000" dirty="0"/>
+                  <a:t>解决堆栈大小问题后，还要采样更多数据。</a:t>
+                </a:r>
+                <a:endParaRPr lang="en-US" altLang="zh-CN" sz="2000" dirty="0"/>
+              </a:p>
+              <a:p>
+                <a:r>
+                  <a:rPr lang="zh-CN" altLang="en-US" sz="2000" dirty="0"/>
+                  <a:t>文件同步在</a:t>
+                </a:r>
+                <a:r>
+                  <a:rPr lang="en-US" altLang="zh-CN" sz="2000" dirty="0"/>
+                  <a:t>GitHub</a:t>
+                </a:r>
+                <a:r>
+                  <a:rPr lang="zh-CN" altLang="en-US" sz="2000" dirty="0"/>
+                  <a:t>：</a:t>
+                </a:r>
+                <a:r>
+                  <a:rPr lang="en-US" altLang="zh-CN" sz="2000" dirty="0">
+                    <a:hlinkClick r:id="rId2"/>
+                  </a:rPr>
+                  <a:t>AE-26710/Time-Prediction</a:t>
+                </a:r>
+                <a:endParaRPr lang="en-US" altLang="zh-CN" sz="2000" dirty="0"/>
+              </a:p>
+              <a:p>
+                <a:endParaRPr lang="en-US" altLang="zh-CN" sz="2000" dirty="0"/>
+              </a:p>
+              <a:p>
+                <a:endParaRPr lang="en-US" altLang="zh-CN" sz="2000" dirty="0"/>
+              </a:p>
+              <a:p>
+                <a:pPr marL="0" indent="0">
+                  <a:buNone/>
+                </a:pPr>
+                <a:endParaRPr lang="en-US" altLang="zh-CN" sz="2000" dirty="0"/>
+              </a:p>
+            </p:txBody>
+          </p:sp>
+        </mc:Choice>
+        <mc:Fallback>
+          <p:sp>
+            <p:nvSpPr>
+              <p:cNvPr id="3" name="内容占位符 2">
+                <a:extLst>
+                  <a:ext uri="{FF2B5EF4-FFF2-40B4-BE49-F238E27FC236}">
+                    <a16:creationId xmlns:a16="http://schemas.microsoft.com/office/drawing/2014/main" id="{83776943-FE15-6FCA-AA6C-CF2BE99E19E9}"/>
+                  </a:ext>
+                </a:extLst>
+              </p:cNvPr>
+              <p:cNvSpPr>
+                <a:spLocks noGrp="1" noRot="1" noChangeAspect="1" noMove="1" noResize="1" noEditPoints="1" noAdjustHandles="1" noChangeArrowheads="1" noChangeShapeType="1" noTextEdit="1"/>
+              </p:cNvSpPr>
+              <p:nvPr>
+                <p:ph idx="1"/>
+              </p:nvPr>
+            </p:nvSpPr>
+            <p:spPr>
+              <a:blipFill>
+                <a:blip r:embed="rId3"/>
+                <a:stretch>
+                  <a:fillRect l="-522" t="-1401"/>
+                </a:stretch>
+              </a:blipFill>
+            </p:spPr>
+            <p:txBody>
+              <a:bodyPr/>
+              <a:lstStyle/>
+              <a:p>
+                <a:r>
+                  <a:rPr lang="zh-CN" altLang="en-US">
+                    <a:noFill/>
+                  </a:rPr>
+                  <a:t> </a:t>
+                </a:r>
+              </a:p>
+            </p:txBody>
+          </p:sp>
+        </mc:Fallback>
+      </mc:AlternateContent>
+    </p:spTree>
+    <p:extLst>
+      <p:ext uri="{BB962C8B-B14F-4D97-AF65-F5344CB8AC3E}">
+        <p14:creationId xmlns:p14="http://schemas.microsoft.com/office/powerpoint/2010/main" val="3260883919"/>
+      </p:ext>
+    </p:extLst>
+  </p:cSld>
+  <p:clrMapOvr>
+    <a:masterClrMapping/>
+  </p:clrMapOvr>
+</p:sld>
+</file>
+
+<file path=ppt/slides/slide10.xml><?xml version="1.0" encoding="utf-8"?>
+<p:sld xmlns:a="http://schemas.openxmlformats.org/drawingml/2006/main" xmlns:r="http://schemas.openxmlformats.org/officeDocument/2006/relationships" xmlns:p="http://schemas.openxmlformats.org/presentationml/2006/main">
+  <p:cSld>
+    <p:spTree>
+      <p:nvGrpSpPr>
         <p:cNvPr id="1" name="">
           <a:extLst>
             <a:ext uri="{FF2B5EF4-FFF2-40B4-BE49-F238E27FC236}">
-              <a16:creationId xmlns:a16="http://schemas.microsoft.com/office/drawing/2014/main" id="{E61A36EC-11E0-E2D2-7496-77B1618B26AC}"/>
+              <a16:creationId xmlns:a16="http://schemas.microsoft.com/office/drawing/2014/main" id="{A2B3C1D7-B3E3-AD09-C722-B38111E6E2DA}"/>
             </a:ext>
           </a:extLst>
         </p:cNvPr>
@@ -3348,7 +3653,7 @@
           <p:cNvPr id="2" name="标题 1">
             <a:extLst>
               <a:ext uri="{FF2B5EF4-FFF2-40B4-BE49-F238E27FC236}">
-                <a16:creationId xmlns:a16="http://schemas.microsoft.com/office/drawing/2014/main" id="{9D06AE17-2726-0191-EAC1-0253169634B2}"/>
+                <a16:creationId xmlns:a16="http://schemas.microsoft.com/office/drawing/2014/main" id="{5D968676-7CE1-A2B7-49C5-24975D09CEF0}"/>
               </a:ext>
             </a:extLst>
           </p:cNvPr>
@@ -3383,7 +3688,7 @@
           <p:cNvPr id="5" name="图片 4">
             <a:extLst>
               <a:ext uri="{FF2B5EF4-FFF2-40B4-BE49-F238E27FC236}">
-                <a16:creationId xmlns:a16="http://schemas.microsoft.com/office/drawing/2014/main" id="{B0C7A3C9-0CF2-F497-B3AA-AE74D4D2D836}"/>
+                <a16:creationId xmlns:a16="http://schemas.microsoft.com/office/drawing/2014/main" id="{2F77262D-7E2B-0D9A-D71D-90D58E677F57}"/>
               </a:ext>
             </a:extLst>
           </p:cNvPr>
@@ -3400,14 +3705,13 @@
               </a:ext>
             </a:extLst>
           </a:blip>
-          <a:stretch>
-            <a:fillRect/>
-          </a:stretch>
+          <a:srcRect/>
+          <a:stretch/>
         </p:blipFill>
         <p:spPr>
           <a:xfrm>
             <a:off x="124097" y="600891"/>
-            <a:ext cx="3912326" cy="2934245"/>
+            <a:ext cx="3912325" cy="2934244"/>
           </a:xfrm>
           <a:prstGeom prst="rect">
             <a:avLst/>
@@ -3419,7 +3723,7 @@
           <p:cNvPr id="8" name="标题 1">
             <a:extLst>
               <a:ext uri="{FF2B5EF4-FFF2-40B4-BE49-F238E27FC236}">
-                <a16:creationId xmlns:a16="http://schemas.microsoft.com/office/drawing/2014/main" id="{1F84EE26-013C-51AB-6775-C0052A7BCCD1}"/>
+                <a16:creationId xmlns:a16="http://schemas.microsoft.com/office/drawing/2014/main" id="{1254D641-4CE2-7FBB-E5DF-622CBB75F7C4}"/>
               </a:ext>
             </a:extLst>
           </p:cNvPr>
@@ -3462,136 +3766,94 @@
           </a:lstStyle>
           <a:p>
             <a:r>
+              <a:rPr lang="en-US" altLang="zh-CN" sz="1000" dirty="0">
+                <a:latin typeface="Consolas" panose="020B0609020204030204" pitchFamily="49" charset="0"/>
+              </a:rPr>
+              <a:t>Best params (</a:t>
+            </a:r>
+            <a:r>
               <a:rPr lang="en-US" altLang="zh-CN" sz="1000" dirty="0" err="1">
                 <a:latin typeface="Consolas" panose="020B0609020204030204" pitchFamily="49" charset="0"/>
               </a:rPr>
-              <a:t>mlp</a:t>
-            </a:r>
-            <a:r>
-              <a:rPr lang="en-US" altLang="zh-CN" sz="1000" dirty="0">
-                <a:latin typeface="Consolas" panose="020B0609020204030204" pitchFamily="49" charset="0"/>
-              </a:rPr>
-              <a:t> = </a:t>
+              <a:t>mlp_tuned</a:t>
+            </a:r>
+            <a:r>
+              <a:rPr lang="en-US" altLang="zh-CN" sz="1000" dirty="0">
+                <a:latin typeface="Consolas" panose="020B0609020204030204" pitchFamily="49" charset="0"/>
+              </a:rPr>
+              <a:t>): {'</a:t>
             </a:r>
             <a:r>
               <a:rPr lang="en-US" altLang="zh-CN" sz="1000" dirty="0" err="1">
                 <a:latin typeface="Consolas" panose="020B0609020204030204" pitchFamily="49" charset="0"/>
               </a:rPr>
-              <a:t>MLPRegressor</a:t>
-            </a:r>
-            <a:r>
-              <a:rPr lang="en-US" altLang="zh-CN" sz="1000" dirty="0">
-                <a:latin typeface="Consolas" panose="020B0609020204030204" pitchFamily="49" charset="0"/>
-              </a:rPr>
-              <a:t>(</a:t>
-            </a:r>
-          </a:p>
-          <a:p>
-            <a:r>
-              <a:rPr lang="en-US" altLang="zh-CN" sz="1000" dirty="0">
-                <a:latin typeface="Consolas" panose="020B0609020204030204" pitchFamily="49" charset="0"/>
-              </a:rPr>
-              <a:t>    </a:t>
+              <a:t>regressor__activation</a:t>
+            </a:r>
+            <a:r>
+              <a:rPr lang="en-US" altLang="zh-CN" sz="1000" dirty="0">
+                <a:latin typeface="Consolas" panose="020B0609020204030204" pitchFamily="49" charset="0"/>
+              </a:rPr>
+              <a:t>': 'logistic', '</a:t>
             </a:r>
             <a:r>
               <a:rPr lang="en-US" altLang="zh-CN" sz="1000" dirty="0" err="1">
                 <a:latin typeface="Consolas" panose="020B0609020204030204" pitchFamily="49" charset="0"/>
               </a:rPr>
+              <a:t>regressor__alpha</a:t>
+            </a:r>
+            <a:r>
+              <a:rPr lang="en-US" altLang="zh-CN" sz="1000" dirty="0">
+                <a:latin typeface="Consolas" panose="020B0609020204030204" pitchFamily="49" charset="0"/>
+              </a:rPr>
+              <a:t>': 0.027638772178671115, 'regressor__</a:t>
+            </a:r>
+            <a:r>
+              <a:rPr lang="en-US" altLang="zh-CN" sz="1000" dirty="0" err="1">
+                <a:latin typeface="Consolas" panose="020B0609020204030204" pitchFamily="49" charset="0"/>
+              </a:rPr>
               <a:t>hidden_layer_sizes</a:t>
             </a:r>
             <a:r>
               <a:rPr lang="en-US" altLang="zh-CN" sz="1000" dirty="0">
                 <a:latin typeface="Consolas" panose="020B0609020204030204" pitchFamily="49" charset="0"/>
               </a:rPr>
-              <a:t>=(100, 50), </a:t>
-            </a:r>
-          </a:p>
-          <a:p>
-            <a:r>
-              <a:rPr lang="en-US" altLang="zh-CN" sz="1000" dirty="0">
-                <a:latin typeface="Consolas" panose="020B0609020204030204" pitchFamily="49" charset="0"/>
-              </a:rPr>
-              <a:t>    activation='</a:t>
+              <a:t>': (200, 100), 'regressor__</a:t>
             </a:r>
             <a:r>
               <a:rPr lang="en-US" altLang="zh-CN" sz="1000" dirty="0" err="1">
                 <a:latin typeface="Consolas" panose="020B0609020204030204" pitchFamily="49" charset="0"/>
               </a:rPr>
-              <a:t>relu</a:t>
-            </a:r>
-            <a:r>
-              <a:rPr lang="en-US" altLang="zh-CN" sz="1000" dirty="0">
-                <a:latin typeface="Consolas" panose="020B0609020204030204" pitchFamily="49" charset="0"/>
-              </a:rPr>
-              <a:t>', </a:t>
-            </a:r>
-          </a:p>
-          <a:p>
-            <a:r>
-              <a:rPr lang="en-US" altLang="zh-CN" sz="1000" dirty="0">
-                <a:latin typeface="Consolas" panose="020B0609020204030204" pitchFamily="49" charset="0"/>
-              </a:rPr>
-              <a:t>    solver='</a:t>
+              <a:t>learning_rate_init</a:t>
+            </a:r>
+            <a:r>
+              <a:rPr lang="en-US" altLang="zh-CN" sz="1000" dirty="0">
+                <a:latin typeface="Consolas" panose="020B0609020204030204" pitchFamily="49" charset="0"/>
+              </a:rPr>
+              <a:t>': 0.0251637321277227, '</a:t>
             </a:r>
             <a:r>
               <a:rPr lang="en-US" altLang="zh-CN" sz="1000" dirty="0" err="1">
                 <a:latin typeface="Consolas" panose="020B0609020204030204" pitchFamily="49" charset="0"/>
               </a:rPr>
+              <a:t>regressor__solver</a:t>
+            </a:r>
+            <a:r>
+              <a:rPr lang="en-US" altLang="zh-CN" sz="1000" dirty="0">
+                <a:latin typeface="Consolas" panose="020B0609020204030204" pitchFamily="49" charset="0"/>
+              </a:rPr>
+              <a:t>': '</a:t>
+            </a:r>
+            <a:r>
+              <a:rPr lang="en-US" altLang="zh-CN" sz="1000" dirty="0" err="1">
+                <a:latin typeface="Consolas" panose="020B0609020204030204" pitchFamily="49" charset="0"/>
+              </a:rPr>
               <a:t>adam</a:t>
             </a:r>
             <a:r>
               <a:rPr lang="en-US" altLang="zh-CN" sz="1000" dirty="0">
                 <a:latin typeface="Consolas" panose="020B0609020204030204" pitchFamily="49" charset="0"/>
               </a:rPr>
-              <a:t>', </a:t>
-            </a:r>
-          </a:p>
-          <a:p>
-            <a:r>
-              <a:rPr lang="en-US" altLang="zh-CN" sz="1000" dirty="0">
-                <a:latin typeface="Consolas" panose="020B0609020204030204" pitchFamily="49" charset="0"/>
-              </a:rPr>
-              <a:t>    </a:t>
-            </a:r>
-            <a:r>
-              <a:rPr lang="en-US" altLang="zh-CN" sz="1000" dirty="0" err="1">
-                <a:latin typeface="Consolas" panose="020B0609020204030204" pitchFamily="49" charset="0"/>
-              </a:rPr>
-              <a:t>max_iter</a:t>
-            </a:r>
-            <a:r>
-              <a:rPr lang="en-US" altLang="zh-CN" sz="1000" dirty="0">
-                <a:latin typeface="Consolas" panose="020B0609020204030204" pitchFamily="49" charset="0"/>
-              </a:rPr>
-              <a:t>=10000, </a:t>
-            </a:r>
-          </a:p>
-          <a:p>
-            <a:r>
-              <a:rPr lang="en-US" altLang="zh-CN" sz="1000" dirty="0">
-                <a:latin typeface="Consolas" panose="020B0609020204030204" pitchFamily="49" charset="0"/>
-              </a:rPr>
-              <a:t>    </a:t>
-            </a:r>
-            <a:r>
-              <a:rPr lang="en-US" altLang="zh-CN" sz="1000" dirty="0" err="1">
-                <a:latin typeface="Consolas" panose="020B0609020204030204" pitchFamily="49" charset="0"/>
-              </a:rPr>
-              <a:t>random_state</a:t>
-            </a:r>
-            <a:r>
-              <a:rPr lang="en-US" altLang="zh-CN" sz="1000" dirty="0">
-                <a:latin typeface="Consolas" panose="020B0609020204030204" pitchFamily="49" charset="0"/>
-              </a:rPr>
-              <a:t>=2</a:t>
-            </a:r>
-          </a:p>
-          <a:p>
-            <a:r>
-              <a:rPr lang="en-US" altLang="zh-CN" sz="1000" dirty="0">
-                <a:latin typeface="Consolas" panose="020B0609020204030204" pitchFamily="49" charset="0"/>
-              </a:rPr>
-              <a:t>    )</a:t>
+              <a:t>’}</a:t>
             </a:r>
           </a:p>
           <a:p>
@@ -3604,7 +3866,7 @@
               <a:rPr lang="pt-BR" altLang="zh-CN" sz="2000" dirty="0">
                 <a:latin typeface="Alte DIN 1451 Mittelschrift gep" panose="020B0603020202020204" pitchFamily="34" charset="0"/>
               </a:rPr>
-              <a:t>MAPE: 544.7565</a:t>
+              <a:t>MAPE: 4376.2991</a:t>
             </a:r>
           </a:p>
           <a:p>
@@ -3612,7 +3874,7 @@
               <a:rPr lang="pt-BR" altLang="zh-CN" sz="2000" dirty="0">
                 <a:latin typeface="Alte DIN 1451 Mittelschrift gep" panose="020B0603020202020204" pitchFamily="34" charset="0"/>
               </a:rPr>
-              <a:t>R²: 0.9996</a:t>
+              <a:t>R²: -0.2491</a:t>
             </a:r>
           </a:p>
           <a:p>
@@ -3620,7 +3882,7 @@
               <a:rPr lang="pt-BR" altLang="zh-CN" sz="2000" dirty="0">
                 <a:latin typeface="Alte DIN 1451 Mittelschrift gep" panose="020B0603020202020204" pitchFamily="34" charset="0"/>
               </a:rPr>
-              <a:t>RMSE: 1.7809</a:t>
+              <a:t>RMSE: 384.2825</a:t>
             </a:r>
             <a:endParaRPr lang="zh-CN" altLang="en-US" sz="2000" dirty="0">
               <a:latin typeface="Alte DIN 1451 Mittelschrift gep" panose="020B0603020202020204" pitchFamily="34" charset="0"/>
@@ -3628,12 +3890,83 @@
           </a:p>
         </p:txBody>
       </p:sp>
+    </p:spTree>
+    <p:extLst>
+      <p:ext uri="{BB962C8B-B14F-4D97-AF65-F5344CB8AC3E}">
+        <p14:creationId xmlns:p14="http://schemas.microsoft.com/office/powerpoint/2010/main" val="1851365892"/>
+      </p:ext>
+    </p:extLst>
+  </p:cSld>
+  <p:clrMapOvr>
+    <a:masterClrMapping/>
+  </p:clrMapOvr>
+</p:sld>
+</file>
+
+<file path=ppt/slides/slide11.xml><?xml version="1.0" encoding="utf-8"?>
+<p:sld xmlns:a="http://schemas.openxmlformats.org/drawingml/2006/main" xmlns:r="http://schemas.openxmlformats.org/officeDocument/2006/relationships" xmlns:p="http://schemas.openxmlformats.org/presentationml/2006/main">
+  <p:cSld>
+    <p:spTree>
+      <p:nvGrpSpPr>
+        <p:cNvPr id="1" name="">
+          <a:extLst>
+            <a:ext uri="{FF2B5EF4-FFF2-40B4-BE49-F238E27FC236}">
+              <a16:creationId xmlns:a16="http://schemas.microsoft.com/office/drawing/2014/main" id="{DD9EECF1-6507-DD4B-B156-62FDDA545518}"/>
+            </a:ext>
+          </a:extLst>
+        </p:cNvPr>
+        <p:cNvGrpSpPr/>
+        <p:nvPr/>
+      </p:nvGrpSpPr>
+      <p:grpSpPr>
+        <a:xfrm>
+          <a:off x="0" y="0"/>
+          <a:ext cx="0" cy="0"/>
+          <a:chOff x="0" y="0"/>
+          <a:chExt cx="0" cy="0"/>
+        </a:xfrm>
+      </p:grpSpPr>
+      <p:sp>
+        <p:nvSpPr>
+          <p:cNvPr id="2" name="标题 1">
+            <a:extLst>
+              <a:ext uri="{FF2B5EF4-FFF2-40B4-BE49-F238E27FC236}">
+                <a16:creationId xmlns:a16="http://schemas.microsoft.com/office/drawing/2014/main" id="{9C2BFF46-DD9C-94F8-9778-CB9E7AAC9DF3}"/>
+              </a:ext>
+            </a:extLst>
+          </p:cNvPr>
+          <p:cNvSpPr>
+            <a:spLocks noGrp="1"/>
+          </p:cNvSpPr>
+          <p:nvPr>
+            <p:ph type="title"/>
+          </p:nvPr>
+        </p:nvSpPr>
+        <p:spPr>
+          <a:xfrm>
+            <a:off x="124097" y="143056"/>
+            <a:ext cx="6950697" cy="457835"/>
+          </a:xfrm>
+        </p:spPr>
+        <p:txBody>
+          <a:bodyPr>
+            <a:normAutofit fontScale="90000"/>
+          </a:bodyPr>
+          <a:lstStyle/>
+          <a:p>
+            <a:r>
+              <a:rPr lang="zh-CN" altLang="en-US" sz="2800" dirty="0"/>
+              <a:t>拟合多项式</a:t>
+            </a:r>
+          </a:p>
+        </p:txBody>
+      </p:sp>
       <p:pic>
         <p:nvPicPr>
-          <p:cNvPr id="3" name="图片 2">
-            <a:extLst>
-              <a:ext uri="{FF2B5EF4-FFF2-40B4-BE49-F238E27FC236}">
-                <a16:creationId xmlns:a16="http://schemas.microsoft.com/office/drawing/2014/main" id="{8FE2CB0F-87C6-7DAC-8FFC-2205F728D2C0}"/>
+          <p:cNvPr id="5" name="图片 4">
+            <a:extLst>
+              <a:ext uri="{FF2B5EF4-FFF2-40B4-BE49-F238E27FC236}">
+                <a16:creationId xmlns:a16="http://schemas.microsoft.com/office/drawing/2014/main" id="{5C259035-F5DA-901D-2D63-63D1A35EC3D6}"/>
               </a:ext>
             </a:extLst>
           </p:cNvPr>
@@ -3643,7 +3976,7 @@
           <p:nvPr/>
         </p:nvPicPr>
         <p:blipFill>
-          <a:blip r:embed="rId3">
+          <a:blip r:embed="rId2">
             <a:extLst>
               <a:ext uri="{28A0092B-C50C-407E-A947-70E740481C1C}">
                 <a14:useLocalDpi xmlns:a14="http://schemas.microsoft.com/office/drawing/2010/main" val="0"/>
@@ -3655,8 +3988,8 @@
         </p:blipFill>
         <p:spPr>
           <a:xfrm>
-            <a:off x="124097" y="3464294"/>
-            <a:ext cx="3912325" cy="2934244"/>
+            <a:off x="124097" y="600891"/>
+            <a:ext cx="3912326" cy="2934244"/>
           </a:xfrm>
           <a:prstGeom prst="rect">
             <a:avLst/>
@@ -3665,10 +3998,10 @@
       </p:pic>
       <p:sp>
         <p:nvSpPr>
-          <p:cNvPr id="4" name="标题 1">
-            <a:extLst>
-              <a:ext uri="{FF2B5EF4-FFF2-40B4-BE49-F238E27FC236}">
-                <a16:creationId xmlns:a16="http://schemas.microsoft.com/office/drawing/2014/main" id="{D0E97B04-9E6F-C06C-A48D-CF770D627264}"/>
+          <p:cNvPr id="8" name="标题 1">
+            <a:extLst>
+              <a:ext uri="{FF2B5EF4-FFF2-40B4-BE49-F238E27FC236}">
+                <a16:creationId xmlns:a16="http://schemas.microsoft.com/office/drawing/2014/main" id="{7D98A111-CF32-1FB1-5096-F8E1D66E91AC}"/>
               </a:ext>
             </a:extLst>
           </p:cNvPr>
@@ -3679,7 +4012,7 @@
         </p:nvSpPr>
         <p:spPr>
           <a:xfrm>
-            <a:off x="4036422" y="3537168"/>
+            <a:off x="4036422" y="598859"/>
             <a:ext cx="2738845" cy="2593346"/>
           </a:xfrm>
           <a:prstGeom prst="rect">
@@ -3714,103 +4047,55 @@
               <a:rPr lang="en-US" altLang="zh-CN" sz="1000" dirty="0">
                 <a:latin typeface="Consolas" panose="020B0609020204030204" pitchFamily="49" charset="0"/>
               </a:rPr>
-              <a:t>Best params (</a:t>
+              <a:t>poly = </a:t>
             </a:r>
             <a:r>
               <a:rPr lang="en-US" altLang="zh-CN" sz="1000" dirty="0" err="1">
                 <a:latin typeface="Consolas" panose="020B0609020204030204" pitchFamily="49" charset="0"/>
               </a:rPr>
-              <a:t>mlp_tuned</a:t>
-            </a:r>
-            <a:r>
-              <a:rPr lang="en-US" altLang="zh-CN" sz="1000" dirty="0">
-                <a:latin typeface="Consolas" panose="020B0609020204030204" pitchFamily="49" charset="0"/>
-              </a:rPr>
-              <a:t>): {'</a:t>
+              <a:t>PolynomialFeatures</a:t>
+            </a:r>
+            <a:r>
+              <a:rPr lang="en-US" altLang="zh-CN" sz="1000" dirty="0">
+                <a:latin typeface="Consolas" panose="020B0609020204030204" pitchFamily="49" charset="0"/>
+              </a:rPr>
+              <a:t>(</a:t>
+            </a:r>
+          </a:p>
+          <a:p>
+            <a:r>
+              <a:rPr lang="en-US" altLang="zh-CN" sz="1000" dirty="0">
+                <a:latin typeface="Consolas" panose="020B0609020204030204" pitchFamily="49" charset="0"/>
+              </a:rPr>
+              <a:t>        degree=3, </a:t>
+            </a:r>
+          </a:p>
+          <a:p>
+            <a:r>
+              <a:rPr lang="en-US" altLang="zh-CN" sz="1000" dirty="0">
+                <a:latin typeface="Consolas" panose="020B0609020204030204" pitchFamily="49" charset="0"/>
+              </a:rPr>
+              <a:t>        </a:t>
             </a:r>
             <a:r>
               <a:rPr lang="en-US" altLang="zh-CN" sz="1000" dirty="0" err="1">
                 <a:latin typeface="Consolas" panose="020B0609020204030204" pitchFamily="49" charset="0"/>
               </a:rPr>
-              <a:t>regressor__activation</a:t>
-            </a:r>
-            <a:r>
-              <a:rPr lang="en-US" altLang="zh-CN" sz="1000" dirty="0">
-                <a:latin typeface="Consolas" panose="020B0609020204030204" pitchFamily="49" charset="0"/>
-              </a:rPr>
-              <a:t>': '</a:t>
-            </a:r>
-            <a:r>
-              <a:rPr lang="en-US" altLang="zh-CN" sz="1000" dirty="0" err="1">
-                <a:latin typeface="Consolas" panose="020B0609020204030204" pitchFamily="49" charset="0"/>
-              </a:rPr>
-              <a:t>relu</a:t>
-            </a:r>
-            <a:r>
-              <a:rPr lang="en-US" altLang="zh-CN" sz="1000" dirty="0">
-                <a:latin typeface="Consolas" panose="020B0609020204030204" pitchFamily="49" charset="0"/>
-              </a:rPr>
-              <a:t>', '</a:t>
-            </a:r>
-            <a:r>
-              <a:rPr lang="en-US" altLang="zh-CN" sz="1000" dirty="0" err="1">
-                <a:latin typeface="Consolas" panose="020B0609020204030204" pitchFamily="49" charset="0"/>
-              </a:rPr>
-              <a:t>regressor__alpha</a:t>
-            </a:r>
-            <a:r>
-              <a:rPr lang="en-US" altLang="zh-CN" sz="1000" dirty="0">
-                <a:latin typeface="Consolas" panose="020B0609020204030204" pitchFamily="49" charset="0"/>
-              </a:rPr>
-              <a:t>': 0.006680351314068706, 'regressor__</a:t>
-            </a:r>
-            <a:r>
-              <a:rPr lang="en-US" altLang="zh-CN" sz="1000" dirty="0" err="1">
-                <a:latin typeface="Consolas" panose="020B0609020204030204" pitchFamily="49" charset="0"/>
-              </a:rPr>
-              <a:t>hidden_layer_sizes</a:t>
-            </a:r>
-            <a:r>
-              <a:rPr lang="en-US" altLang="zh-CN" sz="1000" dirty="0">
-                <a:latin typeface="Consolas" panose="020B0609020204030204" pitchFamily="49" charset="0"/>
-              </a:rPr>
-              <a:t>': (200, 100), 'regressor__</a:t>
-            </a:r>
-            <a:r>
-              <a:rPr lang="en-US" altLang="zh-CN" sz="1000" dirty="0" err="1">
-                <a:latin typeface="Consolas" panose="020B0609020204030204" pitchFamily="49" charset="0"/>
-              </a:rPr>
-              <a:t>learning_rate_init</a:t>
-            </a:r>
-            <a:r>
-              <a:rPr lang="en-US" altLang="zh-CN" sz="1000" dirty="0">
-                <a:latin typeface="Consolas" panose="020B0609020204030204" pitchFamily="49" charset="0"/>
-              </a:rPr>
-              <a:t>': 0.07602233354654259, '</a:t>
-            </a:r>
-            <a:r>
-              <a:rPr lang="en-US" altLang="zh-CN" sz="1000" dirty="0" err="1">
-                <a:latin typeface="Consolas" panose="020B0609020204030204" pitchFamily="49" charset="0"/>
-              </a:rPr>
-              <a:t>regressor__solver</a:t>
-            </a:r>
-            <a:r>
-              <a:rPr lang="en-US" altLang="zh-CN" sz="1000" dirty="0">
-                <a:latin typeface="Consolas" panose="020B0609020204030204" pitchFamily="49" charset="0"/>
-              </a:rPr>
-              <a:t>': '</a:t>
-            </a:r>
-            <a:r>
-              <a:rPr lang="en-US" altLang="zh-CN" sz="1000" dirty="0" err="1">
-                <a:latin typeface="Consolas" panose="020B0609020204030204" pitchFamily="49" charset="0"/>
-              </a:rPr>
-              <a:t>lbfgs</a:t>
-            </a:r>
-            <a:r>
-              <a:rPr lang="en-US" altLang="zh-CN" sz="1000" dirty="0">
-                <a:latin typeface="Consolas" panose="020B0609020204030204" pitchFamily="49" charset="0"/>
-              </a:rPr>
-              <a:t>’}</a:t>
+              <a:t>include_bias</a:t>
+            </a:r>
+            <a:r>
+              <a:rPr lang="en-US" altLang="zh-CN" sz="1000" dirty="0">
+                <a:latin typeface="Consolas" panose="020B0609020204030204" pitchFamily="49" charset="0"/>
+              </a:rPr>
+              <a:t>=True</a:t>
+            </a:r>
+          </a:p>
+          <a:p>
+            <a:r>
+              <a:rPr lang="en-US" altLang="zh-CN" sz="1000" dirty="0">
+                <a:latin typeface="Consolas" panose="020B0609020204030204" pitchFamily="49" charset="0"/>
+              </a:rPr>
+              <a:t>        )</a:t>
             </a:r>
           </a:p>
           <a:p>
@@ -3823,7 +4108,7 @@
               <a:rPr lang="pt-BR" altLang="zh-CN" sz="2000" dirty="0">
                 <a:latin typeface="Alte DIN 1451 Mittelschrift gep" panose="020B0603020202020204" pitchFamily="34" charset="0"/>
               </a:rPr>
-              <a:t>MAPE: 335.4517</a:t>
+              <a:t>MAPE: 2011.0220</a:t>
             </a:r>
           </a:p>
           <a:p>
@@ -3831,7 +4116,7 @@
               <a:rPr lang="pt-BR" altLang="zh-CN" sz="2000" dirty="0">
                 <a:latin typeface="Alte DIN 1451 Mittelschrift gep" panose="020B0603020202020204" pitchFamily="34" charset="0"/>
               </a:rPr>
-              <a:t>R²: 0.9994</a:t>
+              <a:t>R²: 0.9993</a:t>
             </a:r>
           </a:p>
           <a:p>
@@ -3839,98 +4124,31 @@
               <a:rPr lang="pt-BR" altLang="zh-CN" sz="2000" dirty="0">
                 <a:latin typeface="Alte DIN 1451 Mittelschrift gep" panose="020B0603020202020204" pitchFamily="34" charset="0"/>
               </a:rPr>
-              <a:t>RMSE: 2.1308</a:t>
-            </a:r>
-            <a:endParaRPr lang="zh-CN" altLang="en-US" sz="2000" dirty="0">
+              <a:t>RMSE: 2.3611</a:t>
+            </a:r>
+          </a:p>
+          <a:p>
+            <a:endParaRPr lang="pt-BR" altLang="zh-CN" sz="2000" dirty="0">
               <a:latin typeface="Alte DIN 1451 Mittelschrift gep" panose="020B0603020202020204" pitchFamily="34" charset="0"/>
             </a:endParaRPr>
           </a:p>
-        </p:txBody>
-      </p:sp>
-      <p:sp>
-        <p:nvSpPr>
-          <p:cNvPr id="6" name="文本框 5">
-            <a:extLst>
-              <a:ext uri="{FF2B5EF4-FFF2-40B4-BE49-F238E27FC236}">
-                <a16:creationId xmlns:a16="http://schemas.microsoft.com/office/drawing/2014/main" id="{53D2F568-C28A-6F84-C04D-D4D27E71A7A0}"/>
-              </a:ext>
-            </a:extLst>
-          </p:cNvPr>
-          <p:cNvSpPr txBox="1"/>
-          <p:nvPr/>
-        </p:nvSpPr>
-        <p:spPr>
-          <a:xfrm>
-            <a:off x="7074794" y="3535136"/>
-            <a:ext cx="4344473" cy="369332"/>
-          </a:xfrm>
-          <a:prstGeom prst="rect">
-            <a:avLst/>
-          </a:prstGeom>
-          <a:noFill/>
-        </p:spPr>
-        <p:txBody>
-          <a:bodyPr wrap="square" rtlCol="0">
-            <a:spAutoFit/>
-          </a:bodyPr>
-          <a:lstStyle/>
-          <a:p>
-            <a:r>
-              <a:rPr lang="zh-CN" altLang="en-US" dirty="0"/>
-              <a:t>引入</a:t>
-            </a:r>
-            <a:r>
-              <a:rPr lang="en-US" altLang="zh-CN" dirty="0" err="1"/>
-              <a:t>RandomizedSearchCV</a:t>
-            </a:r>
-            <a:r>
-              <a:rPr lang="zh-CN" altLang="en-US" dirty="0"/>
-              <a:t>自动搜索参数</a:t>
-            </a:r>
-            <a:endParaRPr lang="en-US" altLang="zh-CN" dirty="0"/>
-          </a:p>
-        </p:txBody>
-      </p:sp>
-      <p:sp>
-        <p:nvSpPr>
-          <p:cNvPr id="7" name="文本框 6">
-            <a:extLst>
-              <a:ext uri="{FF2B5EF4-FFF2-40B4-BE49-F238E27FC236}">
-                <a16:creationId xmlns:a16="http://schemas.microsoft.com/office/drawing/2014/main" id="{95B88A30-28A4-B505-6102-940CCBBB2FF3}"/>
-              </a:ext>
-            </a:extLst>
-          </p:cNvPr>
-          <p:cNvSpPr txBox="1"/>
-          <p:nvPr/>
-        </p:nvSpPr>
-        <p:spPr>
-          <a:xfrm>
-            <a:off x="7074793" y="598859"/>
-            <a:ext cx="4344473" cy="369332"/>
-          </a:xfrm>
-          <a:prstGeom prst="rect">
-            <a:avLst/>
-          </a:prstGeom>
-          <a:noFill/>
-        </p:spPr>
-        <p:txBody>
-          <a:bodyPr wrap="square" rtlCol="0">
-            <a:spAutoFit/>
-          </a:bodyPr>
-          <a:lstStyle/>
-          <a:p>
-            <a:r>
-              <a:rPr lang="zh-CN" altLang="en-US" dirty="0"/>
-              <a:t>手动调参</a:t>
-            </a:r>
-            <a:endParaRPr lang="en-US" altLang="zh-CN" dirty="0"/>
+          <a:p>
+            <a:r>
+              <a:rPr lang="en-US" altLang="zh-CN" sz="1000" dirty="0">
+                <a:latin typeface="Consolas" panose="020B0609020204030204" pitchFamily="49" charset="0"/>
+              </a:rPr>
+              <a:t>T(N) = 5.038849091828685e-07 * N^3 + -0.00013313793040276603 * N^2 + 0.008000656253323172 * N + 0.257575</a:t>
+            </a:r>
+            <a:endParaRPr lang="zh-CN" altLang="en-US" sz="1000" dirty="0">
+              <a:latin typeface="Consolas" panose="020B0609020204030204" pitchFamily="49" charset="0"/>
+            </a:endParaRPr>
           </a:p>
         </p:txBody>
       </p:sp>
     </p:spTree>
     <p:extLst>
       <p:ext uri="{BB962C8B-B14F-4D97-AF65-F5344CB8AC3E}">
-        <p14:creationId xmlns:p14="http://schemas.microsoft.com/office/powerpoint/2010/main" val="520983180"/>
+        <p14:creationId xmlns:p14="http://schemas.microsoft.com/office/powerpoint/2010/main" val="1787281386"/>
       </p:ext>
     </p:extLst>
   </p:cSld>
@@ -3940,7 +4158,7 @@
 </p:sld>
 </file>
 
-<file path=ppt/slides/slide10.xml><?xml version="1.0" encoding="utf-8"?>
+<file path=ppt/slides/slide12.xml><?xml version="1.0" encoding="utf-8"?>
 <p:sld xmlns:a="http://schemas.openxmlformats.org/drawingml/2006/main" xmlns:r="http://schemas.openxmlformats.org/officeDocument/2006/relationships" xmlns:p="http://schemas.openxmlformats.org/presentationml/2006/main">
   <p:cSld>
     <p:spTree>
@@ -3948,7 +4166,7 @@
         <p:cNvPr id="1" name="">
           <a:extLst>
             <a:ext uri="{FF2B5EF4-FFF2-40B4-BE49-F238E27FC236}">
-              <a16:creationId xmlns:a16="http://schemas.microsoft.com/office/drawing/2014/main" id="{A3BB8DC3-B191-CD1B-5E82-08C8D8FAB672}"/>
+              <a16:creationId xmlns:a16="http://schemas.microsoft.com/office/drawing/2014/main" id="{8430C702-1A76-DC11-56A6-530002205B53}"/>
             </a:ext>
           </a:extLst>
         </p:cNvPr>
@@ -3968,7 +4186,7 @@
           <p:cNvPr id="2" name="标题 1">
             <a:extLst>
               <a:ext uri="{FF2B5EF4-FFF2-40B4-BE49-F238E27FC236}">
-                <a16:creationId xmlns:a16="http://schemas.microsoft.com/office/drawing/2014/main" id="{B656F82E-85C2-5973-97A1-A162A7E1F645}"/>
+                <a16:creationId xmlns:a16="http://schemas.microsoft.com/office/drawing/2014/main" id="{27D3F7F1-808D-9206-38B1-FA1C98895CF6}"/>
               </a:ext>
             </a:extLst>
           </p:cNvPr>
@@ -3993,7 +4211,7 @@
           <a:p>
             <a:r>
               <a:rPr lang="zh-CN" altLang="en-US" sz="2800" dirty="0"/>
-              <a:t>非线性最小二乘拟合</a:t>
+              <a:t>拟合多项式</a:t>
             </a:r>
           </a:p>
         </p:txBody>
@@ -4003,7 +4221,7 @@
           <p:cNvPr id="5" name="图片 4">
             <a:extLst>
               <a:ext uri="{FF2B5EF4-FFF2-40B4-BE49-F238E27FC236}">
-                <a16:creationId xmlns:a16="http://schemas.microsoft.com/office/drawing/2014/main" id="{D7F2ABB8-88B7-3608-B3A8-5EEF6911DF28}"/>
+                <a16:creationId xmlns:a16="http://schemas.microsoft.com/office/drawing/2014/main" id="{72F2D35C-DB79-AAB6-D2D3-3C76FE373030}"/>
               </a:ext>
             </a:extLst>
           </p:cNvPr>
@@ -4038,7 +4256,7 @@
           <p:cNvPr id="8" name="标题 1">
             <a:extLst>
               <a:ext uri="{FF2B5EF4-FFF2-40B4-BE49-F238E27FC236}">
-                <a16:creationId xmlns:a16="http://schemas.microsoft.com/office/drawing/2014/main" id="{3FC2385D-E669-BC8A-D3B3-D24E79E13246}"/>
+                <a16:creationId xmlns:a16="http://schemas.microsoft.com/office/drawing/2014/main" id="{1211AB25-CBF2-0C54-3894-7726B5E8C598}"/>
               </a:ext>
             </a:extLst>
           </p:cNvPr>
@@ -4084,7 +4302,7 @@
               <a:rPr lang="pt-BR" altLang="zh-CN" sz="2000" dirty="0">
                 <a:latin typeface="Alte DIN 1451 Mittelschrift gep" panose="020B0603020202020204" pitchFamily="34" charset="0"/>
               </a:rPr>
-              <a:t>MAPE: 645.0907</a:t>
+              <a:t>MAPE: 645.0855</a:t>
             </a:r>
           </a:p>
           <a:p>
@@ -4102,8 +4320,21 @@
               </a:rPr>
               <a:t>RMSE: 2.5920</a:t>
             </a:r>
-            <a:endParaRPr lang="zh-CN" altLang="en-US" sz="2000" dirty="0">
+          </a:p>
+          <a:p>
+            <a:endParaRPr lang="pt-BR" altLang="zh-CN" sz="2000" dirty="0">
               <a:latin typeface="Alte DIN 1451 Mittelschrift gep" panose="020B0603020202020204" pitchFamily="34" charset="0"/>
+            </a:endParaRPr>
+          </a:p>
+          <a:p>
+            <a:r>
+              <a:rPr lang="pt-BR" altLang="zh-CN" sz="1000" dirty="0">
+                <a:latin typeface="Consolas" panose="020B0609020204030204" pitchFamily="49" charset="0"/>
+              </a:rPr>
+              <a:t>T(N) = 1.0143942756480705e-06 * N^3 + -0.00027262610626153634 * N^2 + 0.016611600964441024 * N + 0.669018</a:t>
+            </a:r>
+            <a:endParaRPr lang="zh-CN" altLang="en-US" sz="1000" dirty="0">
+              <a:latin typeface="Consolas" panose="020B0609020204030204" pitchFamily="49" charset="0"/>
             </a:endParaRPr>
           </a:p>
         </p:txBody>
@@ -4111,7 +4342,7 @@
     </p:spTree>
     <p:extLst>
       <p:ext uri="{BB962C8B-B14F-4D97-AF65-F5344CB8AC3E}">
-        <p14:creationId xmlns:p14="http://schemas.microsoft.com/office/powerpoint/2010/main" val="1199146460"/>
+        <p14:creationId xmlns:p14="http://schemas.microsoft.com/office/powerpoint/2010/main" val="4024504264"/>
       </p:ext>
     </p:extLst>
   </p:cSld>
@@ -4121,7 +4352,259 @@
 </p:sld>
 </file>
 
-<file path=ppt/slides/slide11.xml><?xml version="1.0" encoding="utf-8"?>
+<file path=ppt/slides/slide13.xml><?xml version="1.0" encoding="utf-8"?>
+<p:sld xmlns:a="http://schemas.openxmlformats.org/drawingml/2006/main" xmlns:r="http://schemas.openxmlformats.org/officeDocument/2006/relationships" xmlns:p="http://schemas.openxmlformats.org/presentationml/2006/main">
+  <p:cSld>
+    <p:spTree>
+      <p:nvGrpSpPr>
+        <p:cNvPr id="1" name="">
+          <a:extLst>
+            <a:ext uri="{FF2B5EF4-FFF2-40B4-BE49-F238E27FC236}">
+              <a16:creationId xmlns:a16="http://schemas.microsoft.com/office/drawing/2014/main" id="{4374FBB3-B68A-9B41-5700-63CCE9E4E699}"/>
+            </a:ext>
+          </a:extLst>
+        </p:cNvPr>
+        <p:cNvGrpSpPr/>
+        <p:nvPr/>
+      </p:nvGrpSpPr>
+      <p:grpSpPr>
+        <a:xfrm>
+          <a:off x="0" y="0"/>
+          <a:ext cx="0" cy="0"/>
+          <a:chOff x="0" y="0"/>
+          <a:chExt cx="0" cy="0"/>
+        </a:xfrm>
+      </p:grpSpPr>
+      <p:sp>
+        <p:nvSpPr>
+          <p:cNvPr id="2" name="标题 1">
+            <a:extLst>
+              <a:ext uri="{FF2B5EF4-FFF2-40B4-BE49-F238E27FC236}">
+                <a16:creationId xmlns:a16="http://schemas.microsoft.com/office/drawing/2014/main" id="{065365C6-1FB5-AD5B-ABDB-610D35971466}"/>
+              </a:ext>
+            </a:extLst>
+          </p:cNvPr>
+          <p:cNvSpPr>
+            <a:spLocks noGrp="1"/>
+          </p:cNvSpPr>
+          <p:nvPr>
+            <p:ph type="title"/>
+          </p:nvPr>
+        </p:nvSpPr>
+        <p:spPr>
+          <a:xfrm>
+            <a:off x="124097" y="143056"/>
+            <a:ext cx="6950697" cy="457835"/>
+          </a:xfrm>
+        </p:spPr>
+        <p:txBody>
+          <a:bodyPr>
+            <a:normAutofit fontScale="90000"/>
+          </a:bodyPr>
+          <a:lstStyle/>
+          <a:p>
+            <a:r>
+              <a:rPr lang="zh-CN" altLang="en-US" sz="2800" dirty="0"/>
+              <a:t>拟合多项式</a:t>
+            </a:r>
+          </a:p>
+        </p:txBody>
+      </p:sp>
+      <p:pic>
+        <p:nvPicPr>
+          <p:cNvPr id="5" name="图片 4">
+            <a:extLst>
+              <a:ext uri="{FF2B5EF4-FFF2-40B4-BE49-F238E27FC236}">
+                <a16:creationId xmlns:a16="http://schemas.microsoft.com/office/drawing/2014/main" id="{85F791E7-C8DD-1DE1-6A23-149C83366ED3}"/>
+              </a:ext>
+            </a:extLst>
+          </p:cNvPr>
+          <p:cNvPicPr>
+            <a:picLocks noChangeAspect="1"/>
+          </p:cNvPicPr>
+          <p:nvPr/>
+        </p:nvPicPr>
+        <p:blipFill>
+          <a:blip r:embed="rId2">
+            <a:extLst>
+              <a:ext uri="{28A0092B-C50C-407E-A947-70E740481C1C}">
+                <a14:useLocalDpi xmlns:a14="http://schemas.microsoft.com/office/drawing/2010/main" val="0"/>
+              </a:ext>
+            </a:extLst>
+          </a:blip>
+          <a:srcRect/>
+          <a:stretch/>
+        </p:blipFill>
+        <p:spPr>
+          <a:xfrm>
+            <a:off x="124097" y="600891"/>
+            <a:ext cx="3912325" cy="2934243"/>
+          </a:xfrm>
+          <a:prstGeom prst="rect">
+            <a:avLst/>
+          </a:prstGeom>
+        </p:spPr>
+      </p:pic>
+      <p:sp>
+        <p:nvSpPr>
+          <p:cNvPr id="8" name="标题 1">
+            <a:extLst>
+              <a:ext uri="{FF2B5EF4-FFF2-40B4-BE49-F238E27FC236}">
+                <a16:creationId xmlns:a16="http://schemas.microsoft.com/office/drawing/2014/main" id="{8D4129F2-45CE-E96F-B37F-A9D6A4185685}"/>
+              </a:ext>
+            </a:extLst>
+          </p:cNvPr>
+          <p:cNvSpPr txBox="1">
+            <a:spLocks/>
+          </p:cNvSpPr>
+          <p:nvPr/>
+        </p:nvSpPr>
+        <p:spPr>
+          <a:xfrm>
+            <a:off x="4036422" y="598859"/>
+            <a:ext cx="2738845" cy="2593346"/>
+          </a:xfrm>
+          <a:prstGeom prst="rect">
+            <a:avLst/>
+          </a:prstGeom>
+        </p:spPr>
+        <p:txBody>
+          <a:bodyPr vert="horz" lIns="91440" tIns="45720" rIns="91440" bIns="45720" rtlCol="0" anchor="ctr">
+            <a:noAutofit/>
+          </a:bodyPr>
+          <a:lstStyle>
+            <a:lvl1pPr algn="l" defTabSz="914400" rtl="0" eaLnBrk="1" latinLnBrk="0" hangingPunct="1">
+              <a:lnSpc>
+                <a:spcPct val="90000"/>
+              </a:lnSpc>
+              <a:spcBef>
+                <a:spcPct val="0"/>
+              </a:spcBef>
+              <a:buNone/>
+              <a:defRPr sz="4400" kern="1200">
+                <a:solidFill>
+                  <a:schemeClr val="tx1"/>
+                </a:solidFill>
+                <a:latin typeface="+mj-lt"/>
+                <a:ea typeface="+mj-ea"/>
+                <a:cs typeface="+mj-cs"/>
+              </a:defRPr>
+            </a:lvl1pPr>
+          </a:lstStyle>
+          <a:p>
+            <a:r>
+              <a:rPr lang="pt-BR" altLang="zh-CN" sz="2000" dirty="0">
+                <a:latin typeface="Alte DIN 1451 Mittelschrift gep" panose="020B0603020202020204" pitchFamily="34" charset="0"/>
+              </a:rPr>
+              <a:t>MAPE: 50.0670</a:t>
+            </a:r>
+          </a:p>
+          <a:p>
+            <a:r>
+              <a:rPr lang="pt-BR" altLang="zh-CN" sz="2000" dirty="0">
+                <a:latin typeface="Alte DIN 1451 Mittelschrift gep" panose="020B0603020202020204" pitchFamily="34" charset="0"/>
+              </a:rPr>
+              <a:t>R²: 1.0000</a:t>
+            </a:r>
+          </a:p>
+          <a:p>
+            <a:r>
+              <a:rPr lang="pt-BR" altLang="zh-CN" sz="2000" dirty="0">
+                <a:latin typeface="Alte DIN 1451 Mittelschrift gep" panose="020B0603020202020204" pitchFamily="34" charset="0"/>
+              </a:rPr>
+              <a:t>RMSE: 0.5282</a:t>
+            </a:r>
+          </a:p>
+          <a:p>
+            <a:endParaRPr lang="pt-BR" altLang="zh-CN" sz="2000" dirty="0">
+              <a:latin typeface="Alte DIN 1451 Mittelschrift gep" panose="020B0603020202020204" pitchFamily="34" charset="0"/>
+            </a:endParaRPr>
+          </a:p>
+          <a:p>
+            <a:r>
+              <a:rPr lang="pt-BR" altLang="zh-CN" sz="1000" dirty="0">
+                <a:latin typeface="Consolas" panose="020B0609020204030204" pitchFamily="49" charset="0"/>
+              </a:rPr>
+              <a:t>T(N) = 4.933307294951645e-07 * N log2(N) + 0.003611</a:t>
+            </a:r>
+            <a:endParaRPr lang="zh-CN" altLang="en-US" sz="1000" dirty="0">
+              <a:latin typeface="Consolas" panose="020B0609020204030204" pitchFamily="49" charset="0"/>
+            </a:endParaRPr>
+          </a:p>
+        </p:txBody>
+      </p:sp>
+      <p:sp>
+        <p:nvSpPr>
+          <p:cNvPr id="3" name="标题 1">
+            <a:extLst>
+              <a:ext uri="{FF2B5EF4-FFF2-40B4-BE49-F238E27FC236}">
+                <a16:creationId xmlns:a16="http://schemas.microsoft.com/office/drawing/2014/main" id="{0C5ABB88-D8AE-8933-9BA9-16786CF0593C}"/>
+              </a:ext>
+            </a:extLst>
+          </p:cNvPr>
+          <p:cNvSpPr txBox="1">
+            <a:spLocks/>
+          </p:cNvSpPr>
+          <p:nvPr/>
+        </p:nvSpPr>
+        <p:spPr>
+          <a:xfrm>
+            <a:off x="9572898" y="143056"/>
+            <a:ext cx="2434506" cy="457835"/>
+          </a:xfrm>
+          <a:prstGeom prst="rect">
+            <a:avLst/>
+          </a:prstGeom>
+        </p:spPr>
+        <p:txBody>
+          <a:bodyPr vert="horz" lIns="91440" tIns="45720" rIns="91440" bIns="45720" rtlCol="0" anchor="ctr">
+            <a:normAutofit fontScale="97500" lnSpcReduction="10000"/>
+          </a:bodyPr>
+          <a:lstStyle>
+            <a:lvl1pPr algn="l" defTabSz="914400" rtl="0" eaLnBrk="1" latinLnBrk="0" hangingPunct="1">
+              <a:lnSpc>
+                <a:spcPct val="90000"/>
+              </a:lnSpc>
+              <a:spcBef>
+                <a:spcPct val="0"/>
+              </a:spcBef>
+              <a:buNone/>
+              <a:defRPr sz="4400" kern="1200">
+                <a:solidFill>
+                  <a:schemeClr val="tx1"/>
+                </a:solidFill>
+                <a:latin typeface="+mj-lt"/>
+                <a:ea typeface="+mj-ea"/>
+                <a:cs typeface="+mj-cs"/>
+              </a:defRPr>
+            </a:lvl1pPr>
+          </a:lstStyle>
+          <a:p>
+            <a:r>
+              <a:rPr lang="zh-CN" altLang="en-US" sz="2800" dirty="0">
+                <a:solidFill>
+                  <a:srgbClr val="00B050"/>
+                </a:solidFill>
+              </a:rPr>
+              <a:t>表现较好</a:t>
+            </a:r>
+          </a:p>
+        </p:txBody>
+      </p:sp>
+    </p:spTree>
+    <p:extLst>
+      <p:ext uri="{BB962C8B-B14F-4D97-AF65-F5344CB8AC3E}">
+        <p14:creationId xmlns:p14="http://schemas.microsoft.com/office/powerpoint/2010/main" val="3649023254"/>
+      </p:ext>
+    </p:extLst>
+  </p:cSld>
+  <p:clrMapOvr>
+    <a:masterClrMapping/>
+  </p:clrMapOvr>
+</p:sld>
+</file>
+
+<file path=ppt/slides/slide14.xml><?xml version="1.0" encoding="utf-8"?>
 <p:sld xmlns:a="http://schemas.openxmlformats.org/drawingml/2006/main" xmlns:r="http://schemas.openxmlformats.org/officeDocument/2006/relationships" xmlns:p="http://schemas.openxmlformats.org/presentationml/2006/main">
   <p:cSld>
     <p:spTree>
@@ -4721,6 +5204,64 @@
           </a:p>
         </p:txBody>
       </p:sp>
+      <p:sp>
+        <p:nvSpPr>
+          <p:cNvPr id="5" name="标题 1">
+            <a:extLst>
+              <a:ext uri="{FF2B5EF4-FFF2-40B4-BE49-F238E27FC236}">
+                <a16:creationId xmlns:a16="http://schemas.microsoft.com/office/drawing/2014/main" id="{1D430CD7-8B5D-2087-8D3C-71BE57F65DE8}"/>
+              </a:ext>
+            </a:extLst>
+          </p:cNvPr>
+          <p:cNvSpPr txBox="1">
+            <a:spLocks/>
+          </p:cNvSpPr>
+          <p:nvPr/>
+        </p:nvSpPr>
+        <p:spPr>
+          <a:xfrm>
+            <a:off x="9572898" y="143056"/>
+            <a:ext cx="2434506" cy="457835"/>
+          </a:xfrm>
+          <a:prstGeom prst="rect">
+            <a:avLst/>
+          </a:prstGeom>
+        </p:spPr>
+        <p:txBody>
+          <a:bodyPr vert="horz" lIns="91440" tIns="45720" rIns="91440" bIns="45720" rtlCol="0" anchor="ctr">
+            <a:normAutofit fontScale="97500" lnSpcReduction="10000"/>
+          </a:bodyPr>
+          <a:lstStyle>
+            <a:lvl1pPr algn="l" defTabSz="914400" rtl="0" eaLnBrk="1" latinLnBrk="0" hangingPunct="1">
+              <a:lnSpc>
+                <a:spcPct val="90000"/>
+              </a:lnSpc>
+              <a:spcBef>
+                <a:spcPct val="0"/>
+              </a:spcBef>
+              <a:buNone/>
+              <a:defRPr sz="4400" kern="1200">
+                <a:solidFill>
+                  <a:schemeClr val="tx1"/>
+                </a:solidFill>
+                <a:latin typeface="+mj-lt"/>
+                <a:ea typeface="+mj-ea"/>
+                <a:cs typeface="+mj-cs"/>
+              </a:defRPr>
+            </a:lvl1pPr>
+          </a:lstStyle>
+          <a:p>
+            <a:r>
+              <a:rPr lang="zh-CN" altLang="en-US" sz="2800" dirty="0">
+                <a:solidFill>
+                  <a:srgbClr val="00B050"/>
+                </a:solidFill>
+              </a:rPr>
+              <a:t>表现较好</a:t>
+            </a:r>
+          </a:p>
+        </p:txBody>
+      </p:sp>
     </p:spTree>
     <p:extLst>
       <p:ext uri="{BB962C8B-B14F-4D97-AF65-F5344CB8AC3E}">
@@ -4734,7 +5275,7 @@
 </p:sld>
 </file>
 
-<file path=ppt/slides/slide12.xml><?xml version="1.0" encoding="utf-8"?>
+<file path=ppt/slides/slide15.xml><?xml version="1.0" encoding="utf-8"?>
 <p:sld xmlns:a="http://schemas.openxmlformats.org/drawingml/2006/main" xmlns:r="http://schemas.openxmlformats.org/officeDocument/2006/relationships" xmlns:p="http://schemas.openxmlformats.org/presentationml/2006/main">
   <p:cSld>
     <p:spTree>
@@ -5334,6 +5875,64 @@
           </a:p>
         </p:txBody>
       </p:sp>
+      <p:sp>
+        <p:nvSpPr>
+          <p:cNvPr id="9" name="标题 1">
+            <a:extLst>
+              <a:ext uri="{FF2B5EF4-FFF2-40B4-BE49-F238E27FC236}">
+                <a16:creationId xmlns:a16="http://schemas.microsoft.com/office/drawing/2014/main" id="{A7D88F01-03A3-71F3-A09A-ED4355D4C4D9}"/>
+              </a:ext>
+            </a:extLst>
+          </p:cNvPr>
+          <p:cNvSpPr txBox="1">
+            <a:spLocks/>
+          </p:cNvSpPr>
+          <p:nvPr/>
+        </p:nvSpPr>
+        <p:spPr>
+          <a:xfrm>
+            <a:off x="9572898" y="143056"/>
+            <a:ext cx="2434506" cy="457835"/>
+          </a:xfrm>
+          <a:prstGeom prst="rect">
+            <a:avLst/>
+          </a:prstGeom>
+        </p:spPr>
+        <p:txBody>
+          <a:bodyPr vert="horz" lIns="91440" tIns="45720" rIns="91440" bIns="45720" rtlCol="0" anchor="ctr">
+            <a:normAutofit fontScale="97500" lnSpcReduction="10000"/>
+          </a:bodyPr>
+          <a:lstStyle>
+            <a:lvl1pPr algn="l" defTabSz="914400" rtl="0" eaLnBrk="1" latinLnBrk="0" hangingPunct="1">
+              <a:lnSpc>
+                <a:spcPct val="90000"/>
+              </a:lnSpc>
+              <a:spcBef>
+                <a:spcPct val="0"/>
+              </a:spcBef>
+              <a:buNone/>
+              <a:defRPr sz="4400" kern="1200">
+                <a:solidFill>
+                  <a:schemeClr val="tx1"/>
+                </a:solidFill>
+                <a:latin typeface="+mj-lt"/>
+                <a:ea typeface="+mj-ea"/>
+                <a:cs typeface="+mj-cs"/>
+              </a:defRPr>
+            </a:lvl1pPr>
+          </a:lstStyle>
+          <a:p>
+            <a:r>
+              <a:rPr lang="zh-CN" altLang="en-US" sz="2800" dirty="0">
+                <a:solidFill>
+                  <a:srgbClr val="00B050"/>
+                </a:solidFill>
+              </a:rPr>
+              <a:t>表现较好</a:t>
+            </a:r>
+          </a:p>
+        </p:txBody>
+      </p:sp>
     </p:spTree>
     <p:extLst>
       <p:ext uri="{BB962C8B-B14F-4D97-AF65-F5344CB8AC3E}">
@@ -5347,7 +5946,7 @@
 </p:sld>
 </file>
 
-<file path=ppt/slides/slide2.xml><?xml version="1.0" encoding="utf-8"?>
+<file path=ppt/slides/slide16.xml><?xml version="1.0" encoding="utf-8"?>
 <p:sld xmlns:a="http://schemas.openxmlformats.org/drawingml/2006/main" xmlns:r="http://schemas.openxmlformats.org/officeDocument/2006/relationships" xmlns:p="http://schemas.openxmlformats.org/presentationml/2006/main">
   <p:cSld>
     <p:spTree>
@@ -5355,7 +5954,7 @@
         <p:cNvPr id="1" name="">
           <a:extLst>
             <a:ext uri="{FF2B5EF4-FFF2-40B4-BE49-F238E27FC236}">
-              <a16:creationId xmlns:a16="http://schemas.microsoft.com/office/drawing/2014/main" id="{BE0A324E-4F03-1E1C-0F81-CCDE86613073}"/>
+              <a16:creationId xmlns:a16="http://schemas.microsoft.com/office/drawing/2014/main" id="{84436B94-1F0A-DA0F-A011-E14903C5F948}"/>
             </a:ext>
           </a:extLst>
         </p:cNvPr>
@@ -5375,7 +5974,7 @@
           <p:cNvPr id="2" name="标题 1">
             <a:extLst>
               <a:ext uri="{FF2B5EF4-FFF2-40B4-BE49-F238E27FC236}">
-                <a16:creationId xmlns:a16="http://schemas.microsoft.com/office/drawing/2014/main" id="{ED28A8F7-7F19-D411-E0AA-3BDB8258033B}"/>
+                <a16:creationId xmlns:a16="http://schemas.microsoft.com/office/drawing/2014/main" id="{0F580CCB-004E-F278-78F3-59950AAC8E8C}"/>
               </a:ext>
             </a:extLst>
           </p:cNvPr>
@@ -5399,8 +5998,12 @@
           <a:lstStyle/>
           <a:p>
             <a:r>
+              <a:rPr lang="en-US" altLang="zh-CN" sz="2800" dirty="0" err="1"/>
+              <a:t>XGBoost</a:t>
+            </a:r>
+            <a:r>
               <a:rPr lang="zh-CN" altLang="en-US" sz="2800" dirty="0"/>
-              <a:t>神经网络回归</a:t>
+              <a:t>回归</a:t>
             </a:r>
           </a:p>
         </p:txBody>
@@ -5410,7 +6013,7 @@
           <p:cNvPr id="5" name="图片 4">
             <a:extLst>
               <a:ext uri="{FF2B5EF4-FFF2-40B4-BE49-F238E27FC236}">
-                <a16:creationId xmlns:a16="http://schemas.microsoft.com/office/drawing/2014/main" id="{CD690701-8AA6-A719-41BB-1633DFAE28F8}"/>
+                <a16:creationId xmlns:a16="http://schemas.microsoft.com/office/drawing/2014/main" id="{3738FDF2-E58D-7D31-FE01-920E630E8C65}"/>
               </a:ext>
             </a:extLst>
           </p:cNvPr>
@@ -5433,7 +6036,7 @@
         <p:spPr>
           <a:xfrm>
             <a:off x="124097" y="600891"/>
-            <a:ext cx="3912326" cy="2934244"/>
+            <a:ext cx="3912325" cy="2934244"/>
           </a:xfrm>
           <a:prstGeom prst="rect">
             <a:avLst/>
@@ -5445,7 +6048,7 @@
           <p:cNvPr id="8" name="标题 1">
             <a:extLst>
               <a:ext uri="{FF2B5EF4-FFF2-40B4-BE49-F238E27FC236}">
-                <a16:creationId xmlns:a16="http://schemas.microsoft.com/office/drawing/2014/main" id="{B3EFC040-718C-9FF3-20AE-B622C984C3F2}"/>
+                <a16:creationId xmlns:a16="http://schemas.microsoft.com/office/drawing/2014/main" id="{B71FC5EC-80DD-47D3-2719-D146D92E916F}"/>
               </a:ext>
             </a:extLst>
           </p:cNvPr>
@@ -5491,103 +6094,135 @@
               <a:rPr lang="en-US" altLang="zh-CN" sz="1000" dirty="0">
                 <a:latin typeface="Consolas" panose="020B0609020204030204" pitchFamily="49" charset="0"/>
               </a:rPr>
-              <a:t>Best params (</a:t>
+              <a:t>model = </a:t>
             </a:r>
             <a:r>
               <a:rPr lang="en-US" altLang="zh-CN" sz="1000" dirty="0" err="1">
                 <a:latin typeface="Consolas" panose="020B0609020204030204" pitchFamily="49" charset="0"/>
               </a:rPr>
-              <a:t>mlp_tuned</a:t>
-            </a:r>
-            <a:r>
-              <a:rPr lang="en-US" altLang="zh-CN" sz="1000" dirty="0">
-                <a:latin typeface="Consolas" panose="020B0609020204030204" pitchFamily="49" charset="0"/>
-              </a:rPr>
-              <a:t>): {'</a:t>
+              <a:t>XGBRegressor</a:t>
+            </a:r>
+            <a:r>
+              <a:rPr lang="en-US" altLang="zh-CN" sz="1000" dirty="0">
+                <a:latin typeface="Consolas" panose="020B0609020204030204" pitchFamily="49" charset="0"/>
+              </a:rPr>
+              <a:t>(</a:t>
+            </a:r>
+          </a:p>
+          <a:p>
+            <a:r>
+              <a:rPr lang="en-US" altLang="zh-CN" sz="1000" dirty="0">
+                <a:latin typeface="Consolas" panose="020B0609020204030204" pitchFamily="49" charset="0"/>
+              </a:rPr>
+              <a:t>        </a:t>
             </a:r>
             <a:r>
               <a:rPr lang="en-US" altLang="zh-CN" sz="1000" dirty="0" err="1">
                 <a:latin typeface="Consolas" panose="020B0609020204030204" pitchFamily="49" charset="0"/>
               </a:rPr>
-              <a:t>regressor__activation</a:t>
-            </a:r>
-            <a:r>
-              <a:rPr lang="en-US" altLang="zh-CN" sz="1000" dirty="0">
-                <a:latin typeface="Consolas" panose="020B0609020204030204" pitchFamily="49" charset="0"/>
-              </a:rPr>
-              <a:t>': '</a:t>
+              <a:t>n_estimators</a:t>
+            </a:r>
+            <a:r>
+              <a:rPr lang="en-US" altLang="zh-CN" sz="1000" dirty="0">
+                <a:latin typeface="Consolas" panose="020B0609020204030204" pitchFamily="49" charset="0"/>
+              </a:rPr>
+              <a:t>=500,</a:t>
+            </a:r>
+          </a:p>
+          <a:p>
+            <a:r>
+              <a:rPr lang="en-US" altLang="zh-CN" sz="1000" dirty="0">
+                <a:latin typeface="Consolas" panose="020B0609020204030204" pitchFamily="49" charset="0"/>
+              </a:rPr>
+              <a:t>        </a:t>
             </a:r>
             <a:r>
               <a:rPr lang="en-US" altLang="zh-CN" sz="1000" dirty="0" err="1">
                 <a:latin typeface="Consolas" panose="020B0609020204030204" pitchFamily="49" charset="0"/>
               </a:rPr>
-              <a:t>relu</a:t>
-            </a:r>
-            <a:r>
-              <a:rPr lang="en-US" altLang="zh-CN" sz="1000" dirty="0">
-                <a:latin typeface="Consolas" panose="020B0609020204030204" pitchFamily="49" charset="0"/>
-              </a:rPr>
-              <a:t>', '</a:t>
+              <a:t>max_depth</a:t>
+            </a:r>
+            <a:r>
+              <a:rPr lang="en-US" altLang="zh-CN" sz="1000" dirty="0">
+                <a:latin typeface="Consolas" panose="020B0609020204030204" pitchFamily="49" charset="0"/>
+              </a:rPr>
+              <a:t>=15,</a:t>
+            </a:r>
+          </a:p>
+          <a:p>
+            <a:r>
+              <a:rPr lang="en-US" altLang="zh-CN" sz="1000" dirty="0">
+                <a:latin typeface="Consolas" panose="020B0609020204030204" pitchFamily="49" charset="0"/>
+              </a:rPr>
+              <a:t>        </a:t>
             </a:r>
             <a:r>
               <a:rPr lang="en-US" altLang="zh-CN" sz="1000" dirty="0" err="1">
                 <a:latin typeface="Consolas" panose="020B0609020204030204" pitchFamily="49" charset="0"/>
               </a:rPr>
-              <a:t>regressor__alpha</a:t>
-            </a:r>
-            <a:r>
-              <a:rPr lang="en-US" altLang="zh-CN" sz="1000" dirty="0">
-                <a:latin typeface="Consolas" panose="020B0609020204030204" pitchFamily="49" charset="0"/>
-              </a:rPr>
-              <a:t>': 0.006680351314068706, 'regressor__</a:t>
+              <a:t>learning_rate</a:t>
+            </a:r>
+            <a:r>
+              <a:rPr lang="en-US" altLang="zh-CN" sz="1000" dirty="0">
+                <a:latin typeface="Consolas" panose="020B0609020204030204" pitchFamily="49" charset="0"/>
+              </a:rPr>
+              <a:t>=0.05,</a:t>
+            </a:r>
+          </a:p>
+          <a:p>
+            <a:r>
+              <a:rPr lang="en-US" altLang="zh-CN" sz="1000" dirty="0">
+                <a:latin typeface="Consolas" panose="020B0609020204030204" pitchFamily="49" charset="0"/>
+              </a:rPr>
+              <a:t>        </a:t>
             </a:r>
             <a:r>
               <a:rPr lang="en-US" altLang="zh-CN" sz="1000" dirty="0" err="1">
                 <a:latin typeface="Consolas" panose="020B0609020204030204" pitchFamily="49" charset="0"/>
               </a:rPr>
-              <a:t>hidden_layer_sizes</a:t>
-            </a:r>
-            <a:r>
-              <a:rPr lang="en-US" altLang="zh-CN" sz="1000" dirty="0">
-                <a:latin typeface="Consolas" panose="020B0609020204030204" pitchFamily="49" charset="0"/>
-              </a:rPr>
-              <a:t>': (200, 100), 'regressor__</a:t>
+              <a:t>random_state</a:t>
+            </a:r>
+            <a:r>
+              <a:rPr lang="en-US" altLang="zh-CN" sz="1000" dirty="0">
+                <a:latin typeface="Consolas" panose="020B0609020204030204" pitchFamily="49" charset="0"/>
+              </a:rPr>
+              <a:t>=2,</a:t>
+            </a:r>
+          </a:p>
+          <a:p>
+            <a:r>
+              <a:rPr lang="en-US" altLang="zh-CN" sz="1000" dirty="0">
+                <a:latin typeface="Consolas" panose="020B0609020204030204" pitchFamily="49" charset="0"/>
+              </a:rPr>
+              <a:t>        </a:t>
             </a:r>
             <a:r>
               <a:rPr lang="en-US" altLang="zh-CN" sz="1000" dirty="0" err="1">
                 <a:latin typeface="Consolas" panose="020B0609020204030204" pitchFamily="49" charset="0"/>
               </a:rPr>
-              <a:t>learning_rate_init</a:t>
-            </a:r>
-            <a:r>
-              <a:rPr lang="en-US" altLang="zh-CN" sz="1000" dirty="0">
-                <a:latin typeface="Consolas" panose="020B0609020204030204" pitchFamily="49" charset="0"/>
-              </a:rPr>
-              <a:t>': 0.07602233354654259, '</a:t>
-            </a:r>
-            <a:r>
-              <a:rPr lang="en-US" altLang="zh-CN" sz="1000" dirty="0" err="1">
-                <a:latin typeface="Consolas" panose="020B0609020204030204" pitchFamily="49" charset="0"/>
-              </a:rPr>
-              <a:t>regressor__solver</a:t>
-            </a:r>
-            <a:r>
-              <a:rPr lang="en-US" altLang="zh-CN" sz="1000" dirty="0">
-                <a:latin typeface="Consolas" panose="020B0609020204030204" pitchFamily="49" charset="0"/>
-              </a:rPr>
-              <a:t>': '</a:t>
-            </a:r>
-            <a:r>
-              <a:rPr lang="en-US" altLang="zh-CN" sz="1000" dirty="0" err="1">
-                <a:latin typeface="Consolas" panose="020B0609020204030204" pitchFamily="49" charset="0"/>
-              </a:rPr>
-              <a:t>lbfgs</a:t>
-            </a:r>
-            <a:r>
-              <a:rPr lang="en-US" altLang="zh-CN" sz="1000" dirty="0">
-                <a:latin typeface="Consolas" panose="020B0609020204030204" pitchFamily="49" charset="0"/>
-              </a:rPr>
-              <a:t>’}</a:t>
+              <a:t>n_jobs</a:t>
+            </a:r>
+            <a:r>
+              <a:rPr lang="en-US" altLang="zh-CN" sz="1000" dirty="0">
+                <a:latin typeface="Consolas" panose="020B0609020204030204" pitchFamily="49" charset="0"/>
+              </a:rPr>
+              <a:t>=-1,</a:t>
+            </a:r>
+          </a:p>
+          <a:p>
+            <a:r>
+              <a:rPr lang="en-US" altLang="zh-CN" sz="1000" dirty="0">
+                <a:latin typeface="Consolas" panose="020B0609020204030204" pitchFamily="49" charset="0"/>
+              </a:rPr>
+              <a:t>        verbosity=0</a:t>
+            </a:r>
+          </a:p>
+          <a:p>
+            <a:r>
+              <a:rPr lang="en-US" altLang="zh-CN" sz="1000" dirty="0">
+                <a:latin typeface="Consolas" panose="020B0609020204030204" pitchFamily="49" charset="0"/>
+              </a:rPr>
+              <a:t>    )</a:t>
             </a:r>
           </a:p>
           <a:p>
@@ -5600,7 +6235,7 @@
               <a:rPr lang="pt-BR" altLang="zh-CN" sz="2000" dirty="0">
                 <a:latin typeface="Alte DIN 1451 Mittelschrift gep" panose="020B0603020202020204" pitchFamily="34" charset="0"/>
               </a:rPr>
-              <a:t>MAPE: 46.8010</a:t>
+              <a:t>MAPE: 3.2217</a:t>
             </a:r>
           </a:p>
           <a:p>
@@ -5608,7 +6243,7 @@
               <a:rPr lang="pt-BR" altLang="zh-CN" sz="2000" dirty="0">
                 <a:latin typeface="Alte DIN 1451 Mittelschrift gep" panose="020B0603020202020204" pitchFamily="34" charset="0"/>
               </a:rPr>
-              <a:t>R²: 0.9995</a:t>
+              <a:t>R²: 0.6639</a:t>
             </a:r>
           </a:p>
           <a:p>
@@ -5616,7 +6251,7 @@
               <a:rPr lang="pt-BR" altLang="zh-CN" sz="2000" dirty="0">
                 <a:latin typeface="Alte DIN 1451 Mittelschrift gep" panose="020B0603020202020204" pitchFamily="34" charset="0"/>
               </a:rPr>
-              <a:t>RMSE: 3.9219</a:t>
+              <a:t>RMSE: 199.3429</a:t>
             </a:r>
             <a:endParaRPr lang="zh-CN" altLang="en-US" sz="2000" dirty="0">
               <a:latin typeface="Alte DIN 1451 Mittelschrift gep" panose="020B0603020202020204" pitchFamily="34" charset="0"/>
@@ -5624,10 +6259,297 @@
           </a:p>
         </p:txBody>
       </p:sp>
+      <p:pic>
+        <p:nvPicPr>
+          <p:cNvPr id="6" name="图片 5">
+            <a:extLst>
+              <a:ext uri="{FF2B5EF4-FFF2-40B4-BE49-F238E27FC236}">
+                <a16:creationId xmlns:a16="http://schemas.microsoft.com/office/drawing/2014/main" id="{3952D5FC-3191-879B-FEA2-54B004814186}"/>
+              </a:ext>
+            </a:extLst>
+          </p:cNvPr>
+          <p:cNvPicPr>
+            <a:picLocks noChangeAspect="1"/>
+          </p:cNvPicPr>
+          <p:nvPr/>
+        </p:nvPicPr>
+        <p:blipFill>
+          <a:blip r:embed="rId2">
+            <a:extLst>
+              <a:ext uri="{28A0092B-C50C-407E-A947-70E740481C1C}">
+                <a14:useLocalDpi xmlns:a14="http://schemas.microsoft.com/office/drawing/2010/main" val="0"/>
+              </a:ext>
+            </a:extLst>
+          </a:blip>
+          <a:srcRect/>
+          <a:stretch/>
+        </p:blipFill>
+        <p:spPr>
+          <a:xfrm>
+            <a:off x="124097" y="3464294"/>
+            <a:ext cx="3912324" cy="2934243"/>
+          </a:xfrm>
+          <a:prstGeom prst="rect">
+            <a:avLst/>
+          </a:prstGeom>
+        </p:spPr>
+      </p:pic>
+      <p:sp>
+        <p:nvSpPr>
+          <p:cNvPr id="7" name="标题 1">
+            <a:extLst>
+              <a:ext uri="{FF2B5EF4-FFF2-40B4-BE49-F238E27FC236}">
+                <a16:creationId xmlns:a16="http://schemas.microsoft.com/office/drawing/2014/main" id="{A3E63CD2-A08D-E83E-25B1-A4089B90801A}"/>
+              </a:ext>
+            </a:extLst>
+          </p:cNvPr>
+          <p:cNvSpPr txBox="1">
+            <a:spLocks/>
+          </p:cNvSpPr>
+          <p:nvPr/>
+        </p:nvSpPr>
+        <p:spPr>
+          <a:xfrm>
+            <a:off x="4036422" y="3537168"/>
+            <a:ext cx="2738845" cy="2593346"/>
+          </a:xfrm>
+          <a:prstGeom prst="rect">
+            <a:avLst/>
+          </a:prstGeom>
+        </p:spPr>
+        <p:txBody>
+          <a:bodyPr vert="horz" lIns="91440" tIns="45720" rIns="91440" bIns="45720" rtlCol="0" anchor="ctr">
+            <a:noAutofit/>
+          </a:bodyPr>
+          <a:lstStyle>
+            <a:lvl1pPr algn="l" defTabSz="914400" rtl="0" eaLnBrk="1" latinLnBrk="0" hangingPunct="1">
+              <a:lnSpc>
+                <a:spcPct val="90000"/>
+              </a:lnSpc>
+              <a:spcBef>
+                <a:spcPct val="0"/>
+              </a:spcBef>
+              <a:buNone/>
+              <a:defRPr sz="4400" kern="1200">
+                <a:solidFill>
+                  <a:schemeClr val="tx1"/>
+                </a:solidFill>
+                <a:latin typeface="+mj-lt"/>
+                <a:ea typeface="+mj-ea"/>
+                <a:cs typeface="+mj-cs"/>
+              </a:defRPr>
+            </a:lvl1pPr>
+          </a:lstStyle>
+          <a:p>
+            <a:r>
+              <a:rPr lang="en-US" altLang="zh-CN" sz="1000" dirty="0">
+                <a:latin typeface="Consolas" panose="020B0609020204030204" pitchFamily="49" charset="0"/>
+              </a:rPr>
+              <a:t>Best params (</a:t>
+            </a:r>
+            <a:r>
+              <a:rPr lang="en-US" altLang="zh-CN" sz="1000" dirty="0" err="1">
+                <a:latin typeface="Consolas" panose="020B0609020204030204" pitchFamily="49" charset="0"/>
+              </a:rPr>
+              <a:t>xgboost_tuned</a:t>
+            </a:r>
+            <a:r>
+              <a:rPr lang="en-US" altLang="zh-CN" sz="1000" dirty="0">
+                <a:latin typeface="Consolas" panose="020B0609020204030204" pitchFamily="49" charset="0"/>
+              </a:rPr>
+              <a:t>): {'</a:t>
+            </a:r>
+            <a:r>
+              <a:rPr lang="en-US" altLang="zh-CN" sz="1000" dirty="0" err="1">
+                <a:latin typeface="Consolas" panose="020B0609020204030204" pitchFamily="49" charset="0"/>
+              </a:rPr>
+              <a:t>colsample_bytree</a:t>
+            </a:r>
+            <a:r>
+              <a:rPr lang="en-US" altLang="zh-CN" sz="1000" dirty="0">
+                <a:latin typeface="Consolas" panose="020B0609020204030204" pitchFamily="49" charset="0"/>
+              </a:rPr>
+              <a:t>': 0.9902425394993892, 'gamma': 1.6454409475075095e-06, '</a:t>
+            </a:r>
+            <a:r>
+              <a:rPr lang="en-US" altLang="zh-CN" sz="1000" dirty="0" err="1">
+                <a:latin typeface="Consolas" panose="020B0609020204030204" pitchFamily="49" charset="0"/>
+              </a:rPr>
+              <a:t>learning_rate</a:t>
+            </a:r>
+            <a:r>
+              <a:rPr lang="en-US" altLang="zh-CN" sz="1000" dirty="0">
+                <a:latin typeface="Consolas" panose="020B0609020204030204" pitchFamily="49" charset="0"/>
+              </a:rPr>
+              <a:t>': 0.13578266219061227, '</a:t>
+            </a:r>
+            <a:r>
+              <a:rPr lang="en-US" altLang="zh-CN" sz="1000" dirty="0" err="1">
+                <a:latin typeface="Consolas" panose="020B0609020204030204" pitchFamily="49" charset="0"/>
+              </a:rPr>
+              <a:t>max_depth</a:t>
+            </a:r>
+            <a:r>
+              <a:rPr lang="en-US" altLang="zh-CN" sz="1000" dirty="0">
+                <a:latin typeface="Consolas" panose="020B0609020204030204" pitchFamily="49" charset="0"/>
+              </a:rPr>
+              <a:t>': 5, '</a:t>
+            </a:r>
+            <a:r>
+              <a:rPr lang="en-US" altLang="zh-CN" sz="1000" dirty="0" err="1">
+                <a:latin typeface="Consolas" panose="020B0609020204030204" pitchFamily="49" charset="0"/>
+              </a:rPr>
+              <a:t>n_estimators</a:t>
+            </a:r>
+            <a:r>
+              <a:rPr lang="en-US" altLang="zh-CN" sz="1000" dirty="0">
+                <a:latin typeface="Consolas" panose="020B0609020204030204" pitchFamily="49" charset="0"/>
+              </a:rPr>
+              <a:t>': 440, '</a:t>
+            </a:r>
+            <a:r>
+              <a:rPr lang="en-US" altLang="zh-CN" sz="1000" dirty="0" err="1">
+                <a:latin typeface="Consolas" panose="020B0609020204030204" pitchFamily="49" charset="0"/>
+              </a:rPr>
+              <a:t>reg_alpha</a:t>
+            </a:r>
+            <a:r>
+              <a:rPr lang="en-US" altLang="zh-CN" sz="1000" dirty="0">
+                <a:latin typeface="Consolas" panose="020B0609020204030204" pitchFamily="49" charset="0"/>
+              </a:rPr>
+              <a:t>': 2.5418943562330136e-07, '</a:t>
+            </a:r>
+            <a:r>
+              <a:rPr lang="en-US" altLang="zh-CN" sz="1000" dirty="0" err="1">
+                <a:latin typeface="Consolas" panose="020B0609020204030204" pitchFamily="49" charset="0"/>
+              </a:rPr>
+              <a:t>reg_lambda</a:t>
+            </a:r>
+            <a:r>
+              <a:rPr lang="en-US" altLang="zh-CN" sz="1000" dirty="0">
+                <a:latin typeface="Consolas" panose="020B0609020204030204" pitchFamily="49" charset="0"/>
+              </a:rPr>
+              <a:t>': 1.973004444308398e-06, 'subsample': 0.8628150378383002}</a:t>
+            </a:r>
+          </a:p>
+          <a:p>
+            <a:endParaRPr lang="pt-BR" altLang="zh-CN" sz="1000" dirty="0">
+              <a:latin typeface="Alte DIN 1451 Mittelschrift gep" panose="020B0603020202020204" pitchFamily="34" charset="0"/>
+            </a:endParaRPr>
+          </a:p>
+          <a:p>
+            <a:r>
+              <a:rPr lang="pt-BR" altLang="zh-CN" sz="2000" dirty="0">
+                <a:latin typeface="Alte DIN 1451 Mittelschrift gep" panose="020B0603020202020204" pitchFamily="34" charset="0"/>
+              </a:rPr>
+              <a:t>MAPE: 2.3804</a:t>
+            </a:r>
+          </a:p>
+          <a:p>
+            <a:r>
+              <a:rPr lang="pt-BR" altLang="zh-CN" sz="2000" dirty="0">
+                <a:latin typeface="Alte DIN 1451 Mittelschrift gep" panose="020B0603020202020204" pitchFamily="34" charset="0"/>
+              </a:rPr>
+              <a:t>R²: 0.6639</a:t>
+            </a:r>
+          </a:p>
+          <a:p>
+            <a:r>
+              <a:rPr lang="pt-BR" altLang="zh-CN" sz="2000" dirty="0">
+                <a:latin typeface="Alte DIN 1451 Mittelschrift gep" panose="020B0603020202020204" pitchFamily="34" charset="0"/>
+              </a:rPr>
+              <a:t>RMSE: 199.3426</a:t>
+            </a:r>
+            <a:endParaRPr lang="zh-CN" altLang="en-US" sz="2000" dirty="0">
+              <a:latin typeface="Alte DIN 1451 Mittelschrift gep" panose="020B0603020202020204" pitchFamily="34" charset="0"/>
+            </a:endParaRPr>
+          </a:p>
+        </p:txBody>
+      </p:sp>
+      <p:sp>
+        <p:nvSpPr>
+          <p:cNvPr id="3" name="文本框 2">
+            <a:extLst>
+              <a:ext uri="{FF2B5EF4-FFF2-40B4-BE49-F238E27FC236}">
+                <a16:creationId xmlns:a16="http://schemas.microsoft.com/office/drawing/2014/main" id="{2811DFF3-728B-4845-724C-202A09859396}"/>
+              </a:ext>
+            </a:extLst>
+          </p:cNvPr>
+          <p:cNvSpPr txBox="1"/>
+          <p:nvPr/>
+        </p:nvSpPr>
+        <p:spPr>
+          <a:xfrm>
+            <a:off x="7074794" y="3535136"/>
+            <a:ext cx="4344473" cy="369332"/>
+          </a:xfrm>
+          <a:prstGeom prst="rect">
+            <a:avLst/>
+          </a:prstGeom>
+          <a:noFill/>
+        </p:spPr>
+        <p:txBody>
+          <a:bodyPr wrap="square" rtlCol="0">
+            <a:spAutoFit/>
+          </a:bodyPr>
+          <a:lstStyle/>
+          <a:p>
+            <a:r>
+              <a:rPr lang="zh-CN" altLang="en-US" dirty="0"/>
+              <a:t>引入</a:t>
+            </a:r>
+            <a:r>
+              <a:rPr lang="en-US" altLang="zh-CN" dirty="0" err="1"/>
+              <a:t>RandomizedSearchCV</a:t>
+            </a:r>
+            <a:r>
+              <a:rPr lang="zh-CN" altLang="en-US" dirty="0"/>
+              <a:t>自动搜索参数</a:t>
+            </a:r>
+            <a:endParaRPr lang="en-US" altLang="zh-CN" dirty="0"/>
+          </a:p>
+        </p:txBody>
+      </p:sp>
+      <p:sp>
+        <p:nvSpPr>
+          <p:cNvPr id="4" name="文本框 3">
+            <a:extLst>
+              <a:ext uri="{FF2B5EF4-FFF2-40B4-BE49-F238E27FC236}">
+                <a16:creationId xmlns:a16="http://schemas.microsoft.com/office/drawing/2014/main" id="{604D7E9C-3C6B-5B08-143E-CBD97EF8EC88}"/>
+              </a:ext>
+            </a:extLst>
+          </p:cNvPr>
+          <p:cNvSpPr txBox="1"/>
+          <p:nvPr/>
+        </p:nvSpPr>
+        <p:spPr>
+          <a:xfrm>
+            <a:off x="7074793" y="598859"/>
+            <a:ext cx="4344473" cy="369332"/>
+          </a:xfrm>
+          <a:prstGeom prst="rect">
+            <a:avLst/>
+          </a:prstGeom>
+          <a:noFill/>
+        </p:spPr>
+        <p:txBody>
+          <a:bodyPr wrap="square" rtlCol="0">
+            <a:spAutoFit/>
+          </a:bodyPr>
+          <a:lstStyle/>
+          <a:p>
+            <a:r>
+              <a:rPr lang="zh-CN" altLang="en-US" dirty="0"/>
+              <a:t>手动调参</a:t>
+            </a:r>
+            <a:endParaRPr lang="en-US" altLang="zh-CN" dirty="0"/>
+          </a:p>
+        </p:txBody>
+      </p:sp>
     </p:spTree>
     <p:extLst>
       <p:ext uri="{BB962C8B-B14F-4D97-AF65-F5344CB8AC3E}">
-        <p14:creationId xmlns:p14="http://schemas.microsoft.com/office/powerpoint/2010/main" val="393471040"/>
+        <p14:creationId xmlns:p14="http://schemas.microsoft.com/office/powerpoint/2010/main" val="4219292653"/>
       </p:ext>
     </p:extLst>
   </p:cSld>
@@ -5637,7 +6559,611 @@
 </p:sld>
 </file>
 
-<file path=ppt/slides/slide3.xml><?xml version="1.0" encoding="utf-8"?>
+<file path=ppt/slides/slide17.xml><?xml version="1.0" encoding="utf-8"?>
+<p:sld xmlns:a="http://schemas.openxmlformats.org/drawingml/2006/main" xmlns:r="http://schemas.openxmlformats.org/officeDocument/2006/relationships" xmlns:p="http://schemas.openxmlformats.org/presentationml/2006/main">
+  <p:cSld>
+    <p:spTree>
+      <p:nvGrpSpPr>
+        <p:cNvPr id="1" name="">
+          <a:extLst>
+            <a:ext uri="{FF2B5EF4-FFF2-40B4-BE49-F238E27FC236}">
+              <a16:creationId xmlns:a16="http://schemas.microsoft.com/office/drawing/2014/main" id="{93F435C8-2637-56FF-B1AF-7CDF37E94926}"/>
+            </a:ext>
+          </a:extLst>
+        </p:cNvPr>
+        <p:cNvGrpSpPr/>
+        <p:nvPr/>
+      </p:nvGrpSpPr>
+      <p:grpSpPr>
+        <a:xfrm>
+          <a:off x="0" y="0"/>
+          <a:ext cx="0" cy="0"/>
+          <a:chOff x="0" y="0"/>
+          <a:chExt cx="0" cy="0"/>
+        </a:xfrm>
+      </p:grpSpPr>
+      <p:sp>
+        <p:nvSpPr>
+          <p:cNvPr id="2" name="标题 1">
+            <a:extLst>
+              <a:ext uri="{FF2B5EF4-FFF2-40B4-BE49-F238E27FC236}">
+                <a16:creationId xmlns:a16="http://schemas.microsoft.com/office/drawing/2014/main" id="{6BEBCF4C-9A24-96FF-A206-3EF4BF39822B}"/>
+              </a:ext>
+            </a:extLst>
+          </p:cNvPr>
+          <p:cNvSpPr>
+            <a:spLocks noGrp="1"/>
+          </p:cNvSpPr>
+          <p:nvPr>
+            <p:ph type="title"/>
+          </p:nvPr>
+        </p:nvSpPr>
+        <p:spPr>
+          <a:xfrm>
+            <a:off x="124097" y="143056"/>
+            <a:ext cx="6950697" cy="457835"/>
+          </a:xfrm>
+        </p:spPr>
+        <p:txBody>
+          <a:bodyPr>
+            <a:normAutofit fontScale="90000"/>
+          </a:bodyPr>
+          <a:lstStyle/>
+          <a:p>
+            <a:r>
+              <a:rPr lang="en-US" altLang="zh-CN" sz="2800" dirty="0"/>
+              <a:t>Hybrid</a:t>
+            </a:r>
+            <a:endParaRPr lang="zh-CN" altLang="en-US" sz="2800" dirty="0"/>
+          </a:p>
+        </p:txBody>
+      </p:sp>
+      <p:pic>
+        <p:nvPicPr>
+          <p:cNvPr id="5" name="图片 4">
+            <a:extLst>
+              <a:ext uri="{FF2B5EF4-FFF2-40B4-BE49-F238E27FC236}">
+                <a16:creationId xmlns:a16="http://schemas.microsoft.com/office/drawing/2014/main" id="{5B8E6B64-40B9-93CF-2DAF-BD31BF41606B}"/>
+              </a:ext>
+            </a:extLst>
+          </p:cNvPr>
+          <p:cNvPicPr>
+            <a:picLocks noChangeAspect="1"/>
+          </p:cNvPicPr>
+          <p:nvPr/>
+        </p:nvPicPr>
+        <p:blipFill>
+          <a:blip r:embed="rId2">
+            <a:extLst>
+              <a:ext uri="{28A0092B-C50C-407E-A947-70E740481C1C}">
+                <a14:useLocalDpi xmlns:a14="http://schemas.microsoft.com/office/drawing/2010/main" val="0"/>
+              </a:ext>
+            </a:extLst>
+          </a:blip>
+          <a:srcRect/>
+          <a:stretch/>
+        </p:blipFill>
+        <p:spPr>
+          <a:xfrm>
+            <a:off x="124097" y="600891"/>
+            <a:ext cx="3912325" cy="2934243"/>
+          </a:xfrm>
+          <a:prstGeom prst="rect">
+            <a:avLst/>
+          </a:prstGeom>
+        </p:spPr>
+      </p:pic>
+      <p:sp>
+        <p:nvSpPr>
+          <p:cNvPr id="8" name="标题 1">
+            <a:extLst>
+              <a:ext uri="{FF2B5EF4-FFF2-40B4-BE49-F238E27FC236}">
+                <a16:creationId xmlns:a16="http://schemas.microsoft.com/office/drawing/2014/main" id="{5F37A7FC-AA28-2BE4-EA0B-099797D5F882}"/>
+              </a:ext>
+            </a:extLst>
+          </p:cNvPr>
+          <p:cNvSpPr txBox="1">
+            <a:spLocks/>
+          </p:cNvSpPr>
+          <p:nvPr/>
+        </p:nvSpPr>
+        <p:spPr>
+          <a:xfrm>
+            <a:off x="4036422" y="598859"/>
+            <a:ext cx="2738845" cy="2593346"/>
+          </a:xfrm>
+          <a:prstGeom prst="rect">
+            <a:avLst/>
+          </a:prstGeom>
+        </p:spPr>
+        <p:txBody>
+          <a:bodyPr vert="horz" lIns="91440" tIns="45720" rIns="91440" bIns="45720" rtlCol="0" anchor="ctr">
+            <a:noAutofit/>
+          </a:bodyPr>
+          <a:lstStyle>
+            <a:lvl1pPr algn="l" defTabSz="914400" rtl="0" eaLnBrk="1" latinLnBrk="0" hangingPunct="1">
+              <a:lnSpc>
+                <a:spcPct val="90000"/>
+              </a:lnSpc>
+              <a:spcBef>
+                <a:spcPct val="0"/>
+              </a:spcBef>
+              <a:buNone/>
+              <a:defRPr sz="4400" kern="1200">
+                <a:solidFill>
+                  <a:schemeClr val="tx1"/>
+                </a:solidFill>
+                <a:latin typeface="+mj-lt"/>
+                <a:ea typeface="+mj-ea"/>
+                <a:cs typeface="+mj-cs"/>
+              </a:defRPr>
+            </a:lvl1pPr>
+          </a:lstStyle>
+          <a:p>
+            <a:r>
+              <a:rPr lang="pt-BR" altLang="zh-CN" sz="2000" dirty="0">
+                <a:latin typeface="Alte DIN 1451 Mittelschrift gep" panose="020B0603020202020204" pitchFamily="34" charset="0"/>
+              </a:rPr>
+              <a:t>MAPE: 3.2217</a:t>
+            </a:r>
+          </a:p>
+          <a:p>
+            <a:r>
+              <a:rPr lang="pt-BR" altLang="zh-CN" sz="2000" dirty="0">
+                <a:latin typeface="Alte DIN 1451 Mittelschrift gep" panose="020B0603020202020204" pitchFamily="34" charset="0"/>
+              </a:rPr>
+              <a:t>R²: 0.6639</a:t>
+            </a:r>
+          </a:p>
+          <a:p>
+            <a:r>
+              <a:rPr lang="pt-BR" altLang="zh-CN" sz="2000" dirty="0">
+                <a:latin typeface="Alte DIN 1451 Mittelschrift gep" panose="020B0603020202020204" pitchFamily="34" charset="0"/>
+              </a:rPr>
+              <a:t>RMSE: 199.3429</a:t>
+            </a:r>
+            <a:endParaRPr lang="zh-CN" altLang="en-US" sz="2000" dirty="0">
+              <a:latin typeface="Alte DIN 1451 Mittelschrift gep" panose="020B0603020202020204" pitchFamily="34" charset="0"/>
+            </a:endParaRPr>
+          </a:p>
+        </p:txBody>
+      </p:sp>
+    </p:spTree>
+    <p:extLst>
+      <p:ext uri="{BB962C8B-B14F-4D97-AF65-F5344CB8AC3E}">
+        <p14:creationId xmlns:p14="http://schemas.microsoft.com/office/powerpoint/2010/main" val="1616768217"/>
+      </p:ext>
+    </p:extLst>
+  </p:cSld>
+  <p:clrMapOvr>
+    <a:masterClrMapping/>
+  </p:clrMapOvr>
+</p:sld>
+</file>
+
+<file path=ppt/slides/slide18.xml><?xml version="1.0" encoding="utf-8"?>
+<p:sld xmlns:a="http://schemas.openxmlformats.org/drawingml/2006/main" xmlns:r="http://schemas.openxmlformats.org/officeDocument/2006/relationships" xmlns:p="http://schemas.openxmlformats.org/presentationml/2006/main">
+  <p:cSld>
+    <p:spTree>
+      <p:nvGrpSpPr>
+        <p:cNvPr id="1" name="">
+          <a:extLst>
+            <a:ext uri="{FF2B5EF4-FFF2-40B4-BE49-F238E27FC236}">
+              <a16:creationId xmlns:a16="http://schemas.microsoft.com/office/drawing/2014/main" id="{C0E40ECB-C3FF-7275-06B1-C98A5E92159F}"/>
+            </a:ext>
+          </a:extLst>
+        </p:cNvPr>
+        <p:cNvGrpSpPr/>
+        <p:nvPr/>
+      </p:nvGrpSpPr>
+      <p:grpSpPr>
+        <a:xfrm>
+          <a:off x="0" y="0"/>
+          <a:ext cx="0" cy="0"/>
+          <a:chOff x="0" y="0"/>
+          <a:chExt cx="0" cy="0"/>
+        </a:xfrm>
+      </p:grpSpPr>
+      <p:sp>
+        <p:nvSpPr>
+          <p:cNvPr id="2" name="标题 1">
+            <a:extLst>
+              <a:ext uri="{FF2B5EF4-FFF2-40B4-BE49-F238E27FC236}">
+                <a16:creationId xmlns:a16="http://schemas.microsoft.com/office/drawing/2014/main" id="{5623386F-31BD-797D-A0BC-5CDDB51BC618}"/>
+              </a:ext>
+            </a:extLst>
+          </p:cNvPr>
+          <p:cNvSpPr>
+            <a:spLocks noGrp="1"/>
+          </p:cNvSpPr>
+          <p:nvPr>
+            <p:ph type="title"/>
+          </p:nvPr>
+        </p:nvSpPr>
+        <p:spPr>
+          <a:xfrm>
+            <a:off x="124097" y="143056"/>
+            <a:ext cx="6950697" cy="457835"/>
+          </a:xfrm>
+        </p:spPr>
+        <p:txBody>
+          <a:bodyPr>
+            <a:normAutofit fontScale="90000"/>
+          </a:bodyPr>
+          <a:lstStyle/>
+          <a:p>
+            <a:r>
+              <a:rPr lang="en-US" altLang="zh-CN" sz="2800" dirty="0"/>
+              <a:t>Hybrid</a:t>
+            </a:r>
+            <a:endParaRPr lang="zh-CN" altLang="en-US" sz="2800" dirty="0"/>
+          </a:p>
+        </p:txBody>
+      </p:sp>
+      <p:pic>
+        <p:nvPicPr>
+          <p:cNvPr id="5" name="图片 4">
+            <a:extLst>
+              <a:ext uri="{FF2B5EF4-FFF2-40B4-BE49-F238E27FC236}">
+                <a16:creationId xmlns:a16="http://schemas.microsoft.com/office/drawing/2014/main" id="{ED7E45F6-2DB7-9E46-8399-88952A208AC2}"/>
+              </a:ext>
+            </a:extLst>
+          </p:cNvPr>
+          <p:cNvPicPr>
+            <a:picLocks noChangeAspect="1"/>
+          </p:cNvPicPr>
+          <p:nvPr/>
+        </p:nvPicPr>
+        <p:blipFill>
+          <a:blip r:embed="rId2">
+            <a:extLst>
+              <a:ext uri="{28A0092B-C50C-407E-A947-70E740481C1C}">
+                <a14:useLocalDpi xmlns:a14="http://schemas.microsoft.com/office/drawing/2010/main" val="0"/>
+              </a:ext>
+            </a:extLst>
+          </a:blip>
+          <a:srcRect/>
+          <a:stretch/>
+        </p:blipFill>
+        <p:spPr>
+          <a:xfrm>
+            <a:off x="124097" y="600891"/>
+            <a:ext cx="3912324" cy="2934243"/>
+          </a:xfrm>
+          <a:prstGeom prst="rect">
+            <a:avLst/>
+          </a:prstGeom>
+        </p:spPr>
+      </p:pic>
+      <p:sp>
+        <p:nvSpPr>
+          <p:cNvPr id="8" name="标题 1">
+            <a:extLst>
+              <a:ext uri="{FF2B5EF4-FFF2-40B4-BE49-F238E27FC236}">
+                <a16:creationId xmlns:a16="http://schemas.microsoft.com/office/drawing/2014/main" id="{4D17D35B-E058-F6C7-4805-DDC7E6C12D6B}"/>
+              </a:ext>
+            </a:extLst>
+          </p:cNvPr>
+          <p:cNvSpPr txBox="1">
+            <a:spLocks/>
+          </p:cNvSpPr>
+          <p:nvPr/>
+        </p:nvSpPr>
+        <p:spPr>
+          <a:xfrm>
+            <a:off x="4036422" y="598859"/>
+            <a:ext cx="2738845" cy="2593346"/>
+          </a:xfrm>
+          <a:prstGeom prst="rect">
+            <a:avLst/>
+          </a:prstGeom>
+        </p:spPr>
+        <p:txBody>
+          <a:bodyPr vert="horz" lIns="91440" tIns="45720" rIns="91440" bIns="45720" rtlCol="0" anchor="ctr">
+            <a:noAutofit/>
+          </a:bodyPr>
+          <a:lstStyle>
+            <a:lvl1pPr algn="l" defTabSz="914400" rtl="0" eaLnBrk="1" latinLnBrk="0" hangingPunct="1">
+              <a:lnSpc>
+                <a:spcPct val="90000"/>
+              </a:lnSpc>
+              <a:spcBef>
+                <a:spcPct val="0"/>
+              </a:spcBef>
+              <a:buNone/>
+              <a:defRPr sz="4400" kern="1200">
+                <a:solidFill>
+                  <a:schemeClr val="tx1"/>
+                </a:solidFill>
+                <a:latin typeface="+mj-lt"/>
+                <a:ea typeface="+mj-ea"/>
+                <a:cs typeface="+mj-cs"/>
+              </a:defRPr>
+            </a:lvl1pPr>
+          </a:lstStyle>
+          <a:p>
+            <a:r>
+              <a:rPr lang="pt-BR" altLang="zh-CN" sz="2000" dirty="0">
+                <a:latin typeface="Alte DIN 1451 Mittelschrift gep" panose="020B0603020202020204" pitchFamily="34" charset="0"/>
+              </a:rPr>
+              <a:t>MAPE: 625.5941</a:t>
+            </a:r>
+          </a:p>
+          <a:p>
+            <a:r>
+              <a:rPr lang="pt-BR" altLang="zh-CN" sz="2000" dirty="0">
+                <a:latin typeface="Alte DIN 1451 Mittelschrift gep" panose="020B0603020202020204" pitchFamily="34" charset="0"/>
+              </a:rPr>
+              <a:t>R²: 0.9993</a:t>
+            </a:r>
+          </a:p>
+          <a:p>
+            <a:r>
+              <a:rPr lang="pt-BR" altLang="zh-CN" sz="2000" dirty="0">
+                <a:latin typeface="Alte DIN 1451 Mittelschrift gep" panose="020B0603020202020204" pitchFamily="34" charset="0"/>
+              </a:rPr>
+              <a:t>RMSE: 4.9308</a:t>
+            </a:r>
+            <a:endParaRPr lang="zh-CN" altLang="en-US" sz="2000" dirty="0">
+              <a:latin typeface="Alte DIN 1451 Mittelschrift gep" panose="020B0603020202020204" pitchFamily="34" charset="0"/>
+            </a:endParaRPr>
+          </a:p>
+        </p:txBody>
+      </p:sp>
+    </p:spTree>
+    <p:extLst>
+      <p:ext uri="{BB962C8B-B14F-4D97-AF65-F5344CB8AC3E}">
+        <p14:creationId xmlns:p14="http://schemas.microsoft.com/office/powerpoint/2010/main" val="2570288583"/>
+      </p:ext>
+    </p:extLst>
+  </p:cSld>
+  <p:clrMapOvr>
+    <a:masterClrMapping/>
+  </p:clrMapOvr>
+</p:sld>
+</file>
+
+<file path=ppt/slides/slide19.xml><?xml version="1.0" encoding="utf-8"?>
+<p:sld xmlns:a="http://schemas.openxmlformats.org/drawingml/2006/main" xmlns:r="http://schemas.openxmlformats.org/officeDocument/2006/relationships" xmlns:p="http://schemas.openxmlformats.org/presentationml/2006/main">
+  <p:cSld>
+    <p:spTree>
+      <p:nvGrpSpPr>
+        <p:cNvPr id="1" name="">
+          <a:extLst>
+            <a:ext uri="{FF2B5EF4-FFF2-40B4-BE49-F238E27FC236}">
+              <a16:creationId xmlns:a16="http://schemas.microsoft.com/office/drawing/2014/main" id="{359F9771-D4B6-5EE8-31AC-89F8688695CC}"/>
+            </a:ext>
+          </a:extLst>
+        </p:cNvPr>
+        <p:cNvGrpSpPr/>
+        <p:nvPr/>
+      </p:nvGrpSpPr>
+      <p:grpSpPr>
+        <a:xfrm>
+          <a:off x="0" y="0"/>
+          <a:ext cx="0" cy="0"/>
+          <a:chOff x="0" y="0"/>
+          <a:chExt cx="0" cy="0"/>
+        </a:xfrm>
+      </p:grpSpPr>
+      <p:sp>
+        <p:nvSpPr>
+          <p:cNvPr id="2" name="标题 1">
+            <a:extLst>
+              <a:ext uri="{FF2B5EF4-FFF2-40B4-BE49-F238E27FC236}">
+                <a16:creationId xmlns:a16="http://schemas.microsoft.com/office/drawing/2014/main" id="{28D43E69-CC8B-5CF4-7174-F8246218692D}"/>
+              </a:ext>
+            </a:extLst>
+          </p:cNvPr>
+          <p:cNvSpPr>
+            <a:spLocks noGrp="1"/>
+          </p:cNvSpPr>
+          <p:nvPr>
+            <p:ph type="title"/>
+          </p:nvPr>
+        </p:nvSpPr>
+        <p:spPr>
+          <a:xfrm>
+            <a:off x="124097" y="143056"/>
+            <a:ext cx="6950697" cy="457835"/>
+          </a:xfrm>
+        </p:spPr>
+        <p:txBody>
+          <a:bodyPr>
+            <a:normAutofit fontScale="90000"/>
+          </a:bodyPr>
+          <a:lstStyle/>
+          <a:p>
+            <a:r>
+              <a:rPr lang="en-US" altLang="zh-CN" sz="2800" dirty="0"/>
+              <a:t>Hybrid</a:t>
+            </a:r>
+            <a:endParaRPr lang="zh-CN" altLang="en-US" sz="2800" dirty="0"/>
+          </a:p>
+        </p:txBody>
+      </p:sp>
+      <p:pic>
+        <p:nvPicPr>
+          <p:cNvPr id="5" name="图片 4">
+            <a:extLst>
+              <a:ext uri="{FF2B5EF4-FFF2-40B4-BE49-F238E27FC236}">
+                <a16:creationId xmlns:a16="http://schemas.microsoft.com/office/drawing/2014/main" id="{0B515546-463E-A0BC-EBD0-F3211236F3D2}"/>
+              </a:ext>
+            </a:extLst>
+          </p:cNvPr>
+          <p:cNvPicPr>
+            <a:picLocks noChangeAspect="1"/>
+          </p:cNvPicPr>
+          <p:nvPr/>
+        </p:nvPicPr>
+        <p:blipFill>
+          <a:blip r:embed="rId2">
+            <a:extLst>
+              <a:ext uri="{28A0092B-C50C-407E-A947-70E740481C1C}">
+                <a14:useLocalDpi xmlns:a14="http://schemas.microsoft.com/office/drawing/2010/main" val="0"/>
+              </a:ext>
+            </a:extLst>
+          </a:blip>
+          <a:srcRect/>
+          <a:stretch/>
+        </p:blipFill>
+        <p:spPr>
+          <a:xfrm>
+            <a:off x="124097" y="600891"/>
+            <a:ext cx="3912324" cy="2934243"/>
+          </a:xfrm>
+          <a:prstGeom prst="rect">
+            <a:avLst/>
+          </a:prstGeom>
+        </p:spPr>
+      </p:pic>
+      <p:sp>
+        <p:nvSpPr>
+          <p:cNvPr id="8" name="标题 1">
+            <a:extLst>
+              <a:ext uri="{FF2B5EF4-FFF2-40B4-BE49-F238E27FC236}">
+                <a16:creationId xmlns:a16="http://schemas.microsoft.com/office/drawing/2014/main" id="{45204667-B1DF-651F-447E-75E51978315A}"/>
+              </a:ext>
+            </a:extLst>
+          </p:cNvPr>
+          <p:cNvSpPr txBox="1">
+            <a:spLocks/>
+          </p:cNvSpPr>
+          <p:nvPr/>
+        </p:nvSpPr>
+        <p:spPr>
+          <a:xfrm>
+            <a:off x="4036422" y="598859"/>
+            <a:ext cx="2738845" cy="2593346"/>
+          </a:xfrm>
+          <a:prstGeom prst="rect">
+            <a:avLst/>
+          </a:prstGeom>
+        </p:spPr>
+        <p:txBody>
+          <a:bodyPr vert="horz" lIns="91440" tIns="45720" rIns="91440" bIns="45720" rtlCol="0" anchor="ctr">
+            <a:noAutofit/>
+          </a:bodyPr>
+          <a:lstStyle>
+            <a:lvl1pPr algn="l" defTabSz="914400" rtl="0" eaLnBrk="1" latinLnBrk="0" hangingPunct="1">
+              <a:lnSpc>
+                <a:spcPct val="90000"/>
+              </a:lnSpc>
+              <a:spcBef>
+                <a:spcPct val="0"/>
+              </a:spcBef>
+              <a:buNone/>
+              <a:defRPr sz="4400" kern="1200">
+                <a:solidFill>
+                  <a:schemeClr val="tx1"/>
+                </a:solidFill>
+                <a:latin typeface="+mj-lt"/>
+                <a:ea typeface="+mj-ea"/>
+                <a:cs typeface="+mj-cs"/>
+              </a:defRPr>
+            </a:lvl1pPr>
+          </a:lstStyle>
+          <a:p>
+            <a:r>
+              <a:rPr lang="pt-BR" altLang="zh-CN" sz="2000" dirty="0">
+                <a:latin typeface="Alte DIN 1451 Mittelschrift gep" panose="020B0603020202020204" pitchFamily="34" charset="0"/>
+              </a:rPr>
+              <a:t>MAPE: 0.9842</a:t>
+            </a:r>
+          </a:p>
+          <a:p>
+            <a:r>
+              <a:rPr lang="pt-BR" altLang="zh-CN" sz="2000" dirty="0">
+                <a:latin typeface="Alte DIN 1451 Mittelschrift gep" panose="020B0603020202020204" pitchFamily="34" charset="0"/>
+              </a:rPr>
+              <a:t>R²: 1.0000</a:t>
+            </a:r>
+          </a:p>
+          <a:p>
+            <a:r>
+              <a:rPr lang="pt-BR" altLang="zh-CN" sz="2000" dirty="0">
+                <a:latin typeface="Alte DIN 1451 Mittelschrift gep" panose="020B0603020202020204" pitchFamily="34" charset="0"/>
+              </a:rPr>
+              <a:t>RMSE: 0.5302</a:t>
+            </a:r>
+            <a:endParaRPr lang="zh-CN" altLang="en-US" sz="2000" dirty="0">
+              <a:latin typeface="Alte DIN 1451 Mittelschrift gep" panose="020B0603020202020204" pitchFamily="34" charset="0"/>
+            </a:endParaRPr>
+          </a:p>
+        </p:txBody>
+      </p:sp>
+      <p:sp>
+        <p:nvSpPr>
+          <p:cNvPr id="3" name="标题 1">
+            <a:extLst>
+              <a:ext uri="{FF2B5EF4-FFF2-40B4-BE49-F238E27FC236}">
+                <a16:creationId xmlns:a16="http://schemas.microsoft.com/office/drawing/2014/main" id="{81CD39F0-2C63-3F80-7F27-0AAAE8AF400A}"/>
+              </a:ext>
+            </a:extLst>
+          </p:cNvPr>
+          <p:cNvSpPr txBox="1">
+            <a:spLocks/>
+          </p:cNvSpPr>
+          <p:nvPr/>
+        </p:nvSpPr>
+        <p:spPr>
+          <a:xfrm>
+            <a:off x="9572898" y="143056"/>
+            <a:ext cx="2434506" cy="457835"/>
+          </a:xfrm>
+          <a:prstGeom prst="rect">
+            <a:avLst/>
+          </a:prstGeom>
+        </p:spPr>
+        <p:txBody>
+          <a:bodyPr vert="horz" lIns="91440" tIns="45720" rIns="91440" bIns="45720" rtlCol="0" anchor="ctr">
+            <a:normAutofit fontScale="97500" lnSpcReduction="10000"/>
+          </a:bodyPr>
+          <a:lstStyle>
+            <a:lvl1pPr algn="l" defTabSz="914400" rtl="0" eaLnBrk="1" latinLnBrk="0" hangingPunct="1">
+              <a:lnSpc>
+                <a:spcPct val="90000"/>
+              </a:lnSpc>
+              <a:spcBef>
+                <a:spcPct val="0"/>
+              </a:spcBef>
+              <a:buNone/>
+              <a:defRPr sz="4400" kern="1200">
+                <a:solidFill>
+                  <a:schemeClr val="tx1"/>
+                </a:solidFill>
+                <a:latin typeface="+mj-lt"/>
+                <a:ea typeface="+mj-ea"/>
+                <a:cs typeface="+mj-cs"/>
+              </a:defRPr>
+            </a:lvl1pPr>
+          </a:lstStyle>
+          <a:p>
+            <a:r>
+              <a:rPr lang="zh-CN" altLang="en-US" sz="2800" dirty="0">
+                <a:solidFill>
+                  <a:srgbClr val="00B050"/>
+                </a:solidFill>
+              </a:rPr>
+              <a:t>表现较好</a:t>
+            </a:r>
+          </a:p>
+        </p:txBody>
+      </p:sp>
+    </p:spTree>
+    <p:extLst>
+      <p:ext uri="{BB962C8B-B14F-4D97-AF65-F5344CB8AC3E}">
+        <p14:creationId xmlns:p14="http://schemas.microsoft.com/office/powerpoint/2010/main" val="150443508"/>
+      </p:ext>
+    </p:extLst>
+  </p:cSld>
+  <p:clrMapOvr>
+    <a:masterClrMapping/>
+  </p:clrMapOvr>
+</p:sld>
+</file>
+
+<file path=ppt/slides/slide2.xml><?xml version="1.0" encoding="utf-8"?>
 <p:sld xmlns:a="http://schemas.openxmlformats.org/drawingml/2006/main" xmlns:r="http://schemas.openxmlformats.org/officeDocument/2006/relationships" xmlns:p="http://schemas.openxmlformats.org/presentationml/2006/main">
   <p:cSld>
     <p:spTree>
@@ -5678,8 +7204,8 @@
         </p:nvSpPr>
         <p:spPr>
           <a:xfrm>
-            <a:off x="124097" y="143056"/>
-            <a:ext cx="6651171" cy="457835"/>
+            <a:off x="124098" y="143056"/>
+            <a:ext cx="2434506" cy="457835"/>
           </a:xfrm>
         </p:spPr>
         <p:txBody>
@@ -6037,6 +7563,64 @@
           </a:p>
         </p:txBody>
       </p:sp>
+      <p:sp>
+        <p:nvSpPr>
+          <p:cNvPr id="13" name="标题 1">
+            <a:extLst>
+              <a:ext uri="{FF2B5EF4-FFF2-40B4-BE49-F238E27FC236}">
+                <a16:creationId xmlns:a16="http://schemas.microsoft.com/office/drawing/2014/main" id="{58E75C3B-3623-B166-B4B4-CAD3B8FF9A0D}"/>
+              </a:ext>
+            </a:extLst>
+          </p:cNvPr>
+          <p:cNvSpPr txBox="1">
+            <a:spLocks/>
+          </p:cNvSpPr>
+          <p:nvPr/>
+        </p:nvSpPr>
+        <p:spPr>
+          <a:xfrm>
+            <a:off x="9572898" y="143056"/>
+            <a:ext cx="2434506" cy="457835"/>
+          </a:xfrm>
+          <a:prstGeom prst="rect">
+            <a:avLst/>
+          </a:prstGeom>
+        </p:spPr>
+        <p:txBody>
+          <a:bodyPr vert="horz" lIns="91440" tIns="45720" rIns="91440" bIns="45720" rtlCol="0" anchor="ctr">
+            <a:normAutofit fontScale="97500" lnSpcReduction="10000"/>
+          </a:bodyPr>
+          <a:lstStyle>
+            <a:lvl1pPr algn="l" defTabSz="914400" rtl="0" eaLnBrk="1" latinLnBrk="0" hangingPunct="1">
+              <a:lnSpc>
+                <a:spcPct val="90000"/>
+              </a:lnSpc>
+              <a:spcBef>
+                <a:spcPct val="0"/>
+              </a:spcBef>
+              <a:buNone/>
+              <a:defRPr sz="4400" kern="1200">
+                <a:solidFill>
+                  <a:schemeClr val="tx1"/>
+                </a:solidFill>
+                <a:latin typeface="+mj-lt"/>
+                <a:ea typeface="+mj-ea"/>
+                <a:cs typeface="+mj-cs"/>
+              </a:defRPr>
+            </a:lvl1pPr>
+          </a:lstStyle>
+          <a:p>
+            <a:r>
+              <a:rPr lang="zh-CN" altLang="en-US" sz="2800" dirty="0">
+                <a:solidFill>
+                  <a:srgbClr val="00B050"/>
+                </a:solidFill>
+              </a:rPr>
+              <a:t>表现较好</a:t>
+            </a:r>
+          </a:p>
+        </p:txBody>
+      </p:sp>
     </p:spTree>
     <p:extLst>
       <p:ext uri="{BB962C8B-B14F-4D97-AF65-F5344CB8AC3E}">
@@ -6050,7 +7634,7 @@
 </p:sld>
 </file>
 
-<file path=ppt/slides/slide4.xml><?xml version="1.0" encoding="utf-8"?>
+<file path=ppt/slides/slide3.xml><?xml version="1.0" encoding="utf-8"?>
 <p:sld xmlns:a="http://schemas.openxmlformats.org/drawingml/2006/main" xmlns:r="http://schemas.openxmlformats.org/officeDocument/2006/relationships" xmlns:p="http://schemas.openxmlformats.org/presentationml/2006/main">
   <p:cSld>
     <p:spTree>
@@ -6450,10 +8034,505 @@
           </a:p>
         </p:txBody>
       </p:sp>
+      <p:sp>
+        <p:nvSpPr>
+          <p:cNvPr id="4" name="标题 1">
+            <a:extLst>
+              <a:ext uri="{FF2B5EF4-FFF2-40B4-BE49-F238E27FC236}">
+                <a16:creationId xmlns:a16="http://schemas.microsoft.com/office/drawing/2014/main" id="{D3296497-8C6A-3620-E022-CA29532E0570}"/>
+              </a:ext>
+            </a:extLst>
+          </p:cNvPr>
+          <p:cNvSpPr txBox="1">
+            <a:spLocks/>
+          </p:cNvSpPr>
+          <p:nvPr/>
+        </p:nvSpPr>
+        <p:spPr>
+          <a:xfrm>
+            <a:off x="9572898" y="143056"/>
+            <a:ext cx="2434506" cy="457835"/>
+          </a:xfrm>
+          <a:prstGeom prst="rect">
+            <a:avLst/>
+          </a:prstGeom>
+        </p:spPr>
+        <p:txBody>
+          <a:bodyPr vert="horz" lIns="91440" tIns="45720" rIns="91440" bIns="45720" rtlCol="0" anchor="ctr">
+            <a:normAutofit fontScale="97500" lnSpcReduction="10000"/>
+          </a:bodyPr>
+          <a:lstStyle>
+            <a:lvl1pPr algn="l" defTabSz="914400" rtl="0" eaLnBrk="1" latinLnBrk="0" hangingPunct="1">
+              <a:lnSpc>
+                <a:spcPct val="90000"/>
+              </a:lnSpc>
+              <a:spcBef>
+                <a:spcPct val="0"/>
+              </a:spcBef>
+              <a:buNone/>
+              <a:defRPr sz="4400" kern="1200">
+                <a:solidFill>
+                  <a:schemeClr val="tx1"/>
+                </a:solidFill>
+                <a:latin typeface="+mj-lt"/>
+                <a:ea typeface="+mj-ea"/>
+                <a:cs typeface="+mj-cs"/>
+              </a:defRPr>
+            </a:lvl1pPr>
+          </a:lstStyle>
+          <a:p>
+            <a:r>
+              <a:rPr lang="zh-CN" altLang="en-US" sz="2800" dirty="0">
+                <a:solidFill>
+                  <a:srgbClr val="00B050"/>
+                </a:solidFill>
+              </a:rPr>
+              <a:t>表现较好</a:t>
+            </a:r>
+          </a:p>
+        </p:txBody>
+      </p:sp>
     </p:spTree>
     <p:extLst>
       <p:ext uri="{BB962C8B-B14F-4D97-AF65-F5344CB8AC3E}">
         <p14:creationId xmlns:p14="http://schemas.microsoft.com/office/powerpoint/2010/main" val="3701365009"/>
+      </p:ext>
+    </p:extLst>
+  </p:cSld>
+  <p:clrMapOvr>
+    <a:masterClrMapping/>
+  </p:clrMapOvr>
+</p:sld>
+</file>
+
+<file path=ppt/slides/slide4.xml><?xml version="1.0" encoding="utf-8"?>
+<p:sld xmlns:a="http://schemas.openxmlformats.org/drawingml/2006/main" xmlns:r="http://schemas.openxmlformats.org/officeDocument/2006/relationships" xmlns:p="http://schemas.openxmlformats.org/presentationml/2006/main">
+  <p:cSld>
+    <p:spTree>
+      <p:nvGrpSpPr>
+        <p:cNvPr id="1" name="">
+          <a:extLst>
+            <a:ext uri="{FF2B5EF4-FFF2-40B4-BE49-F238E27FC236}">
+              <a16:creationId xmlns:a16="http://schemas.microsoft.com/office/drawing/2014/main" id="{C4886FCF-2823-B591-4B2D-9EAF5E445304}"/>
+            </a:ext>
+          </a:extLst>
+        </p:cNvPr>
+        <p:cNvGrpSpPr/>
+        <p:nvPr/>
+      </p:nvGrpSpPr>
+      <p:grpSpPr>
+        <a:xfrm>
+          <a:off x="0" y="0"/>
+          <a:ext cx="0" cy="0"/>
+          <a:chOff x="0" y="0"/>
+          <a:chExt cx="0" cy="0"/>
+        </a:xfrm>
+      </p:grpSpPr>
+      <p:sp>
+        <p:nvSpPr>
+          <p:cNvPr id="2" name="标题 1">
+            <a:extLst>
+              <a:ext uri="{FF2B5EF4-FFF2-40B4-BE49-F238E27FC236}">
+                <a16:creationId xmlns:a16="http://schemas.microsoft.com/office/drawing/2014/main" id="{4238AB34-5255-682D-FDE0-44D8C5130D3B}"/>
+              </a:ext>
+            </a:extLst>
+          </p:cNvPr>
+          <p:cNvSpPr>
+            <a:spLocks noGrp="1"/>
+          </p:cNvSpPr>
+          <p:nvPr>
+            <p:ph type="title"/>
+          </p:nvPr>
+        </p:nvSpPr>
+        <p:spPr>
+          <a:xfrm>
+            <a:off x="124097" y="143056"/>
+            <a:ext cx="6651171" cy="457835"/>
+          </a:xfrm>
+        </p:spPr>
+        <p:txBody>
+          <a:bodyPr>
+            <a:normAutofit fontScale="90000"/>
+          </a:bodyPr>
+          <a:lstStyle/>
+          <a:p>
+            <a:r>
+              <a:rPr lang="zh-CN" altLang="en-US" sz="2800" dirty="0"/>
+              <a:t>随机森林回归</a:t>
+            </a:r>
+          </a:p>
+        </p:txBody>
+      </p:sp>
+      <p:pic>
+        <p:nvPicPr>
+          <p:cNvPr id="5" name="图片 4">
+            <a:extLst>
+              <a:ext uri="{FF2B5EF4-FFF2-40B4-BE49-F238E27FC236}">
+                <a16:creationId xmlns:a16="http://schemas.microsoft.com/office/drawing/2014/main" id="{E9A06633-1BEF-17BB-C068-B596C9F667FD}"/>
+              </a:ext>
+            </a:extLst>
+          </p:cNvPr>
+          <p:cNvPicPr>
+            <a:picLocks noChangeAspect="1"/>
+          </p:cNvPicPr>
+          <p:nvPr/>
+        </p:nvPicPr>
+        <p:blipFill>
+          <a:blip r:embed="rId2">
+            <a:extLst>
+              <a:ext uri="{28A0092B-C50C-407E-A947-70E740481C1C}">
+                <a14:useLocalDpi xmlns:a14="http://schemas.microsoft.com/office/drawing/2010/main" val="0"/>
+              </a:ext>
+            </a:extLst>
+          </a:blip>
+          <a:srcRect/>
+          <a:stretch/>
+        </p:blipFill>
+        <p:spPr>
+          <a:xfrm>
+            <a:off x="124097" y="600891"/>
+            <a:ext cx="3912325" cy="2934243"/>
+          </a:xfrm>
+          <a:prstGeom prst="rect">
+            <a:avLst/>
+          </a:prstGeom>
+        </p:spPr>
+      </p:pic>
+      <p:sp>
+        <p:nvSpPr>
+          <p:cNvPr id="8" name="标题 1">
+            <a:extLst>
+              <a:ext uri="{FF2B5EF4-FFF2-40B4-BE49-F238E27FC236}">
+                <a16:creationId xmlns:a16="http://schemas.microsoft.com/office/drawing/2014/main" id="{D62CA8A9-C1BB-5871-DA14-B70FD3F9AF68}"/>
+              </a:ext>
+            </a:extLst>
+          </p:cNvPr>
+          <p:cNvSpPr txBox="1">
+            <a:spLocks/>
+          </p:cNvSpPr>
+          <p:nvPr/>
+        </p:nvSpPr>
+        <p:spPr>
+          <a:xfrm>
+            <a:off x="4036422" y="598859"/>
+            <a:ext cx="2738845" cy="2593346"/>
+          </a:xfrm>
+          <a:prstGeom prst="rect">
+            <a:avLst/>
+          </a:prstGeom>
+        </p:spPr>
+        <p:txBody>
+          <a:bodyPr vert="horz" lIns="91440" tIns="45720" rIns="91440" bIns="45720" rtlCol="0" anchor="ctr">
+            <a:noAutofit/>
+          </a:bodyPr>
+          <a:lstStyle>
+            <a:lvl1pPr algn="l" defTabSz="914400" rtl="0" eaLnBrk="1" latinLnBrk="0" hangingPunct="1">
+              <a:lnSpc>
+                <a:spcPct val="90000"/>
+              </a:lnSpc>
+              <a:spcBef>
+                <a:spcPct val="0"/>
+              </a:spcBef>
+              <a:buNone/>
+              <a:defRPr sz="4400" kern="1200">
+                <a:solidFill>
+                  <a:schemeClr val="tx1"/>
+                </a:solidFill>
+                <a:latin typeface="+mj-lt"/>
+                <a:ea typeface="+mj-ea"/>
+                <a:cs typeface="+mj-cs"/>
+              </a:defRPr>
+            </a:lvl1pPr>
+          </a:lstStyle>
+          <a:p>
+            <a:r>
+              <a:rPr lang="en-US" altLang="zh-CN" sz="1000" dirty="0">
+                <a:latin typeface="Consolas" panose="020B0609020204030204" pitchFamily="49" charset="0"/>
+              </a:rPr>
+              <a:t> model = RandomForestRegressor(</a:t>
+            </a:r>
+          </a:p>
+          <a:p>
+            <a:r>
+              <a:rPr lang="en-US" altLang="zh-CN" sz="1000" dirty="0">
+                <a:latin typeface="Consolas" panose="020B0609020204030204" pitchFamily="49" charset="0"/>
+              </a:rPr>
+              <a:t>        </a:t>
+            </a:r>
+            <a:r>
+              <a:rPr lang="en-US" altLang="zh-CN" sz="1000" dirty="0" err="1">
+                <a:latin typeface="Consolas" panose="020B0609020204030204" pitchFamily="49" charset="0"/>
+              </a:rPr>
+              <a:t>n_estimators</a:t>
+            </a:r>
+            <a:r>
+              <a:rPr lang="en-US" altLang="zh-CN" sz="1000" dirty="0">
+                <a:latin typeface="Consolas" panose="020B0609020204030204" pitchFamily="49" charset="0"/>
+              </a:rPr>
+              <a:t>=100, </a:t>
+            </a:r>
+          </a:p>
+          <a:p>
+            <a:r>
+              <a:rPr lang="en-US" altLang="zh-CN" sz="1000" dirty="0">
+                <a:latin typeface="Consolas" panose="020B0609020204030204" pitchFamily="49" charset="0"/>
+              </a:rPr>
+              <a:t>        </a:t>
+            </a:r>
+            <a:r>
+              <a:rPr lang="en-US" altLang="zh-CN" sz="1000" dirty="0" err="1">
+                <a:latin typeface="Consolas" panose="020B0609020204030204" pitchFamily="49" charset="0"/>
+              </a:rPr>
+              <a:t>random_state</a:t>
+            </a:r>
+            <a:r>
+              <a:rPr lang="en-US" altLang="zh-CN" sz="1000" dirty="0">
+                <a:latin typeface="Consolas" panose="020B0609020204030204" pitchFamily="49" charset="0"/>
+              </a:rPr>
+              <a:t>=2</a:t>
+            </a:r>
+          </a:p>
+          <a:p>
+            <a:r>
+              <a:rPr lang="en-US" altLang="zh-CN" sz="1000" dirty="0">
+                <a:latin typeface="Consolas" panose="020B0609020204030204" pitchFamily="49" charset="0"/>
+              </a:rPr>
+              <a:t>        )</a:t>
+            </a:r>
+          </a:p>
+          <a:p>
+            <a:endParaRPr lang="pt-BR" altLang="zh-CN" sz="1000" dirty="0">
+              <a:latin typeface="Alte DIN 1451 Mittelschrift gep" panose="020B0603020202020204" pitchFamily="34" charset="0"/>
+            </a:endParaRPr>
+          </a:p>
+          <a:p>
+            <a:r>
+              <a:rPr lang="pt-BR" altLang="zh-CN" sz="2000" dirty="0">
+                <a:latin typeface="Alte DIN 1451 Mittelschrift gep" panose="020B0603020202020204" pitchFamily="34" charset="0"/>
+              </a:rPr>
+              <a:t>MAPE: 0.1769</a:t>
+            </a:r>
+          </a:p>
+          <a:p>
+            <a:r>
+              <a:rPr lang="pt-BR" altLang="zh-CN" sz="2000" dirty="0">
+                <a:latin typeface="Alte DIN 1451 Mittelschrift gep" panose="020B0603020202020204" pitchFamily="34" charset="0"/>
+              </a:rPr>
+              <a:t>R²: 0.5288</a:t>
+            </a:r>
+          </a:p>
+          <a:p>
+            <a:r>
+              <a:rPr lang="pt-BR" altLang="zh-CN" sz="2000" dirty="0">
+                <a:latin typeface="Alte DIN 1451 Mittelschrift gep" panose="020B0603020202020204" pitchFamily="34" charset="0"/>
+              </a:rPr>
+              <a:t>RMSE: 236.0175</a:t>
+            </a:r>
+            <a:endParaRPr lang="zh-CN" altLang="en-US" sz="2000" dirty="0">
+              <a:latin typeface="Alte DIN 1451 Mittelschrift gep" panose="020B0603020202020204" pitchFamily="34" charset="0"/>
+            </a:endParaRPr>
+          </a:p>
+        </p:txBody>
+      </p:sp>
+      <p:pic>
+        <p:nvPicPr>
+          <p:cNvPr id="6" name="图片 5">
+            <a:extLst>
+              <a:ext uri="{FF2B5EF4-FFF2-40B4-BE49-F238E27FC236}">
+                <a16:creationId xmlns:a16="http://schemas.microsoft.com/office/drawing/2014/main" id="{6C1C0209-B043-D39A-24E5-06E00A85218A}"/>
+              </a:ext>
+            </a:extLst>
+          </p:cNvPr>
+          <p:cNvPicPr>
+            <a:picLocks noChangeAspect="1"/>
+          </p:cNvPicPr>
+          <p:nvPr/>
+        </p:nvPicPr>
+        <p:blipFill>
+          <a:blip r:embed="rId3">
+            <a:extLst>
+              <a:ext uri="{28A0092B-C50C-407E-A947-70E740481C1C}">
+                <a14:useLocalDpi xmlns:a14="http://schemas.microsoft.com/office/drawing/2010/main" val="0"/>
+              </a:ext>
+            </a:extLst>
+          </a:blip>
+          <a:srcRect/>
+          <a:stretch/>
+        </p:blipFill>
+        <p:spPr>
+          <a:xfrm>
+            <a:off x="124097" y="3464294"/>
+            <a:ext cx="3912324" cy="2934243"/>
+          </a:xfrm>
+          <a:prstGeom prst="rect">
+            <a:avLst/>
+          </a:prstGeom>
+        </p:spPr>
+      </p:pic>
+      <p:sp>
+        <p:nvSpPr>
+          <p:cNvPr id="7" name="标题 1">
+            <a:extLst>
+              <a:ext uri="{FF2B5EF4-FFF2-40B4-BE49-F238E27FC236}">
+                <a16:creationId xmlns:a16="http://schemas.microsoft.com/office/drawing/2014/main" id="{B8B14501-8D1A-0B60-C3AE-C0F32664CC94}"/>
+              </a:ext>
+            </a:extLst>
+          </p:cNvPr>
+          <p:cNvSpPr txBox="1">
+            <a:spLocks/>
+          </p:cNvSpPr>
+          <p:nvPr/>
+        </p:nvSpPr>
+        <p:spPr>
+          <a:xfrm>
+            <a:off x="4036422" y="3537168"/>
+            <a:ext cx="2738845" cy="2593346"/>
+          </a:xfrm>
+          <a:prstGeom prst="rect">
+            <a:avLst/>
+          </a:prstGeom>
+        </p:spPr>
+        <p:txBody>
+          <a:bodyPr vert="horz" lIns="91440" tIns="45720" rIns="91440" bIns="45720" rtlCol="0" anchor="ctr">
+            <a:noAutofit/>
+          </a:bodyPr>
+          <a:lstStyle>
+            <a:lvl1pPr algn="l" defTabSz="914400" rtl="0" eaLnBrk="1" latinLnBrk="0" hangingPunct="1">
+              <a:lnSpc>
+                <a:spcPct val="90000"/>
+              </a:lnSpc>
+              <a:spcBef>
+                <a:spcPct val="0"/>
+              </a:spcBef>
+              <a:buNone/>
+              <a:defRPr sz="4400" kern="1200">
+                <a:solidFill>
+                  <a:schemeClr val="tx1"/>
+                </a:solidFill>
+                <a:latin typeface="+mj-lt"/>
+                <a:ea typeface="+mj-ea"/>
+                <a:cs typeface="+mj-cs"/>
+              </a:defRPr>
+            </a:lvl1pPr>
+          </a:lstStyle>
+          <a:p>
+            <a:r>
+              <a:rPr lang="en-US" altLang="zh-CN" sz="1000" dirty="0">
+                <a:latin typeface="Consolas" panose="020B0609020204030204" pitchFamily="49" charset="0"/>
+              </a:rPr>
+              <a:t>Best params (</a:t>
+            </a:r>
+            <a:r>
+              <a:rPr lang="en-US" altLang="zh-CN" sz="1000" dirty="0" err="1">
+                <a:latin typeface="Consolas" panose="020B0609020204030204" pitchFamily="49" charset="0"/>
+              </a:rPr>
+              <a:t>random_forest_tuned</a:t>
+            </a:r>
+            <a:r>
+              <a:rPr lang="en-US" altLang="zh-CN" sz="1000" dirty="0">
+                <a:latin typeface="Consolas" panose="020B0609020204030204" pitchFamily="49" charset="0"/>
+              </a:rPr>
+              <a:t>, FFT): {'bootstrap': False, '</a:t>
+            </a:r>
+            <a:r>
+              <a:rPr lang="en-US" altLang="zh-CN" sz="1000" dirty="0" err="1">
+                <a:latin typeface="Consolas" panose="020B0609020204030204" pitchFamily="49" charset="0"/>
+              </a:rPr>
+              <a:t>max_depth</a:t>
+            </a:r>
+            <a:r>
+              <a:rPr lang="en-US" altLang="zh-CN" sz="1000" dirty="0">
+                <a:latin typeface="Consolas" panose="020B0609020204030204" pitchFamily="49" charset="0"/>
+              </a:rPr>
+              <a:t>': 13, '</a:t>
+            </a:r>
+            <a:r>
+              <a:rPr lang="en-US" altLang="zh-CN" sz="1000" dirty="0" err="1">
+                <a:latin typeface="Consolas" panose="020B0609020204030204" pitchFamily="49" charset="0"/>
+              </a:rPr>
+              <a:t>max_features</a:t>
+            </a:r>
+            <a:r>
+              <a:rPr lang="en-US" altLang="zh-CN" sz="1000" dirty="0">
+                <a:latin typeface="Consolas" panose="020B0609020204030204" pitchFamily="49" charset="0"/>
+              </a:rPr>
+              <a:t>': 'log2', '</a:t>
+            </a:r>
+            <a:r>
+              <a:rPr lang="en-US" altLang="zh-CN" sz="1000" dirty="0" err="1">
+                <a:latin typeface="Consolas" panose="020B0609020204030204" pitchFamily="49" charset="0"/>
+              </a:rPr>
+              <a:t>min_samples_leaf</a:t>
+            </a:r>
+            <a:r>
+              <a:rPr lang="en-US" altLang="zh-CN" sz="1000" dirty="0">
+                <a:latin typeface="Consolas" panose="020B0609020204030204" pitchFamily="49" charset="0"/>
+              </a:rPr>
+              <a:t>': 3, '</a:t>
+            </a:r>
+            <a:r>
+              <a:rPr lang="en-US" altLang="zh-CN" sz="1000" dirty="0" err="1">
+                <a:latin typeface="Consolas" panose="020B0609020204030204" pitchFamily="49" charset="0"/>
+              </a:rPr>
+              <a:t>min_samples_split</a:t>
+            </a:r>
+            <a:r>
+              <a:rPr lang="en-US" altLang="zh-CN" sz="1000" dirty="0">
+                <a:latin typeface="Consolas" panose="020B0609020204030204" pitchFamily="49" charset="0"/>
+              </a:rPr>
+              <a:t>': 7, '</a:t>
+            </a:r>
+            <a:r>
+              <a:rPr lang="en-US" altLang="zh-CN" sz="1000" dirty="0" err="1">
+                <a:latin typeface="Consolas" panose="020B0609020204030204" pitchFamily="49" charset="0"/>
+              </a:rPr>
+              <a:t>n_estimators</a:t>
+            </a:r>
+            <a:r>
+              <a:rPr lang="en-US" altLang="zh-CN" sz="1000" dirty="0">
+                <a:latin typeface="Consolas" panose="020B0609020204030204" pitchFamily="49" charset="0"/>
+              </a:rPr>
+              <a:t>': 284}</a:t>
+            </a:r>
+          </a:p>
+          <a:p>
+            <a:endParaRPr lang="pt-BR" altLang="zh-CN" sz="1000" dirty="0">
+              <a:latin typeface="Alte DIN 1451 Mittelschrift gep" panose="020B0603020202020204" pitchFamily="34" charset="0"/>
+            </a:endParaRPr>
+          </a:p>
+          <a:p>
+            <a:r>
+              <a:rPr lang="pt-BR" altLang="zh-CN" sz="2000" dirty="0">
+                <a:latin typeface="Alte DIN 1451 Mittelschrift gep" panose="020B0603020202020204" pitchFamily="34" charset="0"/>
+              </a:rPr>
+              <a:t>MAPE: 0.5116</a:t>
+            </a:r>
+          </a:p>
+          <a:p>
+            <a:r>
+              <a:rPr lang="pt-BR" altLang="zh-CN" sz="2000" dirty="0">
+                <a:latin typeface="Alte DIN 1451 Mittelschrift gep" panose="020B0603020202020204" pitchFamily="34" charset="0"/>
+              </a:rPr>
+              <a:t>R²: 0.3419</a:t>
+            </a:r>
+          </a:p>
+          <a:p>
+            <a:r>
+              <a:rPr lang="pt-BR" altLang="zh-CN" sz="2000" dirty="0">
+                <a:latin typeface="Alte DIN 1451 Mittelschrift gep" panose="020B0603020202020204" pitchFamily="34" charset="0"/>
+              </a:rPr>
+              <a:t>RMSE: 278.9316</a:t>
+            </a:r>
+            <a:endParaRPr lang="zh-CN" altLang="en-US" sz="2000" dirty="0">
+              <a:latin typeface="Alte DIN 1451 Mittelschrift gep" panose="020B0603020202020204" pitchFamily="34" charset="0"/>
+            </a:endParaRPr>
+          </a:p>
+        </p:txBody>
+      </p:sp>
+    </p:spTree>
+    <p:extLst>
+      <p:ext uri="{BB962C8B-B14F-4D97-AF65-F5344CB8AC3E}">
+        <p14:creationId xmlns:p14="http://schemas.microsoft.com/office/powerpoint/2010/main" val="2095569390"/>
       </p:ext>
     </p:extLst>
   </p:cSld>
@@ -7401,7 +9480,7 @@
         <p:cNvPr id="1" name="">
           <a:extLst>
             <a:ext uri="{FF2B5EF4-FFF2-40B4-BE49-F238E27FC236}">
-              <a16:creationId xmlns:a16="http://schemas.microsoft.com/office/drawing/2014/main" id="{DD9EECF1-6507-DD4B-B156-62FDDA545518}"/>
+              <a16:creationId xmlns:a16="http://schemas.microsoft.com/office/drawing/2014/main" id="{058B914B-0D79-1F41-C8A4-6822F7D62794}"/>
             </a:ext>
           </a:extLst>
         </p:cNvPr>
@@ -7421,7 +9500,7 @@
           <p:cNvPr id="2" name="标题 1">
             <a:extLst>
               <a:ext uri="{FF2B5EF4-FFF2-40B4-BE49-F238E27FC236}">
-                <a16:creationId xmlns:a16="http://schemas.microsoft.com/office/drawing/2014/main" id="{9C2BFF46-DD9C-94F8-9778-CB9E7AAC9DF3}"/>
+                <a16:creationId xmlns:a16="http://schemas.microsoft.com/office/drawing/2014/main" id="{A81E67AE-9DB8-00A5-6CB2-8BFAE5499412}"/>
               </a:ext>
             </a:extLst>
           </p:cNvPr>
@@ -7446,7 +9525,7 @@
           <a:p>
             <a:r>
               <a:rPr lang="zh-CN" altLang="en-US" sz="2800" dirty="0"/>
-              <a:t>多项式回归</a:t>
+              <a:t>支持向量回归</a:t>
             </a:r>
           </a:p>
         </p:txBody>
@@ -7456,7 +9535,7 @@
           <p:cNvPr id="5" name="图片 4">
             <a:extLst>
               <a:ext uri="{FF2B5EF4-FFF2-40B4-BE49-F238E27FC236}">
-                <a16:creationId xmlns:a16="http://schemas.microsoft.com/office/drawing/2014/main" id="{5C259035-F5DA-901D-2D63-63D1A35EC3D6}"/>
+                <a16:creationId xmlns:a16="http://schemas.microsoft.com/office/drawing/2014/main" id="{4C742A88-6901-A5A0-B9CF-6B9C01460EC9}"/>
               </a:ext>
             </a:extLst>
           </p:cNvPr>
@@ -7479,7 +9558,7 @@
         <p:spPr>
           <a:xfrm>
             <a:off x="124097" y="600891"/>
-            <a:ext cx="3912326" cy="2934244"/>
+            <a:ext cx="3912325" cy="2934243"/>
           </a:xfrm>
           <a:prstGeom prst="rect">
             <a:avLst/>
@@ -7491,7 +9570,7 @@
           <p:cNvPr id="8" name="标题 1">
             <a:extLst>
               <a:ext uri="{FF2B5EF4-FFF2-40B4-BE49-F238E27FC236}">
-                <a16:creationId xmlns:a16="http://schemas.microsoft.com/office/drawing/2014/main" id="{7D98A111-CF32-1FB1-5096-F8E1D66E91AC}"/>
+                <a16:creationId xmlns:a16="http://schemas.microsoft.com/office/drawing/2014/main" id="{72C90F70-C452-5F86-535C-2AE1D56D586F}"/>
               </a:ext>
             </a:extLst>
           </p:cNvPr>
@@ -7537,55 +9616,51 @@
               <a:rPr lang="en-US" altLang="zh-CN" sz="1000" dirty="0">
                 <a:latin typeface="Consolas" panose="020B0609020204030204" pitchFamily="49" charset="0"/>
               </a:rPr>
-              <a:t>poly = </a:t>
+              <a:t>    model = SVR(</a:t>
+            </a:r>
+          </a:p>
+          <a:p>
+            <a:r>
+              <a:rPr lang="en-US" altLang="zh-CN" sz="1000" dirty="0">
+                <a:latin typeface="Consolas" panose="020B0609020204030204" pitchFamily="49" charset="0"/>
+              </a:rPr>
+              <a:t>        kernel='</a:t>
             </a:r>
             <a:r>
               <a:rPr lang="en-US" altLang="zh-CN" sz="1000" dirty="0" err="1">
                 <a:latin typeface="Consolas" panose="020B0609020204030204" pitchFamily="49" charset="0"/>
               </a:rPr>
-              <a:t>PolynomialFeatures</a:t>
-            </a:r>
-            <a:r>
-              <a:rPr lang="en-US" altLang="zh-CN" sz="1000" dirty="0">
-                <a:latin typeface="Consolas" panose="020B0609020204030204" pitchFamily="49" charset="0"/>
-              </a:rPr>
-              <a:t>(</a:t>
-            </a:r>
-          </a:p>
-          <a:p>
-            <a:r>
-              <a:rPr lang="en-US" altLang="zh-CN" sz="1000" dirty="0">
-                <a:latin typeface="Consolas" panose="020B0609020204030204" pitchFamily="49" charset="0"/>
-              </a:rPr>
-              <a:t>        degree=3, </a:t>
-            </a:r>
-          </a:p>
-          <a:p>
-            <a:r>
-              <a:rPr lang="en-US" altLang="zh-CN" sz="1000" dirty="0">
-                <a:latin typeface="Consolas" panose="020B0609020204030204" pitchFamily="49" charset="0"/>
-              </a:rPr>
-              <a:t>        </a:t>
-            </a:r>
-            <a:r>
-              <a:rPr lang="en-US" altLang="zh-CN" sz="1000" dirty="0" err="1">
-                <a:latin typeface="Consolas" panose="020B0609020204030204" pitchFamily="49" charset="0"/>
-              </a:rPr>
-              <a:t>include_bias</a:t>
-            </a:r>
-            <a:r>
-              <a:rPr lang="en-US" altLang="zh-CN" sz="1000" dirty="0">
-                <a:latin typeface="Consolas" panose="020B0609020204030204" pitchFamily="49" charset="0"/>
-              </a:rPr>
-              <a:t>=True</a:t>
-            </a:r>
-          </a:p>
-          <a:p>
-            <a:r>
-              <a:rPr lang="en-US" altLang="zh-CN" sz="1000" dirty="0">
-                <a:latin typeface="Consolas" panose="020B0609020204030204" pitchFamily="49" charset="0"/>
-              </a:rPr>
-              <a:t>        )</a:t>
+              <a:t>rbf</a:t>
+            </a:r>
+            <a:r>
+              <a:rPr lang="en-US" altLang="zh-CN" sz="1000" dirty="0">
+                <a:latin typeface="Consolas" panose="020B0609020204030204" pitchFamily="49" charset="0"/>
+              </a:rPr>
+              <a:t>', </a:t>
+            </a:r>
+          </a:p>
+          <a:p>
+            <a:r>
+              <a:rPr lang="en-US" altLang="zh-CN" sz="1000" dirty="0">
+                <a:latin typeface="Consolas" panose="020B0609020204030204" pitchFamily="49" charset="0"/>
+              </a:rPr>
+              <a:t>        C=1000, </a:t>
+            </a:r>
+          </a:p>
+          <a:p>
+            <a:r>
+              <a:rPr lang="en-US" altLang="zh-CN" sz="1000" dirty="0">
+                <a:latin typeface="Consolas" panose="020B0609020204030204" pitchFamily="49" charset="0"/>
+              </a:rPr>
+              <a:t>        epsilon=0.5</a:t>
+            </a:r>
+          </a:p>
+          <a:p>
+            <a:r>
+              <a:rPr lang="en-US" altLang="zh-CN" sz="1000" dirty="0">
+                <a:latin typeface="Consolas" panose="020B0609020204030204" pitchFamily="49" charset="0"/>
+              </a:rPr>
+              <a:t>        )</a:t>
             </a:r>
           </a:p>
           <a:p>
@@ -7598,7 +9673,7 @@
               <a:rPr lang="pt-BR" altLang="zh-CN" sz="2000" dirty="0">
                 <a:latin typeface="Alte DIN 1451 Mittelschrift gep" panose="020B0603020202020204" pitchFamily="34" charset="0"/>
               </a:rPr>
-              <a:t>MAPE: 2011.0220</a:t>
+              <a:t>MAPE: 6909.5662</a:t>
             </a:r>
           </a:p>
           <a:p>
@@ -7606,7 +9681,7 @@
               <a:rPr lang="pt-BR" altLang="zh-CN" sz="2000" dirty="0">
                 <a:latin typeface="Alte DIN 1451 Mittelschrift gep" panose="020B0603020202020204" pitchFamily="34" charset="0"/>
               </a:rPr>
-              <a:t>R²: 0.9993</a:t>
+              <a:t>R²: 0.2224</a:t>
             </a:r>
           </a:p>
           <a:p>
@@ -7614,7 +9689,7 @@
               <a:rPr lang="pt-BR" altLang="zh-CN" sz="2000" dirty="0">
                 <a:latin typeface="Alte DIN 1451 Mittelschrift gep" panose="020B0603020202020204" pitchFamily="34" charset="0"/>
               </a:rPr>
-              <a:t>RMSE: 2.3611</a:t>
+              <a:t>RMSE: 303.2106</a:t>
             </a:r>
             <a:endParaRPr lang="zh-CN" altLang="en-US" sz="2000" dirty="0">
               <a:latin typeface="Alte DIN 1451 Mittelschrift gep" panose="020B0603020202020204" pitchFamily="34" charset="0"/>
@@ -7622,83 +9697,12 @@
           </a:p>
         </p:txBody>
       </p:sp>
-    </p:spTree>
-    <p:extLst>
-      <p:ext uri="{BB962C8B-B14F-4D97-AF65-F5344CB8AC3E}">
-        <p14:creationId xmlns:p14="http://schemas.microsoft.com/office/powerpoint/2010/main" val="1787281386"/>
-      </p:ext>
-    </p:extLst>
-  </p:cSld>
-  <p:clrMapOvr>
-    <a:masterClrMapping/>
-  </p:clrMapOvr>
-</p:sld>
-</file>
-
-<file path=ppt/slides/slide8.xml><?xml version="1.0" encoding="utf-8"?>
-<p:sld xmlns:a="http://schemas.openxmlformats.org/drawingml/2006/main" xmlns:r="http://schemas.openxmlformats.org/officeDocument/2006/relationships" xmlns:p="http://schemas.openxmlformats.org/presentationml/2006/main">
-  <p:cSld>
-    <p:spTree>
-      <p:nvGrpSpPr>
-        <p:cNvPr id="1" name="">
-          <a:extLst>
-            <a:ext uri="{FF2B5EF4-FFF2-40B4-BE49-F238E27FC236}">
-              <a16:creationId xmlns:a16="http://schemas.microsoft.com/office/drawing/2014/main" id="{8430C702-1A76-DC11-56A6-530002205B53}"/>
-            </a:ext>
-          </a:extLst>
-        </p:cNvPr>
-        <p:cNvGrpSpPr/>
-        <p:nvPr/>
-      </p:nvGrpSpPr>
-      <p:grpSpPr>
-        <a:xfrm>
-          <a:off x="0" y="0"/>
-          <a:ext cx="0" cy="0"/>
-          <a:chOff x="0" y="0"/>
-          <a:chExt cx="0" cy="0"/>
-        </a:xfrm>
-      </p:grpSpPr>
-      <p:sp>
-        <p:nvSpPr>
-          <p:cNvPr id="2" name="标题 1">
-            <a:extLst>
-              <a:ext uri="{FF2B5EF4-FFF2-40B4-BE49-F238E27FC236}">
-                <a16:creationId xmlns:a16="http://schemas.microsoft.com/office/drawing/2014/main" id="{27D3F7F1-808D-9206-38B1-FA1C98895CF6}"/>
-              </a:ext>
-            </a:extLst>
-          </p:cNvPr>
-          <p:cNvSpPr>
-            <a:spLocks noGrp="1"/>
-          </p:cNvSpPr>
-          <p:nvPr>
-            <p:ph type="title"/>
-          </p:nvPr>
-        </p:nvSpPr>
-        <p:spPr>
-          <a:xfrm>
-            <a:off x="124097" y="143056"/>
-            <a:ext cx="6950697" cy="457835"/>
-          </a:xfrm>
-        </p:spPr>
-        <p:txBody>
-          <a:bodyPr>
-            <a:normAutofit fontScale="90000"/>
-          </a:bodyPr>
-          <a:lstStyle/>
-          <a:p>
-            <a:r>
-              <a:rPr lang="zh-CN" altLang="en-US" sz="2800" dirty="0"/>
-              <a:t>多项式回归</a:t>
-            </a:r>
-          </a:p>
-        </p:txBody>
-      </p:sp>
       <p:pic>
         <p:nvPicPr>
-          <p:cNvPr id="5" name="图片 4">
-            <a:extLst>
-              <a:ext uri="{FF2B5EF4-FFF2-40B4-BE49-F238E27FC236}">
-                <a16:creationId xmlns:a16="http://schemas.microsoft.com/office/drawing/2014/main" id="{72F2D35C-DB79-AAB6-D2D3-3C76FE373030}"/>
+          <p:cNvPr id="3" name="图片 2">
+            <a:extLst>
+              <a:ext uri="{FF2B5EF4-FFF2-40B4-BE49-F238E27FC236}">
+                <a16:creationId xmlns:a16="http://schemas.microsoft.com/office/drawing/2014/main" id="{7AE39883-DB11-F34B-A9DF-FAF9FFDFD76F}"/>
               </a:ext>
             </a:extLst>
           </p:cNvPr>
@@ -7708,7 +9712,7 @@
           <p:nvPr/>
         </p:nvPicPr>
         <p:blipFill>
-          <a:blip r:embed="rId2">
+          <a:blip r:embed="rId3">
             <a:extLst>
               <a:ext uri="{28A0092B-C50C-407E-A947-70E740481C1C}">
                 <a14:useLocalDpi xmlns:a14="http://schemas.microsoft.com/office/drawing/2010/main" val="0"/>
@@ -7720,8 +9724,8 @@
         </p:blipFill>
         <p:spPr>
           <a:xfrm>
-            <a:off x="124097" y="600891"/>
-            <a:ext cx="3912325" cy="2934244"/>
+            <a:off x="124097" y="3464294"/>
+            <a:ext cx="3912324" cy="2934243"/>
           </a:xfrm>
           <a:prstGeom prst="rect">
             <a:avLst/>
@@ -7730,10 +9734,10 @@
       </p:pic>
       <p:sp>
         <p:nvSpPr>
-          <p:cNvPr id="8" name="标题 1">
-            <a:extLst>
-              <a:ext uri="{FF2B5EF4-FFF2-40B4-BE49-F238E27FC236}">
-                <a16:creationId xmlns:a16="http://schemas.microsoft.com/office/drawing/2014/main" id="{1211AB25-CBF2-0C54-3894-7726B5E8C598}"/>
+          <p:cNvPr id="4" name="标题 1">
+            <a:extLst>
+              <a:ext uri="{FF2B5EF4-FFF2-40B4-BE49-F238E27FC236}">
+                <a16:creationId xmlns:a16="http://schemas.microsoft.com/office/drawing/2014/main" id="{CFA2DA3E-F9EE-46A5-C501-CF475E0E11B6}"/>
               </a:ext>
             </a:extLst>
           </p:cNvPr>
@@ -7744,7 +9748,7 @@
         </p:nvSpPr>
         <p:spPr>
           <a:xfrm>
-            <a:off x="4036422" y="598859"/>
+            <a:off x="4036422" y="3537168"/>
             <a:ext cx="2738845" cy="2593346"/>
           </a:xfrm>
           <a:prstGeom prst="rect">
@@ -7779,55 +9783,31 @@
               <a:rPr lang="en-US" altLang="zh-CN" sz="1000" dirty="0">
                 <a:latin typeface="Consolas" panose="020B0609020204030204" pitchFamily="49" charset="0"/>
               </a:rPr>
-              <a:t>poly = </a:t>
+              <a:t>Best params (</a:t>
             </a:r>
             <a:r>
               <a:rPr lang="en-US" altLang="zh-CN" sz="1000" dirty="0" err="1">
                 <a:latin typeface="Consolas" panose="020B0609020204030204" pitchFamily="49" charset="0"/>
               </a:rPr>
-              <a:t>PolynomialFeatures</a:t>
-            </a:r>
-            <a:r>
-              <a:rPr lang="en-US" altLang="zh-CN" sz="1000" dirty="0">
-                <a:latin typeface="Consolas" panose="020B0609020204030204" pitchFamily="49" charset="0"/>
-              </a:rPr>
-              <a:t>(</a:t>
-            </a:r>
-          </a:p>
-          <a:p>
-            <a:r>
-              <a:rPr lang="en-US" altLang="zh-CN" sz="1000" dirty="0">
-                <a:latin typeface="Consolas" panose="020B0609020204030204" pitchFamily="49" charset="0"/>
-              </a:rPr>
-              <a:t>        degree=3, </a:t>
-            </a:r>
-          </a:p>
-          <a:p>
-            <a:r>
-              <a:rPr lang="en-US" altLang="zh-CN" sz="1000" dirty="0">
-                <a:latin typeface="Consolas" panose="020B0609020204030204" pitchFamily="49" charset="0"/>
-              </a:rPr>
-              <a:t>        </a:t>
+              <a:t>svr_tuned</a:t>
+            </a:r>
+            <a:r>
+              <a:rPr lang="en-US" altLang="zh-CN" sz="1000" dirty="0">
+                <a:latin typeface="Consolas" panose="020B0609020204030204" pitchFamily="49" charset="0"/>
+              </a:rPr>
+              <a:t>): {'C': 577.8627854332454, 'degree': 3, 'epsilon': 0.11958479832931303, 'gamma': 1.0963607629633412e-05, 'kernel': '</a:t>
             </a:r>
             <a:r>
               <a:rPr lang="en-US" altLang="zh-CN" sz="1000" dirty="0" err="1">
                 <a:latin typeface="Consolas" panose="020B0609020204030204" pitchFamily="49" charset="0"/>
               </a:rPr>
-              <a:t>include_bias</a:t>
-            </a:r>
-            <a:r>
-              <a:rPr lang="en-US" altLang="zh-CN" sz="1000" dirty="0">
-                <a:latin typeface="Consolas" panose="020B0609020204030204" pitchFamily="49" charset="0"/>
-              </a:rPr>
-              <a:t>=True</a:t>
-            </a:r>
-          </a:p>
-          <a:p>
-            <a:r>
-              <a:rPr lang="en-US" altLang="zh-CN" sz="1000" dirty="0">
-                <a:latin typeface="Consolas" panose="020B0609020204030204" pitchFamily="49" charset="0"/>
-              </a:rPr>
-              <a:t>        )</a:t>
+              <a:t>rbf</a:t>
+            </a:r>
+            <a:r>
+              <a:rPr lang="en-US" altLang="zh-CN" sz="1000" dirty="0">
+                <a:latin typeface="Consolas" panose="020B0609020204030204" pitchFamily="49" charset="0"/>
+              </a:rPr>
+              <a:t>’}</a:t>
             </a:r>
           </a:p>
           <a:p>
@@ -7840,7 +9820,7 @@
               <a:rPr lang="pt-BR" altLang="zh-CN" sz="2000" dirty="0">
                 <a:latin typeface="Alte DIN 1451 Mittelschrift gep" panose="020B0603020202020204" pitchFamily="34" charset="0"/>
               </a:rPr>
-              <a:t>MAPE: 645.0855</a:t>
+              <a:t>MAPE: 1662.4767</a:t>
             </a:r>
           </a:p>
           <a:p>
@@ -7848,7 +9828,7 @@
               <a:rPr lang="pt-BR" altLang="zh-CN" sz="2000" dirty="0">
                 <a:latin typeface="Alte DIN 1451 Mittelschrift gep" panose="020B0603020202020204" pitchFamily="34" charset="0"/>
               </a:rPr>
-              <a:t>R²: 0.9998</a:t>
+              <a:t>R²: -0.2448</a:t>
             </a:r>
           </a:p>
           <a:p>
@@ -7856,7 +9836,7 @@
               <a:rPr lang="pt-BR" altLang="zh-CN" sz="2000" dirty="0">
                 <a:latin typeface="Alte DIN 1451 Mittelschrift gep" panose="020B0603020202020204" pitchFamily="34" charset="0"/>
               </a:rPr>
-              <a:t>RMSE: 2.5920</a:t>
+              <a:t>RMSE: 383.6208</a:t>
             </a:r>
             <a:endParaRPr lang="zh-CN" altLang="en-US" sz="2000" dirty="0">
               <a:latin typeface="Alte DIN 1451 Mittelschrift gep" panose="020B0603020202020204" pitchFamily="34" charset="0"/>
@@ -7864,10 +9844,90 @@
           </a:p>
         </p:txBody>
       </p:sp>
+      <p:sp>
+        <p:nvSpPr>
+          <p:cNvPr id="6" name="文本框 5">
+            <a:extLst>
+              <a:ext uri="{FF2B5EF4-FFF2-40B4-BE49-F238E27FC236}">
+                <a16:creationId xmlns:a16="http://schemas.microsoft.com/office/drawing/2014/main" id="{F3A5B27A-7D60-37BB-5F6B-E925AE2CFFD7}"/>
+              </a:ext>
+            </a:extLst>
+          </p:cNvPr>
+          <p:cNvSpPr txBox="1"/>
+          <p:nvPr/>
+        </p:nvSpPr>
+        <p:spPr>
+          <a:xfrm>
+            <a:off x="7074794" y="3535136"/>
+            <a:ext cx="4344473" cy="369332"/>
+          </a:xfrm>
+          <a:prstGeom prst="rect">
+            <a:avLst/>
+          </a:prstGeom>
+          <a:noFill/>
+        </p:spPr>
+        <p:txBody>
+          <a:bodyPr wrap="square" rtlCol="0">
+            <a:spAutoFit/>
+          </a:bodyPr>
+          <a:lstStyle/>
+          <a:p>
+            <a:r>
+              <a:rPr lang="zh-CN" altLang="en-US" dirty="0"/>
+              <a:t>引入</a:t>
+            </a:r>
+            <a:r>
+              <a:rPr lang="en-US" altLang="zh-CN" dirty="0" err="1"/>
+              <a:t>RandomizedSearchCV</a:t>
+            </a:r>
+            <a:r>
+              <a:rPr lang="zh-CN" altLang="en-US" dirty="0"/>
+              <a:t>自动搜索参数</a:t>
+            </a:r>
+            <a:endParaRPr lang="en-US" altLang="zh-CN" dirty="0"/>
+          </a:p>
+        </p:txBody>
+      </p:sp>
+      <p:sp>
+        <p:nvSpPr>
+          <p:cNvPr id="7" name="文本框 6">
+            <a:extLst>
+              <a:ext uri="{FF2B5EF4-FFF2-40B4-BE49-F238E27FC236}">
+                <a16:creationId xmlns:a16="http://schemas.microsoft.com/office/drawing/2014/main" id="{04B23BCC-899C-72CE-9435-8ED2539255BC}"/>
+              </a:ext>
+            </a:extLst>
+          </p:cNvPr>
+          <p:cNvSpPr txBox="1"/>
+          <p:nvPr/>
+        </p:nvSpPr>
+        <p:spPr>
+          <a:xfrm>
+            <a:off x="7074793" y="598859"/>
+            <a:ext cx="4344473" cy="369332"/>
+          </a:xfrm>
+          <a:prstGeom prst="rect">
+            <a:avLst/>
+          </a:prstGeom>
+          <a:noFill/>
+        </p:spPr>
+        <p:txBody>
+          <a:bodyPr wrap="square" rtlCol="0">
+            <a:spAutoFit/>
+          </a:bodyPr>
+          <a:lstStyle/>
+          <a:p>
+            <a:r>
+              <a:rPr lang="zh-CN" altLang="en-US" dirty="0"/>
+              <a:t>手动调参</a:t>
+            </a:r>
+            <a:endParaRPr lang="en-US" altLang="zh-CN" dirty="0"/>
+          </a:p>
+        </p:txBody>
+      </p:sp>
     </p:spTree>
     <p:extLst>
       <p:ext uri="{BB962C8B-B14F-4D97-AF65-F5344CB8AC3E}">
-        <p14:creationId xmlns:p14="http://schemas.microsoft.com/office/powerpoint/2010/main" val="4024504264"/>
+        <p14:creationId xmlns:p14="http://schemas.microsoft.com/office/powerpoint/2010/main" val="3299873026"/>
       </p:ext>
     </p:extLst>
   </p:cSld>
@@ -7877,7 +9937,7 @@
 </p:sld>
 </file>
 
-<file path=ppt/slides/slide9.xml><?xml version="1.0" encoding="utf-8"?>
+<file path=ppt/slides/slide8.xml><?xml version="1.0" encoding="utf-8"?>
 <p:sld xmlns:a="http://schemas.openxmlformats.org/drawingml/2006/main" xmlns:r="http://schemas.openxmlformats.org/officeDocument/2006/relationships" xmlns:p="http://schemas.openxmlformats.org/presentationml/2006/main">
   <p:cSld>
     <p:spTree>
@@ -7885,7 +9945,7 @@
         <p:cNvPr id="1" name="">
           <a:extLst>
             <a:ext uri="{FF2B5EF4-FFF2-40B4-BE49-F238E27FC236}">
-              <a16:creationId xmlns:a16="http://schemas.microsoft.com/office/drawing/2014/main" id="{715B4146-D357-06CD-1500-EEF933BBF025}"/>
+              <a16:creationId xmlns:a16="http://schemas.microsoft.com/office/drawing/2014/main" id="{E61A36EC-11E0-E2D2-7496-77B1618B26AC}"/>
             </a:ext>
           </a:extLst>
         </p:cNvPr>
@@ -7905,7 +9965,7 @@
           <p:cNvPr id="2" name="标题 1">
             <a:extLst>
               <a:ext uri="{FF2B5EF4-FFF2-40B4-BE49-F238E27FC236}">
-                <a16:creationId xmlns:a16="http://schemas.microsoft.com/office/drawing/2014/main" id="{C65DE997-7806-CAB1-EC94-56E4B1BB8B52}"/>
+                <a16:creationId xmlns:a16="http://schemas.microsoft.com/office/drawing/2014/main" id="{9D06AE17-2726-0191-EAC1-0253169634B2}"/>
               </a:ext>
             </a:extLst>
           </p:cNvPr>
@@ -7930,7 +9990,7 @@
           <a:p>
             <a:r>
               <a:rPr lang="zh-CN" altLang="en-US" sz="2800" dirty="0"/>
-              <a:t>非线性最小二乘拟合</a:t>
+              <a:t>神经网络回归</a:t>
             </a:r>
           </a:p>
         </p:txBody>
@@ -7940,7 +10000,7 @@
           <p:cNvPr id="5" name="图片 4">
             <a:extLst>
               <a:ext uri="{FF2B5EF4-FFF2-40B4-BE49-F238E27FC236}">
-                <a16:creationId xmlns:a16="http://schemas.microsoft.com/office/drawing/2014/main" id="{DE7F9140-5B35-96D6-952C-B324FFDE4405}"/>
+                <a16:creationId xmlns:a16="http://schemas.microsoft.com/office/drawing/2014/main" id="{B0C7A3C9-0CF2-F497-B3AA-AE74D4D2D836}"/>
               </a:ext>
             </a:extLst>
           </p:cNvPr>
@@ -7957,13 +10017,14 @@
               </a:ext>
             </a:extLst>
           </a:blip>
-          <a:srcRect/>
-          <a:stretch/>
+          <a:stretch>
+            <a:fillRect/>
+          </a:stretch>
         </p:blipFill>
         <p:spPr>
           <a:xfrm>
             <a:off x="124097" y="600891"/>
-            <a:ext cx="3912326" cy="2934244"/>
+            <a:ext cx="3912326" cy="2934245"/>
           </a:xfrm>
           <a:prstGeom prst="rect">
             <a:avLst/>
@@ -7975,7 +10036,7 @@
           <p:cNvPr id="8" name="标题 1">
             <a:extLst>
               <a:ext uri="{FF2B5EF4-FFF2-40B4-BE49-F238E27FC236}">
-                <a16:creationId xmlns:a16="http://schemas.microsoft.com/office/drawing/2014/main" id="{853765FE-67E2-7F59-3F2D-125980A2788F}"/>
+                <a16:creationId xmlns:a16="http://schemas.microsoft.com/office/drawing/2014/main" id="{1F84EE26-013C-51AB-6775-C0052A7BCCD1}"/>
               </a:ext>
             </a:extLst>
           </p:cNvPr>
@@ -8018,10 +10079,149 @@
           </a:lstStyle>
           <a:p>
             <a:r>
+              <a:rPr lang="en-US" altLang="zh-CN" sz="1000" dirty="0" err="1">
+                <a:latin typeface="Consolas" panose="020B0609020204030204" pitchFamily="49" charset="0"/>
+              </a:rPr>
+              <a:t>mlp</a:t>
+            </a:r>
+            <a:r>
+              <a:rPr lang="en-US" altLang="zh-CN" sz="1000" dirty="0">
+                <a:latin typeface="Consolas" panose="020B0609020204030204" pitchFamily="49" charset="0"/>
+              </a:rPr>
+              <a:t> = </a:t>
+            </a:r>
+            <a:r>
+              <a:rPr lang="en-US" altLang="zh-CN" sz="1000" dirty="0" err="1">
+                <a:latin typeface="Consolas" panose="020B0609020204030204" pitchFamily="49" charset="0"/>
+              </a:rPr>
+              <a:t>MLPRegressor</a:t>
+            </a:r>
+            <a:r>
+              <a:rPr lang="en-US" altLang="zh-CN" sz="1000" dirty="0">
+                <a:latin typeface="Consolas" panose="020B0609020204030204" pitchFamily="49" charset="0"/>
+              </a:rPr>
+              <a:t>(</a:t>
+            </a:r>
+          </a:p>
+          <a:p>
+            <a:r>
+              <a:rPr lang="en-US" altLang="zh-CN" sz="1000" dirty="0">
+                <a:latin typeface="Consolas" panose="020B0609020204030204" pitchFamily="49" charset="0"/>
+              </a:rPr>
+              <a:t>    </a:t>
+            </a:r>
+            <a:r>
+              <a:rPr lang="en-US" altLang="zh-CN" sz="1000" dirty="0" err="1">
+                <a:latin typeface="Consolas" panose="020B0609020204030204" pitchFamily="49" charset="0"/>
+              </a:rPr>
+              <a:t>hidden_layer_sizes</a:t>
+            </a:r>
+            <a:r>
+              <a:rPr lang="en-US" altLang="zh-CN" sz="1000" dirty="0">
+                <a:latin typeface="Consolas" panose="020B0609020204030204" pitchFamily="49" charset="0"/>
+              </a:rPr>
+              <a:t>=(100, 50), </a:t>
+            </a:r>
+          </a:p>
+          <a:p>
+            <a:r>
+              <a:rPr lang="en-US" altLang="zh-CN" sz="1000" dirty="0">
+                <a:latin typeface="Consolas" panose="020B0609020204030204" pitchFamily="49" charset="0"/>
+              </a:rPr>
+              <a:t>    activation='</a:t>
+            </a:r>
+            <a:r>
+              <a:rPr lang="en-US" altLang="zh-CN" sz="1000" dirty="0" err="1">
+                <a:latin typeface="Consolas" panose="020B0609020204030204" pitchFamily="49" charset="0"/>
+              </a:rPr>
+              <a:t>relu</a:t>
+            </a:r>
+            <a:r>
+              <a:rPr lang="en-US" altLang="zh-CN" sz="1000" dirty="0">
+                <a:latin typeface="Consolas" panose="020B0609020204030204" pitchFamily="49" charset="0"/>
+              </a:rPr>
+              <a:t>', </a:t>
+            </a:r>
+          </a:p>
+          <a:p>
+            <a:r>
+              <a:rPr lang="en-US" altLang="zh-CN" sz="1000" dirty="0">
+                <a:latin typeface="Consolas" panose="020B0609020204030204" pitchFamily="49" charset="0"/>
+              </a:rPr>
+              <a:t>    solver='</a:t>
+            </a:r>
+            <a:r>
+              <a:rPr lang="en-US" altLang="zh-CN" sz="1000" dirty="0" err="1">
+                <a:latin typeface="Consolas" panose="020B0609020204030204" pitchFamily="49" charset="0"/>
+              </a:rPr>
+              <a:t>adam</a:t>
+            </a:r>
+            <a:r>
+              <a:rPr lang="en-US" altLang="zh-CN" sz="1000" dirty="0">
+                <a:latin typeface="Consolas" panose="020B0609020204030204" pitchFamily="49" charset="0"/>
+              </a:rPr>
+              <a:t>', </a:t>
+            </a:r>
+          </a:p>
+          <a:p>
+            <a:r>
+              <a:rPr lang="en-US" altLang="zh-CN" sz="1000" dirty="0">
+                <a:latin typeface="Consolas" panose="020B0609020204030204" pitchFamily="49" charset="0"/>
+              </a:rPr>
+              <a:t>    </a:t>
+            </a:r>
+            <a:r>
+              <a:rPr lang="en-US" altLang="zh-CN" sz="1000" dirty="0" err="1">
+                <a:latin typeface="Consolas" panose="020B0609020204030204" pitchFamily="49" charset="0"/>
+              </a:rPr>
+              <a:t>max_iter</a:t>
+            </a:r>
+            <a:r>
+              <a:rPr lang="en-US" altLang="zh-CN" sz="1000" dirty="0">
+                <a:latin typeface="Consolas" panose="020B0609020204030204" pitchFamily="49" charset="0"/>
+              </a:rPr>
+              <a:t>=10000, </a:t>
+            </a:r>
+          </a:p>
+          <a:p>
+            <a:r>
+              <a:rPr lang="en-US" altLang="zh-CN" sz="1000" dirty="0">
+                <a:latin typeface="Consolas" panose="020B0609020204030204" pitchFamily="49" charset="0"/>
+              </a:rPr>
+              <a:t>    </a:t>
+            </a:r>
+            <a:r>
+              <a:rPr lang="en-US" altLang="zh-CN" sz="1000" dirty="0" err="1">
+                <a:latin typeface="Consolas" panose="020B0609020204030204" pitchFamily="49" charset="0"/>
+              </a:rPr>
+              <a:t>random_state</a:t>
+            </a:r>
+            <a:r>
+              <a:rPr lang="en-US" altLang="zh-CN" sz="1000" dirty="0">
+                <a:latin typeface="Consolas" panose="020B0609020204030204" pitchFamily="49" charset="0"/>
+              </a:rPr>
+              <a:t>=2</a:t>
+            </a:r>
+          </a:p>
+          <a:p>
+            <a:r>
+              <a:rPr lang="en-US" altLang="zh-CN" sz="1000" dirty="0">
+                <a:latin typeface="Consolas" panose="020B0609020204030204" pitchFamily="49" charset="0"/>
+              </a:rPr>
+              <a:t>    )</a:t>
+            </a:r>
+          </a:p>
+          <a:p>
+            <a:endParaRPr lang="pt-BR" altLang="zh-CN" sz="1000" dirty="0">
+              <a:latin typeface="Alte DIN 1451 Mittelschrift gep" panose="020B0603020202020204" pitchFamily="34" charset="0"/>
+            </a:endParaRPr>
+          </a:p>
+          <a:p>
+            <a:r>
               <a:rPr lang="pt-BR" altLang="zh-CN" sz="2000" dirty="0">
                 <a:latin typeface="Alte DIN 1451 Mittelschrift gep" panose="020B0603020202020204" pitchFamily="34" charset="0"/>
               </a:rPr>
-              <a:t>MAPE: 2011.0434</a:t>
+              <a:t>MAPE: 544.7565</a:t>
             </a:r>
           </a:p>
           <a:p>
@@ -8029,7 +10229,7 @@
               <a:rPr lang="pt-BR" altLang="zh-CN" sz="2000" dirty="0">
                 <a:latin typeface="Alte DIN 1451 Mittelschrift gep" panose="020B0603020202020204" pitchFamily="34" charset="0"/>
               </a:rPr>
-              <a:t>R²: 0.9993</a:t>
+              <a:t>R²: 0.9996</a:t>
             </a:r>
           </a:p>
           <a:p>
@@ -8037,7 +10237,7 @@
               <a:rPr lang="pt-BR" altLang="zh-CN" sz="2000" dirty="0">
                 <a:latin typeface="Alte DIN 1451 Mittelschrift gep" panose="020B0603020202020204" pitchFamily="34" charset="0"/>
               </a:rPr>
-              <a:t>RMSE: 2.3611</a:t>
+              <a:t>RMSE: 1.7809</a:t>
             </a:r>
             <a:endParaRPr lang="zh-CN" altLang="en-US" sz="2000" dirty="0">
               <a:latin typeface="Alte DIN 1451 Mittelschrift gep" panose="020B0603020202020204" pitchFamily="34" charset="0"/>
@@ -8045,10 +10245,657 @@
           </a:p>
         </p:txBody>
       </p:sp>
+      <p:pic>
+        <p:nvPicPr>
+          <p:cNvPr id="3" name="图片 2">
+            <a:extLst>
+              <a:ext uri="{FF2B5EF4-FFF2-40B4-BE49-F238E27FC236}">
+                <a16:creationId xmlns:a16="http://schemas.microsoft.com/office/drawing/2014/main" id="{8FE2CB0F-87C6-7DAC-8FFC-2205F728D2C0}"/>
+              </a:ext>
+            </a:extLst>
+          </p:cNvPr>
+          <p:cNvPicPr>
+            <a:picLocks noChangeAspect="1"/>
+          </p:cNvPicPr>
+          <p:nvPr/>
+        </p:nvPicPr>
+        <p:blipFill>
+          <a:blip r:embed="rId3">
+            <a:extLst>
+              <a:ext uri="{28A0092B-C50C-407E-A947-70E740481C1C}">
+                <a14:useLocalDpi xmlns:a14="http://schemas.microsoft.com/office/drawing/2010/main" val="0"/>
+              </a:ext>
+            </a:extLst>
+          </a:blip>
+          <a:srcRect/>
+          <a:stretch/>
+        </p:blipFill>
+        <p:spPr>
+          <a:xfrm>
+            <a:off x="124097" y="3464294"/>
+            <a:ext cx="3912325" cy="2934244"/>
+          </a:xfrm>
+          <a:prstGeom prst="rect">
+            <a:avLst/>
+          </a:prstGeom>
+        </p:spPr>
+      </p:pic>
+      <p:sp>
+        <p:nvSpPr>
+          <p:cNvPr id="4" name="标题 1">
+            <a:extLst>
+              <a:ext uri="{FF2B5EF4-FFF2-40B4-BE49-F238E27FC236}">
+                <a16:creationId xmlns:a16="http://schemas.microsoft.com/office/drawing/2014/main" id="{D0E97B04-9E6F-C06C-A48D-CF770D627264}"/>
+              </a:ext>
+            </a:extLst>
+          </p:cNvPr>
+          <p:cNvSpPr txBox="1">
+            <a:spLocks/>
+          </p:cNvSpPr>
+          <p:nvPr/>
+        </p:nvSpPr>
+        <p:spPr>
+          <a:xfrm>
+            <a:off x="4036422" y="3537168"/>
+            <a:ext cx="2738845" cy="2593346"/>
+          </a:xfrm>
+          <a:prstGeom prst="rect">
+            <a:avLst/>
+          </a:prstGeom>
+        </p:spPr>
+        <p:txBody>
+          <a:bodyPr vert="horz" lIns="91440" tIns="45720" rIns="91440" bIns="45720" rtlCol="0" anchor="ctr">
+            <a:noAutofit/>
+          </a:bodyPr>
+          <a:lstStyle>
+            <a:lvl1pPr algn="l" defTabSz="914400" rtl="0" eaLnBrk="1" latinLnBrk="0" hangingPunct="1">
+              <a:lnSpc>
+                <a:spcPct val="90000"/>
+              </a:lnSpc>
+              <a:spcBef>
+                <a:spcPct val="0"/>
+              </a:spcBef>
+              <a:buNone/>
+              <a:defRPr sz="4400" kern="1200">
+                <a:solidFill>
+                  <a:schemeClr val="tx1"/>
+                </a:solidFill>
+                <a:latin typeface="+mj-lt"/>
+                <a:ea typeface="+mj-ea"/>
+                <a:cs typeface="+mj-cs"/>
+              </a:defRPr>
+            </a:lvl1pPr>
+          </a:lstStyle>
+          <a:p>
+            <a:r>
+              <a:rPr lang="en-US" altLang="zh-CN" sz="1000" dirty="0">
+                <a:latin typeface="Consolas" panose="020B0609020204030204" pitchFamily="49" charset="0"/>
+              </a:rPr>
+              <a:t>Best params (</a:t>
+            </a:r>
+            <a:r>
+              <a:rPr lang="en-US" altLang="zh-CN" sz="1000" dirty="0" err="1">
+                <a:latin typeface="Consolas" panose="020B0609020204030204" pitchFamily="49" charset="0"/>
+              </a:rPr>
+              <a:t>mlp_tuned</a:t>
+            </a:r>
+            <a:r>
+              <a:rPr lang="en-US" altLang="zh-CN" sz="1000" dirty="0">
+                <a:latin typeface="Consolas" panose="020B0609020204030204" pitchFamily="49" charset="0"/>
+              </a:rPr>
+              <a:t>): {'</a:t>
+            </a:r>
+            <a:r>
+              <a:rPr lang="en-US" altLang="zh-CN" sz="1000" dirty="0" err="1">
+                <a:latin typeface="Consolas" panose="020B0609020204030204" pitchFamily="49" charset="0"/>
+              </a:rPr>
+              <a:t>regressor__activation</a:t>
+            </a:r>
+            <a:r>
+              <a:rPr lang="en-US" altLang="zh-CN" sz="1000" dirty="0">
+                <a:latin typeface="Consolas" panose="020B0609020204030204" pitchFamily="49" charset="0"/>
+              </a:rPr>
+              <a:t>': '</a:t>
+            </a:r>
+            <a:r>
+              <a:rPr lang="en-US" altLang="zh-CN" sz="1000" dirty="0" err="1">
+                <a:latin typeface="Consolas" panose="020B0609020204030204" pitchFamily="49" charset="0"/>
+              </a:rPr>
+              <a:t>relu</a:t>
+            </a:r>
+            <a:r>
+              <a:rPr lang="en-US" altLang="zh-CN" sz="1000" dirty="0">
+                <a:latin typeface="Consolas" panose="020B0609020204030204" pitchFamily="49" charset="0"/>
+              </a:rPr>
+              <a:t>', '</a:t>
+            </a:r>
+            <a:r>
+              <a:rPr lang="en-US" altLang="zh-CN" sz="1000" dirty="0" err="1">
+                <a:latin typeface="Consolas" panose="020B0609020204030204" pitchFamily="49" charset="0"/>
+              </a:rPr>
+              <a:t>regressor__alpha</a:t>
+            </a:r>
+            <a:r>
+              <a:rPr lang="en-US" altLang="zh-CN" sz="1000" dirty="0">
+                <a:latin typeface="Consolas" panose="020B0609020204030204" pitchFamily="49" charset="0"/>
+              </a:rPr>
+              <a:t>': 0.006680351314068706, 'regressor__</a:t>
+            </a:r>
+            <a:r>
+              <a:rPr lang="en-US" altLang="zh-CN" sz="1000" dirty="0" err="1">
+                <a:latin typeface="Consolas" panose="020B0609020204030204" pitchFamily="49" charset="0"/>
+              </a:rPr>
+              <a:t>hidden_layer_sizes</a:t>
+            </a:r>
+            <a:r>
+              <a:rPr lang="en-US" altLang="zh-CN" sz="1000" dirty="0">
+                <a:latin typeface="Consolas" panose="020B0609020204030204" pitchFamily="49" charset="0"/>
+              </a:rPr>
+              <a:t>': (200, 100), 'regressor__</a:t>
+            </a:r>
+            <a:r>
+              <a:rPr lang="en-US" altLang="zh-CN" sz="1000" dirty="0" err="1">
+                <a:latin typeface="Consolas" panose="020B0609020204030204" pitchFamily="49" charset="0"/>
+              </a:rPr>
+              <a:t>learning_rate_init</a:t>
+            </a:r>
+            <a:r>
+              <a:rPr lang="en-US" altLang="zh-CN" sz="1000" dirty="0">
+                <a:latin typeface="Consolas" panose="020B0609020204030204" pitchFamily="49" charset="0"/>
+              </a:rPr>
+              <a:t>': 0.07602233354654259, '</a:t>
+            </a:r>
+            <a:r>
+              <a:rPr lang="en-US" altLang="zh-CN" sz="1000" dirty="0" err="1">
+                <a:latin typeface="Consolas" panose="020B0609020204030204" pitchFamily="49" charset="0"/>
+              </a:rPr>
+              <a:t>regressor__solver</a:t>
+            </a:r>
+            <a:r>
+              <a:rPr lang="en-US" altLang="zh-CN" sz="1000" dirty="0">
+                <a:latin typeface="Consolas" panose="020B0609020204030204" pitchFamily="49" charset="0"/>
+              </a:rPr>
+              <a:t>': '</a:t>
+            </a:r>
+            <a:r>
+              <a:rPr lang="en-US" altLang="zh-CN" sz="1000" dirty="0" err="1">
+                <a:latin typeface="Consolas" panose="020B0609020204030204" pitchFamily="49" charset="0"/>
+              </a:rPr>
+              <a:t>lbfgs</a:t>
+            </a:r>
+            <a:r>
+              <a:rPr lang="en-US" altLang="zh-CN" sz="1000" dirty="0">
+                <a:latin typeface="Consolas" panose="020B0609020204030204" pitchFamily="49" charset="0"/>
+              </a:rPr>
+              <a:t>’}</a:t>
+            </a:r>
+          </a:p>
+          <a:p>
+            <a:endParaRPr lang="pt-BR" altLang="zh-CN" sz="1000" dirty="0">
+              <a:latin typeface="Alte DIN 1451 Mittelschrift gep" panose="020B0603020202020204" pitchFamily="34" charset="0"/>
+            </a:endParaRPr>
+          </a:p>
+          <a:p>
+            <a:r>
+              <a:rPr lang="pt-BR" altLang="zh-CN" sz="2000" dirty="0">
+                <a:latin typeface="Alte DIN 1451 Mittelschrift gep" panose="020B0603020202020204" pitchFamily="34" charset="0"/>
+              </a:rPr>
+              <a:t>MAPE: 335.4517</a:t>
+            </a:r>
+          </a:p>
+          <a:p>
+            <a:r>
+              <a:rPr lang="pt-BR" altLang="zh-CN" sz="2000" dirty="0">
+                <a:latin typeface="Alte DIN 1451 Mittelschrift gep" panose="020B0603020202020204" pitchFamily="34" charset="0"/>
+              </a:rPr>
+              <a:t>R²: 0.9994</a:t>
+            </a:r>
+          </a:p>
+          <a:p>
+            <a:r>
+              <a:rPr lang="pt-BR" altLang="zh-CN" sz="2000" dirty="0">
+                <a:latin typeface="Alte DIN 1451 Mittelschrift gep" panose="020B0603020202020204" pitchFamily="34" charset="0"/>
+              </a:rPr>
+              <a:t>RMSE: 2.1308</a:t>
+            </a:r>
+            <a:endParaRPr lang="zh-CN" altLang="en-US" sz="2000" dirty="0">
+              <a:latin typeface="Alte DIN 1451 Mittelschrift gep" panose="020B0603020202020204" pitchFamily="34" charset="0"/>
+            </a:endParaRPr>
+          </a:p>
+        </p:txBody>
+      </p:sp>
+      <p:sp>
+        <p:nvSpPr>
+          <p:cNvPr id="6" name="文本框 5">
+            <a:extLst>
+              <a:ext uri="{FF2B5EF4-FFF2-40B4-BE49-F238E27FC236}">
+                <a16:creationId xmlns:a16="http://schemas.microsoft.com/office/drawing/2014/main" id="{53D2F568-C28A-6F84-C04D-D4D27E71A7A0}"/>
+              </a:ext>
+            </a:extLst>
+          </p:cNvPr>
+          <p:cNvSpPr txBox="1"/>
+          <p:nvPr/>
+        </p:nvSpPr>
+        <p:spPr>
+          <a:xfrm>
+            <a:off x="7074794" y="3535136"/>
+            <a:ext cx="4344473" cy="369332"/>
+          </a:xfrm>
+          <a:prstGeom prst="rect">
+            <a:avLst/>
+          </a:prstGeom>
+          <a:noFill/>
+        </p:spPr>
+        <p:txBody>
+          <a:bodyPr wrap="square" rtlCol="0">
+            <a:spAutoFit/>
+          </a:bodyPr>
+          <a:lstStyle/>
+          <a:p>
+            <a:r>
+              <a:rPr lang="zh-CN" altLang="en-US" dirty="0"/>
+              <a:t>引入</a:t>
+            </a:r>
+            <a:r>
+              <a:rPr lang="en-US" altLang="zh-CN" dirty="0" err="1"/>
+              <a:t>RandomizedSearchCV</a:t>
+            </a:r>
+            <a:r>
+              <a:rPr lang="zh-CN" altLang="en-US" dirty="0"/>
+              <a:t>自动搜索参数</a:t>
+            </a:r>
+            <a:endParaRPr lang="en-US" altLang="zh-CN" dirty="0"/>
+          </a:p>
+        </p:txBody>
+      </p:sp>
+      <p:sp>
+        <p:nvSpPr>
+          <p:cNvPr id="7" name="文本框 6">
+            <a:extLst>
+              <a:ext uri="{FF2B5EF4-FFF2-40B4-BE49-F238E27FC236}">
+                <a16:creationId xmlns:a16="http://schemas.microsoft.com/office/drawing/2014/main" id="{95B88A30-28A4-B505-6102-940CCBBB2FF3}"/>
+              </a:ext>
+            </a:extLst>
+          </p:cNvPr>
+          <p:cNvSpPr txBox="1"/>
+          <p:nvPr/>
+        </p:nvSpPr>
+        <p:spPr>
+          <a:xfrm>
+            <a:off x="7074793" y="598859"/>
+            <a:ext cx="4344473" cy="369332"/>
+          </a:xfrm>
+          <a:prstGeom prst="rect">
+            <a:avLst/>
+          </a:prstGeom>
+          <a:noFill/>
+        </p:spPr>
+        <p:txBody>
+          <a:bodyPr wrap="square" rtlCol="0">
+            <a:spAutoFit/>
+          </a:bodyPr>
+          <a:lstStyle/>
+          <a:p>
+            <a:r>
+              <a:rPr lang="zh-CN" altLang="en-US" dirty="0"/>
+              <a:t>手动调参</a:t>
+            </a:r>
+            <a:endParaRPr lang="en-US" altLang="zh-CN" dirty="0"/>
+          </a:p>
+        </p:txBody>
+      </p:sp>
     </p:spTree>
     <p:extLst>
       <p:ext uri="{BB962C8B-B14F-4D97-AF65-F5344CB8AC3E}">
-        <p14:creationId xmlns:p14="http://schemas.microsoft.com/office/powerpoint/2010/main" val="3756137004"/>
+        <p14:creationId xmlns:p14="http://schemas.microsoft.com/office/powerpoint/2010/main" val="520983180"/>
+      </p:ext>
+    </p:extLst>
+  </p:cSld>
+  <p:clrMapOvr>
+    <a:masterClrMapping/>
+  </p:clrMapOvr>
+</p:sld>
+</file>
+
+<file path=ppt/slides/slide9.xml><?xml version="1.0" encoding="utf-8"?>
+<p:sld xmlns:a="http://schemas.openxmlformats.org/drawingml/2006/main" xmlns:r="http://schemas.openxmlformats.org/officeDocument/2006/relationships" xmlns:p="http://schemas.openxmlformats.org/presentationml/2006/main">
+  <p:cSld>
+    <p:spTree>
+      <p:nvGrpSpPr>
+        <p:cNvPr id="1" name="">
+          <a:extLst>
+            <a:ext uri="{FF2B5EF4-FFF2-40B4-BE49-F238E27FC236}">
+              <a16:creationId xmlns:a16="http://schemas.microsoft.com/office/drawing/2014/main" id="{BE0A324E-4F03-1E1C-0F81-CCDE86613073}"/>
+            </a:ext>
+          </a:extLst>
+        </p:cNvPr>
+        <p:cNvGrpSpPr/>
+        <p:nvPr/>
+      </p:nvGrpSpPr>
+      <p:grpSpPr>
+        <a:xfrm>
+          <a:off x="0" y="0"/>
+          <a:ext cx="0" cy="0"/>
+          <a:chOff x="0" y="0"/>
+          <a:chExt cx="0" cy="0"/>
+        </a:xfrm>
+      </p:grpSpPr>
+      <p:sp>
+        <p:nvSpPr>
+          <p:cNvPr id="2" name="标题 1">
+            <a:extLst>
+              <a:ext uri="{FF2B5EF4-FFF2-40B4-BE49-F238E27FC236}">
+                <a16:creationId xmlns:a16="http://schemas.microsoft.com/office/drawing/2014/main" id="{ED28A8F7-7F19-D411-E0AA-3BDB8258033B}"/>
+              </a:ext>
+            </a:extLst>
+          </p:cNvPr>
+          <p:cNvSpPr>
+            <a:spLocks noGrp="1"/>
+          </p:cNvSpPr>
+          <p:nvPr>
+            <p:ph type="title"/>
+          </p:nvPr>
+        </p:nvSpPr>
+        <p:spPr>
+          <a:xfrm>
+            <a:off x="124097" y="143056"/>
+            <a:ext cx="6950697" cy="457835"/>
+          </a:xfrm>
+        </p:spPr>
+        <p:txBody>
+          <a:bodyPr>
+            <a:normAutofit fontScale="90000"/>
+          </a:bodyPr>
+          <a:lstStyle/>
+          <a:p>
+            <a:r>
+              <a:rPr lang="zh-CN" altLang="en-US" sz="2800" dirty="0"/>
+              <a:t>神经网络回归</a:t>
+            </a:r>
+          </a:p>
+        </p:txBody>
+      </p:sp>
+      <p:pic>
+        <p:nvPicPr>
+          <p:cNvPr id="5" name="图片 4">
+            <a:extLst>
+              <a:ext uri="{FF2B5EF4-FFF2-40B4-BE49-F238E27FC236}">
+                <a16:creationId xmlns:a16="http://schemas.microsoft.com/office/drawing/2014/main" id="{CD690701-8AA6-A719-41BB-1633DFAE28F8}"/>
+              </a:ext>
+            </a:extLst>
+          </p:cNvPr>
+          <p:cNvPicPr>
+            <a:picLocks noChangeAspect="1"/>
+          </p:cNvPicPr>
+          <p:nvPr/>
+        </p:nvPicPr>
+        <p:blipFill>
+          <a:blip r:embed="rId2">
+            <a:extLst>
+              <a:ext uri="{28A0092B-C50C-407E-A947-70E740481C1C}">
+                <a14:useLocalDpi xmlns:a14="http://schemas.microsoft.com/office/drawing/2010/main" val="0"/>
+              </a:ext>
+            </a:extLst>
+          </a:blip>
+          <a:srcRect/>
+          <a:stretch/>
+        </p:blipFill>
+        <p:spPr>
+          <a:xfrm>
+            <a:off x="124097" y="600891"/>
+            <a:ext cx="3912326" cy="2934244"/>
+          </a:xfrm>
+          <a:prstGeom prst="rect">
+            <a:avLst/>
+          </a:prstGeom>
+        </p:spPr>
+      </p:pic>
+      <p:sp>
+        <p:nvSpPr>
+          <p:cNvPr id="8" name="标题 1">
+            <a:extLst>
+              <a:ext uri="{FF2B5EF4-FFF2-40B4-BE49-F238E27FC236}">
+                <a16:creationId xmlns:a16="http://schemas.microsoft.com/office/drawing/2014/main" id="{B3EFC040-718C-9FF3-20AE-B622C984C3F2}"/>
+              </a:ext>
+            </a:extLst>
+          </p:cNvPr>
+          <p:cNvSpPr txBox="1">
+            <a:spLocks/>
+          </p:cNvSpPr>
+          <p:nvPr/>
+        </p:nvSpPr>
+        <p:spPr>
+          <a:xfrm>
+            <a:off x="4036422" y="598859"/>
+            <a:ext cx="2738845" cy="2593346"/>
+          </a:xfrm>
+          <a:prstGeom prst="rect">
+            <a:avLst/>
+          </a:prstGeom>
+        </p:spPr>
+        <p:txBody>
+          <a:bodyPr vert="horz" lIns="91440" tIns="45720" rIns="91440" bIns="45720" rtlCol="0" anchor="ctr">
+            <a:noAutofit/>
+          </a:bodyPr>
+          <a:lstStyle>
+            <a:lvl1pPr algn="l" defTabSz="914400" rtl="0" eaLnBrk="1" latinLnBrk="0" hangingPunct="1">
+              <a:lnSpc>
+                <a:spcPct val="90000"/>
+              </a:lnSpc>
+              <a:spcBef>
+                <a:spcPct val="0"/>
+              </a:spcBef>
+              <a:buNone/>
+              <a:defRPr sz="4400" kern="1200">
+                <a:solidFill>
+                  <a:schemeClr val="tx1"/>
+                </a:solidFill>
+                <a:latin typeface="+mj-lt"/>
+                <a:ea typeface="+mj-ea"/>
+                <a:cs typeface="+mj-cs"/>
+              </a:defRPr>
+            </a:lvl1pPr>
+          </a:lstStyle>
+          <a:p>
+            <a:r>
+              <a:rPr lang="en-US" altLang="zh-CN" sz="1000" dirty="0">
+                <a:latin typeface="Consolas" panose="020B0609020204030204" pitchFamily="49" charset="0"/>
+              </a:rPr>
+              <a:t>Best params (</a:t>
+            </a:r>
+            <a:r>
+              <a:rPr lang="en-US" altLang="zh-CN" sz="1000" dirty="0" err="1">
+                <a:latin typeface="Consolas" panose="020B0609020204030204" pitchFamily="49" charset="0"/>
+              </a:rPr>
+              <a:t>mlp_tuned</a:t>
+            </a:r>
+            <a:r>
+              <a:rPr lang="en-US" altLang="zh-CN" sz="1000" dirty="0">
+                <a:latin typeface="Consolas" panose="020B0609020204030204" pitchFamily="49" charset="0"/>
+              </a:rPr>
+              <a:t>): {'</a:t>
+            </a:r>
+            <a:r>
+              <a:rPr lang="en-US" altLang="zh-CN" sz="1000" dirty="0" err="1">
+                <a:latin typeface="Consolas" panose="020B0609020204030204" pitchFamily="49" charset="0"/>
+              </a:rPr>
+              <a:t>regressor__activation</a:t>
+            </a:r>
+            <a:r>
+              <a:rPr lang="en-US" altLang="zh-CN" sz="1000" dirty="0">
+                <a:latin typeface="Consolas" panose="020B0609020204030204" pitchFamily="49" charset="0"/>
+              </a:rPr>
+              <a:t>': '</a:t>
+            </a:r>
+            <a:r>
+              <a:rPr lang="en-US" altLang="zh-CN" sz="1000" dirty="0" err="1">
+                <a:latin typeface="Consolas" panose="020B0609020204030204" pitchFamily="49" charset="0"/>
+              </a:rPr>
+              <a:t>relu</a:t>
+            </a:r>
+            <a:r>
+              <a:rPr lang="en-US" altLang="zh-CN" sz="1000" dirty="0">
+                <a:latin typeface="Consolas" panose="020B0609020204030204" pitchFamily="49" charset="0"/>
+              </a:rPr>
+              <a:t>', '</a:t>
+            </a:r>
+            <a:r>
+              <a:rPr lang="en-US" altLang="zh-CN" sz="1000" dirty="0" err="1">
+                <a:latin typeface="Consolas" panose="020B0609020204030204" pitchFamily="49" charset="0"/>
+              </a:rPr>
+              <a:t>regressor__alpha</a:t>
+            </a:r>
+            <a:r>
+              <a:rPr lang="en-US" altLang="zh-CN" sz="1000" dirty="0">
+                <a:latin typeface="Consolas" panose="020B0609020204030204" pitchFamily="49" charset="0"/>
+              </a:rPr>
+              <a:t>': 0.006680351314068706, 'regressor__</a:t>
+            </a:r>
+            <a:r>
+              <a:rPr lang="en-US" altLang="zh-CN" sz="1000" dirty="0" err="1">
+                <a:latin typeface="Consolas" panose="020B0609020204030204" pitchFamily="49" charset="0"/>
+              </a:rPr>
+              <a:t>hidden_layer_sizes</a:t>
+            </a:r>
+            <a:r>
+              <a:rPr lang="en-US" altLang="zh-CN" sz="1000" dirty="0">
+                <a:latin typeface="Consolas" panose="020B0609020204030204" pitchFamily="49" charset="0"/>
+              </a:rPr>
+              <a:t>': (200, 100), 'regressor__</a:t>
+            </a:r>
+            <a:r>
+              <a:rPr lang="en-US" altLang="zh-CN" sz="1000" dirty="0" err="1">
+                <a:latin typeface="Consolas" panose="020B0609020204030204" pitchFamily="49" charset="0"/>
+              </a:rPr>
+              <a:t>learning_rate_init</a:t>
+            </a:r>
+            <a:r>
+              <a:rPr lang="en-US" altLang="zh-CN" sz="1000" dirty="0">
+                <a:latin typeface="Consolas" panose="020B0609020204030204" pitchFamily="49" charset="0"/>
+              </a:rPr>
+              <a:t>': 0.07602233354654259, '</a:t>
+            </a:r>
+            <a:r>
+              <a:rPr lang="en-US" altLang="zh-CN" sz="1000" dirty="0" err="1">
+                <a:latin typeface="Consolas" panose="020B0609020204030204" pitchFamily="49" charset="0"/>
+              </a:rPr>
+              <a:t>regressor__solver</a:t>
+            </a:r>
+            <a:r>
+              <a:rPr lang="en-US" altLang="zh-CN" sz="1000" dirty="0">
+                <a:latin typeface="Consolas" panose="020B0609020204030204" pitchFamily="49" charset="0"/>
+              </a:rPr>
+              <a:t>': '</a:t>
+            </a:r>
+            <a:r>
+              <a:rPr lang="en-US" altLang="zh-CN" sz="1000" dirty="0" err="1">
+                <a:latin typeface="Consolas" panose="020B0609020204030204" pitchFamily="49" charset="0"/>
+              </a:rPr>
+              <a:t>lbfgs</a:t>
+            </a:r>
+            <a:r>
+              <a:rPr lang="en-US" altLang="zh-CN" sz="1000" dirty="0">
+                <a:latin typeface="Consolas" panose="020B0609020204030204" pitchFamily="49" charset="0"/>
+              </a:rPr>
+              <a:t>’}</a:t>
+            </a:r>
+          </a:p>
+          <a:p>
+            <a:endParaRPr lang="pt-BR" altLang="zh-CN" sz="1000" dirty="0">
+              <a:latin typeface="Alte DIN 1451 Mittelschrift gep" panose="020B0603020202020204" pitchFamily="34" charset="0"/>
+            </a:endParaRPr>
+          </a:p>
+          <a:p>
+            <a:r>
+              <a:rPr lang="pt-BR" altLang="zh-CN" sz="2000" dirty="0">
+                <a:latin typeface="Alte DIN 1451 Mittelschrift gep" panose="020B0603020202020204" pitchFamily="34" charset="0"/>
+              </a:rPr>
+              <a:t>MAPE: 46.8010</a:t>
+            </a:r>
+          </a:p>
+          <a:p>
+            <a:r>
+              <a:rPr lang="pt-BR" altLang="zh-CN" sz="2000" dirty="0">
+                <a:latin typeface="Alte DIN 1451 Mittelschrift gep" panose="020B0603020202020204" pitchFamily="34" charset="0"/>
+              </a:rPr>
+              <a:t>R²: 0.9995</a:t>
+            </a:r>
+          </a:p>
+          <a:p>
+            <a:r>
+              <a:rPr lang="pt-BR" altLang="zh-CN" sz="2000" dirty="0">
+                <a:latin typeface="Alte DIN 1451 Mittelschrift gep" panose="020B0603020202020204" pitchFamily="34" charset="0"/>
+              </a:rPr>
+              <a:t>RMSE: 3.9219</a:t>
+            </a:r>
+            <a:endParaRPr lang="zh-CN" altLang="en-US" sz="2000" dirty="0">
+              <a:latin typeface="Alte DIN 1451 Mittelschrift gep" panose="020B0603020202020204" pitchFamily="34" charset="0"/>
+            </a:endParaRPr>
+          </a:p>
+        </p:txBody>
+      </p:sp>
+      <p:sp>
+        <p:nvSpPr>
+          <p:cNvPr id="3" name="标题 1">
+            <a:extLst>
+              <a:ext uri="{FF2B5EF4-FFF2-40B4-BE49-F238E27FC236}">
+                <a16:creationId xmlns:a16="http://schemas.microsoft.com/office/drawing/2014/main" id="{F4B1D66E-D670-7DD9-4DAB-48DD2803DBE4}"/>
+              </a:ext>
+            </a:extLst>
+          </p:cNvPr>
+          <p:cNvSpPr txBox="1">
+            <a:spLocks/>
+          </p:cNvSpPr>
+          <p:nvPr/>
+        </p:nvSpPr>
+        <p:spPr>
+          <a:xfrm>
+            <a:off x="9572898" y="143056"/>
+            <a:ext cx="2434506" cy="457835"/>
+          </a:xfrm>
+          <a:prstGeom prst="rect">
+            <a:avLst/>
+          </a:prstGeom>
+        </p:spPr>
+        <p:txBody>
+          <a:bodyPr vert="horz" lIns="91440" tIns="45720" rIns="91440" bIns="45720" rtlCol="0" anchor="ctr">
+            <a:normAutofit fontScale="97500" lnSpcReduction="10000"/>
+          </a:bodyPr>
+          <a:lstStyle>
+            <a:lvl1pPr algn="l" defTabSz="914400" rtl="0" eaLnBrk="1" latinLnBrk="0" hangingPunct="1">
+              <a:lnSpc>
+                <a:spcPct val="90000"/>
+              </a:lnSpc>
+              <a:spcBef>
+                <a:spcPct val="0"/>
+              </a:spcBef>
+              <a:buNone/>
+              <a:defRPr sz="4400" kern="1200">
+                <a:solidFill>
+                  <a:schemeClr val="tx1"/>
+                </a:solidFill>
+                <a:latin typeface="+mj-lt"/>
+                <a:ea typeface="+mj-ea"/>
+                <a:cs typeface="+mj-cs"/>
+              </a:defRPr>
+            </a:lvl1pPr>
+          </a:lstStyle>
+          <a:p>
+            <a:r>
+              <a:rPr lang="zh-CN" altLang="en-US" sz="2800" dirty="0">
+                <a:solidFill>
+                  <a:srgbClr val="00B050"/>
+                </a:solidFill>
+              </a:rPr>
+              <a:t>表现较好</a:t>
+            </a:r>
+          </a:p>
+        </p:txBody>
+      </p:sp>
+    </p:spTree>
+    <p:extLst>
+      <p:ext uri="{BB962C8B-B14F-4D97-AF65-F5344CB8AC3E}">
+        <p14:creationId xmlns:p14="http://schemas.microsoft.com/office/powerpoint/2010/main" val="393471040"/>
       </p:ext>
     </p:extLst>
   </p:cSld>

--- a/R5.pptx
+++ b/R5.pptx
@@ -6,24 +6,25 @@
   </p:sldMasterIdLst>
   <p:sldIdLst>
     <p:sldId id="273" r:id="rId2"/>
-    <p:sldId id="260" r:id="rId3"/>
-    <p:sldId id="266" r:id="rId4"/>
-    <p:sldId id="275" r:id="rId5"/>
-    <p:sldId id="262" r:id="rId6"/>
-    <p:sldId id="268" r:id="rId7"/>
-    <p:sldId id="276" r:id="rId8"/>
-    <p:sldId id="259" r:id="rId9"/>
-    <p:sldId id="267" r:id="rId10"/>
-    <p:sldId id="274" r:id="rId11"/>
-    <p:sldId id="263" r:id="rId12"/>
-    <p:sldId id="269" r:id="rId13"/>
-    <p:sldId id="272" r:id="rId14"/>
-    <p:sldId id="265" r:id="rId15"/>
-    <p:sldId id="271" r:id="rId16"/>
-    <p:sldId id="277" r:id="rId17"/>
-    <p:sldId id="278" r:id="rId18"/>
-    <p:sldId id="280" r:id="rId19"/>
-    <p:sldId id="279" r:id="rId20"/>
+    <p:sldId id="281" r:id="rId3"/>
+    <p:sldId id="260" r:id="rId4"/>
+    <p:sldId id="266" r:id="rId5"/>
+    <p:sldId id="275" r:id="rId6"/>
+    <p:sldId id="262" r:id="rId7"/>
+    <p:sldId id="268" r:id="rId8"/>
+    <p:sldId id="276" r:id="rId9"/>
+    <p:sldId id="259" r:id="rId10"/>
+    <p:sldId id="267" r:id="rId11"/>
+    <p:sldId id="274" r:id="rId12"/>
+    <p:sldId id="263" r:id="rId13"/>
+    <p:sldId id="269" r:id="rId14"/>
+    <p:sldId id="272" r:id="rId15"/>
+    <p:sldId id="265" r:id="rId16"/>
+    <p:sldId id="271" r:id="rId17"/>
+    <p:sldId id="277" r:id="rId18"/>
+    <p:sldId id="278" r:id="rId19"/>
+    <p:sldId id="280" r:id="rId20"/>
+    <p:sldId id="279" r:id="rId21"/>
   </p:sldIdLst>
   <p:sldSz cx="12192000" cy="6858000"/>
   <p:notesSz cx="6858000" cy="9144000"/>
@@ -3366,8 +3367,8 @@
           <a:lstStyle/>
           <a:p>
             <a:r>
-              <a:rPr lang="en-US" altLang="zh-CN" dirty="0"/>
-              <a:t>10/8</a:t>
+              <a:rPr lang="en-US" altLang="zh-CN"/>
+              <a:t>10/9</a:t>
             </a:r>
             <a:endParaRPr lang="zh-CN" altLang="en-US" dirty="0"/>
           </a:p>
@@ -3444,9 +3445,16 @@
                 <a:endParaRPr lang="en-US" altLang="zh-CN" sz="2000" dirty="0"/>
               </a:p>
               <a:p>
+                <a:pPr marL="0" indent="0">
+                  <a:buNone/>
+                </a:pPr>
+                <a:r>
+                  <a:rPr lang="en-US" altLang="zh-CN" sz="2000"/>
+                  <a:t>	random</a:t>
+                </a:r>
                 <a:r>
                   <a:rPr lang="en-US" altLang="zh-CN" sz="2000" dirty="0" err="1"/>
-                  <a:t>random_forest</a:t>
+                  <a:t>_forest</a:t>
                 </a:r>
                 <a:r>
                   <a:rPr lang="en-US" altLang="zh-CN" sz="2000" dirty="0"/>
@@ -3553,20 +3561,14 @@
                   <a:rPr lang="en-US" altLang="zh-CN" sz="2000" dirty="0">
                     <a:hlinkClick r:id="rId2"/>
                   </a:rPr>
-                  <a:t>AE-26710/Time-Prediction</a:t>
+                  <a:t>AE-26710</a:t>
                 </a:r>
-                <a:endParaRPr lang="en-US" altLang="zh-CN" sz="2000" dirty="0"/>
-              </a:p>
-              <a:p>
-                <a:endParaRPr lang="en-US" altLang="zh-CN" sz="2000" dirty="0"/>
-              </a:p>
-              <a:p>
-                <a:endParaRPr lang="en-US" altLang="zh-CN" sz="2000" dirty="0"/>
-              </a:p>
-              <a:p>
-                <a:pPr marL="0" indent="0">
-                  <a:buNone/>
-                </a:pPr>
+                <a:r>
+                  <a:rPr lang="en-US" altLang="zh-CN" sz="2000">
+                    <a:hlinkClick r:id="rId2"/>
+                  </a:rPr>
+                  <a:t>/Time-Prediction</a:t>
+                </a:r>
                 <a:endParaRPr lang="en-US" altLang="zh-CN" sz="2000" dirty="0"/>
               </a:p>
             </p:txBody>
@@ -3633,7 +3635,7 @@
         <p:cNvPr id="1" name="">
           <a:extLst>
             <a:ext uri="{FF2B5EF4-FFF2-40B4-BE49-F238E27FC236}">
-              <a16:creationId xmlns:a16="http://schemas.microsoft.com/office/drawing/2014/main" id="{A2B3C1D7-B3E3-AD09-C722-B38111E6E2DA}"/>
+              <a16:creationId xmlns:a16="http://schemas.microsoft.com/office/drawing/2014/main" id="{BE0A324E-4F03-1E1C-0F81-CCDE86613073}"/>
             </a:ext>
           </a:extLst>
         </p:cNvPr>
@@ -3653,7 +3655,7 @@
           <p:cNvPr id="2" name="标题 1">
             <a:extLst>
               <a:ext uri="{FF2B5EF4-FFF2-40B4-BE49-F238E27FC236}">
-                <a16:creationId xmlns:a16="http://schemas.microsoft.com/office/drawing/2014/main" id="{5D968676-7CE1-A2B7-49C5-24975D09CEF0}"/>
+                <a16:creationId xmlns:a16="http://schemas.microsoft.com/office/drawing/2014/main" id="{ED28A8F7-7F19-D411-E0AA-3BDB8258033B}"/>
               </a:ext>
             </a:extLst>
           </p:cNvPr>
@@ -3688,7 +3690,7 @@
           <p:cNvPr id="5" name="图片 4">
             <a:extLst>
               <a:ext uri="{FF2B5EF4-FFF2-40B4-BE49-F238E27FC236}">
-                <a16:creationId xmlns:a16="http://schemas.microsoft.com/office/drawing/2014/main" id="{2F77262D-7E2B-0D9A-D71D-90D58E677F57}"/>
+                <a16:creationId xmlns:a16="http://schemas.microsoft.com/office/drawing/2014/main" id="{CD690701-8AA6-A719-41BB-1633DFAE28F8}"/>
               </a:ext>
             </a:extLst>
           </p:cNvPr>
@@ -3711,7 +3713,7 @@
         <p:spPr>
           <a:xfrm>
             <a:off x="124097" y="600891"/>
-            <a:ext cx="3912325" cy="2934244"/>
+            <a:ext cx="3912326" cy="2934244"/>
           </a:xfrm>
           <a:prstGeom prst="rect">
             <a:avLst/>
@@ -3723,7 +3725,7 @@
           <p:cNvPr id="8" name="标题 1">
             <a:extLst>
               <a:ext uri="{FF2B5EF4-FFF2-40B4-BE49-F238E27FC236}">
-                <a16:creationId xmlns:a16="http://schemas.microsoft.com/office/drawing/2014/main" id="{1254D641-4CE2-7FBB-E5DF-622CBB75F7C4}"/>
+                <a16:creationId xmlns:a16="http://schemas.microsoft.com/office/drawing/2014/main" id="{B3EFC040-718C-9FF3-20AE-B622C984C3F2}"/>
               </a:ext>
             </a:extLst>
           </p:cNvPr>
@@ -3793,6 +3795,354 @@
               <a:rPr lang="en-US" altLang="zh-CN" sz="1000" dirty="0">
                 <a:latin typeface="Consolas" panose="020B0609020204030204" pitchFamily="49" charset="0"/>
               </a:rPr>
+              <a:t>': '</a:t>
+            </a:r>
+            <a:r>
+              <a:rPr lang="en-US" altLang="zh-CN" sz="1000" dirty="0" err="1">
+                <a:latin typeface="Consolas" panose="020B0609020204030204" pitchFamily="49" charset="0"/>
+              </a:rPr>
+              <a:t>relu</a:t>
+            </a:r>
+            <a:r>
+              <a:rPr lang="en-US" altLang="zh-CN" sz="1000" dirty="0">
+                <a:latin typeface="Consolas" panose="020B0609020204030204" pitchFamily="49" charset="0"/>
+              </a:rPr>
+              <a:t>', '</a:t>
+            </a:r>
+            <a:r>
+              <a:rPr lang="en-US" altLang="zh-CN" sz="1000" dirty="0" err="1">
+                <a:latin typeface="Consolas" panose="020B0609020204030204" pitchFamily="49" charset="0"/>
+              </a:rPr>
+              <a:t>regressor__alpha</a:t>
+            </a:r>
+            <a:r>
+              <a:rPr lang="en-US" altLang="zh-CN" sz="1000" dirty="0">
+                <a:latin typeface="Consolas" panose="020B0609020204030204" pitchFamily="49" charset="0"/>
+              </a:rPr>
+              <a:t>': 0.006680351314068706, 'regressor__</a:t>
+            </a:r>
+            <a:r>
+              <a:rPr lang="en-US" altLang="zh-CN" sz="1000" dirty="0" err="1">
+                <a:latin typeface="Consolas" panose="020B0609020204030204" pitchFamily="49" charset="0"/>
+              </a:rPr>
+              <a:t>hidden_layer_sizes</a:t>
+            </a:r>
+            <a:r>
+              <a:rPr lang="en-US" altLang="zh-CN" sz="1000" dirty="0">
+                <a:latin typeface="Consolas" panose="020B0609020204030204" pitchFamily="49" charset="0"/>
+              </a:rPr>
+              <a:t>': (200, 100), 'regressor__</a:t>
+            </a:r>
+            <a:r>
+              <a:rPr lang="en-US" altLang="zh-CN" sz="1000" dirty="0" err="1">
+                <a:latin typeface="Consolas" panose="020B0609020204030204" pitchFamily="49" charset="0"/>
+              </a:rPr>
+              <a:t>learning_rate_init</a:t>
+            </a:r>
+            <a:r>
+              <a:rPr lang="en-US" altLang="zh-CN" sz="1000" dirty="0">
+                <a:latin typeface="Consolas" panose="020B0609020204030204" pitchFamily="49" charset="0"/>
+              </a:rPr>
+              <a:t>': 0.07602233354654259, '</a:t>
+            </a:r>
+            <a:r>
+              <a:rPr lang="en-US" altLang="zh-CN" sz="1000" dirty="0" err="1">
+                <a:latin typeface="Consolas" panose="020B0609020204030204" pitchFamily="49" charset="0"/>
+              </a:rPr>
+              <a:t>regressor__solver</a:t>
+            </a:r>
+            <a:r>
+              <a:rPr lang="en-US" altLang="zh-CN" sz="1000" dirty="0">
+                <a:latin typeface="Consolas" panose="020B0609020204030204" pitchFamily="49" charset="0"/>
+              </a:rPr>
+              <a:t>': '</a:t>
+            </a:r>
+            <a:r>
+              <a:rPr lang="en-US" altLang="zh-CN" sz="1000" dirty="0" err="1">
+                <a:latin typeface="Consolas" panose="020B0609020204030204" pitchFamily="49" charset="0"/>
+              </a:rPr>
+              <a:t>lbfgs</a:t>
+            </a:r>
+            <a:r>
+              <a:rPr lang="en-US" altLang="zh-CN" sz="1000" dirty="0">
+                <a:latin typeface="Consolas" panose="020B0609020204030204" pitchFamily="49" charset="0"/>
+              </a:rPr>
+              <a:t>’}</a:t>
+            </a:r>
+          </a:p>
+          <a:p>
+            <a:endParaRPr lang="pt-BR" altLang="zh-CN" sz="1000" dirty="0">
+              <a:latin typeface="Alte DIN 1451 Mittelschrift gep" panose="020B0603020202020204" pitchFamily="34" charset="0"/>
+            </a:endParaRPr>
+          </a:p>
+          <a:p>
+            <a:r>
+              <a:rPr lang="pt-BR" altLang="zh-CN" sz="2000" dirty="0">
+                <a:latin typeface="Alte DIN 1451 Mittelschrift gep" panose="020B0603020202020204" pitchFamily="34" charset="0"/>
+              </a:rPr>
+              <a:t>MAPE: 46.8010</a:t>
+            </a:r>
+          </a:p>
+          <a:p>
+            <a:r>
+              <a:rPr lang="pt-BR" altLang="zh-CN" sz="2000" dirty="0">
+                <a:latin typeface="Alte DIN 1451 Mittelschrift gep" panose="020B0603020202020204" pitchFamily="34" charset="0"/>
+              </a:rPr>
+              <a:t>R²: 0.9995</a:t>
+            </a:r>
+          </a:p>
+          <a:p>
+            <a:r>
+              <a:rPr lang="pt-BR" altLang="zh-CN" sz="2000" dirty="0">
+                <a:latin typeface="Alte DIN 1451 Mittelschrift gep" panose="020B0603020202020204" pitchFamily="34" charset="0"/>
+              </a:rPr>
+              <a:t>RMSE: 3.9219</a:t>
+            </a:r>
+            <a:endParaRPr lang="zh-CN" altLang="en-US" sz="2000" dirty="0">
+              <a:latin typeface="Alte DIN 1451 Mittelschrift gep" panose="020B0603020202020204" pitchFamily="34" charset="0"/>
+            </a:endParaRPr>
+          </a:p>
+        </p:txBody>
+      </p:sp>
+      <p:sp>
+        <p:nvSpPr>
+          <p:cNvPr id="3" name="标题 1">
+            <a:extLst>
+              <a:ext uri="{FF2B5EF4-FFF2-40B4-BE49-F238E27FC236}">
+                <a16:creationId xmlns:a16="http://schemas.microsoft.com/office/drawing/2014/main" id="{F4B1D66E-D670-7DD9-4DAB-48DD2803DBE4}"/>
+              </a:ext>
+            </a:extLst>
+          </p:cNvPr>
+          <p:cNvSpPr txBox="1">
+            <a:spLocks/>
+          </p:cNvSpPr>
+          <p:nvPr/>
+        </p:nvSpPr>
+        <p:spPr>
+          <a:xfrm>
+            <a:off x="9572898" y="143056"/>
+            <a:ext cx="2434506" cy="457835"/>
+          </a:xfrm>
+          <a:prstGeom prst="rect">
+            <a:avLst/>
+          </a:prstGeom>
+        </p:spPr>
+        <p:txBody>
+          <a:bodyPr vert="horz" lIns="91440" tIns="45720" rIns="91440" bIns="45720" rtlCol="0" anchor="ctr">
+            <a:normAutofit fontScale="97500" lnSpcReduction="10000"/>
+          </a:bodyPr>
+          <a:lstStyle>
+            <a:lvl1pPr algn="l" defTabSz="914400" rtl="0" eaLnBrk="1" latinLnBrk="0" hangingPunct="1">
+              <a:lnSpc>
+                <a:spcPct val="90000"/>
+              </a:lnSpc>
+              <a:spcBef>
+                <a:spcPct val="0"/>
+              </a:spcBef>
+              <a:buNone/>
+              <a:defRPr sz="4400" kern="1200">
+                <a:solidFill>
+                  <a:schemeClr val="tx1"/>
+                </a:solidFill>
+                <a:latin typeface="+mj-lt"/>
+                <a:ea typeface="+mj-ea"/>
+                <a:cs typeface="+mj-cs"/>
+              </a:defRPr>
+            </a:lvl1pPr>
+          </a:lstStyle>
+          <a:p>
+            <a:r>
+              <a:rPr lang="zh-CN" altLang="en-US" sz="2800" dirty="0">
+                <a:solidFill>
+                  <a:srgbClr val="00B050"/>
+                </a:solidFill>
+              </a:rPr>
+              <a:t>表现较好</a:t>
+            </a:r>
+          </a:p>
+        </p:txBody>
+      </p:sp>
+    </p:spTree>
+    <p:extLst>
+      <p:ext uri="{BB962C8B-B14F-4D97-AF65-F5344CB8AC3E}">
+        <p14:creationId xmlns:p14="http://schemas.microsoft.com/office/powerpoint/2010/main" val="393471040"/>
+      </p:ext>
+    </p:extLst>
+  </p:cSld>
+  <p:clrMapOvr>
+    <a:masterClrMapping/>
+  </p:clrMapOvr>
+</p:sld>
+</file>
+
+<file path=ppt/slides/slide11.xml><?xml version="1.0" encoding="utf-8"?>
+<p:sld xmlns:a="http://schemas.openxmlformats.org/drawingml/2006/main" xmlns:r="http://schemas.openxmlformats.org/officeDocument/2006/relationships" xmlns:p="http://schemas.openxmlformats.org/presentationml/2006/main">
+  <p:cSld>
+    <p:spTree>
+      <p:nvGrpSpPr>
+        <p:cNvPr id="1" name="">
+          <a:extLst>
+            <a:ext uri="{FF2B5EF4-FFF2-40B4-BE49-F238E27FC236}">
+              <a16:creationId xmlns:a16="http://schemas.microsoft.com/office/drawing/2014/main" id="{A2B3C1D7-B3E3-AD09-C722-B38111E6E2DA}"/>
+            </a:ext>
+          </a:extLst>
+        </p:cNvPr>
+        <p:cNvGrpSpPr/>
+        <p:nvPr/>
+      </p:nvGrpSpPr>
+      <p:grpSpPr>
+        <a:xfrm>
+          <a:off x="0" y="0"/>
+          <a:ext cx="0" cy="0"/>
+          <a:chOff x="0" y="0"/>
+          <a:chExt cx="0" cy="0"/>
+        </a:xfrm>
+      </p:grpSpPr>
+      <p:sp>
+        <p:nvSpPr>
+          <p:cNvPr id="2" name="标题 1">
+            <a:extLst>
+              <a:ext uri="{FF2B5EF4-FFF2-40B4-BE49-F238E27FC236}">
+                <a16:creationId xmlns:a16="http://schemas.microsoft.com/office/drawing/2014/main" id="{5D968676-7CE1-A2B7-49C5-24975D09CEF0}"/>
+              </a:ext>
+            </a:extLst>
+          </p:cNvPr>
+          <p:cNvSpPr>
+            <a:spLocks noGrp="1"/>
+          </p:cNvSpPr>
+          <p:nvPr>
+            <p:ph type="title"/>
+          </p:nvPr>
+        </p:nvSpPr>
+        <p:spPr>
+          <a:xfrm>
+            <a:off x="124097" y="143056"/>
+            <a:ext cx="6950697" cy="457835"/>
+          </a:xfrm>
+        </p:spPr>
+        <p:txBody>
+          <a:bodyPr>
+            <a:normAutofit fontScale="90000"/>
+          </a:bodyPr>
+          <a:lstStyle/>
+          <a:p>
+            <a:r>
+              <a:rPr lang="zh-CN" altLang="en-US" sz="2800" dirty="0"/>
+              <a:t>神经网络回归</a:t>
+            </a:r>
+          </a:p>
+        </p:txBody>
+      </p:sp>
+      <p:pic>
+        <p:nvPicPr>
+          <p:cNvPr id="5" name="图片 4">
+            <a:extLst>
+              <a:ext uri="{FF2B5EF4-FFF2-40B4-BE49-F238E27FC236}">
+                <a16:creationId xmlns:a16="http://schemas.microsoft.com/office/drawing/2014/main" id="{2F77262D-7E2B-0D9A-D71D-90D58E677F57}"/>
+              </a:ext>
+            </a:extLst>
+          </p:cNvPr>
+          <p:cNvPicPr>
+            <a:picLocks noChangeAspect="1"/>
+          </p:cNvPicPr>
+          <p:nvPr/>
+        </p:nvPicPr>
+        <p:blipFill>
+          <a:blip r:embed="rId2">
+            <a:extLst>
+              <a:ext uri="{28A0092B-C50C-407E-A947-70E740481C1C}">
+                <a14:useLocalDpi xmlns:a14="http://schemas.microsoft.com/office/drawing/2010/main" val="0"/>
+              </a:ext>
+            </a:extLst>
+          </a:blip>
+          <a:srcRect/>
+          <a:stretch/>
+        </p:blipFill>
+        <p:spPr>
+          <a:xfrm>
+            <a:off x="124097" y="600891"/>
+            <a:ext cx="3912325" cy="2934244"/>
+          </a:xfrm>
+          <a:prstGeom prst="rect">
+            <a:avLst/>
+          </a:prstGeom>
+        </p:spPr>
+      </p:pic>
+      <p:sp>
+        <p:nvSpPr>
+          <p:cNvPr id="8" name="标题 1">
+            <a:extLst>
+              <a:ext uri="{FF2B5EF4-FFF2-40B4-BE49-F238E27FC236}">
+                <a16:creationId xmlns:a16="http://schemas.microsoft.com/office/drawing/2014/main" id="{1254D641-4CE2-7FBB-E5DF-622CBB75F7C4}"/>
+              </a:ext>
+            </a:extLst>
+          </p:cNvPr>
+          <p:cNvSpPr txBox="1">
+            <a:spLocks/>
+          </p:cNvSpPr>
+          <p:nvPr/>
+        </p:nvSpPr>
+        <p:spPr>
+          <a:xfrm>
+            <a:off x="4036422" y="598859"/>
+            <a:ext cx="2738845" cy="2593346"/>
+          </a:xfrm>
+          <a:prstGeom prst="rect">
+            <a:avLst/>
+          </a:prstGeom>
+        </p:spPr>
+        <p:txBody>
+          <a:bodyPr vert="horz" lIns="91440" tIns="45720" rIns="91440" bIns="45720" rtlCol="0" anchor="ctr">
+            <a:noAutofit/>
+          </a:bodyPr>
+          <a:lstStyle>
+            <a:lvl1pPr algn="l" defTabSz="914400" rtl="0" eaLnBrk="1" latinLnBrk="0" hangingPunct="1">
+              <a:lnSpc>
+                <a:spcPct val="90000"/>
+              </a:lnSpc>
+              <a:spcBef>
+                <a:spcPct val="0"/>
+              </a:spcBef>
+              <a:buNone/>
+              <a:defRPr sz="4400" kern="1200">
+                <a:solidFill>
+                  <a:schemeClr val="tx1"/>
+                </a:solidFill>
+                <a:latin typeface="+mj-lt"/>
+                <a:ea typeface="+mj-ea"/>
+                <a:cs typeface="+mj-cs"/>
+              </a:defRPr>
+            </a:lvl1pPr>
+          </a:lstStyle>
+          <a:p>
+            <a:r>
+              <a:rPr lang="en-US" altLang="zh-CN" sz="1000" dirty="0">
+                <a:latin typeface="Consolas" panose="020B0609020204030204" pitchFamily="49" charset="0"/>
+              </a:rPr>
+              <a:t>Best params (</a:t>
+            </a:r>
+            <a:r>
+              <a:rPr lang="en-US" altLang="zh-CN" sz="1000" dirty="0" err="1">
+                <a:latin typeface="Consolas" panose="020B0609020204030204" pitchFamily="49" charset="0"/>
+              </a:rPr>
+              <a:t>mlp_tuned</a:t>
+            </a:r>
+            <a:r>
+              <a:rPr lang="en-US" altLang="zh-CN" sz="1000" dirty="0">
+                <a:latin typeface="Consolas" panose="020B0609020204030204" pitchFamily="49" charset="0"/>
+              </a:rPr>
+              <a:t>): {'</a:t>
+            </a:r>
+            <a:r>
+              <a:rPr lang="en-US" altLang="zh-CN" sz="1000" dirty="0" err="1">
+                <a:latin typeface="Consolas" panose="020B0609020204030204" pitchFamily="49" charset="0"/>
+              </a:rPr>
+              <a:t>regressor__activation</a:t>
+            </a:r>
+            <a:r>
+              <a:rPr lang="en-US" altLang="zh-CN" sz="1000" dirty="0">
+                <a:latin typeface="Consolas" panose="020B0609020204030204" pitchFamily="49" charset="0"/>
+              </a:rPr>
               <a:t>': 'logistic', '</a:t>
             </a:r>
             <a:r>
@@ -3903,7 +4253,7 @@
 </p:sld>
 </file>
 
-<file path=ppt/slides/slide11.xml><?xml version="1.0" encoding="utf-8"?>
+<file path=ppt/slides/slide12.xml><?xml version="1.0" encoding="utf-8"?>
 <p:sld xmlns:a="http://schemas.openxmlformats.org/drawingml/2006/main" xmlns:r="http://schemas.openxmlformats.org/officeDocument/2006/relationships" xmlns:p="http://schemas.openxmlformats.org/presentationml/2006/main">
   <p:cSld>
     <p:spTree>
@@ -4158,7 +4508,7 @@
 </p:sld>
 </file>
 
-<file path=ppt/slides/slide12.xml><?xml version="1.0" encoding="utf-8"?>
+<file path=ppt/slides/slide13.xml><?xml version="1.0" encoding="utf-8"?>
 <p:sld xmlns:a="http://schemas.openxmlformats.org/drawingml/2006/main" xmlns:r="http://schemas.openxmlformats.org/officeDocument/2006/relationships" xmlns:p="http://schemas.openxmlformats.org/presentationml/2006/main">
   <p:cSld>
     <p:spTree>
@@ -4352,7 +4702,7 @@
 </p:sld>
 </file>
 
-<file path=ppt/slides/slide13.xml><?xml version="1.0" encoding="utf-8"?>
+<file path=ppt/slides/slide14.xml><?xml version="1.0" encoding="utf-8"?>
 <p:sld xmlns:a="http://schemas.openxmlformats.org/drawingml/2006/main" xmlns:r="http://schemas.openxmlformats.org/officeDocument/2006/relationships" xmlns:p="http://schemas.openxmlformats.org/presentationml/2006/main">
   <p:cSld>
     <p:spTree>
@@ -4604,7 +4954,7 @@
 </p:sld>
 </file>
 
-<file path=ppt/slides/slide14.xml><?xml version="1.0" encoding="utf-8"?>
+<file path=ppt/slides/slide15.xml><?xml version="1.0" encoding="utf-8"?>
 <p:sld xmlns:a="http://schemas.openxmlformats.org/drawingml/2006/main" xmlns:r="http://schemas.openxmlformats.org/officeDocument/2006/relationships" xmlns:p="http://schemas.openxmlformats.org/presentationml/2006/main">
   <p:cSld>
     <p:spTree>
@@ -5275,7 +5625,7 @@
 </p:sld>
 </file>
 
-<file path=ppt/slides/slide15.xml><?xml version="1.0" encoding="utf-8"?>
+<file path=ppt/slides/slide16.xml><?xml version="1.0" encoding="utf-8"?>
 <p:sld xmlns:a="http://schemas.openxmlformats.org/drawingml/2006/main" xmlns:r="http://schemas.openxmlformats.org/officeDocument/2006/relationships" xmlns:p="http://schemas.openxmlformats.org/presentationml/2006/main">
   <p:cSld>
     <p:spTree>
@@ -5946,7 +6296,7 @@
 </p:sld>
 </file>
 
-<file path=ppt/slides/slide16.xml><?xml version="1.0" encoding="utf-8"?>
+<file path=ppt/slides/slide17.xml><?xml version="1.0" encoding="utf-8"?>
 <p:sld xmlns:a="http://schemas.openxmlformats.org/drawingml/2006/main" xmlns:r="http://schemas.openxmlformats.org/officeDocument/2006/relationships" xmlns:p="http://schemas.openxmlformats.org/presentationml/2006/main">
   <p:cSld>
     <p:spTree>
@@ -6559,7 +6909,7 @@
 </p:sld>
 </file>
 
-<file path=ppt/slides/slide17.xml><?xml version="1.0" encoding="utf-8"?>
+<file path=ppt/slides/slide18.xml><?xml version="1.0" encoding="utf-8"?>
 <p:sld xmlns:a="http://schemas.openxmlformats.org/drawingml/2006/main" xmlns:r="http://schemas.openxmlformats.org/officeDocument/2006/relationships" xmlns:p="http://schemas.openxmlformats.org/presentationml/2006/main">
   <p:cSld>
     <p:spTree>
@@ -6741,7 +7091,7 @@
 </p:sld>
 </file>
 
-<file path=ppt/slides/slide18.xml><?xml version="1.0" encoding="utf-8"?>
+<file path=ppt/slides/slide19.xml><?xml version="1.0" encoding="utf-8"?>
 <p:sld xmlns:a="http://schemas.openxmlformats.org/drawingml/2006/main" xmlns:r="http://schemas.openxmlformats.org/officeDocument/2006/relationships" xmlns:p="http://schemas.openxmlformats.org/presentationml/2006/main">
   <p:cSld>
     <p:spTree>
@@ -6923,7 +7273,159 @@
 </p:sld>
 </file>
 
-<file path=ppt/slides/slide19.xml><?xml version="1.0" encoding="utf-8"?>
+<file path=ppt/slides/slide2.xml><?xml version="1.0" encoding="utf-8"?>
+<p:sld xmlns:a="http://schemas.openxmlformats.org/drawingml/2006/main" xmlns:r="http://schemas.openxmlformats.org/officeDocument/2006/relationships" xmlns:p="http://schemas.openxmlformats.org/presentationml/2006/main">
+  <p:cSld>
+    <p:spTree>
+      <p:nvGrpSpPr>
+        <p:cNvPr id="1" name=""/>
+        <p:cNvGrpSpPr/>
+        <p:nvPr/>
+      </p:nvGrpSpPr>
+      <p:grpSpPr>
+        <a:xfrm>
+          <a:off x="0" y="0"/>
+          <a:ext cx="0" cy="0"/>
+          <a:chOff x="0" y="0"/>
+          <a:chExt cx="0" cy="0"/>
+        </a:xfrm>
+      </p:grpSpPr>
+      <p:pic>
+        <p:nvPicPr>
+          <p:cNvPr id="5" name="内容占位符 4">
+            <a:extLst>
+              <a:ext uri="{FF2B5EF4-FFF2-40B4-BE49-F238E27FC236}">
+                <a16:creationId xmlns:a16="http://schemas.microsoft.com/office/drawing/2014/main" id="{14393ABF-9F24-F096-C557-C86E9F413672}"/>
+              </a:ext>
+            </a:extLst>
+          </p:cNvPr>
+          <p:cNvPicPr>
+            <a:picLocks noGrp="1" noChangeAspect="1"/>
+          </p:cNvPicPr>
+          <p:nvPr>
+            <p:ph idx="1"/>
+          </p:nvPr>
+        </p:nvPicPr>
+        <p:blipFill>
+          <a:blip r:embed="rId2">
+            <a:extLst>
+              <a:ext uri="{28A0092B-C50C-407E-A947-70E740481C1C}">
+                <a14:useLocalDpi xmlns:a14="http://schemas.microsoft.com/office/drawing/2010/main" val="0"/>
+              </a:ext>
+            </a:extLst>
+          </a:blip>
+          <a:stretch>
+            <a:fillRect/>
+          </a:stretch>
+        </p:blipFill>
+        <p:spPr>
+          <a:xfrm>
+            <a:off x="256032" y="86989"/>
+            <a:ext cx="4808134" cy="6684022"/>
+          </a:xfrm>
+        </p:spPr>
+      </p:pic>
+      <p:sp>
+        <p:nvSpPr>
+          <p:cNvPr id="6" name="文本框 5">
+            <a:extLst>
+              <a:ext uri="{FF2B5EF4-FFF2-40B4-BE49-F238E27FC236}">
+                <a16:creationId xmlns:a16="http://schemas.microsoft.com/office/drawing/2014/main" id="{E6E91587-80EA-B382-B053-1BCD073545B2}"/>
+              </a:ext>
+            </a:extLst>
+          </p:cNvPr>
+          <p:cNvSpPr txBox="1"/>
+          <p:nvPr/>
+        </p:nvSpPr>
+        <p:spPr>
+          <a:xfrm>
+            <a:off x="5444949" y="994867"/>
+            <a:ext cx="6295948" cy="646331"/>
+          </a:xfrm>
+          <a:prstGeom prst="rect">
+            <a:avLst/>
+          </a:prstGeom>
+          <a:noFill/>
+        </p:spPr>
+        <p:txBody>
+          <a:bodyPr wrap="square" rtlCol="0">
+            <a:spAutoFit/>
+          </a:bodyPr>
+          <a:lstStyle/>
+          <a:p>
+            <a:r>
+              <a:rPr lang="zh-CN" altLang="en-US"/>
+              <a:t>有时某一次的测试数据与其他的测试数据差一个数量级，目前不知道原因。应该采用这部分数据吗？</a:t>
+            </a:r>
+          </a:p>
+        </p:txBody>
+      </p:sp>
+      <p:sp>
+        <p:nvSpPr>
+          <p:cNvPr id="7" name="矩形 6">
+            <a:extLst>
+              <a:ext uri="{FF2B5EF4-FFF2-40B4-BE49-F238E27FC236}">
+                <a16:creationId xmlns:a16="http://schemas.microsoft.com/office/drawing/2014/main" id="{F5DA9FD2-5238-0AA6-69ED-765FB03A52A5}"/>
+              </a:ext>
+            </a:extLst>
+          </p:cNvPr>
+          <p:cNvSpPr/>
+          <p:nvPr/>
+        </p:nvSpPr>
+        <p:spPr>
+          <a:xfrm>
+            <a:off x="160934" y="1697126"/>
+            <a:ext cx="3716122" cy="1316736"/>
+          </a:xfrm>
+          <a:prstGeom prst="rect">
+            <a:avLst/>
+          </a:prstGeom>
+          <a:noFill/>
+          <a:ln w="50800">
+            <a:solidFill>
+              <a:srgbClr val="00B0F0"/>
+            </a:solidFill>
+          </a:ln>
+        </p:spPr>
+        <p:style>
+          <a:lnRef idx="2">
+            <a:schemeClr val="accent1">
+              <a:shade val="15000"/>
+            </a:schemeClr>
+          </a:lnRef>
+          <a:fillRef idx="1">
+            <a:schemeClr val="accent1"/>
+          </a:fillRef>
+          <a:effectRef idx="0">
+            <a:schemeClr val="accent1"/>
+          </a:effectRef>
+          <a:fontRef idx="minor">
+            <a:schemeClr val="lt1"/>
+          </a:fontRef>
+        </p:style>
+        <p:txBody>
+          <a:bodyPr rtlCol="0" anchor="ctr"/>
+          <a:lstStyle/>
+          <a:p>
+            <a:pPr algn="ctr"/>
+            <a:endParaRPr lang="zh-CN" altLang="en-US"/>
+          </a:p>
+        </p:txBody>
+      </p:sp>
+    </p:spTree>
+    <p:extLst>
+      <p:ext uri="{BB962C8B-B14F-4D97-AF65-F5344CB8AC3E}">
+        <p14:creationId xmlns:p14="http://schemas.microsoft.com/office/powerpoint/2010/main" val="2446994732"/>
+      </p:ext>
+    </p:extLst>
+  </p:cSld>
+  <p:clrMapOvr>
+    <a:masterClrMapping/>
+  </p:clrMapOvr>
+</p:sld>
+</file>
+
+<file path=ppt/slides/slide20.xml><?xml version="1.0" encoding="utf-8"?>
 <p:sld xmlns:a="http://schemas.openxmlformats.org/drawingml/2006/main" xmlns:r="http://schemas.openxmlformats.org/officeDocument/2006/relationships" xmlns:p="http://schemas.openxmlformats.org/presentationml/2006/main">
   <p:cSld>
     <p:spTree>
@@ -7163,7 +7665,7 @@
 </p:sld>
 </file>
 
-<file path=ppt/slides/slide2.xml><?xml version="1.0" encoding="utf-8"?>
+<file path=ppt/slides/slide3.xml><?xml version="1.0" encoding="utf-8"?>
 <p:sld xmlns:a="http://schemas.openxmlformats.org/drawingml/2006/main" xmlns:r="http://schemas.openxmlformats.org/officeDocument/2006/relationships" xmlns:p="http://schemas.openxmlformats.org/presentationml/2006/main">
   <p:cSld>
     <p:spTree>
@@ -7634,7 +8136,7 @@
 </p:sld>
 </file>
 
-<file path=ppt/slides/slide3.xml><?xml version="1.0" encoding="utf-8"?>
+<file path=ppt/slides/slide4.xml><?xml version="1.0" encoding="utf-8"?>
 <p:sld xmlns:a="http://schemas.openxmlformats.org/drawingml/2006/main" xmlns:r="http://schemas.openxmlformats.org/officeDocument/2006/relationships" xmlns:p="http://schemas.openxmlformats.org/presentationml/2006/main">
   <p:cSld>
     <p:spTree>
@@ -8105,7 +8607,7 @@
 </p:sld>
 </file>
 
-<file path=ppt/slides/slide4.xml><?xml version="1.0" encoding="utf-8"?>
+<file path=ppt/slides/slide5.xml><?xml version="1.0" encoding="utf-8"?>
 <p:sld xmlns:a="http://schemas.openxmlformats.org/drawingml/2006/main" xmlns:r="http://schemas.openxmlformats.org/officeDocument/2006/relationships" xmlns:p="http://schemas.openxmlformats.org/presentationml/2006/main">
   <p:cSld>
     <p:spTree>
@@ -8542,7 +9044,7 @@
 </p:sld>
 </file>
 
-<file path=ppt/slides/slide5.xml><?xml version="1.0" encoding="utf-8"?>
+<file path=ppt/slides/slide6.xml><?xml version="1.0" encoding="utf-8"?>
 <p:sld xmlns:a="http://schemas.openxmlformats.org/drawingml/2006/main" xmlns:r="http://schemas.openxmlformats.org/officeDocument/2006/relationships" xmlns:p="http://schemas.openxmlformats.org/presentationml/2006/main">
   <p:cSld>
     <p:spTree>
@@ -9007,7 +9509,7 @@
 </p:sld>
 </file>
 
-<file path=ppt/slides/slide6.xml><?xml version="1.0" encoding="utf-8"?>
+<file path=ppt/slides/slide7.xml><?xml version="1.0" encoding="utf-8"?>
 <p:sld xmlns:a="http://schemas.openxmlformats.org/drawingml/2006/main" xmlns:r="http://schemas.openxmlformats.org/officeDocument/2006/relationships" xmlns:p="http://schemas.openxmlformats.org/presentationml/2006/main">
   <p:cSld>
     <p:spTree>
@@ -9472,7 +9974,7 @@
 </p:sld>
 </file>
 
-<file path=ppt/slides/slide7.xml><?xml version="1.0" encoding="utf-8"?>
+<file path=ppt/slides/slide8.xml><?xml version="1.0" encoding="utf-8"?>
 <p:sld xmlns:a="http://schemas.openxmlformats.org/drawingml/2006/main" xmlns:r="http://schemas.openxmlformats.org/officeDocument/2006/relationships" xmlns:p="http://schemas.openxmlformats.org/presentationml/2006/main">
   <p:cSld>
     <p:spTree>
@@ -9937,7 +10439,7 @@
 </p:sld>
 </file>
 
-<file path=ppt/slides/slide8.xml><?xml version="1.0" encoding="utf-8"?>
+<file path=ppt/slides/slide9.xml><?xml version="1.0" encoding="utf-8"?>
 <p:sld xmlns:a="http://schemas.openxmlformats.org/drawingml/2006/main" xmlns:r="http://schemas.openxmlformats.org/officeDocument/2006/relationships" xmlns:p="http://schemas.openxmlformats.org/presentationml/2006/main">
   <p:cSld>
     <p:spTree>
@@ -10548,354 +11050,6 @@
     <p:extLst>
       <p:ext uri="{BB962C8B-B14F-4D97-AF65-F5344CB8AC3E}">
         <p14:creationId xmlns:p14="http://schemas.microsoft.com/office/powerpoint/2010/main" val="520983180"/>
-      </p:ext>
-    </p:extLst>
-  </p:cSld>
-  <p:clrMapOvr>
-    <a:masterClrMapping/>
-  </p:clrMapOvr>
-</p:sld>
-</file>
-
-<file path=ppt/slides/slide9.xml><?xml version="1.0" encoding="utf-8"?>
-<p:sld xmlns:a="http://schemas.openxmlformats.org/drawingml/2006/main" xmlns:r="http://schemas.openxmlformats.org/officeDocument/2006/relationships" xmlns:p="http://schemas.openxmlformats.org/presentationml/2006/main">
-  <p:cSld>
-    <p:spTree>
-      <p:nvGrpSpPr>
-        <p:cNvPr id="1" name="">
-          <a:extLst>
-            <a:ext uri="{FF2B5EF4-FFF2-40B4-BE49-F238E27FC236}">
-              <a16:creationId xmlns:a16="http://schemas.microsoft.com/office/drawing/2014/main" id="{BE0A324E-4F03-1E1C-0F81-CCDE86613073}"/>
-            </a:ext>
-          </a:extLst>
-        </p:cNvPr>
-        <p:cNvGrpSpPr/>
-        <p:nvPr/>
-      </p:nvGrpSpPr>
-      <p:grpSpPr>
-        <a:xfrm>
-          <a:off x="0" y="0"/>
-          <a:ext cx="0" cy="0"/>
-          <a:chOff x="0" y="0"/>
-          <a:chExt cx="0" cy="0"/>
-        </a:xfrm>
-      </p:grpSpPr>
-      <p:sp>
-        <p:nvSpPr>
-          <p:cNvPr id="2" name="标题 1">
-            <a:extLst>
-              <a:ext uri="{FF2B5EF4-FFF2-40B4-BE49-F238E27FC236}">
-                <a16:creationId xmlns:a16="http://schemas.microsoft.com/office/drawing/2014/main" id="{ED28A8F7-7F19-D411-E0AA-3BDB8258033B}"/>
-              </a:ext>
-            </a:extLst>
-          </p:cNvPr>
-          <p:cNvSpPr>
-            <a:spLocks noGrp="1"/>
-          </p:cNvSpPr>
-          <p:nvPr>
-            <p:ph type="title"/>
-          </p:nvPr>
-        </p:nvSpPr>
-        <p:spPr>
-          <a:xfrm>
-            <a:off x="124097" y="143056"/>
-            <a:ext cx="6950697" cy="457835"/>
-          </a:xfrm>
-        </p:spPr>
-        <p:txBody>
-          <a:bodyPr>
-            <a:normAutofit fontScale="90000"/>
-          </a:bodyPr>
-          <a:lstStyle/>
-          <a:p>
-            <a:r>
-              <a:rPr lang="zh-CN" altLang="en-US" sz="2800" dirty="0"/>
-              <a:t>神经网络回归</a:t>
-            </a:r>
-          </a:p>
-        </p:txBody>
-      </p:sp>
-      <p:pic>
-        <p:nvPicPr>
-          <p:cNvPr id="5" name="图片 4">
-            <a:extLst>
-              <a:ext uri="{FF2B5EF4-FFF2-40B4-BE49-F238E27FC236}">
-                <a16:creationId xmlns:a16="http://schemas.microsoft.com/office/drawing/2014/main" id="{CD690701-8AA6-A719-41BB-1633DFAE28F8}"/>
-              </a:ext>
-            </a:extLst>
-          </p:cNvPr>
-          <p:cNvPicPr>
-            <a:picLocks noChangeAspect="1"/>
-          </p:cNvPicPr>
-          <p:nvPr/>
-        </p:nvPicPr>
-        <p:blipFill>
-          <a:blip r:embed="rId2">
-            <a:extLst>
-              <a:ext uri="{28A0092B-C50C-407E-A947-70E740481C1C}">
-                <a14:useLocalDpi xmlns:a14="http://schemas.microsoft.com/office/drawing/2010/main" val="0"/>
-              </a:ext>
-            </a:extLst>
-          </a:blip>
-          <a:srcRect/>
-          <a:stretch/>
-        </p:blipFill>
-        <p:spPr>
-          <a:xfrm>
-            <a:off x="124097" y="600891"/>
-            <a:ext cx="3912326" cy="2934244"/>
-          </a:xfrm>
-          <a:prstGeom prst="rect">
-            <a:avLst/>
-          </a:prstGeom>
-        </p:spPr>
-      </p:pic>
-      <p:sp>
-        <p:nvSpPr>
-          <p:cNvPr id="8" name="标题 1">
-            <a:extLst>
-              <a:ext uri="{FF2B5EF4-FFF2-40B4-BE49-F238E27FC236}">
-                <a16:creationId xmlns:a16="http://schemas.microsoft.com/office/drawing/2014/main" id="{B3EFC040-718C-9FF3-20AE-B622C984C3F2}"/>
-              </a:ext>
-            </a:extLst>
-          </p:cNvPr>
-          <p:cNvSpPr txBox="1">
-            <a:spLocks/>
-          </p:cNvSpPr>
-          <p:nvPr/>
-        </p:nvSpPr>
-        <p:spPr>
-          <a:xfrm>
-            <a:off x="4036422" y="598859"/>
-            <a:ext cx="2738845" cy="2593346"/>
-          </a:xfrm>
-          <a:prstGeom prst="rect">
-            <a:avLst/>
-          </a:prstGeom>
-        </p:spPr>
-        <p:txBody>
-          <a:bodyPr vert="horz" lIns="91440" tIns="45720" rIns="91440" bIns="45720" rtlCol="0" anchor="ctr">
-            <a:noAutofit/>
-          </a:bodyPr>
-          <a:lstStyle>
-            <a:lvl1pPr algn="l" defTabSz="914400" rtl="0" eaLnBrk="1" latinLnBrk="0" hangingPunct="1">
-              <a:lnSpc>
-                <a:spcPct val="90000"/>
-              </a:lnSpc>
-              <a:spcBef>
-                <a:spcPct val="0"/>
-              </a:spcBef>
-              <a:buNone/>
-              <a:defRPr sz="4400" kern="1200">
-                <a:solidFill>
-                  <a:schemeClr val="tx1"/>
-                </a:solidFill>
-                <a:latin typeface="+mj-lt"/>
-                <a:ea typeface="+mj-ea"/>
-                <a:cs typeface="+mj-cs"/>
-              </a:defRPr>
-            </a:lvl1pPr>
-          </a:lstStyle>
-          <a:p>
-            <a:r>
-              <a:rPr lang="en-US" altLang="zh-CN" sz="1000" dirty="0">
-                <a:latin typeface="Consolas" panose="020B0609020204030204" pitchFamily="49" charset="0"/>
-              </a:rPr>
-              <a:t>Best params (</a:t>
-            </a:r>
-            <a:r>
-              <a:rPr lang="en-US" altLang="zh-CN" sz="1000" dirty="0" err="1">
-                <a:latin typeface="Consolas" panose="020B0609020204030204" pitchFamily="49" charset="0"/>
-              </a:rPr>
-              <a:t>mlp_tuned</a:t>
-            </a:r>
-            <a:r>
-              <a:rPr lang="en-US" altLang="zh-CN" sz="1000" dirty="0">
-                <a:latin typeface="Consolas" panose="020B0609020204030204" pitchFamily="49" charset="0"/>
-              </a:rPr>
-              <a:t>): {'</a:t>
-            </a:r>
-            <a:r>
-              <a:rPr lang="en-US" altLang="zh-CN" sz="1000" dirty="0" err="1">
-                <a:latin typeface="Consolas" panose="020B0609020204030204" pitchFamily="49" charset="0"/>
-              </a:rPr>
-              <a:t>regressor__activation</a:t>
-            </a:r>
-            <a:r>
-              <a:rPr lang="en-US" altLang="zh-CN" sz="1000" dirty="0">
-                <a:latin typeface="Consolas" panose="020B0609020204030204" pitchFamily="49" charset="0"/>
-              </a:rPr>
-              <a:t>': '</a:t>
-            </a:r>
-            <a:r>
-              <a:rPr lang="en-US" altLang="zh-CN" sz="1000" dirty="0" err="1">
-                <a:latin typeface="Consolas" panose="020B0609020204030204" pitchFamily="49" charset="0"/>
-              </a:rPr>
-              <a:t>relu</a:t>
-            </a:r>
-            <a:r>
-              <a:rPr lang="en-US" altLang="zh-CN" sz="1000" dirty="0">
-                <a:latin typeface="Consolas" panose="020B0609020204030204" pitchFamily="49" charset="0"/>
-              </a:rPr>
-              <a:t>', '</a:t>
-            </a:r>
-            <a:r>
-              <a:rPr lang="en-US" altLang="zh-CN" sz="1000" dirty="0" err="1">
-                <a:latin typeface="Consolas" panose="020B0609020204030204" pitchFamily="49" charset="0"/>
-              </a:rPr>
-              <a:t>regressor__alpha</a:t>
-            </a:r>
-            <a:r>
-              <a:rPr lang="en-US" altLang="zh-CN" sz="1000" dirty="0">
-                <a:latin typeface="Consolas" panose="020B0609020204030204" pitchFamily="49" charset="0"/>
-              </a:rPr>
-              <a:t>': 0.006680351314068706, 'regressor__</a:t>
-            </a:r>
-            <a:r>
-              <a:rPr lang="en-US" altLang="zh-CN" sz="1000" dirty="0" err="1">
-                <a:latin typeface="Consolas" panose="020B0609020204030204" pitchFamily="49" charset="0"/>
-              </a:rPr>
-              <a:t>hidden_layer_sizes</a:t>
-            </a:r>
-            <a:r>
-              <a:rPr lang="en-US" altLang="zh-CN" sz="1000" dirty="0">
-                <a:latin typeface="Consolas" panose="020B0609020204030204" pitchFamily="49" charset="0"/>
-              </a:rPr>
-              <a:t>': (200, 100), 'regressor__</a:t>
-            </a:r>
-            <a:r>
-              <a:rPr lang="en-US" altLang="zh-CN" sz="1000" dirty="0" err="1">
-                <a:latin typeface="Consolas" panose="020B0609020204030204" pitchFamily="49" charset="0"/>
-              </a:rPr>
-              <a:t>learning_rate_init</a:t>
-            </a:r>
-            <a:r>
-              <a:rPr lang="en-US" altLang="zh-CN" sz="1000" dirty="0">
-                <a:latin typeface="Consolas" panose="020B0609020204030204" pitchFamily="49" charset="0"/>
-              </a:rPr>
-              <a:t>': 0.07602233354654259, '</a:t>
-            </a:r>
-            <a:r>
-              <a:rPr lang="en-US" altLang="zh-CN" sz="1000" dirty="0" err="1">
-                <a:latin typeface="Consolas" panose="020B0609020204030204" pitchFamily="49" charset="0"/>
-              </a:rPr>
-              <a:t>regressor__solver</a:t>
-            </a:r>
-            <a:r>
-              <a:rPr lang="en-US" altLang="zh-CN" sz="1000" dirty="0">
-                <a:latin typeface="Consolas" panose="020B0609020204030204" pitchFamily="49" charset="0"/>
-              </a:rPr>
-              <a:t>': '</a:t>
-            </a:r>
-            <a:r>
-              <a:rPr lang="en-US" altLang="zh-CN" sz="1000" dirty="0" err="1">
-                <a:latin typeface="Consolas" panose="020B0609020204030204" pitchFamily="49" charset="0"/>
-              </a:rPr>
-              <a:t>lbfgs</a:t>
-            </a:r>
-            <a:r>
-              <a:rPr lang="en-US" altLang="zh-CN" sz="1000" dirty="0">
-                <a:latin typeface="Consolas" panose="020B0609020204030204" pitchFamily="49" charset="0"/>
-              </a:rPr>
-              <a:t>’}</a:t>
-            </a:r>
-          </a:p>
-          <a:p>
-            <a:endParaRPr lang="pt-BR" altLang="zh-CN" sz="1000" dirty="0">
-              <a:latin typeface="Alte DIN 1451 Mittelschrift gep" panose="020B0603020202020204" pitchFamily="34" charset="0"/>
-            </a:endParaRPr>
-          </a:p>
-          <a:p>
-            <a:r>
-              <a:rPr lang="pt-BR" altLang="zh-CN" sz="2000" dirty="0">
-                <a:latin typeface="Alte DIN 1451 Mittelschrift gep" panose="020B0603020202020204" pitchFamily="34" charset="0"/>
-              </a:rPr>
-              <a:t>MAPE: 46.8010</a:t>
-            </a:r>
-          </a:p>
-          <a:p>
-            <a:r>
-              <a:rPr lang="pt-BR" altLang="zh-CN" sz="2000" dirty="0">
-                <a:latin typeface="Alte DIN 1451 Mittelschrift gep" panose="020B0603020202020204" pitchFamily="34" charset="0"/>
-              </a:rPr>
-              <a:t>R²: 0.9995</a:t>
-            </a:r>
-          </a:p>
-          <a:p>
-            <a:r>
-              <a:rPr lang="pt-BR" altLang="zh-CN" sz="2000" dirty="0">
-                <a:latin typeface="Alte DIN 1451 Mittelschrift gep" panose="020B0603020202020204" pitchFamily="34" charset="0"/>
-              </a:rPr>
-              <a:t>RMSE: 3.9219</a:t>
-            </a:r>
-            <a:endParaRPr lang="zh-CN" altLang="en-US" sz="2000" dirty="0">
-              <a:latin typeface="Alte DIN 1451 Mittelschrift gep" panose="020B0603020202020204" pitchFamily="34" charset="0"/>
-            </a:endParaRPr>
-          </a:p>
-        </p:txBody>
-      </p:sp>
-      <p:sp>
-        <p:nvSpPr>
-          <p:cNvPr id="3" name="标题 1">
-            <a:extLst>
-              <a:ext uri="{FF2B5EF4-FFF2-40B4-BE49-F238E27FC236}">
-                <a16:creationId xmlns:a16="http://schemas.microsoft.com/office/drawing/2014/main" id="{F4B1D66E-D670-7DD9-4DAB-48DD2803DBE4}"/>
-              </a:ext>
-            </a:extLst>
-          </p:cNvPr>
-          <p:cNvSpPr txBox="1">
-            <a:spLocks/>
-          </p:cNvSpPr>
-          <p:nvPr/>
-        </p:nvSpPr>
-        <p:spPr>
-          <a:xfrm>
-            <a:off x="9572898" y="143056"/>
-            <a:ext cx="2434506" cy="457835"/>
-          </a:xfrm>
-          <a:prstGeom prst="rect">
-            <a:avLst/>
-          </a:prstGeom>
-        </p:spPr>
-        <p:txBody>
-          <a:bodyPr vert="horz" lIns="91440" tIns="45720" rIns="91440" bIns="45720" rtlCol="0" anchor="ctr">
-            <a:normAutofit fontScale="97500" lnSpcReduction="10000"/>
-          </a:bodyPr>
-          <a:lstStyle>
-            <a:lvl1pPr algn="l" defTabSz="914400" rtl="0" eaLnBrk="1" latinLnBrk="0" hangingPunct="1">
-              <a:lnSpc>
-                <a:spcPct val="90000"/>
-              </a:lnSpc>
-              <a:spcBef>
-                <a:spcPct val="0"/>
-              </a:spcBef>
-              <a:buNone/>
-              <a:defRPr sz="4400" kern="1200">
-                <a:solidFill>
-                  <a:schemeClr val="tx1"/>
-                </a:solidFill>
-                <a:latin typeface="+mj-lt"/>
-                <a:ea typeface="+mj-ea"/>
-                <a:cs typeface="+mj-cs"/>
-              </a:defRPr>
-            </a:lvl1pPr>
-          </a:lstStyle>
-          <a:p>
-            <a:r>
-              <a:rPr lang="zh-CN" altLang="en-US" sz="2800" dirty="0">
-                <a:solidFill>
-                  <a:srgbClr val="00B050"/>
-                </a:solidFill>
-              </a:rPr>
-              <a:t>表现较好</a:t>
-            </a:r>
-          </a:p>
-        </p:txBody>
-      </p:sp>
-    </p:spTree>
-    <p:extLst>
-      <p:ext uri="{BB962C8B-B14F-4D97-AF65-F5344CB8AC3E}">
-        <p14:creationId xmlns:p14="http://schemas.microsoft.com/office/powerpoint/2010/main" val="393471040"/>
       </p:ext>
     </p:extLst>
   </p:cSld>

--- a/R5.pptx
+++ b/R5.pptx
@@ -5,7 +5,7 @@
     <p:sldMasterId id="2147483648" r:id="rId1"/>
   </p:sldMasterIdLst>
   <p:notesMasterIdLst>
-    <p:notesMasterId r:id="rId44"/>
+    <p:notesMasterId r:id="rId49"/>
   </p:notesMasterIdLst>
   <p:sldIdLst>
     <p:sldId id="273" r:id="rId2"/>
@@ -50,6 +50,11 @@
     <p:sldId id="295" r:id="rId41"/>
     <p:sldId id="279" r:id="rId42"/>
     <p:sldId id="296" r:id="rId43"/>
+    <p:sldId id="305" r:id="rId44"/>
+    <p:sldId id="306" r:id="rId45"/>
+    <p:sldId id="307" r:id="rId46"/>
+    <p:sldId id="308" r:id="rId47"/>
+    <p:sldId id="309" r:id="rId48"/>
   </p:sldIdLst>
   <p:sldSz cx="12192000" cy="6858000"/>
   <p:notesSz cx="6858000" cy="9144000"/>
@@ -238,7 +243,7 @@
           <a:p>
             <a:fld id="{F785A1BD-EBB2-4221-B6F1-84446E81673C}" type="datetimeFigureOut">
               <a:rPr lang="zh-CN" altLang="en-US" smtClean="0"/>
-              <a:t>2025/10/13</a:t>
+              <a:t>2025/10/15</a:t>
             </a:fld>
             <a:endParaRPr lang="zh-CN" altLang="en-US"/>
           </a:p>
@@ -2548,7 +2553,7 @@
           <a:p>
             <a:fld id="{5D316963-EF35-41F4-B235-3A3F02295E84}" type="datetimeFigureOut">
               <a:rPr lang="zh-CN" altLang="en-US" smtClean="0"/>
-              <a:t>2025/10/13</a:t>
+              <a:t>2025/10/15</a:t>
             </a:fld>
             <a:endParaRPr lang="zh-CN" altLang="en-US"/>
           </a:p>
@@ -2746,7 +2751,7 @@
           <a:p>
             <a:fld id="{5D316963-EF35-41F4-B235-3A3F02295E84}" type="datetimeFigureOut">
               <a:rPr lang="zh-CN" altLang="en-US" smtClean="0"/>
-              <a:t>2025/10/13</a:t>
+              <a:t>2025/10/15</a:t>
             </a:fld>
             <a:endParaRPr lang="zh-CN" altLang="en-US"/>
           </a:p>
@@ -2954,7 +2959,7 @@
           <a:p>
             <a:fld id="{5D316963-EF35-41F4-B235-3A3F02295E84}" type="datetimeFigureOut">
               <a:rPr lang="zh-CN" altLang="en-US" smtClean="0"/>
-              <a:t>2025/10/13</a:t>
+              <a:t>2025/10/15</a:t>
             </a:fld>
             <a:endParaRPr lang="zh-CN" altLang="en-US"/>
           </a:p>
@@ -3152,7 +3157,7 @@
           <a:p>
             <a:fld id="{5D316963-EF35-41F4-B235-3A3F02295E84}" type="datetimeFigureOut">
               <a:rPr lang="zh-CN" altLang="en-US" smtClean="0"/>
-              <a:t>2025/10/13</a:t>
+              <a:t>2025/10/15</a:t>
             </a:fld>
             <a:endParaRPr lang="zh-CN" altLang="en-US"/>
           </a:p>
@@ -3427,7 +3432,7 @@
           <a:p>
             <a:fld id="{5D316963-EF35-41F4-B235-3A3F02295E84}" type="datetimeFigureOut">
               <a:rPr lang="zh-CN" altLang="en-US" smtClean="0"/>
-              <a:t>2025/10/13</a:t>
+              <a:t>2025/10/15</a:t>
             </a:fld>
             <a:endParaRPr lang="zh-CN" altLang="en-US"/>
           </a:p>
@@ -3692,7 +3697,7 @@
           <a:p>
             <a:fld id="{5D316963-EF35-41F4-B235-3A3F02295E84}" type="datetimeFigureOut">
               <a:rPr lang="zh-CN" altLang="en-US" smtClean="0"/>
-              <a:t>2025/10/13</a:t>
+              <a:t>2025/10/15</a:t>
             </a:fld>
             <a:endParaRPr lang="zh-CN" altLang="en-US"/>
           </a:p>
@@ -4104,7 +4109,7 @@
           <a:p>
             <a:fld id="{5D316963-EF35-41F4-B235-3A3F02295E84}" type="datetimeFigureOut">
               <a:rPr lang="zh-CN" altLang="en-US" smtClean="0"/>
-              <a:t>2025/10/13</a:t>
+              <a:t>2025/10/15</a:t>
             </a:fld>
             <a:endParaRPr lang="zh-CN" altLang="en-US"/>
           </a:p>
@@ -4245,7 +4250,7 @@
           <a:p>
             <a:fld id="{5D316963-EF35-41F4-B235-3A3F02295E84}" type="datetimeFigureOut">
               <a:rPr lang="zh-CN" altLang="en-US" smtClean="0"/>
-              <a:t>2025/10/13</a:t>
+              <a:t>2025/10/15</a:t>
             </a:fld>
             <a:endParaRPr lang="zh-CN" altLang="en-US"/>
           </a:p>
@@ -4358,7 +4363,7 @@
           <a:p>
             <a:fld id="{5D316963-EF35-41F4-B235-3A3F02295E84}" type="datetimeFigureOut">
               <a:rPr lang="zh-CN" altLang="en-US" smtClean="0"/>
-              <a:t>2025/10/13</a:t>
+              <a:t>2025/10/15</a:t>
             </a:fld>
             <a:endParaRPr lang="zh-CN" altLang="en-US"/>
           </a:p>
@@ -4669,7 +4674,7 @@
           <a:p>
             <a:fld id="{5D316963-EF35-41F4-B235-3A3F02295E84}" type="datetimeFigureOut">
               <a:rPr lang="zh-CN" altLang="en-US" smtClean="0"/>
-              <a:t>2025/10/13</a:t>
+              <a:t>2025/10/15</a:t>
             </a:fld>
             <a:endParaRPr lang="zh-CN" altLang="en-US"/>
           </a:p>
@@ -4957,7 +4962,7 @@
           <a:p>
             <a:fld id="{5D316963-EF35-41F4-B235-3A3F02295E84}" type="datetimeFigureOut">
               <a:rPr lang="zh-CN" altLang="en-US" smtClean="0"/>
-              <a:t>2025/10/13</a:t>
+              <a:t>2025/10/15</a:t>
             </a:fld>
             <a:endParaRPr lang="zh-CN" altLang="en-US"/>
           </a:p>
@@ -5198,7 +5203,7 @@
           <a:p>
             <a:fld id="{5D316963-EF35-41F4-B235-3A3F02295E84}" type="datetimeFigureOut">
               <a:rPr lang="zh-CN" altLang="en-US" smtClean="0"/>
-              <a:t>2025/10/13</a:t>
+              <a:t>2025/10/15</a:t>
             </a:fld>
             <a:endParaRPr lang="zh-CN" altLang="en-US"/>
           </a:p>
@@ -12241,7 +12246,7 @@
 </file>
 
 <file path=ppt/slides/slide2.xml><?xml version="1.0" encoding="utf-8"?>
-<p:sld xmlns:a="http://schemas.openxmlformats.org/drawingml/2006/main" xmlns:r="http://schemas.openxmlformats.org/officeDocument/2006/relationships" xmlns:p="http://schemas.openxmlformats.org/presentationml/2006/main">
+<p:sld xmlns:a="http://schemas.openxmlformats.org/drawingml/2006/main" xmlns:r="http://schemas.openxmlformats.org/officeDocument/2006/relationships" xmlns:p="http://schemas.openxmlformats.org/presentationml/2006/main" show="0">
   <p:cSld>
     <p:spTree>
       <p:nvGrpSpPr>
@@ -26842,7 +26847,7 @@
 </p:sld>
 </file>
 
-<file path=ppt/slides/slide5.xml><?xml version="1.0" encoding="utf-8"?>
+<file path=ppt/slides/slide43.xml><?xml version="1.0" encoding="utf-8"?>
 <p:sld xmlns:a="http://schemas.openxmlformats.org/drawingml/2006/main" xmlns:r="http://schemas.openxmlformats.org/officeDocument/2006/relationships" xmlns:p="http://schemas.openxmlformats.org/presentationml/2006/main">
   <p:cSld>
     <p:spTree>
@@ -26861,1461 +26866,4327 @@
       </p:grpSpPr>
       <p:sp>
         <p:nvSpPr>
-          <p:cNvPr id="2" name="标题 1">
+          <p:cNvPr id="5" name="文本框 4">
             <a:extLst>
               <a:ext uri="{FF2B5EF4-FFF2-40B4-BE49-F238E27FC236}">
-                <a16:creationId xmlns:a16="http://schemas.microsoft.com/office/drawing/2014/main" id="{15CBDA7C-D0D4-6498-D390-4B4992C565BC}"/>
+                <a16:creationId xmlns:a16="http://schemas.microsoft.com/office/drawing/2014/main" id="{33861344-6BEB-24A0-C0A2-B566CC751545}"/>
               </a:ext>
             </a:extLst>
           </p:cNvPr>
-          <p:cNvSpPr>
-            <a:spLocks noGrp="1"/>
-          </p:cNvSpPr>
-          <p:nvPr>
-            <p:ph type="title"/>
-          </p:nvPr>
+          <p:cNvSpPr txBox="1"/>
+          <p:nvPr/>
         </p:nvSpPr>
-        <p:spPr/>
+        <p:spPr>
+          <a:xfrm>
+            <a:off x="124097" y="600891"/>
+            <a:ext cx="5971903" cy="2031325"/>
+          </a:xfrm>
+          <a:prstGeom prst="rect">
+            <a:avLst/>
+          </a:prstGeom>
+          <a:noFill/>
+          <a:ln w="12700">
+            <a:solidFill>
+              <a:schemeClr val="accent1"/>
+            </a:solidFill>
+          </a:ln>
+        </p:spPr>
         <p:txBody>
-          <a:bodyPr/>
+          <a:bodyPr wrap="square">
+            <a:spAutoFit/>
+          </a:bodyPr>
           <a:lstStyle/>
           <a:p>
             <a:r>
-              <a:rPr lang="en-US" altLang="zh-CN"/>
-              <a:t>R5F</a:t>
-            </a:r>
-            <a:endParaRPr lang="zh-CN" altLang="en-US"/>
+              <a:rPr lang="zh-CN" altLang="en-US" sz="1400">
+                <a:latin typeface="Consolas" panose="020B0609020204030204" pitchFamily="49" charset="0"/>
+                <a:ea typeface="+mj-ea"/>
+                <a:cs typeface="+mj-cs"/>
+              </a:rPr>
+              <a:t>Predicting runtime for AES on R5</a:t>
+            </a:r>
+          </a:p>
+          <a:p>
+            <a:r>
+              <a:rPr lang="zh-CN" altLang="en-US" sz="1400">
+                <a:latin typeface="Consolas" panose="020B0609020204030204" pitchFamily="49" charset="0"/>
+                <a:ea typeface="+mj-ea"/>
+                <a:cs typeface="+mj-cs"/>
+              </a:rPr>
+              <a:t>Test size: 0.3, Lower bound: 0</a:t>
+            </a:r>
+          </a:p>
+          <a:p>
+            <a:r>
+              <a:rPr lang="zh-CN" altLang="en-US" sz="1400">
+                <a:latin typeface="Consolas" panose="020B0609020204030204" pitchFamily="49" charset="0"/>
+                <a:ea typeface="+mj-ea"/>
+                <a:cs typeface="+mj-cs"/>
+              </a:rPr>
+              <a:t>Method: curve_fit</a:t>
+            </a:r>
+          </a:p>
+          <a:p>
+            <a:endParaRPr lang="zh-CN" altLang="en-US" sz="1400">
+              <a:latin typeface="Consolas" panose="020B0609020204030204" pitchFamily="49" charset="0"/>
+              <a:ea typeface="+mj-ea"/>
+              <a:cs typeface="+mj-cs"/>
+            </a:endParaRPr>
+          </a:p>
+          <a:p>
+            <a:r>
+              <a:rPr lang="zh-CN" altLang="en-US" sz="1400">
+                <a:latin typeface="Consolas" panose="020B0609020204030204" pitchFamily="49" charset="0"/>
+                <a:ea typeface="+mj-ea"/>
+                <a:cs typeface="+mj-cs"/>
+              </a:rPr>
+              <a:t>MAPE: 0.0177 ± 0.0123 (优秀)</a:t>
+            </a:r>
+          </a:p>
+          <a:p>
+            <a:r>
+              <a:rPr lang="zh-CN" altLang="en-US" sz="1400">
+                <a:latin typeface="Consolas" panose="020B0609020204030204" pitchFamily="49" charset="0"/>
+                <a:ea typeface="+mj-ea"/>
+                <a:cs typeface="+mj-cs"/>
+              </a:rPr>
+              <a:t>R2:   0.9999 ± 0.0002</a:t>
+            </a:r>
+          </a:p>
+          <a:p>
+            <a:r>
+              <a:rPr lang="zh-CN" altLang="en-US" sz="1400">
+                <a:latin typeface="Consolas" panose="020B0609020204030204" pitchFamily="49" charset="0"/>
+                <a:ea typeface="+mj-ea"/>
+                <a:cs typeface="+mj-cs"/>
+              </a:rPr>
+              <a:t>RMSE: 0.0000 ± 0.0000 (s)</a:t>
+            </a:r>
+          </a:p>
+          <a:p>
+            <a:r>
+              <a:rPr lang="zh-CN" altLang="en-US" sz="1400">
+                <a:latin typeface="Consolas" panose="020B0609020204030204" pitchFamily="49" charset="0"/>
+                <a:ea typeface="+mj-ea"/>
+                <a:cs typeface="+mj-cs"/>
+              </a:rPr>
+              <a:t>RMSE%_mean: 0.56% ± 0.27% (优秀)</a:t>
+            </a:r>
+          </a:p>
+          <a:p>
+            <a:r>
+              <a:rPr lang="zh-CN" altLang="en-US" sz="1400">
+                <a:latin typeface="Consolas" panose="020B0609020204030204" pitchFamily="49" charset="0"/>
+                <a:ea typeface="+mj-ea"/>
+                <a:cs typeface="+mj-cs"/>
+              </a:rPr>
+              <a:t>RMSE%_range: 0.31% ± 0.25% (优秀)</a:t>
+            </a:r>
           </a:p>
         </p:txBody>
       </p:sp>
-      <p:graphicFrame>
-        <p:nvGraphicFramePr>
-          <p:cNvPr id="10" name="表格 9">
+      <p:sp>
+        <p:nvSpPr>
+          <p:cNvPr id="6" name="标题 1">
             <a:extLst>
               <a:ext uri="{FF2B5EF4-FFF2-40B4-BE49-F238E27FC236}">
-                <a16:creationId xmlns:a16="http://schemas.microsoft.com/office/drawing/2014/main" id="{48704BF6-C5C8-616A-31A9-ACC58358B46C}"/>
+                <a16:creationId xmlns:a16="http://schemas.microsoft.com/office/drawing/2014/main" id="{8737E85B-2E06-B0D9-7494-BFEACD1D4AAD}"/>
               </a:ext>
             </a:extLst>
           </p:cNvPr>
-          <p:cNvGraphicFramePr>
-            <a:graphicFrameLocks noGrp="1"/>
-          </p:cNvGraphicFramePr>
+          <p:cNvSpPr txBox="1">
+            <a:spLocks/>
+          </p:cNvSpPr>
+          <p:nvPr/>
+        </p:nvSpPr>
+        <p:spPr>
+          <a:xfrm>
+            <a:off x="124097" y="143056"/>
+            <a:ext cx="6950697" cy="457835"/>
+          </a:xfrm>
+          <a:prstGeom prst="rect">
+            <a:avLst/>
+          </a:prstGeom>
+        </p:spPr>
+        <p:txBody>
+          <a:bodyPr vert="horz" lIns="91440" tIns="45720" rIns="91440" bIns="45720" rtlCol="0" anchor="ctr">
+            <a:normAutofit fontScale="97500" lnSpcReduction="10000"/>
+          </a:bodyPr>
+          <a:lstStyle>
+            <a:lvl1pPr algn="l" defTabSz="914400" rtl="0" eaLnBrk="1" latinLnBrk="0" hangingPunct="1">
+              <a:lnSpc>
+                <a:spcPct val="90000"/>
+              </a:lnSpc>
+              <a:spcBef>
+                <a:spcPct val="0"/>
+              </a:spcBef>
+              <a:buNone/>
+              <a:defRPr sz="4400" kern="1200">
+                <a:solidFill>
+                  <a:schemeClr val="tx1"/>
+                </a:solidFill>
+                <a:latin typeface="+mj-lt"/>
+                <a:ea typeface="+mj-ea"/>
+                <a:cs typeface="+mj-cs"/>
+              </a:defRPr>
+            </a:lvl1pPr>
+          </a:lstStyle>
+          <a:p>
+            <a:r>
+              <a:rPr lang="en-US" altLang="zh-CN" sz="2800" b="1"/>
+              <a:t>AES</a:t>
+            </a:r>
+            <a:endParaRPr lang="zh-CN" altLang="en-US" sz="2800" b="1" dirty="0"/>
+          </a:p>
+        </p:txBody>
+      </p:sp>
+      <p:sp>
+        <p:nvSpPr>
+          <p:cNvPr id="7" name="文本框 6">
+            <a:extLst>
+              <a:ext uri="{FF2B5EF4-FFF2-40B4-BE49-F238E27FC236}">
+                <a16:creationId xmlns:a16="http://schemas.microsoft.com/office/drawing/2014/main" id="{B5F68D51-A807-8672-C678-7BC613E439FD}"/>
+              </a:ext>
+            </a:extLst>
+          </p:cNvPr>
+          <p:cNvSpPr txBox="1"/>
+          <p:nvPr/>
+        </p:nvSpPr>
+        <p:spPr>
+          <a:xfrm>
+            <a:off x="6096000" y="600891"/>
+            <a:ext cx="5971903" cy="2031325"/>
+          </a:xfrm>
+          <a:prstGeom prst="rect">
+            <a:avLst/>
+          </a:prstGeom>
+          <a:noFill/>
+          <a:ln w="12700">
+            <a:solidFill>
+              <a:schemeClr val="accent1"/>
+            </a:solidFill>
+          </a:ln>
+        </p:spPr>
+        <p:txBody>
+          <a:bodyPr wrap="square">
+            <a:spAutoFit/>
+          </a:bodyPr>
+          <a:lstStyle/>
+          <a:p>
+            <a:r>
+              <a:rPr lang="en-US" altLang="zh-CN" sz="1400">
+                <a:latin typeface="Consolas" panose="020B0609020204030204" pitchFamily="49" charset="0"/>
+                <a:ea typeface="+mj-ea"/>
+                <a:cs typeface="+mj-cs"/>
+              </a:rPr>
+              <a:t>Predicting runtime for AES on R5</a:t>
+            </a:r>
+          </a:p>
+          <a:p>
+            <a:r>
+              <a:rPr lang="en-US" altLang="zh-CN" sz="1400">
+                <a:latin typeface="Consolas" panose="020B0609020204030204" pitchFamily="49" charset="0"/>
+                <a:ea typeface="+mj-ea"/>
+                <a:cs typeface="+mj-cs"/>
+              </a:rPr>
+              <a:t>Test size: 0.3, Lower bound: 0</a:t>
+            </a:r>
+          </a:p>
+          <a:p>
+            <a:r>
+              <a:rPr lang="en-US" altLang="zh-CN" sz="1400">
+                <a:latin typeface="Consolas" panose="020B0609020204030204" pitchFamily="49" charset="0"/>
+                <a:ea typeface="+mj-ea"/>
+                <a:cs typeface="+mj-cs"/>
+              </a:rPr>
+              <a:t>Method: hybrid</a:t>
+            </a:r>
+          </a:p>
+          <a:p>
+            <a:endParaRPr lang="en-US" altLang="zh-CN" sz="1400">
+              <a:latin typeface="Consolas" panose="020B0609020204030204" pitchFamily="49" charset="0"/>
+              <a:ea typeface="+mj-ea"/>
+              <a:cs typeface="+mj-cs"/>
+            </a:endParaRPr>
+          </a:p>
+          <a:p>
+            <a:r>
+              <a:rPr lang="en-US" altLang="zh-CN" sz="1400">
+                <a:latin typeface="Consolas" panose="020B0609020204030204" pitchFamily="49" charset="0"/>
+                <a:ea typeface="+mj-ea"/>
+                <a:cs typeface="+mj-cs"/>
+              </a:rPr>
+              <a:t>MAPE: 0.0196 ± 0.0120 (</a:t>
+            </a:r>
+            <a:r>
+              <a:rPr lang="zh-CN" altLang="en-US" sz="1400">
+                <a:latin typeface="Consolas" panose="020B0609020204030204" pitchFamily="49" charset="0"/>
+                <a:ea typeface="+mj-ea"/>
+                <a:cs typeface="+mj-cs"/>
+              </a:rPr>
+              <a:t>优秀</a:t>
+            </a:r>
+            <a:r>
+              <a:rPr lang="en-US" altLang="zh-CN" sz="1400">
+                <a:latin typeface="Consolas" panose="020B0609020204030204" pitchFamily="49" charset="0"/>
+                <a:ea typeface="+mj-ea"/>
+                <a:cs typeface="+mj-cs"/>
+              </a:rPr>
+              <a:t>)</a:t>
+            </a:r>
+          </a:p>
+          <a:p>
+            <a:r>
+              <a:rPr lang="en-US" altLang="zh-CN" sz="1400">
+                <a:latin typeface="Consolas" panose="020B0609020204030204" pitchFamily="49" charset="0"/>
+                <a:ea typeface="+mj-ea"/>
+                <a:cs typeface="+mj-cs"/>
+              </a:rPr>
+              <a:t>R2:   0.9999 ± 0.0002</a:t>
+            </a:r>
+          </a:p>
+          <a:p>
+            <a:r>
+              <a:rPr lang="en-US" altLang="zh-CN" sz="1400">
+                <a:latin typeface="Consolas" panose="020B0609020204030204" pitchFamily="49" charset="0"/>
+                <a:ea typeface="+mj-ea"/>
+                <a:cs typeface="+mj-cs"/>
+              </a:rPr>
+              <a:t>RMSE: 0.0000 ± 0.0000 (s)</a:t>
+            </a:r>
+          </a:p>
+          <a:p>
+            <a:r>
+              <a:rPr lang="en-US" altLang="zh-CN" sz="1400">
+                <a:latin typeface="Consolas" panose="020B0609020204030204" pitchFamily="49" charset="0"/>
+                <a:ea typeface="+mj-ea"/>
+                <a:cs typeface="+mj-cs"/>
+              </a:rPr>
+              <a:t>RMSE%_mean: 0.58% ± 0.26% (</a:t>
+            </a:r>
+            <a:r>
+              <a:rPr lang="zh-CN" altLang="en-US" sz="1400">
+                <a:latin typeface="Consolas" panose="020B0609020204030204" pitchFamily="49" charset="0"/>
+                <a:ea typeface="+mj-ea"/>
+                <a:cs typeface="+mj-cs"/>
+              </a:rPr>
+              <a:t>优秀</a:t>
+            </a:r>
+            <a:r>
+              <a:rPr lang="en-US" altLang="zh-CN" sz="1400">
+                <a:latin typeface="Consolas" panose="020B0609020204030204" pitchFamily="49" charset="0"/>
+                <a:ea typeface="+mj-ea"/>
+                <a:cs typeface="+mj-cs"/>
+              </a:rPr>
+              <a:t>)</a:t>
+            </a:r>
+          </a:p>
+          <a:p>
+            <a:r>
+              <a:rPr lang="en-US" altLang="zh-CN" sz="1400">
+                <a:latin typeface="Consolas" panose="020B0609020204030204" pitchFamily="49" charset="0"/>
+                <a:ea typeface="+mj-ea"/>
+                <a:cs typeface="+mj-cs"/>
+              </a:rPr>
+              <a:t>RMSE%_range: 0.33% ± 0.25% (</a:t>
+            </a:r>
+            <a:r>
+              <a:rPr lang="zh-CN" altLang="en-US" sz="1400">
+                <a:latin typeface="Consolas" panose="020B0609020204030204" pitchFamily="49" charset="0"/>
+                <a:ea typeface="+mj-ea"/>
+                <a:cs typeface="+mj-cs"/>
+              </a:rPr>
+              <a:t>优秀</a:t>
+            </a:r>
+            <a:r>
+              <a:rPr lang="en-US" altLang="zh-CN" sz="1400">
+                <a:latin typeface="Consolas" panose="020B0609020204030204" pitchFamily="49" charset="0"/>
+                <a:ea typeface="+mj-ea"/>
+                <a:cs typeface="+mj-cs"/>
+              </a:rPr>
+              <a:t>)</a:t>
+            </a:r>
+            <a:endParaRPr lang="zh-CN" altLang="en-US" sz="1400">
+              <a:latin typeface="Consolas" panose="020B0609020204030204" pitchFamily="49" charset="0"/>
+              <a:ea typeface="+mj-ea"/>
+              <a:cs typeface="+mj-cs"/>
+            </a:endParaRPr>
+          </a:p>
+        </p:txBody>
+      </p:sp>
+      <p:sp>
+        <p:nvSpPr>
+          <p:cNvPr id="8" name="文本框 7">
+            <a:extLst>
+              <a:ext uri="{FF2B5EF4-FFF2-40B4-BE49-F238E27FC236}">
+                <a16:creationId xmlns:a16="http://schemas.microsoft.com/office/drawing/2014/main" id="{625B5F24-AFF4-91E8-1D0D-819A406AA9D7}"/>
+              </a:ext>
+            </a:extLst>
+          </p:cNvPr>
+          <p:cNvSpPr txBox="1"/>
+          <p:nvPr/>
+        </p:nvSpPr>
+        <p:spPr>
+          <a:xfrm>
+            <a:off x="124095" y="2632216"/>
+            <a:ext cx="5971903" cy="2031325"/>
+          </a:xfrm>
+          <a:prstGeom prst="rect">
+            <a:avLst/>
+          </a:prstGeom>
+          <a:noFill/>
+          <a:ln w="12700">
+            <a:solidFill>
+              <a:schemeClr val="accent1"/>
+            </a:solidFill>
+          </a:ln>
+        </p:spPr>
+        <p:txBody>
+          <a:bodyPr wrap="square">
+            <a:spAutoFit/>
+          </a:bodyPr>
+          <a:lstStyle/>
+          <a:p>
+            <a:r>
+              <a:rPr lang="zh-CN" altLang="en-US" sz="1400">
+                <a:latin typeface="Consolas" panose="020B0609020204030204" pitchFamily="49" charset="0"/>
+                <a:ea typeface="+mj-ea"/>
+                <a:cs typeface="+mj-cs"/>
+              </a:rPr>
+              <a:t>Predicting runtime for AES on </a:t>
+            </a:r>
+            <a:r>
+              <a:rPr lang="en-US" altLang="zh-CN" sz="1400">
+                <a:latin typeface="Consolas" panose="020B0609020204030204" pitchFamily="49" charset="0"/>
+                <a:ea typeface="+mj-ea"/>
+                <a:cs typeface="+mj-cs"/>
+              </a:rPr>
+              <a:t>A72</a:t>
+            </a:r>
+            <a:endParaRPr lang="zh-CN" altLang="en-US" sz="1400">
+              <a:latin typeface="Consolas" panose="020B0609020204030204" pitchFamily="49" charset="0"/>
+              <a:ea typeface="+mj-ea"/>
+              <a:cs typeface="+mj-cs"/>
+            </a:endParaRPr>
+          </a:p>
+          <a:p>
+            <a:r>
+              <a:rPr lang="zh-CN" altLang="en-US" sz="1400">
+                <a:latin typeface="Consolas" panose="020B0609020204030204" pitchFamily="49" charset="0"/>
+                <a:ea typeface="+mj-ea"/>
+                <a:cs typeface="+mj-cs"/>
+              </a:rPr>
+              <a:t>Test size: 0.3, Lower bound: 0</a:t>
+            </a:r>
+          </a:p>
+          <a:p>
+            <a:r>
+              <a:rPr lang="zh-CN" altLang="en-US" sz="1400">
+                <a:latin typeface="Consolas" panose="020B0609020204030204" pitchFamily="49" charset="0"/>
+                <a:ea typeface="+mj-ea"/>
+                <a:cs typeface="+mj-cs"/>
+              </a:rPr>
+              <a:t>Method: curve_fit</a:t>
+            </a:r>
+          </a:p>
+          <a:p>
+            <a:endParaRPr lang="zh-CN" altLang="en-US" sz="1400">
+              <a:latin typeface="Consolas" panose="020B0609020204030204" pitchFamily="49" charset="0"/>
+              <a:ea typeface="+mj-ea"/>
+              <a:cs typeface="+mj-cs"/>
+            </a:endParaRPr>
+          </a:p>
+          <a:p>
+            <a:r>
+              <a:rPr lang="en-US" altLang="zh-CN" sz="1400">
+                <a:latin typeface="Consolas" panose="020B0609020204030204" pitchFamily="49" charset="0"/>
+                <a:ea typeface="+mj-ea"/>
+                <a:cs typeface="+mj-cs"/>
+              </a:rPr>
+              <a:t>MAPE: 0.0248 ± 0.0300 (</a:t>
+            </a:r>
+            <a:r>
+              <a:rPr lang="zh-CN" altLang="en-US" sz="1400">
+                <a:latin typeface="Consolas" panose="020B0609020204030204" pitchFamily="49" charset="0"/>
+                <a:ea typeface="+mj-ea"/>
+                <a:cs typeface="+mj-cs"/>
+              </a:rPr>
+              <a:t>优秀</a:t>
+            </a:r>
+            <a:r>
+              <a:rPr lang="en-US" altLang="zh-CN" sz="1400">
+                <a:latin typeface="Consolas" panose="020B0609020204030204" pitchFamily="49" charset="0"/>
+                <a:ea typeface="+mj-ea"/>
+                <a:cs typeface="+mj-cs"/>
+              </a:rPr>
+              <a:t>)</a:t>
+            </a:r>
+          </a:p>
+          <a:p>
+            <a:r>
+              <a:rPr lang="en-US" altLang="zh-CN" sz="1400">
+                <a:latin typeface="Consolas" panose="020B0609020204030204" pitchFamily="49" charset="0"/>
+                <a:ea typeface="+mj-ea"/>
+                <a:cs typeface="+mj-cs"/>
+              </a:rPr>
+              <a:t>R2:   1.0000 ± 0.0000</a:t>
+            </a:r>
+          </a:p>
+          <a:p>
+            <a:r>
+              <a:rPr lang="en-US" altLang="zh-CN" sz="1400">
+                <a:latin typeface="Consolas" panose="020B0609020204030204" pitchFamily="49" charset="0"/>
+                <a:ea typeface="+mj-ea"/>
+                <a:cs typeface="+mj-cs"/>
+              </a:rPr>
+              <a:t>RMSE: 0.0005 ± 0.0004 (s)</a:t>
+            </a:r>
+          </a:p>
+          <a:p>
+            <a:r>
+              <a:rPr lang="en-US" altLang="zh-CN" sz="1400">
+                <a:latin typeface="Consolas" panose="020B0609020204030204" pitchFamily="49" charset="0"/>
+                <a:ea typeface="+mj-ea"/>
+                <a:cs typeface="+mj-cs"/>
+              </a:rPr>
+              <a:t>RMSE%_mean: 0.18% ± 0.06% (</a:t>
+            </a:r>
+            <a:r>
+              <a:rPr lang="zh-CN" altLang="en-US" sz="1400">
+                <a:latin typeface="Consolas" panose="020B0609020204030204" pitchFamily="49" charset="0"/>
+                <a:ea typeface="+mj-ea"/>
+                <a:cs typeface="+mj-cs"/>
+              </a:rPr>
+              <a:t>优秀</a:t>
+            </a:r>
+            <a:r>
+              <a:rPr lang="en-US" altLang="zh-CN" sz="1400">
+                <a:latin typeface="Consolas" panose="020B0609020204030204" pitchFamily="49" charset="0"/>
+                <a:ea typeface="+mj-ea"/>
+                <a:cs typeface="+mj-cs"/>
+              </a:rPr>
+              <a:t>)</a:t>
+            </a:r>
+          </a:p>
+          <a:p>
+            <a:r>
+              <a:rPr lang="en-US" altLang="zh-CN" sz="1400">
+                <a:latin typeface="Consolas" panose="020B0609020204030204" pitchFamily="49" charset="0"/>
+                <a:ea typeface="+mj-ea"/>
+                <a:cs typeface="+mj-cs"/>
+              </a:rPr>
+              <a:t>RMSE%_range: 0.05% ± 0.02% (</a:t>
+            </a:r>
+            <a:r>
+              <a:rPr lang="zh-CN" altLang="en-US" sz="1400">
+                <a:latin typeface="Consolas" panose="020B0609020204030204" pitchFamily="49" charset="0"/>
+                <a:ea typeface="+mj-ea"/>
+                <a:cs typeface="+mj-cs"/>
+              </a:rPr>
+              <a:t>优秀</a:t>
+            </a:r>
+            <a:r>
+              <a:rPr lang="en-US" altLang="zh-CN" sz="1400">
+                <a:latin typeface="Consolas" panose="020B0609020204030204" pitchFamily="49" charset="0"/>
+                <a:ea typeface="+mj-ea"/>
+                <a:cs typeface="+mj-cs"/>
+              </a:rPr>
+              <a:t>)</a:t>
+            </a:r>
+            <a:endParaRPr lang="zh-CN" altLang="en-US" sz="1400">
+              <a:latin typeface="Consolas" panose="020B0609020204030204" pitchFamily="49" charset="0"/>
+              <a:ea typeface="+mj-ea"/>
+              <a:cs typeface="+mj-cs"/>
+            </a:endParaRPr>
+          </a:p>
+        </p:txBody>
+      </p:sp>
+      <p:sp>
+        <p:nvSpPr>
+          <p:cNvPr id="9" name="文本框 8">
+            <a:extLst>
+              <a:ext uri="{FF2B5EF4-FFF2-40B4-BE49-F238E27FC236}">
+                <a16:creationId xmlns:a16="http://schemas.microsoft.com/office/drawing/2014/main" id="{844E40A6-673F-D7C0-0B27-61F066E1AB6B}"/>
+              </a:ext>
+            </a:extLst>
+          </p:cNvPr>
+          <p:cNvSpPr txBox="1"/>
+          <p:nvPr/>
+        </p:nvSpPr>
+        <p:spPr>
+          <a:xfrm>
+            <a:off x="124095" y="4663541"/>
+            <a:ext cx="5971903" cy="2031325"/>
+          </a:xfrm>
+          <a:prstGeom prst="rect">
+            <a:avLst/>
+          </a:prstGeom>
+          <a:noFill/>
+          <a:ln w="12700">
+            <a:solidFill>
+              <a:schemeClr val="accent1"/>
+            </a:solidFill>
+          </a:ln>
+        </p:spPr>
+        <p:txBody>
+          <a:bodyPr wrap="square">
+            <a:spAutoFit/>
+          </a:bodyPr>
+          <a:lstStyle/>
+          <a:p>
+            <a:r>
+              <a:rPr lang="en-US" altLang="zh-CN" sz="1400">
+                <a:latin typeface="Consolas" panose="020B0609020204030204" pitchFamily="49" charset="0"/>
+                <a:ea typeface="+mj-ea"/>
+                <a:cs typeface="+mj-cs"/>
+              </a:rPr>
+              <a:t>Predicting runtime for AES on M7</a:t>
+            </a:r>
+          </a:p>
+          <a:p>
+            <a:r>
+              <a:rPr lang="en-US" altLang="zh-CN" sz="1400">
+                <a:latin typeface="Consolas" panose="020B0609020204030204" pitchFamily="49" charset="0"/>
+                <a:ea typeface="+mj-ea"/>
+                <a:cs typeface="+mj-cs"/>
+              </a:rPr>
+              <a:t>Test size: 0.3, Lower bound: 0</a:t>
+            </a:r>
+          </a:p>
+          <a:p>
+            <a:r>
+              <a:rPr lang="en-US" altLang="zh-CN" sz="1400">
+                <a:latin typeface="Consolas" panose="020B0609020204030204" pitchFamily="49" charset="0"/>
+                <a:ea typeface="+mj-ea"/>
+                <a:cs typeface="+mj-cs"/>
+              </a:rPr>
+              <a:t>Method: curve_fit</a:t>
+            </a:r>
+          </a:p>
+          <a:p>
+            <a:endParaRPr lang="en-US" altLang="zh-CN" sz="1400">
+              <a:latin typeface="Consolas" panose="020B0609020204030204" pitchFamily="49" charset="0"/>
+              <a:ea typeface="+mj-ea"/>
+              <a:cs typeface="+mj-cs"/>
+            </a:endParaRPr>
+          </a:p>
+          <a:p>
+            <a:r>
+              <a:rPr lang="en-US" altLang="zh-CN" sz="1400">
+                <a:latin typeface="Consolas" panose="020B0609020204030204" pitchFamily="49" charset="0"/>
+                <a:ea typeface="+mj-ea"/>
+                <a:cs typeface="+mj-cs"/>
+              </a:rPr>
+              <a:t>MAPE: 0.0248 ± 0.0300 (</a:t>
+            </a:r>
+            <a:r>
+              <a:rPr lang="zh-CN" altLang="en-US" sz="1400">
+                <a:latin typeface="Consolas" panose="020B0609020204030204" pitchFamily="49" charset="0"/>
+                <a:ea typeface="+mj-ea"/>
+                <a:cs typeface="+mj-cs"/>
+              </a:rPr>
+              <a:t>优秀</a:t>
+            </a:r>
+            <a:r>
+              <a:rPr lang="en-US" altLang="zh-CN" sz="1400">
+                <a:latin typeface="Consolas" panose="020B0609020204030204" pitchFamily="49" charset="0"/>
+                <a:ea typeface="+mj-ea"/>
+                <a:cs typeface="+mj-cs"/>
+              </a:rPr>
+              <a:t>)</a:t>
+            </a:r>
+          </a:p>
+          <a:p>
+            <a:r>
+              <a:rPr lang="en-US" altLang="zh-CN" sz="1400">
+                <a:latin typeface="Consolas" panose="020B0609020204030204" pitchFamily="49" charset="0"/>
+                <a:ea typeface="+mj-ea"/>
+                <a:cs typeface="+mj-cs"/>
+              </a:rPr>
+              <a:t>R2:   1.0000 ± 0.0000</a:t>
+            </a:r>
+          </a:p>
+          <a:p>
+            <a:r>
+              <a:rPr lang="en-US" altLang="zh-CN" sz="1400">
+                <a:latin typeface="Consolas" panose="020B0609020204030204" pitchFamily="49" charset="0"/>
+                <a:ea typeface="+mj-ea"/>
+                <a:cs typeface="+mj-cs"/>
+              </a:rPr>
+              <a:t>RMSE: 0.0005 ± 0.0004 (s)</a:t>
+            </a:r>
+          </a:p>
+          <a:p>
+            <a:r>
+              <a:rPr lang="en-US" altLang="zh-CN" sz="1400">
+                <a:latin typeface="Consolas" panose="020B0609020204030204" pitchFamily="49" charset="0"/>
+                <a:ea typeface="+mj-ea"/>
+                <a:cs typeface="+mj-cs"/>
+              </a:rPr>
+              <a:t>RMSE%_mean: 0.18% ± 0.06% (</a:t>
+            </a:r>
+            <a:r>
+              <a:rPr lang="zh-CN" altLang="en-US" sz="1400">
+                <a:latin typeface="Consolas" panose="020B0609020204030204" pitchFamily="49" charset="0"/>
+                <a:ea typeface="+mj-ea"/>
+                <a:cs typeface="+mj-cs"/>
+              </a:rPr>
+              <a:t>优秀</a:t>
+            </a:r>
+            <a:r>
+              <a:rPr lang="en-US" altLang="zh-CN" sz="1400">
+                <a:latin typeface="Consolas" panose="020B0609020204030204" pitchFamily="49" charset="0"/>
+                <a:ea typeface="+mj-ea"/>
+                <a:cs typeface="+mj-cs"/>
+              </a:rPr>
+              <a:t>)</a:t>
+            </a:r>
+          </a:p>
+          <a:p>
+            <a:r>
+              <a:rPr lang="en-US" altLang="zh-CN" sz="1400">
+                <a:latin typeface="Consolas" panose="020B0609020204030204" pitchFamily="49" charset="0"/>
+                <a:ea typeface="+mj-ea"/>
+                <a:cs typeface="+mj-cs"/>
+              </a:rPr>
+              <a:t>RMSE%_range: 0.05% ± 0.02% (</a:t>
+            </a:r>
+            <a:r>
+              <a:rPr lang="zh-CN" altLang="en-US" sz="1400">
+                <a:latin typeface="Consolas" panose="020B0609020204030204" pitchFamily="49" charset="0"/>
+                <a:ea typeface="+mj-ea"/>
+                <a:cs typeface="+mj-cs"/>
+              </a:rPr>
+              <a:t>优秀</a:t>
+            </a:r>
+            <a:r>
+              <a:rPr lang="en-US" altLang="zh-CN" sz="1400">
+                <a:latin typeface="Consolas" panose="020B0609020204030204" pitchFamily="49" charset="0"/>
+                <a:ea typeface="+mj-ea"/>
+                <a:cs typeface="+mj-cs"/>
+              </a:rPr>
+              <a:t>)</a:t>
+            </a:r>
+            <a:endParaRPr lang="zh-CN" altLang="en-US" sz="1400">
+              <a:latin typeface="Consolas" panose="020B0609020204030204" pitchFamily="49" charset="0"/>
+              <a:ea typeface="+mj-ea"/>
+              <a:cs typeface="+mj-cs"/>
+            </a:endParaRPr>
+          </a:p>
+        </p:txBody>
+      </p:sp>
+      <p:sp>
+        <p:nvSpPr>
+          <p:cNvPr id="10" name="文本框 9">
+            <a:extLst>
+              <a:ext uri="{FF2B5EF4-FFF2-40B4-BE49-F238E27FC236}">
+                <a16:creationId xmlns:a16="http://schemas.microsoft.com/office/drawing/2014/main" id="{8853DAD2-148B-4905-7E5F-B2EDCA329E92}"/>
+              </a:ext>
+            </a:extLst>
+          </p:cNvPr>
+          <p:cNvSpPr txBox="1"/>
+          <p:nvPr/>
+        </p:nvSpPr>
+        <p:spPr>
+          <a:xfrm>
+            <a:off x="6095999" y="2632216"/>
+            <a:ext cx="5971903" cy="2031325"/>
+          </a:xfrm>
+          <a:prstGeom prst="rect">
+            <a:avLst/>
+          </a:prstGeom>
+          <a:noFill/>
+          <a:ln w="12700">
+            <a:solidFill>
+              <a:schemeClr val="accent1"/>
+            </a:solidFill>
+          </a:ln>
+        </p:spPr>
+        <p:txBody>
+          <a:bodyPr wrap="square">
+            <a:spAutoFit/>
+          </a:bodyPr>
+          <a:lstStyle/>
+          <a:p>
+            <a:r>
+              <a:rPr lang="en-US" altLang="zh-CN" sz="1400">
+                <a:latin typeface="Consolas" panose="020B0609020204030204" pitchFamily="49" charset="0"/>
+                <a:ea typeface="+mj-ea"/>
+                <a:cs typeface="+mj-cs"/>
+              </a:rPr>
+              <a:t>Predicting runtime for AES on A72</a:t>
+            </a:r>
+          </a:p>
+          <a:p>
+            <a:r>
+              <a:rPr lang="en-US" altLang="zh-CN" sz="1400">
+                <a:latin typeface="Consolas" panose="020B0609020204030204" pitchFamily="49" charset="0"/>
+                <a:ea typeface="+mj-ea"/>
+                <a:cs typeface="+mj-cs"/>
+              </a:rPr>
+              <a:t>Test size: 0.3, Lower bound: 0</a:t>
+            </a:r>
+          </a:p>
+          <a:p>
+            <a:r>
+              <a:rPr lang="en-US" altLang="zh-CN" sz="1400">
+                <a:latin typeface="Consolas" panose="020B0609020204030204" pitchFamily="49" charset="0"/>
+                <a:ea typeface="+mj-ea"/>
+                <a:cs typeface="+mj-cs"/>
+              </a:rPr>
+              <a:t>Method: hybrid</a:t>
+            </a:r>
+          </a:p>
+          <a:p>
+            <a:endParaRPr lang="en-US" altLang="zh-CN" sz="1400">
+              <a:latin typeface="Consolas" panose="020B0609020204030204" pitchFamily="49" charset="0"/>
+              <a:ea typeface="+mj-ea"/>
+              <a:cs typeface="+mj-cs"/>
+            </a:endParaRPr>
+          </a:p>
+          <a:p>
+            <a:r>
+              <a:rPr lang="en-US" altLang="zh-CN" sz="1400">
+                <a:latin typeface="Consolas" panose="020B0609020204030204" pitchFamily="49" charset="0"/>
+                <a:ea typeface="+mj-ea"/>
+                <a:cs typeface="+mj-cs"/>
+              </a:rPr>
+              <a:t>MAPE: 0.0052 ± 0.0034 (</a:t>
+            </a:r>
+            <a:r>
+              <a:rPr lang="zh-CN" altLang="en-US" sz="1400">
+                <a:latin typeface="Consolas" panose="020B0609020204030204" pitchFamily="49" charset="0"/>
+                <a:ea typeface="+mj-ea"/>
+                <a:cs typeface="+mj-cs"/>
+              </a:rPr>
+              <a:t>优秀</a:t>
+            </a:r>
+            <a:r>
+              <a:rPr lang="en-US" altLang="zh-CN" sz="1400">
+                <a:latin typeface="Consolas" panose="020B0609020204030204" pitchFamily="49" charset="0"/>
+                <a:ea typeface="+mj-ea"/>
+                <a:cs typeface="+mj-cs"/>
+              </a:rPr>
+              <a:t>)</a:t>
+            </a:r>
+          </a:p>
+          <a:p>
+            <a:r>
+              <a:rPr lang="en-US" altLang="zh-CN" sz="1400">
+                <a:latin typeface="Consolas" panose="020B0609020204030204" pitchFamily="49" charset="0"/>
+                <a:ea typeface="+mj-ea"/>
+                <a:cs typeface="+mj-cs"/>
+              </a:rPr>
+              <a:t>R2:   1.0000 ± 0.0000</a:t>
+            </a:r>
+          </a:p>
+          <a:p>
+            <a:r>
+              <a:rPr lang="en-US" altLang="zh-CN" sz="1400">
+                <a:latin typeface="Consolas" panose="020B0609020204030204" pitchFamily="49" charset="0"/>
+                <a:ea typeface="+mj-ea"/>
+                <a:cs typeface="+mj-cs"/>
+              </a:rPr>
+              <a:t>RMSE: 0.0005 ± 0.0004 (s)</a:t>
+            </a:r>
+          </a:p>
+          <a:p>
+            <a:r>
+              <a:rPr lang="en-US" altLang="zh-CN" sz="1400">
+                <a:latin typeface="Consolas" panose="020B0609020204030204" pitchFamily="49" charset="0"/>
+                <a:ea typeface="+mj-ea"/>
+                <a:cs typeface="+mj-cs"/>
+              </a:rPr>
+              <a:t>RMSE%_mean: 0.18% ± 0.07% (</a:t>
+            </a:r>
+            <a:r>
+              <a:rPr lang="zh-CN" altLang="en-US" sz="1400">
+                <a:latin typeface="Consolas" panose="020B0609020204030204" pitchFamily="49" charset="0"/>
+                <a:ea typeface="+mj-ea"/>
+                <a:cs typeface="+mj-cs"/>
+              </a:rPr>
+              <a:t>优秀</a:t>
+            </a:r>
+            <a:r>
+              <a:rPr lang="en-US" altLang="zh-CN" sz="1400">
+                <a:latin typeface="Consolas" panose="020B0609020204030204" pitchFamily="49" charset="0"/>
+                <a:ea typeface="+mj-ea"/>
+                <a:cs typeface="+mj-cs"/>
+              </a:rPr>
+              <a:t>)</a:t>
+            </a:r>
+          </a:p>
+          <a:p>
+            <a:r>
+              <a:rPr lang="en-US" altLang="zh-CN" sz="1400">
+                <a:latin typeface="Consolas" panose="020B0609020204030204" pitchFamily="49" charset="0"/>
+                <a:ea typeface="+mj-ea"/>
+                <a:cs typeface="+mj-cs"/>
+              </a:rPr>
+              <a:t>RMSE%_range: 0.05% ± 0.02% (</a:t>
+            </a:r>
+            <a:r>
+              <a:rPr lang="zh-CN" altLang="en-US" sz="1400">
+                <a:latin typeface="Consolas" panose="020B0609020204030204" pitchFamily="49" charset="0"/>
+                <a:ea typeface="+mj-ea"/>
+                <a:cs typeface="+mj-cs"/>
+              </a:rPr>
+              <a:t>优秀</a:t>
+            </a:r>
+            <a:r>
+              <a:rPr lang="en-US" altLang="zh-CN" sz="1400">
+                <a:latin typeface="Consolas" panose="020B0609020204030204" pitchFamily="49" charset="0"/>
+                <a:ea typeface="+mj-ea"/>
+                <a:cs typeface="+mj-cs"/>
+              </a:rPr>
+              <a:t>)</a:t>
+            </a:r>
+            <a:endParaRPr lang="zh-CN" altLang="en-US" sz="1400">
+              <a:latin typeface="Consolas" panose="020B0609020204030204" pitchFamily="49" charset="0"/>
+              <a:ea typeface="+mj-ea"/>
+              <a:cs typeface="+mj-cs"/>
+            </a:endParaRPr>
+          </a:p>
+        </p:txBody>
+      </p:sp>
+      <p:sp>
+        <p:nvSpPr>
+          <p:cNvPr id="11" name="文本框 10">
+            <a:extLst>
+              <a:ext uri="{FF2B5EF4-FFF2-40B4-BE49-F238E27FC236}">
+                <a16:creationId xmlns:a16="http://schemas.microsoft.com/office/drawing/2014/main" id="{D1BC6543-6A52-DEDC-CD65-34C1A830D52D}"/>
+              </a:ext>
+            </a:extLst>
+          </p:cNvPr>
+          <p:cNvSpPr txBox="1"/>
+          <p:nvPr/>
+        </p:nvSpPr>
+        <p:spPr>
+          <a:xfrm>
+            <a:off x="6095999" y="4663540"/>
+            <a:ext cx="5971903" cy="2031325"/>
+          </a:xfrm>
+          <a:prstGeom prst="rect">
+            <a:avLst/>
+          </a:prstGeom>
+          <a:noFill/>
+          <a:ln w="12700">
+            <a:solidFill>
+              <a:schemeClr val="accent1"/>
+            </a:solidFill>
+          </a:ln>
+        </p:spPr>
+        <p:txBody>
+          <a:bodyPr wrap="square">
+            <a:spAutoFit/>
+          </a:bodyPr>
+          <a:lstStyle/>
+          <a:p>
+            <a:r>
+              <a:rPr lang="en-US" altLang="zh-CN" sz="1400">
+                <a:latin typeface="Consolas" panose="020B0609020204030204" pitchFamily="49" charset="0"/>
+                <a:ea typeface="+mj-ea"/>
+                <a:cs typeface="+mj-cs"/>
+              </a:rPr>
+              <a:t>Predicting runtime for AES on M7</a:t>
+            </a:r>
+          </a:p>
+          <a:p>
+            <a:r>
+              <a:rPr lang="en-US" altLang="zh-CN" sz="1400">
+                <a:latin typeface="Consolas" panose="020B0609020204030204" pitchFamily="49" charset="0"/>
+                <a:ea typeface="+mj-ea"/>
+                <a:cs typeface="+mj-cs"/>
+              </a:rPr>
+              <a:t>Test size: 0.3, Lower bound: 0</a:t>
+            </a:r>
+          </a:p>
+          <a:p>
+            <a:r>
+              <a:rPr lang="en-US" altLang="zh-CN" sz="1400">
+                <a:latin typeface="Consolas" panose="020B0609020204030204" pitchFamily="49" charset="0"/>
+                <a:ea typeface="+mj-ea"/>
+                <a:cs typeface="+mj-cs"/>
+              </a:rPr>
+              <a:t>Method: hybrid</a:t>
+            </a:r>
+          </a:p>
+          <a:p>
+            <a:endParaRPr lang="en-US" altLang="zh-CN" sz="1400">
+              <a:latin typeface="Consolas" panose="020B0609020204030204" pitchFamily="49" charset="0"/>
+              <a:ea typeface="+mj-ea"/>
+              <a:cs typeface="+mj-cs"/>
+            </a:endParaRPr>
+          </a:p>
+          <a:p>
+            <a:r>
+              <a:rPr lang="en-US" altLang="zh-CN" sz="1400">
+                <a:latin typeface="Consolas" panose="020B0609020204030204" pitchFamily="49" charset="0"/>
+                <a:ea typeface="+mj-ea"/>
+                <a:cs typeface="+mj-cs"/>
+              </a:rPr>
+              <a:t>MAPE: 0.0052 ± 0.0034 (</a:t>
+            </a:r>
+            <a:r>
+              <a:rPr lang="zh-CN" altLang="en-US" sz="1400">
+                <a:latin typeface="Consolas" panose="020B0609020204030204" pitchFamily="49" charset="0"/>
+                <a:ea typeface="+mj-ea"/>
+                <a:cs typeface="+mj-cs"/>
+              </a:rPr>
+              <a:t>优秀</a:t>
+            </a:r>
+            <a:r>
+              <a:rPr lang="en-US" altLang="zh-CN" sz="1400">
+                <a:latin typeface="Consolas" panose="020B0609020204030204" pitchFamily="49" charset="0"/>
+                <a:ea typeface="+mj-ea"/>
+                <a:cs typeface="+mj-cs"/>
+              </a:rPr>
+              <a:t>)</a:t>
+            </a:r>
+          </a:p>
+          <a:p>
+            <a:r>
+              <a:rPr lang="en-US" altLang="zh-CN" sz="1400">
+                <a:latin typeface="Consolas" panose="020B0609020204030204" pitchFamily="49" charset="0"/>
+                <a:ea typeface="+mj-ea"/>
+                <a:cs typeface="+mj-cs"/>
+              </a:rPr>
+              <a:t>R2:   1.0000 ± 0.0000</a:t>
+            </a:r>
+          </a:p>
+          <a:p>
+            <a:r>
+              <a:rPr lang="en-US" altLang="zh-CN" sz="1400">
+                <a:latin typeface="Consolas" panose="020B0609020204030204" pitchFamily="49" charset="0"/>
+                <a:ea typeface="+mj-ea"/>
+                <a:cs typeface="+mj-cs"/>
+              </a:rPr>
+              <a:t>RMSE: 0.0005 ± 0.0004 (s)</a:t>
+            </a:r>
+          </a:p>
+          <a:p>
+            <a:r>
+              <a:rPr lang="en-US" altLang="zh-CN" sz="1400">
+                <a:latin typeface="Consolas" panose="020B0609020204030204" pitchFamily="49" charset="0"/>
+                <a:ea typeface="+mj-ea"/>
+                <a:cs typeface="+mj-cs"/>
+              </a:rPr>
+              <a:t>RMSE%_mean: 0.18% ± 0.07% (</a:t>
+            </a:r>
+            <a:r>
+              <a:rPr lang="zh-CN" altLang="en-US" sz="1400">
+                <a:latin typeface="Consolas" panose="020B0609020204030204" pitchFamily="49" charset="0"/>
+                <a:ea typeface="+mj-ea"/>
+                <a:cs typeface="+mj-cs"/>
+              </a:rPr>
+              <a:t>优秀</a:t>
+            </a:r>
+            <a:r>
+              <a:rPr lang="en-US" altLang="zh-CN" sz="1400">
+                <a:latin typeface="Consolas" panose="020B0609020204030204" pitchFamily="49" charset="0"/>
+                <a:ea typeface="+mj-ea"/>
+                <a:cs typeface="+mj-cs"/>
+              </a:rPr>
+              <a:t>)</a:t>
+            </a:r>
+          </a:p>
+          <a:p>
+            <a:r>
+              <a:rPr lang="en-US" altLang="zh-CN" sz="1400">
+                <a:latin typeface="Consolas" panose="020B0609020204030204" pitchFamily="49" charset="0"/>
+                <a:ea typeface="+mj-ea"/>
+                <a:cs typeface="+mj-cs"/>
+              </a:rPr>
+              <a:t>RMSE%_range: 0.05% ± 0.02% (</a:t>
+            </a:r>
+            <a:r>
+              <a:rPr lang="zh-CN" altLang="en-US" sz="1400">
+                <a:latin typeface="Consolas" panose="020B0609020204030204" pitchFamily="49" charset="0"/>
+                <a:ea typeface="+mj-ea"/>
+                <a:cs typeface="+mj-cs"/>
+              </a:rPr>
+              <a:t>优秀</a:t>
+            </a:r>
+            <a:r>
+              <a:rPr lang="en-US" altLang="zh-CN" sz="1400">
+                <a:latin typeface="Consolas" panose="020B0609020204030204" pitchFamily="49" charset="0"/>
+                <a:ea typeface="+mj-ea"/>
+                <a:cs typeface="+mj-cs"/>
+              </a:rPr>
+              <a:t>)</a:t>
+            </a:r>
+            <a:endParaRPr lang="zh-CN" altLang="en-US" sz="1400">
+              <a:latin typeface="Consolas" panose="020B0609020204030204" pitchFamily="49" charset="0"/>
+              <a:ea typeface="+mj-ea"/>
+              <a:cs typeface="+mj-cs"/>
+            </a:endParaRPr>
+          </a:p>
+        </p:txBody>
+      </p:sp>
+    </p:spTree>
+    <p:extLst>
+      <p:ext uri="{BB962C8B-B14F-4D97-AF65-F5344CB8AC3E}">
+        <p14:creationId xmlns:p14="http://schemas.microsoft.com/office/powerpoint/2010/main" val="783383103"/>
+      </p:ext>
+    </p:extLst>
+  </p:cSld>
+  <p:clrMapOvr>
+    <a:masterClrMapping/>
+  </p:clrMapOvr>
+</p:sld>
+</file>
+
+<file path=ppt/slides/slide44.xml><?xml version="1.0" encoding="utf-8"?>
+<p:sld xmlns:a="http://schemas.openxmlformats.org/drawingml/2006/main" xmlns:r="http://schemas.openxmlformats.org/officeDocument/2006/relationships" xmlns:p="http://schemas.openxmlformats.org/presentationml/2006/main">
+  <p:cSld>
+    <p:spTree>
+      <p:nvGrpSpPr>
+        <p:cNvPr id="1" name="">
+          <a:extLst>
+            <a:ext uri="{FF2B5EF4-FFF2-40B4-BE49-F238E27FC236}">
+              <a16:creationId xmlns:a16="http://schemas.microsoft.com/office/drawing/2014/main" id="{53FF8384-0702-E2E9-2513-1FCB6A790BEC}"/>
+            </a:ext>
+          </a:extLst>
+        </p:cNvPr>
+        <p:cNvGrpSpPr/>
+        <p:nvPr/>
+      </p:nvGrpSpPr>
+      <p:grpSpPr>
+        <a:xfrm>
+          <a:off x="0" y="0"/>
+          <a:ext cx="0" cy="0"/>
+          <a:chOff x="0" y="0"/>
+          <a:chExt cx="0" cy="0"/>
+        </a:xfrm>
+      </p:grpSpPr>
+      <p:sp>
+        <p:nvSpPr>
+          <p:cNvPr id="5" name="文本框 4">
+            <a:extLst>
+              <a:ext uri="{FF2B5EF4-FFF2-40B4-BE49-F238E27FC236}">
+                <a16:creationId xmlns:a16="http://schemas.microsoft.com/office/drawing/2014/main" id="{AEC720BB-FABB-B4E8-D83A-2DBE4DD08B62}"/>
+              </a:ext>
+            </a:extLst>
+          </p:cNvPr>
+          <p:cNvSpPr txBox="1"/>
+          <p:nvPr/>
+        </p:nvSpPr>
+        <p:spPr>
+          <a:xfrm>
+            <a:off x="124097" y="600891"/>
+            <a:ext cx="5971903" cy="2031325"/>
+          </a:xfrm>
+          <a:prstGeom prst="rect">
+            <a:avLst/>
+          </a:prstGeom>
+          <a:noFill/>
+          <a:ln w="12700">
+            <a:solidFill>
+              <a:schemeClr val="accent1"/>
+            </a:solidFill>
+          </a:ln>
+        </p:spPr>
+        <p:txBody>
+          <a:bodyPr wrap="square">
+            <a:spAutoFit/>
+          </a:bodyPr>
+          <a:lstStyle/>
+          <a:p>
+            <a:r>
+              <a:rPr lang="en-US" altLang="zh-CN" sz="1400">
+                <a:latin typeface="Consolas" panose="020B0609020204030204" pitchFamily="49" charset="0"/>
+                <a:ea typeface="+mj-ea"/>
+                <a:cs typeface="+mj-cs"/>
+              </a:rPr>
+              <a:t>Predicting runtime for MD5 on R5</a:t>
+            </a:r>
+          </a:p>
+          <a:p>
+            <a:r>
+              <a:rPr lang="en-US" altLang="zh-CN" sz="1400">
+                <a:latin typeface="Consolas" panose="020B0609020204030204" pitchFamily="49" charset="0"/>
+                <a:ea typeface="+mj-ea"/>
+                <a:cs typeface="+mj-cs"/>
+              </a:rPr>
+              <a:t>Test size: 0.3, Lower bound: 0</a:t>
+            </a:r>
+          </a:p>
+          <a:p>
+            <a:r>
+              <a:rPr lang="en-US" altLang="zh-CN" sz="1400">
+                <a:latin typeface="Consolas" panose="020B0609020204030204" pitchFamily="49" charset="0"/>
+                <a:ea typeface="+mj-ea"/>
+                <a:cs typeface="+mj-cs"/>
+              </a:rPr>
+              <a:t>Method: curve_fit</a:t>
+            </a:r>
+          </a:p>
+          <a:p>
+            <a:endParaRPr lang="zh-CN" altLang="en-US" sz="1400">
+              <a:latin typeface="Consolas" panose="020B0609020204030204" pitchFamily="49" charset="0"/>
+              <a:ea typeface="+mj-ea"/>
+              <a:cs typeface="+mj-cs"/>
+            </a:endParaRPr>
+          </a:p>
+          <a:p>
+            <a:r>
+              <a:rPr lang="en-US" altLang="zh-CN" sz="1400">
+                <a:latin typeface="Consolas" panose="020B0609020204030204" pitchFamily="49" charset="0"/>
+                <a:ea typeface="+mj-ea"/>
+                <a:cs typeface="+mj-cs"/>
+              </a:rPr>
+              <a:t>MAPE: 0.2809 ± 0.1202 (</a:t>
+            </a:r>
+            <a:r>
+              <a:rPr lang="zh-CN" altLang="en-US" sz="1400">
+                <a:latin typeface="Consolas" panose="020B0609020204030204" pitchFamily="49" charset="0"/>
+                <a:ea typeface="+mj-ea"/>
+                <a:cs typeface="+mj-cs"/>
+              </a:rPr>
+              <a:t>差</a:t>
+            </a:r>
+            <a:r>
+              <a:rPr lang="en-US" altLang="zh-CN" sz="1400">
+                <a:latin typeface="Consolas" panose="020B0609020204030204" pitchFamily="49" charset="0"/>
+                <a:ea typeface="+mj-ea"/>
+                <a:cs typeface="+mj-cs"/>
+              </a:rPr>
+              <a:t>)</a:t>
+            </a:r>
+          </a:p>
+          <a:p>
+            <a:r>
+              <a:rPr lang="en-US" altLang="zh-CN" sz="1400">
+                <a:latin typeface="Consolas" panose="020B0609020204030204" pitchFamily="49" charset="0"/>
+                <a:ea typeface="+mj-ea"/>
+                <a:cs typeface="+mj-cs"/>
+              </a:rPr>
+              <a:t>R2:   0.8010 ± 0.2110</a:t>
+            </a:r>
+          </a:p>
+          <a:p>
+            <a:r>
+              <a:rPr lang="en-US" altLang="zh-CN" sz="1400">
+                <a:latin typeface="Consolas" panose="020B0609020204030204" pitchFamily="49" charset="0"/>
+                <a:ea typeface="+mj-ea"/>
+                <a:cs typeface="+mj-cs"/>
+              </a:rPr>
+              <a:t>RMSE: 0.0000 ± 0.0000 (s)</a:t>
+            </a:r>
+          </a:p>
+          <a:p>
+            <a:r>
+              <a:rPr lang="en-US" altLang="zh-CN" sz="1400">
+                <a:latin typeface="Consolas" panose="020B0609020204030204" pitchFamily="49" charset="0"/>
+                <a:ea typeface="+mj-ea"/>
+                <a:cs typeface="+mj-cs"/>
+              </a:rPr>
+              <a:t>RMSE%_mean: 29.00% ± 11.20% (</a:t>
+            </a:r>
+            <a:r>
+              <a:rPr lang="zh-CN" altLang="en-US" sz="1400">
+                <a:latin typeface="Consolas" panose="020B0609020204030204" pitchFamily="49" charset="0"/>
+                <a:ea typeface="+mj-ea"/>
+                <a:cs typeface="+mj-cs"/>
+              </a:rPr>
+              <a:t>差</a:t>
+            </a:r>
+            <a:r>
+              <a:rPr lang="en-US" altLang="zh-CN" sz="1400">
+                <a:latin typeface="Consolas" panose="020B0609020204030204" pitchFamily="49" charset="0"/>
+                <a:ea typeface="+mj-ea"/>
+                <a:cs typeface="+mj-cs"/>
+              </a:rPr>
+              <a:t>)</a:t>
+            </a:r>
+          </a:p>
+          <a:p>
+            <a:r>
+              <a:rPr lang="en-US" altLang="zh-CN" sz="1400">
+                <a:latin typeface="Consolas" panose="020B0609020204030204" pitchFamily="49" charset="0"/>
+                <a:ea typeface="+mj-ea"/>
+                <a:cs typeface="+mj-cs"/>
+              </a:rPr>
+              <a:t>RMSE%_range: 18.08% ± 7.61% (</a:t>
+            </a:r>
+            <a:r>
+              <a:rPr lang="zh-CN" altLang="en-US" sz="1400">
+                <a:latin typeface="Consolas" panose="020B0609020204030204" pitchFamily="49" charset="0"/>
+                <a:ea typeface="+mj-ea"/>
+                <a:cs typeface="+mj-cs"/>
+              </a:rPr>
+              <a:t>中等</a:t>
+            </a:r>
+            <a:r>
+              <a:rPr lang="en-US" altLang="zh-CN" sz="1400">
+                <a:latin typeface="Consolas" panose="020B0609020204030204" pitchFamily="49" charset="0"/>
+                <a:ea typeface="+mj-ea"/>
+                <a:cs typeface="+mj-cs"/>
+              </a:rPr>
+              <a:t>)</a:t>
+            </a:r>
+            <a:endParaRPr lang="zh-CN" altLang="en-US" sz="1400">
+              <a:latin typeface="Consolas" panose="020B0609020204030204" pitchFamily="49" charset="0"/>
+              <a:ea typeface="+mj-ea"/>
+              <a:cs typeface="+mj-cs"/>
+            </a:endParaRPr>
+          </a:p>
+        </p:txBody>
+      </p:sp>
+      <p:sp>
+        <p:nvSpPr>
+          <p:cNvPr id="6" name="标题 1">
+            <a:extLst>
+              <a:ext uri="{FF2B5EF4-FFF2-40B4-BE49-F238E27FC236}">
+                <a16:creationId xmlns:a16="http://schemas.microsoft.com/office/drawing/2014/main" id="{8028EDAE-D453-330A-B0B8-AC0EE7EE4BFE}"/>
+              </a:ext>
+            </a:extLst>
+          </p:cNvPr>
+          <p:cNvSpPr txBox="1">
+            <a:spLocks/>
+          </p:cNvSpPr>
+          <p:nvPr/>
+        </p:nvSpPr>
+        <p:spPr>
+          <a:xfrm>
+            <a:off x="124097" y="143056"/>
+            <a:ext cx="6950697" cy="457835"/>
+          </a:xfrm>
+          <a:prstGeom prst="rect">
+            <a:avLst/>
+          </a:prstGeom>
+        </p:spPr>
+        <p:txBody>
+          <a:bodyPr vert="horz" lIns="91440" tIns="45720" rIns="91440" bIns="45720" rtlCol="0" anchor="ctr">
+            <a:normAutofit fontScale="97500" lnSpcReduction="10000"/>
+          </a:bodyPr>
+          <a:lstStyle>
+            <a:lvl1pPr algn="l" defTabSz="914400" rtl="0" eaLnBrk="1" latinLnBrk="0" hangingPunct="1">
+              <a:lnSpc>
+                <a:spcPct val="90000"/>
+              </a:lnSpc>
+              <a:spcBef>
+                <a:spcPct val="0"/>
+              </a:spcBef>
+              <a:buNone/>
+              <a:defRPr sz="4400" kern="1200">
+                <a:solidFill>
+                  <a:schemeClr val="tx1"/>
+                </a:solidFill>
+                <a:latin typeface="+mj-lt"/>
+                <a:ea typeface="+mj-ea"/>
+                <a:cs typeface="+mj-cs"/>
+              </a:defRPr>
+            </a:lvl1pPr>
+          </a:lstStyle>
+          <a:p>
+            <a:r>
+              <a:rPr lang="en-US" altLang="zh-CN" sz="2800" b="1"/>
+              <a:t>MD5</a:t>
+            </a:r>
+            <a:endParaRPr lang="zh-CN" altLang="en-US" sz="2800" b="1" dirty="0"/>
+          </a:p>
+        </p:txBody>
+      </p:sp>
+      <p:sp>
+        <p:nvSpPr>
+          <p:cNvPr id="7" name="文本框 6">
+            <a:extLst>
+              <a:ext uri="{FF2B5EF4-FFF2-40B4-BE49-F238E27FC236}">
+                <a16:creationId xmlns:a16="http://schemas.microsoft.com/office/drawing/2014/main" id="{4E257100-6EBB-78A0-F219-A47AE557D223}"/>
+              </a:ext>
+            </a:extLst>
+          </p:cNvPr>
+          <p:cNvSpPr txBox="1"/>
+          <p:nvPr/>
+        </p:nvSpPr>
+        <p:spPr>
+          <a:xfrm>
+            <a:off x="6096000" y="600891"/>
+            <a:ext cx="5971903" cy="2031325"/>
+          </a:xfrm>
+          <a:prstGeom prst="rect">
+            <a:avLst/>
+          </a:prstGeom>
+          <a:noFill/>
+          <a:ln w="12700">
+            <a:solidFill>
+              <a:schemeClr val="accent1"/>
+            </a:solidFill>
+          </a:ln>
+        </p:spPr>
+        <p:txBody>
+          <a:bodyPr wrap="square">
+            <a:spAutoFit/>
+          </a:bodyPr>
+          <a:lstStyle/>
+          <a:p>
+            <a:r>
+              <a:rPr lang="en-US" altLang="zh-CN" sz="1400">
+                <a:latin typeface="Consolas" panose="020B0609020204030204" pitchFamily="49" charset="0"/>
+                <a:ea typeface="+mj-ea"/>
+                <a:cs typeface="+mj-cs"/>
+              </a:rPr>
+              <a:t>Predicting runtime for MD5 on R5</a:t>
+            </a:r>
+          </a:p>
+          <a:p>
+            <a:r>
+              <a:rPr lang="en-US" altLang="zh-CN" sz="1400">
+                <a:latin typeface="Consolas" panose="020B0609020204030204" pitchFamily="49" charset="0"/>
+                <a:ea typeface="+mj-ea"/>
+                <a:cs typeface="+mj-cs"/>
+              </a:rPr>
+              <a:t>Test size: 0.3, Lower bound: 0</a:t>
+            </a:r>
+          </a:p>
+          <a:p>
+            <a:r>
+              <a:rPr lang="en-US" altLang="zh-CN" sz="1400">
+                <a:latin typeface="Consolas" panose="020B0609020204030204" pitchFamily="49" charset="0"/>
+                <a:ea typeface="+mj-ea"/>
+                <a:cs typeface="+mj-cs"/>
+              </a:rPr>
+              <a:t>Method: hybrid</a:t>
+            </a:r>
+          </a:p>
+          <a:p>
+            <a:endParaRPr lang="en-US" altLang="zh-CN" sz="1400">
+              <a:latin typeface="Consolas" panose="020B0609020204030204" pitchFamily="49" charset="0"/>
+              <a:ea typeface="+mj-ea"/>
+              <a:cs typeface="+mj-cs"/>
+            </a:endParaRPr>
+          </a:p>
+          <a:p>
+            <a:r>
+              <a:rPr lang="en-US" altLang="zh-CN" sz="1400">
+                <a:latin typeface="Consolas" panose="020B0609020204030204" pitchFamily="49" charset="0"/>
+                <a:ea typeface="+mj-ea"/>
+                <a:cs typeface="+mj-cs"/>
+              </a:rPr>
+              <a:t>MAPE: 0.2294 ± 0.1005 (</a:t>
+            </a:r>
+            <a:r>
+              <a:rPr lang="zh-CN" altLang="en-US" sz="1400">
+                <a:latin typeface="Consolas" panose="020B0609020204030204" pitchFamily="49" charset="0"/>
+                <a:ea typeface="+mj-ea"/>
+                <a:cs typeface="+mj-cs"/>
+              </a:rPr>
+              <a:t>差</a:t>
+            </a:r>
+            <a:r>
+              <a:rPr lang="en-US" altLang="zh-CN" sz="1400">
+                <a:latin typeface="Consolas" panose="020B0609020204030204" pitchFamily="49" charset="0"/>
+                <a:ea typeface="+mj-ea"/>
+                <a:cs typeface="+mj-cs"/>
+              </a:rPr>
+              <a:t>)</a:t>
+            </a:r>
+          </a:p>
+          <a:p>
+            <a:r>
+              <a:rPr lang="en-US" altLang="zh-CN" sz="1400">
+                <a:latin typeface="Consolas" panose="020B0609020204030204" pitchFamily="49" charset="0"/>
+                <a:ea typeface="+mj-ea"/>
+                <a:cs typeface="+mj-cs"/>
+              </a:rPr>
+              <a:t>R2:   0.8237 ± 0.2214</a:t>
+            </a:r>
+          </a:p>
+          <a:p>
+            <a:r>
+              <a:rPr lang="en-US" altLang="zh-CN" sz="1400">
+                <a:latin typeface="Consolas" panose="020B0609020204030204" pitchFamily="49" charset="0"/>
+                <a:ea typeface="+mj-ea"/>
+                <a:cs typeface="+mj-cs"/>
+              </a:rPr>
+              <a:t>RMSE: 0.0000 ± 0.0000 (s)</a:t>
+            </a:r>
+          </a:p>
+          <a:p>
+            <a:r>
+              <a:rPr lang="en-US" altLang="zh-CN" sz="1400">
+                <a:latin typeface="Consolas" panose="020B0609020204030204" pitchFamily="49" charset="0"/>
+                <a:ea typeface="+mj-ea"/>
+                <a:cs typeface="+mj-cs"/>
+              </a:rPr>
+              <a:t>RMSE%_mean: 26.38% ± 11.65% (</a:t>
+            </a:r>
+            <a:r>
+              <a:rPr lang="zh-CN" altLang="en-US" sz="1400">
+                <a:latin typeface="Consolas" panose="020B0609020204030204" pitchFamily="49" charset="0"/>
+                <a:ea typeface="+mj-ea"/>
+                <a:cs typeface="+mj-cs"/>
+              </a:rPr>
+              <a:t>差</a:t>
+            </a:r>
+            <a:r>
+              <a:rPr lang="en-US" altLang="zh-CN" sz="1400">
+                <a:latin typeface="Consolas" panose="020B0609020204030204" pitchFamily="49" charset="0"/>
+                <a:ea typeface="+mj-ea"/>
+                <a:cs typeface="+mj-cs"/>
+              </a:rPr>
+              <a:t>)</a:t>
+            </a:r>
+          </a:p>
+          <a:p>
+            <a:r>
+              <a:rPr lang="en-US" altLang="zh-CN" sz="1400">
+                <a:latin typeface="Consolas" panose="020B0609020204030204" pitchFamily="49" charset="0"/>
+                <a:ea typeface="+mj-ea"/>
+                <a:cs typeface="+mj-cs"/>
+              </a:rPr>
+              <a:t>RMSE%_range: 16.55% ± 8.22% (</a:t>
+            </a:r>
+            <a:r>
+              <a:rPr lang="zh-CN" altLang="en-US" sz="1400">
+                <a:latin typeface="Consolas" panose="020B0609020204030204" pitchFamily="49" charset="0"/>
+                <a:ea typeface="+mj-ea"/>
+                <a:cs typeface="+mj-cs"/>
+              </a:rPr>
+              <a:t>中等</a:t>
+            </a:r>
+            <a:r>
+              <a:rPr lang="en-US" altLang="zh-CN" sz="1400">
+                <a:latin typeface="Consolas" panose="020B0609020204030204" pitchFamily="49" charset="0"/>
+                <a:ea typeface="+mj-ea"/>
+                <a:cs typeface="+mj-cs"/>
+              </a:rPr>
+              <a:t>)</a:t>
+            </a:r>
+            <a:endParaRPr lang="zh-CN" altLang="en-US" sz="1400">
+              <a:latin typeface="Consolas" panose="020B0609020204030204" pitchFamily="49" charset="0"/>
+              <a:ea typeface="+mj-ea"/>
+              <a:cs typeface="+mj-cs"/>
+            </a:endParaRPr>
+          </a:p>
+        </p:txBody>
+      </p:sp>
+      <p:sp>
+        <p:nvSpPr>
+          <p:cNvPr id="8" name="文本框 7">
+            <a:extLst>
+              <a:ext uri="{FF2B5EF4-FFF2-40B4-BE49-F238E27FC236}">
+                <a16:creationId xmlns:a16="http://schemas.microsoft.com/office/drawing/2014/main" id="{27080C16-A4FE-B2A5-5851-7B87C12C9F44}"/>
+              </a:ext>
+            </a:extLst>
+          </p:cNvPr>
+          <p:cNvSpPr txBox="1"/>
+          <p:nvPr/>
+        </p:nvSpPr>
+        <p:spPr>
+          <a:xfrm>
+            <a:off x="124095" y="2632216"/>
+            <a:ext cx="5971903" cy="2031325"/>
+          </a:xfrm>
+          <a:prstGeom prst="rect">
+            <a:avLst/>
+          </a:prstGeom>
+          <a:noFill/>
+          <a:ln w="12700">
+            <a:solidFill>
+              <a:schemeClr val="accent1"/>
+            </a:solidFill>
+          </a:ln>
+        </p:spPr>
+        <p:txBody>
+          <a:bodyPr wrap="square">
+            <a:spAutoFit/>
+          </a:bodyPr>
+          <a:lstStyle/>
+          <a:p>
+            <a:r>
+              <a:rPr lang="en-US" altLang="zh-CN" sz="1400">
+                <a:latin typeface="Consolas" panose="020B0609020204030204" pitchFamily="49" charset="0"/>
+                <a:ea typeface="+mj-ea"/>
+                <a:cs typeface="+mj-cs"/>
+              </a:rPr>
+              <a:t>Predicting runtime for MD5 on A72</a:t>
+            </a:r>
+          </a:p>
+          <a:p>
+            <a:r>
+              <a:rPr lang="en-US" altLang="zh-CN" sz="1400">
+                <a:latin typeface="Consolas" panose="020B0609020204030204" pitchFamily="49" charset="0"/>
+                <a:ea typeface="+mj-ea"/>
+                <a:cs typeface="+mj-cs"/>
+              </a:rPr>
+              <a:t>Test size: 0.3, Lower bound: 0</a:t>
+            </a:r>
+          </a:p>
+          <a:p>
+            <a:r>
+              <a:rPr lang="en-US" altLang="zh-CN" sz="1400">
+                <a:latin typeface="Consolas" panose="020B0609020204030204" pitchFamily="49" charset="0"/>
+                <a:ea typeface="+mj-ea"/>
+                <a:cs typeface="+mj-cs"/>
+              </a:rPr>
+              <a:t>Method: curve_fit</a:t>
+            </a:r>
+          </a:p>
+          <a:p>
+            <a:endParaRPr lang="en-US" altLang="zh-CN" sz="1400">
+              <a:latin typeface="Consolas" panose="020B0609020204030204" pitchFamily="49" charset="0"/>
+              <a:ea typeface="+mj-ea"/>
+              <a:cs typeface="+mj-cs"/>
+            </a:endParaRPr>
+          </a:p>
+          <a:p>
+            <a:r>
+              <a:rPr lang="en-US" altLang="zh-CN" sz="1400">
+                <a:latin typeface="Consolas" panose="020B0609020204030204" pitchFamily="49" charset="0"/>
+                <a:ea typeface="+mj-ea"/>
+                <a:cs typeface="+mj-cs"/>
+              </a:rPr>
+              <a:t>MAPE: 0.0192 ± 0.0112 (</a:t>
+            </a:r>
+            <a:r>
+              <a:rPr lang="zh-CN" altLang="en-US" sz="1400">
+                <a:latin typeface="Consolas" panose="020B0609020204030204" pitchFamily="49" charset="0"/>
+                <a:ea typeface="+mj-ea"/>
+                <a:cs typeface="+mj-cs"/>
+              </a:rPr>
+              <a:t>优秀</a:t>
+            </a:r>
+            <a:r>
+              <a:rPr lang="en-US" altLang="zh-CN" sz="1400">
+                <a:latin typeface="Consolas" panose="020B0609020204030204" pitchFamily="49" charset="0"/>
+                <a:ea typeface="+mj-ea"/>
+                <a:cs typeface="+mj-cs"/>
+              </a:rPr>
+              <a:t>)</a:t>
+            </a:r>
+          </a:p>
+          <a:p>
+            <a:r>
+              <a:rPr lang="en-US" altLang="zh-CN" sz="1400">
+                <a:latin typeface="Consolas" panose="020B0609020204030204" pitchFamily="49" charset="0"/>
+                <a:ea typeface="+mj-ea"/>
+                <a:cs typeface="+mj-cs"/>
+              </a:rPr>
+              <a:t>R2:   1.0000 ± 0.0000</a:t>
+            </a:r>
+          </a:p>
+          <a:p>
+            <a:r>
+              <a:rPr lang="en-US" altLang="zh-CN" sz="1400">
+                <a:latin typeface="Consolas" panose="020B0609020204030204" pitchFamily="49" charset="0"/>
+                <a:ea typeface="+mj-ea"/>
+                <a:cs typeface="+mj-cs"/>
+              </a:rPr>
+              <a:t>RMSE: 0.0000 ± 0.0000 (s)</a:t>
+            </a:r>
+          </a:p>
+          <a:p>
+            <a:r>
+              <a:rPr lang="en-US" altLang="zh-CN" sz="1400">
+                <a:latin typeface="Consolas" panose="020B0609020204030204" pitchFamily="49" charset="0"/>
+                <a:ea typeface="+mj-ea"/>
+                <a:cs typeface="+mj-cs"/>
+              </a:rPr>
+              <a:t>RMSE%_mean: 0.07% ± 0.03% (</a:t>
+            </a:r>
+            <a:r>
+              <a:rPr lang="zh-CN" altLang="en-US" sz="1400">
+                <a:latin typeface="Consolas" panose="020B0609020204030204" pitchFamily="49" charset="0"/>
+                <a:ea typeface="+mj-ea"/>
+                <a:cs typeface="+mj-cs"/>
+              </a:rPr>
+              <a:t>优秀</a:t>
+            </a:r>
+            <a:r>
+              <a:rPr lang="en-US" altLang="zh-CN" sz="1400">
+                <a:latin typeface="Consolas" panose="020B0609020204030204" pitchFamily="49" charset="0"/>
+                <a:ea typeface="+mj-ea"/>
+                <a:cs typeface="+mj-cs"/>
+              </a:rPr>
+              <a:t>)</a:t>
+            </a:r>
+          </a:p>
+          <a:p>
+            <a:r>
+              <a:rPr lang="en-US" altLang="zh-CN" sz="1400">
+                <a:latin typeface="Consolas" panose="020B0609020204030204" pitchFamily="49" charset="0"/>
+                <a:ea typeface="+mj-ea"/>
+                <a:cs typeface="+mj-cs"/>
+              </a:rPr>
+              <a:t>RMSE%_range: 0.02% ± 0.01% (</a:t>
+            </a:r>
+            <a:r>
+              <a:rPr lang="zh-CN" altLang="en-US" sz="1400">
+                <a:latin typeface="Consolas" panose="020B0609020204030204" pitchFamily="49" charset="0"/>
+                <a:ea typeface="+mj-ea"/>
+                <a:cs typeface="+mj-cs"/>
+              </a:rPr>
+              <a:t>优秀</a:t>
+            </a:r>
+            <a:r>
+              <a:rPr lang="en-US" altLang="zh-CN" sz="1400">
+                <a:latin typeface="Consolas" panose="020B0609020204030204" pitchFamily="49" charset="0"/>
+                <a:ea typeface="+mj-ea"/>
+                <a:cs typeface="+mj-cs"/>
+              </a:rPr>
+              <a:t>)</a:t>
+            </a:r>
+            <a:endParaRPr lang="zh-CN" altLang="en-US" sz="1400">
+              <a:latin typeface="Consolas" panose="020B0609020204030204" pitchFamily="49" charset="0"/>
+              <a:ea typeface="+mj-ea"/>
+              <a:cs typeface="+mj-cs"/>
+            </a:endParaRPr>
+          </a:p>
+        </p:txBody>
+      </p:sp>
+      <p:sp>
+        <p:nvSpPr>
+          <p:cNvPr id="9" name="文本框 8">
+            <a:extLst>
+              <a:ext uri="{FF2B5EF4-FFF2-40B4-BE49-F238E27FC236}">
+                <a16:creationId xmlns:a16="http://schemas.microsoft.com/office/drawing/2014/main" id="{BC8BC6C9-6EEF-AD16-BBC9-D21707C19BFB}"/>
+              </a:ext>
+            </a:extLst>
+          </p:cNvPr>
+          <p:cNvSpPr txBox="1"/>
+          <p:nvPr/>
+        </p:nvSpPr>
+        <p:spPr>
+          <a:xfrm>
+            <a:off x="124095" y="4663541"/>
+            <a:ext cx="5971903" cy="2031325"/>
+          </a:xfrm>
+          <a:prstGeom prst="rect">
+            <a:avLst/>
+          </a:prstGeom>
+          <a:noFill/>
+          <a:ln w="12700">
+            <a:solidFill>
+              <a:schemeClr val="accent1"/>
+            </a:solidFill>
+          </a:ln>
+        </p:spPr>
+        <p:txBody>
+          <a:bodyPr wrap="square">
+            <a:spAutoFit/>
+          </a:bodyPr>
+          <a:lstStyle/>
+          <a:p>
+            <a:r>
+              <a:rPr lang="en-US" altLang="zh-CN" sz="1400">
+                <a:latin typeface="Consolas" panose="020B0609020204030204" pitchFamily="49" charset="0"/>
+                <a:ea typeface="+mj-ea"/>
+                <a:cs typeface="+mj-cs"/>
+              </a:rPr>
+              <a:t>Predicting runtime for MD5 on M7</a:t>
+            </a:r>
+          </a:p>
+          <a:p>
+            <a:r>
+              <a:rPr lang="en-US" altLang="zh-CN" sz="1400">
+                <a:latin typeface="Consolas" panose="020B0609020204030204" pitchFamily="49" charset="0"/>
+                <a:ea typeface="+mj-ea"/>
+                <a:cs typeface="+mj-cs"/>
+              </a:rPr>
+              <a:t>Test size: 0.3, Lower bound: 0</a:t>
+            </a:r>
+          </a:p>
+          <a:p>
+            <a:r>
+              <a:rPr lang="en-US" altLang="zh-CN" sz="1400">
+                <a:latin typeface="Consolas" panose="020B0609020204030204" pitchFamily="49" charset="0"/>
+                <a:ea typeface="+mj-ea"/>
+                <a:cs typeface="+mj-cs"/>
+              </a:rPr>
+              <a:t>Method: curve_fit</a:t>
+            </a:r>
+          </a:p>
+          <a:p>
+            <a:endParaRPr lang="en-US" altLang="zh-CN" sz="1400">
+              <a:latin typeface="Consolas" panose="020B0609020204030204" pitchFamily="49" charset="0"/>
+              <a:ea typeface="+mj-ea"/>
+              <a:cs typeface="+mj-cs"/>
+            </a:endParaRPr>
+          </a:p>
+          <a:p>
+            <a:r>
+              <a:rPr lang="en-US" altLang="zh-CN" sz="1400">
+                <a:latin typeface="Consolas" panose="020B0609020204030204" pitchFamily="49" charset="0"/>
+                <a:ea typeface="+mj-ea"/>
+                <a:cs typeface="+mj-cs"/>
+              </a:rPr>
+              <a:t>MAPE: 0.0192 ± 0.0112 (</a:t>
+            </a:r>
+            <a:r>
+              <a:rPr lang="zh-CN" altLang="en-US" sz="1400">
+                <a:latin typeface="Consolas" panose="020B0609020204030204" pitchFamily="49" charset="0"/>
+                <a:ea typeface="+mj-ea"/>
+                <a:cs typeface="+mj-cs"/>
+              </a:rPr>
+              <a:t>优秀</a:t>
+            </a:r>
+            <a:r>
+              <a:rPr lang="en-US" altLang="zh-CN" sz="1400">
+                <a:latin typeface="Consolas" panose="020B0609020204030204" pitchFamily="49" charset="0"/>
+                <a:ea typeface="+mj-ea"/>
+                <a:cs typeface="+mj-cs"/>
+              </a:rPr>
+              <a:t>)</a:t>
+            </a:r>
+          </a:p>
+          <a:p>
+            <a:r>
+              <a:rPr lang="en-US" altLang="zh-CN" sz="1400">
+                <a:latin typeface="Consolas" panose="020B0609020204030204" pitchFamily="49" charset="0"/>
+                <a:ea typeface="+mj-ea"/>
+                <a:cs typeface="+mj-cs"/>
+              </a:rPr>
+              <a:t>R2:   1.0000 ± 0.0000</a:t>
+            </a:r>
+          </a:p>
+          <a:p>
+            <a:r>
+              <a:rPr lang="en-US" altLang="zh-CN" sz="1400">
+                <a:latin typeface="Consolas" panose="020B0609020204030204" pitchFamily="49" charset="0"/>
+                <a:ea typeface="+mj-ea"/>
+                <a:cs typeface="+mj-cs"/>
+              </a:rPr>
+              <a:t>RMSE: 0.0000 ± 0.0000 (s)</a:t>
+            </a:r>
+          </a:p>
+          <a:p>
+            <a:r>
+              <a:rPr lang="en-US" altLang="zh-CN" sz="1400">
+                <a:latin typeface="Consolas" panose="020B0609020204030204" pitchFamily="49" charset="0"/>
+                <a:ea typeface="+mj-ea"/>
+                <a:cs typeface="+mj-cs"/>
+              </a:rPr>
+              <a:t>RMSE%_mean: 0.07% ± 0.03% (</a:t>
+            </a:r>
+            <a:r>
+              <a:rPr lang="zh-CN" altLang="en-US" sz="1400">
+                <a:latin typeface="Consolas" panose="020B0609020204030204" pitchFamily="49" charset="0"/>
+                <a:ea typeface="+mj-ea"/>
+                <a:cs typeface="+mj-cs"/>
+              </a:rPr>
+              <a:t>优秀</a:t>
+            </a:r>
+            <a:r>
+              <a:rPr lang="en-US" altLang="zh-CN" sz="1400">
+                <a:latin typeface="Consolas" panose="020B0609020204030204" pitchFamily="49" charset="0"/>
+                <a:ea typeface="+mj-ea"/>
+                <a:cs typeface="+mj-cs"/>
+              </a:rPr>
+              <a:t>)</a:t>
+            </a:r>
+          </a:p>
+          <a:p>
+            <a:r>
+              <a:rPr lang="en-US" altLang="zh-CN" sz="1400">
+                <a:latin typeface="Consolas" panose="020B0609020204030204" pitchFamily="49" charset="0"/>
+                <a:ea typeface="+mj-ea"/>
+                <a:cs typeface="+mj-cs"/>
+              </a:rPr>
+              <a:t>RMSE%_range: 0.02% ± 0.01% (</a:t>
+            </a:r>
+            <a:r>
+              <a:rPr lang="zh-CN" altLang="en-US" sz="1400">
+                <a:latin typeface="Consolas" panose="020B0609020204030204" pitchFamily="49" charset="0"/>
+                <a:ea typeface="+mj-ea"/>
+                <a:cs typeface="+mj-cs"/>
+              </a:rPr>
+              <a:t>优秀</a:t>
+            </a:r>
+            <a:r>
+              <a:rPr lang="en-US" altLang="zh-CN" sz="1400">
+                <a:latin typeface="Consolas" panose="020B0609020204030204" pitchFamily="49" charset="0"/>
+                <a:ea typeface="+mj-ea"/>
+                <a:cs typeface="+mj-cs"/>
+              </a:rPr>
+              <a:t>)</a:t>
+            </a:r>
+            <a:endParaRPr lang="zh-CN" altLang="en-US" sz="1400">
+              <a:latin typeface="Consolas" panose="020B0609020204030204" pitchFamily="49" charset="0"/>
+              <a:ea typeface="+mj-ea"/>
+              <a:cs typeface="+mj-cs"/>
+            </a:endParaRPr>
+          </a:p>
+        </p:txBody>
+      </p:sp>
+      <p:sp>
+        <p:nvSpPr>
+          <p:cNvPr id="10" name="文本框 9">
+            <a:extLst>
+              <a:ext uri="{FF2B5EF4-FFF2-40B4-BE49-F238E27FC236}">
+                <a16:creationId xmlns:a16="http://schemas.microsoft.com/office/drawing/2014/main" id="{AADED87D-533C-4159-4BFC-81EFA84C2D9C}"/>
+              </a:ext>
+            </a:extLst>
+          </p:cNvPr>
+          <p:cNvSpPr txBox="1"/>
+          <p:nvPr/>
+        </p:nvSpPr>
+        <p:spPr>
+          <a:xfrm>
+            <a:off x="6095999" y="2632216"/>
+            <a:ext cx="5971903" cy="2031325"/>
+          </a:xfrm>
+          <a:prstGeom prst="rect">
+            <a:avLst/>
+          </a:prstGeom>
+          <a:noFill/>
+          <a:ln w="12700">
+            <a:solidFill>
+              <a:schemeClr val="accent1"/>
+            </a:solidFill>
+          </a:ln>
+        </p:spPr>
+        <p:txBody>
+          <a:bodyPr wrap="square">
+            <a:spAutoFit/>
+          </a:bodyPr>
+          <a:lstStyle/>
+          <a:p>
+            <a:r>
+              <a:rPr lang="en-US" altLang="zh-CN" sz="1400">
+                <a:latin typeface="Consolas" panose="020B0609020204030204" pitchFamily="49" charset="0"/>
+                <a:ea typeface="+mj-ea"/>
+                <a:cs typeface="+mj-cs"/>
+              </a:rPr>
+              <a:t>Predicting runtime for MD5 on A72</a:t>
+            </a:r>
+          </a:p>
+          <a:p>
+            <a:r>
+              <a:rPr lang="en-US" altLang="zh-CN" sz="1400">
+                <a:latin typeface="Consolas" panose="020B0609020204030204" pitchFamily="49" charset="0"/>
+                <a:ea typeface="+mj-ea"/>
+                <a:cs typeface="+mj-cs"/>
+              </a:rPr>
+              <a:t>Test size: 0.3, Lower bound: 0</a:t>
+            </a:r>
+          </a:p>
+          <a:p>
+            <a:r>
+              <a:rPr lang="en-US" altLang="zh-CN" sz="1400">
+                <a:latin typeface="Consolas" panose="020B0609020204030204" pitchFamily="49" charset="0"/>
+                <a:ea typeface="+mj-ea"/>
+                <a:cs typeface="+mj-cs"/>
+              </a:rPr>
+              <a:t>Method: hybrid</a:t>
+            </a:r>
+          </a:p>
+          <a:p>
+            <a:endParaRPr lang="en-US" altLang="zh-CN" sz="1400">
+              <a:latin typeface="Consolas" panose="020B0609020204030204" pitchFamily="49" charset="0"/>
+              <a:ea typeface="+mj-ea"/>
+              <a:cs typeface="+mj-cs"/>
+            </a:endParaRPr>
+          </a:p>
+          <a:p>
+            <a:r>
+              <a:rPr lang="en-US" altLang="zh-CN" sz="1400">
+                <a:latin typeface="Consolas" panose="020B0609020204030204" pitchFamily="49" charset="0"/>
+                <a:ea typeface="+mj-ea"/>
+                <a:cs typeface="+mj-cs"/>
+              </a:rPr>
+              <a:t>MAPE: 0.0214 ± 0.0167 (</a:t>
+            </a:r>
+            <a:r>
+              <a:rPr lang="zh-CN" altLang="en-US" sz="1400">
+                <a:latin typeface="Consolas" panose="020B0609020204030204" pitchFamily="49" charset="0"/>
+                <a:ea typeface="+mj-ea"/>
+                <a:cs typeface="+mj-cs"/>
+              </a:rPr>
+              <a:t>优秀</a:t>
+            </a:r>
+            <a:r>
+              <a:rPr lang="en-US" altLang="zh-CN" sz="1400">
+                <a:latin typeface="Consolas" panose="020B0609020204030204" pitchFamily="49" charset="0"/>
+                <a:ea typeface="+mj-ea"/>
+                <a:cs typeface="+mj-cs"/>
+              </a:rPr>
+              <a:t>)</a:t>
+            </a:r>
+          </a:p>
+          <a:p>
+            <a:r>
+              <a:rPr lang="en-US" altLang="zh-CN" sz="1400">
+                <a:latin typeface="Consolas" panose="020B0609020204030204" pitchFamily="49" charset="0"/>
+                <a:ea typeface="+mj-ea"/>
+                <a:cs typeface="+mj-cs"/>
+              </a:rPr>
+              <a:t>R2:   1.0000 ± 0.0000</a:t>
+            </a:r>
+          </a:p>
+          <a:p>
+            <a:r>
+              <a:rPr lang="en-US" altLang="zh-CN" sz="1400">
+                <a:latin typeface="Consolas" panose="020B0609020204030204" pitchFamily="49" charset="0"/>
+                <a:ea typeface="+mj-ea"/>
+                <a:cs typeface="+mj-cs"/>
+              </a:rPr>
+              <a:t>RMSE: 0.0000 ± 0.0000 (s)</a:t>
+            </a:r>
+          </a:p>
+          <a:p>
+            <a:r>
+              <a:rPr lang="en-US" altLang="zh-CN" sz="1400">
+                <a:latin typeface="Consolas" panose="020B0609020204030204" pitchFamily="49" charset="0"/>
+                <a:ea typeface="+mj-ea"/>
+                <a:cs typeface="+mj-cs"/>
+              </a:rPr>
+              <a:t>RMSE%_mean: 0.10% ± 0.06% (</a:t>
+            </a:r>
+            <a:r>
+              <a:rPr lang="zh-CN" altLang="en-US" sz="1400">
+                <a:latin typeface="Consolas" panose="020B0609020204030204" pitchFamily="49" charset="0"/>
+                <a:ea typeface="+mj-ea"/>
+                <a:cs typeface="+mj-cs"/>
+              </a:rPr>
+              <a:t>优秀</a:t>
+            </a:r>
+            <a:r>
+              <a:rPr lang="en-US" altLang="zh-CN" sz="1400">
+                <a:latin typeface="Consolas" panose="020B0609020204030204" pitchFamily="49" charset="0"/>
+                <a:ea typeface="+mj-ea"/>
+                <a:cs typeface="+mj-cs"/>
+              </a:rPr>
+              <a:t>)</a:t>
+            </a:r>
+          </a:p>
+          <a:p>
+            <a:r>
+              <a:rPr lang="en-US" altLang="zh-CN" sz="1400">
+                <a:latin typeface="Consolas" panose="020B0609020204030204" pitchFamily="49" charset="0"/>
+                <a:ea typeface="+mj-ea"/>
+                <a:cs typeface="+mj-cs"/>
+              </a:rPr>
+              <a:t>RMSE%_range: 0.02% ± 0.01% (</a:t>
+            </a:r>
+            <a:r>
+              <a:rPr lang="zh-CN" altLang="en-US" sz="1400">
+                <a:latin typeface="Consolas" panose="020B0609020204030204" pitchFamily="49" charset="0"/>
+                <a:ea typeface="+mj-ea"/>
+                <a:cs typeface="+mj-cs"/>
+              </a:rPr>
+              <a:t>优秀</a:t>
+            </a:r>
+            <a:r>
+              <a:rPr lang="en-US" altLang="zh-CN" sz="1400">
+                <a:latin typeface="Consolas" panose="020B0609020204030204" pitchFamily="49" charset="0"/>
+                <a:ea typeface="+mj-ea"/>
+                <a:cs typeface="+mj-cs"/>
+              </a:rPr>
+              <a:t>)</a:t>
+            </a:r>
+            <a:endParaRPr lang="zh-CN" altLang="en-US" sz="1400">
+              <a:latin typeface="Consolas" panose="020B0609020204030204" pitchFamily="49" charset="0"/>
+              <a:ea typeface="+mj-ea"/>
+              <a:cs typeface="+mj-cs"/>
+            </a:endParaRPr>
+          </a:p>
+        </p:txBody>
+      </p:sp>
+      <p:sp>
+        <p:nvSpPr>
+          <p:cNvPr id="11" name="文本框 10">
+            <a:extLst>
+              <a:ext uri="{FF2B5EF4-FFF2-40B4-BE49-F238E27FC236}">
+                <a16:creationId xmlns:a16="http://schemas.microsoft.com/office/drawing/2014/main" id="{A0AC5F8E-AF74-48A8-6D5C-B9C536AC4F8D}"/>
+              </a:ext>
+            </a:extLst>
+          </p:cNvPr>
+          <p:cNvSpPr txBox="1"/>
+          <p:nvPr/>
+        </p:nvSpPr>
+        <p:spPr>
+          <a:xfrm>
+            <a:off x="6095999" y="4663540"/>
+            <a:ext cx="5971903" cy="2031325"/>
+          </a:xfrm>
+          <a:prstGeom prst="rect">
+            <a:avLst/>
+          </a:prstGeom>
+          <a:noFill/>
+          <a:ln w="12700">
+            <a:solidFill>
+              <a:schemeClr val="accent1"/>
+            </a:solidFill>
+          </a:ln>
+        </p:spPr>
+        <p:txBody>
+          <a:bodyPr wrap="square">
+            <a:spAutoFit/>
+          </a:bodyPr>
+          <a:lstStyle/>
+          <a:p>
+            <a:r>
+              <a:rPr lang="en-US" altLang="zh-CN" sz="1400">
+                <a:latin typeface="Consolas" panose="020B0609020204030204" pitchFamily="49" charset="0"/>
+                <a:ea typeface="+mj-ea"/>
+                <a:cs typeface="+mj-cs"/>
+              </a:rPr>
+              <a:t>Predicting runtime for MD5 on M7</a:t>
+            </a:r>
+          </a:p>
+          <a:p>
+            <a:r>
+              <a:rPr lang="en-US" altLang="zh-CN" sz="1400">
+                <a:latin typeface="Consolas" panose="020B0609020204030204" pitchFamily="49" charset="0"/>
+                <a:ea typeface="+mj-ea"/>
+                <a:cs typeface="+mj-cs"/>
+              </a:rPr>
+              <a:t>Test size: 0.3, Lower bound: 0</a:t>
+            </a:r>
+          </a:p>
+          <a:p>
+            <a:r>
+              <a:rPr lang="en-US" altLang="zh-CN" sz="1400">
+                <a:latin typeface="Consolas" panose="020B0609020204030204" pitchFamily="49" charset="0"/>
+                <a:ea typeface="+mj-ea"/>
+                <a:cs typeface="+mj-cs"/>
+              </a:rPr>
+              <a:t>Method: hybrid</a:t>
+            </a:r>
+          </a:p>
+          <a:p>
+            <a:endParaRPr lang="en-US" altLang="zh-CN" sz="1400">
+              <a:latin typeface="Consolas" panose="020B0609020204030204" pitchFamily="49" charset="0"/>
+              <a:ea typeface="+mj-ea"/>
+              <a:cs typeface="+mj-cs"/>
+            </a:endParaRPr>
+          </a:p>
+          <a:p>
+            <a:r>
+              <a:rPr lang="en-US" altLang="zh-CN" sz="1400">
+                <a:latin typeface="Consolas" panose="020B0609020204030204" pitchFamily="49" charset="0"/>
+                <a:ea typeface="+mj-ea"/>
+                <a:cs typeface="+mj-cs"/>
+              </a:rPr>
+              <a:t>MAPE: 0.0214 ± 0.0167 (</a:t>
+            </a:r>
+            <a:r>
+              <a:rPr lang="zh-CN" altLang="en-US" sz="1400">
+                <a:latin typeface="Consolas" panose="020B0609020204030204" pitchFamily="49" charset="0"/>
+                <a:ea typeface="+mj-ea"/>
+                <a:cs typeface="+mj-cs"/>
+              </a:rPr>
+              <a:t>优秀</a:t>
+            </a:r>
+            <a:r>
+              <a:rPr lang="en-US" altLang="zh-CN" sz="1400">
+                <a:latin typeface="Consolas" panose="020B0609020204030204" pitchFamily="49" charset="0"/>
+                <a:ea typeface="+mj-ea"/>
+                <a:cs typeface="+mj-cs"/>
+              </a:rPr>
+              <a:t>)</a:t>
+            </a:r>
+          </a:p>
+          <a:p>
+            <a:r>
+              <a:rPr lang="en-US" altLang="zh-CN" sz="1400">
+                <a:latin typeface="Consolas" panose="020B0609020204030204" pitchFamily="49" charset="0"/>
+                <a:ea typeface="+mj-ea"/>
+                <a:cs typeface="+mj-cs"/>
+              </a:rPr>
+              <a:t>R2:   1.0000 ± 0.0000</a:t>
+            </a:r>
+          </a:p>
+          <a:p>
+            <a:r>
+              <a:rPr lang="en-US" altLang="zh-CN" sz="1400">
+                <a:latin typeface="Consolas" panose="020B0609020204030204" pitchFamily="49" charset="0"/>
+                <a:ea typeface="+mj-ea"/>
+                <a:cs typeface="+mj-cs"/>
+              </a:rPr>
+              <a:t>RMSE: 0.0000 ± 0.0000 (s)</a:t>
+            </a:r>
+          </a:p>
+          <a:p>
+            <a:r>
+              <a:rPr lang="en-US" altLang="zh-CN" sz="1400">
+                <a:latin typeface="Consolas" panose="020B0609020204030204" pitchFamily="49" charset="0"/>
+                <a:ea typeface="+mj-ea"/>
+                <a:cs typeface="+mj-cs"/>
+              </a:rPr>
+              <a:t>RMSE%_mean: 0.10% ± 0.06% (</a:t>
+            </a:r>
+            <a:r>
+              <a:rPr lang="zh-CN" altLang="en-US" sz="1400">
+                <a:latin typeface="Consolas" panose="020B0609020204030204" pitchFamily="49" charset="0"/>
+                <a:ea typeface="+mj-ea"/>
+                <a:cs typeface="+mj-cs"/>
+              </a:rPr>
+              <a:t>优秀</a:t>
+            </a:r>
+            <a:r>
+              <a:rPr lang="en-US" altLang="zh-CN" sz="1400">
+                <a:latin typeface="Consolas" panose="020B0609020204030204" pitchFamily="49" charset="0"/>
+                <a:ea typeface="+mj-ea"/>
+                <a:cs typeface="+mj-cs"/>
+              </a:rPr>
+              <a:t>)</a:t>
+            </a:r>
+          </a:p>
+          <a:p>
+            <a:r>
+              <a:rPr lang="en-US" altLang="zh-CN" sz="1400">
+                <a:latin typeface="Consolas" panose="020B0609020204030204" pitchFamily="49" charset="0"/>
+                <a:ea typeface="+mj-ea"/>
+                <a:cs typeface="+mj-cs"/>
+              </a:rPr>
+              <a:t>RMSE%_range: 0.02% ± 0.01% (</a:t>
+            </a:r>
+            <a:r>
+              <a:rPr lang="zh-CN" altLang="en-US" sz="1400">
+                <a:latin typeface="Consolas" panose="020B0609020204030204" pitchFamily="49" charset="0"/>
+                <a:ea typeface="+mj-ea"/>
+                <a:cs typeface="+mj-cs"/>
+              </a:rPr>
+              <a:t>优秀</a:t>
+            </a:r>
+            <a:r>
+              <a:rPr lang="en-US" altLang="zh-CN" sz="1400">
+                <a:latin typeface="Consolas" panose="020B0609020204030204" pitchFamily="49" charset="0"/>
+                <a:ea typeface="+mj-ea"/>
+                <a:cs typeface="+mj-cs"/>
+              </a:rPr>
+              <a:t>)</a:t>
+            </a:r>
+            <a:endParaRPr lang="zh-CN" altLang="en-US" sz="1400">
+              <a:latin typeface="Consolas" panose="020B0609020204030204" pitchFamily="49" charset="0"/>
+              <a:ea typeface="+mj-ea"/>
+              <a:cs typeface="+mj-cs"/>
+            </a:endParaRPr>
+          </a:p>
+        </p:txBody>
+      </p:sp>
+    </p:spTree>
+    <p:extLst>
+      <p:ext uri="{BB962C8B-B14F-4D97-AF65-F5344CB8AC3E}">
+        <p14:creationId xmlns:p14="http://schemas.microsoft.com/office/powerpoint/2010/main" val="3345141031"/>
+      </p:ext>
+    </p:extLst>
+  </p:cSld>
+  <p:clrMapOvr>
+    <a:masterClrMapping/>
+  </p:clrMapOvr>
+</p:sld>
+</file>
+
+<file path=ppt/slides/slide45.xml><?xml version="1.0" encoding="utf-8"?>
+<p:sld xmlns:a="http://schemas.openxmlformats.org/drawingml/2006/main" xmlns:r="http://schemas.openxmlformats.org/officeDocument/2006/relationships" xmlns:p="http://schemas.openxmlformats.org/presentationml/2006/main">
+  <p:cSld>
+    <p:spTree>
+      <p:nvGrpSpPr>
+        <p:cNvPr id="1" name="">
+          <a:extLst>
+            <a:ext uri="{FF2B5EF4-FFF2-40B4-BE49-F238E27FC236}">
+              <a16:creationId xmlns:a16="http://schemas.microsoft.com/office/drawing/2014/main" id="{CABC70FE-E869-459F-A3B7-4476DE1CF9F6}"/>
+            </a:ext>
+          </a:extLst>
+        </p:cNvPr>
+        <p:cNvGrpSpPr/>
+        <p:nvPr/>
+      </p:nvGrpSpPr>
+      <p:grpSpPr>
+        <a:xfrm>
+          <a:off x="0" y="0"/>
+          <a:ext cx="0" cy="0"/>
+          <a:chOff x="0" y="0"/>
+          <a:chExt cx="0" cy="0"/>
+        </a:xfrm>
+      </p:grpSpPr>
+      <p:sp>
+        <p:nvSpPr>
+          <p:cNvPr id="5" name="文本框 4">
+            <a:extLst>
+              <a:ext uri="{FF2B5EF4-FFF2-40B4-BE49-F238E27FC236}">
+                <a16:creationId xmlns:a16="http://schemas.microsoft.com/office/drawing/2014/main" id="{968691DB-EA77-F20E-1455-04AD558E91B6}"/>
+              </a:ext>
+            </a:extLst>
+          </p:cNvPr>
+          <p:cNvSpPr txBox="1"/>
+          <p:nvPr/>
+        </p:nvSpPr>
+        <p:spPr>
+          <a:xfrm>
+            <a:off x="124097" y="600891"/>
+            <a:ext cx="5971903" cy="2031325"/>
+          </a:xfrm>
+          <a:prstGeom prst="rect">
+            <a:avLst/>
+          </a:prstGeom>
+          <a:noFill/>
+          <a:ln w="12700">
+            <a:solidFill>
+              <a:schemeClr val="accent1"/>
+            </a:solidFill>
+          </a:ln>
+        </p:spPr>
+        <p:txBody>
+          <a:bodyPr wrap="square">
+            <a:spAutoFit/>
+          </a:bodyPr>
+          <a:lstStyle/>
+          <a:p>
+            <a:r>
+              <a:rPr lang="en-US" altLang="zh-CN" sz="1400">
+                <a:latin typeface="Consolas" panose="020B0609020204030204" pitchFamily="49" charset="0"/>
+                <a:ea typeface="+mj-ea"/>
+                <a:cs typeface="+mj-cs"/>
+              </a:rPr>
+              <a:t>Predicting runtime for SHA256 on R5</a:t>
+            </a:r>
+          </a:p>
+          <a:p>
+            <a:r>
+              <a:rPr lang="en-US" altLang="zh-CN" sz="1400">
+                <a:latin typeface="Consolas" panose="020B0609020204030204" pitchFamily="49" charset="0"/>
+                <a:ea typeface="+mj-ea"/>
+                <a:cs typeface="+mj-cs"/>
+              </a:rPr>
+              <a:t>Test size: 0.3, Lower bound: 0</a:t>
+            </a:r>
+          </a:p>
+          <a:p>
+            <a:r>
+              <a:rPr lang="en-US" altLang="zh-CN" sz="1400">
+                <a:latin typeface="Consolas" panose="020B0609020204030204" pitchFamily="49" charset="0"/>
+                <a:ea typeface="+mj-ea"/>
+                <a:cs typeface="+mj-cs"/>
+              </a:rPr>
+              <a:t>Method: curve_fit</a:t>
+            </a:r>
+          </a:p>
+          <a:p>
+            <a:endParaRPr lang="en-US" altLang="zh-CN" sz="1400">
+              <a:latin typeface="Consolas" panose="020B0609020204030204" pitchFamily="49" charset="0"/>
+              <a:ea typeface="+mj-ea"/>
+              <a:cs typeface="+mj-cs"/>
+            </a:endParaRPr>
+          </a:p>
+          <a:p>
+            <a:r>
+              <a:rPr lang="en-US" altLang="zh-CN" sz="1400">
+                <a:latin typeface="Consolas" panose="020B0609020204030204" pitchFamily="49" charset="0"/>
+                <a:ea typeface="+mj-ea"/>
+                <a:cs typeface="+mj-cs"/>
+              </a:rPr>
+              <a:t>MAPE: 0.1227 ± 0.0916 (</a:t>
+            </a:r>
+            <a:r>
+              <a:rPr lang="zh-CN" altLang="en-US" sz="1400">
+                <a:latin typeface="Consolas" panose="020B0609020204030204" pitchFamily="49" charset="0"/>
+                <a:ea typeface="+mj-ea"/>
+                <a:cs typeface="+mj-cs"/>
+              </a:rPr>
+              <a:t>中等</a:t>
+            </a:r>
+            <a:r>
+              <a:rPr lang="en-US" altLang="zh-CN" sz="1400">
+                <a:latin typeface="Consolas" panose="020B0609020204030204" pitchFamily="49" charset="0"/>
+                <a:ea typeface="+mj-ea"/>
+                <a:cs typeface="+mj-cs"/>
+              </a:rPr>
+              <a:t>)</a:t>
+            </a:r>
+          </a:p>
+          <a:p>
+            <a:r>
+              <a:rPr lang="en-US" altLang="zh-CN" sz="1400">
+                <a:latin typeface="Consolas" panose="020B0609020204030204" pitchFamily="49" charset="0"/>
+                <a:ea typeface="+mj-ea"/>
+                <a:cs typeface="+mj-cs"/>
+              </a:rPr>
+              <a:t>R2:   0.9784 ± 0.0373</a:t>
+            </a:r>
+          </a:p>
+          <a:p>
+            <a:r>
+              <a:rPr lang="en-US" altLang="zh-CN" sz="1400">
+                <a:latin typeface="Consolas" panose="020B0609020204030204" pitchFamily="49" charset="0"/>
+                <a:ea typeface="+mj-ea"/>
+                <a:cs typeface="+mj-cs"/>
+              </a:rPr>
+              <a:t>RMSE: 0.0000 ± 0.0000 (s)</a:t>
+            </a:r>
+          </a:p>
+          <a:p>
+            <a:r>
+              <a:rPr lang="en-US" altLang="zh-CN" sz="1400">
+                <a:latin typeface="Consolas" panose="020B0609020204030204" pitchFamily="49" charset="0"/>
+                <a:ea typeface="+mj-ea"/>
+                <a:cs typeface="+mj-cs"/>
+              </a:rPr>
+              <a:t>RMSE%_mean: 8.99% ± 4.23% (</a:t>
+            </a:r>
+            <a:r>
+              <a:rPr lang="zh-CN" altLang="en-US" sz="1400">
+                <a:latin typeface="Consolas" panose="020B0609020204030204" pitchFamily="49" charset="0"/>
+                <a:ea typeface="+mj-ea"/>
+                <a:cs typeface="+mj-cs"/>
+              </a:rPr>
+              <a:t>优秀</a:t>
+            </a:r>
+            <a:r>
+              <a:rPr lang="en-US" altLang="zh-CN" sz="1400">
+                <a:latin typeface="Consolas" panose="020B0609020204030204" pitchFamily="49" charset="0"/>
+                <a:ea typeface="+mj-ea"/>
+                <a:cs typeface="+mj-cs"/>
+              </a:rPr>
+              <a:t>)</a:t>
+            </a:r>
+          </a:p>
+          <a:p>
+            <a:r>
+              <a:rPr lang="en-US" altLang="zh-CN" sz="1400">
+                <a:latin typeface="Consolas" panose="020B0609020204030204" pitchFamily="49" charset="0"/>
+                <a:ea typeface="+mj-ea"/>
+                <a:cs typeface="+mj-cs"/>
+              </a:rPr>
+              <a:t>RMSE%_range: 5.16% ± 3.73% (</a:t>
+            </a:r>
+            <a:r>
+              <a:rPr lang="zh-CN" altLang="en-US" sz="1400">
+                <a:latin typeface="Consolas" panose="020B0609020204030204" pitchFamily="49" charset="0"/>
+                <a:ea typeface="+mj-ea"/>
+                <a:cs typeface="+mj-cs"/>
+              </a:rPr>
+              <a:t>优秀</a:t>
+            </a:r>
+            <a:r>
+              <a:rPr lang="en-US" altLang="zh-CN" sz="1400">
+                <a:latin typeface="Consolas" panose="020B0609020204030204" pitchFamily="49" charset="0"/>
+                <a:ea typeface="+mj-ea"/>
+                <a:cs typeface="+mj-cs"/>
+              </a:rPr>
+              <a:t>)</a:t>
+            </a:r>
+            <a:endParaRPr lang="zh-CN" altLang="en-US" sz="1400">
+              <a:latin typeface="Consolas" panose="020B0609020204030204" pitchFamily="49" charset="0"/>
+              <a:ea typeface="+mj-ea"/>
+              <a:cs typeface="+mj-cs"/>
+            </a:endParaRPr>
+          </a:p>
+        </p:txBody>
+      </p:sp>
+      <p:sp>
+        <p:nvSpPr>
+          <p:cNvPr id="6" name="标题 1">
+            <a:extLst>
+              <a:ext uri="{FF2B5EF4-FFF2-40B4-BE49-F238E27FC236}">
+                <a16:creationId xmlns:a16="http://schemas.microsoft.com/office/drawing/2014/main" id="{69C11E6D-F74D-C81C-4066-731DE6C3F500}"/>
+              </a:ext>
+            </a:extLst>
+          </p:cNvPr>
+          <p:cNvSpPr txBox="1">
+            <a:spLocks/>
+          </p:cNvSpPr>
+          <p:nvPr/>
+        </p:nvSpPr>
+        <p:spPr>
+          <a:xfrm>
+            <a:off x="124097" y="143056"/>
+            <a:ext cx="6950697" cy="457835"/>
+          </a:xfrm>
+          <a:prstGeom prst="rect">
+            <a:avLst/>
+          </a:prstGeom>
+        </p:spPr>
+        <p:txBody>
+          <a:bodyPr vert="horz" lIns="91440" tIns="45720" rIns="91440" bIns="45720" rtlCol="0" anchor="ctr">
+            <a:normAutofit fontScale="97500" lnSpcReduction="10000"/>
+          </a:bodyPr>
+          <a:lstStyle>
+            <a:lvl1pPr algn="l" defTabSz="914400" rtl="0" eaLnBrk="1" latinLnBrk="0" hangingPunct="1">
+              <a:lnSpc>
+                <a:spcPct val="90000"/>
+              </a:lnSpc>
+              <a:spcBef>
+                <a:spcPct val="0"/>
+              </a:spcBef>
+              <a:buNone/>
+              <a:defRPr sz="4400" kern="1200">
+                <a:solidFill>
+                  <a:schemeClr val="tx1"/>
+                </a:solidFill>
+                <a:latin typeface="+mj-lt"/>
+                <a:ea typeface="+mj-ea"/>
+                <a:cs typeface="+mj-cs"/>
+              </a:defRPr>
+            </a:lvl1pPr>
+          </a:lstStyle>
+          <a:p>
+            <a:r>
+              <a:rPr lang="en-US" altLang="zh-CN" sz="2800" b="1"/>
+              <a:t>SHA256</a:t>
+            </a:r>
+            <a:endParaRPr lang="zh-CN" altLang="en-US" sz="2800" b="1" dirty="0"/>
+          </a:p>
+        </p:txBody>
+      </p:sp>
+      <p:sp>
+        <p:nvSpPr>
+          <p:cNvPr id="7" name="文本框 6">
+            <a:extLst>
+              <a:ext uri="{FF2B5EF4-FFF2-40B4-BE49-F238E27FC236}">
+                <a16:creationId xmlns:a16="http://schemas.microsoft.com/office/drawing/2014/main" id="{17BE6F08-8B6A-1285-25D7-CEF214772F9B}"/>
+              </a:ext>
+            </a:extLst>
+          </p:cNvPr>
+          <p:cNvSpPr txBox="1"/>
+          <p:nvPr/>
+        </p:nvSpPr>
+        <p:spPr>
+          <a:xfrm>
+            <a:off x="6096000" y="600891"/>
+            <a:ext cx="5971903" cy="2031325"/>
+          </a:xfrm>
+          <a:prstGeom prst="rect">
+            <a:avLst/>
+          </a:prstGeom>
+          <a:noFill/>
+          <a:ln w="12700">
+            <a:solidFill>
+              <a:schemeClr val="accent1"/>
+            </a:solidFill>
+          </a:ln>
+        </p:spPr>
+        <p:txBody>
+          <a:bodyPr wrap="square">
+            <a:spAutoFit/>
+          </a:bodyPr>
+          <a:lstStyle/>
+          <a:p>
+            <a:r>
+              <a:rPr lang="en-US" altLang="zh-CN" sz="1400">
+                <a:latin typeface="Consolas" panose="020B0609020204030204" pitchFamily="49" charset="0"/>
+                <a:ea typeface="+mj-ea"/>
+                <a:cs typeface="+mj-cs"/>
+              </a:rPr>
+              <a:t>Predicting runtime for SHA256 on R5</a:t>
+            </a:r>
+          </a:p>
+          <a:p>
+            <a:r>
+              <a:rPr lang="en-US" altLang="zh-CN" sz="1400">
+                <a:latin typeface="Consolas" panose="020B0609020204030204" pitchFamily="49" charset="0"/>
+                <a:ea typeface="+mj-ea"/>
+                <a:cs typeface="+mj-cs"/>
+              </a:rPr>
+              <a:t>Test size: 0.3, Lower bound: 0</a:t>
+            </a:r>
+          </a:p>
+          <a:p>
+            <a:r>
+              <a:rPr lang="en-US" altLang="zh-CN" sz="1400">
+                <a:latin typeface="Consolas" panose="020B0609020204030204" pitchFamily="49" charset="0"/>
+                <a:ea typeface="+mj-ea"/>
+                <a:cs typeface="+mj-cs"/>
+              </a:rPr>
+              <a:t>Method: hybrid</a:t>
+            </a:r>
+          </a:p>
+          <a:p>
+            <a:endParaRPr lang="en-US" altLang="zh-CN" sz="1400">
+              <a:latin typeface="Consolas" panose="020B0609020204030204" pitchFamily="49" charset="0"/>
+              <a:ea typeface="+mj-ea"/>
+              <a:cs typeface="+mj-cs"/>
+            </a:endParaRPr>
+          </a:p>
+          <a:p>
+            <a:r>
+              <a:rPr lang="en-US" altLang="zh-CN" sz="1400">
+                <a:latin typeface="Consolas" panose="020B0609020204030204" pitchFamily="49" charset="0"/>
+                <a:ea typeface="+mj-ea"/>
+                <a:cs typeface="+mj-cs"/>
+              </a:rPr>
+              <a:t>MAPE: 0.1367 ± 0.0550 (</a:t>
+            </a:r>
+            <a:r>
+              <a:rPr lang="zh-CN" altLang="en-US" sz="1400">
+                <a:latin typeface="Consolas" panose="020B0609020204030204" pitchFamily="49" charset="0"/>
+                <a:ea typeface="+mj-ea"/>
+                <a:cs typeface="+mj-cs"/>
+              </a:rPr>
+              <a:t>中等</a:t>
+            </a:r>
+            <a:r>
+              <a:rPr lang="en-US" altLang="zh-CN" sz="1400">
+                <a:latin typeface="Consolas" panose="020B0609020204030204" pitchFamily="49" charset="0"/>
+                <a:ea typeface="+mj-ea"/>
+                <a:cs typeface="+mj-cs"/>
+              </a:rPr>
+              <a:t>)</a:t>
+            </a:r>
+          </a:p>
+          <a:p>
+            <a:r>
+              <a:rPr lang="en-US" altLang="zh-CN" sz="1400">
+                <a:latin typeface="Consolas" panose="020B0609020204030204" pitchFamily="49" charset="0"/>
+                <a:ea typeface="+mj-ea"/>
+                <a:cs typeface="+mj-cs"/>
+              </a:rPr>
+              <a:t>R2:   0.9792 ± 0.0373</a:t>
+            </a:r>
+          </a:p>
+          <a:p>
+            <a:r>
+              <a:rPr lang="en-US" altLang="zh-CN" sz="1400">
+                <a:latin typeface="Consolas" panose="020B0609020204030204" pitchFamily="49" charset="0"/>
+                <a:ea typeface="+mj-ea"/>
+                <a:cs typeface="+mj-cs"/>
+              </a:rPr>
+              <a:t>RMSE: 0.0000 ± 0.0000 (s)</a:t>
+            </a:r>
+          </a:p>
+          <a:p>
+            <a:r>
+              <a:rPr lang="en-US" altLang="zh-CN" sz="1400">
+                <a:latin typeface="Consolas" panose="020B0609020204030204" pitchFamily="49" charset="0"/>
+                <a:ea typeface="+mj-ea"/>
+                <a:cs typeface="+mj-cs"/>
+              </a:rPr>
+              <a:t>RMSE%_mean: 8.38% ± 4.49% (</a:t>
+            </a:r>
+            <a:r>
+              <a:rPr lang="zh-CN" altLang="en-US" sz="1400">
+                <a:latin typeface="Consolas" panose="020B0609020204030204" pitchFamily="49" charset="0"/>
+                <a:ea typeface="+mj-ea"/>
+                <a:cs typeface="+mj-cs"/>
+              </a:rPr>
+              <a:t>优秀</a:t>
+            </a:r>
+            <a:r>
+              <a:rPr lang="en-US" altLang="zh-CN" sz="1400">
+                <a:latin typeface="Consolas" panose="020B0609020204030204" pitchFamily="49" charset="0"/>
+                <a:ea typeface="+mj-ea"/>
+                <a:cs typeface="+mj-cs"/>
+              </a:rPr>
+              <a:t>)</a:t>
+            </a:r>
+          </a:p>
+          <a:p>
+            <a:r>
+              <a:rPr lang="en-US" altLang="zh-CN" sz="1400">
+                <a:latin typeface="Consolas" panose="020B0609020204030204" pitchFamily="49" charset="0"/>
+                <a:ea typeface="+mj-ea"/>
+                <a:cs typeface="+mj-cs"/>
+              </a:rPr>
+              <a:t>RMSE%_range: 4.90% ± 3.89% (</a:t>
+            </a:r>
+            <a:r>
+              <a:rPr lang="zh-CN" altLang="en-US" sz="1400">
+                <a:latin typeface="Consolas" panose="020B0609020204030204" pitchFamily="49" charset="0"/>
+                <a:ea typeface="+mj-ea"/>
+                <a:cs typeface="+mj-cs"/>
+              </a:rPr>
+              <a:t>优秀</a:t>
+            </a:r>
+            <a:r>
+              <a:rPr lang="en-US" altLang="zh-CN" sz="1400">
+                <a:latin typeface="Consolas" panose="020B0609020204030204" pitchFamily="49" charset="0"/>
+                <a:ea typeface="+mj-ea"/>
+                <a:cs typeface="+mj-cs"/>
+              </a:rPr>
+              <a:t>)</a:t>
+            </a:r>
+            <a:endParaRPr lang="zh-CN" altLang="en-US" sz="1400">
+              <a:latin typeface="Consolas" panose="020B0609020204030204" pitchFamily="49" charset="0"/>
+              <a:ea typeface="+mj-ea"/>
+              <a:cs typeface="+mj-cs"/>
+            </a:endParaRPr>
+          </a:p>
+        </p:txBody>
+      </p:sp>
+      <p:sp>
+        <p:nvSpPr>
+          <p:cNvPr id="8" name="文本框 7">
+            <a:extLst>
+              <a:ext uri="{FF2B5EF4-FFF2-40B4-BE49-F238E27FC236}">
+                <a16:creationId xmlns:a16="http://schemas.microsoft.com/office/drawing/2014/main" id="{3F2D87E8-8F99-F9C0-11B7-51EFC888312F}"/>
+              </a:ext>
+            </a:extLst>
+          </p:cNvPr>
+          <p:cNvSpPr txBox="1"/>
+          <p:nvPr/>
+        </p:nvSpPr>
+        <p:spPr>
+          <a:xfrm>
+            <a:off x="124095" y="2632216"/>
+            <a:ext cx="5971903" cy="2031325"/>
+          </a:xfrm>
+          <a:prstGeom prst="rect">
+            <a:avLst/>
+          </a:prstGeom>
+          <a:noFill/>
+          <a:ln w="12700">
+            <a:solidFill>
+              <a:schemeClr val="accent1"/>
+            </a:solidFill>
+          </a:ln>
+        </p:spPr>
+        <p:txBody>
+          <a:bodyPr wrap="square">
+            <a:spAutoFit/>
+          </a:bodyPr>
+          <a:lstStyle/>
+          <a:p>
+            <a:r>
+              <a:rPr lang="en-US" altLang="zh-CN" sz="1400">
+                <a:latin typeface="Consolas" panose="020B0609020204030204" pitchFamily="49" charset="0"/>
+                <a:ea typeface="+mj-ea"/>
+                <a:cs typeface="+mj-cs"/>
+              </a:rPr>
+              <a:t>Predicting runtime for SHA256 on A72</a:t>
+            </a:r>
+          </a:p>
+          <a:p>
+            <a:r>
+              <a:rPr lang="en-US" altLang="zh-CN" sz="1400">
+                <a:latin typeface="Consolas" panose="020B0609020204030204" pitchFamily="49" charset="0"/>
+                <a:ea typeface="+mj-ea"/>
+                <a:cs typeface="+mj-cs"/>
+              </a:rPr>
+              <a:t>Test size: 0.3, Lower bound: 0.0</a:t>
+            </a:r>
+          </a:p>
+          <a:p>
+            <a:r>
+              <a:rPr lang="en-US" altLang="zh-CN" sz="1400">
+                <a:latin typeface="Consolas" panose="020B0609020204030204" pitchFamily="49" charset="0"/>
+                <a:ea typeface="+mj-ea"/>
+                <a:cs typeface="+mj-cs"/>
+              </a:rPr>
+              <a:t>Method: curve_fit</a:t>
+            </a:r>
+          </a:p>
+          <a:p>
+            <a:endParaRPr lang="en-US" altLang="zh-CN" sz="1400">
+              <a:latin typeface="Consolas" panose="020B0609020204030204" pitchFamily="49" charset="0"/>
+              <a:ea typeface="+mj-ea"/>
+              <a:cs typeface="+mj-cs"/>
+            </a:endParaRPr>
+          </a:p>
+          <a:p>
+            <a:r>
+              <a:rPr lang="en-US" altLang="zh-CN" sz="1400">
+                <a:latin typeface="Consolas" panose="020B0609020204030204" pitchFamily="49" charset="0"/>
+                <a:ea typeface="+mj-ea"/>
+                <a:cs typeface="+mj-cs"/>
+              </a:rPr>
+              <a:t>MAPE: 0.5308 ± 0.4170 (</a:t>
+            </a:r>
+            <a:r>
+              <a:rPr lang="zh-CN" altLang="en-US" sz="1400">
+                <a:latin typeface="Consolas" panose="020B0609020204030204" pitchFamily="49" charset="0"/>
+                <a:ea typeface="+mj-ea"/>
+                <a:cs typeface="+mj-cs"/>
+              </a:rPr>
+              <a:t>差</a:t>
+            </a:r>
+            <a:r>
+              <a:rPr lang="en-US" altLang="zh-CN" sz="1400">
+                <a:latin typeface="Consolas" panose="020B0609020204030204" pitchFamily="49" charset="0"/>
+                <a:ea typeface="+mj-ea"/>
+                <a:cs typeface="+mj-cs"/>
+              </a:rPr>
+              <a:t>)</a:t>
+            </a:r>
+          </a:p>
+          <a:p>
+            <a:r>
+              <a:rPr lang="en-US" altLang="zh-CN" sz="1400">
+                <a:latin typeface="Consolas" panose="020B0609020204030204" pitchFamily="49" charset="0"/>
+                <a:ea typeface="+mj-ea"/>
+                <a:cs typeface="+mj-cs"/>
+              </a:rPr>
+              <a:t>R2:   0.9990 ± 0.0004</a:t>
+            </a:r>
+          </a:p>
+          <a:p>
+            <a:r>
+              <a:rPr lang="en-US" altLang="zh-CN" sz="1400">
+                <a:latin typeface="Consolas" panose="020B0609020204030204" pitchFamily="49" charset="0"/>
+                <a:ea typeface="+mj-ea"/>
+                <a:cs typeface="+mj-cs"/>
+              </a:rPr>
+              <a:t>RMSE: 0.0001 ± 0.0001 (s)</a:t>
+            </a:r>
+          </a:p>
+          <a:p>
+            <a:r>
+              <a:rPr lang="en-US" altLang="zh-CN" sz="1400">
+                <a:latin typeface="Consolas" panose="020B0609020204030204" pitchFamily="49" charset="0"/>
+                <a:ea typeface="+mj-ea"/>
+                <a:cs typeface="+mj-cs"/>
+              </a:rPr>
+              <a:t>RMSE%_mean: 4.42% ± 1.31% (</a:t>
+            </a:r>
+            <a:r>
+              <a:rPr lang="zh-CN" altLang="en-US" sz="1400">
+                <a:latin typeface="Consolas" panose="020B0609020204030204" pitchFamily="49" charset="0"/>
+                <a:ea typeface="+mj-ea"/>
+                <a:cs typeface="+mj-cs"/>
+              </a:rPr>
+              <a:t>优秀</a:t>
+            </a:r>
+            <a:r>
+              <a:rPr lang="en-US" altLang="zh-CN" sz="1400">
+                <a:latin typeface="Consolas" panose="020B0609020204030204" pitchFamily="49" charset="0"/>
+                <a:ea typeface="+mj-ea"/>
+                <a:cs typeface="+mj-cs"/>
+              </a:rPr>
+              <a:t>)</a:t>
+            </a:r>
+          </a:p>
+          <a:p>
+            <a:r>
+              <a:rPr lang="en-US" altLang="zh-CN" sz="1400">
+                <a:latin typeface="Consolas" panose="020B0609020204030204" pitchFamily="49" charset="0"/>
+                <a:ea typeface="+mj-ea"/>
+                <a:cs typeface="+mj-cs"/>
+              </a:rPr>
+              <a:t>RMSE%_range: 1.18% ± 0.29% (</a:t>
+            </a:r>
+            <a:r>
+              <a:rPr lang="zh-CN" altLang="en-US" sz="1400">
+                <a:latin typeface="Consolas" panose="020B0609020204030204" pitchFamily="49" charset="0"/>
+                <a:ea typeface="+mj-ea"/>
+                <a:cs typeface="+mj-cs"/>
+              </a:rPr>
+              <a:t>优秀</a:t>
+            </a:r>
+            <a:r>
+              <a:rPr lang="en-US" altLang="zh-CN" sz="1400">
+                <a:latin typeface="Consolas" panose="020B0609020204030204" pitchFamily="49" charset="0"/>
+                <a:ea typeface="+mj-ea"/>
+                <a:cs typeface="+mj-cs"/>
+              </a:rPr>
+              <a:t>)</a:t>
+            </a:r>
+            <a:endParaRPr lang="zh-CN" altLang="en-US" sz="1400">
+              <a:latin typeface="Consolas" panose="020B0609020204030204" pitchFamily="49" charset="0"/>
+              <a:ea typeface="+mj-ea"/>
+              <a:cs typeface="+mj-cs"/>
+            </a:endParaRPr>
+          </a:p>
+        </p:txBody>
+      </p:sp>
+      <p:sp>
+        <p:nvSpPr>
+          <p:cNvPr id="9" name="文本框 8">
+            <a:extLst>
+              <a:ext uri="{FF2B5EF4-FFF2-40B4-BE49-F238E27FC236}">
+                <a16:creationId xmlns:a16="http://schemas.microsoft.com/office/drawing/2014/main" id="{E1241691-5060-D0D2-3AE3-3C0A44905392}"/>
+              </a:ext>
+            </a:extLst>
+          </p:cNvPr>
+          <p:cNvSpPr txBox="1"/>
+          <p:nvPr/>
+        </p:nvSpPr>
+        <p:spPr>
+          <a:xfrm>
+            <a:off x="124095" y="4663541"/>
+            <a:ext cx="5971903" cy="2031325"/>
+          </a:xfrm>
+          <a:prstGeom prst="rect">
+            <a:avLst/>
+          </a:prstGeom>
+          <a:noFill/>
+          <a:ln w="12700">
+            <a:solidFill>
+              <a:schemeClr val="accent1"/>
+            </a:solidFill>
+          </a:ln>
+        </p:spPr>
+        <p:txBody>
+          <a:bodyPr wrap="square">
+            <a:spAutoFit/>
+          </a:bodyPr>
+          <a:lstStyle/>
+          <a:p>
+            <a:r>
+              <a:rPr lang="en-US" altLang="zh-CN" sz="1400">
+                <a:latin typeface="Consolas" panose="020B0609020204030204" pitchFamily="49" charset="0"/>
+                <a:ea typeface="+mj-ea"/>
+                <a:cs typeface="+mj-cs"/>
+              </a:rPr>
+              <a:t>Predicting runtime for SHA256 on M7</a:t>
+            </a:r>
+          </a:p>
+          <a:p>
+            <a:r>
+              <a:rPr lang="en-US" altLang="zh-CN" sz="1400">
+                <a:latin typeface="Consolas" panose="020B0609020204030204" pitchFamily="49" charset="0"/>
+                <a:ea typeface="+mj-ea"/>
+                <a:cs typeface="+mj-cs"/>
+              </a:rPr>
+              <a:t>Test size: 0.3, Lower bound: 0.0</a:t>
+            </a:r>
+          </a:p>
+          <a:p>
+            <a:r>
+              <a:rPr lang="en-US" altLang="zh-CN" sz="1400">
+                <a:latin typeface="Consolas" panose="020B0609020204030204" pitchFamily="49" charset="0"/>
+                <a:ea typeface="+mj-ea"/>
+                <a:cs typeface="+mj-cs"/>
+              </a:rPr>
+              <a:t>Method: curve_fit</a:t>
+            </a:r>
+          </a:p>
+          <a:p>
+            <a:endParaRPr lang="en-US" altLang="zh-CN" sz="1400">
+              <a:latin typeface="Consolas" panose="020B0609020204030204" pitchFamily="49" charset="0"/>
+              <a:ea typeface="+mj-ea"/>
+              <a:cs typeface="+mj-cs"/>
+            </a:endParaRPr>
+          </a:p>
+          <a:p>
+            <a:r>
+              <a:rPr lang="en-US" altLang="zh-CN" sz="1400">
+                <a:latin typeface="Consolas" panose="020B0609020204030204" pitchFamily="49" charset="0"/>
+                <a:ea typeface="+mj-ea"/>
+                <a:cs typeface="+mj-cs"/>
+              </a:rPr>
+              <a:t>MAPE: 0.5308 ± 0.4170 (</a:t>
+            </a:r>
+            <a:r>
+              <a:rPr lang="zh-CN" altLang="en-US" sz="1400">
+                <a:latin typeface="Consolas" panose="020B0609020204030204" pitchFamily="49" charset="0"/>
+                <a:ea typeface="+mj-ea"/>
+                <a:cs typeface="+mj-cs"/>
+              </a:rPr>
+              <a:t>差</a:t>
+            </a:r>
+            <a:r>
+              <a:rPr lang="en-US" altLang="zh-CN" sz="1400">
+                <a:latin typeface="Consolas" panose="020B0609020204030204" pitchFamily="49" charset="0"/>
+                <a:ea typeface="+mj-ea"/>
+                <a:cs typeface="+mj-cs"/>
+              </a:rPr>
+              <a:t>)</a:t>
+            </a:r>
+          </a:p>
+          <a:p>
+            <a:r>
+              <a:rPr lang="en-US" altLang="zh-CN" sz="1400">
+                <a:latin typeface="Consolas" panose="020B0609020204030204" pitchFamily="49" charset="0"/>
+                <a:ea typeface="+mj-ea"/>
+                <a:cs typeface="+mj-cs"/>
+              </a:rPr>
+              <a:t>R2:   0.9990 ± 0.0004</a:t>
+            </a:r>
+          </a:p>
+          <a:p>
+            <a:r>
+              <a:rPr lang="en-US" altLang="zh-CN" sz="1400">
+                <a:latin typeface="Consolas" panose="020B0609020204030204" pitchFamily="49" charset="0"/>
+                <a:ea typeface="+mj-ea"/>
+                <a:cs typeface="+mj-cs"/>
+              </a:rPr>
+              <a:t>RMSE: 90.9086 ± 75.0311 (us)</a:t>
+            </a:r>
+          </a:p>
+          <a:p>
+            <a:r>
+              <a:rPr lang="en-US" altLang="zh-CN" sz="1400">
+                <a:latin typeface="Consolas" panose="020B0609020204030204" pitchFamily="49" charset="0"/>
+                <a:ea typeface="+mj-ea"/>
+                <a:cs typeface="+mj-cs"/>
+              </a:rPr>
+              <a:t>RMSE%_mean: 4.42% ± 1.31% (</a:t>
+            </a:r>
+            <a:r>
+              <a:rPr lang="zh-CN" altLang="en-US" sz="1400">
+                <a:latin typeface="Consolas" panose="020B0609020204030204" pitchFamily="49" charset="0"/>
+                <a:ea typeface="+mj-ea"/>
+                <a:cs typeface="+mj-cs"/>
+              </a:rPr>
+              <a:t>优秀</a:t>
+            </a:r>
+            <a:r>
+              <a:rPr lang="en-US" altLang="zh-CN" sz="1400">
+                <a:latin typeface="Consolas" panose="020B0609020204030204" pitchFamily="49" charset="0"/>
+                <a:ea typeface="+mj-ea"/>
+                <a:cs typeface="+mj-cs"/>
+              </a:rPr>
+              <a:t>)</a:t>
+            </a:r>
+          </a:p>
+          <a:p>
+            <a:r>
+              <a:rPr lang="en-US" altLang="zh-CN" sz="1400">
+                <a:latin typeface="Consolas" panose="020B0609020204030204" pitchFamily="49" charset="0"/>
+                <a:ea typeface="+mj-ea"/>
+                <a:cs typeface="+mj-cs"/>
+              </a:rPr>
+              <a:t>RMSE%_range: 1.18% ± 0.29% (</a:t>
+            </a:r>
+            <a:r>
+              <a:rPr lang="zh-CN" altLang="en-US" sz="1400">
+                <a:latin typeface="Consolas" panose="020B0609020204030204" pitchFamily="49" charset="0"/>
+                <a:ea typeface="+mj-ea"/>
+                <a:cs typeface="+mj-cs"/>
+              </a:rPr>
+              <a:t>优秀</a:t>
+            </a:r>
+            <a:r>
+              <a:rPr lang="en-US" altLang="zh-CN" sz="1400">
+                <a:latin typeface="Consolas" panose="020B0609020204030204" pitchFamily="49" charset="0"/>
+                <a:ea typeface="+mj-ea"/>
+                <a:cs typeface="+mj-cs"/>
+              </a:rPr>
+              <a:t>)</a:t>
+            </a:r>
+            <a:endParaRPr lang="zh-CN" altLang="en-US" sz="1400">
+              <a:latin typeface="Consolas" panose="020B0609020204030204" pitchFamily="49" charset="0"/>
+              <a:ea typeface="+mj-ea"/>
+              <a:cs typeface="+mj-cs"/>
+            </a:endParaRPr>
+          </a:p>
+        </p:txBody>
+      </p:sp>
+      <p:sp>
+        <p:nvSpPr>
+          <p:cNvPr id="10" name="文本框 9">
+            <a:extLst>
+              <a:ext uri="{FF2B5EF4-FFF2-40B4-BE49-F238E27FC236}">
+                <a16:creationId xmlns:a16="http://schemas.microsoft.com/office/drawing/2014/main" id="{2AF78440-A2FF-1FE5-E27C-E1186BA6B140}"/>
+              </a:ext>
+            </a:extLst>
+          </p:cNvPr>
+          <p:cNvSpPr txBox="1"/>
+          <p:nvPr/>
+        </p:nvSpPr>
+        <p:spPr>
+          <a:xfrm>
+            <a:off x="6095999" y="2632216"/>
+            <a:ext cx="5971903" cy="2031325"/>
+          </a:xfrm>
+          <a:prstGeom prst="rect">
+            <a:avLst/>
+          </a:prstGeom>
+          <a:noFill/>
+          <a:ln w="12700">
+            <a:solidFill>
+              <a:schemeClr val="accent1"/>
+            </a:solidFill>
+          </a:ln>
+        </p:spPr>
+        <p:txBody>
+          <a:bodyPr wrap="square">
+            <a:spAutoFit/>
+          </a:bodyPr>
+          <a:lstStyle/>
+          <a:p>
+            <a:r>
+              <a:rPr lang="en-US" altLang="zh-CN" sz="1400">
+                <a:latin typeface="Consolas" panose="020B0609020204030204" pitchFamily="49" charset="0"/>
+                <a:ea typeface="+mj-ea"/>
+                <a:cs typeface="+mj-cs"/>
+              </a:rPr>
+              <a:t>Predicting runtime for SHA256 on A72</a:t>
+            </a:r>
+          </a:p>
+          <a:p>
+            <a:r>
+              <a:rPr lang="en-US" altLang="zh-CN" sz="1400">
+                <a:latin typeface="Consolas" panose="020B0609020204030204" pitchFamily="49" charset="0"/>
+                <a:ea typeface="+mj-ea"/>
+                <a:cs typeface="+mj-cs"/>
+              </a:rPr>
+              <a:t>Test size: 0.3, Lower bound: 0</a:t>
+            </a:r>
+          </a:p>
+          <a:p>
+            <a:r>
+              <a:rPr lang="en-US" altLang="zh-CN" sz="1400">
+                <a:latin typeface="Consolas" panose="020B0609020204030204" pitchFamily="49" charset="0"/>
+                <a:ea typeface="+mj-ea"/>
+                <a:cs typeface="+mj-cs"/>
+              </a:rPr>
+              <a:t>Method: hybrid</a:t>
+            </a:r>
+          </a:p>
+          <a:p>
+            <a:endParaRPr lang="en-US" altLang="zh-CN" sz="1400">
+              <a:latin typeface="Consolas" panose="020B0609020204030204" pitchFamily="49" charset="0"/>
+              <a:ea typeface="+mj-ea"/>
+              <a:cs typeface="+mj-cs"/>
+            </a:endParaRPr>
+          </a:p>
+          <a:p>
+            <a:r>
+              <a:rPr lang="en-US" altLang="zh-CN" sz="1400">
+                <a:latin typeface="Consolas" panose="020B0609020204030204" pitchFamily="49" charset="0"/>
+                <a:ea typeface="+mj-ea"/>
+                <a:cs typeface="+mj-cs"/>
+              </a:rPr>
+              <a:t>MAPE: 0.0838 ± 0.0089 (</a:t>
+            </a:r>
+            <a:r>
+              <a:rPr lang="zh-CN" altLang="en-US" sz="1400">
+                <a:latin typeface="Consolas" panose="020B0609020204030204" pitchFamily="49" charset="0"/>
+                <a:ea typeface="+mj-ea"/>
+                <a:cs typeface="+mj-cs"/>
+              </a:rPr>
+              <a:t>优秀</a:t>
+            </a:r>
+            <a:r>
+              <a:rPr lang="en-US" altLang="zh-CN" sz="1400">
+                <a:latin typeface="Consolas" panose="020B0609020204030204" pitchFamily="49" charset="0"/>
+                <a:ea typeface="+mj-ea"/>
+                <a:cs typeface="+mj-cs"/>
+              </a:rPr>
+              <a:t>)</a:t>
+            </a:r>
+          </a:p>
+          <a:p>
+            <a:r>
+              <a:rPr lang="en-US" altLang="zh-CN" sz="1400">
+                <a:latin typeface="Consolas" panose="020B0609020204030204" pitchFamily="49" charset="0"/>
+                <a:ea typeface="+mj-ea"/>
+                <a:cs typeface="+mj-cs"/>
+              </a:rPr>
+              <a:t>R2:   0.9994 ± 0.0004</a:t>
+            </a:r>
+          </a:p>
+          <a:p>
+            <a:r>
+              <a:rPr lang="en-US" altLang="zh-CN" sz="1400">
+                <a:latin typeface="Consolas" panose="020B0609020204030204" pitchFamily="49" charset="0"/>
+                <a:ea typeface="+mj-ea"/>
+                <a:cs typeface="+mj-cs"/>
+              </a:rPr>
+              <a:t>RMSE: 0.0001 ± 0.0001 (s)</a:t>
+            </a:r>
+          </a:p>
+          <a:p>
+            <a:r>
+              <a:rPr lang="en-US" altLang="zh-CN" sz="1400">
+                <a:latin typeface="Consolas" panose="020B0609020204030204" pitchFamily="49" charset="0"/>
+                <a:ea typeface="+mj-ea"/>
+                <a:cs typeface="+mj-cs"/>
+              </a:rPr>
+              <a:t>RMSE%_mean: 3.26% ± 1.15% (</a:t>
+            </a:r>
+            <a:r>
+              <a:rPr lang="zh-CN" altLang="en-US" sz="1400">
+                <a:latin typeface="Consolas" panose="020B0609020204030204" pitchFamily="49" charset="0"/>
+                <a:ea typeface="+mj-ea"/>
+                <a:cs typeface="+mj-cs"/>
+              </a:rPr>
+              <a:t>优秀</a:t>
+            </a:r>
+            <a:r>
+              <a:rPr lang="en-US" altLang="zh-CN" sz="1400">
+                <a:latin typeface="Consolas" panose="020B0609020204030204" pitchFamily="49" charset="0"/>
+                <a:ea typeface="+mj-ea"/>
+                <a:cs typeface="+mj-cs"/>
+              </a:rPr>
+              <a:t>)</a:t>
+            </a:r>
+          </a:p>
+          <a:p>
+            <a:r>
+              <a:rPr lang="en-US" altLang="zh-CN" sz="1400">
+                <a:latin typeface="Consolas" panose="020B0609020204030204" pitchFamily="49" charset="0"/>
+                <a:ea typeface="+mj-ea"/>
+                <a:cs typeface="+mj-cs"/>
+              </a:rPr>
+              <a:t>RMSE%_range: 0.88% ± 0.34% (</a:t>
+            </a:r>
+            <a:r>
+              <a:rPr lang="zh-CN" altLang="en-US" sz="1400">
+                <a:latin typeface="Consolas" panose="020B0609020204030204" pitchFamily="49" charset="0"/>
+                <a:ea typeface="+mj-ea"/>
+                <a:cs typeface="+mj-cs"/>
+              </a:rPr>
+              <a:t>优秀</a:t>
+            </a:r>
+            <a:r>
+              <a:rPr lang="en-US" altLang="zh-CN" sz="1400">
+                <a:latin typeface="Consolas" panose="020B0609020204030204" pitchFamily="49" charset="0"/>
+                <a:ea typeface="+mj-ea"/>
+                <a:cs typeface="+mj-cs"/>
+              </a:rPr>
+              <a:t>)</a:t>
+            </a:r>
+            <a:endParaRPr lang="zh-CN" altLang="en-US" sz="1400">
+              <a:latin typeface="Consolas" panose="020B0609020204030204" pitchFamily="49" charset="0"/>
+              <a:ea typeface="+mj-ea"/>
+              <a:cs typeface="+mj-cs"/>
+            </a:endParaRPr>
+          </a:p>
+        </p:txBody>
+      </p:sp>
+      <p:sp>
+        <p:nvSpPr>
+          <p:cNvPr id="11" name="文本框 10">
+            <a:extLst>
+              <a:ext uri="{FF2B5EF4-FFF2-40B4-BE49-F238E27FC236}">
+                <a16:creationId xmlns:a16="http://schemas.microsoft.com/office/drawing/2014/main" id="{BD6B24D5-B944-369F-BDBA-F9855DCEB2C9}"/>
+              </a:ext>
+            </a:extLst>
+          </p:cNvPr>
+          <p:cNvSpPr txBox="1"/>
+          <p:nvPr/>
+        </p:nvSpPr>
+        <p:spPr>
+          <a:xfrm>
+            <a:off x="6095999" y="4663540"/>
+            <a:ext cx="5971903" cy="2031325"/>
+          </a:xfrm>
+          <a:prstGeom prst="rect">
+            <a:avLst/>
+          </a:prstGeom>
+          <a:noFill/>
+          <a:ln w="12700">
+            <a:solidFill>
+              <a:schemeClr val="accent1"/>
+            </a:solidFill>
+          </a:ln>
+        </p:spPr>
+        <p:txBody>
+          <a:bodyPr wrap="square">
+            <a:spAutoFit/>
+          </a:bodyPr>
+          <a:lstStyle/>
+          <a:p>
+            <a:r>
+              <a:rPr lang="en-US" altLang="zh-CN" sz="1400">
+                <a:latin typeface="Consolas" panose="020B0609020204030204" pitchFamily="49" charset="0"/>
+                <a:ea typeface="+mj-ea"/>
+                <a:cs typeface="+mj-cs"/>
+              </a:rPr>
+              <a:t>Predicting runtime for SHA256 on M7</a:t>
+            </a:r>
+          </a:p>
+          <a:p>
+            <a:r>
+              <a:rPr lang="en-US" altLang="zh-CN" sz="1400">
+                <a:latin typeface="Consolas" panose="020B0609020204030204" pitchFamily="49" charset="0"/>
+                <a:ea typeface="+mj-ea"/>
+                <a:cs typeface="+mj-cs"/>
+              </a:rPr>
+              <a:t>Test size: 0.3, Lower bound: 0.0</a:t>
+            </a:r>
+          </a:p>
+          <a:p>
+            <a:r>
+              <a:rPr lang="en-US" altLang="zh-CN" sz="1400">
+                <a:latin typeface="Consolas" panose="020B0609020204030204" pitchFamily="49" charset="0"/>
+                <a:ea typeface="+mj-ea"/>
+                <a:cs typeface="+mj-cs"/>
+              </a:rPr>
+              <a:t>Method: hybrid</a:t>
+            </a:r>
+          </a:p>
+          <a:p>
+            <a:endParaRPr lang="en-US" altLang="zh-CN" sz="1400">
+              <a:latin typeface="Consolas" panose="020B0609020204030204" pitchFamily="49" charset="0"/>
+              <a:ea typeface="+mj-ea"/>
+              <a:cs typeface="+mj-cs"/>
+            </a:endParaRPr>
+          </a:p>
+          <a:p>
+            <a:r>
+              <a:rPr lang="en-US" altLang="zh-CN" sz="1400">
+                <a:latin typeface="Consolas" panose="020B0609020204030204" pitchFamily="49" charset="0"/>
+                <a:ea typeface="+mj-ea"/>
+                <a:cs typeface="+mj-cs"/>
+              </a:rPr>
+              <a:t>MAPE: 0.0838 ± 0.0089 (</a:t>
+            </a:r>
+            <a:r>
+              <a:rPr lang="zh-CN" altLang="en-US" sz="1400">
+                <a:latin typeface="Consolas" panose="020B0609020204030204" pitchFamily="49" charset="0"/>
+                <a:ea typeface="+mj-ea"/>
+                <a:cs typeface="+mj-cs"/>
+              </a:rPr>
+              <a:t>优秀</a:t>
+            </a:r>
+            <a:r>
+              <a:rPr lang="en-US" altLang="zh-CN" sz="1400">
+                <a:latin typeface="Consolas" panose="020B0609020204030204" pitchFamily="49" charset="0"/>
+                <a:ea typeface="+mj-ea"/>
+                <a:cs typeface="+mj-cs"/>
+              </a:rPr>
+              <a:t>)</a:t>
+            </a:r>
+          </a:p>
+          <a:p>
+            <a:r>
+              <a:rPr lang="en-US" altLang="zh-CN" sz="1400">
+                <a:latin typeface="Consolas" panose="020B0609020204030204" pitchFamily="49" charset="0"/>
+                <a:ea typeface="+mj-ea"/>
+                <a:cs typeface="+mj-cs"/>
+              </a:rPr>
+              <a:t>R2:   0.9994 ± 0.0004</a:t>
+            </a:r>
+          </a:p>
+          <a:p>
+            <a:r>
+              <a:rPr lang="en-US" altLang="zh-CN" sz="1400">
+                <a:latin typeface="Consolas" panose="020B0609020204030204" pitchFamily="49" charset="0"/>
+                <a:ea typeface="+mj-ea"/>
+                <a:cs typeface="+mj-cs"/>
+              </a:rPr>
+              <a:t>RMSE: 79.6302 ± 79.4545 (us)</a:t>
+            </a:r>
+          </a:p>
+          <a:p>
+            <a:r>
+              <a:rPr lang="en-US" altLang="zh-CN" sz="1400">
+                <a:latin typeface="Consolas" panose="020B0609020204030204" pitchFamily="49" charset="0"/>
+                <a:ea typeface="+mj-ea"/>
+                <a:cs typeface="+mj-cs"/>
+              </a:rPr>
+              <a:t>RMSE%_mean: 3.26% ± 1.15% (</a:t>
+            </a:r>
+            <a:r>
+              <a:rPr lang="zh-CN" altLang="en-US" sz="1400">
+                <a:latin typeface="Consolas" panose="020B0609020204030204" pitchFamily="49" charset="0"/>
+                <a:ea typeface="+mj-ea"/>
+                <a:cs typeface="+mj-cs"/>
+              </a:rPr>
+              <a:t>优秀</a:t>
+            </a:r>
+            <a:r>
+              <a:rPr lang="en-US" altLang="zh-CN" sz="1400">
+                <a:latin typeface="Consolas" panose="020B0609020204030204" pitchFamily="49" charset="0"/>
+                <a:ea typeface="+mj-ea"/>
+                <a:cs typeface="+mj-cs"/>
+              </a:rPr>
+              <a:t>)</a:t>
+            </a:r>
+          </a:p>
+          <a:p>
+            <a:r>
+              <a:rPr lang="en-US" altLang="zh-CN" sz="1400">
+                <a:latin typeface="Consolas" panose="020B0609020204030204" pitchFamily="49" charset="0"/>
+                <a:ea typeface="+mj-ea"/>
+                <a:cs typeface="+mj-cs"/>
+              </a:rPr>
+              <a:t>RMSE%_range: 0.88% ± 0.34% (</a:t>
+            </a:r>
+            <a:r>
+              <a:rPr lang="zh-CN" altLang="en-US" sz="1400">
+                <a:latin typeface="Consolas" panose="020B0609020204030204" pitchFamily="49" charset="0"/>
+                <a:ea typeface="+mj-ea"/>
+                <a:cs typeface="+mj-cs"/>
+              </a:rPr>
+              <a:t>优秀</a:t>
+            </a:r>
+            <a:r>
+              <a:rPr lang="en-US" altLang="zh-CN" sz="1400">
+                <a:latin typeface="Consolas" panose="020B0609020204030204" pitchFamily="49" charset="0"/>
+                <a:ea typeface="+mj-ea"/>
+                <a:cs typeface="+mj-cs"/>
+              </a:rPr>
+              <a:t>)</a:t>
+            </a:r>
+            <a:endParaRPr lang="zh-CN" altLang="en-US" sz="1400">
+              <a:latin typeface="Consolas" panose="020B0609020204030204" pitchFamily="49" charset="0"/>
+              <a:ea typeface="+mj-ea"/>
+              <a:cs typeface="+mj-cs"/>
+            </a:endParaRPr>
+          </a:p>
+        </p:txBody>
+      </p:sp>
+    </p:spTree>
+    <p:extLst>
+      <p:ext uri="{BB962C8B-B14F-4D97-AF65-F5344CB8AC3E}">
+        <p14:creationId xmlns:p14="http://schemas.microsoft.com/office/powerpoint/2010/main" val="1819110777"/>
+      </p:ext>
+    </p:extLst>
+  </p:cSld>
+  <p:clrMapOvr>
+    <a:masterClrMapping/>
+  </p:clrMapOvr>
+</p:sld>
+</file>
+
+<file path=ppt/slides/slide46.xml><?xml version="1.0" encoding="utf-8"?>
+<p:sld xmlns:a="http://schemas.openxmlformats.org/drawingml/2006/main" xmlns:r="http://schemas.openxmlformats.org/officeDocument/2006/relationships" xmlns:p="http://schemas.openxmlformats.org/presentationml/2006/main">
+  <p:cSld>
+    <p:spTree>
+      <p:nvGrpSpPr>
+        <p:cNvPr id="1" name="">
+          <a:extLst>
+            <a:ext uri="{FF2B5EF4-FFF2-40B4-BE49-F238E27FC236}">
+              <a16:creationId xmlns:a16="http://schemas.microsoft.com/office/drawing/2014/main" id="{8CA204F7-0E0D-22EF-251A-12A14348DCEA}"/>
+            </a:ext>
+          </a:extLst>
+        </p:cNvPr>
+        <p:cNvGrpSpPr/>
+        <p:nvPr/>
+      </p:nvGrpSpPr>
+      <p:grpSpPr>
+        <a:xfrm>
+          <a:off x="0" y="0"/>
+          <a:ext cx="0" cy="0"/>
+          <a:chOff x="0" y="0"/>
+          <a:chExt cx="0" cy="0"/>
+        </a:xfrm>
+      </p:grpSpPr>
+      <p:sp>
+        <p:nvSpPr>
+          <p:cNvPr id="5" name="文本框 4">
+            <a:extLst>
+              <a:ext uri="{FF2B5EF4-FFF2-40B4-BE49-F238E27FC236}">
+                <a16:creationId xmlns:a16="http://schemas.microsoft.com/office/drawing/2014/main" id="{990B35EF-79DB-9623-F34C-776460BB9652}"/>
+              </a:ext>
+            </a:extLst>
+          </p:cNvPr>
+          <p:cNvSpPr txBox="1"/>
+          <p:nvPr/>
+        </p:nvSpPr>
+        <p:spPr>
+          <a:xfrm>
+            <a:off x="124097" y="600891"/>
+            <a:ext cx="5971903" cy="307777"/>
+          </a:xfrm>
+          <a:prstGeom prst="rect">
+            <a:avLst/>
+          </a:prstGeom>
+          <a:noFill/>
+          <a:ln w="12700">
+            <a:solidFill>
+              <a:schemeClr val="accent1"/>
+            </a:solidFill>
+          </a:ln>
+        </p:spPr>
+        <p:txBody>
+          <a:bodyPr wrap="square">
+            <a:spAutoFit/>
+          </a:bodyPr>
+          <a:lstStyle/>
+          <a:p>
+            <a:endParaRPr lang="zh-CN" altLang="en-US" sz="1400">
+              <a:latin typeface="Consolas" panose="020B0609020204030204" pitchFamily="49" charset="0"/>
+              <a:ea typeface="+mj-ea"/>
+              <a:cs typeface="+mj-cs"/>
+            </a:endParaRPr>
+          </a:p>
+        </p:txBody>
+      </p:sp>
+      <p:sp>
+        <p:nvSpPr>
+          <p:cNvPr id="6" name="标题 1">
+            <a:extLst>
+              <a:ext uri="{FF2B5EF4-FFF2-40B4-BE49-F238E27FC236}">
+                <a16:creationId xmlns:a16="http://schemas.microsoft.com/office/drawing/2014/main" id="{CFBE43AA-C1B8-D386-867C-01413301618D}"/>
+              </a:ext>
+            </a:extLst>
+          </p:cNvPr>
+          <p:cNvSpPr txBox="1">
+            <a:spLocks/>
+          </p:cNvSpPr>
+          <p:nvPr/>
+        </p:nvSpPr>
+        <p:spPr>
+          <a:xfrm>
+            <a:off x="124097" y="143056"/>
+            <a:ext cx="6950697" cy="457835"/>
+          </a:xfrm>
+          <a:prstGeom prst="rect">
+            <a:avLst/>
+          </a:prstGeom>
+        </p:spPr>
+        <p:txBody>
+          <a:bodyPr vert="horz" lIns="91440" tIns="45720" rIns="91440" bIns="45720" rtlCol="0" anchor="ctr">
+            <a:normAutofit fontScale="97500" lnSpcReduction="10000"/>
+          </a:bodyPr>
+          <a:lstStyle>
+            <a:lvl1pPr algn="l" defTabSz="914400" rtl="0" eaLnBrk="1" latinLnBrk="0" hangingPunct="1">
+              <a:lnSpc>
+                <a:spcPct val="90000"/>
+              </a:lnSpc>
+              <a:spcBef>
+                <a:spcPct val="0"/>
+              </a:spcBef>
+              <a:buNone/>
+              <a:defRPr sz="4400" kern="1200">
+                <a:solidFill>
+                  <a:schemeClr val="tx1"/>
+                </a:solidFill>
+                <a:latin typeface="+mj-lt"/>
+                <a:ea typeface="+mj-ea"/>
+                <a:cs typeface="+mj-cs"/>
+              </a:defRPr>
+            </a:lvl1pPr>
+          </a:lstStyle>
+          <a:p>
+            <a:r>
+              <a:rPr lang="en-US" altLang="zh-CN" sz="2800" b="1"/>
+              <a:t>MPC</a:t>
+            </a:r>
+            <a:endParaRPr lang="zh-CN" altLang="en-US" sz="2800" b="1" dirty="0"/>
+          </a:p>
+        </p:txBody>
+      </p:sp>
+      <p:sp>
+        <p:nvSpPr>
+          <p:cNvPr id="7" name="文本框 6">
+            <a:extLst>
+              <a:ext uri="{FF2B5EF4-FFF2-40B4-BE49-F238E27FC236}">
+                <a16:creationId xmlns:a16="http://schemas.microsoft.com/office/drawing/2014/main" id="{A7F876C4-53F0-5328-5DF1-BA5A3BE49F44}"/>
+              </a:ext>
+            </a:extLst>
+          </p:cNvPr>
+          <p:cNvSpPr txBox="1"/>
+          <p:nvPr/>
+        </p:nvSpPr>
+        <p:spPr>
+          <a:xfrm>
+            <a:off x="6096000" y="600891"/>
+            <a:ext cx="5971903" cy="307777"/>
+          </a:xfrm>
+          <a:prstGeom prst="rect">
+            <a:avLst/>
+          </a:prstGeom>
+          <a:noFill/>
+          <a:ln w="12700">
+            <a:solidFill>
+              <a:schemeClr val="accent1"/>
+            </a:solidFill>
+          </a:ln>
+        </p:spPr>
+        <p:txBody>
+          <a:bodyPr wrap="square">
+            <a:spAutoFit/>
+          </a:bodyPr>
+          <a:lstStyle/>
+          <a:p>
+            <a:endParaRPr lang="zh-CN" altLang="en-US" sz="1400">
+              <a:latin typeface="Consolas" panose="020B0609020204030204" pitchFamily="49" charset="0"/>
+              <a:ea typeface="+mj-ea"/>
+              <a:cs typeface="+mj-cs"/>
+            </a:endParaRPr>
+          </a:p>
+        </p:txBody>
+      </p:sp>
+      <p:sp>
+        <p:nvSpPr>
+          <p:cNvPr id="8" name="文本框 7">
+            <a:extLst>
+              <a:ext uri="{FF2B5EF4-FFF2-40B4-BE49-F238E27FC236}">
+                <a16:creationId xmlns:a16="http://schemas.microsoft.com/office/drawing/2014/main" id="{147AEB21-C63E-4972-2BB7-AC54A8ACB7AB}"/>
+              </a:ext>
+            </a:extLst>
+          </p:cNvPr>
+          <p:cNvSpPr txBox="1"/>
+          <p:nvPr/>
+        </p:nvSpPr>
+        <p:spPr>
+          <a:xfrm>
+            <a:off x="124095" y="2632216"/>
+            <a:ext cx="5971903" cy="2031325"/>
+          </a:xfrm>
+          <a:prstGeom prst="rect">
+            <a:avLst/>
+          </a:prstGeom>
+          <a:noFill/>
+          <a:ln w="12700">
+            <a:solidFill>
+              <a:schemeClr val="accent1"/>
+            </a:solidFill>
+          </a:ln>
+        </p:spPr>
+        <p:txBody>
+          <a:bodyPr wrap="square">
+            <a:spAutoFit/>
+          </a:bodyPr>
+          <a:lstStyle/>
+          <a:p>
+            <a:r>
+              <a:rPr lang="en-US" altLang="zh-CN" sz="1400">
+                <a:latin typeface="Consolas" panose="020B0609020204030204" pitchFamily="49" charset="0"/>
+                <a:ea typeface="+mj-ea"/>
+                <a:cs typeface="+mj-cs"/>
+              </a:rPr>
+              <a:t>Predicting runtime for MPC on A72</a:t>
+            </a:r>
+          </a:p>
+          <a:p>
+            <a:r>
+              <a:rPr lang="en-US" altLang="zh-CN" sz="1400">
+                <a:latin typeface="Consolas" panose="020B0609020204030204" pitchFamily="49" charset="0"/>
+                <a:ea typeface="+mj-ea"/>
+                <a:cs typeface="+mj-cs"/>
+              </a:rPr>
+              <a:t>Test size: 0.3, Lower bound: 0.0</a:t>
+            </a:r>
+          </a:p>
+          <a:p>
+            <a:r>
+              <a:rPr lang="en-US" altLang="zh-CN" sz="1400">
+                <a:latin typeface="Consolas" panose="020B0609020204030204" pitchFamily="49" charset="0"/>
+                <a:ea typeface="+mj-ea"/>
+                <a:cs typeface="+mj-cs"/>
+              </a:rPr>
+              <a:t>Method: curve_fit</a:t>
+            </a:r>
+          </a:p>
+          <a:p>
+            <a:endParaRPr lang="en-US" altLang="zh-CN" sz="1400">
+              <a:latin typeface="Consolas" panose="020B0609020204030204" pitchFamily="49" charset="0"/>
+              <a:ea typeface="+mj-ea"/>
+              <a:cs typeface="+mj-cs"/>
+            </a:endParaRPr>
+          </a:p>
+          <a:p>
+            <a:r>
+              <a:rPr lang="en-US" altLang="zh-CN" sz="1400">
+                <a:latin typeface="Consolas" panose="020B0609020204030204" pitchFamily="49" charset="0"/>
+                <a:ea typeface="+mj-ea"/>
+                <a:cs typeface="+mj-cs"/>
+              </a:rPr>
+              <a:t>MAPE: 0.4017 ± 0.3653 (</a:t>
+            </a:r>
+            <a:r>
+              <a:rPr lang="zh-CN" altLang="en-US" sz="1400">
+                <a:latin typeface="Consolas" panose="020B0609020204030204" pitchFamily="49" charset="0"/>
+                <a:ea typeface="+mj-ea"/>
+                <a:cs typeface="+mj-cs"/>
+              </a:rPr>
+              <a:t>差</a:t>
+            </a:r>
+            <a:r>
+              <a:rPr lang="en-US" altLang="zh-CN" sz="1400">
+                <a:latin typeface="Consolas" panose="020B0609020204030204" pitchFamily="49" charset="0"/>
+                <a:ea typeface="+mj-ea"/>
+                <a:cs typeface="+mj-cs"/>
+              </a:rPr>
+              <a:t>)</a:t>
+            </a:r>
+          </a:p>
+          <a:p>
+            <a:r>
+              <a:rPr lang="en-US" altLang="zh-CN" sz="1400">
+                <a:latin typeface="Consolas" panose="020B0609020204030204" pitchFamily="49" charset="0"/>
+                <a:ea typeface="+mj-ea"/>
+                <a:cs typeface="+mj-cs"/>
+              </a:rPr>
+              <a:t>R2:   -0.7034 ± 2.0058</a:t>
+            </a:r>
+          </a:p>
+          <a:p>
+            <a:r>
+              <a:rPr lang="en-US" altLang="zh-CN" sz="1400">
+                <a:latin typeface="Consolas" panose="020B0609020204030204" pitchFamily="49" charset="0"/>
+                <a:ea typeface="+mj-ea"/>
+                <a:cs typeface="+mj-cs"/>
+              </a:rPr>
+              <a:t>RMSE: 0.3183 ± 0.2806 (s)</a:t>
+            </a:r>
+          </a:p>
+          <a:p>
+            <a:r>
+              <a:rPr lang="en-US" altLang="zh-CN" sz="1400">
+                <a:latin typeface="Consolas" panose="020B0609020204030204" pitchFamily="49" charset="0"/>
+                <a:ea typeface="+mj-ea"/>
+                <a:cs typeface="+mj-cs"/>
+              </a:rPr>
+              <a:t>RMSE%_mean: 68.02% ± 61.07% (</a:t>
+            </a:r>
+            <a:r>
+              <a:rPr lang="zh-CN" altLang="en-US" sz="1400">
+                <a:latin typeface="Consolas" panose="020B0609020204030204" pitchFamily="49" charset="0"/>
+                <a:ea typeface="+mj-ea"/>
+                <a:cs typeface="+mj-cs"/>
+              </a:rPr>
+              <a:t>差</a:t>
+            </a:r>
+            <a:r>
+              <a:rPr lang="en-US" altLang="zh-CN" sz="1400">
+                <a:latin typeface="Consolas" panose="020B0609020204030204" pitchFamily="49" charset="0"/>
+                <a:ea typeface="+mj-ea"/>
+                <a:cs typeface="+mj-cs"/>
+              </a:rPr>
+              <a:t>)</a:t>
+            </a:r>
+          </a:p>
+          <a:p>
+            <a:r>
+              <a:rPr lang="en-US" altLang="zh-CN" sz="1400">
+                <a:latin typeface="Consolas" panose="020B0609020204030204" pitchFamily="49" charset="0"/>
+                <a:ea typeface="+mj-ea"/>
+                <a:cs typeface="+mj-cs"/>
+              </a:rPr>
+              <a:t>RMSE%_range: 42.13% ± 35.74% (</a:t>
+            </a:r>
+            <a:r>
+              <a:rPr lang="zh-CN" altLang="en-US" sz="1400">
+                <a:latin typeface="Consolas" panose="020B0609020204030204" pitchFamily="49" charset="0"/>
+                <a:ea typeface="+mj-ea"/>
+                <a:cs typeface="+mj-cs"/>
+              </a:rPr>
+              <a:t>差</a:t>
+            </a:r>
+            <a:r>
+              <a:rPr lang="en-US" altLang="zh-CN" sz="1400">
+                <a:latin typeface="Consolas" panose="020B0609020204030204" pitchFamily="49" charset="0"/>
+                <a:ea typeface="+mj-ea"/>
+                <a:cs typeface="+mj-cs"/>
+              </a:rPr>
+              <a:t>)</a:t>
+            </a:r>
+            <a:endParaRPr lang="zh-CN" altLang="en-US" sz="1400">
+              <a:latin typeface="Consolas" panose="020B0609020204030204" pitchFamily="49" charset="0"/>
+              <a:ea typeface="+mj-ea"/>
+              <a:cs typeface="+mj-cs"/>
+            </a:endParaRPr>
+          </a:p>
+        </p:txBody>
+      </p:sp>
+      <p:sp>
+        <p:nvSpPr>
+          <p:cNvPr id="9" name="文本框 8">
+            <a:extLst>
+              <a:ext uri="{FF2B5EF4-FFF2-40B4-BE49-F238E27FC236}">
+                <a16:creationId xmlns:a16="http://schemas.microsoft.com/office/drawing/2014/main" id="{8BFB8EBE-9B28-31CA-C348-FD687E03907F}"/>
+              </a:ext>
+            </a:extLst>
+          </p:cNvPr>
+          <p:cNvSpPr txBox="1"/>
+          <p:nvPr/>
+        </p:nvSpPr>
+        <p:spPr>
+          <a:xfrm>
+            <a:off x="124095" y="4663541"/>
+            <a:ext cx="5971903" cy="2031325"/>
+          </a:xfrm>
+          <a:prstGeom prst="rect">
+            <a:avLst/>
+          </a:prstGeom>
+          <a:noFill/>
+          <a:ln w="12700">
+            <a:solidFill>
+              <a:schemeClr val="accent1"/>
+            </a:solidFill>
+          </a:ln>
+        </p:spPr>
+        <p:txBody>
+          <a:bodyPr wrap="square">
+            <a:spAutoFit/>
+          </a:bodyPr>
+          <a:lstStyle/>
+          <a:p>
+            <a:r>
+              <a:rPr lang="en-US" altLang="zh-CN" sz="1400">
+                <a:latin typeface="Consolas" panose="020B0609020204030204" pitchFamily="49" charset="0"/>
+                <a:ea typeface="+mj-ea"/>
+                <a:cs typeface="+mj-cs"/>
+              </a:rPr>
+              <a:t>Predicting runtime for MPC on M7</a:t>
+            </a:r>
+          </a:p>
+          <a:p>
+            <a:r>
+              <a:rPr lang="en-US" altLang="zh-CN" sz="1400">
+                <a:latin typeface="Consolas" panose="020B0609020204030204" pitchFamily="49" charset="0"/>
+                <a:ea typeface="+mj-ea"/>
+                <a:cs typeface="+mj-cs"/>
+              </a:rPr>
+              <a:t>Test size: 0.3, Lower bound: 0.0</a:t>
+            </a:r>
+          </a:p>
+          <a:p>
+            <a:r>
+              <a:rPr lang="en-US" altLang="zh-CN" sz="1400">
+                <a:latin typeface="Consolas" panose="020B0609020204030204" pitchFamily="49" charset="0"/>
+                <a:ea typeface="+mj-ea"/>
+                <a:cs typeface="+mj-cs"/>
+              </a:rPr>
+              <a:t>Method: curve_fit</a:t>
+            </a:r>
+          </a:p>
+          <a:p>
+            <a:endParaRPr lang="en-US" altLang="zh-CN" sz="1400">
+              <a:latin typeface="Consolas" panose="020B0609020204030204" pitchFamily="49" charset="0"/>
+              <a:ea typeface="+mj-ea"/>
+              <a:cs typeface="+mj-cs"/>
+            </a:endParaRPr>
+          </a:p>
+          <a:p>
+            <a:r>
+              <a:rPr lang="en-US" altLang="zh-CN" sz="1400">
+                <a:latin typeface="Consolas" panose="020B0609020204030204" pitchFamily="49" charset="0"/>
+                <a:ea typeface="+mj-ea"/>
+                <a:cs typeface="+mj-cs"/>
+              </a:rPr>
+              <a:t>MAPE: 0.0794 ± 0.0790 (</a:t>
+            </a:r>
+            <a:r>
+              <a:rPr lang="zh-CN" altLang="en-US" sz="1400">
+                <a:latin typeface="Consolas" panose="020B0609020204030204" pitchFamily="49" charset="0"/>
+                <a:ea typeface="+mj-ea"/>
+                <a:cs typeface="+mj-cs"/>
+              </a:rPr>
+              <a:t>优秀</a:t>
+            </a:r>
+            <a:r>
+              <a:rPr lang="en-US" altLang="zh-CN" sz="1400">
+                <a:latin typeface="Consolas" panose="020B0609020204030204" pitchFamily="49" charset="0"/>
+                <a:ea typeface="+mj-ea"/>
+                <a:cs typeface="+mj-cs"/>
+              </a:rPr>
+              <a:t>)</a:t>
+            </a:r>
+          </a:p>
+          <a:p>
+            <a:r>
+              <a:rPr lang="en-US" altLang="zh-CN" sz="1400">
+                <a:latin typeface="Consolas" panose="020B0609020204030204" pitchFamily="49" charset="0"/>
+                <a:ea typeface="+mj-ea"/>
+                <a:cs typeface="+mj-cs"/>
+              </a:rPr>
+              <a:t>R2:   0.9946 ± 0.0087</a:t>
+            </a:r>
+          </a:p>
+          <a:p>
+            <a:r>
+              <a:rPr lang="en-US" altLang="zh-CN" sz="1400">
+                <a:latin typeface="Consolas" panose="020B0609020204030204" pitchFamily="49" charset="0"/>
+                <a:ea typeface="+mj-ea"/>
+                <a:cs typeface="+mj-cs"/>
+              </a:rPr>
+              <a:t>RMSE: 0.0147 ± 0.0093 (s)</a:t>
+            </a:r>
+          </a:p>
+          <a:p>
+            <a:r>
+              <a:rPr lang="en-US" altLang="zh-CN" sz="1400">
+                <a:latin typeface="Consolas" panose="020B0609020204030204" pitchFamily="49" charset="0"/>
+                <a:ea typeface="+mj-ea"/>
+                <a:cs typeface="+mj-cs"/>
+              </a:rPr>
+              <a:t>RMSE%_mean: 3.74% ± 3.50% (</a:t>
+            </a:r>
+            <a:r>
+              <a:rPr lang="zh-CN" altLang="en-US" sz="1400">
+                <a:latin typeface="Consolas" panose="020B0609020204030204" pitchFamily="49" charset="0"/>
+                <a:ea typeface="+mj-ea"/>
+                <a:cs typeface="+mj-cs"/>
+              </a:rPr>
+              <a:t>优秀</a:t>
+            </a:r>
+            <a:r>
+              <a:rPr lang="en-US" altLang="zh-CN" sz="1400">
+                <a:latin typeface="Consolas" panose="020B0609020204030204" pitchFamily="49" charset="0"/>
+                <a:ea typeface="+mj-ea"/>
+                <a:cs typeface="+mj-cs"/>
+              </a:rPr>
+              <a:t>)</a:t>
+            </a:r>
+          </a:p>
+          <a:p>
+            <a:r>
+              <a:rPr lang="en-US" altLang="zh-CN" sz="1400">
+                <a:latin typeface="Consolas" panose="020B0609020204030204" pitchFamily="49" charset="0"/>
+                <a:ea typeface="+mj-ea"/>
+                <a:cs typeface="+mj-cs"/>
+              </a:rPr>
+              <a:t>RMSE%_range: 2.41% ± 2.09% (</a:t>
+            </a:r>
+            <a:r>
+              <a:rPr lang="zh-CN" altLang="en-US" sz="1400">
+                <a:latin typeface="Consolas" panose="020B0609020204030204" pitchFamily="49" charset="0"/>
+                <a:ea typeface="+mj-ea"/>
+                <a:cs typeface="+mj-cs"/>
+              </a:rPr>
+              <a:t>优秀</a:t>
+            </a:r>
+            <a:r>
+              <a:rPr lang="en-US" altLang="zh-CN" sz="1400">
+                <a:latin typeface="Consolas" panose="020B0609020204030204" pitchFamily="49" charset="0"/>
+                <a:ea typeface="+mj-ea"/>
+                <a:cs typeface="+mj-cs"/>
+              </a:rPr>
+              <a:t>)</a:t>
+            </a:r>
+            <a:endParaRPr lang="zh-CN" altLang="en-US" sz="1400">
+              <a:latin typeface="Consolas" panose="020B0609020204030204" pitchFamily="49" charset="0"/>
+              <a:ea typeface="+mj-ea"/>
+              <a:cs typeface="+mj-cs"/>
+            </a:endParaRPr>
+          </a:p>
+        </p:txBody>
+      </p:sp>
+      <p:sp>
+        <p:nvSpPr>
+          <p:cNvPr id="10" name="文本框 9">
+            <a:extLst>
+              <a:ext uri="{FF2B5EF4-FFF2-40B4-BE49-F238E27FC236}">
+                <a16:creationId xmlns:a16="http://schemas.microsoft.com/office/drawing/2014/main" id="{33981063-C7B0-440C-4F73-66B9FA2C789E}"/>
+              </a:ext>
+            </a:extLst>
+          </p:cNvPr>
+          <p:cNvSpPr txBox="1"/>
+          <p:nvPr/>
+        </p:nvSpPr>
+        <p:spPr>
+          <a:xfrm>
+            <a:off x="6095999" y="2632216"/>
+            <a:ext cx="5971903" cy="2031325"/>
+          </a:xfrm>
+          <a:prstGeom prst="rect">
+            <a:avLst/>
+          </a:prstGeom>
+          <a:noFill/>
+          <a:ln w="12700">
+            <a:solidFill>
+              <a:schemeClr val="accent1"/>
+            </a:solidFill>
+          </a:ln>
+        </p:spPr>
+        <p:txBody>
+          <a:bodyPr wrap="square">
+            <a:spAutoFit/>
+          </a:bodyPr>
+          <a:lstStyle/>
+          <a:p>
+            <a:r>
+              <a:rPr lang="en-US" altLang="zh-CN" sz="1400">
+                <a:latin typeface="Consolas" panose="020B0609020204030204" pitchFamily="49" charset="0"/>
+                <a:ea typeface="+mj-ea"/>
+                <a:cs typeface="+mj-cs"/>
+              </a:rPr>
+              <a:t>Predicting runtime for MPC on A72</a:t>
+            </a:r>
+          </a:p>
+          <a:p>
+            <a:r>
+              <a:rPr lang="en-US" altLang="zh-CN" sz="1400">
+                <a:latin typeface="Consolas" panose="020B0609020204030204" pitchFamily="49" charset="0"/>
+                <a:ea typeface="+mj-ea"/>
+                <a:cs typeface="+mj-cs"/>
+              </a:rPr>
+              <a:t>Test size: 0.3, Lower bound: 0.0</a:t>
+            </a:r>
+          </a:p>
+          <a:p>
+            <a:r>
+              <a:rPr lang="en-US" altLang="zh-CN" sz="1400">
+                <a:latin typeface="Consolas" panose="020B0609020204030204" pitchFamily="49" charset="0"/>
+                <a:ea typeface="+mj-ea"/>
+                <a:cs typeface="+mj-cs"/>
+              </a:rPr>
+              <a:t>Method: hybrid</a:t>
+            </a:r>
+          </a:p>
+          <a:p>
+            <a:endParaRPr lang="en-US" altLang="zh-CN" sz="1400">
+              <a:latin typeface="Consolas" panose="020B0609020204030204" pitchFamily="49" charset="0"/>
+              <a:ea typeface="+mj-ea"/>
+              <a:cs typeface="+mj-cs"/>
+            </a:endParaRPr>
+          </a:p>
+          <a:p>
+            <a:r>
+              <a:rPr lang="en-US" altLang="zh-CN" sz="1400">
+                <a:latin typeface="Consolas" panose="020B0609020204030204" pitchFamily="49" charset="0"/>
+                <a:ea typeface="+mj-ea"/>
+                <a:cs typeface="+mj-cs"/>
+              </a:rPr>
+              <a:t>MAPE: 0.3373 ± 0.3239 (</a:t>
+            </a:r>
+            <a:r>
+              <a:rPr lang="zh-CN" altLang="en-US" sz="1400">
+                <a:latin typeface="Consolas" panose="020B0609020204030204" pitchFamily="49" charset="0"/>
+                <a:ea typeface="+mj-ea"/>
+                <a:cs typeface="+mj-cs"/>
+              </a:rPr>
+              <a:t>差</a:t>
+            </a:r>
+            <a:r>
+              <a:rPr lang="en-US" altLang="zh-CN" sz="1400">
+                <a:latin typeface="Consolas" panose="020B0609020204030204" pitchFamily="49" charset="0"/>
+                <a:ea typeface="+mj-ea"/>
+                <a:cs typeface="+mj-cs"/>
+              </a:rPr>
+              <a:t>)</a:t>
+            </a:r>
+          </a:p>
+          <a:p>
+            <a:r>
+              <a:rPr lang="en-US" altLang="zh-CN" sz="1400">
+                <a:latin typeface="Consolas" panose="020B0609020204030204" pitchFamily="49" charset="0"/>
+                <a:ea typeface="+mj-ea"/>
+                <a:cs typeface="+mj-cs"/>
+              </a:rPr>
+              <a:t>R2:   0.8467 ± 0.1004</a:t>
+            </a:r>
+          </a:p>
+          <a:p>
+            <a:r>
+              <a:rPr lang="en-US" altLang="zh-CN" sz="1400">
+                <a:latin typeface="Consolas" panose="020B0609020204030204" pitchFamily="49" charset="0"/>
+                <a:ea typeface="+mj-ea"/>
+                <a:cs typeface="+mj-cs"/>
+              </a:rPr>
+              <a:t>RMSE: 0.1137 ± 0.0534 (s)</a:t>
+            </a:r>
+          </a:p>
+          <a:p>
+            <a:r>
+              <a:rPr lang="en-US" altLang="zh-CN" sz="1400">
+                <a:latin typeface="Consolas" panose="020B0609020204030204" pitchFamily="49" charset="0"/>
+                <a:ea typeface="+mj-ea"/>
+                <a:cs typeface="+mj-cs"/>
+              </a:rPr>
+              <a:t>RMSE%_mean: 24.23% ± 11.73% (</a:t>
+            </a:r>
+            <a:r>
+              <a:rPr lang="zh-CN" altLang="en-US" sz="1400">
+                <a:latin typeface="Consolas" panose="020B0609020204030204" pitchFamily="49" charset="0"/>
+                <a:ea typeface="+mj-ea"/>
+                <a:cs typeface="+mj-cs"/>
+              </a:rPr>
+              <a:t>差</a:t>
+            </a:r>
+            <a:r>
+              <a:rPr lang="en-US" altLang="zh-CN" sz="1400">
+                <a:latin typeface="Consolas" panose="020B0609020204030204" pitchFamily="49" charset="0"/>
+                <a:ea typeface="+mj-ea"/>
+                <a:cs typeface="+mj-cs"/>
+              </a:rPr>
+              <a:t>)</a:t>
+            </a:r>
+          </a:p>
+          <a:p>
+            <a:r>
+              <a:rPr lang="en-US" altLang="zh-CN" sz="1400">
+                <a:latin typeface="Consolas" panose="020B0609020204030204" pitchFamily="49" charset="0"/>
+                <a:ea typeface="+mj-ea"/>
+                <a:cs typeface="+mj-cs"/>
+              </a:rPr>
+              <a:t>RMSE%_range: 15.00% ± 6.64% (</a:t>
+            </a:r>
+            <a:r>
+              <a:rPr lang="zh-CN" altLang="en-US" sz="1400">
+                <a:latin typeface="Consolas" panose="020B0609020204030204" pitchFamily="49" charset="0"/>
+                <a:ea typeface="+mj-ea"/>
+                <a:cs typeface="+mj-cs"/>
+              </a:rPr>
+              <a:t>中等</a:t>
+            </a:r>
+            <a:r>
+              <a:rPr lang="en-US" altLang="zh-CN" sz="1400">
+                <a:latin typeface="Consolas" panose="020B0609020204030204" pitchFamily="49" charset="0"/>
+                <a:ea typeface="+mj-ea"/>
+                <a:cs typeface="+mj-cs"/>
+              </a:rPr>
+              <a:t>)</a:t>
+            </a:r>
+            <a:endParaRPr lang="zh-CN" altLang="en-US" sz="1400">
+              <a:latin typeface="Consolas" panose="020B0609020204030204" pitchFamily="49" charset="0"/>
+              <a:ea typeface="+mj-ea"/>
+              <a:cs typeface="+mj-cs"/>
+            </a:endParaRPr>
+          </a:p>
+        </p:txBody>
+      </p:sp>
+      <p:sp>
+        <p:nvSpPr>
+          <p:cNvPr id="11" name="文本框 10">
+            <a:extLst>
+              <a:ext uri="{FF2B5EF4-FFF2-40B4-BE49-F238E27FC236}">
+                <a16:creationId xmlns:a16="http://schemas.microsoft.com/office/drawing/2014/main" id="{79137389-07FD-2EF2-B1FB-0DA6FD0C40CA}"/>
+              </a:ext>
+            </a:extLst>
+          </p:cNvPr>
+          <p:cNvSpPr txBox="1"/>
+          <p:nvPr/>
+        </p:nvSpPr>
+        <p:spPr>
+          <a:xfrm>
+            <a:off x="6095999" y="4663540"/>
+            <a:ext cx="5971903" cy="2031325"/>
+          </a:xfrm>
+          <a:prstGeom prst="rect">
+            <a:avLst/>
+          </a:prstGeom>
+          <a:noFill/>
+          <a:ln w="12700">
+            <a:solidFill>
+              <a:schemeClr val="accent1"/>
+            </a:solidFill>
+          </a:ln>
+        </p:spPr>
+        <p:txBody>
+          <a:bodyPr wrap="square">
+            <a:spAutoFit/>
+          </a:bodyPr>
+          <a:lstStyle/>
+          <a:p>
+            <a:r>
+              <a:rPr lang="en-US" altLang="zh-CN" sz="1400">
+                <a:latin typeface="Consolas" panose="020B0609020204030204" pitchFamily="49" charset="0"/>
+                <a:ea typeface="+mj-ea"/>
+                <a:cs typeface="+mj-cs"/>
+              </a:rPr>
+              <a:t>Predicting runtime for MPC on M7</a:t>
+            </a:r>
+          </a:p>
+          <a:p>
+            <a:r>
+              <a:rPr lang="en-US" altLang="zh-CN" sz="1400">
+                <a:latin typeface="Consolas" panose="020B0609020204030204" pitchFamily="49" charset="0"/>
+                <a:ea typeface="+mj-ea"/>
+                <a:cs typeface="+mj-cs"/>
+              </a:rPr>
+              <a:t>Test size: 0.3, Lower bound: 0.0</a:t>
+            </a:r>
+          </a:p>
+          <a:p>
+            <a:r>
+              <a:rPr lang="en-US" altLang="zh-CN" sz="1400">
+                <a:latin typeface="Consolas" panose="020B0609020204030204" pitchFamily="49" charset="0"/>
+                <a:ea typeface="+mj-ea"/>
+                <a:cs typeface="+mj-cs"/>
+              </a:rPr>
+              <a:t>Method: hybrid</a:t>
+            </a:r>
+          </a:p>
+          <a:p>
+            <a:endParaRPr lang="en-US" altLang="zh-CN" sz="1400">
+              <a:latin typeface="Consolas" panose="020B0609020204030204" pitchFamily="49" charset="0"/>
+              <a:ea typeface="+mj-ea"/>
+              <a:cs typeface="+mj-cs"/>
+            </a:endParaRPr>
+          </a:p>
+          <a:p>
+            <a:r>
+              <a:rPr lang="en-US" altLang="zh-CN" sz="1400">
+                <a:latin typeface="Consolas" panose="020B0609020204030204" pitchFamily="49" charset="0"/>
+                <a:ea typeface="+mj-ea"/>
+                <a:cs typeface="+mj-cs"/>
+              </a:rPr>
+              <a:t>MAPE: 0.0367 ± 0.0242 (</a:t>
+            </a:r>
+            <a:r>
+              <a:rPr lang="zh-CN" altLang="en-US" sz="1400">
+                <a:latin typeface="Consolas" panose="020B0609020204030204" pitchFamily="49" charset="0"/>
+                <a:ea typeface="+mj-ea"/>
+                <a:cs typeface="+mj-cs"/>
+              </a:rPr>
+              <a:t>优秀</a:t>
+            </a:r>
+            <a:r>
+              <a:rPr lang="en-US" altLang="zh-CN" sz="1400">
+                <a:latin typeface="Consolas" panose="020B0609020204030204" pitchFamily="49" charset="0"/>
+                <a:ea typeface="+mj-ea"/>
+                <a:cs typeface="+mj-cs"/>
+              </a:rPr>
+              <a:t>)</a:t>
+            </a:r>
+          </a:p>
+          <a:p>
+            <a:r>
+              <a:rPr lang="en-US" altLang="zh-CN" sz="1400">
+                <a:latin typeface="Consolas" panose="020B0609020204030204" pitchFamily="49" charset="0"/>
+                <a:ea typeface="+mj-ea"/>
+                <a:cs typeface="+mj-cs"/>
+              </a:rPr>
+              <a:t>R2:   0.9986 ± 0.0011</a:t>
+            </a:r>
+          </a:p>
+          <a:p>
+            <a:r>
+              <a:rPr lang="en-US" altLang="zh-CN" sz="1400">
+                <a:latin typeface="Consolas" panose="020B0609020204030204" pitchFamily="49" charset="0"/>
+                <a:ea typeface="+mj-ea"/>
+                <a:cs typeface="+mj-cs"/>
+              </a:rPr>
+              <a:t>RMSE: 0.0102 ± 0.0044 (s)</a:t>
+            </a:r>
+          </a:p>
+          <a:p>
+            <a:r>
+              <a:rPr lang="en-US" altLang="zh-CN" sz="1400">
+                <a:latin typeface="Consolas" panose="020B0609020204030204" pitchFamily="49" charset="0"/>
+                <a:ea typeface="+mj-ea"/>
+                <a:cs typeface="+mj-cs"/>
+              </a:rPr>
+              <a:t>RMSE%_mean: 2.22% ± 1.05% (</a:t>
+            </a:r>
+            <a:r>
+              <a:rPr lang="zh-CN" altLang="en-US" sz="1400">
+                <a:latin typeface="Consolas" panose="020B0609020204030204" pitchFamily="49" charset="0"/>
+                <a:ea typeface="+mj-ea"/>
+                <a:cs typeface="+mj-cs"/>
+              </a:rPr>
+              <a:t>优秀</a:t>
+            </a:r>
+            <a:r>
+              <a:rPr lang="en-US" altLang="zh-CN" sz="1400">
+                <a:latin typeface="Consolas" panose="020B0609020204030204" pitchFamily="49" charset="0"/>
+                <a:ea typeface="+mj-ea"/>
+                <a:cs typeface="+mj-cs"/>
+              </a:rPr>
+              <a:t>)</a:t>
+            </a:r>
+          </a:p>
+          <a:p>
+            <a:r>
+              <a:rPr lang="en-US" altLang="zh-CN" sz="1400">
+                <a:latin typeface="Consolas" panose="020B0609020204030204" pitchFamily="49" charset="0"/>
+                <a:ea typeface="+mj-ea"/>
+                <a:cs typeface="+mj-cs"/>
+              </a:rPr>
+              <a:t>RMSE%_range: 1.49% ± 0.62% (</a:t>
+            </a:r>
+            <a:r>
+              <a:rPr lang="zh-CN" altLang="en-US" sz="1400">
+                <a:latin typeface="Consolas" panose="020B0609020204030204" pitchFamily="49" charset="0"/>
+                <a:ea typeface="+mj-ea"/>
+                <a:cs typeface="+mj-cs"/>
+              </a:rPr>
+              <a:t>优秀</a:t>
+            </a:r>
+            <a:r>
+              <a:rPr lang="en-US" altLang="zh-CN" sz="1400">
+                <a:latin typeface="Consolas" panose="020B0609020204030204" pitchFamily="49" charset="0"/>
+                <a:ea typeface="+mj-ea"/>
+                <a:cs typeface="+mj-cs"/>
+              </a:rPr>
+              <a:t>)</a:t>
+            </a:r>
+            <a:endParaRPr lang="zh-CN" altLang="en-US" sz="1400">
+              <a:latin typeface="Consolas" panose="020B0609020204030204" pitchFamily="49" charset="0"/>
+              <a:ea typeface="+mj-ea"/>
+              <a:cs typeface="+mj-cs"/>
+            </a:endParaRPr>
+          </a:p>
+        </p:txBody>
+      </p:sp>
+    </p:spTree>
+    <p:extLst>
+      <p:ext uri="{BB962C8B-B14F-4D97-AF65-F5344CB8AC3E}">
+        <p14:creationId xmlns:p14="http://schemas.microsoft.com/office/powerpoint/2010/main" val="2931683832"/>
+      </p:ext>
+    </p:extLst>
+  </p:cSld>
+  <p:clrMapOvr>
+    <a:masterClrMapping/>
+  </p:clrMapOvr>
+</p:sld>
+</file>
+
+<file path=ppt/slides/slide47.xml><?xml version="1.0" encoding="utf-8"?>
+<p:sld xmlns:a="http://schemas.openxmlformats.org/drawingml/2006/main" xmlns:r="http://schemas.openxmlformats.org/officeDocument/2006/relationships" xmlns:p="http://schemas.openxmlformats.org/presentationml/2006/main">
+  <p:cSld>
+    <p:spTree>
+      <p:nvGrpSpPr>
+        <p:cNvPr id="1" name=""/>
+        <p:cNvGrpSpPr/>
+        <p:nvPr/>
+      </p:nvGrpSpPr>
+      <p:grpSpPr>
+        <a:xfrm>
+          <a:off x="0" y="0"/>
+          <a:ext cx="0" cy="0"/>
+          <a:chOff x="0" y="0"/>
+          <a:chExt cx="0" cy="0"/>
+        </a:xfrm>
+      </p:grpSpPr>
+      <p:pic>
+        <p:nvPicPr>
+          <p:cNvPr id="5" name="内容占位符 4">
+            <a:extLst>
+              <a:ext uri="{FF2B5EF4-FFF2-40B4-BE49-F238E27FC236}">
+                <a16:creationId xmlns:a16="http://schemas.microsoft.com/office/drawing/2014/main" id="{50FB1971-A6C4-8A4E-E7D9-751814CE28E8}"/>
+              </a:ext>
+            </a:extLst>
+          </p:cNvPr>
+          <p:cNvPicPr>
+            <a:picLocks noGrp="1" noChangeAspect="1"/>
+          </p:cNvPicPr>
           <p:nvPr>
-            <p:extLst>
-              <p:ext uri="{D42A27DB-BD31-4B8C-83A1-F6EECF244321}">
-                <p14:modId xmlns:p14="http://schemas.microsoft.com/office/powerpoint/2010/main" val="4292381180"/>
-              </p:ext>
-            </p:extLst>
+            <p:ph idx="1"/>
           </p:nvPr>
-        </p:nvGraphicFramePr>
-        <p:xfrm>
-          <a:off x="1449571" y="1690688"/>
-          <a:ext cx="9292857" cy="4547080"/>
-        </p:xfrm>
-        <a:graphic>
-          <a:graphicData uri="http://schemas.openxmlformats.org/drawingml/2006/table">
-            <a:tbl>
-              <a:tblPr/>
-              <a:tblGrid>
-                <a:gridCol w="1327551">
-                  <a:extLst>
-                    <a:ext uri="{9D8B030D-6E8A-4147-A177-3AD203B41FA5}">
-                      <a16:colId xmlns:a16="http://schemas.microsoft.com/office/drawing/2014/main" val="1564772401"/>
-                    </a:ext>
-                  </a:extLst>
-                </a:gridCol>
-                <a:gridCol w="1327551">
-                  <a:extLst>
-                    <a:ext uri="{9D8B030D-6E8A-4147-A177-3AD203B41FA5}">
-                      <a16:colId xmlns:a16="http://schemas.microsoft.com/office/drawing/2014/main" val="1466801037"/>
-                    </a:ext>
-                  </a:extLst>
-                </a:gridCol>
-                <a:gridCol w="1327551">
-                  <a:extLst>
-                    <a:ext uri="{9D8B030D-6E8A-4147-A177-3AD203B41FA5}">
-                      <a16:colId xmlns:a16="http://schemas.microsoft.com/office/drawing/2014/main" val="3888900014"/>
-                    </a:ext>
-                  </a:extLst>
-                </a:gridCol>
-                <a:gridCol w="1327551">
-                  <a:extLst>
-                    <a:ext uri="{9D8B030D-6E8A-4147-A177-3AD203B41FA5}">
-                      <a16:colId xmlns:a16="http://schemas.microsoft.com/office/drawing/2014/main" val="1588765853"/>
-                    </a:ext>
-                  </a:extLst>
-                </a:gridCol>
-                <a:gridCol w="1327551">
-                  <a:extLst>
-                    <a:ext uri="{9D8B030D-6E8A-4147-A177-3AD203B41FA5}">
-                      <a16:colId xmlns:a16="http://schemas.microsoft.com/office/drawing/2014/main" val="2625172039"/>
-                    </a:ext>
-                  </a:extLst>
-                </a:gridCol>
-                <a:gridCol w="1327551">
-                  <a:extLst>
-                    <a:ext uri="{9D8B030D-6E8A-4147-A177-3AD203B41FA5}">
-                      <a16:colId xmlns:a16="http://schemas.microsoft.com/office/drawing/2014/main" val="1476438223"/>
-                    </a:ext>
-                  </a:extLst>
-                </a:gridCol>
-                <a:gridCol w="1327551">
-                  <a:extLst>
-                    <a:ext uri="{9D8B030D-6E8A-4147-A177-3AD203B41FA5}">
-                      <a16:colId xmlns:a16="http://schemas.microsoft.com/office/drawing/2014/main" val="3069631612"/>
-                    </a:ext>
-                  </a:extLst>
-                </a:gridCol>
-              </a:tblGrid>
-              <a:tr h="909416">
-                <a:tc>
-                  <a:txBody>
-                    <a:bodyPr/>
-                    <a:lstStyle/>
-                    <a:p>
-                      <a:pPr algn="ctr" fontAlgn="ctr">
-                        <a:buNone/>
-                      </a:pPr>
-                      <a:endParaRPr lang="en-US" sz="2800" b="0" i="0" u="none" strike="noStrike">
-                        <a:solidFill>
-                          <a:srgbClr val="000000"/>
-                        </a:solidFill>
-                        <a:effectLst/>
-                        <a:latin typeface="等线" panose="02010600030101010101" pitchFamily="2" charset="-122"/>
-                        <a:ea typeface="等线" panose="02010600030101010101" pitchFamily="2" charset="-122"/>
-                      </a:endParaRPr>
-                    </a:p>
-                  </a:txBody>
-                  <a:tcPr marL="6350" marR="6350" marT="6350" marB="0" anchor="ctr">
-                    <a:lnL>
-                      <a:noFill/>
-                    </a:lnL>
-                    <a:lnR>
-                      <a:noFill/>
-                    </a:lnR>
-                    <a:lnT>
-                      <a:noFill/>
-                    </a:lnT>
-                    <a:lnB>
-                      <a:noFill/>
-                    </a:lnB>
-                    <a:noFill/>
-                  </a:tcPr>
-                </a:tc>
-                <a:tc>
-                  <a:txBody>
-                    <a:bodyPr/>
-                    <a:lstStyle/>
-                    <a:p>
-                      <a:pPr algn="ctr" fontAlgn="ctr">
-                        <a:buNone/>
-                      </a:pPr>
-                      <a:r>
-                        <a:rPr lang="en-US" sz="2800" b="0" i="0" u="none" strike="noStrike">
-                          <a:solidFill>
-                            <a:srgbClr val="000000"/>
-                          </a:solidFill>
-                          <a:effectLst/>
-                          <a:latin typeface="等线" panose="02010600030101010101" pitchFamily="2" charset="-122"/>
-                          <a:ea typeface="等线" panose="02010600030101010101" pitchFamily="2" charset="-122"/>
-                        </a:rPr>
-                        <a:t>RF</a:t>
-                      </a:r>
-                    </a:p>
-                  </a:txBody>
-                  <a:tcPr marL="6350" marR="6350" marT="6350" marB="0" anchor="ctr">
-                    <a:lnL>
-                      <a:noFill/>
-                    </a:lnL>
-                    <a:lnR>
-                      <a:noFill/>
-                    </a:lnR>
-                    <a:lnT>
-                      <a:noFill/>
-                    </a:lnT>
-                    <a:lnB>
-                      <a:noFill/>
-                    </a:lnB>
-                    <a:noFill/>
-                  </a:tcPr>
-                </a:tc>
-                <a:tc>
-                  <a:txBody>
-                    <a:bodyPr/>
-                    <a:lstStyle/>
-                    <a:p>
-                      <a:pPr algn="ctr" fontAlgn="ctr">
-                        <a:buNone/>
-                      </a:pPr>
-                      <a:r>
-                        <a:rPr lang="en-US" sz="2800" b="0" i="0" u="none" strike="noStrike">
-                          <a:solidFill>
-                            <a:srgbClr val="000000"/>
-                          </a:solidFill>
-                          <a:effectLst/>
-                          <a:latin typeface="等线" panose="02010600030101010101" pitchFamily="2" charset="-122"/>
-                          <a:ea typeface="等线" panose="02010600030101010101" pitchFamily="2" charset="-122"/>
-                        </a:rPr>
-                        <a:t>SVR</a:t>
-                      </a:r>
-                    </a:p>
-                  </a:txBody>
-                  <a:tcPr marL="6350" marR="6350" marT="6350" marB="0" anchor="ctr">
-                    <a:lnL>
-                      <a:noFill/>
-                    </a:lnL>
-                    <a:lnR>
-                      <a:noFill/>
-                    </a:lnR>
-                    <a:lnT>
-                      <a:noFill/>
-                    </a:lnT>
-                    <a:lnB>
-                      <a:noFill/>
-                    </a:lnB>
-                    <a:noFill/>
-                  </a:tcPr>
-                </a:tc>
-                <a:tc>
-                  <a:txBody>
-                    <a:bodyPr/>
-                    <a:lstStyle/>
-                    <a:p>
-                      <a:pPr algn="ctr" fontAlgn="ctr">
-                        <a:buNone/>
-                      </a:pPr>
-                      <a:r>
-                        <a:rPr lang="en-US" sz="2800" b="0" i="0" u="none" strike="noStrike">
-                          <a:solidFill>
-                            <a:srgbClr val="000000"/>
-                          </a:solidFill>
-                          <a:effectLst/>
-                          <a:latin typeface="等线" panose="02010600030101010101" pitchFamily="2" charset="-122"/>
-                          <a:ea typeface="等线" panose="02010600030101010101" pitchFamily="2" charset="-122"/>
-                        </a:rPr>
-                        <a:t>MLP</a:t>
-                      </a:r>
-                    </a:p>
-                  </a:txBody>
-                  <a:tcPr marL="6350" marR="6350" marT="6350" marB="0" anchor="ctr">
-                    <a:lnL>
-                      <a:noFill/>
-                    </a:lnL>
-                    <a:lnR>
-                      <a:noFill/>
-                    </a:lnR>
-                    <a:lnT>
-                      <a:noFill/>
-                    </a:lnT>
-                    <a:lnB>
-                      <a:noFill/>
-                    </a:lnB>
-                    <a:noFill/>
-                  </a:tcPr>
-                </a:tc>
-                <a:tc>
-                  <a:txBody>
-                    <a:bodyPr/>
-                    <a:lstStyle/>
-                    <a:p>
-                      <a:pPr algn="ctr" fontAlgn="ctr">
-                        <a:buNone/>
-                      </a:pPr>
-                      <a:r>
-                        <a:rPr lang="en-US" sz="2800" b="0" i="0" u="none" strike="noStrike">
-                          <a:solidFill>
-                            <a:srgbClr val="000000"/>
-                          </a:solidFill>
-                          <a:effectLst/>
-                          <a:latin typeface="等线" panose="02010600030101010101" pitchFamily="2" charset="-122"/>
-                          <a:ea typeface="等线" panose="02010600030101010101" pitchFamily="2" charset="-122"/>
-                        </a:rPr>
-                        <a:t>CURVE</a:t>
-                      </a:r>
-                    </a:p>
-                  </a:txBody>
-                  <a:tcPr marL="6350" marR="6350" marT="6350" marB="0" anchor="ctr">
-                    <a:lnL>
-                      <a:noFill/>
-                    </a:lnL>
-                    <a:lnR>
-                      <a:noFill/>
-                    </a:lnR>
-                    <a:lnT>
-                      <a:noFill/>
-                    </a:lnT>
-                    <a:lnB>
-                      <a:noFill/>
-                    </a:lnB>
-                    <a:noFill/>
-                  </a:tcPr>
-                </a:tc>
-                <a:tc>
-                  <a:txBody>
-                    <a:bodyPr/>
-                    <a:lstStyle/>
-                    <a:p>
-                      <a:pPr algn="ctr" fontAlgn="ctr">
-                        <a:buNone/>
-                      </a:pPr>
-                      <a:r>
-                        <a:rPr lang="en-US" sz="2800" b="0" i="0" u="none" strike="noStrike">
-                          <a:solidFill>
-                            <a:srgbClr val="000000"/>
-                          </a:solidFill>
-                          <a:effectLst/>
-                          <a:latin typeface="等线" panose="02010600030101010101" pitchFamily="2" charset="-122"/>
-                          <a:ea typeface="等线" panose="02010600030101010101" pitchFamily="2" charset="-122"/>
-                        </a:rPr>
-                        <a:t>XGB</a:t>
-                      </a:r>
-                    </a:p>
-                  </a:txBody>
-                  <a:tcPr marL="6350" marR="6350" marT="6350" marB="0" anchor="ctr">
-                    <a:lnL>
-                      <a:noFill/>
-                    </a:lnL>
-                    <a:lnR>
-                      <a:noFill/>
-                    </a:lnR>
-                    <a:lnT>
-                      <a:noFill/>
-                    </a:lnT>
-                    <a:lnB>
-                      <a:noFill/>
-                    </a:lnB>
-                    <a:noFill/>
-                  </a:tcPr>
-                </a:tc>
-                <a:tc>
-                  <a:txBody>
-                    <a:bodyPr/>
-                    <a:lstStyle/>
-                    <a:p>
-                      <a:pPr algn="ctr" fontAlgn="ctr">
-                        <a:buNone/>
-                      </a:pPr>
-                      <a:r>
-                        <a:rPr lang="en-US" sz="2800" b="0" i="0" u="none" strike="noStrike">
-                          <a:solidFill>
-                            <a:srgbClr val="000000"/>
-                          </a:solidFill>
-                          <a:effectLst/>
-                          <a:latin typeface="等线" panose="02010600030101010101" pitchFamily="2" charset="-122"/>
-                          <a:ea typeface="等线" panose="02010600030101010101" pitchFamily="2" charset="-122"/>
-                        </a:rPr>
-                        <a:t>HYBRID</a:t>
-                      </a:r>
-                    </a:p>
-                  </a:txBody>
-                  <a:tcPr marL="6350" marR="6350" marT="6350" marB="0" anchor="ctr">
-                    <a:lnL>
-                      <a:noFill/>
-                    </a:lnL>
-                    <a:lnR>
-                      <a:noFill/>
-                    </a:lnR>
-                    <a:lnT>
-                      <a:noFill/>
-                    </a:lnT>
-                    <a:lnB>
-                      <a:noFill/>
-                    </a:lnB>
-                    <a:noFill/>
-                  </a:tcPr>
-                </a:tc>
-                <a:extLst>
-                  <a:ext uri="{0D108BD9-81ED-4DB2-BD59-A6C34878D82A}">
-                    <a16:rowId xmlns:a16="http://schemas.microsoft.com/office/drawing/2014/main" val="1387018107"/>
-                  </a:ext>
-                </a:extLst>
-              </a:tr>
-              <a:tr h="909416">
-                <a:tc>
-                  <a:txBody>
-                    <a:bodyPr/>
-                    <a:lstStyle/>
-                    <a:p>
-                      <a:pPr algn="ctr" fontAlgn="ctr">
-                        <a:buNone/>
-                      </a:pPr>
-                      <a:r>
-                        <a:rPr lang="en-US" sz="2800" b="0" i="0" u="none" strike="noStrike">
-                          <a:solidFill>
-                            <a:srgbClr val="000000"/>
-                          </a:solidFill>
-                          <a:effectLst/>
-                          <a:latin typeface="等线" panose="02010600030101010101" pitchFamily="2" charset="-122"/>
-                          <a:ea typeface="等线" panose="02010600030101010101" pitchFamily="2" charset="-122"/>
-                        </a:rPr>
-                        <a:t>MM</a:t>
-                      </a:r>
-                    </a:p>
-                  </a:txBody>
-                  <a:tcPr marL="6350" marR="6350" marT="6350" marB="0" anchor="ctr">
-                    <a:lnL>
-                      <a:noFill/>
-                    </a:lnL>
-                    <a:lnR>
-                      <a:noFill/>
-                    </a:lnR>
-                    <a:lnT>
-                      <a:noFill/>
-                    </a:lnT>
-                    <a:lnB>
-                      <a:noFill/>
-                    </a:lnB>
-                    <a:noFill/>
-                  </a:tcPr>
-                </a:tc>
-                <a:tc>
-                  <a:txBody>
-                    <a:bodyPr/>
-                    <a:lstStyle/>
-                    <a:p>
-                      <a:pPr algn="ctr" fontAlgn="ctr">
-                        <a:buNone/>
-                      </a:pPr>
-                      <a:r>
-                        <a:rPr lang="en-US" altLang="zh-CN" sz="2800" b="0" i="0" u="none" strike="noStrike">
-                          <a:solidFill>
-                            <a:srgbClr val="000000"/>
-                          </a:solidFill>
-                          <a:effectLst/>
-                          <a:latin typeface="等线" panose="02010600030101010101" pitchFamily="2" charset="-122"/>
-                          <a:ea typeface="等线" panose="02010600030101010101" pitchFamily="2" charset="-122"/>
-                        </a:rPr>
-                        <a:t>0.0000 </a:t>
-                      </a:r>
-                    </a:p>
-                  </a:txBody>
-                  <a:tcPr marL="6350" marR="6350" marT="6350" marB="0" anchor="ctr">
-                    <a:lnL>
-                      <a:noFill/>
-                    </a:lnL>
-                    <a:lnR>
-                      <a:noFill/>
-                    </a:lnR>
-                    <a:lnT>
-                      <a:noFill/>
-                    </a:lnT>
-                    <a:lnB>
-                      <a:noFill/>
-                    </a:lnB>
-                    <a:solidFill>
-                      <a:srgbClr val="FFC000"/>
-                    </a:solidFill>
-                  </a:tcPr>
-                </a:tc>
-                <a:tc>
-                  <a:txBody>
-                    <a:bodyPr/>
-                    <a:lstStyle/>
-                    <a:p>
-                      <a:pPr algn="ctr" fontAlgn="ctr">
-                        <a:buNone/>
-                      </a:pPr>
-                      <a:r>
-                        <a:rPr lang="en-US" altLang="zh-CN" sz="2800" b="0" i="0" u="none" strike="noStrike">
-                          <a:solidFill>
-                            <a:srgbClr val="000000"/>
-                          </a:solidFill>
-                          <a:effectLst/>
-                          <a:latin typeface="等线" panose="02010600030101010101" pitchFamily="2" charset="-122"/>
-                          <a:ea typeface="等线" panose="02010600030101010101" pitchFamily="2" charset="-122"/>
-                        </a:rPr>
-                        <a:t>1.0000 </a:t>
-                      </a:r>
-                    </a:p>
-                  </a:txBody>
-                  <a:tcPr marL="6350" marR="6350" marT="6350" marB="0" anchor="ctr">
-                    <a:lnL>
-                      <a:noFill/>
-                    </a:lnL>
-                    <a:lnR>
-                      <a:noFill/>
-                    </a:lnR>
-                    <a:lnT>
-                      <a:noFill/>
-                    </a:lnT>
-                    <a:lnB>
-                      <a:noFill/>
-                    </a:lnB>
-                    <a:solidFill>
-                      <a:srgbClr val="00B050"/>
-                    </a:solidFill>
-                  </a:tcPr>
-                </a:tc>
-                <a:tc>
-                  <a:txBody>
-                    <a:bodyPr/>
-                    <a:lstStyle/>
-                    <a:p>
-                      <a:pPr algn="ctr" fontAlgn="ctr">
-                        <a:buNone/>
-                      </a:pPr>
-                      <a:r>
-                        <a:rPr lang="en-US" altLang="zh-CN" sz="2800" b="0" i="0" u="none" strike="noStrike">
-                          <a:solidFill>
-                            <a:srgbClr val="000000"/>
-                          </a:solidFill>
-                          <a:effectLst/>
-                          <a:latin typeface="等线" panose="02010600030101010101" pitchFamily="2" charset="-122"/>
-                          <a:ea typeface="等线" panose="02010600030101010101" pitchFamily="2" charset="-122"/>
-                        </a:rPr>
-                        <a:t>0.5000 </a:t>
-                      </a:r>
-                    </a:p>
-                  </a:txBody>
-                  <a:tcPr marL="6350" marR="6350" marT="6350" marB="0" anchor="ctr">
-                    <a:lnL>
-                      <a:noFill/>
-                    </a:lnL>
-                    <a:lnR>
-                      <a:noFill/>
-                    </a:lnR>
-                    <a:lnT>
-                      <a:noFill/>
-                    </a:lnT>
-                    <a:lnB>
-                      <a:noFill/>
-                    </a:lnB>
-                    <a:solidFill>
-                      <a:srgbClr val="00B050"/>
-                    </a:solidFill>
-                  </a:tcPr>
-                </a:tc>
-                <a:tc>
-                  <a:txBody>
-                    <a:bodyPr/>
-                    <a:lstStyle/>
-                    <a:p>
-                      <a:pPr algn="ctr" fontAlgn="ctr">
-                        <a:buNone/>
-                      </a:pPr>
-                      <a:r>
-                        <a:rPr lang="en-US" altLang="zh-CN" sz="2800" b="0" i="0" u="none" strike="noStrike">
-                          <a:solidFill>
-                            <a:srgbClr val="000000"/>
-                          </a:solidFill>
-                          <a:effectLst/>
-                          <a:latin typeface="等线" panose="02010600030101010101" pitchFamily="2" charset="-122"/>
-                          <a:ea typeface="等线" panose="02010600030101010101" pitchFamily="2" charset="-122"/>
-                        </a:rPr>
-                        <a:t>1.0000 </a:t>
-                      </a:r>
-                    </a:p>
-                  </a:txBody>
-                  <a:tcPr marL="6350" marR="6350" marT="6350" marB="0" anchor="ctr">
-                    <a:lnL>
-                      <a:noFill/>
-                    </a:lnL>
-                    <a:lnR>
-                      <a:noFill/>
-                    </a:lnR>
-                    <a:lnT>
-                      <a:noFill/>
-                    </a:lnT>
-                    <a:lnB>
-                      <a:noFill/>
-                    </a:lnB>
-                    <a:solidFill>
-                      <a:srgbClr val="FFC000"/>
-                    </a:solidFill>
-                  </a:tcPr>
-                </a:tc>
-                <a:tc>
-                  <a:txBody>
-                    <a:bodyPr/>
-                    <a:lstStyle/>
-                    <a:p>
-                      <a:pPr algn="ctr" fontAlgn="ctr">
-                        <a:buNone/>
-                      </a:pPr>
-                      <a:r>
-                        <a:rPr lang="en-US" altLang="zh-CN" sz="2800" b="0" i="0" u="none" strike="noStrike">
-                          <a:solidFill>
-                            <a:srgbClr val="000000"/>
-                          </a:solidFill>
-                          <a:effectLst/>
-                          <a:latin typeface="等线" panose="02010600030101010101" pitchFamily="2" charset="-122"/>
-                          <a:ea typeface="等线" panose="02010600030101010101" pitchFamily="2" charset="-122"/>
-                        </a:rPr>
-                        <a:t>1.0000 </a:t>
-                      </a:r>
-                    </a:p>
-                  </a:txBody>
-                  <a:tcPr marL="6350" marR="6350" marT="6350" marB="0" anchor="ctr">
-                    <a:lnL>
-                      <a:noFill/>
-                    </a:lnL>
-                    <a:lnR>
-                      <a:noFill/>
-                    </a:lnR>
-                    <a:lnT>
-                      <a:noFill/>
-                    </a:lnT>
-                    <a:lnB>
-                      <a:noFill/>
-                    </a:lnB>
-                    <a:solidFill>
-                      <a:srgbClr val="FFC000"/>
-                    </a:solidFill>
-                  </a:tcPr>
-                </a:tc>
-                <a:tc>
-                  <a:txBody>
-                    <a:bodyPr/>
-                    <a:lstStyle/>
-                    <a:p>
-                      <a:pPr algn="ctr" fontAlgn="ctr">
-                        <a:buNone/>
-                      </a:pPr>
-                      <a:r>
-                        <a:rPr lang="en-US" altLang="zh-CN" sz="2800" b="0" i="0" u="none" strike="noStrike">
-                          <a:solidFill>
-                            <a:srgbClr val="000000"/>
-                          </a:solidFill>
-                          <a:effectLst/>
-                          <a:latin typeface="等线" panose="02010600030101010101" pitchFamily="2" charset="-122"/>
-                          <a:ea typeface="等线" panose="02010600030101010101" pitchFamily="2" charset="-122"/>
-                        </a:rPr>
-                        <a:t>1.0000 </a:t>
-                      </a:r>
-                    </a:p>
-                  </a:txBody>
-                  <a:tcPr marL="6350" marR="6350" marT="6350" marB="0" anchor="ctr">
-                    <a:lnL>
-                      <a:noFill/>
-                    </a:lnL>
-                    <a:lnR>
-                      <a:noFill/>
-                    </a:lnR>
-                    <a:lnT>
-                      <a:noFill/>
-                    </a:lnT>
-                    <a:lnB>
-                      <a:noFill/>
-                    </a:lnB>
-                    <a:solidFill>
-                      <a:srgbClr val="FFC000"/>
-                    </a:solidFill>
-                  </a:tcPr>
-                </a:tc>
-                <a:extLst>
-                  <a:ext uri="{0D108BD9-81ED-4DB2-BD59-A6C34878D82A}">
-                    <a16:rowId xmlns:a16="http://schemas.microsoft.com/office/drawing/2014/main" val="766627385"/>
-                  </a:ext>
-                </a:extLst>
-              </a:tr>
-              <a:tr h="909416">
-                <a:tc>
-                  <a:txBody>
-                    <a:bodyPr/>
-                    <a:lstStyle/>
-                    <a:p>
-                      <a:pPr algn="ctr" fontAlgn="ctr">
-                        <a:buNone/>
-                      </a:pPr>
-                      <a:r>
-                        <a:rPr lang="en-US" sz="2800" b="0" i="0" u="none" strike="noStrike">
-                          <a:solidFill>
-                            <a:srgbClr val="000000"/>
-                          </a:solidFill>
-                          <a:effectLst/>
-                          <a:latin typeface="等线" panose="02010600030101010101" pitchFamily="2" charset="-122"/>
-                          <a:ea typeface="等线" panose="02010600030101010101" pitchFamily="2" charset="-122"/>
-                        </a:rPr>
-                        <a:t>KF</a:t>
-                      </a:r>
-                    </a:p>
-                  </a:txBody>
-                  <a:tcPr marL="6350" marR="6350" marT="6350" marB="0" anchor="ctr">
-                    <a:lnL>
-                      <a:noFill/>
-                    </a:lnL>
-                    <a:lnR>
-                      <a:noFill/>
-                    </a:lnR>
-                    <a:lnT>
-                      <a:noFill/>
-                    </a:lnT>
-                    <a:lnB>
-                      <a:noFill/>
-                    </a:lnB>
-                    <a:noFill/>
-                  </a:tcPr>
-                </a:tc>
-                <a:tc>
-                  <a:txBody>
-                    <a:bodyPr/>
-                    <a:lstStyle/>
-                    <a:p>
-                      <a:pPr algn="ctr" fontAlgn="ctr">
-                        <a:buNone/>
-                      </a:pPr>
-                      <a:r>
-                        <a:rPr lang="en-US" altLang="zh-CN" sz="2800" b="0" i="0" u="none" strike="noStrike">
-                          <a:solidFill>
-                            <a:srgbClr val="000000"/>
-                          </a:solidFill>
-                          <a:effectLst/>
-                          <a:latin typeface="等线" panose="02010600030101010101" pitchFamily="2" charset="-122"/>
-                          <a:ea typeface="等线" panose="02010600030101010101" pitchFamily="2" charset="-122"/>
-                        </a:rPr>
-                        <a:t>1.0000 </a:t>
-                      </a:r>
-                    </a:p>
-                  </a:txBody>
-                  <a:tcPr marL="6350" marR="6350" marT="6350" marB="0" anchor="ctr">
-                    <a:lnL>
-                      <a:noFill/>
-                    </a:lnL>
-                    <a:lnR>
-                      <a:noFill/>
-                    </a:lnR>
-                    <a:lnT>
-                      <a:noFill/>
-                    </a:lnT>
-                    <a:lnB>
-                      <a:noFill/>
-                    </a:lnB>
-                    <a:solidFill>
-                      <a:srgbClr val="FFC000"/>
-                    </a:solidFill>
-                  </a:tcPr>
-                </a:tc>
-                <a:tc>
-                  <a:txBody>
-                    <a:bodyPr/>
-                    <a:lstStyle/>
-                    <a:p>
-                      <a:pPr algn="ctr" fontAlgn="ctr">
-                        <a:buNone/>
-                      </a:pPr>
-                      <a:r>
-                        <a:rPr lang="en-US" altLang="zh-CN" sz="2800" b="0" i="0" u="none" strike="noStrike">
-                          <a:solidFill>
-                            <a:srgbClr val="000000"/>
-                          </a:solidFill>
-                          <a:effectLst/>
-                          <a:latin typeface="等线" panose="02010600030101010101" pitchFamily="2" charset="-122"/>
-                          <a:ea typeface="等线" panose="02010600030101010101" pitchFamily="2" charset="-122"/>
-                        </a:rPr>
-                        <a:t>1.0000 </a:t>
-                      </a:r>
-                    </a:p>
-                  </a:txBody>
-                  <a:tcPr marL="6350" marR="6350" marT="6350" marB="0" anchor="ctr">
-                    <a:lnL>
-                      <a:noFill/>
-                    </a:lnL>
-                    <a:lnR>
-                      <a:noFill/>
-                    </a:lnR>
-                    <a:lnT>
-                      <a:noFill/>
-                    </a:lnT>
-                    <a:lnB>
-                      <a:noFill/>
-                    </a:lnB>
-                    <a:solidFill>
-                      <a:srgbClr val="FFC000"/>
-                    </a:solidFill>
-                  </a:tcPr>
-                </a:tc>
-                <a:tc>
-                  <a:txBody>
-                    <a:bodyPr/>
-                    <a:lstStyle/>
-                    <a:p>
-                      <a:pPr algn="ctr" fontAlgn="ctr">
-                        <a:buNone/>
-                      </a:pPr>
-                      <a:r>
-                        <a:rPr lang="en-US" altLang="zh-CN" sz="2800" b="0" i="0" u="none" strike="noStrike">
-                          <a:solidFill>
-                            <a:srgbClr val="000000"/>
-                          </a:solidFill>
-                          <a:effectLst/>
-                          <a:latin typeface="等线" panose="02010600030101010101" pitchFamily="2" charset="-122"/>
-                          <a:ea typeface="等线" panose="02010600030101010101" pitchFamily="2" charset="-122"/>
-                        </a:rPr>
-                        <a:t>0.5000 </a:t>
-                      </a:r>
-                    </a:p>
-                  </a:txBody>
-                  <a:tcPr marL="6350" marR="6350" marT="6350" marB="0" anchor="ctr">
-                    <a:lnL>
-                      <a:noFill/>
-                    </a:lnL>
-                    <a:lnR>
-                      <a:noFill/>
-                    </a:lnR>
-                    <a:lnT>
-                      <a:noFill/>
-                    </a:lnT>
-                    <a:lnB>
-                      <a:noFill/>
-                    </a:lnB>
-                    <a:solidFill>
-                      <a:srgbClr val="00B050"/>
-                    </a:solidFill>
-                  </a:tcPr>
-                </a:tc>
-                <a:tc>
-                  <a:txBody>
-                    <a:bodyPr/>
-                    <a:lstStyle/>
-                    <a:p>
-                      <a:pPr algn="ctr" fontAlgn="ctr">
-                        <a:buNone/>
-                      </a:pPr>
-                      <a:r>
-                        <a:rPr lang="en-US" altLang="zh-CN" sz="2800" b="0" i="0" u="none" strike="noStrike">
-                          <a:solidFill>
-                            <a:srgbClr val="000000"/>
-                          </a:solidFill>
-                          <a:effectLst/>
-                          <a:latin typeface="等线" panose="02010600030101010101" pitchFamily="2" charset="-122"/>
-                          <a:ea typeface="等线" panose="02010600030101010101" pitchFamily="2" charset="-122"/>
-                        </a:rPr>
-                        <a:t>1.0000 </a:t>
-                      </a:r>
-                    </a:p>
-                  </a:txBody>
-                  <a:tcPr marL="6350" marR="6350" marT="6350" marB="0" anchor="ctr">
-                    <a:lnL>
-                      <a:noFill/>
-                    </a:lnL>
-                    <a:lnR>
-                      <a:noFill/>
-                    </a:lnR>
-                    <a:lnT>
-                      <a:noFill/>
-                    </a:lnT>
-                    <a:lnB>
-                      <a:noFill/>
-                    </a:lnB>
-                    <a:solidFill>
-                      <a:srgbClr val="FF0000"/>
-                    </a:solidFill>
-                  </a:tcPr>
-                </a:tc>
-                <a:tc>
-                  <a:txBody>
-                    <a:bodyPr/>
-                    <a:lstStyle/>
-                    <a:p>
-                      <a:pPr algn="ctr" fontAlgn="ctr">
-                        <a:buNone/>
-                      </a:pPr>
-                      <a:r>
-                        <a:rPr lang="en-US" altLang="zh-CN" sz="2800" b="0" i="0" u="none" strike="noStrike">
-                          <a:solidFill>
-                            <a:srgbClr val="000000"/>
-                          </a:solidFill>
-                          <a:effectLst/>
-                          <a:latin typeface="等线" panose="02010600030101010101" pitchFamily="2" charset="-122"/>
-                          <a:ea typeface="等线" panose="02010600030101010101" pitchFamily="2" charset="-122"/>
-                        </a:rPr>
-                        <a:t>1.0000 </a:t>
-                      </a:r>
-                    </a:p>
-                  </a:txBody>
-                  <a:tcPr marL="6350" marR="6350" marT="6350" marB="0" anchor="ctr">
-                    <a:lnL>
-                      <a:noFill/>
-                    </a:lnL>
-                    <a:lnR>
-                      <a:noFill/>
-                    </a:lnR>
-                    <a:lnT>
-                      <a:noFill/>
-                    </a:lnT>
-                    <a:lnB>
-                      <a:noFill/>
-                    </a:lnB>
-                    <a:solidFill>
-                      <a:srgbClr val="FFC000"/>
-                    </a:solidFill>
-                  </a:tcPr>
-                </a:tc>
-                <a:tc>
-                  <a:txBody>
-                    <a:bodyPr/>
-                    <a:lstStyle/>
-                    <a:p>
-                      <a:pPr algn="ctr" fontAlgn="ctr">
-                        <a:buNone/>
-                      </a:pPr>
-                      <a:r>
-                        <a:rPr lang="en-US" altLang="zh-CN" sz="2800" b="0" i="0" u="none" strike="noStrike">
-                          <a:solidFill>
-                            <a:srgbClr val="000000"/>
-                          </a:solidFill>
-                          <a:effectLst/>
-                          <a:latin typeface="等线" panose="02010600030101010101" pitchFamily="2" charset="-122"/>
-                          <a:ea typeface="等线" panose="02010600030101010101" pitchFamily="2" charset="-122"/>
-                        </a:rPr>
-                        <a:t>1.0000 </a:t>
-                      </a:r>
-                    </a:p>
-                  </a:txBody>
-                  <a:tcPr marL="6350" marR="6350" marT="6350" marB="0" anchor="ctr">
-                    <a:lnL>
-                      <a:noFill/>
-                    </a:lnL>
-                    <a:lnR>
-                      <a:noFill/>
-                    </a:lnR>
-                    <a:lnT>
-                      <a:noFill/>
-                    </a:lnT>
-                    <a:lnB>
-                      <a:noFill/>
-                    </a:lnB>
-                    <a:solidFill>
-                      <a:srgbClr val="FFC000"/>
-                    </a:solidFill>
-                  </a:tcPr>
-                </a:tc>
-                <a:extLst>
-                  <a:ext uri="{0D108BD9-81ED-4DB2-BD59-A6C34878D82A}">
-                    <a16:rowId xmlns:a16="http://schemas.microsoft.com/office/drawing/2014/main" val="3250499298"/>
-                  </a:ext>
-                </a:extLst>
-              </a:tr>
-              <a:tr h="909416">
-                <a:tc>
-                  <a:txBody>
-                    <a:bodyPr/>
-                    <a:lstStyle/>
-                    <a:p>
-                      <a:pPr algn="ctr" fontAlgn="ctr">
-                        <a:buNone/>
-                      </a:pPr>
-                      <a:r>
-                        <a:rPr lang="en-US" sz="2800" b="0" i="0" u="none" strike="noStrike">
-                          <a:solidFill>
-                            <a:srgbClr val="000000"/>
-                          </a:solidFill>
-                          <a:effectLst/>
-                          <a:latin typeface="等线" panose="02010600030101010101" pitchFamily="2" charset="-122"/>
-                          <a:ea typeface="等线" panose="02010600030101010101" pitchFamily="2" charset="-122"/>
-                        </a:rPr>
-                        <a:t>FFT</a:t>
-                      </a:r>
-                    </a:p>
-                  </a:txBody>
-                  <a:tcPr marL="6350" marR="6350" marT="6350" marB="0" anchor="ctr">
-                    <a:lnL>
-                      <a:noFill/>
-                    </a:lnL>
-                    <a:lnR>
-                      <a:noFill/>
-                    </a:lnR>
-                    <a:lnT>
-                      <a:noFill/>
-                    </a:lnT>
-                    <a:lnB>
-                      <a:noFill/>
-                    </a:lnB>
-                    <a:noFill/>
-                  </a:tcPr>
-                </a:tc>
-                <a:tc>
-                  <a:txBody>
-                    <a:bodyPr/>
-                    <a:lstStyle/>
-                    <a:p>
-                      <a:pPr algn="ctr" fontAlgn="ctr">
-                        <a:buNone/>
-                      </a:pPr>
-                      <a:r>
-                        <a:rPr lang="en-US" altLang="zh-CN" sz="2800" b="0" i="0" u="none" strike="noStrike">
-                          <a:solidFill>
-                            <a:srgbClr val="000000"/>
-                          </a:solidFill>
-                          <a:effectLst/>
-                          <a:latin typeface="等线" panose="02010600030101010101" pitchFamily="2" charset="-122"/>
-                          <a:ea typeface="等线" panose="02010600030101010101" pitchFamily="2" charset="-122"/>
-                        </a:rPr>
-                        <a:t>1.0000 </a:t>
-                      </a:r>
-                    </a:p>
-                  </a:txBody>
-                  <a:tcPr marL="6350" marR="6350" marT="6350" marB="0" anchor="ctr">
-                    <a:lnL>
-                      <a:noFill/>
-                    </a:lnL>
-                    <a:lnR>
-                      <a:noFill/>
-                    </a:lnR>
-                    <a:lnT>
-                      <a:noFill/>
-                    </a:lnT>
-                    <a:lnB>
-                      <a:noFill/>
-                    </a:lnB>
-                    <a:solidFill>
-                      <a:srgbClr val="FF0000"/>
-                    </a:solidFill>
-                  </a:tcPr>
-                </a:tc>
-                <a:tc>
-                  <a:txBody>
-                    <a:bodyPr/>
-                    <a:lstStyle/>
-                    <a:p>
-                      <a:pPr algn="ctr" fontAlgn="ctr">
-                        <a:buNone/>
-                      </a:pPr>
-                      <a:r>
-                        <a:rPr lang="en-US" altLang="zh-CN" sz="2800" b="0" i="0" u="none" strike="noStrike">
-                          <a:solidFill>
-                            <a:srgbClr val="000000"/>
-                          </a:solidFill>
-                          <a:effectLst/>
-                          <a:latin typeface="等线" panose="02010600030101010101" pitchFamily="2" charset="-122"/>
-                          <a:ea typeface="等线" panose="02010600030101010101" pitchFamily="2" charset="-122"/>
-                        </a:rPr>
-                        <a:t>1.0000 </a:t>
-                      </a:r>
-                    </a:p>
-                  </a:txBody>
-                  <a:tcPr marL="6350" marR="6350" marT="6350" marB="0" anchor="ctr">
-                    <a:lnL>
-                      <a:noFill/>
-                    </a:lnL>
-                    <a:lnR>
-                      <a:noFill/>
-                    </a:lnR>
-                    <a:lnT>
-                      <a:noFill/>
-                    </a:lnT>
-                    <a:lnB>
-                      <a:noFill/>
-                    </a:lnB>
-                    <a:solidFill>
-                      <a:srgbClr val="FF0000"/>
-                    </a:solidFill>
-                  </a:tcPr>
-                </a:tc>
-                <a:tc>
-                  <a:txBody>
-                    <a:bodyPr/>
-                    <a:lstStyle/>
-                    <a:p>
-                      <a:pPr algn="ctr" fontAlgn="ctr">
-                        <a:buNone/>
-                      </a:pPr>
-                      <a:r>
-                        <a:rPr lang="en-US" altLang="zh-CN" sz="2800" b="0" i="0" u="none" strike="noStrike">
-                          <a:solidFill>
-                            <a:srgbClr val="000000"/>
-                          </a:solidFill>
-                          <a:effectLst/>
-                          <a:latin typeface="等线" panose="02010600030101010101" pitchFamily="2" charset="-122"/>
-                          <a:ea typeface="等线" panose="02010600030101010101" pitchFamily="2" charset="-122"/>
-                        </a:rPr>
-                        <a:t>1.0000 </a:t>
-                      </a:r>
-                    </a:p>
-                  </a:txBody>
-                  <a:tcPr marL="6350" marR="6350" marT="6350" marB="0" anchor="ctr">
-                    <a:lnL>
-                      <a:noFill/>
-                    </a:lnL>
-                    <a:lnR>
-                      <a:noFill/>
-                    </a:lnR>
-                    <a:lnT>
-                      <a:noFill/>
-                    </a:lnT>
-                    <a:lnB>
-                      <a:noFill/>
-                    </a:lnB>
-                    <a:solidFill>
-                      <a:srgbClr val="00B050"/>
-                    </a:solidFill>
-                  </a:tcPr>
-                </a:tc>
-                <a:tc>
-                  <a:txBody>
-                    <a:bodyPr/>
-                    <a:lstStyle/>
-                    <a:p>
-                      <a:pPr algn="ctr" fontAlgn="ctr">
-                        <a:buNone/>
-                      </a:pPr>
-                      <a:r>
-                        <a:rPr lang="en-US" altLang="zh-CN" sz="2800" b="0" i="0" u="none" strike="noStrike">
-                          <a:solidFill>
-                            <a:srgbClr val="000000"/>
-                          </a:solidFill>
-                          <a:effectLst/>
-                          <a:latin typeface="等线" panose="02010600030101010101" pitchFamily="2" charset="-122"/>
-                          <a:ea typeface="等线" panose="02010600030101010101" pitchFamily="2" charset="-122"/>
-                        </a:rPr>
-                        <a:t>0.1000 </a:t>
-                      </a:r>
-                    </a:p>
-                  </a:txBody>
-                  <a:tcPr marL="6350" marR="6350" marT="6350" marB="0" anchor="ctr">
-                    <a:lnL>
-                      <a:noFill/>
-                    </a:lnL>
-                    <a:lnR>
-                      <a:noFill/>
-                    </a:lnR>
-                    <a:lnT>
-                      <a:noFill/>
-                    </a:lnT>
-                    <a:lnB>
-                      <a:noFill/>
-                    </a:lnB>
-                    <a:solidFill>
-                      <a:srgbClr val="00B050"/>
-                    </a:solidFill>
-                  </a:tcPr>
-                </a:tc>
-                <a:tc>
-                  <a:txBody>
-                    <a:bodyPr/>
-                    <a:lstStyle/>
-                    <a:p>
-                      <a:pPr algn="ctr" fontAlgn="ctr">
-                        <a:buNone/>
-                      </a:pPr>
-                      <a:r>
-                        <a:rPr lang="en-US" altLang="zh-CN" sz="2800" b="0" i="0" u="none" strike="noStrike">
-                          <a:solidFill>
-                            <a:srgbClr val="000000"/>
-                          </a:solidFill>
-                          <a:effectLst/>
-                          <a:latin typeface="等线" panose="02010600030101010101" pitchFamily="2" charset="-122"/>
-                          <a:ea typeface="等线" panose="02010600030101010101" pitchFamily="2" charset="-122"/>
-                        </a:rPr>
-                        <a:t>1.0000 </a:t>
-                      </a:r>
-                    </a:p>
-                  </a:txBody>
-                  <a:tcPr marL="6350" marR="6350" marT="6350" marB="0" anchor="ctr">
-                    <a:lnL>
-                      <a:noFill/>
-                    </a:lnL>
-                    <a:lnR>
-                      <a:noFill/>
-                    </a:lnR>
-                    <a:lnT>
-                      <a:noFill/>
-                    </a:lnT>
-                    <a:lnB>
-                      <a:noFill/>
-                    </a:lnB>
-                    <a:solidFill>
-                      <a:srgbClr val="FFC000"/>
-                    </a:solidFill>
-                  </a:tcPr>
-                </a:tc>
-                <a:tc>
-                  <a:txBody>
-                    <a:bodyPr/>
-                    <a:lstStyle/>
-                    <a:p>
-                      <a:pPr algn="ctr" fontAlgn="ctr">
-                        <a:buNone/>
-                      </a:pPr>
-                      <a:r>
-                        <a:rPr lang="en-US" altLang="zh-CN" sz="2800" b="0" i="0" u="none" strike="noStrike">
-                          <a:solidFill>
-                            <a:srgbClr val="000000"/>
-                          </a:solidFill>
-                          <a:effectLst/>
-                          <a:latin typeface="等线" panose="02010600030101010101" pitchFamily="2" charset="-122"/>
-                          <a:ea typeface="等线" panose="02010600030101010101" pitchFamily="2" charset="-122"/>
-                        </a:rPr>
-                        <a:t>0.0005 </a:t>
-                      </a:r>
-                    </a:p>
-                  </a:txBody>
-                  <a:tcPr marL="6350" marR="6350" marT="6350" marB="0" anchor="ctr">
-                    <a:lnL>
-                      <a:noFill/>
-                    </a:lnL>
-                    <a:lnR>
-                      <a:noFill/>
-                    </a:lnR>
-                    <a:lnT>
-                      <a:noFill/>
-                    </a:lnT>
-                    <a:lnB>
-                      <a:noFill/>
-                    </a:lnB>
-                    <a:solidFill>
-                      <a:srgbClr val="00B050"/>
-                    </a:solidFill>
-                  </a:tcPr>
-                </a:tc>
-                <a:extLst>
-                  <a:ext uri="{0D108BD9-81ED-4DB2-BD59-A6C34878D82A}">
-                    <a16:rowId xmlns:a16="http://schemas.microsoft.com/office/drawing/2014/main" val="1575602661"/>
-                  </a:ext>
-                </a:extLst>
-              </a:tr>
-              <a:tr h="909416">
-                <a:tc>
-                  <a:txBody>
-                    <a:bodyPr/>
-                    <a:lstStyle/>
-                    <a:p>
-                      <a:pPr algn="ctr" fontAlgn="ctr">
-                        <a:buNone/>
-                      </a:pPr>
-                      <a:r>
-                        <a:rPr lang="en-US" sz="2800" b="0" i="0" u="none" strike="noStrike">
-                          <a:solidFill>
-                            <a:srgbClr val="000000"/>
-                          </a:solidFill>
-                          <a:effectLst/>
-                          <a:latin typeface="等线" panose="02010600030101010101" pitchFamily="2" charset="-122"/>
-                          <a:ea typeface="等线" panose="02010600030101010101" pitchFamily="2" charset="-122"/>
-                        </a:rPr>
-                        <a:t>MPC</a:t>
-                      </a:r>
-                    </a:p>
-                  </a:txBody>
-                  <a:tcPr marL="6350" marR="6350" marT="6350" marB="0" anchor="ctr">
-                    <a:lnL>
-                      <a:noFill/>
-                    </a:lnL>
-                    <a:lnR>
-                      <a:noFill/>
-                    </a:lnR>
-                    <a:lnT>
-                      <a:noFill/>
-                    </a:lnT>
-                    <a:lnB>
-                      <a:noFill/>
-                    </a:lnB>
-                    <a:noFill/>
-                  </a:tcPr>
-                </a:tc>
-                <a:tc>
-                  <a:txBody>
-                    <a:bodyPr/>
-                    <a:lstStyle/>
-                    <a:p>
-                      <a:pPr algn="ctr" fontAlgn="ctr">
-                        <a:buNone/>
-                      </a:pPr>
-                      <a:endParaRPr lang="zh-CN" altLang="en-US" sz="2800" b="0" i="0" u="none" strike="noStrike">
-                        <a:solidFill>
-                          <a:srgbClr val="000000"/>
-                        </a:solidFill>
-                        <a:effectLst/>
-                        <a:latin typeface="等线" panose="02010600030101010101" pitchFamily="2" charset="-122"/>
-                        <a:ea typeface="等线" panose="02010600030101010101" pitchFamily="2" charset="-122"/>
-                      </a:endParaRPr>
-                    </a:p>
-                  </a:txBody>
-                  <a:tcPr marL="6350" marR="6350" marT="6350" marB="0" anchor="ctr">
-                    <a:lnL>
-                      <a:noFill/>
-                    </a:lnL>
-                    <a:lnR>
-                      <a:noFill/>
-                    </a:lnR>
-                    <a:lnT>
-                      <a:noFill/>
-                    </a:lnT>
-                    <a:lnB>
-                      <a:noFill/>
-                    </a:lnB>
-                    <a:noFill/>
-                  </a:tcPr>
-                </a:tc>
-                <a:tc>
-                  <a:txBody>
-                    <a:bodyPr/>
-                    <a:lstStyle/>
-                    <a:p>
-                      <a:pPr algn="ctr" fontAlgn="ctr">
-                        <a:buNone/>
-                      </a:pPr>
-                      <a:endParaRPr lang="zh-CN" altLang="en-US" sz="2800" b="0" i="0" u="none" strike="noStrike">
-                        <a:solidFill>
-                          <a:srgbClr val="000000"/>
-                        </a:solidFill>
-                        <a:effectLst/>
-                        <a:latin typeface="等线" panose="02010600030101010101" pitchFamily="2" charset="-122"/>
-                        <a:ea typeface="等线" panose="02010600030101010101" pitchFamily="2" charset="-122"/>
-                      </a:endParaRPr>
-                    </a:p>
-                  </a:txBody>
-                  <a:tcPr marL="6350" marR="6350" marT="6350" marB="0" anchor="ctr">
-                    <a:lnL>
-                      <a:noFill/>
-                    </a:lnL>
-                    <a:lnR>
-                      <a:noFill/>
-                    </a:lnR>
-                    <a:lnT>
-                      <a:noFill/>
-                    </a:lnT>
-                    <a:lnB>
-                      <a:noFill/>
-                    </a:lnB>
-                    <a:noFill/>
-                  </a:tcPr>
-                </a:tc>
-                <a:tc>
-                  <a:txBody>
-                    <a:bodyPr/>
-                    <a:lstStyle/>
-                    <a:p>
-                      <a:pPr algn="ctr" fontAlgn="ctr">
-                        <a:buNone/>
-                      </a:pPr>
-                      <a:endParaRPr lang="zh-CN" altLang="en-US" sz="2800" b="0" i="0" u="none" strike="noStrike">
-                        <a:solidFill>
-                          <a:srgbClr val="000000"/>
-                        </a:solidFill>
-                        <a:effectLst/>
-                        <a:latin typeface="等线" panose="02010600030101010101" pitchFamily="2" charset="-122"/>
-                        <a:ea typeface="等线" panose="02010600030101010101" pitchFamily="2" charset="-122"/>
-                      </a:endParaRPr>
-                    </a:p>
-                  </a:txBody>
-                  <a:tcPr marL="6350" marR="6350" marT="6350" marB="0" anchor="ctr">
-                    <a:lnL>
-                      <a:noFill/>
-                    </a:lnL>
-                    <a:lnR>
-                      <a:noFill/>
-                    </a:lnR>
-                    <a:lnT>
-                      <a:noFill/>
-                    </a:lnT>
-                    <a:lnB>
-                      <a:noFill/>
-                    </a:lnB>
-                    <a:noFill/>
-                  </a:tcPr>
-                </a:tc>
-                <a:tc>
-                  <a:txBody>
-                    <a:bodyPr/>
-                    <a:lstStyle/>
-                    <a:p>
-                      <a:pPr algn="ctr" fontAlgn="ctr">
-                        <a:buNone/>
-                      </a:pPr>
-                      <a:endParaRPr lang="zh-CN" altLang="en-US" sz="2800" b="0" i="0" u="none" strike="noStrike">
-                        <a:solidFill>
-                          <a:srgbClr val="000000"/>
-                        </a:solidFill>
-                        <a:effectLst/>
-                        <a:latin typeface="等线" panose="02010600030101010101" pitchFamily="2" charset="-122"/>
-                        <a:ea typeface="等线" panose="02010600030101010101" pitchFamily="2" charset="-122"/>
-                      </a:endParaRPr>
-                    </a:p>
-                  </a:txBody>
-                  <a:tcPr marL="6350" marR="6350" marT="6350" marB="0" anchor="ctr">
-                    <a:lnL>
-                      <a:noFill/>
-                    </a:lnL>
-                    <a:lnR>
-                      <a:noFill/>
-                    </a:lnR>
-                    <a:lnT>
-                      <a:noFill/>
-                    </a:lnT>
-                    <a:lnB>
-                      <a:noFill/>
-                    </a:lnB>
-                    <a:noFill/>
-                  </a:tcPr>
-                </a:tc>
-                <a:tc>
-                  <a:txBody>
-                    <a:bodyPr/>
-                    <a:lstStyle/>
-                    <a:p>
-                      <a:pPr algn="ctr" fontAlgn="ctr">
-                        <a:buNone/>
-                      </a:pPr>
-                      <a:endParaRPr lang="zh-CN" altLang="en-US" sz="2800" b="0" i="0" u="none" strike="noStrike">
-                        <a:solidFill>
-                          <a:srgbClr val="000000"/>
-                        </a:solidFill>
-                        <a:effectLst/>
-                        <a:latin typeface="等线" panose="02010600030101010101" pitchFamily="2" charset="-122"/>
-                        <a:ea typeface="等线" panose="02010600030101010101" pitchFamily="2" charset="-122"/>
-                      </a:endParaRPr>
-                    </a:p>
-                  </a:txBody>
-                  <a:tcPr marL="6350" marR="6350" marT="6350" marB="0" anchor="ctr">
-                    <a:lnL>
-                      <a:noFill/>
-                    </a:lnL>
-                    <a:lnR>
-                      <a:noFill/>
-                    </a:lnR>
-                    <a:lnT>
-                      <a:noFill/>
-                    </a:lnT>
-                    <a:lnB>
-                      <a:noFill/>
-                    </a:lnB>
-                    <a:noFill/>
-                  </a:tcPr>
-                </a:tc>
-                <a:tc>
-                  <a:txBody>
-                    <a:bodyPr/>
-                    <a:lstStyle/>
-                    <a:p>
-                      <a:pPr algn="ctr" fontAlgn="ctr">
-                        <a:buNone/>
-                      </a:pPr>
-                      <a:endParaRPr lang="zh-CN" altLang="en-US" sz="2800" b="0" i="0" u="none" strike="noStrike">
-                        <a:solidFill>
-                          <a:srgbClr val="000000"/>
-                        </a:solidFill>
-                        <a:effectLst/>
-                        <a:latin typeface="等线" panose="02010600030101010101" pitchFamily="2" charset="-122"/>
-                        <a:ea typeface="等线" panose="02010600030101010101" pitchFamily="2" charset="-122"/>
-                      </a:endParaRPr>
-                    </a:p>
-                  </a:txBody>
-                  <a:tcPr marL="6350" marR="6350" marT="6350" marB="0" anchor="ctr">
-                    <a:lnL>
-                      <a:noFill/>
-                    </a:lnL>
-                    <a:lnR>
-                      <a:noFill/>
-                    </a:lnR>
-                    <a:lnT>
-                      <a:noFill/>
-                    </a:lnT>
-                    <a:lnB>
-                      <a:noFill/>
-                    </a:lnB>
-                    <a:noFill/>
-                  </a:tcPr>
-                </a:tc>
-                <a:extLst>
-                  <a:ext uri="{0D108BD9-81ED-4DB2-BD59-A6C34878D82A}">
-                    <a16:rowId xmlns:a16="http://schemas.microsoft.com/office/drawing/2014/main" val="1963121366"/>
-                  </a:ext>
-                </a:extLst>
-              </a:tr>
-            </a:tbl>
-          </a:graphicData>
-        </a:graphic>
-      </p:graphicFrame>
+        </p:nvPicPr>
+        <p:blipFill>
+          <a:blip r:embed="rId2">
+            <a:extLst>
+              <a:ext uri="{28A0092B-C50C-407E-A947-70E740481C1C}">
+                <a14:useLocalDpi xmlns:a14="http://schemas.microsoft.com/office/drawing/2010/main" val="0"/>
+              </a:ext>
+            </a:extLst>
+          </a:blip>
+          <a:stretch>
+            <a:fillRect/>
+          </a:stretch>
+        </p:blipFill>
+        <p:spPr>
+          <a:xfrm>
+            <a:off x="1524000" y="0"/>
+            <a:ext cx="9144000" cy="6858000"/>
+          </a:xfrm>
+        </p:spPr>
+      </p:pic>
+    </p:spTree>
+    <p:extLst>
+      <p:ext uri="{BB962C8B-B14F-4D97-AF65-F5344CB8AC3E}">
+        <p14:creationId xmlns:p14="http://schemas.microsoft.com/office/powerpoint/2010/main" val="4246734115"/>
+      </p:ext>
+    </p:extLst>
+  </p:cSld>
+  <p:clrMapOvr>
+    <a:masterClrMapping/>
+  </p:clrMapOvr>
+</p:sld>
+</file>
+
+<file path=ppt/slides/slide5.xml><?xml version="1.0" encoding="utf-8"?>
+<p:sld xmlns:a="http://schemas.openxmlformats.org/drawingml/2006/main" xmlns:r="http://schemas.openxmlformats.org/officeDocument/2006/relationships" xmlns:p="http://schemas.openxmlformats.org/presentationml/2006/main">
+  <p:cSld>
+    <p:spTree>
+      <p:nvGrpSpPr>
+        <p:cNvPr id="1" name=""/>
+        <p:cNvGrpSpPr/>
+        <p:nvPr/>
+      </p:nvGrpSpPr>
+      <p:grpSpPr>
+        <a:xfrm>
+          <a:off x="0" y="0"/>
+          <a:ext cx="0" cy="0"/>
+          <a:chOff x="0" y="0"/>
+          <a:chExt cx="0" cy="0"/>
+        </a:xfrm>
+      </p:grpSpPr>
+      <p:pic>
+        <p:nvPicPr>
+          <p:cNvPr id="2" name="图片 1">
+            <a:extLst>
+              <a:ext uri="{FF2B5EF4-FFF2-40B4-BE49-F238E27FC236}">
+                <a16:creationId xmlns:a16="http://schemas.microsoft.com/office/drawing/2014/main" id="{68FA297B-D1D8-9647-CE59-A851BAF1CF8C}"/>
+              </a:ext>
+            </a:extLst>
+          </p:cNvPr>
+          <p:cNvPicPr>
+            <a:picLocks noChangeAspect="1"/>
+          </p:cNvPicPr>
+          <p:nvPr/>
+        </p:nvPicPr>
+        <p:blipFill>
+          <a:blip r:embed="rId2"/>
+          <a:stretch>
+            <a:fillRect/>
+          </a:stretch>
+        </p:blipFill>
+        <p:spPr>
+          <a:xfrm>
+            <a:off x="3020853" y="0"/>
+            <a:ext cx="6150294" cy="6858000"/>
+          </a:xfrm>
+          <a:prstGeom prst="rect">
+            <a:avLst/>
+          </a:prstGeom>
+        </p:spPr>
+      </p:pic>
     </p:spTree>
     <p:extLst>
       <p:ext uri="{BB962C8B-B14F-4D97-AF65-F5344CB8AC3E}">

--- a/R5.pptx
+++ b/R5.pptx
@@ -241,7 +241,7 @@
           <a:p>
             <a:fld id="{F785A1BD-EBB2-4221-B6F1-84446E81673C}" type="datetimeFigureOut">
               <a:rPr lang="zh-CN" altLang="en-US" smtClean="0"/>
-              <a:t>2025/10/17</a:t>
+              <a:t>2025/10/18</a:t>
             </a:fld>
             <a:endParaRPr lang="zh-CN" altLang="en-US"/>
           </a:p>
@@ -2551,7 +2551,7 @@
           <a:p>
             <a:fld id="{5D316963-EF35-41F4-B235-3A3F02295E84}" type="datetimeFigureOut">
               <a:rPr lang="zh-CN" altLang="en-US" smtClean="0"/>
-              <a:t>2025/10/17</a:t>
+              <a:t>2025/10/18</a:t>
             </a:fld>
             <a:endParaRPr lang="zh-CN" altLang="en-US"/>
           </a:p>
@@ -2749,7 +2749,7 @@
           <a:p>
             <a:fld id="{5D316963-EF35-41F4-B235-3A3F02295E84}" type="datetimeFigureOut">
               <a:rPr lang="zh-CN" altLang="en-US" smtClean="0"/>
-              <a:t>2025/10/17</a:t>
+              <a:t>2025/10/18</a:t>
             </a:fld>
             <a:endParaRPr lang="zh-CN" altLang="en-US"/>
           </a:p>
@@ -2957,7 +2957,7 @@
           <a:p>
             <a:fld id="{5D316963-EF35-41F4-B235-3A3F02295E84}" type="datetimeFigureOut">
               <a:rPr lang="zh-CN" altLang="en-US" smtClean="0"/>
-              <a:t>2025/10/17</a:t>
+              <a:t>2025/10/18</a:t>
             </a:fld>
             <a:endParaRPr lang="zh-CN" altLang="en-US"/>
           </a:p>
@@ -3155,7 +3155,7 @@
           <a:p>
             <a:fld id="{5D316963-EF35-41F4-B235-3A3F02295E84}" type="datetimeFigureOut">
               <a:rPr lang="zh-CN" altLang="en-US" smtClean="0"/>
-              <a:t>2025/10/17</a:t>
+              <a:t>2025/10/18</a:t>
             </a:fld>
             <a:endParaRPr lang="zh-CN" altLang="en-US"/>
           </a:p>
@@ -3430,7 +3430,7 @@
           <a:p>
             <a:fld id="{5D316963-EF35-41F4-B235-3A3F02295E84}" type="datetimeFigureOut">
               <a:rPr lang="zh-CN" altLang="en-US" smtClean="0"/>
-              <a:t>2025/10/17</a:t>
+              <a:t>2025/10/18</a:t>
             </a:fld>
             <a:endParaRPr lang="zh-CN" altLang="en-US"/>
           </a:p>
@@ -3695,7 +3695,7 @@
           <a:p>
             <a:fld id="{5D316963-EF35-41F4-B235-3A3F02295E84}" type="datetimeFigureOut">
               <a:rPr lang="zh-CN" altLang="en-US" smtClean="0"/>
-              <a:t>2025/10/17</a:t>
+              <a:t>2025/10/18</a:t>
             </a:fld>
             <a:endParaRPr lang="zh-CN" altLang="en-US"/>
           </a:p>
@@ -4107,7 +4107,7 @@
           <a:p>
             <a:fld id="{5D316963-EF35-41F4-B235-3A3F02295E84}" type="datetimeFigureOut">
               <a:rPr lang="zh-CN" altLang="en-US" smtClean="0"/>
-              <a:t>2025/10/17</a:t>
+              <a:t>2025/10/18</a:t>
             </a:fld>
             <a:endParaRPr lang="zh-CN" altLang="en-US"/>
           </a:p>
@@ -4248,7 +4248,7 @@
           <a:p>
             <a:fld id="{5D316963-EF35-41F4-B235-3A3F02295E84}" type="datetimeFigureOut">
               <a:rPr lang="zh-CN" altLang="en-US" smtClean="0"/>
-              <a:t>2025/10/17</a:t>
+              <a:t>2025/10/18</a:t>
             </a:fld>
             <a:endParaRPr lang="zh-CN" altLang="en-US"/>
           </a:p>
@@ -4361,7 +4361,7 @@
           <a:p>
             <a:fld id="{5D316963-EF35-41F4-B235-3A3F02295E84}" type="datetimeFigureOut">
               <a:rPr lang="zh-CN" altLang="en-US" smtClean="0"/>
-              <a:t>2025/10/17</a:t>
+              <a:t>2025/10/18</a:t>
             </a:fld>
             <a:endParaRPr lang="zh-CN" altLang="en-US"/>
           </a:p>
@@ -4672,7 +4672,7 @@
           <a:p>
             <a:fld id="{5D316963-EF35-41F4-B235-3A3F02295E84}" type="datetimeFigureOut">
               <a:rPr lang="zh-CN" altLang="en-US" smtClean="0"/>
-              <a:t>2025/10/17</a:t>
+              <a:t>2025/10/18</a:t>
             </a:fld>
             <a:endParaRPr lang="zh-CN" altLang="en-US"/>
           </a:p>
@@ -4960,7 +4960,7 @@
           <a:p>
             <a:fld id="{5D316963-EF35-41F4-B235-3A3F02295E84}" type="datetimeFigureOut">
               <a:rPr lang="zh-CN" altLang="en-US" smtClean="0"/>
-              <a:t>2025/10/17</a:t>
+              <a:t>2025/10/18</a:t>
             </a:fld>
             <a:endParaRPr lang="zh-CN" altLang="en-US"/>
           </a:p>
@@ -5201,7 +5201,7 @@
           <a:p>
             <a:fld id="{5D316963-EF35-41F4-B235-3A3F02295E84}" type="datetimeFigureOut">
               <a:rPr lang="zh-CN" altLang="en-US" smtClean="0"/>
-              <a:t>2025/10/17</a:t>
+              <a:t>2025/10/18</a:t>
             </a:fld>
             <a:endParaRPr lang="zh-CN" altLang="en-US"/>
           </a:p>
@@ -18453,42 +18453,42 @@
           </a:lstStyle>
           <a:p>
             <a:r>
-              <a:rPr lang="zh-CN" altLang="en-US" sz="1200"/>
-              <a:t>目前模型使用的都是默认参数，只需要在预测程序配置区修改</a:t>
-            </a:r>
-            <a:r>
-              <a:rPr lang="en-US" altLang="zh-CN" sz="1200"/>
+              <a:rPr lang="zh-CN" altLang="en-US" sz="1200" dirty="0"/>
+              <a:t>目前模型使用的都是相同参数，只需要在预测程序配置区修改</a:t>
+            </a:r>
+            <a:r>
+              <a:rPr lang="en-US" altLang="zh-CN" sz="1200" dirty="0" err="1"/>
               <a:t>predicted_app</a:t>
             </a:r>
             <a:r>
-              <a:rPr lang="zh-CN" altLang="en-US" sz="1200"/>
+              <a:rPr lang="zh-CN" altLang="en-US" sz="1200" dirty="0"/>
               <a:t>、</a:t>
             </a:r>
             <a:r>
-              <a:rPr lang="en-US" altLang="zh-CN" sz="1200"/>
+              <a:rPr lang="en-US" altLang="zh-CN" sz="1200" dirty="0" err="1"/>
               <a:t>host_cpu</a:t>
             </a:r>
             <a:r>
-              <a:rPr lang="zh-CN" altLang="en-US" sz="1200"/>
+              <a:rPr lang="zh-CN" altLang="en-US" sz="1200" dirty="0"/>
               <a:t>、</a:t>
             </a:r>
             <a:r>
-              <a:rPr lang="en-US" altLang="zh-CN" sz="1200"/>
+              <a:rPr lang="en-US" altLang="zh-CN" sz="1200" dirty="0"/>
               <a:t>PREDICT_METHOD</a:t>
             </a:r>
             <a:r>
-              <a:rPr lang="zh-CN" altLang="en-US" sz="1200"/>
+              <a:rPr lang="zh-CN" altLang="en-US" sz="1200" dirty="0"/>
               <a:t>、</a:t>
             </a:r>
             <a:r>
-              <a:rPr lang="en-US" altLang="zh-CN" sz="1200"/>
+              <a:rPr lang="en-US" altLang="zh-CN" sz="1200" dirty="0"/>
               <a:t>LOWER_BOUND</a:t>
             </a:r>
             <a:r>
-              <a:rPr lang="zh-CN" altLang="en-US" sz="1200"/>
+              <a:rPr lang="zh-CN" altLang="en-US" sz="1200" dirty="0"/>
               <a:t>就可以复现数据</a:t>
             </a:r>
-            <a:endParaRPr lang="en-US" altLang="zh-CN" sz="1200"/>
+            <a:endParaRPr lang="en-US" altLang="zh-CN" sz="1200" dirty="0"/>
           </a:p>
         </p:txBody>
       </p:sp>
@@ -29301,7 +29301,7 @@
           </a:lstStyle>
           <a:p>
             <a:r>
-              <a:rPr lang="en-US" altLang="zh-CN" sz="2800" b="1">
+              <a:rPr lang="en-US" altLang="zh-CN" sz="2800" b="1" dirty="0">
                 <a:solidFill>
                   <a:srgbClr val="00B0F0"/>
                 </a:solidFill>
@@ -29310,7 +29310,7 @@
               <a:t>10/17</a:t>
             </a:r>
             <a:r>
-              <a:rPr lang="zh-CN" altLang="en-US" sz="2800" b="1">
+              <a:rPr lang="zh-CN" altLang="en-US" sz="2800" b="1" dirty="0">
                 <a:solidFill>
                   <a:srgbClr val="00B0F0"/>
                 </a:solidFill>
@@ -29319,7 +29319,7 @@
               <a:t>采样了</a:t>
             </a:r>
             <a:r>
-              <a:rPr lang="en-US" altLang="zh-CN" sz="2800" b="1">
+              <a:rPr lang="en-US" altLang="zh-CN" sz="2800" b="1" dirty="0">
                 <a:solidFill>
                   <a:srgbClr val="00B0F0"/>
                 </a:solidFill>
@@ -29328,7 +29328,7 @@
               <a:t>156</a:t>
             </a:r>
             <a:r>
-              <a:rPr lang="zh-CN" altLang="en-US" sz="2800" b="1">
+              <a:rPr lang="zh-CN" altLang="en-US" sz="2800" b="1" dirty="0">
                 <a:solidFill>
                   <a:srgbClr val="00B0F0"/>
                 </a:solidFill>
@@ -29336,7 +29336,7 @@
               </a:rPr>
               <a:t>组数据</a:t>
             </a:r>
-            <a:endParaRPr lang="en-US" altLang="zh-CN" sz="2800" b="1">
+            <a:endParaRPr lang="en-US" altLang="zh-CN" sz="2800" b="1" dirty="0">
               <a:solidFill>
                 <a:srgbClr val="00B0F0"/>
               </a:solidFill>
@@ -29345,66 +29345,78 @@
           </a:p>
           <a:p>
             <a:r>
-              <a:rPr lang="zh-CN" altLang="en-US" sz="2800" b="1">
+              <a:rPr lang="zh-CN" altLang="en-US" sz="2400" b="1" dirty="0">
                 <a:latin typeface="+mn-ea"/>
               </a:rPr>
-              <a:t>方法：步数每次递增</a:t>
-            </a:r>
-            <a:r>
-              <a:rPr lang="en-US" altLang="zh-CN" sz="2800" b="1">
+              <a:t>方法：步数从</a:t>
+            </a:r>
+            <a:r>
+              <a:rPr lang="en-US" altLang="zh-CN" sz="2400" b="1" dirty="0">
                 <a:latin typeface="+mn-ea"/>
               </a:rPr>
               <a:t>18</a:t>
             </a:r>
             <a:r>
-              <a:rPr lang="zh-CN" altLang="en-US" sz="2800" b="1">
+              <a:rPr lang="zh-CN" altLang="en-US" sz="2400" b="1" dirty="0">
                 <a:latin typeface="+mn-ea"/>
               </a:rPr>
+              <a:t>每次递增</a:t>
+            </a:r>
+            <a:r>
+              <a:rPr lang="en-US" altLang="zh-CN" sz="2400" b="1" dirty="0">
+                <a:latin typeface="+mn-ea"/>
+              </a:rPr>
+              <a:t>18</a:t>
+            </a:r>
+            <a:r>
+              <a:rPr lang="zh-CN" altLang="en-US" sz="2400" b="1" dirty="0">
+                <a:latin typeface="+mn-ea"/>
+              </a:rPr>
               <a:t>至</a:t>
             </a:r>
             <a:r>
-              <a:rPr lang="en-US" altLang="zh-CN" sz="2800" b="1">
+              <a:rPr lang="en-US" altLang="zh-CN" sz="2400" b="1" dirty="0">
                 <a:latin typeface="+mn-ea"/>
               </a:rPr>
               <a:t>468</a:t>
             </a:r>
             <a:r>
-              <a:rPr lang="zh-CN" altLang="en-US" sz="2800" b="1">
+              <a:rPr lang="zh-CN" altLang="en-US" sz="2400" b="1" dirty="0">
                 <a:latin typeface="+mn-ea"/>
               </a:rPr>
               <a:t>，共在</a:t>
             </a:r>
             <a:r>
-              <a:rPr lang="en-US" altLang="zh-CN" sz="2800" b="1">
+              <a:rPr lang="en-US" altLang="zh-CN" sz="2400" b="1" dirty="0">
                 <a:latin typeface="+mn-ea"/>
               </a:rPr>
               <a:t>26</a:t>
             </a:r>
             <a:r>
-              <a:rPr lang="zh-CN" altLang="en-US" sz="2800" b="1">
+              <a:rPr lang="zh-CN" altLang="en-US" sz="2400" b="1" dirty="0">
                 <a:latin typeface="+mn-ea"/>
               </a:rPr>
               <a:t>个步数上采样，每个步数采样</a:t>
             </a:r>
             <a:r>
-              <a:rPr lang="en-US" altLang="zh-CN" sz="2800" b="1">
+              <a:rPr lang="en-US" altLang="zh-CN" sz="2400" b="1" dirty="0">
                 <a:latin typeface="+mn-ea"/>
               </a:rPr>
               <a:t>6</a:t>
             </a:r>
             <a:r>
-              <a:rPr lang="zh-CN" altLang="en-US" sz="2800" b="1">
+              <a:rPr lang="zh-CN" altLang="en-US" sz="2400" b="1" dirty="0">
                 <a:latin typeface="+mn-ea"/>
               </a:rPr>
               <a:t>次。</a:t>
             </a:r>
-            <a:endParaRPr lang="en-US" altLang="zh-CN" sz="2800" b="1">
+            <a:endParaRPr lang="en-US" altLang="zh-CN" sz="2400" b="1" dirty="0">
               <a:latin typeface="+mn-ea"/>
             </a:endParaRPr>
           </a:p>
           <a:p>
             <a:r>
-              <a:rPr lang="en-US" altLang="zh-CN" sz="2800" b="1">
+              <a:rPr lang="en-US" altLang="zh-CN" sz="2800" b="1" dirty="0">
                 <a:solidFill>
                   <a:srgbClr val="00B0F0"/>
                 </a:solidFill>
@@ -29413,7 +29425,7 @@
               <a:t>RF,CURVE,XGB,HYBRID</a:t>
             </a:r>
             <a:r>
-              <a:rPr lang="zh-CN" altLang="en-US" sz="2800" b="1">
+              <a:rPr lang="zh-CN" altLang="en-US" sz="2800" b="1" dirty="0">
                 <a:solidFill>
                   <a:srgbClr val="00B0F0"/>
                 </a:solidFill>
@@ -29421,7 +29433,7 @@
               </a:rPr>
               <a:t>方法效果明显改善</a:t>
             </a:r>
-            <a:endParaRPr lang="en-US" altLang="zh-CN" sz="2800" b="1">
+            <a:endParaRPr lang="en-US" altLang="zh-CN" sz="2800" b="1" dirty="0">
               <a:solidFill>
                 <a:srgbClr val="00B0F0"/>
               </a:solidFill>
@@ -29430,7 +29442,7 @@
           </a:p>
           <a:p>
             <a:r>
-              <a:rPr lang="zh-CN" altLang="en-US" sz="2800" b="1">
+              <a:rPr lang="zh-CN" altLang="en-US" sz="2800" b="1" dirty="0">
                 <a:solidFill>
                   <a:srgbClr val="00B0F0"/>
                 </a:solidFill>
@@ -29438,7 +29450,7 @@
               </a:rPr>
               <a:t>特征越复杂、数据波动越大，需要采样越多数据。</a:t>
             </a:r>
-            <a:endParaRPr lang="en-US" altLang="zh-CN" sz="2800" b="1">
+            <a:endParaRPr lang="en-US" altLang="zh-CN" sz="2800" b="1" dirty="0">
               <a:solidFill>
                 <a:srgbClr val="00B0F0"/>
               </a:solidFill>

--- a/R5.pptx
+++ b/R5.pptx
@@ -5,7 +5,7 @@
     <p:sldMasterId id="2147483648" r:id="rId1"/>
   </p:sldMasterIdLst>
   <p:notesMasterIdLst>
-    <p:notesMasterId r:id="rId47"/>
+    <p:notesMasterId r:id="rId48"/>
   </p:notesMasterIdLst>
   <p:sldIdLst>
     <p:sldId id="281" r:id="rId2"/>
@@ -52,7 +52,8 @@
     <p:sldId id="306" r:id="rId43"/>
     <p:sldId id="307" r:id="rId44"/>
     <p:sldId id="309" r:id="rId45"/>
-    <p:sldId id="308" r:id="rId46"/>
+    <p:sldId id="310" r:id="rId46"/>
+    <p:sldId id="311" r:id="rId47"/>
   </p:sldIdLst>
   <p:sldSz cx="12192000" cy="6858000"/>
   <p:notesSz cx="6858000" cy="9144000"/>
@@ -241,7 +242,7 @@
           <a:p>
             <a:fld id="{F785A1BD-EBB2-4221-B6F1-84446E81673C}" type="datetimeFigureOut">
               <a:rPr lang="zh-CN" altLang="en-US" smtClean="0"/>
-              <a:t>2025/10/18</a:t>
+              <a:t>2025/10/22</a:t>
             </a:fld>
             <a:endParaRPr lang="zh-CN" altLang="en-US"/>
           </a:p>
@@ -1564,6 +1565,114 @@
 </p:notes>
 </file>
 
+<file path=ppt/notesSlides/notesSlide19.xml><?xml version="1.0" encoding="utf-8"?>
+<p:notes xmlns:a="http://schemas.openxmlformats.org/drawingml/2006/main" xmlns:r="http://schemas.openxmlformats.org/officeDocument/2006/relationships" xmlns:p="http://schemas.openxmlformats.org/presentationml/2006/main">
+  <p:cSld>
+    <p:spTree>
+      <p:nvGrpSpPr>
+        <p:cNvPr id="1" name="">
+          <a:extLst>
+            <a:ext uri="{FF2B5EF4-FFF2-40B4-BE49-F238E27FC236}">
+              <a16:creationId xmlns:a16="http://schemas.microsoft.com/office/drawing/2014/main" id="{468F3645-4DD3-11CF-2F67-8A382E236C4A}"/>
+            </a:ext>
+          </a:extLst>
+        </p:cNvPr>
+        <p:cNvGrpSpPr/>
+        <p:nvPr/>
+      </p:nvGrpSpPr>
+      <p:grpSpPr>
+        <a:xfrm>
+          <a:off x="0" y="0"/>
+          <a:ext cx="0" cy="0"/>
+          <a:chOff x="0" y="0"/>
+          <a:chExt cx="0" cy="0"/>
+        </a:xfrm>
+      </p:grpSpPr>
+      <p:sp>
+        <p:nvSpPr>
+          <p:cNvPr id="2" name="幻灯片图像占位符 1">
+            <a:extLst>
+              <a:ext uri="{FF2B5EF4-FFF2-40B4-BE49-F238E27FC236}">
+                <a16:creationId xmlns:a16="http://schemas.microsoft.com/office/drawing/2014/main" id="{7AE408D1-A7B2-2052-4D60-C4DA8394EC0C}"/>
+              </a:ext>
+            </a:extLst>
+          </p:cNvPr>
+          <p:cNvSpPr>
+            <a:spLocks noGrp="1" noRot="1" noChangeAspect="1"/>
+          </p:cNvSpPr>
+          <p:nvPr>
+            <p:ph type="sldImg"/>
+          </p:nvPr>
+        </p:nvSpPr>
+        <p:spPr/>
+      </p:sp>
+      <p:sp>
+        <p:nvSpPr>
+          <p:cNvPr id="3" name="备注占位符 2">
+            <a:extLst>
+              <a:ext uri="{FF2B5EF4-FFF2-40B4-BE49-F238E27FC236}">
+                <a16:creationId xmlns:a16="http://schemas.microsoft.com/office/drawing/2014/main" id="{6730B01F-0FCA-F7E7-04AE-235BE8B97DF6}"/>
+              </a:ext>
+            </a:extLst>
+          </p:cNvPr>
+          <p:cNvSpPr>
+            <a:spLocks noGrp="1"/>
+          </p:cNvSpPr>
+          <p:nvPr>
+            <p:ph type="body" idx="1"/>
+          </p:nvPr>
+        </p:nvSpPr>
+        <p:spPr/>
+        <p:txBody>
+          <a:bodyPr/>
+          <a:lstStyle/>
+          <a:p>
+            <a:endParaRPr lang="zh-CN" altLang="en-US" dirty="0"/>
+          </a:p>
+        </p:txBody>
+      </p:sp>
+      <p:sp>
+        <p:nvSpPr>
+          <p:cNvPr id="4" name="灯片编号占位符 3">
+            <a:extLst>
+              <a:ext uri="{FF2B5EF4-FFF2-40B4-BE49-F238E27FC236}">
+                <a16:creationId xmlns:a16="http://schemas.microsoft.com/office/drawing/2014/main" id="{BAC80577-73AE-81D0-5CB4-586492AFE4D5}"/>
+              </a:ext>
+            </a:extLst>
+          </p:cNvPr>
+          <p:cNvSpPr>
+            <a:spLocks noGrp="1"/>
+          </p:cNvSpPr>
+          <p:nvPr>
+            <p:ph type="sldNum" sz="quarter" idx="5"/>
+          </p:nvPr>
+        </p:nvSpPr>
+        <p:spPr/>
+        <p:txBody>
+          <a:bodyPr/>
+          <a:lstStyle/>
+          <a:p>
+            <a:fld id="{C8B21C38-39FE-4F8D-AC4A-724D319BA239}" type="slidenum">
+              <a:rPr lang="zh-CN" altLang="en-US" smtClean="0"/>
+              <a:t>45</a:t>
+            </a:fld>
+            <a:endParaRPr lang="zh-CN" altLang="en-US"/>
+          </a:p>
+        </p:txBody>
+      </p:sp>
+    </p:spTree>
+    <p:extLst>
+      <p:ext uri="{BB962C8B-B14F-4D97-AF65-F5344CB8AC3E}">
+        <p14:creationId xmlns:p14="http://schemas.microsoft.com/office/powerpoint/2010/main" val="1174949061"/>
+      </p:ext>
+    </p:extLst>
+  </p:cSld>
+  <p:clrMapOvr>
+    <a:masterClrMapping/>
+  </p:clrMapOvr>
+</p:notes>
+</file>
+
 <file path=ppt/notesSlides/notesSlide2.xml><?xml version="1.0" encoding="utf-8"?>
 <p:notes xmlns:a="http://schemas.openxmlformats.org/drawingml/2006/main" xmlns:r="http://schemas.openxmlformats.org/officeDocument/2006/relationships" xmlns:p="http://schemas.openxmlformats.org/presentationml/2006/main">
   <p:cSld>
@@ -1639,6 +1748,114 @@
     <p:extLst>
       <p:ext uri="{BB962C8B-B14F-4D97-AF65-F5344CB8AC3E}">
         <p14:creationId xmlns:p14="http://schemas.microsoft.com/office/powerpoint/2010/main" val="1782789914"/>
+      </p:ext>
+    </p:extLst>
+  </p:cSld>
+  <p:clrMapOvr>
+    <a:masterClrMapping/>
+  </p:clrMapOvr>
+</p:notes>
+</file>
+
+<file path=ppt/notesSlides/notesSlide20.xml><?xml version="1.0" encoding="utf-8"?>
+<p:notes xmlns:a="http://schemas.openxmlformats.org/drawingml/2006/main" xmlns:r="http://schemas.openxmlformats.org/officeDocument/2006/relationships" xmlns:p="http://schemas.openxmlformats.org/presentationml/2006/main">
+  <p:cSld>
+    <p:spTree>
+      <p:nvGrpSpPr>
+        <p:cNvPr id="1" name="">
+          <a:extLst>
+            <a:ext uri="{FF2B5EF4-FFF2-40B4-BE49-F238E27FC236}">
+              <a16:creationId xmlns:a16="http://schemas.microsoft.com/office/drawing/2014/main" id="{4FFEFF1F-EE47-5957-DBE2-F47220F77676}"/>
+            </a:ext>
+          </a:extLst>
+        </p:cNvPr>
+        <p:cNvGrpSpPr/>
+        <p:nvPr/>
+      </p:nvGrpSpPr>
+      <p:grpSpPr>
+        <a:xfrm>
+          <a:off x="0" y="0"/>
+          <a:ext cx="0" cy="0"/>
+          <a:chOff x="0" y="0"/>
+          <a:chExt cx="0" cy="0"/>
+        </a:xfrm>
+      </p:grpSpPr>
+      <p:sp>
+        <p:nvSpPr>
+          <p:cNvPr id="2" name="幻灯片图像占位符 1">
+            <a:extLst>
+              <a:ext uri="{FF2B5EF4-FFF2-40B4-BE49-F238E27FC236}">
+                <a16:creationId xmlns:a16="http://schemas.microsoft.com/office/drawing/2014/main" id="{D9184750-B089-59C9-3F4B-5F9BFBCB0BC4}"/>
+              </a:ext>
+            </a:extLst>
+          </p:cNvPr>
+          <p:cNvSpPr>
+            <a:spLocks noGrp="1" noRot="1" noChangeAspect="1"/>
+          </p:cNvSpPr>
+          <p:nvPr>
+            <p:ph type="sldImg"/>
+          </p:nvPr>
+        </p:nvSpPr>
+        <p:spPr/>
+      </p:sp>
+      <p:sp>
+        <p:nvSpPr>
+          <p:cNvPr id="3" name="备注占位符 2">
+            <a:extLst>
+              <a:ext uri="{FF2B5EF4-FFF2-40B4-BE49-F238E27FC236}">
+                <a16:creationId xmlns:a16="http://schemas.microsoft.com/office/drawing/2014/main" id="{02493136-9DE2-BFEB-1467-7D0200EEC3CE}"/>
+              </a:ext>
+            </a:extLst>
+          </p:cNvPr>
+          <p:cNvSpPr>
+            <a:spLocks noGrp="1"/>
+          </p:cNvSpPr>
+          <p:nvPr>
+            <p:ph type="body" idx="1"/>
+          </p:nvPr>
+        </p:nvSpPr>
+        <p:spPr/>
+        <p:txBody>
+          <a:bodyPr/>
+          <a:lstStyle/>
+          <a:p>
+            <a:endParaRPr lang="zh-CN" altLang="en-US"/>
+          </a:p>
+        </p:txBody>
+      </p:sp>
+      <p:sp>
+        <p:nvSpPr>
+          <p:cNvPr id="4" name="灯片编号占位符 3">
+            <a:extLst>
+              <a:ext uri="{FF2B5EF4-FFF2-40B4-BE49-F238E27FC236}">
+                <a16:creationId xmlns:a16="http://schemas.microsoft.com/office/drawing/2014/main" id="{30584054-053D-16C8-CF46-F7A15F1C240B}"/>
+              </a:ext>
+            </a:extLst>
+          </p:cNvPr>
+          <p:cNvSpPr>
+            <a:spLocks noGrp="1"/>
+          </p:cNvSpPr>
+          <p:nvPr>
+            <p:ph type="sldNum" sz="quarter" idx="5"/>
+          </p:nvPr>
+        </p:nvSpPr>
+        <p:spPr/>
+        <p:txBody>
+          <a:bodyPr/>
+          <a:lstStyle/>
+          <a:p>
+            <a:fld id="{C8B21C38-39FE-4F8D-AC4A-724D319BA239}" type="slidenum">
+              <a:rPr lang="zh-CN" altLang="en-US" smtClean="0"/>
+              <a:t>46</a:t>
+            </a:fld>
+            <a:endParaRPr lang="zh-CN" altLang="en-US"/>
+          </a:p>
+        </p:txBody>
+      </p:sp>
+    </p:spTree>
+    <p:extLst>
+      <p:ext uri="{BB962C8B-B14F-4D97-AF65-F5344CB8AC3E}">
+        <p14:creationId xmlns:p14="http://schemas.microsoft.com/office/powerpoint/2010/main" val="3517676977"/>
       </p:ext>
     </p:extLst>
   </p:cSld>
@@ -2551,7 +2768,7 @@
           <a:p>
             <a:fld id="{5D316963-EF35-41F4-B235-3A3F02295E84}" type="datetimeFigureOut">
               <a:rPr lang="zh-CN" altLang="en-US" smtClean="0"/>
-              <a:t>2025/10/18</a:t>
+              <a:t>2025/10/22</a:t>
             </a:fld>
             <a:endParaRPr lang="zh-CN" altLang="en-US"/>
           </a:p>
@@ -2749,7 +2966,7 @@
           <a:p>
             <a:fld id="{5D316963-EF35-41F4-B235-3A3F02295E84}" type="datetimeFigureOut">
               <a:rPr lang="zh-CN" altLang="en-US" smtClean="0"/>
-              <a:t>2025/10/18</a:t>
+              <a:t>2025/10/22</a:t>
             </a:fld>
             <a:endParaRPr lang="zh-CN" altLang="en-US"/>
           </a:p>
@@ -2957,7 +3174,7 @@
           <a:p>
             <a:fld id="{5D316963-EF35-41F4-B235-3A3F02295E84}" type="datetimeFigureOut">
               <a:rPr lang="zh-CN" altLang="en-US" smtClean="0"/>
-              <a:t>2025/10/18</a:t>
+              <a:t>2025/10/22</a:t>
             </a:fld>
             <a:endParaRPr lang="zh-CN" altLang="en-US"/>
           </a:p>
@@ -3155,7 +3372,7 @@
           <a:p>
             <a:fld id="{5D316963-EF35-41F4-B235-3A3F02295E84}" type="datetimeFigureOut">
               <a:rPr lang="zh-CN" altLang="en-US" smtClean="0"/>
-              <a:t>2025/10/18</a:t>
+              <a:t>2025/10/22</a:t>
             </a:fld>
             <a:endParaRPr lang="zh-CN" altLang="en-US"/>
           </a:p>
@@ -3430,7 +3647,7 @@
           <a:p>
             <a:fld id="{5D316963-EF35-41F4-B235-3A3F02295E84}" type="datetimeFigureOut">
               <a:rPr lang="zh-CN" altLang="en-US" smtClean="0"/>
-              <a:t>2025/10/18</a:t>
+              <a:t>2025/10/22</a:t>
             </a:fld>
             <a:endParaRPr lang="zh-CN" altLang="en-US"/>
           </a:p>
@@ -3695,7 +3912,7 @@
           <a:p>
             <a:fld id="{5D316963-EF35-41F4-B235-3A3F02295E84}" type="datetimeFigureOut">
               <a:rPr lang="zh-CN" altLang="en-US" smtClean="0"/>
-              <a:t>2025/10/18</a:t>
+              <a:t>2025/10/22</a:t>
             </a:fld>
             <a:endParaRPr lang="zh-CN" altLang="en-US"/>
           </a:p>
@@ -4107,7 +4324,7 @@
           <a:p>
             <a:fld id="{5D316963-EF35-41F4-B235-3A3F02295E84}" type="datetimeFigureOut">
               <a:rPr lang="zh-CN" altLang="en-US" smtClean="0"/>
-              <a:t>2025/10/18</a:t>
+              <a:t>2025/10/22</a:t>
             </a:fld>
             <a:endParaRPr lang="zh-CN" altLang="en-US"/>
           </a:p>
@@ -4248,7 +4465,7 @@
           <a:p>
             <a:fld id="{5D316963-EF35-41F4-B235-3A3F02295E84}" type="datetimeFigureOut">
               <a:rPr lang="zh-CN" altLang="en-US" smtClean="0"/>
-              <a:t>2025/10/18</a:t>
+              <a:t>2025/10/22</a:t>
             </a:fld>
             <a:endParaRPr lang="zh-CN" altLang="en-US"/>
           </a:p>
@@ -4361,7 +4578,7 @@
           <a:p>
             <a:fld id="{5D316963-EF35-41F4-B235-3A3F02295E84}" type="datetimeFigureOut">
               <a:rPr lang="zh-CN" altLang="en-US" smtClean="0"/>
-              <a:t>2025/10/18</a:t>
+              <a:t>2025/10/22</a:t>
             </a:fld>
             <a:endParaRPr lang="zh-CN" altLang="en-US"/>
           </a:p>
@@ -4672,7 +4889,7 @@
           <a:p>
             <a:fld id="{5D316963-EF35-41F4-B235-3A3F02295E84}" type="datetimeFigureOut">
               <a:rPr lang="zh-CN" altLang="en-US" smtClean="0"/>
-              <a:t>2025/10/18</a:t>
+              <a:t>2025/10/22</a:t>
             </a:fld>
             <a:endParaRPr lang="zh-CN" altLang="en-US"/>
           </a:p>
@@ -4960,7 +5177,7 @@
           <a:p>
             <a:fld id="{5D316963-EF35-41F4-B235-3A3F02295E84}" type="datetimeFigureOut">
               <a:rPr lang="zh-CN" altLang="en-US" smtClean="0"/>
-              <a:t>2025/10/18</a:t>
+              <a:t>2025/10/22</a:t>
             </a:fld>
             <a:endParaRPr lang="zh-CN" altLang="en-US"/>
           </a:p>
@@ -5201,7 +5418,7 @@
           <a:p>
             <a:fld id="{5D316963-EF35-41F4-B235-3A3F02295E84}" type="datetimeFigureOut">
               <a:rPr lang="zh-CN" altLang="en-US" smtClean="0"/>
-              <a:t>2025/10/18</a:t>
+              <a:t>2025/10/22</a:t>
             </a:fld>
             <a:endParaRPr lang="zh-CN" altLang="en-US"/>
           </a:p>
@@ -18161,22 +18378,38 @@
           <a:lstStyle/>
           <a:p>
             <a:r>
-              <a:rPr lang="en-US" altLang="zh-CN" sz="1200"/>
-              <a:t>MAPE / RMSE%_range(%) / RMSE%_mean(%)</a:t>
+              <a:rPr lang="en-US" altLang="zh-CN" sz="1200" dirty="0"/>
+              <a:t>MAPE / </a:t>
+            </a:r>
+            <a:r>
+              <a:rPr lang="en-US" altLang="zh-CN" sz="1200" dirty="0" err="1"/>
+              <a:t>RMSE%_range</a:t>
+            </a:r>
+            <a:r>
+              <a:rPr lang="en-US" altLang="zh-CN" sz="1200" dirty="0"/>
+              <a:t>(%) / </a:t>
+            </a:r>
+            <a:r>
+              <a:rPr lang="en-US" altLang="zh-CN" sz="1200" dirty="0" err="1"/>
+              <a:t>RMSE%_mean</a:t>
+            </a:r>
+            <a:r>
+              <a:rPr lang="en-US" altLang="zh-CN" sz="1200" dirty="0"/>
+              <a:t>(%)</a:t>
             </a:r>
           </a:p>
           <a:p>
             <a:pPr marL="742950" lvl="1" indent="-285750"/>
             <a:r>
-              <a:rPr lang="en-US" altLang="zh-CN" sz="1200"/>
+              <a:rPr lang="en-US" altLang="zh-CN" sz="1200" dirty="0"/>
               <a:t>&lt; 10%</a:t>
             </a:r>
             <a:r>
-              <a:rPr lang="zh-CN" altLang="en-US" sz="1200"/>
+              <a:rPr lang="zh-CN" altLang="en-US" sz="1200" dirty="0"/>
               <a:t>：</a:t>
             </a:r>
             <a:r>
-              <a:rPr lang="zh-CN" altLang="en-US" sz="1200">
+              <a:rPr lang="zh-CN" altLang="en-US" sz="1200" dirty="0">
                 <a:solidFill>
                   <a:srgbClr val="00B050"/>
                 </a:solidFill>
@@ -18187,22 +18420,22 @@
           <a:p>
             <a:pPr marL="742950" lvl="1" indent="-285750"/>
             <a:r>
-              <a:rPr lang="en-US" altLang="zh-CN" sz="1200"/>
+              <a:rPr lang="en-US" altLang="zh-CN" sz="1200" dirty="0"/>
               <a:t>10–20%</a:t>
             </a:r>
             <a:r>
-              <a:rPr lang="zh-CN" altLang="en-US" sz="1200"/>
+              <a:rPr lang="zh-CN" altLang="en-US" sz="1200" dirty="0"/>
               <a:t>：</a:t>
             </a:r>
             <a:r>
-              <a:rPr lang="zh-CN" altLang="en-US" sz="1200">
+              <a:rPr lang="zh-CN" altLang="en-US" sz="1200" dirty="0">
                 <a:solidFill>
                   <a:srgbClr val="FFC000"/>
                 </a:solidFill>
               </a:rPr>
               <a:t>中等</a:t>
             </a:r>
-            <a:endParaRPr lang="en-US" altLang="zh-CN" sz="1200">
+            <a:endParaRPr lang="en-US" altLang="zh-CN" sz="1200" dirty="0">
               <a:solidFill>
                 <a:srgbClr val="FFC000"/>
               </a:solidFill>
@@ -18211,15 +18444,15 @@
           <a:p>
             <a:pPr marL="742950" lvl="1" indent="-285750"/>
             <a:r>
-              <a:rPr lang="en-US" altLang="zh-CN" sz="1200"/>
+              <a:rPr lang="en-US" altLang="zh-CN" sz="1200" dirty="0"/>
               <a:t>&gt;20%</a:t>
             </a:r>
             <a:r>
-              <a:rPr lang="zh-CN" altLang="en-US" sz="1200"/>
+              <a:rPr lang="zh-CN" altLang="en-US" sz="1200" dirty="0"/>
               <a:t>：</a:t>
             </a:r>
             <a:r>
-              <a:rPr lang="zh-CN" altLang="en-US" sz="1200">
+              <a:rPr lang="zh-CN" altLang="en-US" sz="1200" dirty="0">
                 <a:solidFill>
                   <a:srgbClr val="FF0000"/>
                 </a:solidFill>
@@ -18229,36 +18462,6 @@
           </a:p>
         </p:txBody>
       </p:sp>
-      <p:pic>
-        <p:nvPicPr>
-          <p:cNvPr id="2" name="图片 1">
-            <a:extLst>
-              <a:ext uri="{FF2B5EF4-FFF2-40B4-BE49-F238E27FC236}">
-                <a16:creationId xmlns:a16="http://schemas.microsoft.com/office/drawing/2014/main" id="{CB26480D-BB8E-9BF5-B834-F08A2B40C3F8}"/>
-              </a:ext>
-            </a:extLst>
-          </p:cNvPr>
-          <p:cNvPicPr>
-            <a:picLocks noChangeAspect="1"/>
-          </p:cNvPicPr>
-          <p:nvPr/>
-        </p:nvPicPr>
-        <p:blipFill>
-          <a:blip r:embed="rId2"/>
-          <a:stretch>
-            <a:fillRect/>
-          </a:stretch>
-        </p:blipFill>
-        <p:spPr>
-          <a:xfrm>
-            <a:off x="1616204" y="-1"/>
-            <a:ext cx="10575796" cy="5908509"/>
-          </a:xfrm>
-          <a:prstGeom prst="rect">
-            <a:avLst/>
-          </a:prstGeom>
-        </p:spPr>
-      </p:pic>
       <p:sp>
         <p:nvSpPr>
           <p:cNvPr id="3" name="内容占位符 16">
@@ -18275,7 +18478,7 @@
         </p:nvSpPr>
         <p:spPr>
           <a:xfrm>
-            <a:off x="1616204" y="5908508"/>
+            <a:off x="0" y="5958522"/>
             <a:ext cx="7378940" cy="424732"/>
           </a:xfrm>
           <a:prstGeom prst="rect">
@@ -18492,6 +18695,36 @@
           </a:p>
         </p:txBody>
       </p:sp>
+      <p:pic>
+        <p:nvPicPr>
+          <p:cNvPr id="4" name="图片 3">
+            <a:extLst>
+              <a:ext uri="{FF2B5EF4-FFF2-40B4-BE49-F238E27FC236}">
+                <a16:creationId xmlns:a16="http://schemas.microsoft.com/office/drawing/2014/main" id="{6865809B-AF5C-3A4F-41D8-BBB91DE9465B}"/>
+              </a:ext>
+            </a:extLst>
+          </p:cNvPr>
+          <p:cNvPicPr>
+            <a:picLocks noChangeAspect="1"/>
+          </p:cNvPicPr>
+          <p:nvPr/>
+        </p:nvPicPr>
+        <p:blipFill>
+          <a:blip r:embed="rId2"/>
+          <a:stretch>
+            <a:fillRect/>
+          </a:stretch>
+        </p:blipFill>
+        <p:spPr>
+          <a:xfrm>
+            <a:off x="-1" y="0"/>
+            <a:ext cx="12192001" cy="5883394"/>
+          </a:xfrm>
+          <a:prstGeom prst="rect">
+            <a:avLst/>
+          </a:prstGeom>
+        </p:spPr>
+      </p:pic>
     </p:spTree>
     <p:extLst>
       <p:ext uri="{BB962C8B-B14F-4D97-AF65-F5344CB8AC3E}">
@@ -29270,7 +29503,7 @@
         <p:spPr>
           <a:xfrm>
             <a:off x="0" y="3650510"/>
-            <a:ext cx="12192000" cy="2222205"/>
+            <a:ext cx="12192000" cy="2567410"/>
           </a:xfrm>
           <a:prstGeom prst="rect">
             <a:avLst/>
@@ -29301,15 +29534,6 @@
           </a:lstStyle>
           <a:p>
             <a:r>
-              <a:rPr lang="en-US" altLang="zh-CN" sz="2800" b="1" dirty="0">
-                <a:solidFill>
-                  <a:srgbClr val="00B0F0"/>
-                </a:solidFill>
-                <a:latin typeface="+mn-ea"/>
-              </a:rPr>
-              <a:t>10/17</a:t>
-            </a:r>
-            <a:r>
               <a:rPr lang="zh-CN" altLang="en-US" sz="2800" b="1" dirty="0">
                 <a:solidFill>
                   <a:srgbClr val="00B0F0"/>
@@ -29449,6 +29673,31 @@
                 <a:latin typeface="+mn-ea"/>
               </a:rPr>
               <a:t>特征越复杂、数据波动越大，需要采样越多数据。</a:t>
+            </a:r>
+            <a:endParaRPr lang="en-US" altLang="zh-CN" sz="2800" b="1" dirty="0">
+              <a:solidFill>
+                <a:srgbClr val="00B0F0"/>
+              </a:solidFill>
+              <a:latin typeface="+mn-ea"/>
+            </a:endParaRPr>
+          </a:p>
+          <a:p>
+            <a:endParaRPr lang="en-US" altLang="zh-CN" sz="2800" b="1" dirty="0">
+              <a:solidFill>
+                <a:srgbClr val="00B0F0"/>
+              </a:solidFill>
+              <a:latin typeface="+mn-ea"/>
+            </a:endParaRPr>
+          </a:p>
+          <a:p>
+            <a:r>
+              <a:rPr lang="zh-CN" altLang="en-US" sz="2800" b="1" dirty="0">
+                <a:solidFill>
+                  <a:srgbClr val="00B0F0"/>
+                </a:solidFill>
+                <a:latin typeface="+mn-ea"/>
+              </a:rPr>
+              <a:t>在相同输入特征下多次采样运行时间，可取均值，减少数据波动的影响</a:t>
             </a:r>
             <a:endParaRPr lang="en-US" altLang="zh-CN" sz="2800" b="1" dirty="0">
               <a:solidFill>
@@ -29606,7 +29855,7 @@
         <p:cNvPr id="1" name="">
           <a:extLst>
             <a:ext uri="{FF2B5EF4-FFF2-40B4-BE49-F238E27FC236}">
-              <a16:creationId xmlns:a16="http://schemas.microsoft.com/office/drawing/2014/main" id="{8CA204F7-0E0D-22EF-251A-12A14348DCEA}"/>
+              <a16:creationId xmlns:a16="http://schemas.microsoft.com/office/drawing/2014/main" id="{3AE3B375-9047-AAE5-948C-C57EB8641EC7}"/>
             </a:ext>
           </a:extLst>
         </p:cNvPr>
@@ -29623,10 +29872,1433 @@
       </p:grpSpPr>
       <p:sp>
         <p:nvSpPr>
-          <p:cNvPr id="6" name="标题 1">
+          <p:cNvPr id="16" name="文本框 15">
             <a:extLst>
               <a:ext uri="{FF2B5EF4-FFF2-40B4-BE49-F238E27FC236}">
-                <a16:creationId xmlns:a16="http://schemas.microsoft.com/office/drawing/2014/main" id="{CFBE43AA-C1B8-D386-867C-01413301618D}"/>
+                <a16:creationId xmlns:a16="http://schemas.microsoft.com/office/drawing/2014/main" id="{99889AFB-4A20-B478-B705-AAB33F7CCC06}"/>
+              </a:ext>
+            </a:extLst>
+          </p:cNvPr>
+          <p:cNvSpPr txBox="1"/>
+          <p:nvPr/>
+        </p:nvSpPr>
+        <p:spPr>
+          <a:xfrm>
+            <a:off x="0" y="1118173"/>
+            <a:ext cx="12192000" cy="2246769"/>
+          </a:xfrm>
+          <a:prstGeom prst="rect">
+            <a:avLst/>
+          </a:prstGeom>
+          <a:noFill/>
+        </p:spPr>
+        <p:txBody>
+          <a:bodyPr wrap="square">
+            <a:spAutoFit/>
+          </a:bodyPr>
+          <a:lstStyle/>
+          <a:p>
+            <a:r>
+              <a:rPr lang="en-US" altLang="zh-CN" sz="1400" dirty="0">
+                <a:latin typeface="Consolas" panose="020B0609020204030204" pitchFamily="49" charset="0"/>
+                <a:ea typeface="+mj-ea"/>
+                <a:cs typeface="+mj-cs"/>
+              </a:rPr>
+              <a:t>Predicting runtime for SHA256 on A72</a:t>
+            </a:r>
+          </a:p>
+          <a:p>
+            <a:r>
+              <a:rPr lang="en-US" altLang="zh-CN" sz="1400" dirty="0">
+                <a:latin typeface="Consolas" panose="020B0609020204030204" pitchFamily="49" charset="0"/>
+                <a:ea typeface="+mj-ea"/>
+                <a:cs typeface="+mj-cs"/>
+              </a:rPr>
+              <a:t>Test size: 0.3, Lower bound: 0.0</a:t>
+            </a:r>
+          </a:p>
+          <a:p>
+            <a:r>
+              <a:rPr lang="en-US" altLang="zh-CN" sz="1400" dirty="0">
+                <a:latin typeface="Consolas" panose="020B0609020204030204" pitchFamily="49" charset="0"/>
+                <a:ea typeface="+mj-ea"/>
+                <a:cs typeface="+mj-cs"/>
+              </a:rPr>
+              <a:t>Method: hybrid</a:t>
+            </a:r>
+          </a:p>
+          <a:p>
+            <a:r>
+              <a:rPr lang="en-US" altLang="zh-CN" sz="1400" dirty="0">
+                <a:latin typeface="Consolas" panose="020B0609020204030204" pitchFamily="49" charset="0"/>
+                <a:ea typeface="+mj-ea"/>
+                <a:cs typeface="+mj-cs"/>
+              </a:rPr>
+              <a:t>Seed 1: MAPE=0.0032 (</a:t>
+            </a:r>
+            <a:r>
+              <a:rPr lang="zh-CN" altLang="en-US" sz="1400" dirty="0">
+                <a:latin typeface="Consolas" panose="020B0609020204030204" pitchFamily="49" charset="0"/>
+                <a:ea typeface="+mj-ea"/>
+                <a:cs typeface="+mj-cs"/>
+              </a:rPr>
+              <a:t>优秀</a:t>
+            </a:r>
+            <a:r>
+              <a:rPr lang="en-US" altLang="zh-CN" sz="1400" dirty="0">
+                <a:latin typeface="Consolas" panose="020B0609020204030204" pitchFamily="49" charset="0"/>
+                <a:ea typeface="+mj-ea"/>
+                <a:cs typeface="+mj-cs"/>
+              </a:rPr>
+              <a:t>), R2=1.0000, RMSE=0.0001 (s), </a:t>
+            </a:r>
+            <a:r>
+              <a:rPr lang="en-US" altLang="zh-CN" sz="1400" dirty="0" err="1">
+                <a:latin typeface="Consolas" panose="020B0609020204030204" pitchFamily="49" charset="0"/>
+                <a:ea typeface="+mj-ea"/>
+                <a:cs typeface="+mj-cs"/>
+              </a:rPr>
+              <a:t>RMSE%_mean</a:t>
+            </a:r>
+            <a:r>
+              <a:rPr lang="en-US" altLang="zh-CN" sz="1400" dirty="0">
+                <a:latin typeface="Consolas" panose="020B0609020204030204" pitchFamily="49" charset="0"/>
+                <a:ea typeface="+mj-ea"/>
+                <a:cs typeface="+mj-cs"/>
+              </a:rPr>
+              <a:t>=0.38% (</a:t>
+            </a:r>
+            <a:r>
+              <a:rPr lang="zh-CN" altLang="en-US" sz="1400" dirty="0">
+                <a:latin typeface="Consolas" panose="020B0609020204030204" pitchFamily="49" charset="0"/>
+                <a:ea typeface="+mj-ea"/>
+                <a:cs typeface="+mj-cs"/>
+              </a:rPr>
+              <a:t>优秀</a:t>
+            </a:r>
+            <a:r>
+              <a:rPr lang="en-US" altLang="zh-CN" sz="1400" dirty="0">
+                <a:latin typeface="Consolas" panose="020B0609020204030204" pitchFamily="49" charset="0"/>
+                <a:ea typeface="+mj-ea"/>
+                <a:cs typeface="+mj-cs"/>
+              </a:rPr>
+              <a:t>), </a:t>
+            </a:r>
+            <a:r>
+              <a:rPr lang="en-US" altLang="zh-CN" sz="1400" dirty="0" err="1">
+                <a:latin typeface="Consolas" panose="020B0609020204030204" pitchFamily="49" charset="0"/>
+                <a:ea typeface="+mj-ea"/>
+                <a:cs typeface="+mj-cs"/>
+              </a:rPr>
+              <a:t>RMSE%_range</a:t>
+            </a:r>
+            <a:r>
+              <a:rPr lang="en-US" altLang="zh-CN" sz="1400" dirty="0">
+                <a:latin typeface="Consolas" panose="020B0609020204030204" pitchFamily="49" charset="0"/>
+                <a:ea typeface="+mj-ea"/>
+                <a:cs typeface="+mj-cs"/>
+              </a:rPr>
+              <a:t>=0.22% (</a:t>
+            </a:r>
+            <a:r>
+              <a:rPr lang="zh-CN" altLang="en-US" sz="1400" dirty="0">
+                <a:latin typeface="Consolas" panose="020B0609020204030204" pitchFamily="49" charset="0"/>
+                <a:ea typeface="+mj-ea"/>
+                <a:cs typeface="+mj-cs"/>
+              </a:rPr>
+              <a:t>优秀</a:t>
+            </a:r>
+            <a:r>
+              <a:rPr lang="en-US" altLang="zh-CN" sz="1400" dirty="0">
+                <a:latin typeface="Consolas" panose="020B0609020204030204" pitchFamily="49" charset="0"/>
+                <a:ea typeface="+mj-ea"/>
+                <a:cs typeface="+mj-cs"/>
+              </a:rPr>
+              <a:t>), N=15</a:t>
+            </a:r>
+          </a:p>
+          <a:p>
+            <a:r>
+              <a:rPr lang="en-US" altLang="zh-CN" sz="1400" dirty="0">
+                <a:latin typeface="Consolas" panose="020B0609020204030204" pitchFamily="49" charset="0"/>
+                <a:ea typeface="+mj-ea"/>
+                <a:cs typeface="+mj-cs"/>
+              </a:rPr>
+              <a:t>Seed 2: MAPE=0.0042 (</a:t>
+            </a:r>
+            <a:r>
+              <a:rPr lang="zh-CN" altLang="en-US" sz="1400" dirty="0">
+                <a:latin typeface="Consolas" panose="020B0609020204030204" pitchFamily="49" charset="0"/>
+                <a:ea typeface="+mj-ea"/>
+                <a:cs typeface="+mj-cs"/>
+              </a:rPr>
+              <a:t>优秀</a:t>
+            </a:r>
+            <a:r>
+              <a:rPr lang="en-US" altLang="zh-CN" sz="1400" dirty="0">
+                <a:latin typeface="Consolas" panose="020B0609020204030204" pitchFamily="49" charset="0"/>
+                <a:ea typeface="+mj-ea"/>
+                <a:cs typeface="+mj-cs"/>
+              </a:rPr>
+              <a:t>), R2=1.0000, RMSE=0.0000 (s), </a:t>
+            </a:r>
+            <a:r>
+              <a:rPr lang="en-US" altLang="zh-CN" sz="1400" dirty="0" err="1">
+                <a:latin typeface="Consolas" panose="020B0609020204030204" pitchFamily="49" charset="0"/>
+                <a:ea typeface="+mj-ea"/>
+                <a:cs typeface="+mj-cs"/>
+              </a:rPr>
+              <a:t>RMSE%_mean</a:t>
+            </a:r>
+            <a:r>
+              <a:rPr lang="en-US" altLang="zh-CN" sz="1400" dirty="0">
+                <a:latin typeface="Consolas" panose="020B0609020204030204" pitchFamily="49" charset="0"/>
+                <a:ea typeface="+mj-ea"/>
+                <a:cs typeface="+mj-cs"/>
+              </a:rPr>
+              <a:t>=0.07% (</a:t>
+            </a:r>
+            <a:r>
+              <a:rPr lang="zh-CN" altLang="en-US" sz="1400" dirty="0">
+                <a:latin typeface="Consolas" panose="020B0609020204030204" pitchFamily="49" charset="0"/>
+                <a:ea typeface="+mj-ea"/>
+                <a:cs typeface="+mj-cs"/>
+              </a:rPr>
+              <a:t>优秀</a:t>
+            </a:r>
+            <a:r>
+              <a:rPr lang="en-US" altLang="zh-CN" sz="1400" dirty="0">
+                <a:latin typeface="Consolas" panose="020B0609020204030204" pitchFamily="49" charset="0"/>
+                <a:ea typeface="+mj-ea"/>
+                <a:cs typeface="+mj-cs"/>
+              </a:rPr>
+              <a:t>), </a:t>
+            </a:r>
+            <a:r>
+              <a:rPr lang="en-US" altLang="zh-CN" sz="1400" dirty="0" err="1">
+                <a:latin typeface="Consolas" panose="020B0609020204030204" pitchFamily="49" charset="0"/>
+                <a:ea typeface="+mj-ea"/>
+                <a:cs typeface="+mj-cs"/>
+              </a:rPr>
+              <a:t>RMSE%_range</a:t>
+            </a:r>
+            <a:r>
+              <a:rPr lang="en-US" altLang="zh-CN" sz="1400" dirty="0">
+                <a:latin typeface="Consolas" panose="020B0609020204030204" pitchFamily="49" charset="0"/>
+                <a:ea typeface="+mj-ea"/>
+                <a:cs typeface="+mj-cs"/>
+              </a:rPr>
+              <a:t>=0.04% (</a:t>
+            </a:r>
+            <a:r>
+              <a:rPr lang="zh-CN" altLang="en-US" sz="1400" dirty="0">
+                <a:latin typeface="Consolas" panose="020B0609020204030204" pitchFamily="49" charset="0"/>
+                <a:ea typeface="+mj-ea"/>
+                <a:cs typeface="+mj-cs"/>
+              </a:rPr>
+              <a:t>优秀</a:t>
+            </a:r>
+            <a:r>
+              <a:rPr lang="en-US" altLang="zh-CN" sz="1400" dirty="0">
+                <a:latin typeface="Consolas" panose="020B0609020204030204" pitchFamily="49" charset="0"/>
+                <a:ea typeface="+mj-ea"/>
+                <a:cs typeface="+mj-cs"/>
+              </a:rPr>
+              <a:t>), N=15</a:t>
+            </a:r>
+          </a:p>
+          <a:p>
+            <a:r>
+              <a:rPr lang="en-US" altLang="zh-CN" sz="1400" dirty="0">
+                <a:latin typeface="Consolas" panose="020B0609020204030204" pitchFamily="49" charset="0"/>
+                <a:ea typeface="+mj-ea"/>
+                <a:cs typeface="+mj-cs"/>
+              </a:rPr>
+              <a:t>Seed 6: MAPE=0.0062 (</a:t>
+            </a:r>
+            <a:r>
+              <a:rPr lang="zh-CN" altLang="en-US" sz="1400" dirty="0">
+                <a:latin typeface="Consolas" panose="020B0609020204030204" pitchFamily="49" charset="0"/>
+                <a:ea typeface="+mj-ea"/>
+                <a:cs typeface="+mj-cs"/>
+              </a:rPr>
+              <a:t>优秀</a:t>
+            </a:r>
+            <a:r>
+              <a:rPr lang="en-US" altLang="zh-CN" sz="1400" dirty="0">
+                <a:latin typeface="Consolas" panose="020B0609020204030204" pitchFamily="49" charset="0"/>
+                <a:ea typeface="+mj-ea"/>
+                <a:cs typeface="+mj-cs"/>
+              </a:rPr>
+              <a:t>), R2=1.0000, RMSE=0.0000 (s), </a:t>
+            </a:r>
+            <a:r>
+              <a:rPr lang="en-US" altLang="zh-CN" sz="1400" dirty="0" err="1">
+                <a:latin typeface="Consolas" panose="020B0609020204030204" pitchFamily="49" charset="0"/>
+                <a:ea typeface="+mj-ea"/>
+                <a:cs typeface="+mj-cs"/>
+              </a:rPr>
+              <a:t>RMSE%_mean</a:t>
+            </a:r>
+            <a:r>
+              <a:rPr lang="en-US" altLang="zh-CN" sz="1400" dirty="0">
+                <a:latin typeface="Consolas" panose="020B0609020204030204" pitchFamily="49" charset="0"/>
+                <a:ea typeface="+mj-ea"/>
+                <a:cs typeface="+mj-cs"/>
+              </a:rPr>
+              <a:t>=0.08% (</a:t>
+            </a:r>
+            <a:r>
+              <a:rPr lang="zh-CN" altLang="en-US" sz="1400" dirty="0">
+                <a:latin typeface="Consolas" panose="020B0609020204030204" pitchFamily="49" charset="0"/>
+                <a:ea typeface="+mj-ea"/>
+                <a:cs typeface="+mj-cs"/>
+              </a:rPr>
+              <a:t>优秀</a:t>
+            </a:r>
+            <a:r>
+              <a:rPr lang="en-US" altLang="zh-CN" sz="1400" dirty="0">
+                <a:latin typeface="Consolas" panose="020B0609020204030204" pitchFamily="49" charset="0"/>
+                <a:ea typeface="+mj-ea"/>
+                <a:cs typeface="+mj-cs"/>
+              </a:rPr>
+              <a:t>), </a:t>
+            </a:r>
+            <a:r>
+              <a:rPr lang="en-US" altLang="zh-CN" sz="1400" dirty="0" err="1">
+                <a:latin typeface="Consolas" panose="020B0609020204030204" pitchFamily="49" charset="0"/>
+                <a:ea typeface="+mj-ea"/>
+                <a:cs typeface="+mj-cs"/>
+              </a:rPr>
+              <a:t>RMSE%_range</a:t>
+            </a:r>
+            <a:r>
+              <a:rPr lang="en-US" altLang="zh-CN" sz="1400" dirty="0">
+                <a:latin typeface="Consolas" panose="020B0609020204030204" pitchFamily="49" charset="0"/>
+                <a:ea typeface="+mj-ea"/>
+                <a:cs typeface="+mj-cs"/>
+              </a:rPr>
+              <a:t>=0.04% (</a:t>
+            </a:r>
+            <a:r>
+              <a:rPr lang="zh-CN" altLang="en-US" sz="1400" dirty="0">
+                <a:latin typeface="Consolas" panose="020B0609020204030204" pitchFamily="49" charset="0"/>
+                <a:ea typeface="+mj-ea"/>
+                <a:cs typeface="+mj-cs"/>
+              </a:rPr>
+              <a:t>优秀</a:t>
+            </a:r>
+            <a:r>
+              <a:rPr lang="en-US" altLang="zh-CN" sz="1400" dirty="0">
+                <a:latin typeface="Consolas" panose="020B0609020204030204" pitchFamily="49" charset="0"/>
+                <a:ea typeface="+mj-ea"/>
+                <a:cs typeface="+mj-cs"/>
+              </a:rPr>
+              <a:t>), N=15</a:t>
+            </a:r>
+          </a:p>
+          <a:p>
+            <a:r>
+              <a:rPr lang="en-US" altLang="zh-CN" sz="1400" dirty="0">
+                <a:latin typeface="Consolas" panose="020B0609020204030204" pitchFamily="49" charset="0"/>
+                <a:ea typeface="+mj-ea"/>
+                <a:cs typeface="+mj-cs"/>
+              </a:rPr>
+              <a:t>Seed 42: MAPE=0.0009 (</a:t>
+            </a:r>
+            <a:r>
+              <a:rPr lang="zh-CN" altLang="en-US" sz="1400" dirty="0">
+                <a:latin typeface="Consolas" panose="020B0609020204030204" pitchFamily="49" charset="0"/>
+                <a:ea typeface="+mj-ea"/>
+                <a:cs typeface="+mj-cs"/>
+              </a:rPr>
+              <a:t>优秀</a:t>
+            </a:r>
+            <a:r>
+              <a:rPr lang="en-US" altLang="zh-CN" sz="1400" dirty="0">
+                <a:latin typeface="Consolas" panose="020B0609020204030204" pitchFamily="49" charset="0"/>
+                <a:ea typeface="+mj-ea"/>
+                <a:cs typeface="+mj-cs"/>
+              </a:rPr>
+              <a:t>), R2=0.9999, RMSE=0.0001 (s), </a:t>
+            </a:r>
+            <a:r>
+              <a:rPr lang="en-US" altLang="zh-CN" sz="1400" dirty="0" err="1">
+                <a:latin typeface="Consolas" panose="020B0609020204030204" pitchFamily="49" charset="0"/>
+                <a:ea typeface="+mj-ea"/>
+                <a:cs typeface="+mj-cs"/>
+              </a:rPr>
+              <a:t>RMSE%_mean</a:t>
+            </a:r>
+            <a:r>
+              <a:rPr lang="en-US" altLang="zh-CN" sz="1400" dirty="0">
+                <a:latin typeface="Consolas" panose="020B0609020204030204" pitchFamily="49" charset="0"/>
+                <a:ea typeface="+mj-ea"/>
+                <a:cs typeface="+mj-cs"/>
+              </a:rPr>
+              <a:t>=0.35% (</a:t>
+            </a:r>
+            <a:r>
+              <a:rPr lang="zh-CN" altLang="en-US" sz="1400" dirty="0">
+                <a:latin typeface="Consolas" panose="020B0609020204030204" pitchFamily="49" charset="0"/>
+                <a:ea typeface="+mj-ea"/>
+                <a:cs typeface="+mj-cs"/>
+              </a:rPr>
+              <a:t>优秀</a:t>
+            </a:r>
+            <a:r>
+              <a:rPr lang="en-US" altLang="zh-CN" sz="1400" dirty="0">
+                <a:latin typeface="Consolas" panose="020B0609020204030204" pitchFamily="49" charset="0"/>
+                <a:ea typeface="+mj-ea"/>
+                <a:cs typeface="+mj-cs"/>
+              </a:rPr>
+              <a:t>), </a:t>
+            </a:r>
+            <a:r>
+              <a:rPr lang="en-US" altLang="zh-CN" sz="1400" dirty="0" err="1">
+                <a:latin typeface="Consolas" panose="020B0609020204030204" pitchFamily="49" charset="0"/>
+                <a:ea typeface="+mj-ea"/>
+                <a:cs typeface="+mj-cs"/>
+              </a:rPr>
+              <a:t>RMSE%_range</a:t>
+            </a:r>
+            <a:r>
+              <a:rPr lang="en-US" altLang="zh-CN" sz="1400" dirty="0">
+                <a:latin typeface="Consolas" panose="020B0609020204030204" pitchFamily="49" charset="0"/>
+                <a:ea typeface="+mj-ea"/>
+                <a:cs typeface="+mj-cs"/>
+              </a:rPr>
+              <a:t>=0.24% (</a:t>
+            </a:r>
+            <a:r>
+              <a:rPr lang="zh-CN" altLang="en-US" sz="1400" dirty="0">
+                <a:latin typeface="Consolas" panose="020B0609020204030204" pitchFamily="49" charset="0"/>
+                <a:ea typeface="+mj-ea"/>
+                <a:cs typeface="+mj-cs"/>
+              </a:rPr>
+              <a:t>优秀</a:t>
+            </a:r>
+            <a:r>
+              <a:rPr lang="en-US" altLang="zh-CN" sz="1400" dirty="0">
+                <a:latin typeface="Consolas" panose="020B0609020204030204" pitchFamily="49" charset="0"/>
+                <a:ea typeface="+mj-ea"/>
+                <a:cs typeface="+mj-cs"/>
+              </a:rPr>
+              <a:t>), N=15</a:t>
+            </a:r>
+          </a:p>
+          <a:p>
+            <a:r>
+              <a:rPr lang="en-US" altLang="zh-CN" sz="1400" dirty="0">
+                <a:latin typeface="Consolas" panose="020B0609020204030204" pitchFamily="49" charset="0"/>
+                <a:ea typeface="+mj-ea"/>
+                <a:cs typeface="+mj-cs"/>
+              </a:rPr>
+              <a:t>Seed 123: MAPE=0.0026 (</a:t>
+            </a:r>
+            <a:r>
+              <a:rPr lang="zh-CN" altLang="en-US" sz="1400" dirty="0">
+                <a:latin typeface="Consolas" panose="020B0609020204030204" pitchFamily="49" charset="0"/>
+                <a:ea typeface="+mj-ea"/>
+                <a:cs typeface="+mj-cs"/>
+              </a:rPr>
+              <a:t>优秀</a:t>
+            </a:r>
+            <a:r>
+              <a:rPr lang="en-US" altLang="zh-CN" sz="1400" dirty="0">
+                <a:latin typeface="Consolas" panose="020B0609020204030204" pitchFamily="49" charset="0"/>
+                <a:ea typeface="+mj-ea"/>
+                <a:cs typeface="+mj-cs"/>
+              </a:rPr>
+              <a:t>), R2=1.0000, RMSE=0.0001 (s), </a:t>
+            </a:r>
+            <a:r>
+              <a:rPr lang="en-US" altLang="zh-CN" sz="1400" dirty="0" err="1">
+                <a:latin typeface="Consolas" panose="020B0609020204030204" pitchFamily="49" charset="0"/>
+                <a:ea typeface="+mj-ea"/>
+                <a:cs typeface="+mj-cs"/>
+              </a:rPr>
+              <a:t>RMSE%_mean</a:t>
+            </a:r>
+            <a:r>
+              <a:rPr lang="en-US" altLang="zh-CN" sz="1400" dirty="0">
+                <a:latin typeface="Consolas" panose="020B0609020204030204" pitchFamily="49" charset="0"/>
+                <a:ea typeface="+mj-ea"/>
+                <a:cs typeface="+mj-cs"/>
+              </a:rPr>
+              <a:t>=0.26% (</a:t>
+            </a:r>
+            <a:r>
+              <a:rPr lang="zh-CN" altLang="en-US" sz="1400" dirty="0">
+                <a:latin typeface="Consolas" panose="020B0609020204030204" pitchFamily="49" charset="0"/>
+                <a:ea typeface="+mj-ea"/>
+                <a:cs typeface="+mj-cs"/>
+              </a:rPr>
+              <a:t>优秀</a:t>
+            </a:r>
+            <a:r>
+              <a:rPr lang="en-US" altLang="zh-CN" sz="1400" dirty="0">
+                <a:latin typeface="Consolas" panose="020B0609020204030204" pitchFamily="49" charset="0"/>
+                <a:ea typeface="+mj-ea"/>
+                <a:cs typeface="+mj-cs"/>
+              </a:rPr>
+              <a:t>), </a:t>
+            </a:r>
+            <a:r>
+              <a:rPr lang="en-US" altLang="zh-CN" sz="1400" dirty="0" err="1">
+                <a:latin typeface="Consolas" panose="020B0609020204030204" pitchFamily="49" charset="0"/>
+                <a:ea typeface="+mj-ea"/>
+                <a:cs typeface="+mj-cs"/>
+              </a:rPr>
+              <a:t>RMSE%_range</a:t>
+            </a:r>
+            <a:r>
+              <a:rPr lang="en-US" altLang="zh-CN" sz="1400" dirty="0">
+                <a:latin typeface="Consolas" panose="020B0609020204030204" pitchFamily="49" charset="0"/>
+                <a:ea typeface="+mj-ea"/>
+                <a:cs typeface="+mj-cs"/>
+              </a:rPr>
+              <a:t>=0.14% (</a:t>
+            </a:r>
+            <a:r>
+              <a:rPr lang="zh-CN" altLang="en-US" sz="1400" dirty="0">
+                <a:latin typeface="Consolas" panose="020B0609020204030204" pitchFamily="49" charset="0"/>
+                <a:ea typeface="+mj-ea"/>
+                <a:cs typeface="+mj-cs"/>
+              </a:rPr>
+              <a:t>优秀</a:t>
+            </a:r>
+            <a:r>
+              <a:rPr lang="en-US" altLang="zh-CN" sz="1400" dirty="0">
+                <a:latin typeface="Consolas" panose="020B0609020204030204" pitchFamily="49" charset="0"/>
+                <a:ea typeface="+mj-ea"/>
+                <a:cs typeface="+mj-cs"/>
+              </a:rPr>
+              <a:t>), N=15</a:t>
+            </a:r>
+          </a:p>
+          <a:p>
+            <a:r>
+              <a:rPr lang="en-US" altLang="zh-CN" sz="1400" dirty="0">
+                <a:latin typeface="Consolas" panose="020B0609020204030204" pitchFamily="49" charset="0"/>
+                <a:ea typeface="+mj-ea"/>
+                <a:cs typeface="+mj-cs"/>
+              </a:rPr>
+              <a:t>Seed 2025: MAPE=0.0010 (</a:t>
+            </a:r>
+            <a:r>
+              <a:rPr lang="zh-CN" altLang="en-US" sz="1400" dirty="0">
+                <a:latin typeface="Consolas" panose="020B0609020204030204" pitchFamily="49" charset="0"/>
+                <a:ea typeface="+mj-ea"/>
+                <a:cs typeface="+mj-cs"/>
+              </a:rPr>
+              <a:t>优秀</a:t>
+            </a:r>
+            <a:r>
+              <a:rPr lang="en-US" altLang="zh-CN" sz="1400" dirty="0">
+                <a:latin typeface="Consolas" panose="020B0609020204030204" pitchFamily="49" charset="0"/>
+                <a:ea typeface="+mj-ea"/>
+                <a:cs typeface="+mj-cs"/>
+              </a:rPr>
+              <a:t>), R2=1.0000, RMSE=0.0001 (s), </a:t>
+            </a:r>
+            <a:r>
+              <a:rPr lang="en-US" altLang="zh-CN" sz="1400" dirty="0" err="1">
+                <a:latin typeface="Consolas" panose="020B0609020204030204" pitchFamily="49" charset="0"/>
+                <a:ea typeface="+mj-ea"/>
+                <a:cs typeface="+mj-cs"/>
+              </a:rPr>
+              <a:t>RMSE%_mean</a:t>
+            </a:r>
+            <a:r>
+              <a:rPr lang="en-US" altLang="zh-CN" sz="1400" dirty="0">
+                <a:latin typeface="Consolas" panose="020B0609020204030204" pitchFamily="49" charset="0"/>
+                <a:ea typeface="+mj-ea"/>
+                <a:cs typeface="+mj-cs"/>
+              </a:rPr>
+              <a:t>=0.27% (</a:t>
+            </a:r>
+            <a:r>
+              <a:rPr lang="zh-CN" altLang="en-US" sz="1400" dirty="0">
+                <a:latin typeface="Consolas" panose="020B0609020204030204" pitchFamily="49" charset="0"/>
+                <a:ea typeface="+mj-ea"/>
+                <a:cs typeface="+mj-cs"/>
+              </a:rPr>
+              <a:t>优秀</a:t>
+            </a:r>
+            <a:r>
+              <a:rPr lang="en-US" altLang="zh-CN" sz="1400" dirty="0">
+                <a:latin typeface="Consolas" panose="020B0609020204030204" pitchFamily="49" charset="0"/>
+                <a:ea typeface="+mj-ea"/>
+                <a:cs typeface="+mj-cs"/>
+              </a:rPr>
+              <a:t>), </a:t>
+            </a:r>
+            <a:r>
+              <a:rPr lang="en-US" altLang="zh-CN" sz="1400" dirty="0" err="1">
+                <a:latin typeface="Consolas" panose="020B0609020204030204" pitchFamily="49" charset="0"/>
+                <a:ea typeface="+mj-ea"/>
+                <a:cs typeface="+mj-cs"/>
+              </a:rPr>
+              <a:t>RMSE%_range</a:t>
+            </a:r>
+            <a:r>
+              <a:rPr lang="en-US" altLang="zh-CN" sz="1400" dirty="0">
+                <a:latin typeface="Consolas" panose="020B0609020204030204" pitchFamily="49" charset="0"/>
+                <a:ea typeface="+mj-ea"/>
+                <a:cs typeface="+mj-cs"/>
+              </a:rPr>
+              <a:t>=0.15% (</a:t>
+            </a:r>
+            <a:r>
+              <a:rPr lang="zh-CN" altLang="en-US" sz="1400" dirty="0">
+                <a:latin typeface="Consolas" panose="020B0609020204030204" pitchFamily="49" charset="0"/>
+                <a:ea typeface="+mj-ea"/>
+                <a:cs typeface="+mj-cs"/>
+              </a:rPr>
+              <a:t>优秀</a:t>
+            </a:r>
+            <a:r>
+              <a:rPr lang="en-US" altLang="zh-CN" sz="1400" dirty="0">
+                <a:latin typeface="Consolas" panose="020B0609020204030204" pitchFamily="49" charset="0"/>
+                <a:ea typeface="+mj-ea"/>
+                <a:cs typeface="+mj-cs"/>
+              </a:rPr>
+              <a:t>), N=15</a:t>
+            </a:r>
+          </a:p>
+          <a:p>
+            <a:r>
+              <a:rPr lang="en-US" altLang="zh-CN" sz="1400" dirty="0">
+                <a:latin typeface="Consolas" panose="020B0609020204030204" pitchFamily="49" charset="0"/>
+                <a:ea typeface="+mj-ea"/>
+                <a:cs typeface="+mj-cs"/>
+              </a:rPr>
+              <a:t>Seed 33550336: MAPE=0.0061 (</a:t>
+            </a:r>
+            <a:r>
+              <a:rPr lang="zh-CN" altLang="en-US" sz="1400" dirty="0">
+                <a:latin typeface="Consolas" panose="020B0609020204030204" pitchFamily="49" charset="0"/>
+                <a:ea typeface="+mj-ea"/>
+                <a:cs typeface="+mj-cs"/>
+              </a:rPr>
+              <a:t>优秀</a:t>
+            </a:r>
+            <a:r>
+              <a:rPr lang="en-US" altLang="zh-CN" sz="1400" dirty="0">
+                <a:latin typeface="Consolas" panose="020B0609020204030204" pitchFamily="49" charset="0"/>
+                <a:ea typeface="+mj-ea"/>
+                <a:cs typeface="+mj-cs"/>
+              </a:rPr>
+              <a:t>), R2=1.0000, RMSE=0.0001 (s), </a:t>
+            </a:r>
+            <a:r>
+              <a:rPr lang="en-US" altLang="zh-CN" sz="1400" dirty="0" err="1">
+                <a:latin typeface="Consolas" panose="020B0609020204030204" pitchFamily="49" charset="0"/>
+                <a:ea typeface="+mj-ea"/>
+                <a:cs typeface="+mj-cs"/>
+              </a:rPr>
+              <a:t>RMSE%_mean</a:t>
+            </a:r>
+            <a:r>
+              <a:rPr lang="en-US" altLang="zh-CN" sz="1400" dirty="0">
+                <a:latin typeface="Consolas" panose="020B0609020204030204" pitchFamily="49" charset="0"/>
+                <a:ea typeface="+mj-ea"/>
+                <a:cs typeface="+mj-cs"/>
+              </a:rPr>
+              <a:t>=0.47% (</a:t>
+            </a:r>
+            <a:r>
+              <a:rPr lang="zh-CN" altLang="en-US" sz="1400" dirty="0">
+                <a:latin typeface="Consolas" panose="020B0609020204030204" pitchFamily="49" charset="0"/>
+                <a:ea typeface="+mj-ea"/>
+                <a:cs typeface="+mj-cs"/>
+              </a:rPr>
+              <a:t>优秀</a:t>
+            </a:r>
+            <a:r>
+              <a:rPr lang="en-US" altLang="zh-CN" sz="1400" dirty="0">
+                <a:latin typeface="Consolas" panose="020B0609020204030204" pitchFamily="49" charset="0"/>
+                <a:ea typeface="+mj-ea"/>
+                <a:cs typeface="+mj-cs"/>
+              </a:rPr>
+              <a:t>), </a:t>
+            </a:r>
+            <a:r>
+              <a:rPr lang="en-US" altLang="zh-CN" sz="1400" dirty="0" err="1">
+                <a:latin typeface="Consolas" panose="020B0609020204030204" pitchFamily="49" charset="0"/>
+                <a:ea typeface="+mj-ea"/>
+                <a:cs typeface="+mj-cs"/>
+              </a:rPr>
+              <a:t>RMSE%_range</a:t>
+            </a:r>
+            <a:r>
+              <a:rPr lang="en-US" altLang="zh-CN" sz="1400" dirty="0">
+                <a:latin typeface="Consolas" panose="020B0609020204030204" pitchFamily="49" charset="0"/>
+                <a:ea typeface="+mj-ea"/>
+                <a:cs typeface="+mj-cs"/>
+              </a:rPr>
+              <a:t>=0.21% (</a:t>
+            </a:r>
+            <a:r>
+              <a:rPr lang="zh-CN" altLang="en-US" sz="1400" dirty="0">
+                <a:latin typeface="Consolas" panose="020B0609020204030204" pitchFamily="49" charset="0"/>
+                <a:ea typeface="+mj-ea"/>
+                <a:cs typeface="+mj-cs"/>
+              </a:rPr>
+              <a:t>优秀</a:t>
+            </a:r>
+            <a:r>
+              <a:rPr lang="en-US" altLang="zh-CN" sz="1400" dirty="0">
+                <a:latin typeface="Consolas" panose="020B0609020204030204" pitchFamily="49" charset="0"/>
+                <a:ea typeface="+mj-ea"/>
+                <a:cs typeface="+mj-cs"/>
+              </a:rPr>
+              <a:t>), N=15</a:t>
+            </a:r>
+          </a:p>
+        </p:txBody>
+      </p:sp>
+      <p:sp>
+        <p:nvSpPr>
+          <p:cNvPr id="2" name="标题 1">
+            <a:extLst>
+              <a:ext uri="{FF2B5EF4-FFF2-40B4-BE49-F238E27FC236}">
+                <a16:creationId xmlns:a16="http://schemas.microsoft.com/office/drawing/2014/main" id="{70603E52-4EC6-ED9D-F9A0-9250F4EF6957}"/>
+              </a:ext>
+            </a:extLst>
+          </p:cNvPr>
+          <p:cNvSpPr>
+            <a:spLocks noGrp="1"/>
+          </p:cNvSpPr>
+          <p:nvPr>
+            <p:ph type="title"/>
+          </p:nvPr>
+        </p:nvSpPr>
+        <p:spPr>
+          <a:xfrm>
+            <a:off x="838200" y="88995"/>
+            <a:ext cx="10515600" cy="595921"/>
+          </a:xfrm>
+        </p:spPr>
+        <p:txBody>
+          <a:bodyPr>
+            <a:normAutofit/>
+          </a:bodyPr>
+          <a:lstStyle/>
+          <a:p>
+            <a:r>
+              <a:rPr lang="zh-CN" altLang="en-US" sz="2800" b="1" dirty="0">
+                <a:solidFill>
+                  <a:srgbClr val="00B0F0"/>
+                </a:solidFill>
+                <a:latin typeface="+mn-ea"/>
+              </a:rPr>
+              <a:t>数据量增大，在不同随机种下的表现差异减小</a:t>
+            </a:r>
+            <a:endParaRPr lang="zh-CN" altLang="en-US" sz="2800" dirty="0">
+              <a:solidFill>
+                <a:srgbClr val="00B0F0"/>
+              </a:solidFill>
+            </a:endParaRPr>
+          </a:p>
+        </p:txBody>
+      </p:sp>
+      <p:sp>
+        <p:nvSpPr>
+          <p:cNvPr id="5" name="文本框 4">
+            <a:extLst>
+              <a:ext uri="{FF2B5EF4-FFF2-40B4-BE49-F238E27FC236}">
+                <a16:creationId xmlns:a16="http://schemas.microsoft.com/office/drawing/2014/main" id="{AA45294C-6051-62A8-516C-3A4A53A1962D}"/>
+              </a:ext>
+            </a:extLst>
+          </p:cNvPr>
+          <p:cNvSpPr txBox="1"/>
+          <p:nvPr/>
+        </p:nvSpPr>
+        <p:spPr>
+          <a:xfrm>
+            <a:off x="0" y="3798199"/>
+            <a:ext cx="12192000" cy="2246769"/>
+          </a:xfrm>
+          <a:prstGeom prst="rect">
+            <a:avLst/>
+          </a:prstGeom>
+          <a:noFill/>
+        </p:spPr>
+        <p:txBody>
+          <a:bodyPr wrap="square">
+            <a:spAutoFit/>
+          </a:bodyPr>
+          <a:lstStyle/>
+          <a:p>
+            <a:r>
+              <a:rPr lang="en-US" altLang="zh-CN" sz="1400" dirty="0">
+                <a:latin typeface="Consolas" panose="020B0609020204030204" pitchFamily="49" charset="0"/>
+                <a:ea typeface="+mj-ea"/>
+                <a:cs typeface="+mj-cs"/>
+              </a:rPr>
+              <a:t>Predicting runtime for SHA256 on A72</a:t>
+            </a:r>
+          </a:p>
+          <a:p>
+            <a:r>
+              <a:rPr lang="en-US" altLang="zh-CN" sz="1400" dirty="0">
+                <a:latin typeface="Consolas" panose="020B0609020204030204" pitchFamily="49" charset="0"/>
+                <a:ea typeface="+mj-ea"/>
+                <a:cs typeface="+mj-cs"/>
+              </a:rPr>
+              <a:t>Test size: 0.3, Lower bound: 0.0</a:t>
+            </a:r>
+          </a:p>
+          <a:p>
+            <a:r>
+              <a:rPr lang="en-US" altLang="zh-CN" sz="1400" dirty="0">
+                <a:latin typeface="Consolas" panose="020B0609020204030204" pitchFamily="49" charset="0"/>
+                <a:ea typeface="+mj-ea"/>
+                <a:cs typeface="+mj-cs"/>
+              </a:rPr>
+              <a:t>Method: hybrid</a:t>
+            </a:r>
+          </a:p>
+          <a:p>
+            <a:r>
+              <a:rPr lang="en-US" altLang="zh-CN" sz="1400" dirty="0">
+                <a:latin typeface="Consolas" panose="020B0609020204030204" pitchFamily="49" charset="0"/>
+                <a:ea typeface="+mj-ea"/>
+                <a:cs typeface="+mj-cs"/>
+              </a:rPr>
+              <a:t>Seed 1: MAPE=0.0010 (</a:t>
+            </a:r>
+            <a:r>
+              <a:rPr lang="zh-CN" altLang="en-US" sz="1400" dirty="0">
+                <a:latin typeface="Consolas" panose="020B0609020204030204" pitchFamily="49" charset="0"/>
+                <a:ea typeface="+mj-ea"/>
+                <a:cs typeface="+mj-cs"/>
+              </a:rPr>
+              <a:t>优秀</a:t>
+            </a:r>
+            <a:r>
+              <a:rPr lang="en-US" altLang="zh-CN" sz="1400" dirty="0">
+                <a:latin typeface="Consolas" panose="020B0609020204030204" pitchFamily="49" charset="0"/>
+                <a:ea typeface="+mj-ea"/>
+                <a:cs typeface="+mj-cs"/>
+              </a:rPr>
+              <a:t>), R2=1.0000, RMSE=0.0001 (s), </a:t>
+            </a:r>
+            <a:r>
+              <a:rPr lang="en-US" altLang="zh-CN" sz="1400" dirty="0" err="1">
+                <a:latin typeface="Consolas" panose="020B0609020204030204" pitchFamily="49" charset="0"/>
+                <a:ea typeface="+mj-ea"/>
+                <a:cs typeface="+mj-cs"/>
+              </a:rPr>
+              <a:t>RMSE%_mean</a:t>
+            </a:r>
+            <a:r>
+              <a:rPr lang="en-US" altLang="zh-CN" sz="1400" dirty="0">
+                <a:latin typeface="Consolas" panose="020B0609020204030204" pitchFamily="49" charset="0"/>
+                <a:ea typeface="+mj-ea"/>
+                <a:cs typeface="+mj-cs"/>
+              </a:rPr>
+              <a:t>=0.31% (</a:t>
+            </a:r>
+            <a:r>
+              <a:rPr lang="zh-CN" altLang="en-US" sz="1400" dirty="0">
+                <a:latin typeface="Consolas" panose="020B0609020204030204" pitchFamily="49" charset="0"/>
+                <a:ea typeface="+mj-ea"/>
+                <a:cs typeface="+mj-cs"/>
+              </a:rPr>
+              <a:t>优秀</a:t>
+            </a:r>
+            <a:r>
+              <a:rPr lang="en-US" altLang="zh-CN" sz="1400" dirty="0">
+                <a:latin typeface="Consolas" panose="020B0609020204030204" pitchFamily="49" charset="0"/>
+                <a:ea typeface="+mj-ea"/>
+                <a:cs typeface="+mj-cs"/>
+              </a:rPr>
+              <a:t>), </a:t>
+            </a:r>
+            <a:r>
+              <a:rPr lang="en-US" altLang="zh-CN" sz="1400" dirty="0" err="1">
+                <a:latin typeface="Consolas" panose="020B0609020204030204" pitchFamily="49" charset="0"/>
+                <a:ea typeface="+mj-ea"/>
+                <a:cs typeface="+mj-cs"/>
+              </a:rPr>
+              <a:t>RMSE%_range</a:t>
+            </a:r>
+            <a:r>
+              <a:rPr lang="en-US" altLang="zh-CN" sz="1400" dirty="0">
+                <a:latin typeface="Consolas" panose="020B0609020204030204" pitchFamily="49" charset="0"/>
+                <a:ea typeface="+mj-ea"/>
+                <a:cs typeface="+mj-cs"/>
+              </a:rPr>
+              <a:t>=0.16% (</a:t>
+            </a:r>
+            <a:r>
+              <a:rPr lang="zh-CN" altLang="en-US" sz="1400" dirty="0">
+                <a:latin typeface="Consolas" panose="020B0609020204030204" pitchFamily="49" charset="0"/>
+                <a:ea typeface="+mj-ea"/>
+                <a:cs typeface="+mj-cs"/>
+              </a:rPr>
+              <a:t>优秀</a:t>
+            </a:r>
+            <a:r>
+              <a:rPr lang="en-US" altLang="zh-CN" sz="1400" dirty="0">
+                <a:latin typeface="Consolas" panose="020B0609020204030204" pitchFamily="49" charset="0"/>
+                <a:ea typeface="+mj-ea"/>
+                <a:cs typeface="+mj-cs"/>
+              </a:rPr>
+              <a:t>), N=1402</a:t>
+            </a:r>
+          </a:p>
+          <a:p>
+            <a:r>
+              <a:rPr lang="en-US" altLang="zh-CN" sz="1400" dirty="0">
+                <a:latin typeface="Consolas" panose="020B0609020204030204" pitchFamily="49" charset="0"/>
+                <a:ea typeface="+mj-ea"/>
+                <a:cs typeface="+mj-cs"/>
+              </a:rPr>
+              <a:t>Seed 2: MAPE=0.0010 (</a:t>
+            </a:r>
+            <a:r>
+              <a:rPr lang="zh-CN" altLang="en-US" sz="1400" dirty="0">
+                <a:latin typeface="Consolas" panose="020B0609020204030204" pitchFamily="49" charset="0"/>
+                <a:ea typeface="+mj-ea"/>
+                <a:cs typeface="+mj-cs"/>
+              </a:rPr>
+              <a:t>优秀</a:t>
+            </a:r>
+            <a:r>
+              <a:rPr lang="en-US" altLang="zh-CN" sz="1400" dirty="0">
+                <a:latin typeface="Consolas" panose="020B0609020204030204" pitchFamily="49" charset="0"/>
+                <a:ea typeface="+mj-ea"/>
+                <a:cs typeface="+mj-cs"/>
+              </a:rPr>
+              <a:t>), R2=1.0000, RMSE=0.0001 (s), </a:t>
+            </a:r>
+            <a:r>
+              <a:rPr lang="en-US" altLang="zh-CN" sz="1400" dirty="0" err="1">
+                <a:latin typeface="Consolas" panose="020B0609020204030204" pitchFamily="49" charset="0"/>
+                <a:ea typeface="+mj-ea"/>
+                <a:cs typeface="+mj-cs"/>
+              </a:rPr>
+              <a:t>RMSE%_mean</a:t>
+            </a:r>
+            <a:r>
+              <a:rPr lang="en-US" altLang="zh-CN" sz="1400" dirty="0">
+                <a:latin typeface="Consolas" panose="020B0609020204030204" pitchFamily="49" charset="0"/>
+                <a:ea typeface="+mj-ea"/>
+                <a:cs typeface="+mj-cs"/>
+              </a:rPr>
+              <a:t>=0.23% (</a:t>
+            </a:r>
+            <a:r>
+              <a:rPr lang="zh-CN" altLang="en-US" sz="1400" dirty="0">
+                <a:latin typeface="Consolas" panose="020B0609020204030204" pitchFamily="49" charset="0"/>
+                <a:ea typeface="+mj-ea"/>
+                <a:cs typeface="+mj-cs"/>
+              </a:rPr>
+              <a:t>优秀</a:t>
+            </a:r>
+            <a:r>
+              <a:rPr lang="en-US" altLang="zh-CN" sz="1400" dirty="0">
+                <a:latin typeface="Consolas" panose="020B0609020204030204" pitchFamily="49" charset="0"/>
+                <a:ea typeface="+mj-ea"/>
+                <a:cs typeface="+mj-cs"/>
+              </a:rPr>
+              <a:t>), </a:t>
+            </a:r>
+            <a:r>
+              <a:rPr lang="en-US" altLang="zh-CN" sz="1400" dirty="0" err="1">
+                <a:latin typeface="Consolas" panose="020B0609020204030204" pitchFamily="49" charset="0"/>
+                <a:ea typeface="+mj-ea"/>
+                <a:cs typeface="+mj-cs"/>
+              </a:rPr>
+              <a:t>RMSE%_range</a:t>
+            </a:r>
+            <a:r>
+              <a:rPr lang="en-US" altLang="zh-CN" sz="1400" dirty="0">
+                <a:latin typeface="Consolas" panose="020B0609020204030204" pitchFamily="49" charset="0"/>
+                <a:ea typeface="+mj-ea"/>
+                <a:cs typeface="+mj-cs"/>
+              </a:rPr>
+              <a:t>=0.11% (</a:t>
+            </a:r>
+            <a:r>
+              <a:rPr lang="zh-CN" altLang="en-US" sz="1400" dirty="0">
+                <a:latin typeface="Consolas" panose="020B0609020204030204" pitchFamily="49" charset="0"/>
+                <a:ea typeface="+mj-ea"/>
+                <a:cs typeface="+mj-cs"/>
+              </a:rPr>
+              <a:t>优秀</a:t>
+            </a:r>
+            <a:r>
+              <a:rPr lang="en-US" altLang="zh-CN" sz="1400" dirty="0">
+                <a:latin typeface="Consolas" panose="020B0609020204030204" pitchFamily="49" charset="0"/>
+                <a:ea typeface="+mj-ea"/>
+                <a:cs typeface="+mj-cs"/>
+              </a:rPr>
+              <a:t>), N=1402</a:t>
+            </a:r>
+          </a:p>
+          <a:p>
+            <a:r>
+              <a:rPr lang="en-US" altLang="zh-CN" sz="1400" dirty="0">
+                <a:latin typeface="Consolas" panose="020B0609020204030204" pitchFamily="49" charset="0"/>
+                <a:ea typeface="+mj-ea"/>
+                <a:cs typeface="+mj-cs"/>
+              </a:rPr>
+              <a:t>Seed 6: MAPE=0.0007 (</a:t>
+            </a:r>
+            <a:r>
+              <a:rPr lang="zh-CN" altLang="en-US" sz="1400" dirty="0">
+                <a:latin typeface="Consolas" panose="020B0609020204030204" pitchFamily="49" charset="0"/>
+                <a:ea typeface="+mj-ea"/>
+                <a:cs typeface="+mj-cs"/>
+              </a:rPr>
+              <a:t>优秀</a:t>
+            </a:r>
+            <a:r>
+              <a:rPr lang="en-US" altLang="zh-CN" sz="1400" dirty="0">
+                <a:latin typeface="Consolas" panose="020B0609020204030204" pitchFamily="49" charset="0"/>
+                <a:ea typeface="+mj-ea"/>
+                <a:cs typeface="+mj-cs"/>
+              </a:rPr>
+              <a:t>), R2=1.0000, RMSE=0.0001 (s), </a:t>
+            </a:r>
+            <a:r>
+              <a:rPr lang="en-US" altLang="zh-CN" sz="1400" dirty="0" err="1">
+                <a:latin typeface="Consolas" panose="020B0609020204030204" pitchFamily="49" charset="0"/>
+                <a:ea typeface="+mj-ea"/>
+                <a:cs typeface="+mj-cs"/>
+              </a:rPr>
+              <a:t>RMSE%_mean</a:t>
+            </a:r>
+            <a:r>
+              <a:rPr lang="en-US" altLang="zh-CN" sz="1400" dirty="0">
+                <a:latin typeface="Consolas" panose="020B0609020204030204" pitchFamily="49" charset="0"/>
+                <a:ea typeface="+mj-ea"/>
+                <a:cs typeface="+mj-cs"/>
+              </a:rPr>
+              <a:t>=0.20% (</a:t>
+            </a:r>
+            <a:r>
+              <a:rPr lang="zh-CN" altLang="en-US" sz="1400" dirty="0">
+                <a:latin typeface="Consolas" panose="020B0609020204030204" pitchFamily="49" charset="0"/>
+                <a:ea typeface="+mj-ea"/>
+                <a:cs typeface="+mj-cs"/>
+              </a:rPr>
+              <a:t>优秀</a:t>
+            </a:r>
+            <a:r>
+              <a:rPr lang="en-US" altLang="zh-CN" sz="1400" dirty="0">
+                <a:latin typeface="Consolas" panose="020B0609020204030204" pitchFamily="49" charset="0"/>
+                <a:ea typeface="+mj-ea"/>
+                <a:cs typeface="+mj-cs"/>
+              </a:rPr>
+              <a:t>), </a:t>
+            </a:r>
+            <a:r>
+              <a:rPr lang="en-US" altLang="zh-CN" sz="1400" dirty="0" err="1">
+                <a:latin typeface="Consolas" panose="020B0609020204030204" pitchFamily="49" charset="0"/>
+                <a:ea typeface="+mj-ea"/>
+                <a:cs typeface="+mj-cs"/>
+              </a:rPr>
+              <a:t>RMSE%_range</a:t>
+            </a:r>
+            <a:r>
+              <a:rPr lang="en-US" altLang="zh-CN" sz="1400" dirty="0">
+                <a:latin typeface="Consolas" panose="020B0609020204030204" pitchFamily="49" charset="0"/>
+                <a:ea typeface="+mj-ea"/>
+                <a:cs typeface="+mj-cs"/>
+              </a:rPr>
+              <a:t>=0.10% (</a:t>
+            </a:r>
+            <a:r>
+              <a:rPr lang="zh-CN" altLang="en-US" sz="1400" dirty="0">
+                <a:latin typeface="Consolas" panose="020B0609020204030204" pitchFamily="49" charset="0"/>
+                <a:ea typeface="+mj-ea"/>
+                <a:cs typeface="+mj-cs"/>
+              </a:rPr>
+              <a:t>优秀</a:t>
+            </a:r>
+            <a:r>
+              <a:rPr lang="en-US" altLang="zh-CN" sz="1400" dirty="0">
+                <a:latin typeface="Consolas" panose="020B0609020204030204" pitchFamily="49" charset="0"/>
+                <a:ea typeface="+mj-ea"/>
+                <a:cs typeface="+mj-cs"/>
+              </a:rPr>
+              <a:t>), N=1402</a:t>
+            </a:r>
+          </a:p>
+          <a:p>
+            <a:r>
+              <a:rPr lang="en-US" altLang="zh-CN" sz="1400" dirty="0">
+                <a:latin typeface="Consolas" panose="020B0609020204030204" pitchFamily="49" charset="0"/>
+                <a:ea typeface="+mj-ea"/>
+                <a:cs typeface="+mj-cs"/>
+              </a:rPr>
+              <a:t>Seed 42: MAPE=0.0007 (</a:t>
+            </a:r>
+            <a:r>
+              <a:rPr lang="zh-CN" altLang="en-US" sz="1400" dirty="0">
+                <a:latin typeface="Consolas" panose="020B0609020204030204" pitchFamily="49" charset="0"/>
+                <a:ea typeface="+mj-ea"/>
+                <a:cs typeface="+mj-cs"/>
+              </a:rPr>
+              <a:t>优秀</a:t>
+            </a:r>
+            <a:r>
+              <a:rPr lang="en-US" altLang="zh-CN" sz="1400" dirty="0">
+                <a:latin typeface="Consolas" panose="020B0609020204030204" pitchFamily="49" charset="0"/>
+                <a:ea typeface="+mj-ea"/>
+                <a:cs typeface="+mj-cs"/>
+              </a:rPr>
+              <a:t>), R2=1.0000, RMSE=0.0001 (s), </a:t>
+            </a:r>
+            <a:r>
+              <a:rPr lang="en-US" altLang="zh-CN" sz="1400" dirty="0" err="1">
+                <a:latin typeface="Consolas" panose="020B0609020204030204" pitchFamily="49" charset="0"/>
+                <a:ea typeface="+mj-ea"/>
+                <a:cs typeface="+mj-cs"/>
+              </a:rPr>
+              <a:t>RMSE%_mean</a:t>
+            </a:r>
+            <a:r>
+              <a:rPr lang="en-US" altLang="zh-CN" sz="1400" dirty="0">
+                <a:latin typeface="Consolas" panose="020B0609020204030204" pitchFamily="49" charset="0"/>
+                <a:ea typeface="+mj-ea"/>
+                <a:cs typeface="+mj-cs"/>
+              </a:rPr>
+              <a:t>=0.29% (</a:t>
+            </a:r>
+            <a:r>
+              <a:rPr lang="zh-CN" altLang="en-US" sz="1400" dirty="0">
+                <a:latin typeface="Consolas" panose="020B0609020204030204" pitchFamily="49" charset="0"/>
+                <a:ea typeface="+mj-ea"/>
+                <a:cs typeface="+mj-cs"/>
+              </a:rPr>
+              <a:t>优秀</a:t>
+            </a:r>
+            <a:r>
+              <a:rPr lang="en-US" altLang="zh-CN" sz="1400" dirty="0">
+                <a:latin typeface="Consolas" panose="020B0609020204030204" pitchFamily="49" charset="0"/>
+                <a:ea typeface="+mj-ea"/>
+                <a:cs typeface="+mj-cs"/>
+              </a:rPr>
+              <a:t>), </a:t>
+            </a:r>
+            <a:r>
+              <a:rPr lang="en-US" altLang="zh-CN" sz="1400" dirty="0" err="1">
+                <a:latin typeface="Consolas" panose="020B0609020204030204" pitchFamily="49" charset="0"/>
+                <a:ea typeface="+mj-ea"/>
+                <a:cs typeface="+mj-cs"/>
+              </a:rPr>
+              <a:t>RMSE%_range</a:t>
+            </a:r>
+            <a:r>
+              <a:rPr lang="en-US" altLang="zh-CN" sz="1400" dirty="0">
+                <a:latin typeface="Consolas" panose="020B0609020204030204" pitchFamily="49" charset="0"/>
+                <a:ea typeface="+mj-ea"/>
+                <a:cs typeface="+mj-cs"/>
+              </a:rPr>
+              <a:t>=0.14% (</a:t>
+            </a:r>
+            <a:r>
+              <a:rPr lang="zh-CN" altLang="en-US" sz="1400" dirty="0">
+                <a:latin typeface="Consolas" panose="020B0609020204030204" pitchFamily="49" charset="0"/>
+                <a:ea typeface="+mj-ea"/>
+                <a:cs typeface="+mj-cs"/>
+              </a:rPr>
+              <a:t>优秀</a:t>
+            </a:r>
+            <a:r>
+              <a:rPr lang="en-US" altLang="zh-CN" sz="1400" dirty="0">
+                <a:latin typeface="Consolas" panose="020B0609020204030204" pitchFamily="49" charset="0"/>
+                <a:ea typeface="+mj-ea"/>
+                <a:cs typeface="+mj-cs"/>
+              </a:rPr>
+              <a:t>), N=1402</a:t>
+            </a:r>
+          </a:p>
+          <a:p>
+            <a:r>
+              <a:rPr lang="en-US" altLang="zh-CN" sz="1400" dirty="0">
+                <a:latin typeface="Consolas" panose="020B0609020204030204" pitchFamily="49" charset="0"/>
+                <a:ea typeface="+mj-ea"/>
+                <a:cs typeface="+mj-cs"/>
+              </a:rPr>
+              <a:t>Seed 123: MAPE=0.0008 (</a:t>
+            </a:r>
+            <a:r>
+              <a:rPr lang="zh-CN" altLang="en-US" sz="1400" dirty="0">
+                <a:latin typeface="Consolas" panose="020B0609020204030204" pitchFamily="49" charset="0"/>
+                <a:ea typeface="+mj-ea"/>
+                <a:cs typeface="+mj-cs"/>
+              </a:rPr>
+              <a:t>优秀</a:t>
+            </a:r>
+            <a:r>
+              <a:rPr lang="en-US" altLang="zh-CN" sz="1400" dirty="0">
+                <a:latin typeface="Consolas" panose="020B0609020204030204" pitchFamily="49" charset="0"/>
+                <a:ea typeface="+mj-ea"/>
+                <a:cs typeface="+mj-cs"/>
+              </a:rPr>
+              <a:t>), R2=1.0000, RMSE=0.0001 (s), </a:t>
+            </a:r>
+            <a:r>
+              <a:rPr lang="en-US" altLang="zh-CN" sz="1400" dirty="0" err="1">
+                <a:latin typeface="Consolas" panose="020B0609020204030204" pitchFamily="49" charset="0"/>
+                <a:ea typeface="+mj-ea"/>
+                <a:cs typeface="+mj-cs"/>
+              </a:rPr>
+              <a:t>RMSE%_mean</a:t>
+            </a:r>
+            <a:r>
+              <a:rPr lang="en-US" altLang="zh-CN" sz="1400" dirty="0">
+                <a:latin typeface="Consolas" panose="020B0609020204030204" pitchFamily="49" charset="0"/>
+                <a:ea typeface="+mj-ea"/>
+                <a:cs typeface="+mj-cs"/>
+              </a:rPr>
+              <a:t>=0.25% (</a:t>
+            </a:r>
+            <a:r>
+              <a:rPr lang="zh-CN" altLang="en-US" sz="1400" dirty="0">
+                <a:latin typeface="Consolas" panose="020B0609020204030204" pitchFamily="49" charset="0"/>
+                <a:ea typeface="+mj-ea"/>
+                <a:cs typeface="+mj-cs"/>
+              </a:rPr>
+              <a:t>优秀</a:t>
+            </a:r>
+            <a:r>
+              <a:rPr lang="en-US" altLang="zh-CN" sz="1400" dirty="0">
+                <a:latin typeface="Consolas" panose="020B0609020204030204" pitchFamily="49" charset="0"/>
+                <a:ea typeface="+mj-ea"/>
+                <a:cs typeface="+mj-cs"/>
+              </a:rPr>
+              <a:t>), </a:t>
+            </a:r>
+            <a:r>
+              <a:rPr lang="en-US" altLang="zh-CN" sz="1400" dirty="0" err="1">
+                <a:latin typeface="Consolas" panose="020B0609020204030204" pitchFamily="49" charset="0"/>
+                <a:ea typeface="+mj-ea"/>
+                <a:cs typeface="+mj-cs"/>
+              </a:rPr>
+              <a:t>RMSE%_range</a:t>
+            </a:r>
+            <a:r>
+              <a:rPr lang="en-US" altLang="zh-CN" sz="1400" dirty="0">
+                <a:latin typeface="Consolas" panose="020B0609020204030204" pitchFamily="49" charset="0"/>
+                <a:ea typeface="+mj-ea"/>
+                <a:cs typeface="+mj-cs"/>
+              </a:rPr>
+              <a:t>=0.13% (</a:t>
+            </a:r>
+            <a:r>
+              <a:rPr lang="zh-CN" altLang="en-US" sz="1400" dirty="0">
+                <a:latin typeface="Consolas" panose="020B0609020204030204" pitchFamily="49" charset="0"/>
+                <a:ea typeface="+mj-ea"/>
+                <a:cs typeface="+mj-cs"/>
+              </a:rPr>
+              <a:t>优秀</a:t>
+            </a:r>
+            <a:r>
+              <a:rPr lang="en-US" altLang="zh-CN" sz="1400" dirty="0">
+                <a:latin typeface="Consolas" panose="020B0609020204030204" pitchFamily="49" charset="0"/>
+                <a:ea typeface="+mj-ea"/>
+                <a:cs typeface="+mj-cs"/>
+              </a:rPr>
+              <a:t>), N=1402</a:t>
+            </a:r>
+          </a:p>
+          <a:p>
+            <a:r>
+              <a:rPr lang="en-US" altLang="zh-CN" sz="1400" dirty="0">
+                <a:latin typeface="Consolas" panose="020B0609020204030204" pitchFamily="49" charset="0"/>
+                <a:ea typeface="+mj-ea"/>
+                <a:cs typeface="+mj-cs"/>
+              </a:rPr>
+              <a:t>Seed 2025: MAPE=0.0011 (</a:t>
+            </a:r>
+            <a:r>
+              <a:rPr lang="zh-CN" altLang="en-US" sz="1400" dirty="0">
+                <a:latin typeface="Consolas" panose="020B0609020204030204" pitchFamily="49" charset="0"/>
+                <a:ea typeface="+mj-ea"/>
+                <a:cs typeface="+mj-cs"/>
+              </a:rPr>
+              <a:t>优秀</a:t>
+            </a:r>
+            <a:r>
+              <a:rPr lang="en-US" altLang="zh-CN" sz="1400" dirty="0">
+                <a:latin typeface="Consolas" panose="020B0609020204030204" pitchFamily="49" charset="0"/>
+                <a:ea typeface="+mj-ea"/>
+                <a:cs typeface="+mj-cs"/>
+              </a:rPr>
+              <a:t>), R2=1.0000, RMSE=0.0001 (s), </a:t>
+            </a:r>
+            <a:r>
+              <a:rPr lang="en-US" altLang="zh-CN" sz="1400" dirty="0" err="1">
+                <a:latin typeface="Consolas" panose="020B0609020204030204" pitchFamily="49" charset="0"/>
+                <a:ea typeface="+mj-ea"/>
+                <a:cs typeface="+mj-cs"/>
+              </a:rPr>
+              <a:t>RMSE%_mean</a:t>
+            </a:r>
+            <a:r>
+              <a:rPr lang="en-US" altLang="zh-CN" sz="1400" dirty="0">
+                <a:latin typeface="Consolas" panose="020B0609020204030204" pitchFamily="49" charset="0"/>
+                <a:ea typeface="+mj-ea"/>
+                <a:cs typeface="+mj-cs"/>
+              </a:rPr>
+              <a:t>=0.22% (</a:t>
+            </a:r>
+            <a:r>
+              <a:rPr lang="zh-CN" altLang="en-US" sz="1400" dirty="0">
+                <a:latin typeface="Consolas" panose="020B0609020204030204" pitchFamily="49" charset="0"/>
+                <a:ea typeface="+mj-ea"/>
+                <a:cs typeface="+mj-cs"/>
+              </a:rPr>
+              <a:t>优秀</a:t>
+            </a:r>
+            <a:r>
+              <a:rPr lang="en-US" altLang="zh-CN" sz="1400" dirty="0">
+                <a:latin typeface="Consolas" panose="020B0609020204030204" pitchFamily="49" charset="0"/>
+                <a:ea typeface="+mj-ea"/>
+                <a:cs typeface="+mj-cs"/>
+              </a:rPr>
+              <a:t>), </a:t>
+            </a:r>
+            <a:r>
+              <a:rPr lang="en-US" altLang="zh-CN" sz="1400" dirty="0" err="1">
+                <a:latin typeface="Consolas" panose="020B0609020204030204" pitchFamily="49" charset="0"/>
+                <a:ea typeface="+mj-ea"/>
+                <a:cs typeface="+mj-cs"/>
+              </a:rPr>
+              <a:t>RMSE%_range</a:t>
+            </a:r>
+            <a:r>
+              <a:rPr lang="en-US" altLang="zh-CN" sz="1400" dirty="0">
+                <a:latin typeface="Consolas" panose="020B0609020204030204" pitchFamily="49" charset="0"/>
+                <a:ea typeface="+mj-ea"/>
+                <a:cs typeface="+mj-cs"/>
+              </a:rPr>
+              <a:t>=0.11% (</a:t>
+            </a:r>
+            <a:r>
+              <a:rPr lang="zh-CN" altLang="en-US" sz="1400" dirty="0">
+                <a:latin typeface="Consolas" panose="020B0609020204030204" pitchFamily="49" charset="0"/>
+                <a:ea typeface="+mj-ea"/>
+                <a:cs typeface="+mj-cs"/>
+              </a:rPr>
+              <a:t>优秀</a:t>
+            </a:r>
+            <a:r>
+              <a:rPr lang="en-US" altLang="zh-CN" sz="1400" dirty="0">
+                <a:latin typeface="Consolas" panose="020B0609020204030204" pitchFamily="49" charset="0"/>
+                <a:ea typeface="+mj-ea"/>
+                <a:cs typeface="+mj-cs"/>
+              </a:rPr>
+              <a:t>), N=1402</a:t>
+            </a:r>
+          </a:p>
+          <a:p>
+            <a:r>
+              <a:rPr lang="en-US" altLang="zh-CN" sz="1400" dirty="0">
+                <a:latin typeface="Consolas" panose="020B0609020204030204" pitchFamily="49" charset="0"/>
+                <a:ea typeface="+mj-ea"/>
+                <a:cs typeface="+mj-cs"/>
+              </a:rPr>
+              <a:t>Seed 33550336: MAPE=0.0008 (</a:t>
+            </a:r>
+            <a:r>
+              <a:rPr lang="zh-CN" altLang="en-US" sz="1400" dirty="0">
+                <a:latin typeface="Consolas" panose="020B0609020204030204" pitchFamily="49" charset="0"/>
+                <a:ea typeface="+mj-ea"/>
+                <a:cs typeface="+mj-cs"/>
+              </a:rPr>
+              <a:t>优秀</a:t>
+            </a:r>
+            <a:r>
+              <a:rPr lang="en-US" altLang="zh-CN" sz="1400" dirty="0">
+                <a:latin typeface="Consolas" panose="020B0609020204030204" pitchFamily="49" charset="0"/>
+                <a:ea typeface="+mj-ea"/>
+                <a:cs typeface="+mj-cs"/>
+              </a:rPr>
+              <a:t>), R2=1.0000, RMSE=0.0001 (s), </a:t>
+            </a:r>
+            <a:r>
+              <a:rPr lang="en-US" altLang="zh-CN" sz="1400" dirty="0" err="1">
+                <a:latin typeface="Consolas" panose="020B0609020204030204" pitchFamily="49" charset="0"/>
+                <a:ea typeface="+mj-ea"/>
+                <a:cs typeface="+mj-cs"/>
+              </a:rPr>
+              <a:t>RMSE%_mean</a:t>
+            </a:r>
+            <a:r>
+              <a:rPr lang="en-US" altLang="zh-CN" sz="1400" dirty="0">
+                <a:latin typeface="Consolas" panose="020B0609020204030204" pitchFamily="49" charset="0"/>
+                <a:ea typeface="+mj-ea"/>
+                <a:cs typeface="+mj-cs"/>
+              </a:rPr>
+              <a:t>=0.23% (</a:t>
+            </a:r>
+            <a:r>
+              <a:rPr lang="zh-CN" altLang="en-US" sz="1400" dirty="0">
+                <a:latin typeface="Consolas" panose="020B0609020204030204" pitchFamily="49" charset="0"/>
+                <a:ea typeface="+mj-ea"/>
+                <a:cs typeface="+mj-cs"/>
+              </a:rPr>
+              <a:t>优秀</a:t>
+            </a:r>
+            <a:r>
+              <a:rPr lang="en-US" altLang="zh-CN" sz="1400" dirty="0">
+                <a:latin typeface="Consolas" panose="020B0609020204030204" pitchFamily="49" charset="0"/>
+                <a:ea typeface="+mj-ea"/>
+                <a:cs typeface="+mj-cs"/>
+              </a:rPr>
+              <a:t>), </a:t>
+            </a:r>
+            <a:r>
+              <a:rPr lang="en-US" altLang="zh-CN" sz="1400" dirty="0" err="1">
+                <a:latin typeface="Consolas" panose="020B0609020204030204" pitchFamily="49" charset="0"/>
+                <a:ea typeface="+mj-ea"/>
+                <a:cs typeface="+mj-cs"/>
+              </a:rPr>
+              <a:t>RMSE%_range</a:t>
+            </a:r>
+            <a:r>
+              <a:rPr lang="en-US" altLang="zh-CN" sz="1400" dirty="0">
+                <a:latin typeface="Consolas" panose="020B0609020204030204" pitchFamily="49" charset="0"/>
+                <a:ea typeface="+mj-ea"/>
+                <a:cs typeface="+mj-cs"/>
+              </a:rPr>
+              <a:t>=0.11% (</a:t>
+            </a:r>
+            <a:r>
+              <a:rPr lang="zh-CN" altLang="en-US" sz="1400" dirty="0">
+                <a:latin typeface="Consolas" panose="020B0609020204030204" pitchFamily="49" charset="0"/>
+                <a:ea typeface="+mj-ea"/>
+                <a:cs typeface="+mj-cs"/>
+              </a:rPr>
+              <a:t>优秀</a:t>
+            </a:r>
+            <a:r>
+              <a:rPr lang="en-US" altLang="zh-CN" sz="1400" dirty="0">
+                <a:latin typeface="Consolas" panose="020B0609020204030204" pitchFamily="49" charset="0"/>
+                <a:ea typeface="+mj-ea"/>
+                <a:cs typeface="+mj-cs"/>
+              </a:rPr>
+              <a:t>), N=1402</a:t>
+            </a:r>
+          </a:p>
+        </p:txBody>
+      </p:sp>
+      <p:sp>
+        <p:nvSpPr>
+          <p:cNvPr id="7" name="标题 1">
+            <a:extLst>
+              <a:ext uri="{FF2B5EF4-FFF2-40B4-BE49-F238E27FC236}">
+                <a16:creationId xmlns:a16="http://schemas.microsoft.com/office/drawing/2014/main" id="{EBCB5EB0-CDA1-9200-B404-D34460A0D049}"/>
               </a:ext>
             </a:extLst>
           </p:cNvPr>
@@ -29637,8 +31309,8 @@
         </p:nvSpPr>
         <p:spPr>
           <a:xfrm>
-            <a:off x="124097" y="143056"/>
-            <a:ext cx="6950697" cy="457835"/>
+            <a:off x="77419" y="3283610"/>
+            <a:ext cx="2263445" cy="595921"/>
           </a:xfrm>
           <a:prstGeom prst="rect">
             <a:avLst/>
@@ -29646,7 +31318,7 @@
         </p:spPr>
         <p:txBody>
           <a:bodyPr vert="horz" lIns="91440" tIns="45720" rIns="91440" bIns="45720" rtlCol="0" anchor="ctr">
-            <a:normAutofit fontScale="97500" lnSpcReduction="10000"/>
+            <a:normAutofit/>
           </a:bodyPr>
           <a:lstStyle>
             <a:lvl1pPr algn="l" defTabSz="914400" rtl="0" eaLnBrk="1" latinLnBrk="0" hangingPunct="1">
@@ -29669,709 +31341,100 @@
           </a:lstStyle>
           <a:p>
             <a:r>
-              <a:rPr lang="en-US" altLang="zh-CN" sz="2800" b="1"/>
-              <a:t>MPC - 10/15</a:t>
-            </a:r>
-            <a:r>
-              <a:rPr lang="zh-CN" altLang="en-US" sz="2800" b="1"/>
-              <a:t>飞书数据</a:t>
-            </a:r>
-            <a:endParaRPr lang="zh-CN" altLang="en-US" sz="2800" b="1" dirty="0"/>
+              <a:rPr lang="zh-CN" altLang="en-US" sz="2800" b="1" dirty="0">
+                <a:solidFill>
+                  <a:srgbClr val="00B0F0"/>
+                </a:solidFill>
+                <a:latin typeface="+mn-ea"/>
+              </a:rPr>
+              <a:t>数据量</a:t>
+            </a:r>
+            <a:r>
+              <a:rPr lang="en-US" altLang="zh-CN" sz="2800" b="1" dirty="0">
+                <a:solidFill>
+                  <a:srgbClr val="00B0F0"/>
+                </a:solidFill>
+                <a:latin typeface="+mn-ea"/>
+              </a:rPr>
+              <a:t>4671</a:t>
+            </a:r>
+            <a:endParaRPr lang="zh-CN" altLang="en-US" sz="2800" dirty="0">
+              <a:solidFill>
+                <a:srgbClr val="00B0F0"/>
+              </a:solidFill>
+            </a:endParaRPr>
           </a:p>
         </p:txBody>
       </p:sp>
       <p:sp>
         <p:nvSpPr>
-          <p:cNvPr id="8" name="文本框 7">
+          <p:cNvPr id="8" name="标题 1">
             <a:extLst>
               <a:ext uri="{FF2B5EF4-FFF2-40B4-BE49-F238E27FC236}">
-                <a16:creationId xmlns:a16="http://schemas.microsoft.com/office/drawing/2014/main" id="{147AEB21-C63E-4972-2BB7-AC54A8ACB7AB}"/>
+                <a16:creationId xmlns:a16="http://schemas.microsoft.com/office/drawing/2014/main" id="{F7473CDD-64FB-8017-26FD-D028E883AFF0}"/>
               </a:ext>
             </a:extLst>
           </p:cNvPr>
-          <p:cNvSpPr txBox="1"/>
+          <p:cNvSpPr txBox="1">
+            <a:spLocks/>
+          </p:cNvSpPr>
           <p:nvPr/>
         </p:nvSpPr>
         <p:spPr>
           <a:xfrm>
-            <a:off x="124095" y="2632216"/>
-            <a:ext cx="5971903" cy="2031325"/>
+            <a:off x="135940" y="603584"/>
+            <a:ext cx="2263445" cy="595921"/>
           </a:xfrm>
           <a:prstGeom prst="rect">
             <a:avLst/>
           </a:prstGeom>
-          <a:noFill/>
-          <a:ln w="12700">
-            <a:solidFill>
-              <a:schemeClr val="accent1"/>
-            </a:solidFill>
-          </a:ln>
         </p:spPr>
         <p:txBody>
-          <a:bodyPr wrap="square">
-            <a:spAutoFit/>
+          <a:bodyPr vert="horz" lIns="91440" tIns="45720" rIns="91440" bIns="45720" rtlCol="0" anchor="ctr">
+            <a:normAutofit/>
           </a:bodyPr>
-          <a:lstStyle/>
-          <a:p>
-            <a:r>
-              <a:rPr lang="en-US" altLang="zh-CN" sz="1400">
-                <a:latin typeface="Consolas" panose="020B0609020204030204" pitchFamily="49" charset="0"/>
-                <a:ea typeface="+mj-ea"/>
-                <a:cs typeface="+mj-cs"/>
-              </a:rPr>
-              <a:t>Predicting runtime for MPC on A72</a:t>
-            </a:r>
-          </a:p>
-          <a:p>
-            <a:r>
-              <a:rPr lang="en-US" altLang="zh-CN" sz="1400">
-                <a:latin typeface="Consolas" panose="020B0609020204030204" pitchFamily="49" charset="0"/>
-                <a:ea typeface="+mj-ea"/>
-                <a:cs typeface="+mj-cs"/>
-              </a:rPr>
-              <a:t>Test size: 0.3, Lower bound: 0.0</a:t>
-            </a:r>
-          </a:p>
-          <a:p>
-            <a:r>
-              <a:rPr lang="en-US" altLang="zh-CN" sz="1400">
-                <a:latin typeface="Consolas" panose="020B0609020204030204" pitchFamily="49" charset="0"/>
-                <a:ea typeface="+mj-ea"/>
-                <a:cs typeface="+mj-cs"/>
-              </a:rPr>
-              <a:t>Method: curve_fit</a:t>
-            </a:r>
-          </a:p>
-          <a:p>
-            <a:endParaRPr lang="en-US" altLang="zh-CN" sz="1400">
-              <a:latin typeface="Consolas" panose="020B0609020204030204" pitchFamily="49" charset="0"/>
-              <a:ea typeface="+mj-ea"/>
-              <a:cs typeface="+mj-cs"/>
-            </a:endParaRPr>
-          </a:p>
-          <a:p>
-            <a:r>
-              <a:rPr lang="en-US" altLang="zh-CN" sz="1400">
-                <a:latin typeface="Consolas" panose="020B0609020204030204" pitchFamily="49" charset="0"/>
-                <a:ea typeface="+mj-ea"/>
-                <a:cs typeface="+mj-cs"/>
-              </a:rPr>
-              <a:t>MAPE: 0.4017 ± 0.3653 (</a:t>
-            </a:r>
-            <a:r>
-              <a:rPr lang="zh-CN" altLang="en-US" sz="1400">
-                <a:latin typeface="Consolas" panose="020B0609020204030204" pitchFamily="49" charset="0"/>
-                <a:ea typeface="+mj-ea"/>
-                <a:cs typeface="+mj-cs"/>
-              </a:rPr>
-              <a:t>差</a:t>
-            </a:r>
-            <a:r>
-              <a:rPr lang="en-US" altLang="zh-CN" sz="1400">
-                <a:latin typeface="Consolas" panose="020B0609020204030204" pitchFamily="49" charset="0"/>
-                <a:ea typeface="+mj-ea"/>
-                <a:cs typeface="+mj-cs"/>
-              </a:rPr>
-              <a:t>)</a:t>
-            </a:r>
-          </a:p>
-          <a:p>
-            <a:r>
-              <a:rPr lang="en-US" altLang="zh-CN" sz="1400">
-                <a:latin typeface="Consolas" panose="020B0609020204030204" pitchFamily="49" charset="0"/>
-                <a:ea typeface="+mj-ea"/>
-                <a:cs typeface="+mj-cs"/>
-              </a:rPr>
-              <a:t>R2:   -0.7034 ± 2.0058</a:t>
-            </a:r>
-          </a:p>
-          <a:p>
-            <a:r>
-              <a:rPr lang="en-US" altLang="zh-CN" sz="1400">
-                <a:latin typeface="Consolas" panose="020B0609020204030204" pitchFamily="49" charset="0"/>
-                <a:ea typeface="+mj-ea"/>
-                <a:cs typeface="+mj-cs"/>
-              </a:rPr>
-              <a:t>RMSE: 0.3183 ± 0.2806 (s)</a:t>
-            </a:r>
-          </a:p>
-          <a:p>
-            <a:r>
-              <a:rPr lang="en-US" altLang="zh-CN" sz="1400">
-                <a:latin typeface="Consolas" panose="020B0609020204030204" pitchFamily="49" charset="0"/>
-                <a:ea typeface="+mj-ea"/>
-                <a:cs typeface="+mj-cs"/>
-              </a:rPr>
-              <a:t>RMSE%_mean: 68.02% ± 61.07% (</a:t>
-            </a:r>
-            <a:r>
-              <a:rPr lang="zh-CN" altLang="en-US" sz="1400">
-                <a:latin typeface="Consolas" panose="020B0609020204030204" pitchFamily="49" charset="0"/>
-                <a:ea typeface="+mj-ea"/>
-                <a:cs typeface="+mj-cs"/>
-              </a:rPr>
-              <a:t>差</a:t>
-            </a:r>
-            <a:r>
-              <a:rPr lang="en-US" altLang="zh-CN" sz="1400">
-                <a:latin typeface="Consolas" panose="020B0609020204030204" pitchFamily="49" charset="0"/>
-                <a:ea typeface="+mj-ea"/>
-                <a:cs typeface="+mj-cs"/>
-              </a:rPr>
-              <a:t>)</a:t>
-            </a:r>
-          </a:p>
-          <a:p>
-            <a:r>
-              <a:rPr lang="en-US" altLang="zh-CN" sz="1400">
-                <a:latin typeface="Consolas" panose="020B0609020204030204" pitchFamily="49" charset="0"/>
-                <a:ea typeface="+mj-ea"/>
-                <a:cs typeface="+mj-cs"/>
-              </a:rPr>
-              <a:t>RMSE%_range: 42.13% ± 35.74% (</a:t>
-            </a:r>
-            <a:r>
-              <a:rPr lang="zh-CN" altLang="en-US" sz="1400">
-                <a:latin typeface="Consolas" panose="020B0609020204030204" pitchFamily="49" charset="0"/>
-                <a:ea typeface="+mj-ea"/>
-                <a:cs typeface="+mj-cs"/>
-              </a:rPr>
-              <a:t>差</a:t>
-            </a:r>
-            <a:r>
-              <a:rPr lang="en-US" altLang="zh-CN" sz="1400">
-                <a:latin typeface="Consolas" panose="020B0609020204030204" pitchFamily="49" charset="0"/>
-                <a:ea typeface="+mj-ea"/>
-                <a:cs typeface="+mj-cs"/>
-              </a:rPr>
-              <a:t>)</a:t>
-            </a:r>
-            <a:endParaRPr lang="zh-CN" altLang="en-US" sz="1400">
-              <a:latin typeface="Consolas" panose="020B0609020204030204" pitchFamily="49" charset="0"/>
-              <a:ea typeface="+mj-ea"/>
-              <a:cs typeface="+mj-cs"/>
-            </a:endParaRPr>
-          </a:p>
-        </p:txBody>
-      </p:sp>
-      <p:sp>
-        <p:nvSpPr>
-          <p:cNvPr id="9" name="文本框 8">
-            <a:extLst>
-              <a:ext uri="{FF2B5EF4-FFF2-40B4-BE49-F238E27FC236}">
-                <a16:creationId xmlns:a16="http://schemas.microsoft.com/office/drawing/2014/main" id="{8BFB8EBE-9B28-31CA-C348-FD687E03907F}"/>
-              </a:ext>
-            </a:extLst>
-          </p:cNvPr>
-          <p:cNvSpPr txBox="1"/>
-          <p:nvPr/>
-        </p:nvSpPr>
-        <p:spPr>
-          <a:xfrm>
-            <a:off x="124095" y="4663541"/>
-            <a:ext cx="5971903" cy="2031325"/>
-          </a:xfrm>
-          <a:prstGeom prst="rect">
-            <a:avLst/>
-          </a:prstGeom>
-          <a:noFill/>
-          <a:ln w="12700">
-            <a:solidFill>
-              <a:schemeClr val="accent1"/>
-            </a:solidFill>
-          </a:ln>
-        </p:spPr>
-        <p:txBody>
-          <a:bodyPr wrap="square">
-            <a:spAutoFit/>
-          </a:bodyPr>
-          <a:lstStyle/>
-          <a:p>
-            <a:r>
-              <a:rPr lang="en-US" altLang="zh-CN" sz="1400">
-                <a:latin typeface="Consolas" panose="020B0609020204030204" pitchFamily="49" charset="0"/>
-                <a:ea typeface="+mj-ea"/>
-                <a:cs typeface="+mj-cs"/>
-              </a:rPr>
-              <a:t>Predicting runtime for MPC on M7</a:t>
-            </a:r>
-          </a:p>
-          <a:p>
-            <a:r>
-              <a:rPr lang="en-US" altLang="zh-CN" sz="1400">
-                <a:latin typeface="Consolas" panose="020B0609020204030204" pitchFamily="49" charset="0"/>
-                <a:ea typeface="+mj-ea"/>
-                <a:cs typeface="+mj-cs"/>
-              </a:rPr>
-              <a:t>Test size: 0.3, Lower bound: 0.0</a:t>
-            </a:r>
-          </a:p>
-          <a:p>
-            <a:r>
-              <a:rPr lang="en-US" altLang="zh-CN" sz="1400">
-                <a:latin typeface="Consolas" panose="020B0609020204030204" pitchFamily="49" charset="0"/>
-                <a:ea typeface="+mj-ea"/>
-                <a:cs typeface="+mj-cs"/>
-              </a:rPr>
-              <a:t>Method: curve_fit</a:t>
-            </a:r>
-          </a:p>
-          <a:p>
-            <a:endParaRPr lang="en-US" altLang="zh-CN" sz="1400">
-              <a:latin typeface="Consolas" panose="020B0609020204030204" pitchFamily="49" charset="0"/>
-              <a:ea typeface="+mj-ea"/>
-              <a:cs typeface="+mj-cs"/>
-            </a:endParaRPr>
-          </a:p>
-          <a:p>
-            <a:r>
-              <a:rPr lang="en-US" altLang="zh-CN" sz="1400">
-                <a:latin typeface="Consolas" panose="020B0609020204030204" pitchFamily="49" charset="0"/>
-                <a:ea typeface="+mj-ea"/>
-                <a:cs typeface="+mj-cs"/>
-              </a:rPr>
-              <a:t>MAPE: 0.0794 ± 0.0790 (</a:t>
-            </a:r>
-            <a:r>
-              <a:rPr lang="zh-CN" altLang="en-US" sz="1400">
-                <a:latin typeface="Consolas" panose="020B0609020204030204" pitchFamily="49" charset="0"/>
-                <a:ea typeface="+mj-ea"/>
-                <a:cs typeface="+mj-cs"/>
-              </a:rPr>
-              <a:t>优秀</a:t>
-            </a:r>
-            <a:r>
-              <a:rPr lang="en-US" altLang="zh-CN" sz="1400">
-                <a:latin typeface="Consolas" panose="020B0609020204030204" pitchFamily="49" charset="0"/>
-                <a:ea typeface="+mj-ea"/>
-                <a:cs typeface="+mj-cs"/>
-              </a:rPr>
-              <a:t>)</a:t>
-            </a:r>
-          </a:p>
-          <a:p>
-            <a:r>
-              <a:rPr lang="en-US" altLang="zh-CN" sz="1400">
-                <a:latin typeface="Consolas" panose="020B0609020204030204" pitchFamily="49" charset="0"/>
-                <a:ea typeface="+mj-ea"/>
-                <a:cs typeface="+mj-cs"/>
-              </a:rPr>
-              <a:t>R2:   0.9946 ± 0.0087</a:t>
-            </a:r>
-          </a:p>
-          <a:p>
-            <a:r>
-              <a:rPr lang="en-US" altLang="zh-CN" sz="1400">
-                <a:latin typeface="Consolas" panose="020B0609020204030204" pitchFamily="49" charset="0"/>
-                <a:ea typeface="+mj-ea"/>
-                <a:cs typeface="+mj-cs"/>
-              </a:rPr>
-              <a:t>RMSE: 0.0147 ± 0.0093 (s)</a:t>
-            </a:r>
-          </a:p>
-          <a:p>
-            <a:r>
-              <a:rPr lang="en-US" altLang="zh-CN" sz="1400">
-                <a:latin typeface="Consolas" panose="020B0609020204030204" pitchFamily="49" charset="0"/>
-                <a:ea typeface="+mj-ea"/>
-                <a:cs typeface="+mj-cs"/>
-              </a:rPr>
-              <a:t>RMSE%_mean: 3.74% ± 3.50% (</a:t>
-            </a:r>
-            <a:r>
-              <a:rPr lang="zh-CN" altLang="en-US" sz="1400">
-                <a:latin typeface="Consolas" panose="020B0609020204030204" pitchFamily="49" charset="0"/>
-                <a:ea typeface="+mj-ea"/>
-                <a:cs typeface="+mj-cs"/>
-              </a:rPr>
-              <a:t>优秀</a:t>
-            </a:r>
-            <a:r>
-              <a:rPr lang="en-US" altLang="zh-CN" sz="1400">
-                <a:latin typeface="Consolas" panose="020B0609020204030204" pitchFamily="49" charset="0"/>
-                <a:ea typeface="+mj-ea"/>
-                <a:cs typeface="+mj-cs"/>
-              </a:rPr>
-              <a:t>)</a:t>
-            </a:r>
-          </a:p>
-          <a:p>
-            <a:r>
-              <a:rPr lang="en-US" altLang="zh-CN" sz="1400">
-                <a:latin typeface="Consolas" panose="020B0609020204030204" pitchFamily="49" charset="0"/>
-                <a:ea typeface="+mj-ea"/>
-                <a:cs typeface="+mj-cs"/>
-              </a:rPr>
-              <a:t>RMSE%_range: 2.41% ± 2.09% (</a:t>
-            </a:r>
-            <a:r>
-              <a:rPr lang="zh-CN" altLang="en-US" sz="1400">
-                <a:latin typeface="Consolas" panose="020B0609020204030204" pitchFamily="49" charset="0"/>
-                <a:ea typeface="+mj-ea"/>
-                <a:cs typeface="+mj-cs"/>
-              </a:rPr>
-              <a:t>优秀</a:t>
-            </a:r>
-            <a:r>
-              <a:rPr lang="en-US" altLang="zh-CN" sz="1400">
-                <a:latin typeface="Consolas" panose="020B0609020204030204" pitchFamily="49" charset="0"/>
-                <a:ea typeface="+mj-ea"/>
-                <a:cs typeface="+mj-cs"/>
-              </a:rPr>
-              <a:t>)</a:t>
-            </a:r>
-            <a:endParaRPr lang="zh-CN" altLang="en-US" sz="1400">
-              <a:latin typeface="Consolas" panose="020B0609020204030204" pitchFamily="49" charset="0"/>
-              <a:ea typeface="+mj-ea"/>
-              <a:cs typeface="+mj-cs"/>
-            </a:endParaRPr>
-          </a:p>
-        </p:txBody>
-      </p:sp>
-      <p:sp>
-        <p:nvSpPr>
-          <p:cNvPr id="10" name="文本框 9">
-            <a:extLst>
-              <a:ext uri="{FF2B5EF4-FFF2-40B4-BE49-F238E27FC236}">
-                <a16:creationId xmlns:a16="http://schemas.microsoft.com/office/drawing/2014/main" id="{33981063-C7B0-440C-4F73-66B9FA2C789E}"/>
-              </a:ext>
-            </a:extLst>
-          </p:cNvPr>
-          <p:cNvSpPr txBox="1"/>
-          <p:nvPr/>
-        </p:nvSpPr>
-        <p:spPr>
-          <a:xfrm>
-            <a:off x="6095999" y="2632216"/>
-            <a:ext cx="5971903" cy="2031325"/>
-          </a:xfrm>
-          <a:prstGeom prst="rect">
-            <a:avLst/>
-          </a:prstGeom>
-          <a:noFill/>
-          <a:ln w="12700">
-            <a:solidFill>
-              <a:schemeClr val="accent1"/>
-            </a:solidFill>
-          </a:ln>
-        </p:spPr>
-        <p:txBody>
-          <a:bodyPr wrap="square">
-            <a:spAutoFit/>
-          </a:bodyPr>
-          <a:lstStyle/>
-          <a:p>
-            <a:r>
-              <a:rPr lang="en-US" altLang="zh-CN" sz="1400">
-                <a:latin typeface="Consolas" panose="020B0609020204030204" pitchFamily="49" charset="0"/>
-                <a:ea typeface="+mj-ea"/>
-                <a:cs typeface="+mj-cs"/>
-              </a:rPr>
-              <a:t>Predicting runtime for MPC on A72</a:t>
-            </a:r>
-          </a:p>
-          <a:p>
-            <a:r>
-              <a:rPr lang="en-US" altLang="zh-CN" sz="1400">
-                <a:latin typeface="Consolas" panose="020B0609020204030204" pitchFamily="49" charset="0"/>
-                <a:ea typeface="+mj-ea"/>
-                <a:cs typeface="+mj-cs"/>
-              </a:rPr>
-              <a:t>Test size: 0.3, Lower bound: 0.0</a:t>
-            </a:r>
-          </a:p>
-          <a:p>
-            <a:r>
-              <a:rPr lang="en-US" altLang="zh-CN" sz="1400">
-                <a:latin typeface="Consolas" panose="020B0609020204030204" pitchFamily="49" charset="0"/>
-                <a:ea typeface="+mj-ea"/>
-                <a:cs typeface="+mj-cs"/>
-              </a:rPr>
-              <a:t>Method: hybrid</a:t>
-            </a:r>
-          </a:p>
-          <a:p>
-            <a:endParaRPr lang="en-US" altLang="zh-CN" sz="1400">
-              <a:latin typeface="Consolas" panose="020B0609020204030204" pitchFamily="49" charset="0"/>
-              <a:ea typeface="+mj-ea"/>
-              <a:cs typeface="+mj-cs"/>
-            </a:endParaRPr>
-          </a:p>
-          <a:p>
-            <a:r>
-              <a:rPr lang="en-US" altLang="zh-CN" sz="1400">
-                <a:latin typeface="Consolas" panose="020B0609020204030204" pitchFamily="49" charset="0"/>
-                <a:ea typeface="+mj-ea"/>
-                <a:cs typeface="+mj-cs"/>
-              </a:rPr>
-              <a:t>MAPE: 0.3373 ± 0.3239 (</a:t>
-            </a:r>
-            <a:r>
-              <a:rPr lang="zh-CN" altLang="en-US" sz="1400">
-                <a:latin typeface="Consolas" panose="020B0609020204030204" pitchFamily="49" charset="0"/>
-                <a:ea typeface="+mj-ea"/>
-                <a:cs typeface="+mj-cs"/>
-              </a:rPr>
-              <a:t>差</a:t>
-            </a:r>
-            <a:r>
-              <a:rPr lang="en-US" altLang="zh-CN" sz="1400">
-                <a:latin typeface="Consolas" panose="020B0609020204030204" pitchFamily="49" charset="0"/>
-                <a:ea typeface="+mj-ea"/>
-                <a:cs typeface="+mj-cs"/>
-              </a:rPr>
-              <a:t>)</a:t>
-            </a:r>
-          </a:p>
-          <a:p>
-            <a:r>
-              <a:rPr lang="en-US" altLang="zh-CN" sz="1400">
-                <a:latin typeface="Consolas" panose="020B0609020204030204" pitchFamily="49" charset="0"/>
-                <a:ea typeface="+mj-ea"/>
-                <a:cs typeface="+mj-cs"/>
-              </a:rPr>
-              <a:t>R2:   0.8467 ± 0.1004</a:t>
-            </a:r>
-          </a:p>
-          <a:p>
-            <a:r>
-              <a:rPr lang="en-US" altLang="zh-CN" sz="1400">
-                <a:latin typeface="Consolas" panose="020B0609020204030204" pitchFamily="49" charset="0"/>
-                <a:ea typeface="+mj-ea"/>
-                <a:cs typeface="+mj-cs"/>
-              </a:rPr>
-              <a:t>RMSE: 0.1137 ± 0.0534 (s)</a:t>
-            </a:r>
-          </a:p>
-          <a:p>
-            <a:r>
-              <a:rPr lang="en-US" altLang="zh-CN" sz="1400">
-                <a:latin typeface="Consolas" panose="020B0609020204030204" pitchFamily="49" charset="0"/>
-                <a:ea typeface="+mj-ea"/>
-                <a:cs typeface="+mj-cs"/>
-              </a:rPr>
-              <a:t>RMSE%_mean: 24.23% ± 11.73% (</a:t>
-            </a:r>
-            <a:r>
-              <a:rPr lang="zh-CN" altLang="en-US" sz="1400">
-                <a:latin typeface="Consolas" panose="020B0609020204030204" pitchFamily="49" charset="0"/>
-                <a:ea typeface="+mj-ea"/>
-                <a:cs typeface="+mj-cs"/>
-              </a:rPr>
-              <a:t>差</a:t>
-            </a:r>
-            <a:r>
-              <a:rPr lang="en-US" altLang="zh-CN" sz="1400">
-                <a:latin typeface="Consolas" panose="020B0609020204030204" pitchFamily="49" charset="0"/>
-                <a:ea typeface="+mj-ea"/>
-                <a:cs typeface="+mj-cs"/>
-              </a:rPr>
-              <a:t>)</a:t>
-            </a:r>
-          </a:p>
-          <a:p>
-            <a:r>
-              <a:rPr lang="en-US" altLang="zh-CN" sz="1400">
-                <a:latin typeface="Consolas" panose="020B0609020204030204" pitchFamily="49" charset="0"/>
-                <a:ea typeface="+mj-ea"/>
-                <a:cs typeface="+mj-cs"/>
-              </a:rPr>
-              <a:t>RMSE%_range: 15.00% ± 6.64% (</a:t>
-            </a:r>
-            <a:r>
-              <a:rPr lang="zh-CN" altLang="en-US" sz="1400">
-                <a:latin typeface="Consolas" panose="020B0609020204030204" pitchFamily="49" charset="0"/>
-                <a:ea typeface="+mj-ea"/>
-                <a:cs typeface="+mj-cs"/>
-              </a:rPr>
-              <a:t>中等</a:t>
-            </a:r>
-            <a:r>
-              <a:rPr lang="en-US" altLang="zh-CN" sz="1400">
-                <a:latin typeface="Consolas" panose="020B0609020204030204" pitchFamily="49" charset="0"/>
-                <a:ea typeface="+mj-ea"/>
-                <a:cs typeface="+mj-cs"/>
-              </a:rPr>
-              <a:t>)</a:t>
-            </a:r>
-            <a:endParaRPr lang="zh-CN" altLang="en-US" sz="1400">
-              <a:latin typeface="Consolas" panose="020B0609020204030204" pitchFamily="49" charset="0"/>
-              <a:ea typeface="+mj-ea"/>
-              <a:cs typeface="+mj-cs"/>
-            </a:endParaRPr>
-          </a:p>
-        </p:txBody>
-      </p:sp>
-      <p:sp>
-        <p:nvSpPr>
-          <p:cNvPr id="11" name="文本框 10">
-            <a:extLst>
-              <a:ext uri="{FF2B5EF4-FFF2-40B4-BE49-F238E27FC236}">
-                <a16:creationId xmlns:a16="http://schemas.microsoft.com/office/drawing/2014/main" id="{79137389-07FD-2EF2-B1FB-0DA6FD0C40CA}"/>
-              </a:ext>
-            </a:extLst>
-          </p:cNvPr>
-          <p:cNvSpPr txBox="1"/>
-          <p:nvPr/>
-        </p:nvSpPr>
-        <p:spPr>
-          <a:xfrm>
-            <a:off x="6095999" y="4663540"/>
-            <a:ext cx="5971903" cy="2031325"/>
-          </a:xfrm>
-          <a:prstGeom prst="rect">
-            <a:avLst/>
-          </a:prstGeom>
-          <a:noFill/>
-          <a:ln w="12700">
-            <a:solidFill>
-              <a:schemeClr val="accent1"/>
-            </a:solidFill>
-          </a:ln>
-        </p:spPr>
-        <p:txBody>
-          <a:bodyPr wrap="square">
-            <a:spAutoFit/>
-          </a:bodyPr>
-          <a:lstStyle/>
-          <a:p>
-            <a:r>
-              <a:rPr lang="en-US" altLang="zh-CN" sz="1400">
-                <a:latin typeface="Consolas" panose="020B0609020204030204" pitchFamily="49" charset="0"/>
-                <a:ea typeface="+mj-ea"/>
-                <a:cs typeface="+mj-cs"/>
-              </a:rPr>
-              <a:t>Predicting runtime for MPC on M7</a:t>
-            </a:r>
-          </a:p>
-          <a:p>
-            <a:r>
-              <a:rPr lang="en-US" altLang="zh-CN" sz="1400">
-                <a:latin typeface="Consolas" panose="020B0609020204030204" pitchFamily="49" charset="0"/>
-                <a:ea typeface="+mj-ea"/>
-                <a:cs typeface="+mj-cs"/>
-              </a:rPr>
-              <a:t>Test size: 0.3, Lower bound: 0.0</a:t>
-            </a:r>
-          </a:p>
-          <a:p>
-            <a:r>
-              <a:rPr lang="en-US" altLang="zh-CN" sz="1400">
-                <a:latin typeface="Consolas" panose="020B0609020204030204" pitchFamily="49" charset="0"/>
-                <a:ea typeface="+mj-ea"/>
-                <a:cs typeface="+mj-cs"/>
-              </a:rPr>
-              <a:t>Method: hybrid</a:t>
-            </a:r>
-          </a:p>
-          <a:p>
-            <a:endParaRPr lang="en-US" altLang="zh-CN" sz="1400">
-              <a:latin typeface="Consolas" panose="020B0609020204030204" pitchFamily="49" charset="0"/>
-              <a:ea typeface="+mj-ea"/>
-              <a:cs typeface="+mj-cs"/>
-            </a:endParaRPr>
-          </a:p>
-          <a:p>
-            <a:r>
-              <a:rPr lang="en-US" altLang="zh-CN" sz="1400">
-                <a:latin typeface="Consolas" panose="020B0609020204030204" pitchFamily="49" charset="0"/>
-                <a:ea typeface="+mj-ea"/>
-                <a:cs typeface="+mj-cs"/>
-              </a:rPr>
-              <a:t>MAPE: 0.0367 ± 0.0242 (</a:t>
-            </a:r>
-            <a:r>
-              <a:rPr lang="zh-CN" altLang="en-US" sz="1400">
-                <a:latin typeface="Consolas" panose="020B0609020204030204" pitchFamily="49" charset="0"/>
-                <a:ea typeface="+mj-ea"/>
-                <a:cs typeface="+mj-cs"/>
-              </a:rPr>
-              <a:t>优秀</a:t>
-            </a:r>
-            <a:r>
-              <a:rPr lang="en-US" altLang="zh-CN" sz="1400">
-                <a:latin typeface="Consolas" panose="020B0609020204030204" pitchFamily="49" charset="0"/>
-                <a:ea typeface="+mj-ea"/>
-                <a:cs typeface="+mj-cs"/>
-              </a:rPr>
-              <a:t>)</a:t>
-            </a:r>
-          </a:p>
-          <a:p>
-            <a:r>
-              <a:rPr lang="en-US" altLang="zh-CN" sz="1400">
-                <a:latin typeface="Consolas" panose="020B0609020204030204" pitchFamily="49" charset="0"/>
-                <a:ea typeface="+mj-ea"/>
-                <a:cs typeface="+mj-cs"/>
-              </a:rPr>
-              <a:t>R2:   0.9986 ± 0.0011</a:t>
-            </a:r>
-          </a:p>
-          <a:p>
-            <a:r>
-              <a:rPr lang="en-US" altLang="zh-CN" sz="1400">
-                <a:latin typeface="Consolas" panose="020B0609020204030204" pitchFamily="49" charset="0"/>
-                <a:ea typeface="+mj-ea"/>
-                <a:cs typeface="+mj-cs"/>
-              </a:rPr>
-              <a:t>RMSE: 0.0102 ± 0.0044 (s)</a:t>
-            </a:r>
-          </a:p>
-          <a:p>
-            <a:r>
-              <a:rPr lang="en-US" altLang="zh-CN" sz="1400">
-                <a:latin typeface="Consolas" panose="020B0609020204030204" pitchFamily="49" charset="0"/>
-                <a:ea typeface="+mj-ea"/>
-                <a:cs typeface="+mj-cs"/>
-              </a:rPr>
-              <a:t>RMSE%_mean: 2.22% ± 1.05% (</a:t>
-            </a:r>
-            <a:r>
-              <a:rPr lang="zh-CN" altLang="en-US" sz="1400">
-                <a:latin typeface="Consolas" panose="020B0609020204030204" pitchFamily="49" charset="0"/>
-                <a:ea typeface="+mj-ea"/>
-                <a:cs typeface="+mj-cs"/>
-              </a:rPr>
-              <a:t>优秀</a:t>
-            </a:r>
-            <a:r>
-              <a:rPr lang="en-US" altLang="zh-CN" sz="1400">
-                <a:latin typeface="Consolas" panose="020B0609020204030204" pitchFamily="49" charset="0"/>
-                <a:ea typeface="+mj-ea"/>
-                <a:cs typeface="+mj-cs"/>
-              </a:rPr>
-              <a:t>)</a:t>
-            </a:r>
-          </a:p>
-          <a:p>
-            <a:r>
-              <a:rPr lang="en-US" altLang="zh-CN" sz="1400">
-                <a:latin typeface="Consolas" panose="020B0609020204030204" pitchFamily="49" charset="0"/>
-                <a:ea typeface="+mj-ea"/>
-                <a:cs typeface="+mj-cs"/>
-              </a:rPr>
-              <a:t>RMSE%_range: 1.49% ± 0.62% (</a:t>
-            </a:r>
-            <a:r>
-              <a:rPr lang="zh-CN" altLang="en-US" sz="1400">
-                <a:latin typeface="Consolas" panose="020B0609020204030204" pitchFamily="49" charset="0"/>
-                <a:ea typeface="+mj-ea"/>
-                <a:cs typeface="+mj-cs"/>
-              </a:rPr>
-              <a:t>优秀</a:t>
-            </a:r>
-            <a:r>
-              <a:rPr lang="en-US" altLang="zh-CN" sz="1400">
-                <a:latin typeface="Consolas" panose="020B0609020204030204" pitchFamily="49" charset="0"/>
-                <a:ea typeface="+mj-ea"/>
-                <a:cs typeface="+mj-cs"/>
-              </a:rPr>
-              <a:t>)</a:t>
-            </a:r>
-            <a:endParaRPr lang="zh-CN" altLang="en-US" sz="1400">
-              <a:latin typeface="Consolas" panose="020B0609020204030204" pitchFamily="49" charset="0"/>
-              <a:ea typeface="+mj-ea"/>
-              <a:cs typeface="+mj-cs"/>
+          <a:lstStyle>
+            <a:lvl1pPr algn="l" defTabSz="914400" rtl="0" eaLnBrk="1" latinLnBrk="0" hangingPunct="1">
+              <a:lnSpc>
+                <a:spcPct val="90000"/>
+              </a:lnSpc>
+              <a:spcBef>
+                <a:spcPct val="0"/>
+              </a:spcBef>
+              <a:buNone/>
+              <a:defRPr sz="4400" kern="1200">
+                <a:solidFill>
+                  <a:schemeClr val="tx1"/>
+                </a:solidFill>
+                <a:latin typeface="+mj-lt"/>
+                <a:ea typeface="+mj-ea"/>
+                <a:cs typeface="+mj-cs"/>
+              </a:defRPr>
+            </a:lvl1pPr>
+          </a:lstStyle>
+          <a:p>
+            <a:r>
+              <a:rPr lang="zh-CN" altLang="en-US" sz="2800" b="1" dirty="0">
+                <a:solidFill>
+                  <a:srgbClr val="00B0F0"/>
+                </a:solidFill>
+                <a:latin typeface="+mn-ea"/>
+              </a:rPr>
+              <a:t>数据量</a:t>
+            </a:r>
+            <a:r>
+              <a:rPr lang="en-US" altLang="zh-CN" sz="2800" b="1" dirty="0">
+                <a:solidFill>
+                  <a:srgbClr val="00B0F0"/>
+                </a:solidFill>
+                <a:latin typeface="+mn-ea"/>
+              </a:rPr>
+              <a:t>47</a:t>
+            </a:r>
+            <a:endParaRPr lang="zh-CN" altLang="en-US" sz="2800" dirty="0">
+              <a:solidFill>
+                <a:srgbClr val="00B0F0"/>
+              </a:solidFill>
             </a:endParaRPr>
           </a:p>
         </p:txBody>
@@ -30379,7 +31442,280 @@
     </p:spTree>
     <p:extLst>
       <p:ext uri="{BB962C8B-B14F-4D97-AF65-F5344CB8AC3E}">
-        <p14:creationId xmlns:p14="http://schemas.microsoft.com/office/powerpoint/2010/main" val="2931683832"/>
+        <p14:creationId xmlns:p14="http://schemas.microsoft.com/office/powerpoint/2010/main" val="4227960"/>
+      </p:ext>
+    </p:extLst>
+  </p:cSld>
+  <p:clrMapOvr>
+    <a:masterClrMapping/>
+  </p:clrMapOvr>
+</p:sld>
+</file>
+
+<file path=ppt/slides/slide46.xml><?xml version="1.0" encoding="utf-8"?>
+<p:sld xmlns:a="http://schemas.openxmlformats.org/drawingml/2006/main" xmlns:r="http://schemas.openxmlformats.org/officeDocument/2006/relationships" xmlns:p="http://schemas.openxmlformats.org/presentationml/2006/main">
+  <p:cSld>
+    <p:spTree>
+      <p:nvGrpSpPr>
+        <p:cNvPr id="1" name="">
+          <a:extLst>
+            <a:ext uri="{FF2B5EF4-FFF2-40B4-BE49-F238E27FC236}">
+              <a16:creationId xmlns:a16="http://schemas.microsoft.com/office/drawing/2014/main" id="{E031942E-04BA-80C4-5A10-E6DCEE4919FB}"/>
+            </a:ext>
+          </a:extLst>
+        </p:cNvPr>
+        <p:cNvGrpSpPr/>
+        <p:nvPr/>
+      </p:nvGrpSpPr>
+      <p:grpSpPr>
+        <a:xfrm>
+          <a:off x="0" y="0"/>
+          <a:ext cx="0" cy="0"/>
+          <a:chOff x="0" y="0"/>
+          <a:chExt cx="0" cy="0"/>
+        </a:xfrm>
+      </p:grpSpPr>
+      <p:sp>
+        <p:nvSpPr>
+          <p:cNvPr id="4" name="标题 1">
+            <a:extLst>
+              <a:ext uri="{FF2B5EF4-FFF2-40B4-BE49-F238E27FC236}">
+                <a16:creationId xmlns:a16="http://schemas.microsoft.com/office/drawing/2014/main" id="{48DD730A-4219-B746-10C7-5C85DEED5376}"/>
+              </a:ext>
+            </a:extLst>
+          </p:cNvPr>
+          <p:cNvSpPr txBox="1">
+            <a:spLocks/>
+          </p:cNvSpPr>
+          <p:nvPr/>
+        </p:nvSpPr>
+        <p:spPr>
+          <a:xfrm>
+            <a:off x="124096" y="3430893"/>
+            <a:ext cx="5616812" cy="595920"/>
+          </a:xfrm>
+          <a:prstGeom prst="rect">
+            <a:avLst/>
+          </a:prstGeom>
+        </p:spPr>
+        <p:txBody>
+          <a:bodyPr vert="horz" lIns="91440" tIns="45720" rIns="91440" bIns="45720" rtlCol="0" anchor="ctr">
+            <a:noAutofit/>
+          </a:bodyPr>
+          <a:lstStyle>
+            <a:lvl1pPr algn="l" defTabSz="914400" rtl="0" eaLnBrk="1" latinLnBrk="0" hangingPunct="1">
+              <a:lnSpc>
+                <a:spcPct val="90000"/>
+              </a:lnSpc>
+              <a:spcBef>
+                <a:spcPct val="0"/>
+              </a:spcBef>
+              <a:buNone/>
+              <a:defRPr sz="4400" kern="1200">
+                <a:solidFill>
+                  <a:schemeClr val="tx1"/>
+                </a:solidFill>
+                <a:latin typeface="+mj-lt"/>
+                <a:ea typeface="+mj-ea"/>
+                <a:cs typeface="+mj-cs"/>
+              </a:defRPr>
+            </a:lvl1pPr>
+          </a:lstStyle>
+          <a:p>
+            <a:endParaRPr lang="pt-BR" altLang="zh-CN" sz="1600" b="1">
+              <a:solidFill>
+                <a:srgbClr val="00B0F0"/>
+              </a:solidFill>
+              <a:latin typeface="+mn-ea"/>
+              <a:ea typeface="+mn-ea"/>
+            </a:endParaRPr>
+          </a:p>
+        </p:txBody>
+      </p:sp>
+      <p:pic>
+        <p:nvPicPr>
+          <p:cNvPr id="8" name="图片 7">
+            <a:extLst>
+              <a:ext uri="{FF2B5EF4-FFF2-40B4-BE49-F238E27FC236}">
+                <a16:creationId xmlns:a16="http://schemas.microsoft.com/office/drawing/2014/main" id="{50B78469-0695-7D15-0DCA-F22CEDD40C6C}"/>
+              </a:ext>
+            </a:extLst>
+          </p:cNvPr>
+          <p:cNvPicPr>
+            <a:picLocks noChangeAspect="1"/>
+          </p:cNvPicPr>
+          <p:nvPr/>
+        </p:nvPicPr>
+        <p:blipFill>
+          <a:blip r:embed="rId3">
+            <a:extLst>
+              <a:ext uri="{28A0092B-C50C-407E-A947-70E740481C1C}">
+                <a14:useLocalDpi xmlns:a14="http://schemas.microsoft.com/office/drawing/2010/main" val="0"/>
+              </a:ext>
+            </a:extLst>
+          </a:blip>
+          <a:stretch>
+            <a:fillRect/>
+          </a:stretch>
+        </p:blipFill>
+        <p:spPr>
+          <a:xfrm>
+            <a:off x="0" y="0"/>
+            <a:ext cx="6096000" cy="4572000"/>
+          </a:xfrm>
+          <a:prstGeom prst="rect">
+            <a:avLst/>
+          </a:prstGeom>
+        </p:spPr>
+      </p:pic>
+      <p:pic>
+        <p:nvPicPr>
+          <p:cNvPr id="10" name="图片 9">
+            <a:extLst>
+              <a:ext uri="{FF2B5EF4-FFF2-40B4-BE49-F238E27FC236}">
+                <a16:creationId xmlns:a16="http://schemas.microsoft.com/office/drawing/2014/main" id="{E99BCBD7-E161-D74A-92AE-52F7A2846A6D}"/>
+              </a:ext>
+            </a:extLst>
+          </p:cNvPr>
+          <p:cNvPicPr>
+            <a:picLocks noChangeAspect="1"/>
+          </p:cNvPicPr>
+          <p:nvPr/>
+        </p:nvPicPr>
+        <p:blipFill>
+          <a:blip r:embed="rId4">
+            <a:extLst>
+              <a:ext uri="{28A0092B-C50C-407E-A947-70E740481C1C}">
+                <a14:useLocalDpi xmlns:a14="http://schemas.microsoft.com/office/drawing/2010/main" val="0"/>
+              </a:ext>
+            </a:extLst>
+          </a:blip>
+          <a:stretch>
+            <a:fillRect/>
+          </a:stretch>
+        </p:blipFill>
+        <p:spPr>
+          <a:xfrm>
+            <a:off x="6096000" y="1"/>
+            <a:ext cx="6096000" cy="4572000"/>
+          </a:xfrm>
+          <a:prstGeom prst="rect">
+            <a:avLst/>
+          </a:prstGeom>
+        </p:spPr>
+      </p:pic>
+      <p:sp>
+        <p:nvSpPr>
+          <p:cNvPr id="11" name="标题 1">
+            <a:extLst>
+              <a:ext uri="{FF2B5EF4-FFF2-40B4-BE49-F238E27FC236}">
+                <a16:creationId xmlns:a16="http://schemas.microsoft.com/office/drawing/2014/main" id="{C4A7FF83-8171-1C9C-F55D-85769C04CE5A}"/>
+              </a:ext>
+            </a:extLst>
+          </p:cNvPr>
+          <p:cNvSpPr>
+            <a:spLocks noGrp="1"/>
+          </p:cNvSpPr>
+          <p:nvPr>
+            <p:ph type="title"/>
+          </p:nvPr>
+        </p:nvSpPr>
+        <p:spPr>
+          <a:xfrm>
+            <a:off x="838200" y="4975548"/>
+            <a:ext cx="10515600" cy="1882451"/>
+          </a:xfrm>
+        </p:spPr>
+        <p:txBody>
+          <a:bodyPr>
+            <a:normAutofit/>
+          </a:bodyPr>
+          <a:lstStyle/>
+          <a:p>
+            <a:r>
+              <a:rPr lang="en-US" altLang="zh-CN" sz="2400" b="1" dirty="0">
+                <a:solidFill>
+                  <a:srgbClr val="FF0000"/>
+                </a:solidFill>
+              </a:rPr>
+              <a:t>FFT</a:t>
+            </a:r>
+            <a:r>
+              <a:rPr lang="zh-CN" altLang="en-US" sz="2400" b="1" dirty="0">
+                <a:solidFill>
+                  <a:srgbClr val="FF0000"/>
+                </a:solidFill>
+              </a:rPr>
+              <a:t>的问题：</a:t>
+            </a:r>
+            <a:br>
+              <a:rPr lang="en-US" altLang="zh-CN" sz="2400" b="1" dirty="0">
+                <a:solidFill>
+                  <a:srgbClr val="FF0000"/>
+                </a:solidFill>
+              </a:rPr>
+            </a:br>
+            <a:r>
+              <a:rPr lang="zh-CN" altLang="en-US" sz="2400" b="1" dirty="0">
+                <a:solidFill>
+                  <a:srgbClr val="FF0000"/>
+                </a:solidFill>
+              </a:rPr>
+              <a:t>输入规模是</a:t>
+            </a:r>
+            <a:r>
+              <a:rPr lang="en-US" altLang="zh-CN" sz="2400" b="1" dirty="0">
+                <a:solidFill>
+                  <a:srgbClr val="FF0000"/>
+                </a:solidFill>
+              </a:rPr>
+              <a:t>2</a:t>
+            </a:r>
+            <a:r>
+              <a:rPr lang="zh-CN" altLang="en-US" sz="2400" b="1" dirty="0">
+                <a:solidFill>
+                  <a:srgbClr val="FF0000"/>
+                </a:solidFill>
+              </a:rPr>
+              <a:t>的幂次，能采样的点有限，并且分布稀疏</a:t>
+            </a:r>
+            <a:br>
+              <a:rPr lang="en-US" altLang="zh-CN" sz="2400" b="1" dirty="0">
+                <a:solidFill>
+                  <a:srgbClr val="FF0000"/>
+                </a:solidFill>
+              </a:rPr>
+            </a:br>
+            <a:r>
+              <a:rPr lang="zh-CN" altLang="en-US" sz="2400" b="1" dirty="0">
+                <a:solidFill>
+                  <a:srgbClr val="FF0000"/>
+                </a:solidFill>
+              </a:rPr>
+              <a:t>想法：</a:t>
+            </a:r>
+            <a:br>
+              <a:rPr lang="en-US" altLang="zh-CN" sz="2400" b="1" dirty="0">
+                <a:solidFill>
+                  <a:srgbClr val="FF0000"/>
+                </a:solidFill>
+              </a:rPr>
+            </a:br>
+            <a:r>
+              <a:rPr lang="zh-CN" altLang="en-US" sz="2400" b="1" dirty="0">
+                <a:solidFill>
+                  <a:srgbClr val="FF0000"/>
+                </a:solidFill>
+              </a:rPr>
+              <a:t>多次采样取均值</a:t>
+            </a:r>
+          </a:p>
+        </p:txBody>
+      </p:sp>
+    </p:spTree>
+    <p:extLst>
+      <p:ext uri="{BB962C8B-B14F-4D97-AF65-F5344CB8AC3E}">
+        <p14:creationId xmlns:p14="http://schemas.microsoft.com/office/powerpoint/2010/main" val="3572341334"/>
       </p:ext>
     </p:extLst>
   </p:cSld>

--- a/R5.pptx
+++ b/R5.pptx
@@ -5,7 +5,7 @@
     <p:sldMasterId id="2147483648" r:id="rId1"/>
   </p:sldMasterIdLst>
   <p:notesMasterIdLst>
-    <p:notesMasterId r:id="rId48"/>
+    <p:notesMasterId r:id="rId50"/>
   </p:notesMasterIdLst>
   <p:sldIdLst>
     <p:sldId id="281" r:id="rId2"/>
@@ -52,8 +52,10 @@
     <p:sldId id="306" r:id="rId43"/>
     <p:sldId id="307" r:id="rId44"/>
     <p:sldId id="309" r:id="rId45"/>
-    <p:sldId id="310" r:id="rId46"/>
-    <p:sldId id="311" r:id="rId47"/>
+    <p:sldId id="313" r:id="rId46"/>
+    <p:sldId id="310" r:id="rId47"/>
+    <p:sldId id="312" r:id="rId48"/>
+    <p:sldId id="311" r:id="rId49"/>
   </p:sldIdLst>
   <p:sldSz cx="12192000" cy="6858000"/>
   <p:notesSz cx="6858000" cy="9144000"/>
@@ -242,7 +244,7 @@
           <a:p>
             <a:fld id="{F785A1BD-EBB2-4221-B6F1-84446E81673C}" type="datetimeFigureOut">
               <a:rPr lang="zh-CN" altLang="en-US" smtClean="0"/>
-              <a:t>2025/10/22</a:t>
+              <a:t>2025/10/23</a:t>
             </a:fld>
             <a:endParaRPr lang="zh-CN" altLang="en-US"/>
           </a:p>
@@ -553,7 +555,7 @@
           <a:bodyPr/>
           <a:lstStyle/>
           <a:p>
-            <a:endParaRPr lang="zh-CN" altLang="en-US"/>
+            <a:endParaRPr lang="zh-CN" altLang="en-US" dirty="0"/>
           </a:p>
         </p:txBody>
       </p:sp>
@@ -574,7 +576,7 @@
           <a:p>
             <a:fld id="{C8B21C38-39FE-4F8D-AC4A-724D319BA239}" type="slidenum">
               <a:rPr lang="zh-CN" altLang="en-US" smtClean="0"/>
-              <a:t>5</a:t>
+              <a:t>2</a:t>
             </a:fld>
             <a:endParaRPr lang="zh-CN" altLang="en-US"/>
           </a:p>
@@ -583,7 +585,7 @@
     </p:spTree>
     <p:extLst>
       <p:ext uri="{BB962C8B-B14F-4D97-AF65-F5344CB8AC3E}">
-        <p14:creationId xmlns:p14="http://schemas.microsoft.com/office/powerpoint/2010/main" val="710305730"/>
+        <p14:creationId xmlns:p14="http://schemas.microsoft.com/office/powerpoint/2010/main" val="3408365262"/>
       </p:ext>
     </p:extLst>
   </p:cSld>
@@ -594,6 +596,114 @@
 </file>
 
 <file path=ppt/notesSlides/notesSlide10.xml><?xml version="1.0" encoding="utf-8"?>
+<p:notes xmlns:a="http://schemas.openxmlformats.org/drawingml/2006/main" xmlns:r="http://schemas.openxmlformats.org/officeDocument/2006/relationships" xmlns:p="http://schemas.openxmlformats.org/presentationml/2006/main">
+  <p:cSld>
+    <p:spTree>
+      <p:nvGrpSpPr>
+        <p:cNvPr id="1" name="">
+          <a:extLst>
+            <a:ext uri="{FF2B5EF4-FFF2-40B4-BE49-F238E27FC236}">
+              <a16:creationId xmlns:a16="http://schemas.microsoft.com/office/drawing/2014/main" id="{471ACFE4-85BD-2E2E-BF1D-DEBECC6D7EAC}"/>
+            </a:ext>
+          </a:extLst>
+        </p:cNvPr>
+        <p:cNvGrpSpPr/>
+        <p:nvPr/>
+      </p:nvGrpSpPr>
+      <p:grpSpPr>
+        <a:xfrm>
+          <a:off x="0" y="0"/>
+          <a:ext cx="0" cy="0"/>
+          <a:chOff x="0" y="0"/>
+          <a:chExt cx="0" cy="0"/>
+        </a:xfrm>
+      </p:grpSpPr>
+      <p:sp>
+        <p:nvSpPr>
+          <p:cNvPr id="2" name="幻灯片图像占位符 1">
+            <a:extLst>
+              <a:ext uri="{FF2B5EF4-FFF2-40B4-BE49-F238E27FC236}">
+                <a16:creationId xmlns:a16="http://schemas.microsoft.com/office/drawing/2014/main" id="{DBA52152-1427-B4F9-874E-ACCFF48D71F2}"/>
+              </a:ext>
+            </a:extLst>
+          </p:cNvPr>
+          <p:cNvSpPr>
+            <a:spLocks noGrp="1" noRot="1" noChangeAspect="1"/>
+          </p:cNvSpPr>
+          <p:nvPr>
+            <p:ph type="sldImg"/>
+          </p:nvPr>
+        </p:nvSpPr>
+        <p:spPr/>
+      </p:sp>
+      <p:sp>
+        <p:nvSpPr>
+          <p:cNvPr id="3" name="备注占位符 2">
+            <a:extLst>
+              <a:ext uri="{FF2B5EF4-FFF2-40B4-BE49-F238E27FC236}">
+                <a16:creationId xmlns:a16="http://schemas.microsoft.com/office/drawing/2014/main" id="{62336329-22D7-3714-DE62-59523AD565DF}"/>
+              </a:ext>
+            </a:extLst>
+          </p:cNvPr>
+          <p:cNvSpPr>
+            <a:spLocks noGrp="1"/>
+          </p:cNvSpPr>
+          <p:nvPr>
+            <p:ph type="body" idx="1"/>
+          </p:nvPr>
+        </p:nvSpPr>
+        <p:spPr/>
+        <p:txBody>
+          <a:bodyPr/>
+          <a:lstStyle/>
+          <a:p>
+            <a:endParaRPr lang="zh-CN" altLang="en-US"/>
+          </a:p>
+        </p:txBody>
+      </p:sp>
+      <p:sp>
+        <p:nvSpPr>
+          <p:cNvPr id="4" name="灯片编号占位符 3">
+            <a:extLst>
+              <a:ext uri="{FF2B5EF4-FFF2-40B4-BE49-F238E27FC236}">
+                <a16:creationId xmlns:a16="http://schemas.microsoft.com/office/drawing/2014/main" id="{7EAAA5D6-DF0C-6602-72BA-B473A3B8DA16}"/>
+              </a:ext>
+            </a:extLst>
+          </p:cNvPr>
+          <p:cNvSpPr>
+            <a:spLocks noGrp="1"/>
+          </p:cNvSpPr>
+          <p:nvPr>
+            <p:ph type="sldNum" sz="quarter" idx="5"/>
+          </p:nvPr>
+        </p:nvSpPr>
+        <p:spPr/>
+        <p:txBody>
+          <a:bodyPr/>
+          <a:lstStyle/>
+          <a:p>
+            <a:fld id="{C8B21C38-39FE-4F8D-AC4A-724D319BA239}" type="slidenum">
+              <a:rPr lang="zh-CN" altLang="en-US" smtClean="0"/>
+              <a:t>21</a:t>
+            </a:fld>
+            <a:endParaRPr lang="zh-CN" altLang="en-US"/>
+          </a:p>
+        </p:txBody>
+      </p:sp>
+    </p:spTree>
+    <p:extLst>
+      <p:ext uri="{BB962C8B-B14F-4D97-AF65-F5344CB8AC3E}">
+        <p14:creationId xmlns:p14="http://schemas.microsoft.com/office/powerpoint/2010/main" val="3133163439"/>
+      </p:ext>
+    </p:extLst>
+  </p:cSld>
+  <p:clrMapOvr>
+    <a:masterClrMapping/>
+  </p:clrMapOvr>
+</p:notes>
+</file>
+
+<file path=ppt/notesSlides/notesSlide11.xml><?xml version="1.0" encoding="utf-8"?>
 <p:notes xmlns:a="http://schemas.openxmlformats.org/drawingml/2006/main" xmlns:r="http://schemas.openxmlformats.org/officeDocument/2006/relationships" xmlns:p="http://schemas.openxmlformats.org/presentationml/2006/main">
   <p:cSld>
     <p:spTree>
@@ -701,7 +811,7 @@
 </p:notes>
 </file>
 
-<file path=ppt/notesSlides/notesSlide11.xml><?xml version="1.0" encoding="utf-8"?>
+<file path=ppt/notesSlides/notesSlide12.xml><?xml version="1.0" encoding="utf-8"?>
 <p:notes xmlns:a="http://schemas.openxmlformats.org/drawingml/2006/main" xmlns:r="http://schemas.openxmlformats.org/officeDocument/2006/relationships" xmlns:p="http://schemas.openxmlformats.org/presentationml/2006/main">
   <p:cSld>
     <p:spTree>
@@ -809,7 +919,7 @@
 </p:notes>
 </file>
 
-<file path=ppt/notesSlides/notesSlide12.xml><?xml version="1.0" encoding="utf-8"?>
+<file path=ppt/notesSlides/notesSlide13.xml><?xml version="1.0" encoding="utf-8"?>
 <p:notes xmlns:a="http://schemas.openxmlformats.org/drawingml/2006/main" xmlns:r="http://schemas.openxmlformats.org/officeDocument/2006/relationships" xmlns:p="http://schemas.openxmlformats.org/presentationml/2006/main">
   <p:cSld>
     <p:spTree>
@@ -917,7 +1027,7 @@
 </p:notes>
 </file>
 
-<file path=ppt/notesSlides/notesSlide13.xml><?xml version="1.0" encoding="utf-8"?>
+<file path=ppt/notesSlides/notesSlide14.xml><?xml version="1.0" encoding="utf-8"?>
 <p:notes xmlns:a="http://schemas.openxmlformats.org/drawingml/2006/main" xmlns:r="http://schemas.openxmlformats.org/officeDocument/2006/relationships" xmlns:p="http://schemas.openxmlformats.org/presentationml/2006/main">
   <p:cSld>
     <p:spTree>
@@ -1025,7 +1135,7 @@
 </p:notes>
 </file>
 
-<file path=ppt/notesSlides/notesSlide14.xml><?xml version="1.0" encoding="utf-8"?>
+<file path=ppt/notesSlides/notesSlide15.xml><?xml version="1.0" encoding="utf-8"?>
 <p:notes xmlns:a="http://schemas.openxmlformats.org/drawingml/2006/main" xmlns:r="http://schemas.openxmlformats.org/officeDocument/2006/relationships" xmlns:p="http://schemas.openxmlformats.org/presentationml/2006/main">
   <p:cSld>
     <p:spTree>
@@ -1133,7 +1243,7 @@
 </p:notes>
 </file>
 
-<file path=ppt/notesSlides/notesSlide15.xml><?xml version="1.0" encoding="utf-8"?>
+<file path=ppt/notesSlides/notesSlide16.xml><?xml version="1.0" encoding="utf-8"?>
 <p:notes xmlns:a="http://schemas.openxmlformats.org/drawingml/2006/main" xmlns:r="http://schemas.openxmlformats.org/officeDocument/2006/relationships" xmlns:p="http://schemas.openxmlformats.org/presentationml/2006/main">
   <p:cSld>
     <p:spTree>
@@ -1241,7 +1351,7 @@
 </p:notes>
 </file>
 
-<file path=ppt/notesSlides/notesSlide16.xml><?xml version="1.0" encoding="utf-8"?>
+<file path=ppt/notesSlides/notesSlide17.xml><?xml version="1.0" encoding="utf-8"?>
 <p:notes xmlns:a="http://schemas.openxmlformats.org/drawingml/2006/main" xmlns:r="http://schemas.openxmlformats.org/officeDocument/2006/relationships" xmlns:p="http://schemas.openxmlformats.org/presentationml/2006/main">
   <p:cSld>
     <p:spTree>
@@ -1349,7 +1459,7 @@
 </p:notes>
 </file>
 
-<file path=ppt/notesSlides/notesSlide17.xml><?xml version="1.0" encoding="utf-8"?>
+<file path=ppt/notesSlides/notesSlide18.xml><?xml version="1.0" encoding="utf-8"?>
 <p:notes xmlns:a="http://schemas.openxmlformats.org/drawingml/2006/main" xmlns:r="http://schemas.openxmlformats.org/officeDocument/2006/relationships" xmlns:p="http://schemas.openxmlformats.org/presentationml/2006/main">
   <p:cSld>
     <p:spTree>
@@ -1457,7 +1567,7 @@
 </p:notes>
 </file>
 
-<file path=ppt/notesSlides/notesSlide18.xml><?xml version="1.0" encoding="utf-8"?>
+<file path=ppt/notesSlides/notesSlide19.xml><?xml version="1.0" encoding="utf-8"?>
 <p:notes xmlns:a="http://schemas.openxmlformats.org/drawingml/2006/main" xmlns:r="http://schemas.openxmlformats.org/officeDocument/2006/relationships" xmlns:p="http://schemas.openxmlformats.org/presentationml/2006/main">
   <p:cSld>
     <p:spTree>
@@ -1556,114 +1666,6 @@
     <p:extLst>
       <p:ext uri="{BB962C8B-B14F-4D97-AF65-F5344CB8AC3E}">
         <p14:creationId xmlns:p14="http://schemas.microsoft.com/office/powerpoint/2010/main" val="2687204936"/>
-      </p:ext>
-    </p:extLst>
-  </p:cSld>
-  <p:clrMapOvr>
-    <a:masterClrMapping/>
-  </p:clrMapOvr>
-</p:notes>
-</file>
-
-<file path=ppt/notesSlides/notesSlide19.xml><?xml version="1.0" encoding="utf-8"?>
-<p:notes xmlns:a="http://schemas.openxmlformats.org/drawingml/2006/main" xmlns:r="http://schemas.openxmlformats.org/officeDocument/2006/relationships" xmlns:p="http://schemas.openxmlformats.org/presentationml/2006/main">
-  <p:cSld>
-    <p:spTree>
-      <p:nvGrpSpPr>
-        <p:cNvPr id="1" name="">
-          <a:extLst>
-            <a:ext uri="{FF2B5EF4-FFF2-40B4-BE49-F238E27FC236}">
-              <a16:creationId xmlns:a16="http://schemas.microsoft.com/office/drawing/2014/main" id="{468F3645-4DD3-11CF-2F67-8A382E236C4A}"/>
-            </a:ext>
-          </a:extLst>
-        </p:cNvPr>
-        <p:cNvGrpSpPr/>
-        <p:nvPr/>
-      </p:nvGrpSpPr>
-      <p:grpSpPr>
-        <a:xfrm>
-          <a:off x="0" y="0"/>
-          <a:ext cx="0" cy="0"/>
-          <a:chOff x="0" y="0"/>
-          <a:chExt cx="0" cy="0"/>
-        </a:xfrm>
-      </p:grpSpPr>
-      <p:sp>
-        <p:nvSpPr>
-          <p:cNvPr id="2" name="幻灯片图像占位符 1">
-            <a:extLst>
-              <a:ext uri="{FF2B5EF4-FFF2-40B4-BE49-F238E27FC236}">
-                <a16:creationId xmlns:a16="http://schemas.microsoft.com/office/drawing/2014/main" id="{7AE408D1-A7B2-2052-4D60-C4DA8394EC0C}"/>
-              </a:ext>
-            </a:extLst>
-          </p:cNvPr>
-          <p:cNvSpPr>
-            <a:spLocks noGrp="1" noRot="1" noChangeAspect="1"/>
-          </p:cNvSpPr>
-          <p:nvPr>
-            <p:ph type="sldImg"/>
-          </p:nvPr>
-        </p:nvSpPr>
-        <p:spPr/>
-      </p:sp>
-      <p:sp>
-        <p:nvSpPr>
-          <p:cNvPr id="3" name="备注占位符 2">
-            <a:extLst>
-              <a:ext uri="{FF2B5EF4-FFF2-40B4-BE49-F238E27FC236}">
-                <a16:creationId xmlns:a16="http://schemas.microsoft.com/office/drawing/2014/main" id="{6730B01F-0FCA-F7E7-04AE-235BE8B97DF6}"/>
-              </a:ext>
-            </a:extLst>
-          </p:cNvPr>
-          <p:cNvSpPr>
-            <a:spLocks noGrp="1"/>
-          </p:cNvSpPr>
-          <p:nvPr>
-            <p:ph type="body" idx="1"/>
-          </p:nvPr>
-        </p:nvSpPr>
-        <p:spPr/>
-        <p:txBody>
-          <a:bodyPr/>
-          <a:lstStyle/>
-          <a:p>
-            <a:endParaRPr lang="zh-CN" altLang="en-US" dirty="0"/>
-          </a:p>
-        </p:txBody>
-      </p:sp>
-      <p:sp>
-        <p:nvSpPr>
-          <p:cNvPr id="4" name="灯片编号占位符 3">
-            <a:extLst>
-              <a:ext uri="{FF2B5EF4-FFF2-40B4-BE49-F238E27FC236}">
-                <a16:creationId xmlns:a16="http://schemas.microsoft.com/office/drawing/2014/main" id="{BAC80577-73AE-81D0-5CB4-586492AFE4D5}"/>
-              </a:ext>
-            </a:extLst>
-          </p:cNvPr>
-          <p:cNvSpPr>
-            <a:spLocks noGrp="1"/>
-          </p:cNvSpPr>
-          <p:nvPr>
-            <p:ph type="sldNum" sz="quarter" idx="5"/>
-          </p:nvPr>
-        </p:nvSpPr>
-        <p:spPr/>
-        <p:txBody>
-          <a:bodyPr/>
-          <a:lstStyle/>
-          <a:p>
-            <a:fld id="{C8B21C38-39FE-4F8D-AC4A-724D319BA239}" type="slidenum">
-              <a:rPr lang="zh-CN" altLang="en-US" smtClean="0"/>
-              <a:t>45</a:t>
-            </a:fld>
-            <a:endParaRPr lang="zh-CN" altLang="en-US"/>
-          </a:p>
-        </p:txBody>
-      </p:sp>
-    </p:spTree>
-    <p:extLst>
-      <p:ext uri="{BB962C8B-B14F-4D97-AF65-F5344CB8AC3E}">
-        <p14:creationId xmlns:p14="http://schemas.microsoft.com/office/powerpoint/2010/main" val="1174949061"/>
       </p:ext>
     </p:extLst>
   </p:cSld>
@@ -1738,7 +1740,7 @@
           <a:p>
             <a:fld id="{C8B21C38-39FE-4F8D-AC4A-724D319BA239}" type="slidenum">
               <a:rPr lang="zh-CN" altLang="en-US" smtClean="0"/>
-              <a:t>7</a:t>
+              <a:t>5</a:t>
             </a:fld>
             <a:endParaRPr lang="zh-CN" altLang="en-US"/>
           </a:p>
@@ -1747,7 +1749,7 @@
     </p:spTree>
     <p:extLst>
       <p:ext uri="{BB962C8B-B14F-4D97-AF65-F5344CB8AC3E}">
-        <p14:creationId xmlns:p14="http://schemas.microsoft.com/office/powerpoint/2010/main" val="1782789914"/>
+        <p14:creationId xmlns:p14="http://schemas.microsoft.com/office/powerpoint/2010/main" val="710305730"/>
       </p:ext>
     </p:extLst>
   </p:cSld>
@@ -1758,6 +1760,222 @@
 </file>
 
 <file path=ppt/notesSlides/notesSlide20.xml><?xml version="1.0" encoding="utf-8"?>
+<p:notes xmlns:a="http://schemas.openxmlformats.org/drawingml/2006/main" xmlns:r="http://schemas.openxmlformats.org/officeDocument/2006/relationships" xmlns:p="http://schemas.openxmlformats.org/presentationml/2006/main">
+  <p:cSld>
+    <p:spTree>
+      <p:nvGrpSpPr>
+        <p:cNvPr id="1" name="">
+          <a:extLst>
+            <a:ext uri="{FF2B5EF4-FFF2-40B4-BE49-F238E27FC236}">
+              <a16:creationId xmlns:a16="http://schemas.microsoft.com/office/drawing/2014/main" id="{F9CCBE2E-C0A0-91AC-16C1-A6F80E2266BA}"/>
+            </a:ext>
+          </a:extLst>
+        </p:cNvPr>
+        <p:cNvGrpSpPr/>
+        <p:nvPr/>
+      </p:nvGrpSpPr>
+      <p:grpSpPr>
+        <a:xfrm>
+          <a:off x="0" y="0"/>
+          <a:ext cx="0" cy="0"/>
+          <a:chOff x="0" y="0"/>
+          <a:chExt cx="0" cy="0"/>
+        </a:xfrm>
+      </p:grpSpPr>
+      <p:sp>
+        <p:nvSpPr>
+          <p:cNvPr id="2" name="幻灯片图像占位符 1">
+            <a:extLst>
+              <a:ext uri="{FF2B5EF4-FFF2-40B4-BE49-F238E27FC236}">
+                <a16:creationId xmlns:a16="http://schemas.microsoft.com/office/drawing/2014/main" id="{E3FD7B51-9BE7-B4CD-F67F-527A430C54A0}"/>
+              </a:ext>
+            </a:extLst>
+          </p:cNvPr>
+          <p:cNvSpPr>
+            <a:spLocks noGrp="1" noRot="1" noChangeAspect="1"/>
+          </p:cNvSpPr>
+          <p:nvPr>
+            <p:ph type="sldImg"/>
+          </p:nvPr>
+        </p:nvSpPr>
+        <p:spPr/>
+      </p:sp>
+      <p:sp>
+        <p:nvSpPr>
+          <p:cNvPr id="3" name="备注占位符 2">
+            <a:extLst>
+              <a:ext uri="{FF2B5EF4-FFF2-40B4-BE49-F238E27FC236}">
+                <a16:creationId xmlns:a16="http://schemas.microsoft.com/office/drawing/2014/main" id="{EAFFD340-F9F0-0B30-B90A-387C96D395C2}"/>
+              </a:ext>
+            </a:extLst>
+          </p:cNvPr>
+          <p:cNvSpPr>
+            <a:spLocks noGrp="1"/>
+          </p:cNvSpPr>
+          <p:nvPr>
+            <p:ph type="body" idx="1"/>
+          </p:nvPr>
+        </p:nvSpPr>
+        <p:spPr/>
+        <p:txBody>
+          <a:bodyPr/>
+          <a:lstStyle/>
+          <a:p>
+            <a:endParaRPr lang="zh-CN" altLang="en-US"/>
+          </a:p>
+        </p:txBody>
+      </p:sp>
+      <p:sp>
+        <p:nvSpPr>
+          <p:cNvPr id="4" name="灯片编号占位符 3">
+            <a:extLst>
+              <a:ext uri="{FF2B5EF4-FFF2-40B4-BE49-F238E27FC236}">
+                <a16:creationId xmlns:a16="http://schemas.microsoft.com/office/drawing/2014/main" id="{E6F56B4C-B961-4719-B6D0-7AB804D433CE}"/>
+              </a:ext>
+            </a:extLst>
+          </p:cNvPr>
+          <p:cNvSpPr>
+            <a:spLocks noGrp="1"/>
+          </p:cNvSpPr>
+          <p:nvPr>
+            <p:ph type="sldNum" sz="quarter" idx="5"/>
+          </p:nvPr>
+        </p:nvSpPr>
+        <p:spPr/>
+        <p:txBody>
+          <a:bodyPr/>
+          <a:lstStyle/>
+          <a:p>
+            <a:fld id="{C8B21C38-39FE-4F8D-AC4A-724D319BA239}" type="slidenum">
+              <a:rPr lang="zh-CN" altLang="en-US" smtClean="0"/>
+              <a:t>45</a:t>
+            </a:fld>
+            <a:endParaRPr lang="zh-CN" altLang="en-US"/>
+          </a:p>
+        </p:txBody>
+      </p:sp>
+    </p:spTree>
+    <p:extLst>
+      <p:ext uri="{BB962C8B-B14F-4D97-AF65-F5344CB8AC3E}">
+        <p14:creationId xmlns:p14="http://schemas.microsoft.com/office/powerpoint/2010/main" val="2838063456"/>
+      </p:ext>
+    </p:extLst>
+  </p:cSld>
+  <p:clrMapOvr>
+    <a:masterClrMapping/>
+  </p:clrMapOvr>
+</p:notes>
+</file>
+
+<file path=ppt/notesSlides/notesSlide21.xml><?xml version="1.0" encoding="utf-8"?>
+<p:notes xmlns:a="http://schemas.openxmlformats.org/drawingml/2006/main" xmlns:r="http://schemas.openxmlformats.org/officeDocument/2006/relationships" xmlns:p="http://schemas.openxmlformats.org/presentationml/2006/main">
+  <p:cSld>
+    <p:spTree>
+      <p:nvGrpSpPr>
+        <p:cNvPr id="1" name="">
+          <a:extLst>
+            <a:ext uri="{FF2B5EF4-FFF2-40B4-BE49-F238E27FC236}">
+              <a16:creationId xmlns:a16="http://schemas.microsoft.com/office/drawing/2014/main" id="{468F3645-4DD3-11CF-2F67-8A382E236C4A}"/>
+            </a:ext>
+          </a:extLst>
+        </p:cNvPr>
+        <p:cNvGrpSpPr/>
+        <p:nvPr/>
+      </p:nvGrpSpPr>
+      <p:grpSpPr>
+        <a:xfrm>
+          <a:off x="0" y="0"/>
+          <a:ext cx="0" cy="0"/>
+          <a:chOff x="0" y="0"/>
+          <a:chExt cx="0" cy="0"/>
+        </a:xfrm>
+      </p:grpSpPr>
+      <p:sp>
+        <p:nvSpPr>
+          <p:cNvPr id="2" name="幻灯片图像占位符 1">
+            <a:extLst>
+              <a:ext uri="{FF2B5EF4-FFF2-40B4-BE49-F238E27FC236}">
+                <a16:creationId xmlns:a16="http://schemas.microsoft.com/office/drawing/2014/main" id="{7AE408D1-A7B2-2052-4D60-C4DA8394EC0C}"/>
+              </a:ext>
+            </a:extLst>
+          </p:cNvPr>
+          <p:cNvSpPr>
+            <a:spLocks noGrp="1" noRot="1" noChangeAspect="1"/>
+          </p:cNvSpPr>
+          <p:nvPr>
+            <p:ph type="sldImg"/>
+          </p:nvPr>
+        </p:nvSpPr>
+        <p:spPr/>
+      </p:sp>
+      <p:sp>
+        <p:nvSpPr>
+          <p:cNvPr id="3" name="备注占位符 2">
+            <a:extLst>
+              <a:ext uri="{FF2B5EF4-FFF2-40B4-BE49-F238E27FC236}">
+                <a16:creationId xmlns:a16="http://schemas.microsoft.com/office/drawing/2014/main" id="{6730B01F-0FCA-F7E7-04AE-235BE8B97DF6}"/>
+              </a:ext>
+            </a:extLst>
+          </p:cNvPr>
+          <p:cNvSpPr>
+            <a:spLocks noGrp="1"/>
+          </p:cNvSpPr>
+          <p:nvPr>
+            <p:ph type="body" idx="1"/>
+          </p:nvPr>
+        </p:nvSpPr>
+        <p:spPr/>
+        <p:txBody>
+          <a:bodyPr/>
+          <a:lstStyle/>
+          <a:p>
+            <a:endParaRPr lang="zh-CN" altLang="en-US" dirty="0"/>
+          </a:p>
+        </p:txBody>
+      </p:sp>
+      <p:sp>
+        <p:nvSpPr>
+          <p:cNvPr id="4" name="灯片编号占位符 3">
+            <a:extLst>
+              <a:ext uri="{FF2B5EF4-FFF2-40B4-BE49-F238E27FC236}">
+                <a16:creationId xmlns:a16="http://schemas.microsoft.com/office/drawing/2014/main" id="{BAC80577-73AE-81D0-5CB4-586492AFE4D5}"/>
+              </a:ext>
+            </a:extLst>
+          </p:cNvPr>
+          <p:cNvSpPr>
+            <a:spLocks noGrp="1"/>
+          </p:cNvSpPr>
+          <p:nvPr>
+            <p:ph type="sldNum" sz="quarter" idx="5"/>
+          </p:nvPr>
+        </p:nvSpPr>
+        <p:spPr/>
+        <p:txBody>
+          <a:bodyPr/>
+          <a:lstStyle/>
+          <a:p>
+            <a:fld id="{C8B21C38-39FE-4F8D-AC4A-724D319BA239}" type="slidenum">
+              <a:rPr lang="zh-CN" altLang="en-US" smtClean="0"/>
+              <a:t>46</a:t>
+            </a:fld>
+            <a:endParaRPr lang="zh-CN" altLang="en-US"/>
+          </a:p>
+        </p:txBody>
+      </p:sp>
+    </p:spTree>
+    <p:extLst>
+      <p:ext uri="{BB962C8B-B14F-4D97-AF65-F5344CB8AC3E}">
+        <p14:creationId xmlns:p14="http://schemas.microsoft.com/office/powerpoint/2010/main" val="1174949061"/>
+      </p:ext>
+    </p:extLst>
+  </p:cSld>
+  <p:clrMapOvr>
+    <a:masterClrMapping/>
+  </p:clrMapOvr>
+</p:notes>
+</file>
+
+<file path=ppt/notesSlides/notesSlide22.xml><?xml version="1.0" encoding="utf-8"?>
 <p:notes xmlns:a="http://schemas.openxmlformats.org/drawingml/2006/main" xmlns:r="http://schemas.openxmlformats.org/officeDocument/2006/relationships" xmlns:p="http://schemas.openxmlformats.org/presentationml/2006/main">
   <p:cSld>
     <p:spTree>
@@ -1846,7 +2064,7 @@
           <a:p>
             <a:fld id="{C8B21C38-39FE-4F8D-AC4A-724D319BA239}" type="slidenum">
               <a:rPr lang="zh-CN" altLang="en-US" smtClean="0"/>
-              <a:t>46</a:t>
+              <a:t>48</a:t>
             </a:fld>
             <a:endParaRPr lang="zh-CN" altLang="en-US"/>
           </a:p>
@@ -1866,6 +2084,90 @@
 </file>
 
 <file path=ppt/notesSlides/notesSlide3.xml><?xml version="1.0" encoding="utf-8"?>
+<p:notes xmlns:a="http://schemas.openxmlformats.org/drawingml/2006/main" xmlns:r="http://schemas.openxmlformats.org/officeDocument/2006/relationships" xmlns:p="http://schemas.openxmlformats.org/presentationml/2006/main">
+  <p:cSld>
+    <p:spTree>
+      <p:nvGrpSpPr>
+        <p:cNvPr id="1" name=""/>
+        <p:cNvGrpSpPr/>
+        <p:nvPr/>
+      </p:nvGrpSpPr>
+      <p:grpSpPr>
+        <a:xfrm>
+          <a:off x="0" y="0"/>
+          <a:ext cx="0" cy="0"/>
+          <a:chOff x="0" y="0"/>
+          <a:chExt cx="0" cy="0"/>
+        </a:xfrm>
+      </p:grpSpPr>
+      <p:sp>
+        <p:nvSpPr>
+          <p:cNvPr id="2" name="幻灯片图像占位符 1"/>
+          <p:cNvSpPr>
+            <a:spLocks noGrp="1" noRot="1" noChangeAspect="1"/>
+          </p:cNvSpPr>
+          <p:nvPr>
+            <p:ph type="sldImg"/>
+          </p:nvPr>
+        </p:nvSpPr>
+        <p:spPr/>
+      </p:sp>
+      <p:sp>
+        <p:nvSpPr>
+          <p:cNvPr id="3" name="备注占位符 2"/>
+          <p:cNvSpPr>
+            <a:spLocks noGrp="1"/>
+          </p:cNvSpPr>
+          <p:nvPr>
+            <p:ph type="body" idx="1"/>
+          </p:nvPr>
+        </p:nvSpPr>
+        <p:spPr/>
+        <p:txBody>
+          <a:bodyPr/>
+          <a:lstStyle/>
+          <a:p>
+            <a:endParaRPr lang="zh-CN" altLang="en-US"/>
+          </a:p>
+        </p:txBody>
+      </p:sp>
+      <p:sp>
+        <p:nvSpPr>
+          <p:cNvPr id="4" name="灯片编号占位符 3"/>
+          <p:cNvSpPr>
+            <a:spLocks noGrp="1"/>
+          </p:cNvSpPr>
+          <p:nvPr>
+            <p:ph type="sldNum" sz="quarter" idx="5"/>
+          </p:nvPr>
+        </p:nvSpPr>
+        <p:spPr/>
+        <p:txBody>
+          <a:bodyPr/>
+          <a:lstStyle/>
+          <a:p>
+            <a:fld id="{C8B21C38-39FE-4F8D-AC4A-724D319BA239}" type="slidenum">
+              <a:rPr lang="zh-CN" altLang="en-US" smtClean="0"/>
+              <a:t>7</a:t>
+            </a:fld>
+            <a:endParaRPr lang="zh-CN" altLang="en-US"/>
+          </a:p>
+        </p:txBody>
+      </p:sp>
+    </p:spTree>
+    <p:extLst>
+      <p:ext uri="{BB962C8B-B14F-4D97-AF65-F5344CB8AC3E}">
+        <p14:creationId xmlns:p14="http://schemas.microsoft.com/office/powerpoint/2010/main" val="1782789914"/>
+      </p:ext>
+    </p:extLst>
+  </p:cSld>
+  <p:clrMapOvr>
+    <a:masterClrMapping/>
+  </p:clrMapOvr>
+</p:notes>
+</file>
+
+<file path=ppt/notesSlides/notesSlide4.xml><?xml version="1.0" encoding="utf-8"?>
 <p:notes xmlns:a="http://schemas.openxmlformats.org/drawingml/2006/main" xmlns:r="http://schemas.openxmlformats.org/officeDocument/2006/relationships" xmlns:p="http://schemas.openxmlformats.org/presentationml/2006/main">
   <p:cSld>
     <p:spTree>
@@ -1973,7 +2275,7 @@
 </p:notes>
 </file>
 
-<file path=ppt/notesSlides/notesSlide4.xml><?xml version="1.0" encoding="utf-8"?>
+<file path=ppt/notesSlides/notesSlide5.xml><?xml version="1.0" encoding="utf-8"?>
 <p:notes xmlns:a="http://schemas.openxmlformats.org/drawingml/2006/main" xmlns:r="http://schemas.openxmlformats.org/officeDocument/2006/relationships" xmlns:p="http://schemas.openxmlformats.org/presentationml/2006/main">
   <p:cSld>
     <p:spTree>
@@ -2081,7 +2383,7 @@
 </p:notes>
 </file>
 
-<file path=ppt/notesSlides/notesSlide5.xml><?xml version="1.0" encoding="utf-8"?>
+<file path=ppt/notesSlides/notesSlide6.xml><?xml version="1.0" encoding="utf-8"?>
 <p:notes xmlns:a="http://schemas.openxmlformats.org/drawingml/2006/main" xmlns:r="http://schemas.openxmlformats.org/officeDocument/2006/relationships" xmlns:p="http://schemas.openxmlformats.org/presentationml/2006/main">
   <p:cSld>
     <p:spTree>
@@ -2189,7 +2491,7 @@
 </p:notes>
 </file>
 
-<file path=ppt/notesSlides/notesSlide6.xml><?xml version="1.0" encoding="utf-8"?>
+<file path=ppt/notesSlides/notesSlide7.xml><?xml version="1.0" encoding="utf-8"?>
 <p:notes xmlns:a="http://schemas.openxmlformats.org/drawingml/2006/main" xmlns:r="http://schemas.openxmlformats.org/officeDocument/2006/relationships" xmlns:p="http://schemas.openxmlformats.org/presentationml/2006/main">
   <p:cSld>
     <p:spTree>
@@ -2297,7 +2599,7 @@
 </p:notes>
 </file>
 
-<file path=ppt/notesSlides/notesSlide7.xml><?xml version="1.0" encoding="utf-8"?>
+<file path=ppt/notesSlides/notesSlide8.xml><?xml version="1.0" encoding="utf-8"?>
 <p:notes xmlns:a="http://schemas.openxmlformats.org/drawingml/2006/main" xmlns:r="http://schemas.openxmlformats.org/officeDocument/2006/relationships" xmlns:p="http://schemas.openxmlformats.org/presentationml/2006/main">
   <p:cSld>
     <p:spTree>
@@ -2405,7 +2707,7 @@
 </p:notes>
 </file>
 
-<file path=ppt/notesSlides/notesSlide8.xml><?xml version="1.0" encoding="utf-8"?>
+<file path=ppt/notesSlides/notesSlide9.xml><?xml version="1.0" encoding="utf-8"?>
 <p:notes xmlns:a="http://schemas.openxmlformats.org/drawingml/2006/main" xmlns:r="http://schemas.openxmlformats.org/officeDocument/2006/relationships" xmlns:p="http://schemas.openxmlformats.org/presentationml/2006/main">
   <p:cSld>
     <p:spTree>
@@ -2504,114 +2806,6 @@
     <p:extLst>
       <p:ext uri="{BB962C8B-B14F-4D97-AF65-F5344CB8AC3E}">
         <p14:creationId xmlns:p14="http://schemas.microsoft.com/office/powerpoint/2010/main" val="358392440"/>
-      </p:ext>
-    </p:extLst>
-  </p:cSld>
-  <p:clrMapOvr>
-    <a:masterClrMapping/>
-  </p:clrMapOvr>
-</p:notes>
-</file>
-
-<file path=ppt/notesSlides/notesSlide9.xml><?xml version="1.0" encoding="utf-8"?>
-<p:notes xmlns:a="http://schemas.openxmlformats.org/drawingml/2006/main" xmlns:r="http://schemas.openxmlformats.org/officeDocument/2006/relationships" xmlns:p="http://schemas.openxmlformats.org/presentationml/2006/main">
-  <p:cSld>
-    <p:spTree>
-      <p:nvGrpSpPr>
-        <p:cNvPr id="1" name="">
-          <a:extLst>
-            <a:ext uri="{FF2B5EF4-FFF2-40B4-BE49-F238E27FC236}">
-              <a16:creationId xmlns:a16="http://schemas.microsoft.com/office/drawing/2014/main" id="{471ACFE4-85BD-2E2E-BF1D-DEBECC6D7EAC}"/>
-            </a:ext>
-          </a:extLst>
-        </p:cNvPr>
-        <p:cNvGrpSpPr/>
-        <p:nvPr/>
-      </p:nvGrpSpPr>
-      <p:grpSpPr>
-        <a:xfrm>
-          <a:off x="0" y="0"/>
-          <a:ext cx="0" cy="0"/>
-          <a:chOff x="0" y="0"/>
-          <a:chExt cx="0" cy="0"/>
-        </a:xfrm>
-      </p:grpSpPr>
-      <p:sp>
-        <p:nvSpPr>
-          <p:cNvPr id="2" name="幻灯片图像占位符 1">
-            <a:extLst>
-              <a:ext uri="{FF2B5EF4-FFF2-40B4-BE49-F238E27FC236}">
-                <a16:creationId xmlns:a16="http://schemas.microsoft.com/office/drawing/2014/main" id="{DBA52152-1427-B4F9-874E-ACCFF48D71F2}"/>
-              </a:ext>
-            </a:extLst>
-          </p:cNvPr>
-          <p:cNvSpPr>
-            <a:spLocks noGrp="1" noRot="1" noChangeAspect="1"/>
-          </p:cNvSpPr>
-          <p:nvPr>
-            <p:ph type="sldImg"/>
-          </p:nvPr>
-        </p:nvSpPr>
-        <p:spPr/>
-      </p:sp>
-      <p:sp>
-        <p:nvSpPr>
-          <p:cNvPr id="3" name="备注占位符 2">
-            <a:extLst>
-              <a:ext uri="{FF2B5EF4-FFF2-40B4-BE49-F238E27FC236}">
-                <a16:creationId xmlns:a16="http://schemas.microsoft.com/office/drawing/2014/main" id="{62336329-22D7-3714-DE62-59523AD565DF}"/>
-              </a:ext>
-            </a:extLst>
-          </p:cNvPr>
-          <p:cNvSpPr>
-            <a:spLocks noGrp="1"/>
-          </p:cNvSpPr>
-          <p:nvPr>
-            <p:ph type="body" idx="1"/>
-          </p:nvPr>
-        </p:nvSpPr>
-        <p:spPr/>
-        <p:txBody>
-          <a:bodyPr/>
-          <a:lstStyle/>
-          <a:p>
-            <a:endParaRPr lang="zh-CN" altLang="en-US"/>
-          </a:p>
-        </p:txBody>
-      </p:sp>
-      <p:sp>
-        <p:nvSpPr>
-          <p:cNvPr id="4" name="灯片编号占位符 3">
-            <a:extLst>
-              <a:ext uri="{FF2B5EF4-FFF2-40B4-BE49-F238E27FC236}">
-                <a16:creationId xmlns:a16="http://schemas.microsoft.com/office/drawing/2014/main" id="{7EAAA5D6-DF0C-6602-72BA-B473A3B8DA16}"/>
-              </a:ext>
-            </a:extLst>
-          </p:cNvPr>
-          <p:cNvSpPr>
-            <a:spLocks noGrp="1"/>
-          </p:cNvSpPr>
-          <p:nvPr>
-            <p:ph type="sldNum" sz="quarter" idx="5"/>
-          </p:nvPr>
-        </p:nvSpPr>
-        <p:spPr/>
-        <p:txBody>
-          <a:bodyPr/>
-          <a:lstStyle/>
-          <a:p>
-            <a:fld id="{C8B21C38-39FE-4F8D-AC4A-724D319BA239}" type="slidenum">
-              <a:rPr lang="zh-CN" altLang="en-US" smtClean="0"/>
-              <a:t>21</a:t>
-            </a:fld>
-            <a:endParaRPr lang="zh-CN" altLang="en-US"/>
-          </a:p>
-        </p:txBody>
-      </p:sp>
-    </p:spTree>
-    <p:extLst>
-      <p:ext uri="{BB962C8B-B14F-4D97-AF65-F5344CB8AC3E}">
-        <p14:creationId xmlns:p14="http://schemas.microsoft.com/office/powerpoint/2010/main" val="3133163439"/>
       </p:ext>
     </p:extLst>
   </p:cSld>
@@ -2768,7 +2962,7 @@
           <a:p>
             <a:fld id="{5D316963-EF35-41F4-B235-3A3F02295E84}" type="datetimeFigureOut">
               <a:rPr lang="zh-CN" altLang="en-US" smtClean="0"/>
-              <a:t>2025/10/22</a:t>
+              <a:t>2025/10/23</a:t>
             </a:fld>
             <a:endParaRPr lang="zh-CN" altLang="en-US"/>
           </a:p>
@@ -2966,7 +3160,7 @@
           <a:p>
             <a:fld id="{5D316963-EF35-41F4-B235-3A3F02295E84}" type="datetimeFigureOut">
               <a:rPr lang="zh-CN" altLang="en-US" smtClean="0"/>
-              <a:t>2025/10/22</a:t>
+              <a:t>2025/10/23</a:t>
             </a:fld>
             <a:endParaRPr lang="zh-CN" altLang="en-US"/>
           </a:p>
@@ -3174,7 +3368,7 @@
           <a:p>
             <a:fld id="{5D316963-EF35-41F4-B235-3A3F02295E84}" type="datetimeFigureOut">
               <a:rPr lang="zh-CN" altLang="en-US" smtClean="0"/>
-              <a:t>2025/10/22</a:t>
+              <a:t>2025/10/23</a:t>
             </a:fld>
             <a:endParaRPr lang="zh-CN" altLang="en-US"/>
           </a:p>
@@ -3372,7 +3566,7 @@
           <a:p>
             <a:fld id="{5D316963-EF35-41F4-B235-3A3F02295E84}" type="datetimeFigureOut">
               <a:rPr lang="zh-CN" altLang="en-US" smtClean="0"/>
-              <a:t>2025/10/22</a:t>
+              <a:t>2025/10/23</a:t>
             </a:fld>
             <a:endParaRPr lang="zh-CN" altLang="en-US"/>
           </a:p>
@@ -3647,7 +3841,7 @@
           <a:p>
             <a:fld id="{5D316963-EF35-41F4-B235-3A3F02295E84}" type="datetimeFigureOut">
               <a:rPr lang="zh-CN" altLang="en-US" smtClean="0"/>
-              <a:t>2025/10/22</a:t>
+              <a:t>2025/10/23</a:t>
             </a:fld>
             <a:endParaRPr lang="zh-CN" altLang="en-US"/>
           </a:p>
@@ -3912,7 +4106,7 @@
           <a:p>
             <a:fld id="{5D316963-EF35-41F4-B235-3A3F02295E84}" type="datetimeFigureOut">
               <a:rPr lang="zh-CN" altLang="en-US" smtClean="0"/>
-              <a:t>2025/10/22</a:t>
+              <a:t>2025/10/23</a:t>
             </a:fld>
             <a:endParaRPr lang="zh-CN" altLang="en-US"/>
           </a:p>
@@ -4324,7 +4518,7 @@
           <a:p>
             <a:fld id="{5D316963-EF35-41F4-B235-3A3F02295E84}" type="datetimeFigureOut">
               <a:rPr lang="zh-CN" altLang="en-US" smtClean="0"/>
-              <a:t>2025/10/22</a:t>
+              <a:t>2025/10/23</a:t>
             </a:fld>
             <a:endParaRPr lang="zh-CN" altLang="en-US"/>
           </a:p>
@@ -4465,7 +4659,7 @@
           <a:p>
             <a:fld id="{5D316963-EF35-41F4-B235-3A3F02295E84}" type="datetimeFigureOut">
               <a:rPr lang="zh-CN" altLang="en-US" smtClean="0"/>
-              <a:t>2025/10/22</a:t>
+              <a:t>2025/10/23</a:t>
             </a:fld>
             <a:endParaRPr lang="zh-CN" altLang="en-US"/>
           </a:p>
@@ -4578,7 +4772,7 @@
           <a:p>
             <a:fld id="{5D316963-EF35-41F4-B235-3A3F02295E84}" type="datetimeFigureOut">
               <a:rPr lang="zh-CN" altLang="en-US" smtClean="0"/>
-              <a:t>2025/10/22</a:t>
+              <a:t>2025/10/23</a:t>
             </a:fld>
             <a:endParaRPr lang="zh-CN" altLang="en-US"/>
           </a:p>
@@ -4889,7 +5083,7 @@
           <a:p>
             <a:fld id="{5D316963-EF35-41F4-B235-3A3F02295E84}" type="datetimeFigureOut">
               <a:rPr lang="zh-CN" altLang="en-US" smtClean="0"/>
-              <a:t>2025/10/22</a:t>
+              <a:t>2025/10/23</a:t>
             </a:fld>
             <a:endParaRPr lang="zh-CN" altLang="en-US"/>
           </a:p>
@@ -5177,7 +5371,7 @@
           <a:p>
             <a:fld id="{5D316963-EF35-41F4-B235-3A3F02295E84}" type="datetimeFigureOut">
               <a:rPr lang="zh-CN" altLang="en-US" smtClean="0"/>
-              <a:t>2025/10/22</a:t>
+              <a:t>2025/10/23</a:t>
             </a:fld>
             <a:endParaRPr lang="zh-CN" altLang="en-US"/>
           </a:p>
@@ -5418,7 +5612,7 @@
           <a:p>
             <a:fld id="{5D316963-EF35-41F4-B235-3A3F02295E84}" type="datetimeFigureOut">
               <a:rPr lang="zh-CN" altLang="en-US" smtClean="0"/>
-              <a:t>2025/10/22</a:t>
+              <a:t>2025/10/23</a:t>
             </a:fld>
             <a:endParaRPr lang="zh-CN" altLang="en-US"/>
           </a:p>
@@ -5819,7 +6013,7 @@
 </file>
 
 <file path=ppt/slides/slide1.xml><?xml version="1.0" encoding="utf-8"?>
-<p:sld xmlns:a="http://schemas.openxmlformats.org/drawingml/2006/main" xmlns:r="http://schemas.openxmlformats.org/officeDocument/2006/relationships" xmlns:p="http://schemas.openxmlformats.org/presentationml/2006/main" show="0">
+<p:sld xmlns:a="http://schemas.openxmlformats.org/drawingml/2006/main" xmlns:r="http://schemas.openxmlformats.org/officeDocument/2006/relationships" xmlns:p="http://schemas.openxmlformats.org/presentationml/2006/main">
   <p:cSld>
     <p:spTree>
       <p:nvGrpSpPr>
@@ -5835,47 +6029,12 @@
           <a:chExt cx="0" cy="0"/>
         </a:xfrm>
       </p:grpSpPr>
-      <p:pic>
-        <p:nvPicPr>
-          <p:cNvPr id="5" name="内容占位符 4">
-            <a:extLst>
-              <a:ext uri="{FF2B5EF4-FFF2-40B4-BE49-F238E27FC236}">
-                <a16:creationId xmlns:a16="http://schemas.microsoft.com/office/drawing/2014/main" id="{14393ABF-9F24-F096-C557-C86E9F413672}"/>
-              </a:ext>
-            </a:extLst>
-          </p:cNvPr>
-          <p:cNvPicPr>
-            <a:picLocks noGrp="1" noChangeAspect="1"/>
-          </p:cNvPicPr>
-          <p:nvPr>
-            <p:ph idx="1"/>
-          </p:nvPr>
-        </p:nvPicPr>
-        <p:blipFill>
-          <a:blip r:embed="rId2">
-            <a:extLst>
-              <a:ext uri="{28A0092B-C50C-407E-A947-70E740481C1C}">
-                <a14:useLocalDpi xmlns:a14="http://schemas.microsoft.com/office/drawing/2010/main" val="0"/>
-              </a:ext>
-            </a:extLst>
-          </a:blip>
-          <a:stretch>
-            <a:fillRect/>
-          </a:stretch>
-        </p:blipFill>
-        <p:spPr>
-          <a:xfrm>
-            <a:off x="256032" y="86989"/>
-            <a:ext cx="4808134" cy="6684022"/>
-          </a:xfrm>
-        </p:spPr>
-      </p:pic>
       <p:sp>
         <p:nvSpPr>
-          <p:cNvPr id="6" name="文本框 5">
+          <p:cNvPr id="4" name="文本框 3">
             <a:extLst>
               <a:ext uri="{FF2B5EF4-FFF2-40B4-BE49-F238E27FC236}">
-                <a16:creationId xmlns:a16="http://schemas.microsoft.com/office/drawing/2014/main" id="{E6E91587-80EA-B382-B053-1BCD073545B2}"/>
+                <a16:creationId xmlns:a16="http://schemas.microsoft.com/office/drawing/2014/main" id="{93507118-AED5-2E28-7606-2B191D012962}"/>
               </a:ext>
             </a:extLst>
           </p:cNvPr>
@@ -5884,8 +6043,56 @@
         </p:nvSpPr>
         <p:spPr>
           <a:xfrm>
-            <a:off x="5444949" y="994867"/>
-            <a:ext cx="6295948" cy="646331"/>
+            <a:off x="385261" y="163033"/>
+            <a:ext cx="11339964" cy="523220"/>
+          </a:xfrm>
+          <a:prstGeom prst="rect">
+            <a:avLst/>
+          </a:prstGeom>
+          <a:noFill/>
+        </p:spPr>
+        <p:txBody>
+          <a:bodyPr wrap="none" rtlCol="0">
+            <a:spAutoFit/>
+          </a:bodyPr>
+          <a:lstStyle/>
+          <a:p>
+            <a:r>
+              <a:rPr lang="zh-CN" altLang="en-US" sz="2800" dirty="0"/>
+              <a:t>同平台程序运行时间预测（静态特征）：通过输入规模</a:t>
+            </a:r>
+            <a:r>
+              <a:rPr lang="en-US" altLang="zh-CN" sz="2800" dirty="0"/>
+              <a:t>n</a:t>
+            </a:r>
+            <a:r>
+              <a:rPr lang="zh-CN" altLang="en-US" sz="2800" dirty="0"/>
+              <a:t>预测运行时间</a:t>
+            </a:r>
+            <a:r>
+              <a:rPr lang="en-US" altLang="zh-CN" sz="2800" dirty="0"/>
+              <a:t>T</a:t>
+            </a:r>
+            <a:endParaRPr lang="zh-CN" altLang="en-US" sz="2800" dirty="0"/>
+          </a:p>
+        </p:txBody>
+      </p:sp>
+      <p:sp>
+        <p:nvSpPr>
+          <p:cNvPr id="8" name="文本框 7">
+            <a:extLst>
+              <a:ext uri="{FF2B5EF4-FFF2-40B4-BE49-F238E27FC236}">
+                <a16:creationId xmlns:a16="http://schemas.microsoft.com/office/drawing/2014/main" id="{20555F39-84D7-53C4-EAB1-220E4E9A44EA}"/>
+              </a:ext>
+            </a:extLst>
+          </p:cNvPr>
+          <p:cNvSpPr txBox="1"/>
+          <p:nvPr/>
+        </p:nvSpPr>
+        <p:spPr>
+          <a:xfrm>
+            <a:off x="180757" y="964018"/>
+            <a:ext cx="11748973" cy="5632311"/>
           </a:xfrm>
           <a:prstGeom prst="rect">
             <a:avLst/>
@@ -5898,62 +6105,289 @@
           </a:bodyPr>
           <a:lstStyle/>
           <a:p>
-            <a:r>
-              <a:rPr lang="zh-CN" altLang="en-US"/>
-              <a:t>有时某一次的测试数据与其他的测试数据差一个数量级，目前不知道原因。应该采用这部分数据吗？</a:t>
-            </a:r>
-          </a:p>
-        </p:txBody>
-      </p:sp>
-      <p:sp>
-        <p:nvSpPr>
-          <p:cNvPr id="7" name="矩形 6">
-            <a:extLst>
-              <a:ext uri="{FF2B5EF4-FFF2-40B4-BE49-F238E27FC236}">
-                <a16:creationId xmlns:a16="http://schemas.microsoft.com/office/drawing/2014/main" id="{F5DA9FD2-5238-0AA6-69ED-765FB03A52A5}"/>
-              </a:ext>
-            </a:extLst>
-          </p:cNvPr>
-          <p:cNvSpPr/>
-          <p:nvPr/>
-        </p:nvSpPr>
-        <p:spPr>
-          <a:xfrm>
-            <a:off x="160934" y="1697126"/>
-            <a:ext cx="3716122" cy="1316736"/>
-          </a:xfrm>
-          <a:prstGeom prst="rect">
-            <a:avLst/>
-          </a:prstGeom>
-          <a:noFill/>
-          <a:ln w="50800">
-            <a:solidFill>
-              <a:srgbClr val="00B0F0"/>
-            </a:solidFill>
-          </a:ln>
-        </p:spPr>
-        <p:style>
-          <a:lnRef idx="2">
-            <a:schemeClr val="accent1">
-              <a:shade val="15000"/>
-            </a:schemeClr>
-          </a:lnRef>
-          <a:fillRef idx="1">
-            <a:schemeClr val="accent1"/>
-          </a:fillRef>
-          <a:effectRef idx="0">
-            <a:schemeClr val="accent1"/>
-          </a:effectRef>
-          <a:fontRef idx="minor">
-            <a:schemeClr val="lt1"/>
-          </a:fontRef>
-        </p:style>
-        <p:txBody>
-          <a:bodyPr rtlCol="0" anchor="ctr"/>
-          <a:lstStyle/>
-          <a:p>
-            <a:pPr algn="ctr"/>
-            <a:endParaRPr lang="zh-CN" altLang="en-US"/>
+            <a:pPr marL="342900" indent="-342900">
+              <a:buFont typeface="Arial" panose="020B0604020202020204" pitchFamily="34" charset="0"/>
+              <a:buChar char="•"/>
+            </a:pPr>
+            <a:r>
+              <a:rPr lang="zh-CN" altLang="en-US" sz="2400" dirty="0"/>
+              <a:t>预测算法：卡尔曼滤波</a:t>
+            </a:r>
+            <a:r>
+              <a:rPr lang="en-US" altLang="zh-CN" sz="2400" dirty="0"/>
+              <a:t>KF</a:t>
+            </a:r>
+            <a:r>
+              <a:rPr lang="zh-CN" altLang="en-US" sz="2400" dirty="0"/>
+              <a:t>，快速傅里叶变换</a:t>
+            </a:r>
+            <a:r>
+              <a:rPr lang="en-US" altLang="zh-CN" sz="2400" dirty="0"/>
+              <a:t>FFT</a:t>
+            </a:r>
+            <a:r>
+              <a:rPr lang="zh-CN" altLang="en-US" sz="2400" dirty="0"/>
+              <a:t>，模型预测控制</a:t>
+            </a:r>
+            <a:r>
+              <a:rPr lang="en-US" altLang="zh-CN" sz="2400" dirty="0"/>
+              <a:t>MPC</a:t>
+            </a:r>
+            <a:r>
+              <a:rPr lang="zh-CN" altLang="en-US" sz="2400" dirty="0"/>
+              <a:t>，安全算法</a:t>
+            </a:r>
+            <a:r>
+              <a:rPr lang="en-US" altLang="zh-CN" sz="2400" dirty="0"/>
+              <a:t>AES</a:t>
+            </a:r>
+            <a:r>
+              <a:rPr lang="zh-CN" altLang="en-US" sz="2400" dirty="0"/>
+              <a:t>，</a:t>
+            </a:r>
+            <a:r>
+              <a:rPr lang="en-US" altLang="zh-CN" sz="2400" dirty="0"/>
+              <a:t>MD5</a:t>
+            </a:r>
+            <a:r>
+              <a:rPr lang="zh-CN" altLang="en-US" sz="2400" dirty="0"/>
+              <a:t>，</a:t>
+            </a:r>
+            <a:r>
+              <a:rPr lang="en-US" altLang="zh-CN" sz="2400" dirty="0"/>
+              <a:t>SHA256</a:t>
+            </a:r>
+          </a:p>
+          <a:p>
+            <a:pPr marL="342900" indent="-342900">
+              <a:buFont typeface="Arial" panose="020B0604020202020204" pitchFamily="34" charset="0"/>
+              <a:buChar char="•"/>
+            </a:pPr>
+            <a:endParaRPr lang="en-US" altLang="zh-CN" sz="2400" dirty="0"/>
+          </a:p>
+          <a:p>
+            <a:pPr marL="342900" indent="-342900">
+              <a:buFont typeface="Arial" panose="020B0604020202020204" pitchFamily="34" charset="0"/>
+              <a:buChar char="•"/>
+            </a:pPr>
+            <a:r>
+              <a:rPr lang="zh-CN" altLang="en-US" sz="2400" dirty="0"/>
+              <a:t>平台：</a:t>
+            </a:r>
+            <a:r>
+              <a:rPr lang="en-US" altLang="zh-CN" sz="2400" dirty="0"/>
+              <a:t>J721</a:t>
+            </a:r>
+            <a:r>
+              <a:rPr lang="zh-CN" altLang="en-US" sz="2400" dirty="0"/>
+              <a:t>的</a:t>
+            </a:r>
+            <a:r>
+              <a:rPr lang="en-US" altLang="zh-CN" sz="2400" dirty="0"/>
+              <a:t>A72</a:t>
+            </a:r>
+            <a:r>
+              <a:rPr lang="zh-CN" altLang="en-US" sz="2400" dirty="0"/>
+              <a:t>，</a:t>
+            </a:r>
+            <a:r>
+              <a:rPr lang="en-US" altLang="zh-CN" sz="2400" dirty="0"/>
+              <a:t>J721</a:t>
+            </a:r>
+            <a:r>
+              <a:rPr lang="zh-CN" altLang="en-US" sz="2400" dirty="0"/>
+              <a:t>的</a:t>
+            </a:r>
+            <a:r>
+              <a:rPr lang="en-US" altLang="zh-CN" sz="2400" dirty="0"/>
+              <a:t>R5</a:t>
+            </a:r>
+            <a:r>
+              <a:rPr lang="zh-CN" altLang="en-US" sz="2400" dirty="0"/>
+              <a:t>，</a:t>
+            </a:r>
+            <a:r>
+              <a:rPr lang="en-US" altLang="zh-CN" sz="2400" dirty="0"/>
+              <a:t>OK8MP</a:t>
+            </a:r>
+            <a:r>
+              <a:rPr lang="zh-CN" altLang="en-US" sz="2400" dirty="0"/>
+              <a:t>的</a:t>
+            </a:r>
+            <a:r>
+              <a:rPr lang="en-US" altLang="zh-CN" sz="2400" dirty="0"/>
+              <a:t>M7</a:t>
+            </a:r>
+          </a:p>
+          <a:p>
+            <a:pPr marL="342900" indent="-342900">
+              <a:buFont typeface="Arial" panose="020B0604020202020204" pitchFamily="34" charset="0"/>
+              <a:buChar char="•"/>
+            </a:pPr>
+            <a:endParaRPr lang="en-US" altLang="zh-CN" sz="2400" dirty="0"/>
+          </a:p>
+          <a:p>
+            <a:pPr marL="342900" indent="-342900">
+              <a:buFont typeface="Arial" panose="020B0604020202020204" pitchFamily="34" charset="0"/>
+              <a:buChar char="•"/>
+            </a:pPr>
+            <a:r>
+              <a:rPr lang="zh-CN" altLang="en-US" sz="2400" dirty="0"/>
+              <a:t>预测方法：</a:t>
+            </a:r>
+            <a:endParaRPr lang="en-US" altLang="zh-CN" sz="2400" dirty="0"/>
+          </a:p>
+          <a:p>
+            <a:pPr lvl="1"/>
+            <a:r>
+              <a:rPr lang="zh-CN" altLang="en-US" sz="2400" b="1" dirty="0"/>
+              <a:t>随机森林回归</a:t>
+            </a:r>
+            <a:r>
+              <a:rPr lang="en-US" altLang="zh-CN" sz="2400" b="1" dirty="0"/>
+              <a:t>RF</a:t>
+            </a:r>
+            <a:r>
+              <a:rPr lang="en-US" altLang="zh-CN" sz="2400" dirty="0"/>
+              <a:t>,</a:t>
+            </a:r>
+            <a:r>
+              <a:rPr lang="zh-CN" altLang="en-US" sz="2400" dirty="0"/>
+              <a:t>对非线性、异常值鲁棒，外推弱</a:t>
+            </a:r>
+            <a:endParaRPr lang="en-US" altLang="zh-CN" sz="2400" dirty="0"/>
+          </a:p>
+          <a:p>
+            <a:pPr lvl="1"/>
+            <a:r>
+              <a:rPr lang="zh-CN" altLang="en-US" sz="2400" b="1" dirty="0"/>
+              <a:t>支持向量回归</a:t>
+            </a:r>
+            <a:r>
+              <a:rPr lang="en-US" altLang="zh-CN" sz="2400" b="1" dirty="0"/>
+              <a:t>SVR</a:t>
+            </a:r>
+            <a:r>
+              <a:rPr lang="en-US" altLang="zh-CN" sz="2400" dirty="0"/>
+              <a:t>,</a:t>
+            </a:r>
+            <a:r>
+              <a:rPr lang="zh-CN" altLang="en-US" sz="2400" dirty="0"/>
+              <a:t>对单变量平滑非线性拟合好；对尺度敏感需标准化；外推弱</a:t>
+            </a:r>
+            <a:endParaRPr lang="en-US" altLang="zh-CN" sz="2400" dirty="0"/>
+          </a:p>
+          <a:p>
+            <a:pPr lvl="1"/>
+            <a:r>
+              <a:rPr lang="zh-CN" altLang="en-US" sz="2400" b="1" dirty="0"/>
+              <a:t>多层感知机回归</a:t>
+            </a:r>
+            <a:r>
+              <a:rPr lang="en-US" altLang="zh-CN" sz="2400" b="1" dirty="0"/>
+              <a:t>MLP</a:t>
+            </a:r>
+            <a:r>
+              <a:rPr lang="en-US" altLang="zh-CN" sz="2400" dirty="0"/>
+              <a:t>,</a:t>
+            </a:r>
+            <a:r>
+              <a:rPr lang="zh-CN" altLang="en-US" sz="2400" dirty="0"/>
+              <a:t>表达力强，可拟合复杂曲线；需要较多数据与正则</a:t>
+            </a:r>
+            <a:r>
+              <a:rPr lang="en-US" altLang="zh-CN" sz="2400" dirty="0"/>
+              <a:t>/</a:t>
+            </a:r>
+            <a:r>
+              <a:rPr lang="zh-CN" altLang="en-US" sz="2400" dirty="0"/>
+              <a:t>早停来防过拟合；对尺度敏感；外推一般</a:t>
+            </a:r>
+            <a:endParaRPr lang="en-US" altLang="zh-CN" sz="2400" dirty="0"/>
+          </a:p>
+          <a:p>
+            <a:pPr lvl="1"/>
+            <a:r>
+              <a:rPr lang="zh-CN" altLang="en-US" sz="2400" b="1" dirty="0"/>
+              <a:t>解析模型的非线性最小二乘</a:t>
+            </a:r>
+            <a:r>
+              <a:rPr lang="en-US" altLang="zh-CN" sz="2400" b="1" dirty="0"/>
+              <a:t>CURVE</a:t>
+            </a:r>
+            <a:r>
+              <a:rPr lang="en-US" altLang="zh-CN" sz="2400" dirty="0"/>
+              <a:t>,</a:t>
+            </a:r>
+            <a:r>
+              <a:rPr lang="zh-CN" altLang="en-US" sz="2400" dirty="0"/>
+              <a:t>可解释、外推性好（当先验正确时）</a:t>
+            </a:r>
+            <a:endParaRPr lang="en-US" altLang="zh-CN" sz="2400" dirty="0"/>
+          </a:p>
+          <a:p>
+            <a:pPr lvl="1"/>
+            <a:r>
+              <a:rPr lang="zh-CN" altLang="en-US" sz="2400" b="1" dirty="0"/>
+              <a:t>梯度提升树</a:t>
+            </a:r>
+            <a:r>
+              <a:rPr lang="en-US" altLang="zh-CN" sz="2400" b="1" dirty="0"/>
+              <a:t>XGB</a:t>
+            </a:r>
+            <a:r>
+              <a:rPr lang="zh-CN" altLang="en-US" sz="2400" dirty="0"/>
+              <a:t>：对非线性、异常值鲁棒，外推弱</a:t>
+            </a:r>
+            <a:endParaRPr lang="en-US" altLang="zh-CN" sz="2400" dirty="0"/>
+          </a:p>
+          <a:p>
+            <a:pPr lvl="1"/>
+            <a:r>
+              <a:rPr lang="zh-CN" altLang="en-US" sz="2400" b="1" dirty="0"/>
+              <a:t>解析先验 </a:t>
+            </a:r>
+            <a:r>
+              <a:rPr lang="en-US" altLang="zh-CN" sz="2400" b="1" dirty="0"/>
+              <a:t>+ </a:t>
+            </a:r>
+            <a:r>
+              <a:rPr lang="zh-CN" altLang="en-US" sz="2400" b="1" dirty="0"/>
+              <a:t>残差学习</a:t>
+            </a:r>
+            <a:r>
+              <a:rPr lang="en-US" altLang="zh-CN" sz="2400" b="1" dirty="0"/>
+              <a:t>HYBRID</a:t>
+            </a:r>
+            <a:r>
+              <a:rPr lang="en-US" altLang="zh-CN" sz="2400" dirty="0"/>
+              <a:t>,</a:t>
+            </a:r>
+            <a:r>
+              <a:rPr lang="zh-CN" altLang="en-US" sz="2400" dirty="0"/>
+              <a:t>兼顾可解释性与灵活性，常比单一模型更稳健</a:t>
+            </a:r>
+            <a:endParaRPr lang="en-US" altLang="zh-CN" sz="2400" dirty="0"/>
+          </a:p>
+          <a:p>
+            <a:pPr lvl="1"/>
+            <a:endParaRPr lang="en-US" altLang="zh-CN" sz="2400" dirty="0"/>
+          </a:p>
+          <a:p>
+            <a:pPr lvl="1"/>
+            <a:r>
+              <a:rPr lang="zh-CN" altLang="en-US" sz="2400" dirty="0"/>
+              <a:t>每个方法会在</a:t>
+            </a:r>
+            <a:r>
+              <a:rPr lang="en-US" altLang="zh-CN" sz="2400" dirty="0"/>
+              <a:t>7</a:t>
+            </a:r>
+            <a:r>
+              <a:rPr lang="zh-CN" altLang="en-US" sz="2400" dirty="0"/>
+              <a:t>个不同的种子下测试</a:t>
+            </a:r>
+            <a:endParaRPr lang="en-US" altLang="zh-CN" sz="2400" dirty="0"/>
           </a:p>
         </p:txBody>
       </p:sp>
@@ -12531,7 +12965,7 @@
         </p:nvSpPr>
         <p:spPr>
           <a:xfrm>
-            <a:off x="45718" y="49498"/>
+            <a:off x="45718" y="1445908"/>
             <a:ext cx="7497431" cy="922020"/>
           </a:xfrm>
         </p:spPr>
@@ -12545,40 +12979,40 @@
               <a:buNone/>
             </a:pPr>
             <a:r>
-              <a:rPr lang="en-US" altLang="zh-CN" sz="2000"/>
+              <a:rPr lang="en-US" altLang="zh-CN" sz="2000" dirty="0"/>
               <a:t>MAPE</a:t>
             </a:r>
             <a:r>
-              <a:rPr lang="zh-CN" altLang="en-US" sz="2000"/>
+              <a:rPr lang="zh-CN" altLang="en-US" sz="2000" dirty="0"/>
               <a:t>（</a:t>
             </a:r>
             <a:r>
-              <a:rPr lang="en-US" altLang="zh-CN" sz="2000"/>
+              <a:rPr lang="en-US" altLang="zh-CN" sz="2000" dirty="0"/>
               <a:t>Mean Absolute Percentage Error</a:t>
             </a:r>
             <a:r>
-              <a:rPr lang="zh-CN" altLang="en-US" sz="2000"/>
+              <a:rPr lang="zh-CN" altLang="en-US" sz="2000" dirty="0"/>
               <a:t>，平均绝对百分比误差）</a:t>
             </a:r>
-            <a:endParaRPr lang="en-US" altLang="zh-CN" sz="2000"/>
+            <a:endParaRPr lang="en-US" altLang="zh-CN" sz="2000" dirty="0"/>
           </a:p>
           <a:p>
             <a:pPr marL="0" indent="0">
               <a:buNone/>
             </a:pPr>
             <a:r>
-              <a:rPr lang="zh-CN" altLang="en-US" sz="2000"/>
+              <a:rPr lang="zh-CN" altLang="en-US" sz="2000" dirty="0"/>
               <a:t>误差占真实值的百分比，结果以百分数表示（例如 </a:t>
             </a:r>
             <a:r>
-              <a:rPr lang="en-US" altLang="zh-CN" sz="2000"/>
+              <a:rPr lang="en-US" altLang="zh-CN" sz="2000" dirty="0"/>
               <a:t>10%</a:t>
             </a:r>
             <a:r>
-              <a:rPr lang="zh-CN" altLang="en-US" sz="2000"/>
+              <a:rPr lang="zh-CN" altLang="en-US" sz="2000" dirty="0"/>
               <a:t>）。</a:t>
             </a:r>
-            <a:endParaRPr lang="en-US" altLang="zh-CN" sz="2000"/>
+            <a:endParaRPr lang="en-US" altLang="zh-CN" sz="2000" dirty="0"/>
           </a:p>
         </p:txBody>
       </p:sp>
@@ -12597,14 +13031,14 @@
           <p:nvPr/>
         </p:nvPicPr>
         <p:blipFill>
-          <a:blip r:embed="rId2"/>
+          <a:blip r:embed="rId3"/>
           <a:stretch>
             <a:fillRect/>
           </a:stretch>
         </p:blipFill>
         <p:spPr>
           <a:xfrm>
-            <a:off x="7543149" y="1225"/>
+            <a:off x="7543149" y="1397635"/>
             <a:ext cx="4648849" cy="1247949"/>
           </a:xfrm>
           <a:prstGeom prst="rect">
@@ -12612,8 +13046,8 @@
           </a:prstGeom>
         </p:spPr>
       </p:pic>
-      <mc:AlternateContent xmlns:mc="http://schemas.openxmlformats.org/markup-compatibility/2006" xmlns:a14="http://schemas.microsoft.com/office/drawing/2010/main">
-        <mc:Choice Requires="a14">
+      <mc:AlternateContent xmlns:mc="http://schemas.openxmlformats.org/markup-compatibility/2006">
+        <mc:Choice xmlns:a14="http://schemas.microsoft.com/office/drawing/2010/main" Requires="a14">
           <p:sp>
             <p:nvSpPr>
               <p:cNvPr id="7" name="文本框 6">
@@ -12628,7 +13062,7 @@
             </p:nvSpPr>
             <p:spPr>
               <a:xfrm>
-                <a:off x="45717" y="2639039"/>
+                <a:off x="45717" y="4035449"/>
                 <a:ext cx="7883247" cy="2246769"/>
               </a:xfrm>
               <a:prstGeom prst="rect">
@@ -12643,26 +13077,26 @@
               <a:lstStyle/>
               <a:p>
                 <a:r>
-                  <a:rPr lang="en-US" altLang="zh-CN" sz="2000"/>
+                  <a:rPr lang="en-US" altLang="zh-CN" sz="2000" dirty="0"/>
                   <a:t>RMSE</a:t>
                 </a:r>
                 <a:r>
-                  <a:rPr lang="zh-CN" altLang="en-US" sz="2000"/>
+                  <a:rPr lang="zh-CN" altLang="en-US" sz="2000" dirty="0"/>
                   <a:t>（</a:t>
                 </a:r>
                 <a:r>
-                  <a:rPr lang="en-US" altLang="zh-CN" sz="2000"/>
+                  <a:rPr lang="en-US" altLang="zh-CN" sz="2000" dirty="0"/>
                   <a:t>Root Mean Squared Error</a:t>
                 </a:r>
                 <a:r>
-                  <a:rPr lang="zh-CN" altLang="en-US" sz="2000"/>
+                  <a:rPr lang="zh-CN" altLang="en-US" sz="2000" dirty="0"/>
                   <a:t>，均方根误差）</a:t>
                 </a:r>
-                <a:endParaRPr lang="en-US" altLang="zh-CN" sz="2000"/>
+                <a:endParaRPr lang="en-US" altLang="zh-CN" sz="2000" dirty="0"/>
               </a:p>
               <a:p>
                 <a:r>
-                  <a:rPr lang="zh-CN" altLang="en-US" sz="2000"/>
+                  <a:rPr lang="zh-CN" altLang="en-US" sz="2000" dirty="0"/>
                   <a:t>误差的标准差式度量，单位与原始 </a:t>
                 </a:r>
                 <a14:m>
@@ -12676,67 +13110,59 @@
                   </m:oMath>
                 </a14:m>
                 <a:r>
-                  <a:rPr lang="zh-CN" altLang="en-US" sz="2000"/>
-                  <a:t>相同。对大误差（</a:t>
+                  <a:rPr lang="zh-CN" altLang="en-US" sz="2000" dirty="0"/>
+                  <a:t>相同。对大误差惩罚更重（平方项）。</a:t>
                 </a:r>
-                <a:r>
-                  <a:rPr lang="en-US" altLang="zh-CN" sz="2000"/>
-                  <a:t>outliers</a:t>
-                </a:r>
-                <a:r>
-                  <a:rPr lang="zh-CN" altLang="en-US" sz="2000"/>
-                  <a:t>）惩罚更重（平方项）。</a:t>
-                </a:r>
-                <a:endParaRPr lang="en-US" altLang="zh-CN" sz="2000"/>
+                <a:endParaRPr lang="en-US" altLang="zh-CN" sz="2000" dirty="0"/>
               </a:p>
               <a:p>
-                <a:endParaRPr lang="en-US" altLang="zh-CN" sz="2000"/>
+                <a:endParaRPr lang="en-US" altLang="zh-CN" sz="2000" dirty="0"/>
               </a:p>
               <a:p>
                 <a:r>
-                  <a:rPr lang="en-US" altLang="zh-CN" sz="2000"/>
+                  <a:rPr lang="en-US" altLang="zh-CN" sz="2000" dirty="0" err="1"/>
                   <a:t>RMSE%_mean</a:t>
                 </a:r>
                 <a:r>
-                  <a:rPr lang="zh-CN" altLang="en-US" sz="2000"/>
+                  <a:rPr lang="zh-CN" altLang="en-US" sz="2000" dirty="0"/>
                   <a:t>：</a:t>
                 </a:r>
                 <a:r>
-                  <a:rPr lang="en-US" altLang="zh-CN" sz="2000"/>
+                  <a:rPr lang="en-US" altLang="zh-CN" sz="2000" dirty="0"/>
                   <a:t>RMSE</a:t>
                 </a:r>
                 <a:r>
-                  <a:rPr lang="zh-CN" altLang="en-US" sz="2000"/>
+                  <a:rPr lang="zh-CN" altLang="en-US" sz="2000" dirty="0"/>
                   <a:t>相对于数据均值的百分比</a:t>
                 </a:r>
-                <a:endParaRPr lang="en-US" altLang="zh-CN" sz="2000"/>
+                <a:endParaRPr lang="en-US" altLang="zh-CN" sz="2000" dirty="0"/>
               </a:p>
               <a:p>
                 <a:pPr marL="0" indent="0">
                   <a:buNone/>
                 </a:pPr>
                 <a:r>
-                  <a:rPr lang="en-US" altLang="zh-CN" sz="2000"/>
+                  <a:rPr lang="en-US" altLang="zh-CN" sz="2000" dirty="0" err="1"/>
                   <a:t>RMSE%_range</a:t>
                 </a:r>
                 <a:r>
-                  <a:rPr lang="zh-CN" altLang="en-US" sz="2000"/>
+                  <a:rPr lang="zh-CN" altLang="en-US" sz="2000" dirty="0"/>
                   <a:t>：</a:t>
                 </a:r>
                 <a:r>
-                  <a:rPr lang="en-US" altLang="zh-CN" sz="2000"/>
+                  <a:rPr lang="en-US" altLang="zh-CN" sz="2000" dirty="0"/>
                   <a:t>RMSE</a:t>
                 </a:r>
                 <a:r>
-                  <a:rPr lang="zh-CN" altLang="en-US" sz="2000"/>
+                  <a:rPr lang="zh-CN" altLang="en-US" sz="2000" dirty="0"/>
                   <a:t>相对于观测范围（数据最大值与最小值之差）的百分比</a:t>
                 </a:r>
-                <a:endParaRPr lang="en-US" altLang="zh-CN" sz="2000"/>
+                <a:endParaRPr lang="en-US" altLang="zh-CN" sz="2000" dirty="0"/>
               </a:p>
             </p:txBody>
           </p:sp>
         </mc:Choice>
-        <mc:Fallback xmlns="">
+        <mc:Fallback>
           <p:sp>
             <p:nvSpPr>
               <p:cNvPr id="7" name="文本框 6">
@@ -12753,16 +13179,16 @@
             </p:nvSpPr>
             <p:spPr>
               <a:xfrm>
-                <a:off x="45717" y="2639039"/>
+                <a:off x="45717" y="4035449"/>
                 <a:ext cx="7883247" cy="2246769"/>
               </a:xfrm>
               <a:prstGeom prst="rect">
                 <a:avLst/>
               </a:prstGeom>
               <a:blipFill>
-                <a:blip r:embed="rId3"/>
+                <a:blip r:embed="rId4"/>
                 <a:stretch>
-                  <a:fillRect l="-773" t="-1630" r="-773" b="-4076"/>
+                  <a:fillRect l="-773" t="-1626" r="-773" b="-3794"/>
                 </a:stretch>
               </a:blipFill>
             </p:spPr>
@@ -12795,7 +13221,7 @@
         </p:nvSpPr>
         <p:spPr>
           <a:xfrm>
-            <a:off x="1" y="1297447"/>
+            <a:off x="1" y="2693857"/>
             <a:ext cx="7543148" cy="1015663"/>
           </a:xfrm>
           <a:prstGeom prst="rect">
@@ -12810,34 +13236,42 @@
           <a:lstStyle/>
           <a:p>
             <a:r>
-              <a:rPr lang="en-US" altLang="zh-CN" sz="2000"/>
+              <a:rPr lang="en-US" altLang="zh-CN" sz="2000" dirty="0"/>
               <a:t>R2</a:t>
             </a:r>
             <a:r>
-              <a:rPr lang="zh-CN" altLang="en-US" sz="2000"/>
+              <a:rPr lang="zh-CN" altLang="en-US" sz="2000" dirty="0"/>
               <a:t>（决定系数，</a:t>
             </a:r>
             <a:r>
-              <a:rPr lang="en-US" altLang="zh-CN" sz="2000"/>
+              <a:rPr lang="en-US" altLang="zh-CN" sz="2000" dirty="0"/>
               <a:t>coefficient of determination</a:t>
             </a:r>
             <a:r>
-              <a:rPr lang="zh-CN" altLang="en-US" sz="2000"/>
+              <a:rPr lang="zh-CN" altLang="en-US" sz="2000" dirty="0"/>
               <a:t>）</a:t>
             </a:r>
-            <a:endParaRPr lang="en-US" altLang="zh-CN" sz="2000"/>
-          </a:p>
-          <a:p>
-            <a:r>
-              <a:rPr lang="zh-CN" altLang="en-US" sz="2000"/>
-              <a:t>被模型解释的方差比例（</a:t>
-            </a:r>
-            <a:r>
-              <a:rPr lang="en-US" altLang="zh-CN" sz="2000"/>
+            <a:endParaRPr lang="en-US" altLang="zh-CN" sz="2000" dirty="0"/>
+          </a:p>
+          <a:p>
+            <a:r>
+              <a:rPr lang="zh-CN" altLang="en-US" sz="2000" dirty="0"/>
+              <a:t>被模型解释的方差比例，越靠近</a:t>
+            </a:r>
+            <a:r>
+              <a:rPr lang="en-US" altLang="zh-CN" sz="2000" dirty="0"/>
+              <a:t>1</a:t>
+            </a:r>
+            <a:r>
+              <a:rPr lang="zh-CN" altLang="en-US" sz="2000" dirty="0"/>
+              <a:t>越好（</a:t>
+            </a:r>
+            <a:r>
+              <a:rPr lang="en-US" altLang="zh-CN" sz="2000" dirty="0"/>
               <a:t>0–1</a:t>
             </a:r>
             <a:r>
-              <a:rPr lang="zh-CN" altLang="en-US" sz="2000"/>
+              <a:rPr lang="zh-CN" altLang="en-US" sz="2000" dirty="0"/>
               <a:t>通常表示解释能力，但也可为负，表示模型比用均值预测更差）</a:t>
             </a:r>
           </a:p>
@@ -12849,36 +13283,6 @@
             <a:extLst>
               <a:ext uri="{FF2B5EF4-FFF2-40B4-BE49-F238E27FC236}">
                 <a16:creationId xmlns:a16="http://schemas.microsoft.com/office/drawing/2014/main" id="{A7843555-E18B-1C4A-9A09-04A0DDBA2561}"/>
-              </a:ext>
-            </a:extLst>
-          </p:cNvPr>
-          <p:cNvPicPr>
-            <a:picLocks noChangeAspect="1"/>
-          </p:cNvPicPr>
-          <p:nvPr/>
-        </p:nvPicPr>
-        <p:blipFill>
-          <a:blip r:embed="rId4"/>
-          <a:stretch>
-            <a:fillRect/>
-          </a:stretch>
-        </p:blipFill>
-        <p:spPr>
-          <a:xfrm>
-            <a:off x="8129018" y="1249174"/>
-            <a:ext cx="3477110" cy="1286054"/>
-          </a:xfrm>
-          <a:prstGeom prst="rect">
-            <a:avLst/>
-          </a:prstGeom>
-        </p:spPr>
-      </p:pic>
-      <p:pic>
-        <p:nvPicPr>
-          <p:cNvPr id="13" name="图片 12">
-            <a:extLst>
-              <a:ext uri="{FF2B5EF4-FFF2-40B4-BE49-F238E27FC236}">
-                <a16:creationId xmlns:a16="http://schemas.microsoft.com/office/drawing/2014/main" id="{BDB93B68-8464-093D-C904-DE559DCCB60C}"/>
               </a:ext>
             </a:extLst>
           </p:cNvPr>
@@ -12895,7 +13299,37 @@
         </p:blipFill>
         <p:spPr>
           <a:xfrm>
-            <a:off x="7928965" y="2535228"/>
+            <a:off x="8129018" y="2645584"/>
+            <a:ext cx="3477110" cy="1286054"/>
+          </a:xfrm>
+          <a:prstGeom prst="rect">
+            <a:avLst/>
+          </a:prstGeom>
+        </p:spPr>
+      </p:pic>
+      <p:pic>
+        <p:nvPicPr>
+          <p:cNvPr id="13" name="图片 12">
+            <a:extLst>
+              <a:ext uri="{FF2B5EF4-FFF2-40B4-BE49-F238E27FC236}">
+                <a16:creationId xmlns:a16="http://schemas.microsoft.com/office/drawing/2014/main" id="{BDB93B68-8464-093D-C904-DE559DCCB60C}"/>
+              </a:ext>
+            </a:extLst>
+          </p:cNvPr>
+          <p:cNvPicPr>
+            <a:picLocks noChangeAspect="1"/>
+          </p:cNvPicPr>
+          <p:nvPr/>
+        </p:nvPicPr>
+        <p:blipFill>
+          <a:blip r:embed="rId6"/>
+          <a:stretch>
+            <a:fillRect/>
+          </a:stretch>
+        </p:blipFill>
+        <p:spPr>
+          <a:xfrm>
+            <a:off x="7928965" y="3931638"/>
             <a:ext cx="3877216" cy="1533739"/>
           </a:xfrm>
           <a:prstGeom prst="rect">
@@ -12903,6 +13337,42 @@
           </a:prstGeom>
         </p:spPr>
       </p:pic>
+      <p:sp>
+        <p:nvSpPr>
+          <p:cNvPr id="2" name="文本框 1">
+            <a:extLst>
+              <a:ext uri="{FF2B5EF4-FFF2-40B4-BE49-F238E27FC236}">
+                <a16:creationId xmlns:a16="http://schemas.microsoft.com/office/drawing/2014/main" id="{47C8D0D0-F8CF-757D-5E98-3099E4458B03}"/>
+              </a:ext>
+            </a:extLst>
+          </p:cNvPr>
+          <p:cNvSpPr txBox="1"/>
+          <p:nvPr/>
+        </p:nvSpPr>
+        <p:spPr>
+          <a:xfrm>
+            <a:off x="5285522" y="163033"/>
+            <a:ext cx="902811" cy="523220"/>
+          </a:xfrm>
+          <a:prstGeom prst="rect">
+            <a:avLst/>
+          </a:prstGeom>
+          <a:noFill/>
+        </p:spPr>
+        <p:txBody>
+          <a:bodyPr wrap="none" rtlCol="0">
+            <a:spAutoFit/>
+          </a:bodyPr>
+          <a:lstStyle/>
+          <a:p>
+            <a:pPr algn="ctr"/>
+            <a:r>
+              <a:rPr lang="zh-CN" altLang="en-US" sz="2800" dirty="0"/>
+              <a:t>指标</a:t>
+            </a:r>
+          </a:p>
+        </p:txBody>
+      </p:sp>
     </p:spTree>
     <p:extLst>
       <p:ext uri="{BB962C8B-B14F-4D97-AF65-F5344CB8AC3E}">
@@ -18363,8 +18833,8 @@
         </p:nvSpPr>
         <p:spPr>
           <a:xfrm>
-            <a:off x="8995144" y="5908509"/>
-            <a:ext cx="3196856" cy="949491"/>
+            <a:off x="-1" y="0"/>
+            <a:ext cx="6570921" cy="1392689"/>
           </a:xfrm>
           <a:prstGeom prst="rect">
             <a:avLst/>
@@ -18377,39 +18847,44 @@
           </a:bodyPr>
           <a:lstStyle/>
           <a:p>
-            <a:r>
-              <a:rPr lang="en-US" altLang="zh-CN" sz="1200" dirty="0"/>
+            <a:pPr marL="0" indent="0">
+              <a:buNone/>
+            </a:pPr>
+            <a:r>
+              <a:rPr lang="en-US" altLang="zh-CN" sz="2000" dirty="0"/>
               <a:t>MAPE / </a:t>
             </a:r>
             <a:r>
-              <a:rPr lang="en-US" altLang="zh-CN" sz="1200" dirty="0" err="1"/>
+              <a:rPr lang="en-US" altLang="zh-CN" sz="2000" dirty="0" err="1"/>
               <a:t>RMSE%_range</a:t>
             </a:r>
             <a:r>
-              <a:rPr lang="en-US" altLang="zh-CN" sz="1200" dirty="0"/>
+              <a:rPr lang="en-US" altLang="zh-CN" sz="2000" dirty="0"/>
               <a:t>(%) / </a:t>
             </a:r>
             <a:r>
-              <a:rPr lang="en-US" altLang="zh-CN" sz="1200" dirty="0" err="1"/>
+              <a:rPr lang="en-US" altLang="zh-CN" sz="2000" dirty="0" err="1"/>
               <a:t>RMSE%_mean</a:t>
             </a:r>
             <a:r>
-              <a:rPr lang="en-US" altLang="zh-CN" sz="1200" dirty="0"/>
+              <a:rPr lang="en-US" altLang="zh-CN" sz="2000" dirty="0"/>
               <a:t>(%)</a:t>
             </a:r>
           </a:p>
           <a:p>
-            <a:pPr marL="742950" lvl="1" indent="-285750"/>
-            <a:r>
-              <a:rPr lang="en-US" altLang="zh-CN" sz="1200" dirty="0"/>
+            <a:pPr marL="457200" lvl="1" indent="0">
+              <a:buNone/>
+            </a:pPr>
+            <a:r>
+              <a:rPr lang="en-US" altLang="zh-CN" sz="2000" dirty="0"/>
               <a:t>&lt; 10%</a:t>
             </a:r>
             <a:r>
-              <a:rPr lang="zh-CN" altLang="en-US" sz="1200" dirty="0"/>
+              <a:rPr lang="zh-CN" altLang="en-US" sz="2000" dirty="0"/>
               <a:t>：</a:t>
             </a:r>
             <a:r>
-              <a:rPr lang="zh-CN" altLang="en-US" sz="1200" dirty="0">
+              <a:rPr lang="zh-CN" altLang="en-US" sz="2000" dirty="0">
                 <a:solidFill>
                   <a:srgbClr val="00B050"/>
                 </a:solidFill>
@@ -18418,47 +18893,52 @@
             </a:r>
           </a:p>
           <a:p>
-            <a:pPr marL="742950" lvl="1" indent="-285750"/>
-            <a:r>
-              <a:rPr lang="en-US" altLang="zh-CN" sz="1200" dirty="0"/>
+            <a:pPr marL="457200" lvl="1" indent="0">
+              <a:buNone/>
+            </a:pPr>
+            <a:r>
+              <a:rPr lang="en-US" altLang="zh-CN" sz="2000" dirty="0"/>
               <a:t>10–20%</a:t>
             </a:r>
             <a:r>
-              <a:rPr lang="zh-CN" altLang="en-US" sz="1200" dirty="0"/>
+              <a:rPr lang="zh-CN" altLang="en-US" sz="2000" dirty="0"/>
               <a:t>：</a:t>
             </a:r>
             <a:r>
-              <a:rPr lang="zh-CN" altLang="en-US" sz="1200" dirty="0">
+              <a:rPr lang="zh-CN" altLang="en-US" sz="2000" dirty="0">
                 <a:solidFill>
                   <a:srgbClr val="FFC000"/>
                 </a:solidFill>
               </a:rPr>
               <a:t>中等</a:t>
             </a:r>
-            <a:endParaRPr lang="en-US" altLang="zh-CN" sz="1200" dirty="0">
+            <a:endParaRPr lang="en-US" altLang="zh-CN" sz="2000" dirty="0">
               <a:solidFill>
                 <a:srgbClr val="FFC000"/>
               </a:solidFill>
             </a:endParaRPr>
           </a:p>
           <a:p>
-            <a:pPr marL="742950" lvl="1" indent="-285750"/>
-            <a:r>
-              <a:rPr lang="en-US" altLang="zh-CN" sz="1200" dirty="0"/>
+            <a:pPr marL="457200" lvl="1" indent="0">
+              <a:buNone/>
+            </a:pPr>
+            <a:r>
+              <a:rPr lang="en-US" altLang="zh-CN" sz="2000" dirty="0"/>
               <a:t>&gt;20%</a:t>
             </a:r>
             <a:r>
-              <a:rPr lang="zh-CN" altLang="en-US" sz="1200" dirty="0"/>
+              <a:rPr lang="zh-CN" altLang="en-US" sz="2000" dirty="0"/>
               <a:t>：</a:t>
             </a:r>
             <a:r>
-              <a:rPr lang="zh-CN" altLang="en-US" sz="1200" dirty="0">
+              <a:rPr lang="zh-CN" altLang="en-US" sz="2000" dirty="0">
                 <a:solidFill>
                   <a:srgbClr val="FF0000"/>
                 </a:solidFill>
               </a:rPr>
               <a:t>差</a:t>
             </a:r>
+            <a:endParaRPr lang="en-US" altLang="zh-CN" sz="2000" dirty="0"/>
           </a:p>
         </p:txBody>
       </p:sp>
@@ -18478,8 +18958,8 @@
         </p:nvSpPr>
         <p:spPr>
           <a:xfrm>
-            <a:off x="0" y="5958522"/>
-            <a:ext cx="7378940" cy="424732"/>
+            <a:off x="5829060" y="6433268"/>
+            <a:ext cx="6362940" cy="424732"/>
           </a:xfrm>
           <a:prstGeom prst="rect">
             <a:avLst/>
@@ -18717,7 +19197,7 @@
         </p:blipFill>
         <p:spPr>
           <a:xfrm>
-            <a:off x="-1" y="0"/>
+            <a:off x="6162889" y="0"/>
             <a:ext cx="12192001" cy="5883394"/>
           </a:xfrm>
           <a:prstGeom prst="rect">
@@ -18725,6 +19205,57 @@
           </a:prstGeom>
         </p:spPr>
       </p:pic>
+      <p:sp>
+        <p:nvSpPr>
+          <p:cNvPr id="5" name="文本框 4">
+            <a:extLst>
+              <a:ext uri="{FF2B5EF4-FFF2-40B4-BE49-F238E27FC236}">
+                <a16:creationId xmlns:a16="http://schemas.microsoft.com/office/drawing/2014/main" id="{D9EF6D18-1050-172A-8D6D-18F8976670A7}"/>
+              </a:ext>
+            </a:extLst>
+          </p:cNvPr>
+          <p:cNvSpPr txBox="1"/>
+          <p:nvPr/>
+        </p:nvSpPr>
+        <p:spPr>
+          <a:xfrm>
+            <a:off x="0" y="1392689"/>
+            <a:ext cx="6096000" cy="707886"/>
+          </a:xfrm>
+          <a:prstGeom prst="rect">
+            <a:avLst/>
+          </a:prstGeom>
+          <a:noFill/>
+        </p:spPr>
+        <p:txBody>
+          <a:bodyPr wrap="square">
+            <a:spAutoFit/>
+          </a:bodyPr>
+          <a:lstStyle/>
+          <a:p>
+            <a:r>
+              <a:rPr lang="zh-CN" altLang="en-US" sz="2000" dirty="0"/>
+              <a:t>表格中的数字代表忽略了运行时间小于该数字</a:t>
+            </a:r>
+            <a:r>
+              <a:rPr lang="en-US" altLang="zh-CN" sz="2000" dirty="0"/>
+              <a:t>(</a:t>
+            </a:r>
+            <a:r>
+              <a:rPr lang="zh-CN" altLang="en-US" sz="2000" dirty="0"/>
+              <a:t>秒</a:t>
+            </a:r>
+            <a:r>
+              <a:rPr lang="en-US" altLang="zh-CN" sz="2000" dirty="0"/>
+              <a:t>)</a:t>
+            </a:r>
+            <a:r>
+              <a:rPr lang="zh-CN" altLang="en-US" sz="2000" dirty="0"/>
+              <a:t>的数据</a:t>
+            </a:r>
+          </a:p>
+        </p:txBody>
+      </p:sp>
     </p:spTree>
     <p:extLst>
       <p:ext uri="{BB962C8B-B14F-4D97-AF65-F5344CB8AC3E}">
@@ -29855,6 +30386,969 @@
         <p:cNvPr id="1" name="">
           <a:extLst>
             <a:ext uri="{FF2B5EF4-FFF2-40B4-BE49-F238E27FC236}">
+              <a16:creationId xmlns:a16="http://schemas.microsoft.com/office/drawing/2014/main" id="{0311D3C0-24FF-9F42-9E38-4EF0A7B61903}"/>
+            </a:ext>
+          </a:extLst>
+        </p:cNvPr>
+        <p:cNvGrpSpPr/>
+        <p:nvPr/>
+      </p:nvGrpSpPr>
+      <p:grpSpPr>
+        <a:xfrm>
+          <a:off x="0" y="0"/>
+          <a:ext cx="0" cy="0"/>
+          <a:chOff x="0" y="0"/>
+          <a:chExt cx="0" cy="0"/>
+        </a:xfrm>
+      </p:grpSpPr>
+      <p:sp>
+        <p:nvSpPr>
+          <p:cNvPr id="16" name="文本框 15">
+            <a:extLst>
+              <a:ext uri="{FF2B5EF4-FFF2-40B4-BE49-F238E27FC236}">
+                <a16:creationId xmlns:a16="http://schemas.microsoft.com/office/drawing/2014/main" id="{F03BB398-3120-E618-BE37-87C18B6BE8A1}"/>
+              </a:ext>
+            </a:extLst>
+          </p:cNvPr>
+          <p:cNvSpPr txBox="1"/>
+          <p:nvPr/>
+        </p:nvSpPr>
+        <p:spPr>
+          <a:xfrm>
+            <a:off x="1" y="1196812"/>
+            <a:ext cx="12192000" cy="3539430"/>
+          </a:xfrm>
+          <a:prstGeom prst="rect">
+            <a:avLst/>
+          </a:prstGeom>
+          <a:noFill/>
+        </p:spPr>
+        <p:txBody>
+          <a:bodyPr wrap="square">
+            <a:spAutoFit/>
+          </a:bodyPr>
+          <a:lstStyle/>
+          <a:p>
+            <a:r>
+              <a:rPr lang="en-US" altLang="zh-CN" sz="1400" dirty="0">
+                <a:latin typeface="Consolas" panose="020B0609020204030204" pitchFamily="49" charset="0"/>
+                <a:ea typeface="+mj-ea"/>
+                <a:cs typeface="+mj-cs"/>
+              </a:rPr>
+              <a:t>Predicting runtime for MPC on A72</a:t>
+            </a:r>
+          </a:p>
+          <a:p>
+            <a:r>
+              <a:rPr lang="en-US" altLang="zh-CN" sz="1400" dirty="0">
+                <a:latin typeface="Consolas" panose="020B0609020204030204" pitchFamily="49" charset="0"/>
+                <a:ea typeface="+mj-ea"/>
+                <a:cs typeface="+mj-cs"/>
+              </a:rPr>
+              <a:t>Test size: 0.3, Lower bound: 0.0</a:t>
+            </a:r>
+          </a:p>
+          <a:p>
+            <a:r>
+              <a:rPr lang="en-US" altLang="zh-CN" sz="1400" dirty="0">
+                <a:latin typeface="Consolas" panose="020B0609020204030204" pitchFamily="49" charset="0"/>
+                <a:ea typeface="+mj-ea"/>
+                <a:cs typeface="+mj-cs"/>
+              </a:rPr>
+              <a:t>Method: hybrid</a:t>
+            </a:r>
+          </a:p>
+          <a:p>
+            <a:r>
+              <a:rPr lang="en-US" altLang="zh-CN" sz="1400" dirty="0">
+                <a:latin typeface="Consolas" panose="020B0609020204030204" pitchFamily="49" charset="0"/>
+                <a:ea typeface="+mj-ea"/>
+                <a:cs typeface="+mj-cs"/>
+              </a:rPr>
+              <a:t>Seed 1: MAPE=0.0268 (</a:t>
+            </a:r>
+            <a:r>
+              <a:rPr lang="zh-CN" altLang="en-US" sz="1400" dirty="0">
+                <a:latin typeface="Consolas" panose="020B0609020204030204" pitchFamily="49" charset="0"/>
+                <a:ea typeface="+mj-ea"/>
+                <a:cs typeface="+mj-cs"/>
+              </a:rPr>
+              <a:t>优秀</a:t>
+            </a:r>
+            <a:r>
+              <a:rPr lang="en-US" altLang="zh-CN" sz="1400" dirty="0">
+                <a:latin typeface="Consolas" panose="020B0609020204030204" pitchFamily="49" charset="0"/>
+                <a:ea typeface="+mj-ea"/>
+                <a:cs typeface="+mj-cs"/>
+              </a:rPr>
+              <a:t>), R2=0.9986, RMSE=0.0160 (s), </a:t>
+            </a:r>
+            <a:r>
+              <a:rPr lang="en-US" altLang="zh-CN" sz="1400" dirty="0" err="1">
+                <a:latin typeface="Consolas" panose="020B0609020204030204" pitchFamily="49" charset="0"/>
+                <a:ea typeface="+mj-ea"/>
+                <a:cs typeface="+mj-cs"/>
+              </a:rPr>
+              <a:t>RMSE%_mean</a:t>
+            </a:r>
+            <a:r>
+              <a:rPr lang="en-US" altLang="zh-CN" sz="1400" dirty="0">
+                <a:latin typeface="Consolas" panose="020B0609020204030204" pitchFamily="49" charset="0"/>
+                <a:ea typeface="+mj-ea"/>
+                <a:cs typeface="+mj-cs"/>
+              </a:rPr>
+              <a:t>=3.14% (</a:t>
+            </a:r>
+            <a:r>
+              <a:rPr lang="zh-CN" altLang="en-US" sz="1400" dirty="0">
+                <a:latin typeface="Consolas" panose="020B0609020204030204" pitchFamily="49" charset="0"/>
+                <a:ea typeface="+mj-ea"/>
+                <a:cs typeface="+mj-cs"/>
+              </a:rPr>
+              <a:t>优秀</a:t>
+            </a:r>
+            <a:r>
+              <a:rPr lang="en-US" altLang="zh-CN" sz="1400" dirty="0">
+                <a:latin typeface="Consolas" panose="020B0609020204030204" pitchFamily="49" charset="0"/>
+                <a:ea typeface="+mj-ea"/>
+                <a:cs typeface="+mj-cs"/>
+              </a:rPr>
+              <a:t>), </a:t>
+            </a:r>
+            <a:r>
+              <a:rPr lang="en-US" altLang="zh-CN" sz="1400" dirty="0" err="1">
+                <a:latin typeface="Consolas" panose="020B0609020204030204" pitchFamily="49" charset="0"/>
+                <a:ea typeface="+mj-ea"/>
+                <a:cs typeface="+mj-cs"/>
+              </a:rPr>
+              <a:t>RMSE%_range</a:t>
+            </a:r>
+            <a:r>
+              <a:rPr lang="en-US" altLang="zh-CN" sz="1400" dirty="0">
+                <a:latin typeface="Consolas" panose="020B0609020204030204" pitchFamily="49" charset="0"/>
+                <a:ea typeface="+mj-ea"/>
+                <a:cs typeface="+mj-cs"/>
+              </a:rPr>
+              <a:t>=1.12% (</a:t>
+            </a:r>
+            <a:r>
+              <a:rPr lang="zh-CN" altLang="en-US" sz="1400" dirty="0">
+                <a:latin typeface="Consolas" panose="020B0609020204030204" pitchFamily="49" charset="0"/>
+                <a:ea typeface="+mj-ea"/>
+                <a:cs typeface="+mj-cs"/>
+              </a:rPr>
+              <a:t>优秀</a:t>
+            </a:r>
+            <a:r>
+              <a:rPr lang="en-US" altLang="zh-CN" sz="1400" dirty="0">
+                <a:latin typeface="Consolas" panose="020B0609020204030204" pitchFamily="49" charset="0"/>
+                <a:ea typeface="+mj-ea"/>
+                <a:cs typeface="+mj-cs"/>
+              </a:rPr>
+              <a:t>), N=47</a:t>
+            </a:r>
+          </a:p>
+          <a:p>
+            <a:r>
+              <a:rPr lang="en-US" altLang="zh-CN" sz="1400" dirty="0">
+                <a:latin typeface="Consolas" panose="020B0609020204030204" pitchFamily="49" charset="0"/>
+                <a:ea typeface="+mj-ea"/>
+                <a:cs typeface="+mj-cs"/>
+              </a:rPr>
+              <a:t>Seed 2: MAPE=0.0675 (</a:t>
+            </a:r>
+            <a:r>
+              <a:rPr lang="zh-CN" altLang="en-US" sz="1400" dirty="0">
+                <a:latin typeface="Consolas" panose="020B0609020204030204" pitchFamily="49" charset="0"/>
+                <a:ea typeface="+mj-ea"/>
+                <a:cs typeface="+mj-cs"/>
+              </a:rPr>
+              <a:t>优秀</a:t>
+            </a:r>
+            <a:r>
+              <a:rPr lang="en-US" altLang="zh-CN" sz="1400" dirty="0">
+                <a:latin typeface="Consolas" panose="020B0609020204030204" pitchFamily="49" charset="0"/>
+                <a:ea typeface="+mj-ea"/>
+                <a:cs typeface="+mj-cs"/>
+              </a:rPr>
+              <a:t>), R2=0.9981, RMSE=0.0173 (s), </a:t>
+            </a:r>
+            <a:r>
+              <a:rPr lang="en-US" altLang="zh-CN" sz="1400" dirty="0" err="1">
+                <a:latin typeface="Consolas" panose="020B0609020204030204" pitchFamily="49" charset="0"/>
+                <a:ea typeface="+mj-ea"/>
+                <a:cs typeface="+mj-cs"/>
+              </a:rPr>
+              <a:t>RMSE%_mean</a:t>
+            </a:r>
+            <a:r>
+              <a:rPr lang="en-US" altLang="zh-CN" sz="1400" dirty="0">
+                <a:latin typeface="Consolas" panose="020B0609020204030204" pitchFamily="49" charset="0"/>
+                <a:ea typeface="+mj-ea"/>
+                <a:cs typeface="+mj-cs"/>
+              </a:rPr>
+              <a:t>=3.90% (</a:t>
+            </a:r>
+            <a:r>
+              <a:rPr lang="zh-CN" altLang="en-US" sz="1400" dirty="0">
+                <a:latin typeface="Consolas" panose="020B0609020204030204" pitchFamily="49" charset="0"/>
+                <a:ea typeface="+mj-ea"/>
+                <a:cs typeface="+mj-cs"/>
+              </a:rPr>
+              <a:t>优秀</a:t>
+            </a:r>
+            <a:r>
+              <a:rPr lang="en-US" altLang="zh-CN" sz="1400" dirty="0">
+                <a:latin typeface="Consolas" panose="020B0609020204030204" pitchFamily="49" charset="0"/>
+                <a:ea typeface="+mj-ea"/>
+                <a:cs typeface="+mj-cs"/>
+              </a:rPr>
+              <a:t>), </a:t>
+            </a:r>
+            <a:r>
+              <a:rPr lang="en-US" altLang="zh-CN" sz="1400" dirty="0" err="1">
+                <a:latin typeface="Consolas" panose="020B0609020204030204" pitchFamily="49" charset="0"/>
+                <a:ea typeface="+mj-ea"/>
+                <a:cs typeface="+mj-cs"/>
+              </a:rPr>
+              <a:t>RMSE%_range</a:t>
+            </a:r>
+            <a:r>
+              <a:rPr lang="en-US" altLang="zh-CN" sz="1400" dirty="0">
+                <a:latin typeface="Consolas" panose="020B0609020204030204" pitchFamily="49" charset="0"/>
+                <a:ea typeface="+mj-ea"/>
+                <a:cs typeface="+mj-cs"/>
+              </a:rPr>
+              <a:t>=1.30% (</a:t>
+            </a:r>
+            <a:r>
+              <a:rPr lang="zh-CN" altLang="en-US" sz="1400" dirty="0">
+                <a:latin typeface="Consolas" panose="020B0609020204030204" pitchFamily="49" charset="0"/>
+                <a:ea typeface="+mj-ea"/>
+                <a:cs typeface="+mj-cs"/>
+              </a:rPr>
+              <a:t>优秀</a:t>
+            </a:r>
+            <a:r>
+              <a:rPr lang="en-US" altLang="zh-CN" sz="1400" dirty="0">
+                <a:latin typeface="Consolas" panose="020B0609020204030204" pitchFamily="49" charset="0"/>
+                <a:ea typeface="+mj-ea"/>
+                <a:cs typeface="+mj-cs"/>
+              </a:rPr>
+              <a:t>), N=47</a:t>
+            </a:r>
+          </a:p>
+          <a:p>
+            <a:r>
+              <a:rPr lang="en-US" altLang="zh-CN" sz="1400" dirty="0">
+                <a:latin typeface="Consolas" panose="020B0609020204030204" pitchFamily="49" charset="0"/>
+                <a:ea typeface="+mj-ea"/>
+                <a:cs typeface="+mj-cs"/>
+              </a:rPr>
+              <a:t>Seed 6: MAPE=0.0498 (</a:t>
+            </a:r>
+            <a:r>
+              <a:rPr lang="zh-CN" altLang="en-US" sz="1400" dirty="0">
+                <a:latin typeface="Consolas" panose="020B0609020204030204" pitchFamily="49" charset="0"/>
+                <a:ea typeface="+mj-ea"/>
+                <a:cs typeface="+mj-cs"/>
+              </a:rPr>
+              <a:t>优秀</a:t>
+            </a:r>
+            <a:r>
+              <a:rPr lang="en-US" altLang="zh-CN" sz="1400" dirty="0">
+                <a:latin typeface="Consolas" panose="020B0609020204030204" pitchFamily="49" charset="0"/>
+                <a:ea typeface="+mj-ea"/>
+                <a:cs typeface="+mj-cs"/>
+              </a:rPr>
+              <a:t>), R2=0.9973, RMSE=0.0230 (s), </a:t>
+            </a:r>
+            <a:r>
+              <a:rPr lang="en-US" altLang="zh-CN" sz="1400" dirty="0" err="1">
+                <a:latin typeface="Consolas" panose="020B0609020204030204" pitchFamily="49" charset="0"/>
+                <a:ea typeface="+mj-ea"/>
+                <a:cs typeface="+mj-cs"/>
+              </a:rPr>
+              <a:t>RMSE%_mean</a:t>
+            </a:r>
+            <a:r>
+              <a:rPr lang="en-US" altLang="zh-CN" sz="1400" dirty="0">
+                <a:latin typeface="Consolas" panose="020B0609020204030204" pitchFamily="49" charset="0"/>
+                <a:ea typeface="+mj-ea"/>
+                <a:cs typeface="+mj-cs"/>
+              </a:rPr>
+              <a:t>=4.52% (</a:t>
+            </a:r>
+            <a:r>
+              <a:rPr lang="zh-CN" altLang="en-US" sz="1400" dirty="0">
+                <a:latin typeface="Consolas" panose="020B0609020204030204" pitchFamily="49" charset="0"/>
+                <a:ea typeface="+mj-ea"/>
+                <a:cs typeface="+mj-cs"/>
+              </a:rPr>
+              <a:t>优秀</a:t>
+            </a:r>
+            <a:r>
+              <a:rPr lang="en-US" altLang="zh-CN" sz="1400" dirty="0">
+                <a:latin typeface="Consolas" panose="020B0609020204030204" pitchFamily="49" charset="0"/>
+                <a:ea typeface="+mj-ea"/>
+                <a:cs typeface="+mj-cs"/>
+              </a:rPr>
+              <a:t>), </a:t>
+            </a:r>
+            <a:r>
+              <a:rPr lang="en-US" altLang="zh-CN" sz="1400" dirty="0" err="1">
+                <a:latin typeface="Consolas" panose="020B0609020204030204" pitchFamily="49" charset="0"/>
+                <a:ea typeface="+mj-ea"/>
+                <a:cs typeface="+mj-cs"/>
+              </a:rPr>
+              <a:t>RMSE%_range</a:t>
+            </a:r>
+            <a:r>
+              <a:rPr lang="en-US" altLang="zh-CN" sz="1400" dirty="0">
+                <a:latin typeface="Consolas" panose="020B0609020204030204" pitchFamily="49" charset="0"/>
+                <a:ea typeface="+mj-ea"/>
+                <a:cs typeface="+mj-cs"/>
+              </a:rPr>
+              <a:t>=1.53% (</a:t>
+            </a:r>
+            <a:r>
+              <a:rPr lang="zh-CN" altLang="en-US" sz="1400" dirty="0">
+                <a:latin typeface="Consolas" panose="020B0609020204030204" pitchFamily="49" charset="0"/>
+                <a:ea typeface="+mj-ea"/>
+                <a:cs typeface="+mj-cs"/>
+              </a:rPr>
+              <a:t>优秀</a:t>
+            </a:r>
+            <a:r>
+              <a:rPr lang="en-US" altLang="zh-CN" sz="1400" dirty="0">
+                <a:latin typeface="Consolas" panose="020B0609020204030204" pitchFamily="49" charset="0"/>
+                <a:ea typeface="+mj-ea"/>
+                <a:cs typeface="+mj-cs"/>
+              </a:rPr>
+              <a:t>), N=47</a:t>
+            </a:r>
+          </a:p>
+          <a:p>
+            <a:r>
+              <a:rPr lang="en-US" altLang="zh-CN" sz="1400" dirty="0">
+                <a:latin typeface="Consolas" panose="020B0609020204030204" pitchFamily="49" charset="0"/>
+                <a:ea typeface="+mj-ea"/>
+                <a:cs typeface="+mj-cs"/>
+              </a:rPr>
+              <a:t>Seed 42: MAPE=0.0288 (</a:t>
+            </a:r>
+            <a:r>
+              <a:rPr lang="zh-CN" altLang="en-US" sz="1400" dirty="0">
+                <a:latin typeface="Consolas" panose="020B0609020204030204" pitchFamily="49" charset="0"/>
+                <a:ea typeface="+mj-ea"/>
+                <a:cs typeface="+mj-cs"/>
+              </a:rPr>
+              <a:t>优秀</a:t>
+            </a:r>
+            <a:r>
+              <a:rPr lang="en-US" altLang="zh-CN" sz="1400" dirty="0">
+                <a:latin typeface="Consolas" panose="020B0609020204030204" pitchFamily="49" charset="0"/>
+                <a:ea typeface="+mj-ea"/>
+                <a:cs typeface="+mj-cs"/>
+              </a:rPr>
+              <a:t>), R2=0.9983, RMSE=0.0176 (s), </a:t>
+            </a:r>
+            <a:r>
+              <a:rPr lang="en-US" altLang="zh-CN" sz="1400" dirty="0" err="1">
+                <a:latin typeface="Consolas" panose="020B0609020204030204" pitchFamily="49" charset="0"/>
+                <a:ea typeface="+mj-ea"/>
+                <a:cs typeface="+mj-cs"/>
+              </a:rPr>
+              <a:t>RMSE%_mean</a:t>
+            </a:r>
+            <a:r>
+              <a:rPr lang="en-US" altLang="zh-CN" sz="1400" dirty="0">
+                <a:latin typeface="Consolas" panose="020B0609020204030204" pitchFamily="49" charset="0"/>
+                <a:ea typeface="+mj-ea"/>
+                <a:cs typeface="+mj-cs"/>
+              </a:rPr>
+              <a:t>=3.50% (</a:t>
+            </a:r>
+            <a:r>
+              <a:rPr lang="zh-CN" altLang="en-US" sz="1400" dirty="0">
+                <a:latin typeface="Consolas" panose="020B0609020204030204" pitchFamily="49" charset="0"/>
+                <a:ea typeface="+mj-ea"/>
+                <a:cs typeface="+mj-cs"/>
+              </a:rPr>
+              <a:t>优秀</a:t>
+            </a:r>
+            <a:r>
+              <a:rPr lang="en-US" altLang="zh-CN" sz="1400" dirty="0">
+                <a:latin typeface="Consolas" panose="020B0609020204030204" pitchFamily="49" charset="0"/>
+                <a:ea typeface="+mj-ea"/>
+                <a:cs typeface="+mj-cs"/>
+              </a:rPr>
+              <a:t>), </a:t>
+            </a:r>
+            <a:r>
+              <a:rPr lang="en-US" altLang="zh-CN" sz="1400" dirty="0" err="1">
+                <a:latin typeface="Consolas" panose="020B0609020204030204" pitchFamily="49" charset="0"/>
+                <a:ea typeface="+mj-ea"/>
+                <a:cs typeface="+mj-cs"/>
+              </a:rPr>
+              <a:t>RMSE%_range</a:t>
+            </a:r>
+            <a:r>
+              <a:rPr lang="en-US" altLang="zh-CN" sz="1400" dirty="0">
+                <a:latin typeface="Consolas" panose="020B0609020204030204" pitchFamily="49" charset="0"/>
+                <a:ea typeface="+mj-ea"/>
+                <a:cs typeface="+mj-cs"/>
+              </a:rPr>
+              <a:t>=1.21% (</a:t>
+            </a:r>
+            <a:r>
+              <a:rPr lang="zh-CN" altLang="en-US" sz="1400" dirty="0">
+                <a:latin typeface="Consolas" panose="020B0609020204030204" pitchFamily="49" charset="0"/>
+                <a:ea typeface="+mj-ea"/>
+                <a:cs typeface="+mj-cs"/>
+              </a:rPr>
+              <a:t>优秀</a:t>
+            </a:r>
+            <a:r>
+              <a:rPr lang="en-US" altLang="zh-CN" sz="1400" dirty="0">
+                <a:latin typeface="Consolas" panose="020B0609020204030204" pitchFamily="49" charset="0"/>
+                <a:ea typeface="+mj-ea"/>
+                <a:cs typeface="+mj-cs"/>
+              </a:rPr>
+              <a:t>), N=47</a:t>
+            </a:r>
+          </a:p>
+          <a:p>
+            <a:r>
+              <a:rPr lang="en-US" altLang="zh-CN" sz="1400" dirty="0">
+                <a:latin typeface="Consolas" panose="020B0609020204030204" pitchFamily="49" charset="0"/>
+                <a:ea typeface="+mj-ea"/>
+                <a:cs typeface="+mj-cs"/>
+              </a:rPr>
+              <a:t>Seed 123: MAPE=0.0776 (</a:t>
+            </a:r>
+            <a:r>
+              <a:rPr lang="zh-CN" altLang="en-US" sz="1400" dirty="0">
+                <a:latin typeface="Consolas" panose="020B0609020204030204" pitchFamily="49" charset="0"/>
+                <a:ea typeface="+mj-ea"/>
+                <a:cs typeface="+mj-cs"/>
+              </a:rPr>
+              <a:t>优秀</a:t>
+            </a:r>
+            <a:r>
+              <a:rPr lang="en-US" altLang="zh-CN" sz="1400" dirty="0">
+                <a:latin typeface="Consolas" panose="020B0609020204030204" pitchFamily="49" charset="0"/>
+                <a:ea typeface="+mj-ea"/>
+                <a:cs typeface="+mj-cs"/>
+              </a:rPr>
+              <a:t>), R2=0.9980, RMSE=0.0216 (s), </a:t>
+            </a:r>
+            <a:r>
+              <a:rPr lang="en-US" altLang="zh-CN" sz="1400" dirty="0" err="1">
+                <a:latin typeface="Consolas" panose="020B0609020204030204" pitchFamily="49" charset="0"/>
+                <a:ea typeface="+mj-ea"/>
+                <a:cs typeface="+mj-cs"/>
+              </a:rPr>
+              <a:t>RMSE%_mean</a:t>
+            </a:r>
+            <a:r>
+              <a:rPr lang="en-US" altLang="zh-CN" sz="1400" dirty="0">
+                <a:latin typeface="Consolas" panose="020B0609020204030204" pitchFamily="49" charset="0"/>
+                <a:ea typeface="+mj-ea"/>
+                <a:cs typeface="+mj-cs"/>
+              </a:rPr>
+              <a:t>=3.93% (</a:t>
+            </a:r>
+            <a:r>
+              <a:rPr lang="zh-CN" altLang="en-US" sz="1400" dirty="0">
+                <a:latin typeface="Consolas" panose="020B0609020204030204" pitchFamily="49" charset="0"/>
+                <a:ea typeface="+mj-ea"/>
+                <a:cs typeface="+mj-cs"/>
+              </a:rPr>
+              <a:t>优秀</a:t>
+            </a:r>
+            <a:r>
+              <a:rPr lang="en-US" altLang="zh-CN" sz="1400" dirty="0">
+                <a:latin typeface="Consolas" panose="020B0609020204030204" pitchFamily="49" charset="0"/>
+                <a:ea typeface="+mj-ea"/>
+                <a:cs typeface="+mj-cs"/>
+              </a:rPr>
+              <a:t>), </a:t>
+            </a:r>
+            <a:r>
+              <a:rPr lang="en-US" altLang="zh-CN" sz="1400" dirty="0" err="1">
+                <a:latin typeface="Consolas" panose="020B0609020204030204" pitchFamily="49" charset="0"/>
+                <a:ea typeface="+mj-ea"/>
+                <a:cs typeface="+mj-cs"/>
+              </a:rPr>
+              <a:t>RMSE%_range</a:t>
+            </a:r>
+            <a:r>
+              <a:rPr lang="en-US" altLang="zh-CN" sz="1400" dirty="0">
+                <a:latin typeface="Consolas" panose="020B0609020204030204" pitchFamily="49" charset="0"/>
+                <a:ea typeface="+mj-ea"/>
+                <a:cs typeface="+mj-cs"/>
+              </a:rPr>
+              <a:t>=1.56% (</a:t>
+            </a:r>
+            <a:r>
+              <a:rPr lang="zh-CN" altLang="en-US" sz="1400" dirty="0">
+                <a:latin typeface="Consolas" panose="020B0609020204030204" pitchFamily="49" charset="0"/>
+                <a:ea typeface="+mj-ea"/>
+                <a:cs typeface="+mj-cs"/>
+              </a:rPr>
+              <a:t>优秀</a:t>
+            </a:r>
+            <a:r>
+              <a:rPr lang="en-US" altLang="zh-CN" sz="1400" dirty="0">
+                <a:latin typeface="Consolas" panose="020B0609020204030204" pitchFamily="49" charset="0"/>
+                <a:ea typeface="+mj-ea"/>
+                <a:cs typeface="+mj-cs"/>
+              </a:rPr>
+              <a:t>), N=47</a:t>
+            </a:r>
+          </a:p>
+          <a:p>
+            <a:r>
+              <a:rPr lang="en-US" altLang="zh-CN" sz="1400" dirty="0">
+                <a:latin typeface="Consolas" panose="020B0609020204030204" pitchFamily="49" charset="0"/>
+                <a:ea typeface="+mj-ea"/>
+                <a:cs typeface="+mj-cs"/>
+              </a:rPr>
+              <a:t>Seed 2025: MAPE=0.2295 (</a:t>
+            </a:r>
+            <a:r>
+              <a:rPr lang="zh-CN" altLang="en-US" sz="1400" dirty="0">
+                <a:latin typeface="Consolas" panose="020B0609020204030204" pitchFamily="49" charset="0"/>
+                <a:ea typeface="+mj-ea"/>
+                <a:cs typeface="+mj-cs"/>
+              </a:rPr>
+              <a:t>差</a:t>
+            </a:r>
+            <a:r>
+              <a:rPr lang="en-US" altLang="zh-CN" sz="1400" dirty="0">
+                <a:latin typeface="Consolas" panose="020B0609020204030204" pitchFamily="49" charset="0"/>
+                <a:ea typeface="+mj-ea"/>
+                <a:cs typeface="+mj-cs"/>
+              </a:rPr>
+              <a:t>), R2=0.9981, RMSE=0.0193 (s), </a:t>
+            </a:r>
+            <a:r>
+              <a:rPr lang="en-US" altLang="zh-CN" sz="1400" dirty="0" err="1">
+                <a:latin typeface="Consolas" panose="020B0609020204030204" pitchFamily="49" charset="0"/>
+                <a:ea typeface="+mj-ea"/>
+                <a:cs typeface="+mj-cs"/>
+              </a:rPr>
+              <a:t>RMSE%_mean</a:t>
+            </a:r>
+            <a:r>
+              <a:rPr lang="en-US" altLang="zh-CN" sz="1400" dirty="0">
+                <a:latin typeface="Consolas" panose="020B0609020204030204" pitchFamily="49" charset="0"/>
+                <a:ea typeface="+mj-ea"/>
+                <a:cs typeface="+mj-cs"/>
+              </a:rPr>
+              <a:t>=3.74% (</a:t>
+            </a:r>
+            <a:r>
+              <a:rPr lang="zh-CN" altLang="en-US" sz="1400" dirty="0">
+                <a:latin typeface="Consolas" panose="020B0609020204030204" pitchFamily="49" charset="0"/>
+                <a:ea typeface="+mj-ea"/>
+                <a:cs typeface="+mj-cs"/>
+              </a:rPr>
+              <a:t>优秀</a:t>
+            </a:r>
+            <a:r>
+              <a:rPr lang="en-US" altLang="zh-CN" sz="1400" dirty="0">
+                <a:latin typeface="Consolas" panose="020B0609020204030204" pitchFamily="49" charset="0"/>
+                <a:ea typeface="+mj-ea"/>
+                <a:cs typeface="+mj-cs"/>
+              </a:rPr>
+              <a:t>), </a:t>
+            </a:r>
+            <a:r>
+              <a:rPr lang="en-US" altLang="zh-CN" sz="1400" dirty="0" err="1">
+                <a:latin typeface="Consolas" panose="020B0609020204030204" pitchFamily="49" charset="0"/>
+                <a:ea typeface="+mj-ea"/>
+                <a:cs typeface="+mj-cs"/>
+              </a:rPr>
+              <a:t>RMSE%_range</a:t>
+            </a:r>
+            <a:r>
+              <a:rPr lang="en-US" altLang="zh-CN" sz="1400" dirty="0">
+                <a:latin typeface="Consolas" panose="020B0609020204030204" pitchFamily="49" charset="0"/>
+                <a:ea typeface="+mj-ea"/>
+                <a:cs typeface="+mj-cs"/>
+              </a:rPr>
+              <a:t>=1.28% (</a:t>
+            </a:r>
+            <a:r>
+              <a:rPr lang="zh-CN" altLang="en-US" sz="1400" dirty="0">
+                <a:latin typeface="Consolas" panose="020B0609020204030204" pitchFamily="49" charset="0"/>
+                <a:ea typeface="+mj-ea"/>
+                <a:cs typeface="+mj-cs"/>
+              </a:rPr>
+              <a:t>优秀</a:t>
+            </a:r>
+            <a:r>
+              <a:rPr lang="en-US" altLang="zh-CN" sz="1400" dirty="0">
+                <a:latin typeface="Consolas" panose="020B0609020204030204" pitchFamily="49" charset="0"/>
+                <a:ea typeface="+mj-ea"/>
+                <a:cs typeface="+mj-cs"/>
+              </a:rPr>
+              <a:t>), N=47</a:t>
+            </a:r>
+          </a:p>
+          <a:p>
+            <a:r>
+              <a:rPr lang="en-US" altLang="zh-CN" sz="1400" dirty="0">
+                <a:latin typeface="Consolas" panose="020B0609020204030204" pitchFamily="49" charset="0"/>
+                <a:ea typeface="+mj-ea"/>
+                <a:cs typeface="+mj-cs"/>
+              </a:rPr>
+              <a:t>Seed 33550336: MAPE=0.0391 (</a:t>
+            </a:r>
+            <a:r>
+              <a:rPr lang="zh-CN" altLang="en-US" sz="1400" dirty="0">
+                <a:latin typeface="Consolas" panose="020B0609020204030204" pitchFamily="49" charset="0"/>
+                <a:ea typeface="+mj-ea"/>
+                <a:cs typeface="+mj-cs"/>
+              </a:rPr>
+              <a:t>优秀</a:t>
+            </a:r>
+            <a:r>
+              <a:rPr lang="en-US" altLang="zh-CN" sz="1400" dirty="0">
+                <a:latin typeface="Consolas" panose="020B0609020204030204" pitchFamily="49" charset="0"/>
+                <a:ea typeface="+mj-ea"/>
+                <a:cs typeface="+mj-cs"/>
+              </a:rPr>
+              <a:t>), R2=0.9988, RMSE=0.0150 (s), </a:t>
+            </a:r>
+            <a:r>
+              <a:rPr lang="en-US" altLang="zh-CN" sz="1400" dirty="0" err="1">
+                <a:latin typeface="Consolas" panose="020B0609020204030204" pitchFamily="49" charset="0"/>
+                <a:ea typeface="+mj-ea"/>
+                <a:cs typeface="+mj-cs"/>
+              </a:rPr>
+              <a:t>RMSE%_mean</a:t>
+            </a:r>
+            <a:r>
+              <a:rPr lang="en-US" altLang="zh-CN" sz="1400" dirty="0">
+                <a:latin typeface="Consolas" panose="020B0609020204030204" pitchFamily="49" charset="0"/>
+                <a:ea typeface="+mj-ea"/>
+                <a:cs typeface="+mj-cs"/>
+              </a:rPr>
+              <a:t>=3.27% (</a:t>
+            </a:r>
+            <a:r>
+              <a:rPr lang="zh-CN" altLang="en-US" sz="1400" dirty="0">
+                <a:latin typeface="Consolas" panose="020B0609020204030204" pitchFamily="49" charset="0"/>
+                <a:ea typeface="+mj-ea"/>
+                <a:cs typeface="+mj-cs"/>
+              </a:rPr>
+              <a:t>优秀</a:t>
+            </a:r>
+            <a:r>
+              <a:rPr lang="en-US" altLang="zh-CN" sz="1400" dirty="0">
+                <a:latin typeface="Consolas" panose="020B0609020204030204" pitchFamily="49" charset="0"/>
+                <a:ea typeface="+mj-ea"/>
+                <a:cs typeface="+mj-cs"/>
+              </a:rPr>
+              <a:t>), </a:t>
+            </a:r>
+            <a:r>
+              <a:rPr lang="en-US" altLang="zh-CN" sz="1400" dirty="0" err="1">
+                <a:latin typeface="Consolas" panose="020B0609020204030204" pitchFamily="49" charset="0"/>
+                <a:ea typeface="+mj-ea"/>
+                <a:cs typeface="+mj-cs"/>
+              </a:rPr>
+              <a:t>RMSE%_range</a:t>
+            </a:r>
+            <a:r>
+              <a:rPr lang="en-US" altLang="zh-CN" sz="1400" dirty="0">
+                <a:latin typeface="Consolas" panose="020B0609020204030204" pitchFamily="49" charset="0"/>
+                <a:ea typeface="+mj-ea"/>
+                <a:cs typeface="+mj-cs"/>
+              </a:rPr>
+              <a:t>=1.02% (</a:t>
+            </a:r>
+            <a:r>
+              <a:rPr lang="zh-CN" altLang="en-US" sz="1400" dirty="0">
+                <a:latin typeface="Consolas" panose="020B0609020204030204" pitchFamily="49" charset="0"/>
+                <a:ea typeface="+mj-ea"/>
+                <a:cs typeface="+mj-cs"/>
+              </a:rPr>
+              <a:t>优秀</a:t>
+            </a:r>
+            <a:r>
+              <a:rPr lang="en-US" altLang="zh-CN" sz="1400" dirty="0">
+                <a:latin typeface="Consolas" panose="020B0609020204030204" pitchFamily="49" charset="0"/>
+                <a:ea typeface="+mj-ea"/>
+                <a:cs typeface="+mj-cs"/>
+              </a:rPr>
+              <a:t>), N=47</a:t>
+            </a:r>
+          </a:p>
+          <a:p>
+            <a:endParaRPr lang="en-US" altLang="zh-CN" sz="1400" dirty="0">
+              <a:latin typeface="Consolas" panose="020B0609020204030204" pitchFamily="49" charset="0"/>
+              <a:ea typeface="+mj-ea"/>
+              <a:cs typeface="+mj-cs"/>
+            </a:endParaRPr>
+          </a:p>
+          <a:p>
+            <a:r>
+              <a:rPr lang="en-US" altLang="zh-CN" sz="1400" dirty="0">
+                <a:latin typeface="Consolas" panose="020B0609020204030204" pitchFamily="49" charset="0"/>
+                <a:ea typeface="+mj-ea"/>
+                <a:cs typeface="+mj-cs"/>
+              </a:rPr>
+              <a:t>MAPE: 0.0741 ± 0.0711 (</a:t>
+            </a:r>
+            <a:r>
+              <a:rPr lang="zh-CN" altLang="en-US" sz="1400" dirty="0">
+                <a:latin typeface="Consolas" panose="020B0609020204030204" pitchFamily="49" charset="0"/>
+                <a:ea typeface="+mj-ea"/>
+                <a:cs typeface="+mj-cs"/>
+              </a:rPr>
+              <a:t>优秀</a:t>
+            </a:r>
+            <a:r>
+              <a:rPr lang="en-US" altLang="zh-CN" sz="1400" dirty="0">
+                <a:latin typeface="Consolas" panose="020B0609020204030204" pitchFamily="49" charset="0"/>
+                <a:ea typeface="+mj-ea"/>
+                <a:cs typeface="+mj-cs"/>
+              </a:rPr>
+              <a:t>)</a:t>
+            </a:r>
+          </a:p>
+          <a:p>
+            <a:r>
+              <a:rPr lang="en-US" altLang="zh-CN" sz="1400" dirty="0">
+                <a:latin typeface="Consolas" panose="020B0609020204030204" pitchFamily="49" charset="0"/>
+                <a:ea typeface="+mj-ea"/>
+                <a:cs typeface="+mj-cs"/>
+              </a:rPr>
+              <a:t>R2:   0.9982 ± 0.0005</a:t>
+            </a:r>
+          </a:p>
+          <a:p>
+            <a:r>
+              <a:rPr lang="en-US" altLang="zh-CN" sz="1400" dirty="0">
+                <a:latin typeface="Consolas" panose="020B0609020204030204" pitchFamily="49" charset="0"/>
+                <a:ea typeface="+mj-ea"/>
+                <a:cs typeface="+mj-cs"/>
+              </a:rPr>
+              <a:t>RMSE: 0.0186 ± 0.0029 (s)</a:t>
+            </a:r>
+          </a:p>
+          <a:p>
+            <a:r>
+              <a:rPr lang="en-US" altLang="zh-CN" sz="1400" dirty="0" err="1">
+                <a:latin typeface="Consolas" panose="020B0609020204030204" pitchFamily="49" charset="0"/>
+                <a:ea typeface="+mj-ea"/>
+                <a:cs typeface="+mj-cs"/>
+              </a:rPr>
+              <a:t>RMSE%_mean</a:t>
+            </a:r>
+            <a:r>
+              <a:rPr lang="en-US" altLang="zh-CN" sz="1400" dirty="0">
+                <a:latin typeface="Consolas" panose="020B0609020204030204" pitchFamily="49" charset="0"/>
+                <a:ea typeface="+mj-ea"/>
+                <a:cs typeface="+mj-cs"/>
+              </a:rPr>
+              <a:t>: 3.71% ± 0.47% (</a:t>
+            </a:r>
+            <a:r>
+              <a:rPr lang="zh-CN" altLang="en-US" sz="1400" dirty="0">
+                <a:latin typeface="Consolas" panose="020B0609020204030204" pitchFamily="49" charset="0"/>
+                <a:ea typeface="+mj-ea"/>
+                <a:cs typeface="+mj-cs"/>
+              </a:rPr>
+              <a:t>优秀</a:t>
+            </a:r>
+            <a:r>
+              <a:rPr lang="en-US" altLang="zh-CN" sz="1400" dirty="0">
+                <a:latin typeface="Consolas" panose="020B0609020204030204" pitchFamily="49" charset="0"/>
+                <a:ea typeface="+mj-ea"/>
+                <a:cs typeface="+mj-cs"/>
+              </a:rPr>
+              <a:t>)</a:t>
+            </a:r>
+          </a:p>
+          <a:p>
+            <a:r>
+              <a:rPr lang="en-US" altLang="zh-CN" sz="1400" dirty="0" err="1">
+                <a:latin typeface="Consolas" panose="020B0609020204030204" pitchFamily="49" charset="0"/>
+                <a:ea typeface="+mj-ea"/>
+                <a:cs typeface="+mj-cs"/>
+              </a:rPr>
+              <a:t>RMSE%_range</a:t>
+            </a:r>
+            <a:r>
+              <a:rPr lang="en-US" altLang="zh-CN" sz="1400" dirty="0">
+                <a:latin typeface="Consolas" panose="020B0609020204030204" pitchFamily="49" charset="0"/>
+                <a:ea typeface="+mj-ea"/>
+                <a:cs typeface="+mj-cs"/>
+              </a:rPr>
+              <a:t>: 1.29% ± 0.20% (</a:t>
+            </a:r>
+            <a:r>
+              <a:rPr lang="zh-CN" altLang="en-US" sz="1400" dirty="0">
+                <a:latin typeface="Consolas" panose="020B0609020204030204" pitchFamily="49" charset="0"/>
+                <a:ea typeface="+mj-ea"/>
+                <a:cs typeface="+mj-cs"/>
+              </a:rPr>
+              <a:t>优秀</a:t>
+            </a:r>
+            <a:r>
+              <a:rPr lang="en-US" altLang="zh-CN" sz="1400" dirty="0">
+                <a:latin typeface="Consolas" panose="020B0609020204030204" pitchFamily="49" charset="0"/>
+                <a:ea typeface="+mj-ea"/>
+                <a:cs typeface="+mj-cs"/>
+              </a:rPr>
+              <a:t>)</a:t>
+            </a:r>
+            <a:endParaRPr lang="zh-CN" altLang="en-US" sz="1400" dirty="0">
+              <a:latin typeface="Consolas" panose="020B0609020204030204" pitchFamily="49" charset="0"/>
+              <a:ea typeface="+mj-ea"/>
+              <a:cs typeface="+mj-cs"/>
+            </a:endParaRPr>
+          </a:p>
+        </p:txBody>
+      </p:sp>
+      <p:sp>
+        <p:nvSpPr>
+          <p:cNvPr id="4" name="标题 1">
+            <a:extLst>
+              <a:ext uri="{FF2B5EF4-FFF2-40B4-BE49-F238E27FC236}">
+                <a16:creationId xmlns:a16="http://schemas.microsoft.com/office/drawing/2014/main" id="{3F1AE339-98AC-C163-629E-381B4865DA29}"/>
+              </a:ext>
+            </a:extLst>
+          </p:cNvPr>
+          <p:cNvSpPr txBox="1">
+            <a:spLocks/>
+          </p:cNvSpPr>
+          <p:nvPr/>
+        </p:nvSpPr>
+        <p:spPr>
+          <a:xfrm>
+            <a:off x="124096" y="3430893"/>
+            <a:ext cx="5616812" cy="595920"/>
+          </a:xfrm>
+          <a:prstGeom prst="rect">
+            <a:avLst/>
+          </a:prstGeom>
+        </p:spPr>
+        <p:txBody>
+          <a:bodyPr vert="horz" lIns="91440" tIns="45720" rIns="91440" bIns="45720" rtlCol="0" anchor="ctr">
+            <a:noAutofit/>
+          </a:bodyPr>
+          <a:lstStyle>
+            <a:lvl1pPr algn="l" defTabSz="914400" rtl="0" eaLnBrk="1" latinLnBrk="0" hangingPunct="1">
+              <a:lnSpc>
+                <a:spcPct val="90000"/>
+              </a:lnSpc>
+              <a:spcBef>
+                <a:spcPct val="0"/>
+              </a:spcBef>
+              <a:buNone/>
+              <a:defRPr sz="4400" kern="1200">
+                <a:solidFill>
+                  <a:schemeClr val="tx1"/>
+                </a:solidFill>
+                <a:latin typeface="+mj-lt"/>
+                <a:ea typeface="+mj-ea"/>
+                <a:cs typeface="+mj-cs"/>
+              </a:defRPr>
+            </a:lvl1pPr>
+          </a:lstStyle>
+          <a:p>
+            <a:endParaRPr lang="pt-BR" altLang="zh-CN" sz="1600" b="1">
+              <a:solidFill>
+                <a:srgbClr val="00B0F0"/>
+              </a:solidFill>
+              <a:latin typeface="+mn-ea"/>
+              <a:ea typeface="+mn-ea"/>
+            </a:endParaRPr>
+          </a:p>
+        </p:txBody>
+      </p:sp>
+      <p:sp>
+        <p:nvSpPr>
+          <p:cNvPr id="3" name="标题 1">
+            <a:extLst>
+              <a:ext uri="{FF2B5EF4-FFF2-40B4-BE49-F238E27FC236}">
+                <a16:creationId xmlns:a16="http://schemas.microsoft.com/office/drawing/2014/main" id="{AF03E676-DC78-9382-D8C5-579B5B820E7D}"/>
+              </a:ext>
+            </a:extLst>
+          </p:cNvPr>
+          <p:cNvSpPr txBox="1">
+            <a:spLocks/>
+          </p:cNvSpPr>
+          <p:nvPr/>
+        </p:nvSpPr>
+        <p:spPr>
+          <a:xfrm>
+            <a:off x="124097" y="143056"/>
+            <a:ext cx="6950697" cy="457835"/>
+          </a:xfrm>
+          <a:prstGeom prst="rect">
+            <a:avLst/>
+          </a:prstGeom>
+        </p:spPr>
+        <p:txBody>
+          <a:bodyPr vert="horz" lIns="91440" tIns="45720" rIns="91440" bIns="45720" rtlCol="0" anchor="ctr">
+            <a:normAutofit fontScale="97500" lnSpcReduction="10000"/>
+          </a:bodyPr>
+          <a:lstStyle>
+            <a:lvl1pPr algn="l" defTabSz="914400" rtl="0" eaLnBrk="1" latinLnBrk="0" hangingPunct="1">
+              <a:lnSpc>
+                <a:spcPct val="90000"/>
+              </a:lnSpc>
+              <a:spcBef>
+                <a:spcPct val="0"/>
+              </a:spcBef>
+              <a:buNone/>
+              <a:defRPr sz="4400" kern="1200">
+                <a:solidFill>
+                  <a:schemeClr val="tx1"/>
+                </a:solidFill>
+                <a:latin typeface="+mj-lt"/>
+                <a:ea typeface="+mj-ea"/>
+                <a:cs typeface="+mj-cs"/>
+              </a:defRPr>
+            </a:lvl1pPr>
+          </a:lstStyle>
+          <a:p>
+            <a:r>
+              <a:rPr lang="en-US" altLang="zh-CN" sz="2800" dirty="0"/>
+              <a:t>MPC-M7</a:t>
+            </a:r>
+            <a:endParaRPr lang="zh-CN" altLang="en-US" sz="2800" dirty="0"/>
+          </a:p>
+        </p:txBody>
+      </p:sp>
+    </p:spTree>
+    <p:extLst>
+      <p:ext uri="{BB962C8B-B14F-4D97-AF65-F5344CB8AC3E}">
+        <p14:creationId xmlns:p14="http://schemas.microsoft.com/office/powerpoint/2010/main" val="2164738827"/>
+      </p:ext>
+    </p:extLst>
+  </p:cSld>
+  <p:clrMapOvr>
+    <a:masterClrMapping/>
+  </p:clrMapOvr>
+</p:sld>
+</file>
+
+<file path=ppt/slides/slide46.xml><?xml version="1.0" encoding="utf-8"?>
+<p:sld xmlns:a="http://schemas.openxmlformats.org/drawingml/2006/main" xmlns:r="http://schemas.openxmlformats.org/officeDocument/2006/relationships" xmlns:p="http://schemas.openxmlformats.org/presentationml/2006/main">
+  <p:cSld>
+    <p:spTree>
+      <p:nvGrpSpPr>
+        <p:cNvPr id="1" name="">
+          <a:extLst>
+            <a:ext uri="{FF2B5EF4-FFF2-40B4-BE49-F238E27FC236}">
               <a16:creationId xmlns:a16="http://schemas.microsoft.com/office/drawing/2014/main" id="{3AE3B375-9047-AAE5-948C-C57EB8641EC7}"/>
             </a:ext>
           </a:extLst>
@@ -29872,10 +31366,10 @@
       </p:grpSpPr>
       <p:sp>
         <p:nvSpPr>
-          <p:cNvPr id="16" name="文本框 15">
+          <p:cNvPr id="4" name="文本框 3">
             <a:extLst>
               <a:ext uri="{FF2B5EF4-FFF2-40B4-BE49-F238E27FC236}">
-                <a16:creationId xmlns:a16="http://schemas.microsoft.com/office/drawing/2014/main" id="{99889AFB-4A20-B478-B705-AAB33F7CCC06}"/>
+                <a16:creationId xmlns:a16="http://schemas.microsoft.com/office/drawing/2014/main" id="{DFB0DCDF-08CF-C77F-ED2C-7B36DA8B6716}"/>
               </a:ext>
             </a:extLst>
           </p:cNvPr>
@@ -29884,8 +31378,8 @@
         </p:nvSpPr>
         <p:spPr>
           <a:xfrm>
-            <a:off x="0" y="1118173"/>
-            <a:ext cx="12192000" cy="2246769"/>
+            <a:off x="0" y="116314"/>
+            <a:ext cx="12192000" cy="6370975"/>
           </a:xfrm>
           <a:prstGeom prst="rect">
             <a:avLst/>
@@ -29899,717 +31393,194 @@
           <a:lstStyle/>
           <a:p>
             <a:r>
-              <a:rPr lang="en-US" altLang="zh-CN" sz="1400" dirty="0">
-                <a:latin typeface="Consolas" panose="020B0609020204030204" pitchFamily="49" charset="0"/>
-                <a:ea typeface="+mj-ea"/>
-                <a:cs typeface="+mj-cs"/>
-              </a:rPr>
-              <a:t>Predicting runtime for SHA256 on A72</a:t>
-            </a:r>
-          </a:p>
-          <a:p>
-            <a:r>
-              <a:rPr lang="en-US" altLang="zh-CN" sz="1400" dirty="0">
-                <a:latin typeface="Consolas" panose="020B0609020204030204" pitchFamily="49" charset="0"/>
-                <a:ea typeface="+mj-ea"/>
-                <a:cs typeface="+mj-cs"/>
-              </a:rPr>
-              <a:t>Test size: 0.3, Lower bound: 0.0</a:t>
-            </a:r>
-          </a:p>
-          <a:p>
-            <a:r>
-              <a:rPr lang="en-US" altLang="zh-CN" sz="1400" dirty="0">
-                <a:latin typeface="Consolas" panose="020B0609020204030204" pitchFamily="49" charset="0"/>
-                <a:ea typeface="+mj-ea"/>
-                <a:cs typeface="+mj-cs"/>
-              </a:rPr>
-              <a:t>Method: hybrid</a:t>
-            </a:r>
-          </a:p>
-          <a:p>
-            <a:r>
-              <a:rPr lang="en-US" altLang="zh-CN" sz="1400" dirty="0">
-                <a:latin typeface="Consolas" panose="020B0609020204030204" pitchFamily="49" charset="0"/>
-                <a:ea typeface="+mj-ea"/>
-                <a:cs typeface="+mj-cs"/>
-              </a:rPr>
-              <a:t>Seed 1: MAPE=0.0032 (</a:t>
-            </a:r>
-            <a:r>
-              <a:rPr lang="zh-CN" altLang="en-US" sz="1400" dirty="0">
-                <a:latin typeface="Consolas" panose="020B0609020204030204" pitchFamily="49" charset="0"/>
-                <a:ea typeface="+mj-ea"/>
-                <a:cs typeface="+mj-cs"/>
-              </a:rPr>
-              <a:t>优秀</a:t>
-            </a:r>
-            <a:r>
-              <a:rPr lang="en-US" altLang="zh-CN" sz="1400" dirty="0">
-                <a:latin typeface="Consolas" panose="020B0609020204030204" pitchFamily="49" charset="0"/>
-                <a:ea typeface="+mj-ea"/>
-                <a:cs typeface="+mj-cs"/>
-              </a:rPr>
-              <a:t>), R2=1.0000, RMSE=0.0001 (s), </a:t>
-            </a:r>
-            <a:r>
-              <a:rPr lang="en-US" altLang="zh-CN" sz="1400" dirty="0" err="1">
-                <a:latin typeface="Consolas" panose="020B0609020204030204" pitchFamily="49" charset="0"/>
-                <a:ea typeface="+mj-ea"/>
-                <a:cs typeface="+mj-cs"/>
-              </a:rPr>
-              <a:t>RMSE%_mean</a:t>
-            </a:r>
-            <a:r>
-              <a:rPr lang="en-US" altLang="zh-CN" sz="1400" dirty="0">
-                <a:latin typeface="Consolas" panose="020B0609020204030204" pitchFamily="49" charset="0"/>
-                <a:ea typeface="+mj-ea"/>
-                <a:cs typeface="+mj-cs"/>
-              </a:rPr>
-              <a:t>=0.38% (</a:t>
-            </a:r>
-            <a:r>
-              <a:rPr lang="zh-CN" altLang="en-US" sz="1400" dirty="0">
-                <a:latin typeface="Consolas" panose="020B0609020204030204" pitchFamily="49" charset="0"/>
-                <a:ea typeface="+mj-ea"/>
-                <a:cs typeface="+mj-cs"/>
-              </a:rPr>
-              <a:t>优秀</a:t>
-            </a:r>
-            <a:r>
-              <a:rPr lang="en-US" altLang="zh-CN" sz="1400" dirty="0">
-                <a:latin typeface="Consolas" panose="020B0609020204030204" pitchFamily="49" charset="0"/>
-                <a:ea typeface="+mj-ea"/>
-                <a:cs typeface="+mj-cs"/>
-              </a:rPr>
-              <a:t>), </a:t>
-            </a:r>
-            <a:r>
-              <a:rPr lang="en-US" altLang="zh-CN" sz="1400" dirty="0" err="1">
-                <a:latin typeface="Consolas" panose="020B0609020204030204" pitchFamily="49" charset="0"/>
-                <a:ea typeface="+mj-ea"/>
-                <a:cs typeface="+mj-cs"/>
-              </a:rPr>
-              <a:t>RMSE%_range</a:t>
-            </a:r>
-            <a:r>
-              <a:rPr lang="en-US" altLang="zh-CN" sz="1400" dirty="0">
-                <a:latin typeface="Consolas" panose="020B0609020204030204" pitchFamily="49" charset="0"/>
-                <a:ea typeface="+mj-ea"/>
-                <a:cs typeface="+mj-cs"/>
-              </a:rPr>
-              <a:t>=0.22% (</a:t>
-            </a:r>
-            <a:r>
-              <a:rPr lang="zh-CN" altLang="en-US" sz="1400" dirty="0">
-                <a:latin typeface="Consolas" panose="020B0609020204030204" pitchFamily="49" charset="0"/>
-                <a:ea typeface="+mj-ea"/>
-                <a:cs typeface="+mj-cs"/>
-              </a:rPr>
-              <a:t>优秀</a:t>
-            </a:r>
-            <a:r>
-              <a:rPr lang="en-US" altLang="zh-CN" sz="1400" dirty="0">
-                <a:latin typeface="Consolas" panose="020B0609020204030204" pitchFamily="49" charset="0"/>
-                <a:ea typeface="+mj-ea"/>
-                <a:cs typeface="+mj-cs"/>
-              </a:rPr>
-              <a:t>), N=15</a:t>
-            </a:r>
-          </a:p>
-          <a:p>
-            <a:r>
-              <a:rPr lang="en-US" altLang="zh-CN" sz="1400" dirty="0">
-                <a:latin typeface="Consolas" panose="020B0609020204030204" pitchFamily="49" charset="0"/>
-                <a:ea typeface="+mj-ea"/>
-                <a:cs typeface="+mj-cs"/>
-              </a:rPr>
-              <a:t>Seed 2: MAPE=0.0042 (</a:t>
-            </a:r>
-            <a:r>
-              <a:rPr lang="zh-CN" altLang="en-US" sz="1400" dirty="0">
-                <a:latin typeface="Consolas" panose="020B0609020204030204" pitchFamily="49" charset="0"/>
-                <a:ea typeface="+mj-ea"/>
-                <a:cs typeface="+mj-cs"/>
-              </a:rPr>
-              <a:t>优秀</a:t>
-            </a:r>
-            <a:r>
-              <a:rPr lang="en-US" altLang="zh-CN" sz="1400" dirty="0">
-                <a:latin typeface="Consolas" panose="020B0609020204030204" pitchFamily="49" charset="0"/>
-                <a:ea typeface="+mj-ea"/>
-                <a:cs typeface="+mj-cs"/>
-              </a:rPr>
-              <a:t>), R2=1.0000, RMSE=0.0000 (s), </a:t>
-            </a:r>
-            <a:r>
-              <a:rPr lang="en-US" altLang="zh-CN" sz="1400" dirty="0" err="1">
-                <a:latin typeface="Consolas" panose="020B0609020204030204" pitchFamily="49" charset="0"/>
-                <a:ea typeface="+mj-ea"/>
-                <a:cs typeface="+mj-cs"/>
-              </a:rPr>
-              <a:t>RMSE%_mean</a:t>
-            </a:r>
-            <a:r>
-              <a:rPr lang="en-US" altLang="zh-CN" sz="1400" dirty="0">
-                <a:latin typeface="Consolas" panose="020B0609020204030204" pitchFamily="49" charset="0"/>
-                <a:ea typeface="+mj-ea"/>
-                <a:cs typeface="+mj-cs"/>
-              </a:rPr>
-              <a:t>=0.07% (</a:t>
-            </a:r>
-            <a:r>
-              <a:rPr lang="zh-CN" altLang="en-US" sz="1400" dirty="0">
-                <a:latin typeface="Consolas" panose="020B0609020204030204" pitchFamily="49" charset="0"/>
-                <a:ea typeface="+mj-ea"/>
-                <a:cs typeface="+mj-cs"/>
-              </a:rPr>
-              <a:t>优秀</a:t>
-            </a:r>
-            <a:r>
-              <a:rPr lang="en-US" altLang="zh-CN" sz="1400" dirty="0">
-                <a:latin typeface="Consolas" panose="020B0609020204030204" pitchFamily="49" charset="0"/>
-                <a:ea typeface="+mj-ea"/>
-                <a:cs typeface="+mj-cs"/>
-              </a:rPr>
-              <a:t>), </a:t>
-            </a:r>
-            <a:r>
-              <a:rPr lang="en-US" altLang="zh-CN" sz="1400" dirty="0" err="1">
-                <a:latin typeface="Consolas" panose="020B0609020204030204" pitchFamily="49" charset="0"/>
-                <a:ea typeface="+mj-ea"/>
-                <a:cs typeface="+mj-cs"/>
-              </a:rPr>
-              <a:t>RMSE%_range</a:t>
-            </a:r>
-            <a:r>
-              <a:rPr lang="en-US" altLang="zh-CN" sz="1400" dirty="0">
-                <a:latin typeface="Consolas" panose="020B0609020204030204" pitchFamily="49" charset="0"/>
-                <a:ea typeface="+mj-ea"/>
-                <a:cs typeface="+mj-cs"/>
-              </a:rPr>
-              <a:t>=0.04% (</a:t>
-            </a:r>
-            <a:r>
-              <a:rPr lang="zh-CN" altLang="en-US" sz="1400" dirty="0">
-                <a:latin typeface="Consolas" panose="020B0609020204030204" pitchFamily="49" charset="0"/>
-                <a:ea typeface="+mj-ea"/>
-                <a:cs typeface="+mj-cs"/>
-              </a:rPr>
-              <a:t>优秀</a:t>
-            </a:r>
-            <a:r>
-              <a:rPr lang="en-US" altLang="zh-CN" sz="1400" dirty="0">
-                <a:latin typeface="Consolas" panose="020B0609020204030204" pitchFamily="49" charset="0"/>
-                <a:ea typeface="+mj-ea"/>
-                <a:cs typeface="+mj-cs"/>
-              </a:rPr>
-              <a:t>), N=15</a:t>
-            </a:r>
-          </a:p>
-          <a:p>
-            <a:r>
-              <a:rPr lang="en-US" altLang="zh-CN" sz="1400" dirty="0">
-                <a:latin typeface="Consolas" panose="020B0609020204030204" pitchFamily="49" charset="0"/>
-                <a:ea typeface="+mj-ea"/>
-                <a:cs typeface="+mj-cs"/>
-              </a:rPr>
-              <a:t>Seed 6: MAPE=0.0062 (</a:t>
-            </a:r>
-            <a:r>
-              <a:rPr lang="zh-CN" altLang="en-US" sz="1400" dirty="0">
-                <a:latin typeface="Consolas" panose="020B0609020204030204" pitchFamily="49" charset="0"/>
-                <a:ea typeface="+mj-ea"/>
-                <a:cs typeface="+mj-cs"/>
-              </a:rPr>
-              <a:t>优秀</a:t>
-            </a:r>
-            <a:r>
-              <a:rPr lang="en-US" altLang="zh-CN" sz="1400" dirty="0">
-                <a:latin typeface="Consolas" panose="020B0609020204030204" pitchFamily="49" charset="0"/>
-                <a:ea typeface="+mj-ea"/>
-                <a:cs typeface="+mj-cs"/>
-              </a:rPr>
-              <a:t>), R2=1.0000, RMSE=0.0000 (s), </a:t>
-            </a:r>
-            <a:r>
-              <a:rPr lang="en-US" altLang="zh-CN" sz="1400" dirty="0" err="1">
-                <a:latin typeface="Consolas" panose="020B0609020204030204" pitchFamily="49" charset="0"/>
-                <a:ea typeface="+mj-ea"/>
-                <a:cs typeface="+mj-cs"/>
-              </a:rPr>
-              <a:t>RMSE%_mean</a:t>
-            </a:r>
-            <a:r>
-              <a:rPr lang="en-US" altLang="zh-CN" sz="1400" dirty="0">
-                <a:latin typeface="Consolas" panose="020B0609020204030204" pitchFamily="49" charset="0"/>
-                <a:ea typeface="+mj-ea"/>
-                <a:cs typeface="+mj-cs"/>
-              </a:rPr>
-              <a:t>=0.08% (</a:t>
-            </a:r>
-            <a:r>
-              <a:rPr lang="zh-CN" altLang="en-US" sz="1400" dirty="0">
-                <a:latin typeface="Consolas" panose="020B0609020204030204" pitchFamily="49" charset="0"/>
-                <a:ea typeface="+mj-ea"/>
-                <a:cs typeface="+mj-cs"/>
-              </a:rPr>
-              <a:t>优秀</a:t>
-            </a:r>
-            <a:r>
-              <a:rPr lang="en-US" altLang="zh-CN" sz="1400" dirty="0">
-                <a:latin typeface="Consolas" panose="020B0609020204030204" pitchFamily="49" charset="0"/>
-                <a:ea typeface="+mj-ea"/>
-                <a:cs typeface="+mj-cs"/>
-              </a:rPr>
-              <a:t>), </a:t>
-            </a:r>
-            <a:r>
-              <a:rPr lang="en-US" altLang="zh-CN" sz="1400" dirty="0" err="1">
-                <a:latin typeface="Consolas" panose="020B0609020204030204" pitchFamily="49" charset="0"/>
-                <a:ea typeface="+mj-ea"/>
-                <a:cs typeface="+mj-cs"/>
-              </a:rPr>
-              <a:t>RMSE%_range</a:t>
-            </a:r>
-            <a:r>
-              <a:rPr lang="en-US" altLang="zh-CN" sz="1400" dirty="0">
-                <a:latin typeface="Consolas" panose="020B0609020204030204" pitchFamily="49" charset="0"/>
-                <a:ea typeface="+mj-ea"/>
-                <a:cs typeface="+mj-cs"/>
-              </a:rPr>
-              <a:t>=0.04% (</a:t>
-            </a:r>
-            <a:r>
-              <a:rPr lang="zh-CN" altLang="en-US" sz="1400" dirty="0">
-                <a:latin typeface="Consolas" panose="020B0609020204030204" pitchFamily="49" charset="0"/>
-                <a:ea typeface="+mj-ea"/>
-                <a:cs typeface="+mj-cs"/>
-              </a:rPr>
-              <a:t>优秀</a:t>
-            </a:r>
-            <a:r>
-              <a:rPr lang="en-US" altLang="zh-CN" sz="1400" dirty="0">
-                <a:latin typeface="Consolas" panose="020B0609020204030204" pitchFamily="49" charset="0"/>
-                <a:ea typeface="+mj-ea"/>
-                <a:cs typeface="+mj-cs"/>
-              </a:rPr>
-              <a:t>), N=15</a:t>
-            </a:r>
-          </a:p>
-          <a:p>
-            <a:r>
-              <a:rPr lang="en-US" altLang="zh-CN" sz="1400" dirty="0">
-                <a:latin typeface="Consolas" panose="020B0609020204030204" pitchFamily="49" charset="0"/>
-                <a:ea typeface="+mj-ea"/>
-                <a:cs typeface="+mj-cs"/>
-              </a:rPr>
-              <a:t>Seed 42: MAPE=0.0009 (</a:t>
-            </a:r>
-            <a:r>
-              <a:rPr lang="zh-CN" altLang="en-US" sz="1400" dirty="0">
-                <a:latin typeface="Consolas" panose="020B0609020204030204" pitchFamily="49" charset="0"/>
-                <a:ea typeface="+mj-ea"/>
-                <a:cs typeface="+mj-cs"/>
-              </a:rPr>
-              <a:t>优秀</a:t>
-            </a:r>
-            <a:r>
-              <a:rPr lang="en-US" altLang="zh-CN" sz="1400" dirty="0">
-                <a:latin typeface="Consolas" panose="020B0609020204030204" pitchFamily="49" charset="0"/>
-                <a:ea typeface="+mj-ea"/>
-                <a:cs typeface="+mj-cs"/>
-              </a:rPr>
-              <a:t>), R2=0.9999, RMSE=0.0001 (s), </a:t>
-            </a:r>
-            <a:r>
-              <a:rPr lang="en-US" altLang="zh-CN" sz="1400" dirty="0" err="1">
-                <a:latin typeface="Consolas" panose="020B0609020204030204" pitchFamily="49" charset="0"/>
-                <a:ea typeface="+mj-ea"/>
-                <a:cs typeface="+mj-cs"/>
-              </a:rPr>
-              <a:t>RMSE%_mean</a:t>
-            </a:r>
-            <a:r>
-              <a:rPr lang="en-US" altLang="zh-CN" sz="1400" dirty="0">
-                <a:latin typeface="Consolas" panose="020B0609020204030204" pitchFamily="49" charset="0"/>
-                <a:ea typeface="+mj-ea"/>
-                <a:cs typeface="+mj-cs"/>
-              </a:rPr>
-              <a:t>=0.35% (</a:t>
-            </a:r>
-            <a:r>
-              <a:rPr lang="zh-CN" altLang="en-US" sz="1400" dirty="0">
-                <a:latin typeface="Consolas" panose="020B0609020204030204" pitchFamily="49" charset="0"/>
-                <a:ea typeface="+mj-ea"/>
-                <a:cs typeface="+mj-cs"/>
-              </a:rPr>
-              <a:t>优秀</a:t>
-            </a:r>
-            <a:r>
-              <a:rPr lang="en-US" altLang="zh-CN" sz="1400" dirty="0">
-                <a:latin typeface="Consolas" panose="020B0609020204030204" pitchFamily="49" charset="0"/>
-                <a:ea typeface="+mj-ea"/>
-                <a:cs typeface="+mj-cs"/>
-              </a:rPr>
-              <a:t>), </a:t>
-            </a:r>
-            <a:r>
-              <a:rPr lang="en-US" altLang="zh-CN" sz="1400" dirty="0" err="1">
-                <a:latin typeface="Consolas" panose="020B0609020204030204" pitchFamily="49" charset="0"/>
-                <a:ea typeface="+mj-ea"/>
-                <a:cs typeface="+mj-cs"/>
-              </a:rPr>
-              <a:t>RMSE%_range</a:t>
-            </a:r>
-            <a:r>
-              <a:rPr lang="en-US" altLang="zh-CN" sz="1400" dirty="0">
-                <a:latin typeface="Consolas" panose="020B0609020204030204" pitchFamily="49" charset="0"/>
-                <a:ea typeface="+mj-ea"/>
-                <a:cs typeface="+mj-cs"/>
-              </a:rPr>
-              <a:t>=0.24% (</a:t>
-            </a:r>
-            <a:r>
-              <a:rPr lang="zh-CN" altLang="en-US" sz="1400" dirty="0">
-                <a:latin typeface="Consolas" panose="020B0609020204030204" pitchFamily="49" charset="0"/>
-                <a:ea typeface="+mj-ea"/>
-                <a:cs typeface="+mj-cs"/>
-              </a:rPr>
-              <a:t>优秀</a:t>
-            </a:r>
-            <a:r>
-              <a:rPr lang="en-US" altLang="zh-CN" sz="1400" dirty="0">
-                <a:latin typeface="Consolas" panose="020B0609020204030204" pitchFamily="49" charset="0"/>
-                <a:ea typeface="+mj-ea"/>
-                <a:cs typeface="+mj-cs"/>
-              </a:rPr>
-              <a:t>), N=15</a:t>
-            </a:r>
-          </a:p>
-          <a:p>
-            <a:r>
-              <a:rPr lang="en-US" altLang="zh-CN" sz="1400" dirty="0">
-                <a:latin typeface="Consolas" panose="020B0609020204030204" pitchFamily="49" charset="0"/>
-                <a:ea typeface="+mj-ea"/>
-                <a:cs typeface="+mj-cs"/>
-              </a:rPr>
-              <a:t>Seed 123: MAPE=0.0026 (</a:t>
-            </a:r>
-            <a:r>
-              <a:rPr lang="zh-CN" altLang="en-US" sz="1400" dirty="0">
-                <a:latin typeface="Consolas" panose="020B0609020204030204" pitchFamily="49" charset="0"/>
-                <a:ea typeface="+mj-ea"/>
-                <a:cs typeface="+mj-cs"/>
-              </a:rPr>
-              <a:t>优秀</a:t>
-            </a:r>
-            <a:r>
-              <a:rPr lang="en-US" altLang="zh-CN" sz="1400" dirty="0">
-                <a:latin typeface="Consolas" panose="020B0609020204030204" pitchFamily="49" charset="0"/>
-                <a:ea typeface="+mj-ea"/>
-                <a:cs typeface="+mj-cs"/>
-              </a:rPr>
-              <a:t>), R2=1.0000, RMSE=0.0001 (s), </a:t>
-            </a:r>
-            <a:r>
-              <a:rPr lang="en-US" altLang="zh-CN" sz="1400" dirty="0" err="1">
-                <a:latin typeface="Consolas" panose="020B0609020204030204" pitchFamily="49" charset="0"/>
-                <a:ea typeface="+mj-ea"/>
-                <a:cs typeface="+mj-cs"/>
-              </a:rPr>
-              <a:t>RMSE%_mean</a:t>
-            </a:r>
-            <a:r>
-              <a:rPr lang="en-US" altLang="zh-CN" sz="1400" dirty="0">
-                <a:latin typeface="Consolas" panose="020B0609020204030204" pitchFamily="49" charset="0"/>
-                <a:ea typeface="+mj-ea"/>
-                <a:cs typeface="+mj-cs"/>
-              </a:rPr>
-              <a:t>=0.26% (</a:t>
-            </a:r>
-            <a:r>
-              <a:rPr lang="zh-CN" altLang="en-US" sz="1400" dirty="0">
-                <a:latin typeface="Consolas" panose="020B0609020204030204" pitchFamily="49" charset="0"/>
-                <a:ea typeface="+mj-ea"/>
-                <a:cs typeface="+mj-cs"/>
-              </a:rPr>
-              <a:t>优秀</a:t>
-            </a:r>
-            <a:r>
-              <a:rPr lang="en-US" altLang="zh-CN" sz="1400" dirty="0">
-                <a:latin typeface="Consolas" panose="020B0609020204030204" pitchFamily="49" charset="0"/>
-                <a:ea typeface="+mj-ea"/>
-                <a:cs typeface="+mj-cs"/>
-              </a:rPr>
-              <a:t>), </a:t>
-            </a:r>
-            <a:r>
-              <a:rPr lang="en-US" altLang="zh-CN" sz="1400" dirty="0" err="1">
-                <a:latin typeface="Consolas" panose="020B0609020204030204" pitchFamily="49" charset="0"/>
-                <a:ea typeface="+mj-ea"/>
-                <a:cs typeface="+mj-cs"/>
-              </a:rPr>
-              <a:t>RMSE%_range</a:t>
-            </a:r>
-            <a:r>
-              <a:rPr lang="en-US" altLang="zh-CN" sz="1400" dirty="0">
-                <a:latin typeface="Consolas" panose="020B0609020204030204" pitchFamily="49" charset="0"/>
-                <a:ea typeface="+mj-ea"/>
-                <a:cs typeface="+mj-cs"/>
-              </a:rPr>
-              <a:t>=0.14% (</a:t>
-            </a:r>
-            <a:r>
-              <a:rPr lang="zh-CN" altLang="en-US" sz="1400" dirty="0">
-                <a:latin typeface="Consolas" panose="020B0609020204030204" pitchFamily="49" charset="0"/>
-                <a:ea typeface="+mj-ea"/>
-                <a:cs typeface="+mj-cs"/>
-              </a:rPr>
-              <a:t>优秀</a:t>
-            </a:r>
-            <a:r>
-              <a:rPr lang="en-US" altLang="zh-CN" sz="1400" dirty="0">
-                <a:latin typeface="Consolas" panose="020B0609020204030204" pitchFamily="49" charset="0"/>
-                <a:ea typeface="+mj-ea"/>
-                <a:cs typeface="+mj-cs"/>
-              </a:rPr>
-              <a:t>), N=15</a:t>
-            </a:r>
-          </a:p>
-          <a:p>
-            <a:r>
-              <a:rPr lang="en-US" altLang="zh-CN" sz="1400" dirty="0">
-                <a:latin typeface="Consolas" panose="020B0609020204030204" pitchFamily="49" charset="0"/>
-                <a:ea typeface="+mj-ea"/>
-                <a:cs typeface="+mj-cs"/>
-              </a:rPr>
-              <a:t>Seed 2025: MAPE=0.0010 (</a:t>
-            </a:r>
-            <a:r>
-              <a:rPr lang="zh-CN" altLang="en-US" sz="1400" dirty="0">
-                <a:latin typeface="Consolas" panose="020B0609020204030204" pitchFamily="49" charset="0"/>
-                <a:ea typeface="+mj-ea"/>
-                <a:cs typeface="+mj-cs"/>
-              </a:rPr>
-              <a:t>优秀</a:t>
-            </a:r>
-            <a:r>
-              <a:rPr lang="en-US" altLang="zh-CN" sz="1400" dirty="0">
-                <a:latin typeface="Consolas" panose="020B0609020204030204" pitchFamily="49" charset="0"/>
-                <a:ea typeface="+mj-ea"/>
-                <a:cs typeface="+mj-cs"/>
-              </a:rPr>
-              <a:t>), R2=1.0000, RMSE=0.0001 (s), </a:t>
-            </a:r>
-            <a:r>
-              <a:rPr lang="en-US" altLang="zh-CN" sz="1400" dirty="0" err="1">
-                <a:latin typeface="Consolas" panose="020B0609020204030204" pitchFamily="49" charset="0"/>
-                <a:ea typeface="+mj-ea"/>
-                <a:cs typeface="+mj-cs"/>
-              </a:rPr>
-              <a:t>RMSE%_mean</a:t>
-            </a:r>
-            <a:r>
-              <a:rPr lang="en-US" altLang="zh-CN" sz="1400" dirty="0">
-                <a:latin typeface="Consolas" panose="020B0609020204030204" pitchFamily="49" charset="0"/>
-                <a:ea typeface="+mj-ea"/>
-                <a:cs typeface="+mj-cs"/>
-              </a:rPr>
-              <a:t>=0.27% (</a:t>
-            </a:r>
-            <a:r>
-              <a:rPr lang="zh-CN" altLang="en-US" sz="1400" dirty="0">
-                <a:latin typeface="Consolas" panose="020B0609020204030204" pitchFamily="49" charset="0"/>
-                <a:ea typeface="+mj-ea"/>
-                <a:cs typeface="+mj-cs"/>
-              </a:rPr>
-              <a:t>优秀</a:t>
-            </a:r>
-            <a:r>
-              <a:rPr lang="en-US" altLang="zh-CN" sz="1400" dirty="0">
-                <a:latin typeface="Consolas" panose="020B0609020204030204" pitchFamily="49" charset="0"/>
-                <a:ea typeface="+mj-ea"/>
-                <a:cs typeface="+mj-cs"/>
-              </a:rPr>
-              <a:t>), </a:t>
-            </a:r>
-            <a:r>
-              <a:rPr lang="en-US" altLang="zh-CN" sz="1400" dirty="0" err="1">
-                <a:latin typeface="Consolas" panose="020B0609020204030204" pitchFamily="49" charset="0"/>
-                <a:ea typeface="+mj-ea"/>
-                <a:cs typeface="+mj-cs"/>
-              </a:rPr>
-              <a:t>RMSE%_range</a:t>
-            </a:r>
-            <a:r>
-              <a:rPr lang="en-US" altLang="zh-CN" sz="1400" dirty="0">
-                <a:latin typeface="Consolas" panose="020B0609020204030204" pitchFamily="49" charset="0"/>
-                <a:ea typeface="+mj-ea"/>
-                <a:cs typeface="+mj-cs"/>
-              </a:rPr>
-              <a:t>=0.15% (</a:t>
-            </a:r>
-            <a:r>
-              <a:rPr lang="zh-CN" altLang="en-US" sz="1400" dirty="0">
-                <a:latin typeface="Consolas" panose="020B0609020204030204" pitchFamily="49" charset="0"/>
-                <a:ea typeface="+mj-ea"/>
-                <a:cs typeface="+mj-cs"/>
-              </a:rPr>
-              <a:t>优秀</a:t>
-            </a:r>
-            <a:r>
-              <a:rPr lang="en-US" altLang="zh-CN" sz="1400" dirty="0">
-                <a:latin typeface="Consolas" panose="020B0609020204030204" pitchFamily="49" charset="0"/>
-                <a:ea typeface="+mj-ea"/>
-                <a:cs typeface="+mj-cs"/>
-              </a:rPr>
-              <a:t>), N=15</a:t>
-            </a:r>
-          </a:p>
-          <a:p>
-            <a:r>
-              <a:rPr lang="en-US" altLang="zh-CN" sz="1400" dirty="0">
-                <a:latin typeface="Consolas" panose="020B0609020204030204" pitchFamily="49" charset="0"/>
-                <a:ea typeface="+mj-ea"/>
-                <a:cs typeface="+mj-cs"/>
-              </a:rPr>
-              <a:t>Seed 33550336: MAPE=0.0061 (</a:t>
-            </a:r>
-            <a:r>
-              <a:rPr lang="zh-CN" altLang="en-US" sz="1400" dirty="0">
-                <a:latin typeface="Consolas" panose="020B0609020204030204" pitchFamily="49" charset="0"/>
-                <a:ea typeface="+mj-ea"/>
-                <a:cs typeface="+mj-cs"/>
-              </a:rPr>
-              <a:t>优秀</a:t>
-            </a:r>
-            <a:r>
-              <a:rPr lang="en-US" altLang="zh-CN" sz="1400" dirty="0">
-                <a:latin typeface="Consolas" panose="020B0609020204030204" pitchFamily="49" charset="0"/>
-                <a:ea typeface="+mj-ea"/>
-                <a:cs typeface="+mj-cs"/>
-              </a:rPr>
-              <a:t>), R2=1.0000, RMSE=0.0001 (s), </a:t>
-            </a:r>
-            <a:r>
-              <a:rPr lang="en-US" altLang="zh-CN" sz="1400" dirty="0" err="1">
-                <a:latin typeface="Consolas" panose="020B0609020204030204" pitchFamily="49" charset="0"/>
-                <a:ea typeface="+mj-ea"/>
-                <a:cs typeface="+mj-cs"/>
-              </a:rPr>
-              <a:t>RMSE%_mean</a:t>
-            </a:r>
-            <a:r>
-              <a:rPr lang="en-US" altLang="zh-CN" sz="1400" dirty="0">
-                <a:latin typeface="Consolas" panose="020B0609020204030204" pitchFamily="49" charset="0"/>
-                <a:ea typeface="+mj-ea"/>
-                <a:cs typeface="+mj-cs"/>
-              </a:rPr>
-              <a:t>=0.47% (</a:t>
-            </a:r>
-            <a:r>
-              <a:rPr lang="zh-CN" altLang="en-US" sz="1400" dirty="0">
-                <a:latin typeface="Consolas" panose="020B0609020204030204" pitchFamily="49" charset="0"/>
-                <a:ea typeface="+mj-ea"/>
-                <a:cs typeface="+mj-cs"/>
-              </a:rPr>
-              <a:t>优秀</a:t>
-            </a:r>
-            <a:r>
-              <a:rPr lang="en-US" altLang="zh-CN" sz="1400" dirty="0">
-                <a:latin typeface="Consolas" panose="020B0609020204030204" pitchFamily="49" charset="0"/>
-                <a:ea typeface="+mj-ea"/>
-                <a:cs typeface="+mj-cs"/>
-              </a:rPr>
-              <a:t>), </a:t>
-            </a:r>
-            <a:r>
-              <a:rPr lang="en-US" altLang="zh-CN" sz="1400" dirty="0" err="1">
-                <a:latin typeface="Consolas" panose="020B0609020204030204" pitchFamily="49" charset="0"/>
-                <a:ea typeface="+mj-ea"/>
-                <a:cs typeface="+mj-cs"/>
-              </a:rPr>
-              <a:t>RMSE%_range</a:t>
-            </a:r>
-            <a:r>
-              <a:rPr lang="en-US" altLang="zh-CN" sz="1400" dirty="0">
-                <a:latin typeface="Consolas" panose="020B0609020204030204" pitchFamily="49" charset="0"/>
-                <a:ea typeface="+mj-ea"/>
-                <a:cs typeface="+mj-cs"/>
-              </a:rPr>
-              <a:t>=0.21% (</a:t>
-            </a:r>
-            <a:r>
-              <a:rPr lang="zh-CN" altLang="en-US" sz="1400" dirty="0">
-                <a:latin typeface="Consolas" panose="020B0609020204030204" pitchFamily="49" charset="0"/>
-                <a:ea typeface="+mj-ea"/>
-                <a:cs typeface="+mj-cs"/>
-              </a:rPr>
-              <a:t>优秀</a:t>
-            </a:r>
-            <a:r>
-              <a:rPr lang="en-US" altLang="zh-CN" sz="1400" dirty="0">
-                <a:latin typeface="Consolas" panose="020B0609020204030204" pitchFamily="49" charset="0"/>
-                <a:ea typeface="+mj-ea"/>
-                <a:cs typeface="+mj-cs"/>
-              </a:rPr>
-              <a:t>), N=15</a:t>
+              <a:rPr lang="zh-CN" altLang="en-US" sz="2400" dirty="0"/>
+              <a:t>对于要拟合的</a:t>
+            </a:r>
+            <a:r>
+              <a:rPr lang="en-US" altLang="zh-CN" sz="2400" dirty="0"/>
+              <a:t>n</a:t>
+            </a:r>
+            <a:r>
+              <a:rPr lang="zh-CN" altLang="en-US" sz="2400" dirty="0"/>
+              <a:t>与</a:t>
+            </a:r>
+            <a:r>
+              <a:rPr lang="en-US" altLang="zh-CN" sz="2400" dirty="0"/>
+              <a:t>T</a:t>
+            </a:r>
+            <a:r>
+              <a:rPr lang="zh-CN" altLang="en-US" sz="2400" dirty="0"/>
+              <a:t>，采样更多</a:t>
+            </a:r>
+            <a:r>
+              <a:rPr lang="en-US" altLang="zh-CN" sz="2400" dirty="0"/>
+              <a:t>n</a:t>
+            </a:r>
+            <a:r>
+              <a:rPr lang="zh-CN" altLang="en-US" sz="2400" dirty="0"/>
+              <a:t>能使模型更贴合数据，对同一个</a:t>
+            </a:r>
+            <a:r>
+              <a:rPr lang="en-US" altLang="zh-CN" sz="2400" dirty="0"/>
+              <a:t>n</a:t>
+            </a:r>
+            <a:r>
+              <a:rPr lang="zh-CN" altLang="en-US" sz="2400" dirty="0"/>
+              <a:t>采样更多</a:t>
+            </a:r>
+            <a:r>
+              <a:rPr lang="en-US" altLang="zh-CN" sz="2400" dirty="0"/>
+              <a:t>T</a:t>
+            </a:r>
+            <a:r>
+              <a:rPr lang="zh-CN" altLang="en-US" sz="2400" dirty="0"/>
+              <a:t>有助于降低噪声影响，提高精度。现在要拟合的关系大多数都是知道函数的形式的，因此可以更多地考虑后者。</a:t>
+            </a:r>
+            <a:endParaRPr lang="en-US" altLang="zh-CN" sz="2400" dirty="0"/>
+          </a:p>
+          <a:p>
+            <a:endParaRPr lang="en-US" altLang="zh-CN" sz="2400" dirty="0"/>
+          </a:p>
+          <a:p>
+            <a:r>
+              <a:rPr lang="zh-CN" altLang="en-US" sz="2400" dirty="0"/>
+              <a:t>当某个随机种子在当前数据上表现很好，能否推到别的数据上？</a:t>
+            </a:r>
+            <a:endParaRPr lang="en-US" altLang="zh-CN" sz="2400" dirty="0"/>
+          </a:p>
+          <a:p>
+            <a:r>
+              <a:rPr lang="zh-CN" altLang="en-US" sz="2400" dirty="0"/>
+              <a:t>不能保证，一次好的结果可能是随机性与样本噪声、具体数据划分、超参恰好“契合”。在其他的数据上未必如此。</a:t>
+            </a:r>
+            <a:endParaRPr lang="en-US" altLang="zh-CN" sz="2400" dirty="0"/>
+          </a:p>
+          <a:p>
+            <a:endParaRPr lang="en-US" altLang="zh-CN" sz="2400" dirty="0"/>
+          </a:p>
+          <a:p>
+            <a:r>
+              <a:rPr lang="zh-CN" altLang="en-US" sz="2400" dirty="0"/>
+              <a:t>随机种与其他参数的区别：</a:t>
+            </a:r>
+            <a:endParaRPr lang="en-US" altLang="zh-CN" sz="2400" dirty="0"/>
+          </a:p>
+          <a:p>
+            <a:r>
+              <a:rPr lang="zh-CN" altLang="en-US" sz="2400" dirty="0"/>
+              <a:t>模型参数（超参数）：如</a:t>
+            </a:r>
+            <a:r>
+              <a:rPr lang="en-US" altLang="zh-CN" sz="2400" dirty="0" err="1"/>
+              <a:t>n_estimators</a:t>
+            </a:r>
+            <a:r>
+              <a:rPr lang="en-US" altLang="zh-CN" sz="2400" dirty="0"/>
+              <a:t>, </a:t>
+            </a:r>
+            <a:r>
+              <a:rPr lang="en-US" altLang="zh-CN" sz="2400" dirty="0" err="1"/>
+              <a:t>max_depth</a:t>
+            </a:r>
+            <a:r>
+              <a:rPr lang="en-US" altLang="zh-CN" sz="2400" dirty="0"/>
+              <a:t>, </a:t>
+            </a:r>
+            <a:r>
+              <a:rPr lang="en-US" altLang="zh-CN" sz="2400" dirty="0" err="1"/>
+              <a:t>learning_rate</a:t>
+            </a:r>
+            <a:r>
+              <a:rPr lang="en-US" altLang="zh-CN" sz="2400" dirty="0"/>
+              <a:t>, </a:t>
+            </a:r>
+            <a:r>
+              <a:rPr lang="en-US" altLang="zh-CN" sz="2400" dirty="0" err="1"/>
+              <a:t>hidden_layer_sizes</a:t>
+            </a:r>
+            <a:r>
+              <a:rPr lang="zh-CN" altLang="en-US" sz="2400" dirty="0"/>
+              <a:t>；决定模型的结构、复杂度、学习能力等，直接影响性能。</a:t>
+            </a:r>
+            <a:endParaRPr lang="en-US" altLang="zh-CN" sz="2400" dirty="0"/>
+          </a:p>
+          <a:p>
+            <a:r>
+              <a:rPr lang="zh-CN" altLang="en-US" sz="2400" dirty="0"/>
+              <a:t>训练参数：决定训练过程的收敛路径，影响收敛效果</a:t>
+            </a:r>
+            <a:endParaRPr lang="en-US" altLang="zh-CN" sz="2400" dirty="0"/>
+          </a:p>
+          <a:p>
+            <a:r>
+              <a:rPr lang="zh-CN" altLang="en-US" sz="2400" dirty="0"/>
+              <a:t>随机种：控制随机过程（初始化、抽样、打乱），只影响随机性。</a:t>
+            </a:r>
+            <a:endParaRPr lang="en-US" altLang="zh-CN" sz="2400" dirty="0"/>
+          </a:p>
+          <a:p>
+            <a:endParaRPr lang="en-US" altLang="zh-CN" sz="2400" dirty="0"/>
+          </a:p>
+          <a:p>
+            <a:r>
+              <a:rPr lang="zh-CN" altLang="en-US" sz="2400" dirty="0"/>
+              <a:t>对一组固定超参，使用多个 </a:t>
+            </a:r>
+            <a:r>
+              <a:rPr lang="en-US" altLang="zh-CN" sz="2400" dirty="0"/>
+              <a:t>seed </a:t>
+            </a:r>
+            <a:r>
+              <a:rPr lang="zh-CN" altLang="en-US" sz="2400" dirty="0"/>
+              <a:t>看指标的标准差能量化对随机性的敏感度。如果标准差大说明模型稳定性差，应该考虑更多数据或者调参，或者是某个特定的</a:t>
+            </a:r>
+            <a:r>
+              <a:rPr lang="en-US" altLang="zh-CN" sz="2400" dirty="0"/>
+              <a:t>seed</a:t>
+            </a:r>
+            <a:r>
+              <a:rPr lang="zh-CN" altLang="en-US" sz="2400" dirty="0"/>
+              <a:t>出现了极端情况。</a:t>
             </a:r>
           </a:p>
         </p:txBody>
       </p:sp>
+    </p:spTree>
+    <p:extLst>
+      <p:ext uri="{BB962C8B-B14F-4D97-AF65-F5344CB8AC3E}">
+        <p14:creationId xmlns:p14="http://schemas.microsoft.com/office/powerpoint/2010/main" val="4227960"/>
+      </p:ext>
+    </p:extLst>
+  </p:cSld>
+  <p:clrMapOvr>
+    <a:masterClrMapping/>
+  </p:clrMapOvr>
+</p:sld>
+</file>
+
+<file path=ppt/slides/slide47.xml><?xml version="1.0" encoding="utf-8"?>
+<p:sld xmlns:a="http://schemas.openxmlformats.org/drawingml/2006/main" xmlns:r="http://schemas.openxmlformats.org/officeDocument/2006/relationships" xmlns:p="http://schemas.openxmlformats.org/presentationml/2006/main">
+  <p:cSld>
+    <p:spTree>
+      <p:nvGrpSpPr>
+        <p:cNvPr id="1" name=""/>
+        <p:cNvGrpSpPr/>
+        <p:nvPr/>
+      </p:nvGrpSpPr>
+      <p:grpSpPr>
+        <a:xfrm>
+          <a:off x="0" y="0"/>
+          <a:ext cx="0" cy="0"/>
+          <a:chOff x="0" y="0"/>
+          <a:chExt cx="0" cy="0"/>
+        </a:xfrm>
+      </p:grpSpPr>
       <p:sp>
         <p:nvSpPr>
-          <p:cNvPr id="2" name="标题 1">
+          <p:cNvPr id="16" name="文本框 15">
             <a:extLst>
               <a:ext uri="{FF2B5EF4-FFF2-40B4-BE49-F238E27FC236}">
-                <a16:creationId xmlns:a16="http://schemas.microsoft.com/office/drawing/2014/main" id="{70603E52-4EC6-ED9D-F9A0-9250F4EF6957}"/>
-              </a:ext>
-            </a:extLst>
-          </p:cNvPr>
-          <p:cNvSpPr>
-            <a:spLocks noGrp="1"/>
-          </p:cNvSpPr>
-          <p:nvPr>
-            <p:ph type="title"/>
-          </p:nvPr>
-        </p:nvSpPr>
-        <p:spPr>
-          <a:xfrm>
-            <a:off x="838200" y="88995"/>
-            <a:ext cx="10515600" cy="595921"/>
-          </a:xfrm>
-        </p:spPr>
-        <p:txBody>
-          <a:bodyPr>
-            <a:normAutofit/>
-          </a:bodyPr>
-          <a:lstStyle/>
-          <a:p>
-            <a:r>
-              <a:rPr lang="zh-CN" altLang="en-US" sz="2800" b="1" dirty="0">
-                <a:solidFill>
-                  <a:srgbClr val="00B0F0"/>
-                </a:solidFill>
-                <a:latin typeface="+mn-ea"/>
-              </a:rPr>
-              <a:t>数据量增大，在不同随机种下的表现差异减小</a:t>
-            </a:r>
-            <a:endParaRPr lang="zh-CN" altLang="en-US" sz="2800" dirty="0">
-              <a:solidFill>
-                <a:srgbClr val="00B0F0"/>
-              </a:solidFill>
-            </a:endParaRPr>
-          </a:p>
-        </p:txBody>
-      </p:sp>
-      <p:sp>
-        <p:nvSpPr>
-          <p:cNvPr id="5" name="文本框 4">
-            <a:extLst>
-              <a:ext uri="{FF2B5EF4-FFF2-40B4-BE49-F238E27FC236}">
-                <a16:creationId xmlns:a16="http://schemas.microsoft.com/office/drawing/2014/main" id="{AA45294C-6051-62A8-516C-3A4A53A1962D}"/>
+                <a16:creationId xmlns:a16="http://schemas.microsoft.com/office/drawing/2014/main" id="{99889AFB-4A20-B478-B705-AAB33F7CCC06}"/>
               </a:ext>
             </a:extLst>
           </p:cNvPr>
@@ -30618,8 +31589,8 @@
         </p:nvSpPr>
         <p:spPr>
           <a:xfrm>
-            <a:off x="0" y="3798199"/>
-            <a:ext cx="12192000" cy="2246769"/>
+            <a:off x="0" y="1118173"/>
+            <a:ext cx="3898605" cy="1815882"/>
           </a:xfrm>
           <a:prstGeom prst="rect">
             <a:avLst/>
@@ -30668,7 +31639,26 @@
                 <a:ea typeface="+mj-ea"/>
                 <a:cs typeface="+mj-cs"/>
               </a:rPr>
-              <a:t>Seed 1: MAPE=0.0010 (</a:t>
+              <a:t>MAPE: 0.0034 ± </a:t>
+            </a:r>
+            <a:r>
+              <a:rPr lang="en-US" altLang="zh-CN" sz="1400" dirty="0">
+                <a:highlight>
+                  <a:srgbClr val="FFFF00"/>
+                </a:highlight>
+                <a:latin typeface="Consolas" panose="020B0609020204030204" pitchFamily="49" charset="0"/>
+                <a:ea typeface="+mj-ea"/>
+                <a:cs typeface="+mj-cs"/>
+              </a:rPr>
+              <a:t>0.0022</a:t>
+            </a:r>
+            <a:r>
+              <a:rPr lang="en-US" altLang="zh-CN" sz="1400" dirty="0">
+                <a:latin typeface="Consolas" panose="020B0609020204030204" pitchFamily="49" charset="0"/>
+                <a:ea typeface="+mj-ea"/>
+                <a:cs typeface="+mj-cs"/>
+              </a:rPr>
+              <a:t> (</a:t>
             </a:r>
             <a:r>
               <a:rPr lang="zh-CN" altLang="en-US" sz="1400" dirty="0">
@@ -30684,8 +31674,60 @@
                 <a:ea typeface="+mj-ea"/>
                 <a:cs typeface="+mj-cs"/>
               </a:rPr>
-              <a:t>), R2=1.0000, RMSE=0.0001 (s), </a:t>
-            </a:r>
+              <a:t>)</a:t>
+            </a:r>
+          </a:p>
+          <a:p>
+            <a:r>
+              <a:rPr lang="en-US" altLang="zh-CN" sz="1400" dirty="0">
+                <a:latin typeface="Consolas" panose="020B0609020204030204" pitchFamily="49" charset="0"/>
+                <a:ea typeface="+mj-ea"/>
+                <a:cs typeface="+mj-cs"/>
+              </a:rPr>
+              <a:t>R2:   1.0000 ± </a:t>
+            </a:r>
+            <a:r>
+              <a:rPr lang="en-US" altLang="zh-CN" sz="1400" dirty="0">
+                <a:highlight>
+                  <a:srgbClr val="FFFF00"/>
+                </a:highlight>
+                <a:latin typeface="Consolas" panose="020B0609020204030204" pitchFamily="49" charset="0"/>
+                <a:ea typeface="+mj-ea"/>
+                <a:cs typeface="+mj-cs"/>
+              </a:rPr>
+              <a:t>0.0000</a:t>
+            </a:r>
+          </a:p>
+          <a:p>
+            <a:r>
+              <a:rPr lang="en-US" altLang="zh-CN" sz="1400" dirty="0">
+                <a:latin typeface="Consolas" panose="020B0609020204030204" pitchFamily="49" charset="0"/>
+                <a:ea typeface="+mj-ea"/>
+                <a:cs typeface="+mj-cs"/>
+              </a:rPr>
+              <a:t>RMSE: 0.0001 ± </a:t>
+            </a:r>
+            <a:r>
+              <a:rPr lang="en-US" altLang="zh-CN" sz="1400" dirty="0">
+                <a:highlight>
+                  <a:srgbClr val="FFFF00"/>
+                </a:highlight>
+                <a:latin typeface="Consolas" panose="020B0609020204030204" pitchFamily="49" charset="0"/>
+                <a:ea typeface="+mj-ea"/>
+                <a:cs typeface="+mj-cs"/>
+              </a:rPr>
+              <a:t>0.0001</a:t>
+            </a:r>
+            <a:r>
+              <a:rPr lang="en-US" altLang="zh-CN" sz="1400" dirty="0">
+                <a:latin typeface="Consolas" panose="020B0609020204030204" pitchFamily="49" charset="0"/>
+                <a:ea typeface="+mj-ea"/>
+                <a:cs typeface="+mj-cs"/>
+              </a:rPr>
+              <a:t> (s)</a:t>
+            </a:r>
+          </a:p>
+          <a:p>
             <a:r>
               <a:rPr lang="en-US" altLang="zh-CN" sz="1400" dirty="0" err="1">
                 <a:latin typeface="Consolas" panose="020B0609020204030204" pitchFamily="49" charset="0"/>
@@ -30700,7 +31742,7 @@
                 <a:ea typeface="+mj-ea"/>
                 <a:cs typeface="+mj-cs"/>
               </a:rPr>
-              <a:t>=0.31% (</a:t>
+              <a:t>: 0.27% ± 0.15% (</a:t>
             </a:r>
             <a:r>
               <a:rPr lang="zh-CN" altLang="en-US" sz="1400" dirty="0">
@@ -30716,8 +31758,10 @@
                 <a:ea typeface="+mj-ea"/>
                 <a:cs typeface="+mj-cs"/>
               </a:rPr>
-              <a:t>), </a:t>
-            </a:r>
+              <a:t>)</a:t>
+            </a:r>
+          </a:p>
+          <a:p>
             <a:r>
               <a:rPr lang="en-US" altLang="zh-CN" sz="1400" dirty="0" err="1">
                 <a:latin typeface="Consolas" panose="020B0609020204030204" pitchFamily="49" charset="0"/>
@@ -30732,7 +31776,7 @@
                 <a:ea typeface="+mj-ea"/>
                 <a:cs typeface="+mj-cs"/>
               </a:rPr>
-              <a:t>=0.16% (</a:t>
+              <a:t>: 0.15% ± 0.08% (</a:t>
             </a:r>
             <a:r>
               <a:rPr lang="zh-CN" altLang="en-US" sz="1400" dirty="0">
@@ -30748,9 +31792,38 @@
                 <a:ea typeface="+mj-ea"/>
                 <a:cs typeface="+mj-cs"/>
               </a:rPr>
-              <a:t>), N=1402</a:t>
-            </a:r>
-          </a:p>
+              <a:t>)</a:t>
+            </a:r>
+          </a:p>
+        </p:txBody>
+      </p:sp>
+      <p:sp>
+        <p:nvSpPr>
+          <p:cNvPr id="5" name="文本框 4">
+            <a:extLst>
+              <a:ext uri="{FF2B5EF4-FFF2-40B4-BE49-F238E27FC236}">
+                <a16:creationId xmlns:a16="http://schemas.microsoft.com/office/drawing/2014/main" id="{AA45294C-6051-62A8-516C-3A4A53A1962D}"/>
+              </a:ext>
+            </a:extLst>
+          </p:cNvPr>
+          <p:cNvSpPr txBox="1"/>
+          <p:nvPr/>
+        </p:nvSpPr>
+        <p:spPr>
+          <a:xfrm>
+            <a:off x="0" y="3798199"/>
+            <a:ext cx="3898605" cy="1815882"/>
+          </a:xfrm>
+          <a:prstGeom prst="rect">
+            <a:avLst/>
+          </a:prstGeom>
+          <a:noFill/>
+        </p:spPr>
+        <p:txBody>
+          <a:bodyPr wrap="square">
+            <a:spAutoFit/>
+          </a:bodyPr>
+          <a:lstStyle/>
           <a:p>
             <a:r>
               <a:rPr lang="en-US" altLang="zh-CN" sz="1400" dirty="0">
@@ -30758,7 +31831,56 @@
                 <a:ea typeface="+mj-ea"/>
                 <a:cs typeface="+mj-cs"/>
               </a:rPr>
-              <a:t>Seed 2: MAPE=0.0010 (</a:t>
+              <a:t>Predicting runtime for SHA256 on A72</a:t>
+            </a:r>
+          </a:p>
+          <a:p>
+            <a:r>
+              <a:rPr lang="en-US" altLang="zh-CN" sz="1400" dirty="0">
+                <a:latin typeface="Consolas" panose="020B0609020204030204" pitchFamily="49" charset="0"/>
+                <a:ea typeface="+mj-ea"/>
+                <a:cs typeface="+mj-cs"/>
+              </a:rPr>
+              <a:t>Test size: 0.3, Lower bound: 0.0</a:t>
+            </a:r>
+          </a:p>
+          <a:p>
+            <a:r>
+              <a:rPr lang="en-US" altLang="zh-CN" sz="1400" dirty="0">
+                <a:latin typeface="Consolas" panose="020B0609020204030204" pitchFamily="49" charset="0"/>
+                <a:ea typeface="+mj-ea"/>
+                <a:cs typeface="+mj-cs"/>
+              </a:rPr>
+              <a:t>Method: hybrid</a:t>
+            </a:r>
+          </a:p>
+          <a:p>
+            <a:r>
+              <a:rPr lang="en-US" altLang="zh-CN" sz="1400" dirty="0">
+                <a:latin typeface="Consolas" panose="020B0609020204030204" pitchFamily="49" charset="0"/>
+                <a:ea typeface="+mj-ea"/>
+                <a:cs typeface="+mj-cs"/>
+              </a:rPr>
+              <a:t>MAPE: 0.0009 ± </a:t>
+            </a:r>
+            <a:r>
+              <a:rPr lang="en-US" altLang="zh-CN" sz="1400" dirty="0">
+                <a:highlight>
+                  <a:srgbClr val="00FF00"/>
+                </a:highlight>
+                <a:latin typeface="Consolas" panose="020B0609020204030204" pitchFamily="49" charset="0"/>
+                <a:ea typeface="+mj-ea"/>
+                <a:cs typeface="+mj-cs"/>
+              </a:rPr>
+              <a:t>0.0002</a:t>
+            </a:r>
+            <a:r>
+              <a:rPr lang="en-US" altLang="zh-CN" sz="1400" dirty="0">
+                <a:latin typeface="Consolas" panose="020B0609020204030204" pitchFamily="49" charset="0"/>
+                <a:ea typeface="+mj-ea"/>
+                <a:cs typeface="+mj-cs"/>
+              </a:rPr>
+              <a:t> (</a:t>
             </a:r>
             <a:r>
               <a:rPr lang="zh-CN" altLang="en-US" sz="1400" dirty="0">
@@ -30774,8 +31896,60 @@
                 <a:ea typeface="+mj-ea"/>
                 <a:cs typeface="+mj-cs"/>
               </a:rPr>
-              <a:t>), R2=1.0000, RMSE=0.0001 (s), </a:t>
-            </a:r>
+              <a:t>)</a:t>
+            </a:r>
+          </a:p>
+          <a:p>
+            <a:r>
+              <a:rPr lang="en-US" altLang="zh-CN" sz="1400" dirty="0">
+                <a:latin typeface="Consolas" panose="020B0609020204030204" pitchFamily="49" charset="0"/>
+                <a:ea typeface="+mj-ea"/>
+                <a:cs typeface="+mj-cs"/>
+              </a:rPr>
+              <a:t>R2:   1.0000 ± </a:t>
+            </a:r>
+            <a:r>
+              <a:rPr lang="en-US" altLang="zh-CN" sz="1400" dirty="0">
+                <a:highlight>
+                  <a:srgbClr val="00FF00"/>
+                </a:highlight>
+                <a:latin typeface="Consolas" panose="020B0609020204030204" pitchFamily="49" charset="0"/>
+                <a:ea typeface="+mj-ea"/>
+                <a:cs typeface="+mj-cs"/>
+              </a:rPr>
+              <a:t>0.0000</a:t>
+            </a:r>
+          </a:p>
+          <a:p>
+            <a:r>
+              <a:rPr lang="en-US" altLang="zh-CN" sz="1400" dirty="0">
+                <a:latin typeface="Consolas" panose="020B0609020204030204" pitchFamily="49" charset="0"/>
+                <a:ea typeface="+mj-ea"/>
+                <a:cs typeface="+mj-cs"/>
+              </a:rPr>
+              <a:t>RMSE: 0.0001 ± </a:t>
+            </a:r>
+            <a:r>
+              <a:rPr lang="en-US" altLang="zh-CN" sz="1400" dirty="0">
+                <a:highlight>
+                  <a:srgbClr val="00FF00"/>
+                </a:highlight>
+                <a:latin typeface="Consolas" panose="020B0609020204030204" pitchFamily="49" charset="0"/>
+                <a:ea typeface="+mj-ea"/>
+                <a:cs typeface="+mj-cs"/>
+              </a:rPr>
+              <a:t>0.0000</a:t>
+            </a:r>
+            <a:r>
+              <a:rPr lang="en-US" altLang="zh-CN" sz="1400" dirty="0">
+                <a:latin typeface="Consolas" panose="020B0609020204030204" pitchFamily="49" charset="0"/>
+                <a:ea typeface="+mj-ea"/>
+                <a:cs typeface="+mj-cs"/>
+              </a:rPr>
+              <a:t> (s)</a:t>
+            </a:r>
+          </a:p>
+          <a:p>
             <a:r>
               <a:rPr lang="en-US" altLang="zh-CN" sz="1400" dirty="0" err="1">
                 <a:latin typeface="Consolas" panose="020B0609020204030204" pitchFamily="49" charset="0"/>
@@ -30790,7 +31964,7 @@
                 <a:ea typeface="+mj-ea"/>
                 <a:cs typeface="+mj-cs"/>
               </a:rPr>
-              <a:t>=0.23% (</a:t>
+              <a:t>: 0.25% ± 0.04% (</a:t>
             </a:r>
             <a:r>
               <a:rPr lang="zh-CN" altLang="en-US" sz="1400" dirty="0">
@@ -30806,8 +31980,10 @@
                 <a:ea typeface="+mj-ea"/>
                 <a:cs typeface="+mj-cs"/>
               </a:rPr>
-              <a:t>), </a:t>
-            </a:r>
+              <a:t>)</a:t>
+            </a:r>
+          </a:p>
+          <a:p>
             <a:r>
               <a:rPr lang="en-US" altLang="zh-CN" sz="1400" dirty="0" err="1">
                 <a:latin typeface="Consolas" panose="020B0609020204030204" pitchFamily="49" charset="0"/>
@@ -30822,7 +31998,7 @@
                 <a:ea typeface="+mj-ea"/>
                 <a:cs typeface="+mj-cs"/>
               </a:rPr>
-              <a:t>=0.11% (</a:t>
+              <a:t>: 0.12% ± 0.02% (</a:t>
             </a:r>
             <a:r>
               <a:rPr lang="zh-CN" altLang="en-US" sz="1400" dirty="0">
@@ -30838,457 +32014,7 @@
                 <a:ea typeface="+mj-ea"/>
                 <a:cs typeface="+mj-cs"/>
               </a:rPr>
-              <a:t>), N=1402</a:t>
-            </a:r>
-          </a:p>
-          <a:p>
-            <a:r>
-              <a:rPr lang="en-US" altLang="zh-CN" sz="1400" dirty="0">
-                <a:latin typeface="Consolas" panose="020B0609020204030204" pitchFamily="49" charset="0"/>
-                <a:ea typeface="+mj-ea"/>
-                <a:cs typeface="+mj-cs"/>
-              </a:rPr>
-              <a:t>Seed 6: MAPE=0.0007 (</a:t>
-            </a:r>
-            <a:r>
-              <a:rPr lang="zh-CN" altLang="en-US" sz="1400" dirty="0">
-                <a:latin typeface="Consolas" panose="020B0609020204030204" pitchFamily="49" charset="0"/>
-                <a:ea typeface="+mj-ea"/>
-                <a:cs typeface="+mj-cs"/>
-              </a:rPr>
-              <a:t>优秀</a:t>
-            </a:r>
-            <a:r>
-              <a:rPr lang="en-US" altLang="zh-CN" sz="1400" dirty="0">
-                <a:latin typeface="Consolas" panose="020B0609020204030204" pitchFamily="49" charset="0"/>
-                <a:ea typeface="+mj-ea"/>
-                <a:cs typeface="+mj-cs"/>
-              </a:rPr>
-              <a:t>), R2=1.0000, RMSE=0.0001 (s), </a:t>
-            </a:r>
-            <a:r>
-              <a:rPr lang="en-US" altLang="zh-CN" sz="1400" dirty="0" err="1">
-                <a:latin typeface="Consolas" panose="020B0609020204030204" pitchFamily="49" charset="0"/>
-                <a:ea typeface="+mj-ea"/>
-                <a:cs typeface="+mj-cs"/>
-              </a:rPr>
-              <a:t>RMSE%_mean</a:t>
-            </a:r>
-            <a:r>
-              <a:rPr lang="en-US" altLang="zh-CN" sz="1400" dirty="0">
-                <a:latin typeface="Consolas" panose="020B0609020204030204" pitchFamily="49" charset="0"/>
-                <a:ea typeface="+mj-ea"/>
-                <a:cs typeface="+mj-cs"/>
-              </a:rPr>
-              <a:t>=0.20% (</a:t>
-            </a:r>
-            <a:r>
-              <a:rPr lang="zh-CN" altLang="en-US" sz="1400" dirty="0">
-                <a:latin typeface="Consolas" panose="020B0609020204030204" pitchFamily="49" charset="0"/>
-                <a:ea typeface="+mj-ea"/>
-                <a:cs typeface="+mj-cs"/>
-              </a:rPr>
-              <a:t>优秀</a:t>
-            </a:r>
-            <a:r>
-              <a:rPr lang="en-US" altLang="zh-CN" sz="1400" dirty="0">
-                <a:latin typeface="Consolas" panose="020B0609020204030204" pitchFamily="49" charset="0"/>
-                <a:ea typeface="+mj-ea"/>
-                <a:cs typeface="+mj-cs"/>
-              </a:rPr>
-              <a:t>), </a:t>
-            </a:r>
-            <a:r>
-              <a:rPr lang="en-US" altLang="zh-CN" sz="1400" dirty="0" err="1">
-                <a:latin typeface="Consolas" panose="020B0609020204030204" pitchFamily="49" charset="0"/>
-                <a:ea typeface="+mj-ea"/>
-                <a:cs typeface="+mj-cs"/>
-              </a:rPr>
-              <a:t>RMSE%_range</a:t>
-            </a:r>
-            <a:r>
-              <a:rPr lang="en-US" altLang="zh-CN" sz="1400" dirty="0">
-                <a:latin typeface="Consolas" panose="020B0609020204030204" pitchFamily="49" charset="0"/>
-                <a:ea typeface="+mj-ea"/>
-                <a:cs typeface="+mj-cs"/>
-              </a:rPr>
-              <a:t>=0.10% (</a:t>
-            </a:r>
-            <a:r>
-              <a:rPr lang="zh-CN" altLang="en-US" sz="1400" dirty="0">
-                <a:latin typeface="Consolas" panose="020B0609020204030204" pitchFamily="49" charset="0"/>
-                <a:ea typeface="+mj-ea"/>
-                <a:cs typeface="+mj-cs"/>
-              </a:rPr>
-              <a:t>优秀</a:t>
-            </a:r>
-            <a:r>
-              <a:rPr lang="en-US" altLang="zh-CN" sz="1400" dirty="0">
-                <a:latin typeface="Consolas" panose="020B0609020204030204" pitchFamily="49" charset="0"/>
-                <a:ea typeface="+mj-ea"/>
-                <a:cs typeface="+mj-cs"/>
-              </a:rPr>
-              <a:t>), N=1402</a:t>
-            </a:r>
-          </a:p>
-          <a:p>
-            <a:r>
-              <a:rPr lang="en-US" altLang="zh-CN" sz="1400" dirty="0">
-                <a:latin typeface="Consolas" panose="020B0609020204030204" pitchFamily="49" charset="0"/>
-                <a:ea typeface="+mj-ea"/>
-                <a:cs typeface="+mj-cs"/>
-              </a:rPr>
-              <a:t>Seed 42: MAPE=0.0007 (</a:t>
-            </a:r>
-            <a:r>
-              <a:rPr lang="zh-CN" altLang="en-US" sz="1400" dirty="0">
-                <a:latin typeface="Consolas" panose="020B0609020204030204" pitchFamily="49" charset="0"/>
-                <a:ea typeface="+mj-ea"/>
-                <a:cs typeface="+mj-cs"/>
-              </a:rPr>
-              <a:t>优秀</a:t>
-            </a:r>
-            <a:r>
-              <a:rPr lang="en-US" altLang="zh-CN" sz="1400" dirty="0">
-                <a:latin typeface="Consolas" panose="020B0609020204030204" pitchFamily="49" charset="0"/>
-                <a:ea typeface="+mj-ea"/>
-                <a:cs typeface="+mj-cs"/>
-              </a:rPr>
-              <a:t>), R2=1.0000, RMSE=0.0001 (s), </a:t>
-            </a:r>
-            <a:r>
-              <a:rPr lang="en-US" altLang="zh-CN" sz="1400" dirty="0" err="1">
-                <a:latin typeface="Consolas" panose="020B0609020204030204" pitchFamily="49" charset="0"/>
-                <a:ea typeface="+mj-ea"/>
-                <a:cs typeface="+mj-cs"/>
-              </a:rPr>
-              <a:t>RMSE%_mean</a:t>
-            </a:r>
-            <a:r>
-              <a:rPr lang="en-US" altLang="zh-CN" sz="1400" dirty="0">
-                <a:latin typeface="Consolas" panose="020B0609020204030204" pitchFamily="49" charset="0"/>
-                <a:ea typeface="+mj-ea"/>
-                <a:cs typeface="+mj-cs"/>
-              </a:rPr>
-              <a:t>=0.29% (</a:t>
-            </a:r>
-            <a:r>
-              <a:rPr lang="zh-CN" altLang="en-US" sz="1400" dirty="0">
-                <a:latin typeface="Consolas" panose="020B0609020204030204" pitchFamily="49" charset="0"/>
-                <a:ea typeface="+mj-ea"/>
-                <a:cs typeface="+mj-cs"/>
-              </a:rPr>
-              <a:t>优秀</a:t>
-            </a:r>
-            <a:r>
-              <a:rPr lang="en-US" altLang="zh-CN" sz="1400" dirty="0">
-                <a:latin typeface="Consolas" panose="020B0609020204030204" pitchFamily="49" charset="0"/>
-                <a:ea typeface="+mj-ea"/>
-                <a:cs typeface="+mj-cs"/>
-              </a:rPr>
-              <a:t>), </a:t>
-            </a:r>
-            <a:r>
-              <a:rPr lang="en-US" altLang="zh-CN" sz="1400" dirty="0" err="1">
-                <a:latin typeface="Consolas" panose="020B0609020204030204" pitchFamily="49" charset="0"/>
-                <a:ea typeface="+mj-ea"/>
-                <a:cs typeface="+mj-cs"/>
-              </a:rPr>
-              <a:t>RMSE%_range</a:t>
-            </a:r>
-            <a:r>
-              <a:rPr lang="en-US" altLang="zh-CN" sz="1400" dirty="0">
-                <a:latin typeface="Consolas" panose="020B0609020204030204" pitchFamily="49" charset="0"/>
-                <a:ea typeface="+mj-ea"/>
-                <a:cs typeface="+mj-cs"/>
-              </a:rPr>
-              <a:t>=0.14% (</a:t>
-            </a:r>
-            <a:r>
-              <a:rPr lang="zh-CN" altLang="en-US" sz="1400" dirty="0">
-                <a:latin typeface="Consolas" panose="020B0609020204030204" pitchFamily="49" charset="0"/>
-                <a:ea typeface="+mj-ea"/>
-                <a:cs typeface="+mj-cs"/>
-              </a:rPr>
-              <a:t>优秀</a:t>
-            </a:r>
-            <a:r>
-              <a:rPr lang="en-US" altLang="zh-CN" sz="1400" dirty="0">
-                <a:latin typeface="Consolas" panose="020B0609020204030204" pitchFamily="49" charset="0"/>
-                <a:ea typeface="+mj-ea"/>
-                <a:cs typeface="+mj-cs"/>
-              </a:rPr>
-              <a:t>), N=1402</a:t>
-            </a:r>
-          </a:p>
-          <a:p>
-            <a:r>
-              <a:rPr lang="en-US" altLang="zh-CN" sz="1400" dirty="0">
-                <a:latin typeface="Consolas" panose="020B0609020204030204" pitchFamily="49" charset="0"/>
-                <a:ea typeface="+mj-ea"/>
-                <a:cs typeface="+mj-cs"/>
-              </a:rPr>
-              <a:t>Seed 123: MAPE=0.0008 (</a:t>
-            </a:r>
-            <a:r>
-              <a:rPr lang="zh-CN" altLang="en-US" sz="1400" dirty="0">
-                <a:latin typeface="Consolas" panose="020B0609020204030204" pitchFamily="49" charset="0"/>
-                <a:ea typeface="+mj-ea"/>
-                <a:cs typeface="+mj-cs"/>
-              </a:rPr>
-              <a:t>优秀</a:t>
-            </a:r>
-            <a:r>
-              <a:rPr lang="en-US" altLang="zh-CN" sz="1400" dirty="0">
-                <a:latin typeface="Consolas" panose="020B0609020204030204" pitchFamily="49" charset="0"/>
-                <a:ea typeface="+mj-ea"/>
-                <a:cs typeface="+mj-cs"/>
-              </a:rPr>
-              <a:t>), R2=1.0000, RMSE=0.0001 (s), </a:t>
-            </a:r>
-            <a:r>
-              <a:rPr lang="en-US" altLang="zh-CN" sz="1400" dirty="0" err="1">
-                <a:latin typeface="Consolas" panose="020B0609020204030204" pitchFamily="49" charset="0"/>
-                <a:ea typeface="+mj-ea"/>
-                <a:cs typeface="+mj-cs"/>
-              </a:rPr>
-              <a:t>RMSE%_mean</a:t>
-            </a:r>
-            <a:r>
-              <a:rPr lang="en-US" altLang="zh-CN" sz="1400" dirty="0">
-                <a:latin typeface="Consolas" panose="020B0609020204030204" pitchFamily="49" charset="0"/>
-                <a:ea typeface="+mj-ea"/>
-                <a:cs typeface="+mj-cs"/>
-              </a:rPr>
-              <a:t>=0.25% (</a:t>
-            </a:r>
-            <a:r>
-              <a:rPr lang="zh-CN" altLang="en-US" sz="1400" dirty="0">
-                <a:latin typeface="Consolas" panose="020B0609020204030204" pitchFamily="49" charset="0"/>
-                <a:ea typeface="+mj-ea"/>
-                <a:cs typeface="+mj-cs"/>
-              </a:rPr>
-              <a:t>优秀</a:t>
-            </a:r>
-            <a:r>
-              <a:rPr lang="en-US" altLang="zh-CN" sz="1400" dirty="0">
-                <a:latin typeface="Consolas" panose="020B0609020204030204" pitchFamily="49" charset="0"/>
-                <a:ea typeface="+mj-ea"/>
-                <a:cs typeface="+mj-cs"/>
-              </a:rPr>
-              <a:t>), </a:t>
-            </a:r>
-            <a:r>
-              <a:rPr lang="en-US" altLang="zh-CN" sz="1400" dirty="0" err="1">
-                <a:latin typeface="Consolas" panose="020B0609020204030204" pitchFamily="49" charset="0"/>
-                <a:ea typeface="+mj-ea"/>
-                <a:cs typeface="+mj-cs"/>
-              </a:rPr>
-              <a:t>RMSE%_range</a:t>
-            </a:r>
-            <a:r>
-              <a:rPr lang="en-US" altLang="zh-CN" sz="1400" dirty="0">
-                <a:latin typeface="Consolas" panose="020B0609020204030204" pitchFamily="49" charset="0"/>
-                <a:ea typeface="+mj-ea"/>
-                <a:cs typeface="+mj-cs"/>
-              </a:rPr>
-              <a:t>=0.13% (</a:t>
-            </a:r>
-            <a:r>
-              <a:rPr lang="zh-CN" altLang="en-US" sz="1400" dirty="0">
-                <a:latin typeface="Consolas" panose="020B0609020204030204" pitchFamily="49" charset="0"/>
-                <a:ea typeface="+mj-ea"/>
-                <a:cs typeface="+mj-cs"/>
-              </a:rPr>
-              <a:t>优秀</a:t>
-            </a:r>
-            <a:r>
-              <a:rPr lang="en-US" altLang="zh-CN" sz="1400" dirty="0">
-                <a:latin typeface="Consolas" panose="020B0609020204030204" pitchFamily="49" charset="0"/>
-                <a:ea typeface="+mj-ea"/>
-                <a:cs typeface="+mj-cs"/>
-              </a:rPr>
-              <a:t>), N=1402</a:t>
-            </a:r>
-          </a:p>
-          <a:p>
-            <a:r>
-              <a:rPr lang="en-US" altLang="zh-CN" sz="1400" dirty="0">
-                <a:latin typeface="Consolas" panose="020B0609020204030204" pitchFamily="49" charset="0"/>
-                <a:ea typeface="+mj-ea"/>
-                <a:cs typeface="+mj-cs"/>
-              </a:rPr>
-              <a:t>Seed 2025: MAPE=0.0011 (</a:t>
-            </a:r>
-            <a:r>
-              <a:rPr lang="zh-CN" altLang="en-US" sz="1400" dirty="0">
-                <a:latin typeface="Consolas" panose="020B0609020204030204" pitchFamily="49" charset="0"/>
-                <a:ea typeface="+mj-ea"/>
-                <a:cs typeface="+mj-cs"/>
-              </a:rPr>
-              <a:t>优秀</a:t>
-            </a:r>
-            <a:r>
-              <a:rPr lang="en-US" altLang="zh-CN" sz="1400" dirty="0">
-                <a:latin typeface="Consolas" panose="020B0609020204030204" pitchFamily="49" charset="0"/>
-                <a:ea typeface="+mj-ea"/>
-                <a:cs typeface="+mj-cs"/>
-              </a:rPr>
-              <a:t>), R2=1.0000, RMSE=0.0001 (s), </a:t>
-            </a:r>
-            <a:r>
-              <a:rPr lang="en-US" altLang="zh-CN" sz="1400" dirty="0" err="1">
-                <a:latin typeface="Consolas" panose="020B0609020204030204" pitchFamily="49" charset="0"/>
-                <a:ea typeface="+mj-ea"/>
-                <a:cs typeface="+mj-cs"/>
-              </a:rPr>
-              <a:t>RMSE%_mean</a:t>
-            </a:r>
-            <a:r>
-              <a:rPr lang="en-US" altLang="zh-CN" sz="1400" dirty="0">
-                <a:latin typeface="Consolas" panose="020B0609020204030204" pitchFamily="49" charset="0"/>
-                <a:ea typeface="+mj-ea"/>
-                <a:cs typeface="+mj-cs"/>
-              </a:rPr>
-              <a:t>=0.22% (</a:t>
-            </a:r>
-            <a:r>
-              <a:rPr lang="zh-CN" altLang="en-US" sz="1400" dirty="0">
-                <a:latin typeface="Consolas" panose="020B0609020204030204" pitchFamily="49" charset="0"/>
-                <a:ea typeface="+mj-ea"/>
-                <a:cs typeface="+mj-cs"/>
-              </a:rPr>
-              <a:t>优秀</a:t>
-            </a:r>
-            <a:r>
-              <a:rPr lang="en-US" altLang="zh-CN" sz="1400" dirty="0">
-                <a:latin typeface="Consolas" panose="020B0609020204030204" pitchFamily="49" charset="0"/>
-                <a:ea typeface="+mj-ea"/>
-                <a:cs typeface="+mj-cs"/>
-              </a:rPr>
-              <a:t>), </a:t>
-            </a:r>
-            <a:r>
-              <a:rPr lang="en-US" altLang="zh-CN" sz="1400" dirty="0" err="1">
-                <a:latin typeface="Consolas" panose="020B0609020204030204" pitchFamily="49" charset="0"/>
-                <a:ea typeface="+mj-ea"/>
-                <a:cs typeface="+mj-cs"/>
-              </a:rPr>
-              <a:t>RMSE%_range</a:t>
-            </a:r>
-            <a:r>
-              <a:rPr lang="en-US" altLang="zh-CN" sz="1400" dirty="0">
-                <a:latin typeface="Consolas" panose="020B0609020204030204" pitchFamily="49" charset="0"/>
-                <a:ea typeface="+mj-ea"/>
-                <a:cs typeface="+mj-cs"/>
-              </a:rPr>
-              <a:t>=0.11% (</a:t>
-            </a:r>
-            <a:r>
-              <a:rPr lang="zh-CN" altLang="en-US" sz="1400" dirty="0">
-                <a:latin typeface="Consolas" panose="020B0609020204030204" pitchFamily="49" charset="0"/>
-                <a:ea typeface="+mj-ea"/>
-                <a:cs typeface="+mj-cs"/>
-              </a:rPr>
-              <a:t>优秀</a:t>
-            </a:r>
-            <a:r>
-              <a:rPr lang="en-US" altLang="zh-CN" sz="1400" dirty="0">
-                <a:latin typeface="Consolas" panose="020B0609020204030204" pitchFamily="49" charset="0"/>
-                <a:ea typeface="+mj-ea"/>
-                <a:cs typeface="+mj-cs"/>
-              </a:rPr>
-              <a:t>), N=1402</a:t>
-            </a:r>
-          </a:p>
-          <a:p>
-            <a:r>
-              <a:rPr lang="en-US" altLang="zh-CN" sz="1400" dirty="0">
-                <a:latin typeface="Consolas" panose="020B0609020204030204" pitchFamily="49" charset="0"/>
-                <a:ea typeface="+mj-ea"/>
-                <a:cs typeface="+mj-cs"/>
-              </a:rPr>
-              <a:t>Seed 33550336: MAPE=0.0008 (</a:t>
-            </a:r>
-            <a:r>
-              <a:rPr lang="zh-CN" altLang="en-US" sz="1400" dirty="0">
-                <a:latin typeface="Consolas" panose="020B0609020204030204" pitchFamily="49" charset="0"/>
-                <a:ea typeface="+mj-ea"/>
-                <a:cs typeface="+mj-cs"/>
-              </a:rPr>
-              <a:t>优秀</a:t>
-            </a:r>
-            <a:r>
-              <a:rPr lang="en-US" altLang="zh-CN" sz="1400" dirty="0">
-                <a:latin typeface="Consolas" panose="020B0609020204030204" pitchFamily="49" charset="0"/>
-                <a:ea typeface="+mj-ea"/>
-                <a:cs typeface="+mj-cs"/>
-              </a:rPr>
-              <a:t>), R2=1.0000, RMSE=0.0001 (s), </a:t>
-            </a:r>
-            <a:r>
-              <a:rPr lang="en-US" altLang="zh-CN" sz="1400" dirty="0" err="1">
-                <a:latin typeface="Consolas" panose="020B0609020204030204" pitchFamily="49" charset="0"/>
-                <a:ea typeface="+mj-ea"/>
-                <a:cs typeface="+mj-cs"/>
-              </a:rPr>
-              <a:t>RMSE%_mean</a:t>
-            </a:r>
-            <a:r>
-              <a:rPr lang="en-US" altLang="zh-CN" sz="1400" dirty="0">
-                <a:latin typeface="Consolas" panose="020B0609020204030204" pitchFamily="49" charset="0"/>
-                <a:ea typeface="+mj-ea"/>
-                <a:cs typeface="+mj-cs"/>
-              </a:rPr>
-              <a:t>=0.23% (</a:t>
-            </a:r>
-            <a:r>
-              <a:rPr lang="zh-CN" altLang="en-US" sz="1400" dirty="0">
-                <a:latin typeface="Consolas" panose="020B0609020204030204" pitchFamily="49" charset="0"/>
-                <a:ea typeface="+mj-ea"/>
-                <a:cs typeface="+mj-cs"/>
-              </a:rPr>
-              <a:t>优秀</a:t>
-            </a:r>
-            <a:r>
-              <a:rPr lang="en-US" altLang="zh-CN" sz="1400" dirty="0">
-                <a:latin typeface="Consolas" panose="020B0609020204030204" pitchFamily="49" charset="0"/>
-                <a:ea typeface="+mj-ea"/>
-                <a:cs typeface="+mj-cs"/>
-              </a:rPr>
-              <a:t>), </a:t>
-            </a:r>
-            <a:r>
-              <a:rPr lang="en-US" altLang="zh-CN" sz="1400" dirty="0" err="1">
-                <a:latin typeface="Consolas" panose="020B0609020204030204" pitchFamily="49" charset="0"/>
-                <a:ea typeface="+mj-ea"/>
-                <a:cs typeface="+mj-cs"/>
-              </a:rPr>
-              <a:t>RMSE%_range</a:t>
-            </a:r>
-            <a:r>
-              <a:rPr lang="en-US" altLang="zh-CN" sz="1400" dirty="0">
-                <a:latin typeface="Consolas" panose="020B0609020204030204" pitchFamily="49" charset="0"/>
-                <a:ea typeface="+mj-ea"/>
-                <a:cs typeface="+mj-cs"/>
-              </a:rPr>
-              <a:t>=0.11% (</a:t>
-            </a:r>
-            <a:r>
-              <a:rPr lang="zh-CN" altLang="en-US" sz="1400" dirty="0">
-                <a:latin typeface="Consolas" panose="020B0609020204030204" pitchFamily="49" charset="0"/>
-                <a:ea typeface="+mj-ea"/>
-                <a:cs typeface="+mj-cs"/>
-              </a:rPr>
-              <a:t>优秀</a:t>
-            </a:r>
-            <a:r>
-              <a:rPr lang="en-US" altLang="zh-CN" sz="1400" dirty="0">
-                <a:latin typeface="Consolas" panose="020B0609020204030204" pitchFamily="49" charset="0"/>
-                <a:ea typeface="+mj-ea"/>
-                <a:cs typeface="+mj-cs"/>
-              </a:rPr>
-              <a:t>), N=1402</a:t>
+              <a:t>)</a:t>
             </a:r>
           </a:p>
         </p:txBody>
@@ -31439,10 +32165,55 @@
           </a:p>
         </p:txBody>
       </p:sp>
+      <p:sp>
+        <p:nvSpPr>
+          <p:cNvPr id="4" name="标题 1">
+            <a:extLst>
+              <a:ext uri="{FF2B5EF4-FFF2-40B4-BE49-F238E27FC236}">
+                <a16:creationId xmlns:a16="http://schemas.microsoft.com/office/drawing/2014/main" id="{70603E52-4EC6-ED9D-F9A0-9250F4EF6957}"/>
+              </a:ext>
+            </a:extLst>
+          </p:cNvPr>
+          <p:cNvSpPr>
+            <a:spLocks noGrp="1"/>
+          </p:cNvSpPr>
+          <p:nvPr>
+            <p:ph type="title"/>
+          </p:nvPr>
+        </p:nvSpPr>
+        <p:spPr>
+          <a:xfrm>
+            <a:off x="0" y="88995"/>
+            <a:ext cx="10515600" cy="595921"/>
+          </a:xfrm>
+        </p:spPr>
+        <p:txBody>
+          <a:bodyPr>
+            <a:normAutofit/>
+          </a:bodyPr>
+          <a:lstStyle/>
+          <a:p>
+            <a:r>
+              <a:rPr lang="zh-CN" altLang="en-US" sz="2800" b="1" dirty="0">
+                <a:solidFill>
+                  <a:srgbClr val="00B0F0"/>
+                </a:solidFill>
+                <a:latin typeface="+mn-ea"/>
+              </a:rPr>
+              <a:t>数据量增大，在不同随机种下的表现差异减小</a:t>
+            </a:r>
+            <a:endParaRPr lang="zh-CN" altLang="en-US" sz="2800" dirty="0">
+              <a:solidFill>
+                <a:srgbClr val="00B0F0"/>
+              </a:solidFill>
+            </a:endParaRPr>
+          </a:p>
+        </p:txBody>
+      </p:sp>
     </p:spTree>
     <p:extLst>
       <p:ext uri="{BB962C8B-B14F-4D97-AF65-F5344CB8AC3E}">
-        <p14:creationId xmlns:p14="http://schemas.microsoft.com/office/powerpoint/2010/main" val="4227960"/>
+        <p14:creationId xmlns:p14="http://schemas.microsoft.com/office/powerpoint/2010/main" val="3489075339"/>
       </p:ext>
     </p:extLst>
   </p:cSld>
@@ -31452,7 +32223,7 @@
 </p:sld>
 </file>
 
-<file path=ppt/slides/slide46.xml><?xml version="1.0" encoding="utf-8"?>
+<file path=ppt/slides/slide48.xml><?xml version="1.0" encoding="utf-8"?>
 <p:sld xmlns:a="http://schemas.openxmlformats.org/drawingml/2006/main" xmlns:r="http://schemas.openxmlformats.org/officeDocument/2006/relationships" xmlns:p="http://schemas.openxmlformats.org/presentationml/2006/main">
   <p:cSld>
     <p:spTree>
@@ -31677,7 +32448,7 @@
                   <a:srgbClr val="FF0000"/>
                 </a:solidFill>
               </a:rPr>
-              <a:t>的幂次，能采样的点有限，并且分布稀疏</a:t>
+              <a:t>的幂次，能采样的点有限，并且分布稀疏，可能受数据噪音影响较大</a:t>
             </a:r>
             <a:br>
               <a:rPr lang="en-US" altLang="zh-CN" sz="2400" b="1" dirty="0">
@@ -32661,7 +33432,7 @@
         <p:spPr>
           <a:xfrm>
             <a:off x="-1219" y="1598854"/>
-            <a:ext cx="12193217" cy="3122906"/>
+            <a:ext cx="12193217" cy="4591000"/>
           </a:xfrm>
           <a:prstGeom prst="rect">
             <a:avLst/>
@@ -32675,175 +33446,172 @@
           <a:lstStyle/>
           <a:p>
             <a:r>
-              <a:rPr lang="zh-CN" altLang="en-US" sz="1400"/>
+              <a:rPr lang="zh-CN" altLang="en-US" sz="2000" dirty="0"/>
               <a:t>之前表现不好的情况，应该是与随机种参数有关。随机种参数影响数据划分（不同划分可能噪声不同）和模型表现。</a:t>
             </a:r>
-            <a:endParaRPr lang="en-US" altLang="zh-CN" sz="1400"/>
-          </a:p>
-          <a:p>
-            <a:r>
-              <a:rPr lang="zh-CN" altLang="en-US" sz="1400"/>
+            <a:endParaRPr lang="en-US" altLang="zh-CN" sz="2000" dirty="0"/>
+          </a:p>
+          <a:p>
+            <a:r>
+              <a:rPr lang="zh-CN" altLang="en-US" sz="2000" dirty="0"/>
               <a:t>就这两个表现不好的样例来看：</a:t>
             </a:r>
-            <a:endParaRPr lang="en-US" altLang="zh-CN" sz="1400"/>
-          </a:p>
-          <a:p>
-            <a:r>
-              <a:rPr lang="en-US" altLang="zh-CN" sz="1400"/>
-              <a:t>RMSE%_range </a:t>
-            </a:r>
-            <a:r>
-              <a:rPr lang="zh-CN" altLang="en-US" sz="1400"/>
+            <a:endParaRPr lang="en-US" altLang="zh-CN" sz="2000" dirty="0"/>
+          </a:p>
+          <a:p>
+            <a:r>
+              <a:rPr lang="en-US" altLang="zh-CN" sz="2000" dirty="0" err="1"/>
+              <a:t>RMSE%_range</a:t>
+            </a:r>
+            <a:r>
+              <a:rPr lang="en-US" altLang="zh-CN" sz="2000" dirty="0"/>
+              <a:t> </a:t>
+            </a:r>
+            <a:r>
+              <a:rPr lang="zh-CN" altLang="en-US" sz="2000" dirty="0"/>
               <a:t>很低（≈</a:t>
             </a:r>
             <a:r>
-              <a:rPr lang="en-US" altLang="zh-CN" sz="1400"/>
+              <a:rPr lang="en-US" altLang="zh-CN" sz="2000" dirty="0"/>
               <a:t>2%</a:t>
             </a:r>
             <a:r>
-              <a:rPr lang="zh-CN" altLang="en-US" sz="1400"/>
-              <a:t>），说明把 </a:t>
-            </a:r>
-            <a:r>
-              <a:rPr lang="en-US" altLang="zh-CN" sz="1400"/>
-              <a:t>RMSE </a:t>
-            </a:r>
-            <a:r>
-              <a:rPr lang="zh-CN" altLang="en-US" sz="1400"/>
-              <a:t>相对于范围看就是一个很小的比例。</a:t>
-            </a:r>
-          </a:p>
-          <a:p>
-            <a:r>
-              <a:rPr lang="en-US" altLang="zh-CN" sz="1400"/>
-              <a:t>RMSE%_mean </a:t>
-            </a:r>
-            <a:r>
-              <a:rPr lang="zh-CN" altLang="en-US" sz="1400"/>
+              <a:rPr lang="zh-CN" altLang="en-US" sz="2000" dirty="0"/>
+              <a:t>），说明把均方根误差相对于范围看就是一个很小的比例。</a:t>
+            </a:r>
+          </a:p>
+          <a:p>
+            <a:r>
+              <a:rPr lang="en-US" altLang="zh-CN" sz="2000" dirty="0" err="1"/>
+              <a:t>RMSE%_mean</a:t>
+            </a:r>
+            <a:r>
+              <a:rPr lang="en-US" altLang="zh-CN" sz="2000" dirty="0"/>
+              <a:t> </a:t>
+            </a:r>
+            <a:r>
+              <a:rPr lang="zh-CN" altLang="en-US" sz="2000" dirty="0"/>
               <a:t>给出的 </a:t>
             </a:r>
             <a:r>
-              <a:rPr lang="en-US" altLang="zh-CN" sz="1400"/>
+              <a:rPr lang="en-US" altLang="zh-CN" sz="2000" dirty="0"/>
               <a:t>10–15% </a:t>
             </a:r>
             <a:r>
-              <a:rPr lang="zh-CN" altLang="en-US" sz="1400"/>
-              <a:t>说明 </a:t>
-            </a:r>
-            <a:r>
-              <a:rPr lang="en-US" altLang="zh-CN" sz="1400"/>
-              <a:t>RMSE </a:t>
-            </a:r>
-            <a:r>
-              <a:rPr lang="zh-CN" altLang="en-US" sz="1400"/>
-              <a:t>相对于均值仍然是中等 ，可反推均值：</a:t>
+              <a:rPr lang="zh-CN" altLang="en-US" sz="2000" dirty="0"/>
+              <a:t>说明均方根误差相对于均值仍然是中等 ，可反推均值：</a:t>
             </a:r>
           </a:p>
           <a:p>
             <a:pPr lvl="1"/>
             <a:r>
-              <a:rPr lang="en-US" altLang="zh-CN" sz="1400"/>
-              <a:t>mean ≈ 100 * RMSE / RMSE%_mean</a:t>
-            </a:r>
+              <a:rPr lang="en-US" altLang="zh-CN" sz="2000" dirty="0"/>
+              <a:t>mean ≈ 100 * RMSE / </a:t>
+            </a:r>
+            <a:r>
+              <a:rPr lang="en-US" altLang="zh-CN" sz="2000" dirty="0" err="1"/>
+              <a:t>RMSE%_mean</a:t>
+            </a:r>
+            <a:endParaRPr lang="en-US" altLang="zh-CN" sz="2000" dirty="0"/>
           </a:p>
           <a:p>
             <a:pPr lvl="2"/>
             <a:r>
-              <a:rPr lang="en-US" altLang="zh-CN" sz="1400"/>
+              <a:rPr lang="en-US" altLang="zh-CN" dirty="0"/>
               <a:t>Seed2 mean ≈ 100*5.3302/15.19 ≈ 35.1 s</a:t>
             </a:r>
           </a:p>
           <a:p>
             <a:pPr lvl="2"/>
             <a:r>
-              <a:rPr lang="en-US" altLang="zh-CN" sz="1400"/>
+              <a:rPr lang="en-US" altLang="zh-CN" dirty="0"/>
               <a:t>Seed6 mean ≈ 100*5.8029/10.19 ≈ 56.9 s</a:t>
             </a:r>
           </a:p>
           <a:p>
             <a:r>
-              <a:rPr lang="zh-CN" altLang="en-US" sz="1400"/>
+              <a:rPr lang="zh-CN" altLang="en-US" sz="2000" dirty="0"/>
               <a:t>然而 </a:t>
             </a:r>
             <a:r>
-              <a:rPr lang="en-US" altLang="zh-CN" sz="1400"/>
+              <a:rPr lang="en-US" altLang="zh-CN" sz="2000" dirty="0"/>
+              <a:t>MAPE</a:t>
+            </a:r>
+            <a:r>
+              <a:rPr lang="zh-CN" altLang="en-US" sz="2000" dirty="0"/>
+              <a:t>（平均绝对百分比误差）很高（</a:t>
+            </a:r>
+            <a:r>
+              <a:rPr lang="en-US" altLang="zh-CN" sz="2000" dirty="0"/>
+              <a:t>23.7% / 34.2%</a:t>
+            </a:r>
+            <a:r>
+              <a:rPr lang="zh-CN" altLang="en-US" sz="2000" dirty="0"/>
+              <a:t>），说明按“每个样本的相对百分比误差”去平均时出现了很多非常大的百分比项。我认为在这里可能的原因有：</a:t>
+            </a:r>
+          </a:p>
+          <a:p>
+            <a:pPr lvl="1"/>
+            <a:r>
+              <a:rPr lang="zh-CN" altLang="en-US" sz="2000" dirty="0"/>
+              <a:t>存在不少非常小的真实值 </a:t>
+            </a:r>
+            <a:r>
+              <a:rPr lang="en-US" altLang="zh-CN" sz="2000" dirty="0"/>
+              <a:t>y</a:t>
+            </a:r>
+            <a:r>
+              <a:rPr lang="zh-CN" altLang="en-US" sz="2000" dirty="0"/>
+              <a:t>（例如接近 </a:t>
+            </a:r>
+            <a:r>
+              <a:rPr lang="en-US" altLang="zh-CN" sz="2000" dirty="0"/>
+              <a:t>0</a:t>
+            </a:r>
+            <a:r>
+              <a:rPr lang="zh-CN" altLang="en-US" sz="2000" dirty="0"/>
+              <a:t>），使得 </a:t>
+            </a:r>
+            <a:r>
+              <a:rPr lang="en-US" altLang="zh-CN" sz="2000" dirty="0"/>
+              <a:t>|error|/y </a:t>
+            </a:r>
+            <a:r>
+              <a:rPr lang="zh-CN" altLang="en-US" sz="2000" dirty="0"/>
+              <a:t>非常大，从而把平均 </a:t>
+            </a:r>
+            <a:r>
+              <a:rPr lang="en-US" altLang="zh-CN" sz="2000" dirty="0"/>
               <a:t>MAPE </a:t>
             </a:r>
             <a:r>
-              <a:rPr lang="zh-CN" altLang="en-US" sz="1400"/>
-              <a:t>很高（</a:t>
-            </a:r>
-            <a:r>
-              <a:rPr lang="en-US" altLang="zh-CN" sz="1400"/>
-              <a:t>23.7% / 34.2%</a:t>
-            </a:r>
-            <a:r>
-              <a:rPr lang="zh-CN" altLang="en-US" sz="1400"/>
-              <a:t>），说明按“每个样本的相对百分比误差”去平均时出现了很多非常大的百分比项。我认为在这里可能的原因有：</a:t>
+              <a:rPr lang="zh-CN" altLang="en-US" sz="2000" dirty="0"/>
+              <a:t>拉高。</a:t>
             </a:r>
           </a:p>
           <a:p>
             <a:pPr lvl="1"/>
             <a:r>
-              <a:rPr lang="zh-CN" altLang="en-US" sz="1400"/>
-              <a:t>存在不少非常小的真实值 </a:t>
-            </a:r>
-            <a:r>
-              <a:rPr lang="en-US" altLang="zh-CN" sz="1400"/>
-              <a:t>y</a:t>
-            </a:r>
-            <a:r>
-              <a:rPr lang="zh-CN" altLang="en-US" sz="1400"/>
-              <a:t>（例如接近 </a:t>
-            </a:r>
-            <a:r>
-              <a:rPr lang="en-US" altLang="zh-CN" sz="1400"/>
-              <a:t>0</a:t>
-            </a:r>
-            <a:r>
-              <a:rPr lang="zh-CN" altLang="en-US" sz="1400"/>
-              <a:t>），使得 </a:t>
-            </a:r>
-            <a:r>
-              <a:rPr lang="en-US" altLang="zh-CN" sz="1400"/>
-              <a:t>|error|/y </a:t>
-            </a:r>
-            <a:r>
-              <a:rPr lang="zh-CN" altLang="en-US" sz="1400"/>
-              <a:t>非常大，从而把平均 </a:t>
-            </a:r>
-            <a:r>
-              <a:rPr lang="en-US" altLang="zh-CN" sz="1400"/>
-              <a:t>MAPE </a:t>
-            </a:r>
-            <a:r>
-              <a:rPr lang="zh-CN" altLang="en-US" sz="1400"/>
-              <a:t>拉高。</a:t>
-            </a:r>
+              <a:rPr lang="zh-CN" altLang="en-US" sz="2000" dirty="0"/>
+              <a:t>在小 </a:t>
+            </a:r>
+            <a:r>
+              <a:rPr lang="en-US" altLang="zh-CN" sz="2000" dirty="0"/>
+              <a:t>y </a:t>
+            </a:r>
+            <a:r>
+              <a:rPr lang="zh-CN" altLang="en-US" sz="2000" dirty="0"/>
+              <a:t>上模型相对表现差。</a:t>
+            </a:r>
+            <a:endParaRPr lang="en-US" altLang="zh-CN" sz="2000" dirty="0"/>
           </a:p>
           <a:p>
             <a:pPr lvl="1"/>
             <a:r>
-              <a:rPr lang="zh-CN" altLang="en-US" sz="1400"/>
-              <a:t>在小 </a:t>
-            </a:r>
-            <a:r>
-              <a:rPr lang="en-US" altLang="zh-CN" sz="1400"/>
-              <a:t>y </a:t>
-            </a:r>
-            <a:r>
-              <a:rPr lang="zh-CN" altLang="en-US" sz="1400"/>
-              <a:t>上模型相对表现差。</a:t>
-            </a:r>
-            <a:endParaRPr lang="en-US" altLang="zh-CN" sz="1400"/>
-          </a:p>
-          <a:p>
-            <a:pPr lvl="1"/>
-            <a:r>
-              <a:rPr lang="zh-CN" altLang="en-US" sz="1400"/>
+              <a:rPr lang="zh-CN" altLang="en-US" sz="2000" dirty="0"/>
               <a:t>这也印证了之前提到数据小时查表的合理性。</a:t>
             </a:r>
-            <a:endParaRPr lang="en-US" altLang="zh-CN" sz="1400"/>
+            <a:endParaRPr lang="en-US" altLang="zh-CN" sz="2000" dirty="0"/>
           </a:p>
         </p:txBody>
       </p:sp>
@@ -33200,442 +33968,58 @@
           <a:lstStyle/>
           <a:p>
             <a:r>
-              <a:rPr lang="en-US" altLang="zh-CN" sz="1400">
-                <a:latin typeface="Consolas" panose="020B0609020204030204" pitchFamily="49" charset="0"/>
-                <a:ea typeface="+mj-ea"/>
-                <a:cs typeface="+mj-cs"/>
-              </a:rPr>
-              <a:t>Predicting runtime for Matrix_Multiply on Cortex-R5F</a:t>
-            </a:r>
-          </a:p>
-          <a:p>
-            <a:r>
-              <a:rPr lang="en-US" altLang="zh-CN" sz="1400">
-                <a:latin typeface="Consolas" panose="020B0609020204030204" pitchFamily="49" charset="0"/>
-                <a:ea typeface="+mj-ea"/>
-                <a:cs typeface="+mj-cs"/>
-              </a:rPr>
-              <a:t>Test size: 0.3, Lower bound: -1.0</a:t>
-            </a:r>
-          </a:p>
-          <a:p>
-            <a:r>
-              <a:rPr lang="en-US" altLang="zh-CN" sz="1400">
-                <a:latin typeface="Consolas" panose="020B0609020204030204" pitchFamily="49" charset="0"/>
-                <a:ea typeface="+mj-ea"/>
-                <a:cs typeface="+mj-cs"/>
-              </a:rPr>
-              <a:t>Method: random_forest</a:t>
-            </a:r>
-          </a:p>
-          <a:p>
-            <a:r>
-              <a:rPr lang="en-US" altLang="zh-CN" sz="1400">
-                <a:latin typeface="Consolas" panose="020B0609020204030204" pitchFamily="49" charset="0"/>
-                <a:ea typeface="+mj-ea"/>
-                <a:cs typeface="+mj-cs"/>
-              </a:rPr>
-              <a:t>Seed 1: MAPE=0.0703 (</a:t>
-            </a:r>
-            <a:r>
-              <a:rPr lang="zh-CN" altLang="en-US" sz="1400">
-                <a:latin typeface="Consolas" panose="020B0609020204030204" pitchFamily="49" charset="0"/>
-                <a:ea typeface="+mj-ea"/>
-                <a:cs typeface="+mj-cs"/>
-              </a:rPr>
-              <a:t>优秀</a:t>
-            </a:r>
-            <a:r>
-              <a:rPr lang="en-US" altLang="zh-CN" sz="1400">
-                <a:latin typeface="Consolas" panose="020B0609020204030204" pitchFamily="49" charset="0"/>
-                <a:ea typeface="+mj-ea"/>
-                <a:cs typeface="+mj-cs"/>
-              </a:rPr>
-              <a:t>), R2=0.9955, RMSE=7.3870 (s), RMSE%_mean=6.49% (</a:t>
-            </a:r>
-            <a:r>
-              <a:rPr lang="zh-CN" altLang="en-US" sz="1400">
-                <a:latin typeface="Consolas" panose="020B0609020204030204" pitchFamily="49" charset="0"/>
-                <a:ea typeface="+mj-ea"/>
-                <a:cs typeface="+mj-cs"/>
-              </a:rPr>
-              <a:t>优秀</a:t>
-            </a:r>
-            <a:r>
-              <a:rPr lang="en-US" altLang="zh-CN" sz="1400">
-                <a:latin typeface="Consolas" panose="020B0609020204030204" pitchFamily="49" charset="0"/>
-                <a:ea typeface="+mj-ea"/>
-                <a:cs typeface="+mj-cs"/>
-              </a:rPr>
-              <a:t>), RMSE%_range=2.14% (</a:t>
-            </a:r>
-            <a:r>
-              <a:rPr lang="zh-CN" altLang="en-US" sz="1400">
-                <a:latin typeface="Consolas" panose="020B0609020204030204" pitchFamily="49" charset="0"/>
-                <a:ea typeface="+mj-ea"/>
-                <a:cs typeface="+mj-cs"/>
-              </a:rPr>
-              <a:t>优秀</a:t>
-            </a:r>
-            <a:r>
-              <a:rPr lang="en-US" altLang="zh-CN" sz="1400">
-                <a:latin typeface="Consolas" panose="020B0609020204030204" pitchFamily="49" charset="0"/>
-                <a:ea typeface="+mj-ea"/>
-                <a:cs typeface="+mj-cs"/>
-              </a:rPr>
-              <a:t>), N=33</a:t>
-            </a:r>
-          </a:p>
-          <a:p>
-            <a:r>
-              <a:rPr lang="en-US" altLang="zh-CN" sz="1400">
-                <a:latin typeface="Consolas" panose="020B0609020204030204" pitchFamily="49" charset="0"/>
-                <a:ea typeface="+mj-ea"/>
-                <a:cs typeface="+mj-cs"/>
-              </a:rPr>
-              <a:t>Seed 2: MAPE=0.1688 (</a:t>
-            </a:r>
-            <a:r>
-              <a:rPr lang="zh-CN" altLang="en-US" sz="1400">
-                <a:latin typeface="Consolas" panose="020B0609020204030204" pitchFamily="49" charset="0"/>
-                <a:ea typeface="+mj-ea"/>
-                <a:cs typeface="+mj-cs"/>
-              </a:rPr>
-              <a:t>中等</a:t>
-            </a:r>
-            <a:r>
-              <a:rPr lang="en-US" altLang="zh-CN" sz="1400">
-                <a:latin typeface="Consolas" panose="020B0609020204030204" pitchFamily="49" charset="0"/>
-                <a:ea typeface="+mj-ea"/>
-                <a:cs typeface="+mj-cs"/>
-              </a:rPr>
-              <a:t>), R2=0.9972, RMSE=5.9634 (s), RMSE%_mean=7.81% (</a:t>
-            </a:r>
-            <a:r>
-              <a:rPr lang="zh-CN" altLang="en-US" sz="1400">
-                <a:latin typeface="Consolas" panose="020B0609020204030204" pitchFamily="49" charset="0"/>
-                <a:ea typeface="+mj-ea"/>
-                <a:cs typeface="+mj-cs"/>
-              </a:rPr>
-              <a:t>优秀</a:t>
-            </a:r>
-            <a:r>
-              <a:rPr lang="en-US" altLang="zh-CN" sz="1400">
-                <a:latin typeface="Consolas" panose="020B0609020204030204" pitchFamily="49" charset="0"/>
-                <a:ea typeface="+mj-ea"/>
-                <a:cs typeface="+mj-cs"/>
-              </a:rPr>
-              <a:t>), RMSE%_range=1.67% (</a:t>
-            </a:r>
-            <a:r>
-              <a:rPr lang="zh-CN" altLang="en-US" sz="1400">
-                <a:latin typeface="Consolas" panose="020B0609020204030204" pitchFamily="49" charset="0"/>
-                <a:ea typeface="+mj-ea"/>
-                <a:cs typeface="+mj-cs"/>
-              </a:rPr>
-              <a:t>优秀</a:t>
-            </a:r>
-            <a:r>
-              <a:rPr lang="en-US" altLang="zh-CN" sz="1400">
-                <a:latin typeface="Consolas" panose="020B0609020204030204" pitchFamily="49" charset="0"/>
-                <a:ea typeface="+mj-ea"/>
-                <a:cs typeface="+mj-cs"/>
-              </a:rPr>
-              <a:t>), N=33</a:t>
-            </a:r>
-          </a:p>
-          <a:p>
-            <a:r>
-              <a:rPr lang="en-US" altLang="zh-CN" sz="1400">
-                <a:latin typeface="Consolas" panose="020B0609020204030204" pitchFamily="49" charset="0"/>
-                <a:ea typeface="+mj-ea"/>
-                <a:cs typeface="+mj-cs"/>
-              </a:rPr>
-              <a:t>Seed 6: MAPE=0.1663 (</a:t>
-            </a:r>
-            <a:r>
-              <a:rPr lang="zh-CN" altLang="en-US" sz="1400">
-                <a:latin typeface="Consolas" panose="020B0609020204030204" pitchFamily="49" charset="0"/>
-                <a:ea typeface="+mj-ea"/>
-                <a:cs typeface="+mj-cs"/>
-              </a:rPr>
-              <a:t>中等</a:t>
-            </a:r>
-            <a:r>
-              <a:rPr lang="en-US" altLang="zh-CN" sz="1400">
-                <a:latin typeface="Consolas" panose="020B0609020204030204" pitchFamily="49" charset="0"/>
-                <a:ea typeface="+mj-ea"/>
-                <a:cs typeface="+mj-cs"/>
-              </a:rPr>
-              <a:t>), R2=0.9964, RMSE=5.6810 (s), RMSE%_mean=7.50% (</a:t>
-            </a:r>
-            <a:r>
-              <a:rPr lang="zh-CN" altLang="en-US" sz="1400">
-                <a:latin typeface="Consolas" panose="020B0609020204030204" pitchFamily="49" charset="0"/>
-                <a:ea typeface="+mj-ea"/>
-                <a:cs typeface="+mj-cs"/>
-              </a:rPr>
-              <a:t>优秀</a:t>
-            </a:r>
-            <a:r>
-              <a:rPr lang="en-US" altLang="zh-CN" sz="1400">
-                <a:latin typeface="Consolas" panose="020B0609020204030204" pitchFamily="49" charset="0"/>
-                <a:ea typeface="+mj-ea"/>
-                <a:cs typeface="+mj-cs"/>
-              </a:rPr>
-              <a:t>), RMSE%_range=1.74% (</a:t>
-            </a:r>
-            <a:r>
-              <a:rPr lang="zh-CN" altLang="en-US" sz="1400">
-                <a:latin typeface="Consolas" panose="020B0609020204030204" pitchFamily="49" charset="0"/>
-                <a:ea typeface="+mj-ea"/>
-                <a:cs typeface="+mj-cs"/>
-              </a:rPr>
-              <a:t>优秀</a:t>
-            </a:r>
-            <a:r>
-              <a:rPr lang="en-US" altLang="zh-CN" sz="1400">
-                <a:latin typeface="Consolas" panose="020B0609020204030204" pitchFamily="49" charset="0"/>
-                <a:ea typeface="+mj-ea"/>
-                <a:cs typeface="+mj-cs"/>
-              </a:rPr>
-              <a:t>), N=33</a:t>
-            </a:r>
-          </a:p>
-          <a:p>
-            <a:r>
-              <a:rPr lang="en-US" altLang="zh-CN" sz="1400">
-                <a:latin typeface="Consolas" panose="020B0609020204030204" pitchFamily="49" charset="0"/>
-                <a:ea typeface="+mj-ea"/>
-                <a:cs typeface="+mj-cs"/>
-              </a:rPr>
-              <a:t>Seed 42: MAPE=0.1120 (</a:t>
-            </a:r>
-            <a:r>
-              <a:rPr lang="zh-CN" altLang="en-US" sz="1400">
-                <a:latin typeface="Consolas" panose="020B0609020204030204" pitchFamily="49" charset="0"/>
-                <a:ea typeface="+mj-ea"/>
-                <a:cs typeface="+mj-cs"/>
-              </a:rPr>
-              <a:t>中等</a:t>
-            </a:r>
-            <a:r>
-              <a:rPr lang="en-US" altLang="zh-CN" sz="1400">
-                <a:latin typeface="Consolas" panose="020B0609020204030204" pitchFamily="49" charset="0"/>
-                <a:ea typeface="+mj-ea"/>
-                <a:cs typeface="+mj-cs"/>
-              </a:rPr>
-              <a:t>), R2=0.9977, RMSE=4.6514 (s), RMSE%_mean=5.25% (</a:t>
-            </a:r>
-            <a:r>
-              <a:rPr lang="zh-CN" altLang="en-US" sz="1400">
-                <a:latin typeface="Consolas" panose="020B0609020204030204" pitchFamily="49" charset="0"/>
-                <a:ea typeface="+mj-ea"/>
-                <a:cs typeface="+mj-cs"/>
-              </a:rPr>
-              <a:t>优秀</a:t>
-            </a:r>
-            <a:r>
-              <a:rPr lang="en-US" altLang="zh-CN" sz="1400">
-                <a:latin typeface="Consolas" panose="020B0609020204030204" pitchFamily="49" charset="0"/>
-                <a:ea typeface="+mj-ea"/>
-                <a:cs typeface="+mj-cs"/>
-              </a:rPr>
-              <a:t>), RMSE%_range=1.39% (</a:t>
-            </a:r>
-            <a:r>
-              <a:rPr lang="zh-CN" altLang="en-US" sz="1400">
-                <a:latin typeface="Consolas" panose="020B0609020204030204" pitchFamily="49" charset="0"/>
-                <a:ea typeface="+mj-ea"/>
-                <a:cs typeface="+mj-cs"/>
-              </a:rPr>
-              <a:t>优秀</a:t>
-            </a:r>
-            <a:r>
-              <a:rPr lang="en-US" altLang="zh-CN" sz="1400">
-                <a:latin typeface="Consolas" panose="020B0609020204030204" pitchFamily="49" charset="0"/>
-                <a:ea typeface="+mj-ea"/>
-                <a:cs typeface="+mj-cs"/>
-              </a:rPr>
-              <a:t>), N=33</a:t>
-            </a:r>
-          </a:p>
-          <a:p>
-            <a:r>
-              <a:rPr lang="en-US" altLang="zh-CN" sz="1400">
-                <a:latin typeface="Consolas" panose="020B0609020204030204" pitchFamily="49" charset="0"/>
-                <a:ea typeface="+mj-ea"/>
-                <a:cs typeface="+mj-cs"/>
-              </a:rPr>
-              <a:t>Seed 123: MAPE=0.1848 (</a:t>
-            </a:r>
-            <a:r>
-              <a:rPr lang="zh-CN" altLang="en-US" sz="1400">
-                <a:latin typeface="Consolas" panose="020B0609020204030204" pitchFamily="49" charset="0"/>
-                <a:ea typeface="+mj-ea"/>
-                <a:cs typeface="+mj-cs"/>
-              </a:rPr>
-              <a:t>中等</a:t>
-            </a:r>
-            <a:r>
-              <a:rPr lang="en-US" altLang="zh-CN" sz="1400">
-                <a:latin typeface="Consolas" panose="020B0609020204030204" pitchFamily="49" charset="0"/>
-                <a:ea typeface="+mj-ea"/>
-                <a:cs typeface="+mj-cs"/>
-              </a:rPr>
-              <a:t>), R2=0.9968, RMSE=6.0358 (s), RMSE%_mean=7.15% (</a:t>
-            </a:r>
-            <a:r>
-              <a:rPr lang="zh-CN" altLang="en-US" sz="1400">
-                <a:latin typeface="Consolas" panose="020B0609020204030204" pitchFamily="49" charset="0"/>
-                <a:ea typeface="+mj-ea"/>
-                <a:cs typeface="+mj-cs"/>
-              </a:rPr>
-              <a:t>优秀</a:t>
-            </a:r>
-            <a:r>
-              <a:rPr lang="en-US" altLang="zh-CN" sz="1400">
-                <a:latin typeface="Consolas" panose="020B0609020204030204" pitchFamily="49" charset="0"/>
-                <a:ea typeface="+mj-ea"/>
-                <a:cs typeface="+mj-cs"/>
-              </a:rPr>
-              <a:t>), RMSE%_range=1.61% (</a:t>
-            </a:r>
-            <a:r>
-              <a:rPr lang="zh-CN" altLang="en-US" sz="1400">
-                <a:latin typeface="Consolas" panose="020B0609020204030204" pitchFamily="49" charset="0"/>
-                <a:ea typeface="+mj-ea"/>
-                <a:cs typeface="+mj-cs"/>
-              </a:rPr>
-              <a:t>优秀</a:t>
-            </a:r>
-            <a:r>
-              <a:rPr lang="en-US" altLang="zh-CN" sz="1400">
-                <a:latin typeface="Consolas" panose="020B0609020204030204" pitchFamily="49" charset="0"/>
-                <a:ea typeface="+mj-ea"/>
-                <a:cs typeface="+mj-cs"/>
-              </a:rPr>
-              <a:t>), N=33</a:t>
-            </a:r>
-          </a:p>
-          <a:p>
-            <a:r>
-              <a:rPr lang="en-US" altLang="zh-CN" sz="1400">
-                <a:latin typeface="Consolas" panose="020B0609020204030204" pitchFamily="49" charset="0"/>
-                <a:ea typeface="+mj-ea"/>
-                <a:cs typeface="+mj-cs"/>
-              </a:rPr>
-              <a:t>Seed 2025: MAPE=0.0901 (</a:t>
-            </a:r>
-            <a:r>
-              <a:rPr lang="zh-CN" altLang="en-US" sz="1400">
-                <a:latin typeface="Consolas" panose="020B0609020204030204" pitchFamily="49" charset="0"/>
-                <a:ea typeface="+mj-ea"/>
-                <a:cs typeface="+mj-cs"/>
-              </a:rPr>
-              <a:t>优秀</a:t>
-            </a:r>
-            <a:r>
-              <a:rPr lang="en-US" altLang="zh-CN" sz="1400">
-                <a:latin typeface="Consolas" panose="020B0609020204030204" pitchFamily="49" charset="0"/>
-                <a:ea typeface="+mj-ea"/>
-                <a:cs typeface="+mj-cs"/>
-              </a:rPr>
-              <a:t>), R2=0.9955, RMSE=6.0807 (s), RMSE%_mean=8.27% (</a:t>
-            </a:r>
-            <a:r>
-              <a:rPr lang="zh-CN" altLang="en-US" sz="1400">
-                <a:latin typeface="Consolas" panose="020B0609020204030204" pitchFamily="49" charset="0"/>
-                <a:ea typeface="+mj-ea"/>
-                <a:cs typeface="+mj-cs"/>
-              </a:rPr>
-              <a:t>优秀</a:t>
-            </a:r>
-            <a:r>
-              <a:rPr lang="en-US" altLang="zh-CN" sz="1400">
-                <a:latin typeface="Consolas" panose="020B0609020204030204" pitchFamily="49" charset="0"/>
-                <a:ea typeface="+mj-ea"/>
-                <a:cs typeface="+mj-cs"/>
-              </a:rPr>
-              <a:t>), RMSE%_range=1.62% (</a:t>
-            </a:r>
-            <a:r>
-              <a:rPr lang="zh-CN" altLang="en-US" sz="1400">
-                <a:latin typeface="Consolas" panose="020B0609020204030204" pitchFamily="49" charset="0"/>
-                <a:ea typeface="+mj-ea"/>
-                <a:cs typeface="+mj-cs"/>
-              </a:rPr>
-              <a:t>优秀</a:t>
-            </a:r>
-            <a:r>
-              <a:rPr lang="en-US" altLang="zh-CN" sz="1400">
-                <a:latin typeface="Consolas" panose="020B0609020204030204" pitchFamily="49" charset="0"/>
-                <a:ea typeface="+mj-ea"/>
-                <a:cs typeface="+mj-cs"/>
-              </a:rPr>
-              <a:t>), N=33</a:t>
-            </a:r>
-          </a:p>
-          <a:p>
-            <a:r>
-              <a:rPr lang="en-US" altLang="zh-CN" sz="1400">
-                <a:latin typeface="Consolas" panose="020B0609020204030204" pitchFamily="49" charset="0"/>
-                <a:ea typeface="+mj-ea"/>
-                <a:cs typeface="+mj-cs"/>
-              </a:rPr>
-              <a:t>Seed 33550336: MAPE=0.0986 (</a:t>
-            </a:r>
-            <a:r>
-              <a:rPr lang="zh-CN" altLang="en-US" sz="1400">
-                <a:latin typeface="Consolas" panose="020B0609020204030204" pitchFamily="49" charset="0"/>
-                <a:ea typeface="+mj-ea"/>
-                <a:cs typeface="+mj-cs"/>
-              </a:rPr>
-              <a:t>优秀</a:t>
-            </a:r>
-            <a:r>
-              <a:rPr lang="en-US" altLang="zh-CN" sz="1400">
-                <a:latin typeface="Consolas" panose="020B0609020204030204" pitchFamily="49" charset="0"/>
-                <a:ea typeface="+mj-ea"/>
-                <a:cs typeface="+mj-cs"/>
-              </a:rPr>
-              <a:t>), R2=0.9975, RMSE=5.0404 (s), RMSE%_mean=5.91% (</a:t>
-            </a:r>
-            <a:r>
-              <a:rPr lang="zh-CN" altLang="en-US" sz="1400">
-                <a:latin typeface="Consolas" panose="020B0609020204030204" pitchFamily="49" charset="0"/>
-                <a:ea typeface="+mj-ea"/>
-                <a:cs typeface="+mj-cs"/>
-              </a:rPr>
-              <a:t>优秀</a:t>
-            </a:r>
-            <a:r>
-              <a:rPr lang="en-US" altLang="zh-CN" sz="1400">
-                <a:latin typeface="Consolas" panose="020B0609020204030204" pitchFamily="49" charset="0"/>
-                <a:ea typeface="+mj-ea"/>
-                <a:cs typeface="+mj-cs"/>
-              </a:rPr>
-              <a:t>), RMSE%_range=1.46% (</a:t>
-            </a:r>
-            <a:r>
-              <a:rPr lang="zh-CN" altLang="en-US" sz="1400">
-                <a:latin typeface="Consolas" panose="020B0609020204030204" pitchFamily="49" charset="0"/>
-                <a:ea typeface="+mj-ea"/>
-                <a:cs typeface="+mj-cs"/>
-              </a:rPr>
-              <a:t>优秀</a:t>
-            </a:r>
-            <a:r>
-              <a:rPr lang="en-US" altLang="zh-CN" sz="1400">
-                <a:latin typeface="Consolas" panose="020B0609020204030204" pitchFamily="49" charset="0"/>
-                <a:ea typeface="+mj-ea"/>
-                <a:cs typeface="+mj-cs"/>
-              </a:rPr>
-              <a:t>), N=33</a:t>
-            </a:r>
-          </a:p>
-          <a:p>
-            <a:endParaRPr lang="en-US" altLang="zh-CN" sz="1400">
+              <a:rPr lang="en-US" altLang="zh-CN" sz="1400" dirty="0">
+                <a:latin typeface="Consolas" panose="020B0609020204030204" pitchFamily="49" charset="0"/>
+                <a:ea typeface="+mj-ea"/>
+                <a:cs typeface="+mj-cs"/>
+              </a:rPr>
+              <a:t>Predicting runtime for </a:t>
+            </a:r>
+            <a:r>
+              <a:rPr lang="en-US" altLang="zh-CN" sz="1400" dirty="0" err="1">
+                <a:latin typeface="Consolas" panose="020B0609020204030204" pitchFamily="49" charset="0"/>
+                <a:ea typeface="+mj-ea"/>
+                <a:cs typeface="+mj-cs"/>
+              </a:rPr>
+              <a:t>Matrix_Multiply</a:t>
+            </a:r>
+            <a:r>
+              <a:rPr lang="en-US" altLang="zh-CN" sz="1400" dirty="0">
+                <a:latin typeface="Consolas" panose="020B0609020204030204" pitchFamily="49" charset="0"/>
+                <a:ea typeface="+mj-ea"/>
+                <a:cs typeface="+mj-cs"/>
+              </a:rPr>
+              <a:t> on Cortex-R5F</a:t>
+            </a:r>
+          </a:p>
+          <a:p>
+            <a:r>
+              <a:rPr lang="en-US" altLang="zh-CN" sz="1400" dirty="0">
+                <a:latin typeface="Consolas" panose="020B0609020204030204" pitchFamily="49" charset="0"/>
+                <a:ea typeface="+mj-ea"/>
+                <a:cs typeface="+mj-cs"/>
+              </a:rPr>
+              <a:t>Test size: 0.3, Lower bound: 0</a:t>
+            </a:r>
+          </a:p>
+          <a:p>
+            <a:r>
+              <a:rPr lang="en-US" altLang="zh-CN" sz="1400" dirty="0">
+                <a:latin typeface="Consolas" panose="020B0609020204030204" pitchFamily="49" charset="0"/>
+                <a:ea typeface="+mj-ea"/>
+                <a:cs typeface="+mj-cs"/>
+              </a:rPr>
+              <a:t>Method: </a:t>
+            </a:r>
+            <a:r>
+              <a:rPr lang="en-US" altLang="zh-CN" sz="1400" dirty="0" err="1">
+                <a:latin typeface="Consolas" panose="020B0609020204030204" pitchFamily="49" charset="0"/>
+                <a:ea typeface="+mj-ea"/>
+                <a:cs typeface="+mj-cs"/>
+              </a:rPr>
+              <a:t>random_forest</a:t>
+            </a:r>
+            <a:endParaRPr lang="en-US" altLang="zh-CN" sz="1400" dirty="0">
               <a:latin typeface="Consolas" panose="020B0609020204030204" pitchFamily="49" charset="0"/>
               <a:ea typeface="+mj-ea"/>
               <a:cs typeface="+mj-cs"/>
@@ -33643,7 +34027,644 @@
           </a:p>
           <a:p>
             <a:r>
-              <a:rPr lang="en-US" altLang="zh-CN" sz="1400">
+              <a:rPr lang="en-US" altLang="zh-CN" sz="1400" dirty="0">
+                <a:latin typeface="Consolas" panose="020B0609020204030204" pitchFamily="49" charset="0"/>
+                <a:ea typeface="+mj-ea"/>
+                <a:cs typeface="+mj-cs"/>
+              </a:rPr>
+              <a:t>Seed 1: MAPE=0.0703 (</a:t>
+            </a:r>
+            <a:r>
+              <a:rPr lang="zh-CN" altLang="en-US" sz="1400" dirty="0">
+                <a:latin typeface="Consolas" panose="020B0609020204030204" pitchFamily="49" charset="0"/>
+                <a:ea typeface="+mj-ea"/>
+                <a:cs typeface="+mj-cs"/>
+              </a:rPr>
+              <a:t>优秀</a:t>
+            </a:r>
+            <a:r>
+              <a:rPr lang="en-US" altLang="zh-CN" sz="1400" dirty="0">
+                <a:latin typeface="Consolas" panose="020B0609020204030204" pitchFamily="49" charset="0"/>
+                <a:ea typeface="+mj-ea"/>
+                <a:cs typeface="+mj-cs"/>
+              </a:rPr>
+              <a:t>), R2=0.9955, RMSE=7.3870 (s), </a:t>
+            </a:r>
+            <a:r>
+              <a:rPr lang="en-US" altLang="zh-CN" sz="1400" dirty="0" err="1">
+                <a:latin typeface="Consolas" panose="020B0609020204030204" pitchFamily="49" charset="0"/>
+                <a:ea typeface="+mj-ea"/>
+                <a:cs typeface="+mj-cs"/>
+              </a:rPr>
+              <a:t>RMSE%_mean</a:t>
+            </a:r>
+            <a:r>
+              <a:rPr lang="en-US" altLang="zh-CN" sz="1400" dirty="0">
+                <a:latin typeface="Consolas" panose="020B0609020204030204" pitchFamily="49" charset="0"/>
+                <a:ea typeface="+mj-ea"/>
+                <a:cs typeface="+mj-cs"/>
+              </a:rPr>
+              <a:t>=6.49% (</a:t>
+            </a:r>
+            <a:r>
+              <a:rPr lang="zh-CN" altLang="en-US" sz="1400" dirty="0">
+                <a:latin typeface="Consolas" panose="020B0609020204030204" pitchFamily="49" charset="0"/>
+                <a:ea typeface="+mj-ea"/>
+                <a:cs typeface="+mj-cs"/>
+              </a:rPr>
+              <a:t>优秀</a:t>
+            </a:r>
+            <a:r>
+              <a:rPr lang="en-US" altLang="zh-CN" sz="1400" dirty="0">
+                <a:latin typeface="Consolas" panose="020B0609020204030204" pitchFamily="49" charset="0"/>
+                <a:ea typeface="+mj-ea"/>
+                <a:cs typeface="+mj-cs"/>
+              </a:rPr>
+              <a:t>), </a:t>
+            </a:r>
+            <a:r>
+              <a:rPr lang="en-US" altLang="zh-CN" sz="1400" dirty="0" err="1">
+                <a:latin typeface="Consolas" panose="020B0609020204030204" pitchFamily="49" charset="0"/>
+                <a:ea typeface="+mj-ea"/>
+                <a:cs typeface="+mj-cs"/>
+              </a:rPr>
+              <a:t>RMSE%_range</a:t>
+            </a:r>
+            <a:r>
+              <a:rPr lang="en-US" altLang="zh-CN" sz="1400" dirty="0">
+                <a:latin typeface="Consolas" panose="020B0609020204030204" pitchFamily="49" charset="0"/>
+                <a:ea typeface="+mj-ea"/>
+                <a:cs typeface="+mj-cs"/>
+              </a:rPr>
+              <a:t>=2.14% (</a:t>
+            </a:r>
+            <a:r>
+              <a:rPr lang="zh-CN" altLang="en-US" sz="1400" dirty="0">
+                <a:latin typeface="Consolas" panose="020B0609020204030204" pitchFamily="49" charset="0"/>
+                <a:ea typeface="+mj-ea"/>
+                <a:cs typeface="+mj-cs"/>
+              </a:rPr>
+              <a:t>优秀</a:t>
+            </a:r>
+            <a:r>
+              <a:rPr lang="en-US" altLang="zh-CN" sz="1400" dirty="0">
+                <a:latin typeface="Consolas" panose="020B0609020204030204" pitchFamily="49" charset="0"/>
+                <a:ea typeface="+mj-ea"/>
+                <a:cs typeface="+mj-cs"/>
+              </a:rPr>
+              <a:t>), N=33</a:t>
+            </a:r>
+          </a:p>
+          <a:p>
+            <a:r>
+              <a:rPr lang="en-US" altLang="zh-CN" sz="1400" dirty="0">
+                <a:latin typeface="Consolas" panose="020B0609020204030204" pitchFamily="49" charset="0"/>
+                <a:ea typeface="+mj-ea"/>
+                <a:cs typeface="+mj-cs"/>
+              </a:rPr>
+              <a:t>Seed 2: MAPE=0.1688 (</a:t>
+            </a:r>
+            <a:r>
+              <a:rPr lang="zh-CN" altLang="en-US" sz="1400" dirty="0">
+                <a:latin typeface="Consolas" panose="020B0609020204030204" pitchFamily="49" charset="0"/>
+                <a:ea typeface="+mj-ea"/>
+                <a:cs typeface="+mj-cs"/>
+              </a:rPr>
+              <a:t>中等</a:t>
+            </a:r>
+            <a:r>
+              <a:rPr lang="en-US" altLang="zh-CN" sz="1400" dirty="0">
+                <a:latin typeface="Consolas" panose="020B0609020204030204" pitchFamily="49" charset="0"/>
+                <a:ea typeface="+mj-ea"/>
+                <a:cs typeface="+mj-cs"/>
+              </a:rPr>
+              <a:t>), R2=0.9972, RMSE=5.9634 (s), </a:t>
+            </a:r>
+            <a:r>
+              <a:rPr lang="en-US" altLang="zh-CN" sz="1400" dirty="0" err="1">
+                <a:latin typeface="Consolas" panose="020B0609020204030204" pitchFamily="49" charset="0"/>
+                <a:ea typeface="+mj-ea"/>
+                <a:cs typeface="+mj-cs"/>
+              </a:rPr>
+              <a:t>RMSE%_mean</a:t>
+            </a:r>
+            <a:r>
+              <a:rPr lang="en-US" altLang="zh-CN" sz="1400" dirty="0">
+                <a:latin typeface="Consolas" panose="020B0609020204030204" pitchFamily="49" charset="0"/>
+                <a:ea typeface="+mj-ea"/>
+                <a:cs typeface="+mj-cs"/>
+              </a:rPr>
+              <a:t>=7.81% (</a:t>
+            </a:r>
+            <a:r>
+              <a:rPr lang="zh-CN" altLang="en-US" sz="1400" dirty="0">
+                <a:latin typeface="Consolas" panose="020B0609020204030204" pitchFamily="49" charset="0"/>
+                <a:ea typeface="+mj-ea"/>
+                <a:cs typeface="+mj-cs"/>
+              </a:rPr>
+              <a:t>优秀</a:t>
+            </a:r>
+            <a:r>
+              <a:rPr lang="en-US" altLang="zh-CN" sz="1400" dirty="0">
+                <a:latin typeface="Consolas" panose="020B0609020204030204" pitchFamily="49" charset="0"/>
+                <a:ea typeface="+mj-ea"/>
+                <a:cs typeface="+mj-cs"/>
+              </a:rPr>
+              <a:t>), </a:t>
+            </a:r>
+            <a:r>
+              <a:rPr lang="en-US" altLang="zh-CN" sz="1400" dirty="0" err="1">
+                <a:latin typeface="Consolas" panose="020B0609020204030204" pitchFamily="49" charset="0"/>
+                <a:ea typeface="+mj-ea"/>
+                <a:cs typeface="+mj-cs"/>
+              </a:rPr>
+              <a:t>RMSE%_range</a:t>
+            </a:r>
+            <a:r>
+              <a:rPr lang="en-US" altLang="zh-CN" sz="1400" dirty="0">
+                <a:latin typeface="Consolas" panose="020B0609020204030204" pitchFamily="49" charset="0"/>
+                <a:ea typeface="+mj-ea"/>
+                <a:cs typeface="+mj-cs"/>
+              </a:rPr>
+              <a:t>=1.67% (</a:t>
+            </a:r>
+            <a:r>
+              <a:rPr lang="zh-CN" altLang="en-US" sz="1400" dirty="0">
+                <a:latin typeface="Consolas" panose="020B0609020204030204" pitchFamily="49" charset="0"/>
+                <a:ea typeface="+mj-ea"/>
+                <a:cs typeface="+mj-cs"/>
+              </a:rPr>
+              <a:t>优秀</a:t>
+            </a:r>
+            <a:r>
+              <a:rPr lang="en-US" altLang="zh-CN" sz="1400" dirty="0">
+                <a:latin typeface="Consolas" panose="020B0609020204030204" pitchFamily="49" charset="0"/>
+                <a:ea typeface="+mj-ea"/>
+                <a:cs typeface="+mj-cs"/>
+              </a:rPr>
+              <a:t>), N=33</a:t>
+            </a:r>
+          </a:p>
+          <a:p>
+            <a:r>
+              <a:rPr lang="en-US" altLang="zh-CN" sz="1400" dirty="0">
+                <a:latin typeface="Consolas" panose="020B0609020204030204" pitchFamily="49" charset="0"/>
+                <a:ea typeface="+mj-ea"/>
+                <a:cs typeface="+mj-cs"/>
+              </a:rPr>
+              <a:t>Seed 6: MAPE=0.1663 (</a:t>
+            </a:r>
+            <a:r>
+              <a:rPr lang="zh-CN" altLang="en-US" sz="1400" dirty="0">
+                <a:latin typeface="Consolas" panose="020B0609020204030204" pitchFamily="49" charset="0"/>
+                <a:ea typeface="+mj-ea"/>
+                <a:cs typeface="+mj-cs"/>
+              </a:rPr>
+              <a:t>中等</a:t>
+            </a:r>
+            <a:r>
+              <a:rPr lang="en-US" altLang="zh-CN" sz="1400" dirty="0">
+                <a:latin typeface="Consolas" panose="020B0609020204030204" pitchFamily="49" charset="0"/>
+                <a:ea typeface="+mj-ea"/>
+                <a:cs typeface="+mj-cs"/>
+              </a:rPr>
+              <a:t>), R2=0.9964, RMSE=5.6810 (s), </a:t>
+            </a:r>
+            <a:r>
+              <a:rPr lang="en-US" altLang="zh-CN" sz="1400" dirty="0" err="1">
+                <a:latin typeface="Consolas" panose="020B0609020204030204" pitchFamily="49" charset="0"/>
+                <a:ea typeface="+mj-ea"/>
+                <a:cs typeface="+mj-cs"/>
+              </a:rPr>
+              <a:t>RMSE%_mean</a:t>
+            </a:r>
+            <a:r>
+              <a:rPr lang="en-US" altLang="zh-CN" sz="1400" dirty="0">
+                <a:latin typeface="Consolas" panose="020B0609020204030204" pitchFamily="49" charset="0"/>
+                <a:ea typeface="+mj-ea"/>
+                <a:cs typeface="+mj-cs"/>
+              </a:rPr>
+              <a:t>=7.50% (</a:t>
+            </a:r>
+            <a:r>
+              <a:rPr lang="zh-CN" altLang="en-US" sz="1400" dirty="0">
+                <a:latin typeface="Consolas" panose="020B0609020204030204" pitchFamily="49" charset="0"/>
+                <a:ea typeface="+mj-ea"/>
+                <a:cs typeface="+mj-cs"/>
+              </a:rPr>
+              <a:t>优秀</a:t>
+            </a:r>
+            <a:r>
+              <a:rPr lang="en-US" altLang="zh-CN" sz="1400" dirty="0">
+                <a:latin typeface="Consolas" panose="020B0609020204030204" pitchFamily="49" charset="0"/>
+                <a:ea typeface="+mj-ea"/>
+                <a:cs typeface="+mj-cs"/>
+              </a:rPr>
+              <a:t>), </a:t>
+            </a:r>
+            <a:r>
+              <a:rPr lang="en-US" altLang="zh-CN" sz="1400" dirty="0" err="1">
+                <a:latin typeface="Consolas" panose="020B0609020204030204" pitchFamily="49" charset="0"/>
+                <a:ea typeface="+mj-ea"/>
+                <a:cs typeface="+mj-cs"/>
+              </a:rPr>
+              <a:t>RMSE%_range</a:t>
+            </a:r>
+            <a:r>
+              <a:rPr lang="en-US" altLang="zh-CN" sz="1400" dirty="0">
+                <a:latin typeface="Consolas" panose="020B0609020204030204" pitchFamily="49" charset="0"/>
+                <a:ea typeface="+mj-ea"/>
+                <a:cs typeface="+mj-cs"/>
+              </a:rPr>
+              <a:t>=1.74% (</a:t>
+            </a:r>
+            <a:r>
+              <a:rPr lang="zh-CN" altLang="en-US" sz="1400" dirty="0">
+                <a:latin typeface="Consolas" panose="020B0609020204030204" pitchFamily="49" charset="0"/>
+                <a:ea typeface="+mj-ea"/>
+                <a:cs typeface="+mj-cs"/>
+              </a:rPr>
+              <a:t>优秀</a:t>
+            </a:r>
+            <a:r>
+              <a:rPr lang="en-US" altLang="zh-CN" sz="1400" dirty="0">
+                <a:latin typeface="Consolas" panose="020B0609020204030204" pitchFamily="49" charset="0"/>
+                <a:ea typeface="+mj-ea"/>
+                <a:cs typeface="+mj-cs"/>
+              </a:rPr>
+              <a:t>), N=33</a:t>
+            </a:r>
+          </a:p>
+          <a:p>
+            <a:r>
+              <a:rPr lang="en-US" altLang="zh-CN" sz="1400" dirty="0">
+                <a:latin typeface="Consolas" panose="020B0609020204030204" pitchFamily="49" charset="0"/>
+                <a:ea typeface="+mj-ea"/>
+                <a:cs typeface="+mj-cs"/>
+              </a:rPr>
+              <a:t>Seed 42: MAPE=0.1120 (</a:t>
+            </a:r>
+            <a:r>
+              <a:rPr lang="zh-CN" altLang="en-US" sz="1400" dirty="0">
+                <a:latin typeface="Consolas" panose="020B0609020204030204" pitchFamily="49" charset="0"/>
+                <a:ea typeface="+mj-ea"/>
+                <a:cs typeface="+mj-cs"/>
+              </a:rPr>
+              <a:t>中等</a:t>
+            </a:r>
+            <a:r>
+              <a:rPr lang="en-US" altLang="zh-CN" sz="1400" dirty="0">
+                <a:latin typeface="Consolas" panose="020B0609020204030204" pitchFamily="49" charset="0"/>
+                <a:ea typeface="+mj-ea"/>
+                <a:cs typeface="+mj-cs"/>
+              </a:rPr>
+              <a:t>), R2=0.9977, RMSE=4.6514 (s), </a:t>
+            </a:r>
+            <a:r>
+              <a:rPr lang="en-US" altLang="zh-CN" sz="1400" dirty="0" err="1">
+                <a:latin typeface="Consolas" panose="020B0609020204030204" pitchFamily="49" charset="0"/>
+                <a:ea typeface="+mj-ea"/>
+                <a:cs typeface="+mj-cs"/>
+              </a:rPr>
+              <a:t>RMSE%_mean</a:t>
+            </a:r>
+            <a:r>
+              <a:rPr lang="en-US" altLang="zh-CN" sz="1400" dirty="0">
+                <a:latin typeface="Consolas" panose="020B0609020204030204" pitchFamily="49" charset="0"/>
+                <a:ea typeface="+mj-ea"/>
+                <a:cs typeface="+mj-cs"/>
+              </a:rPr>
+              <a:t>=5.25% (</a:t>
+            </a:r>
+            <a:r>
+              <a:rPr lang="zh-CN" altLang="en-US" sz="1400" dirty="0">
+                <a:latin typeface="Consolas" panose="020B0609020204030204" pitchFamily="49" charset="0"/>
+                <a:ea typeface="+mj-ea"/>
+                <a:cs typeface="+mj-cs"/>
+              </a:rPr>
+              <a:t>优秀</a:t>
+            </a:r>
+            <a:r>
+              <a:rPr lang="en-US" altLang="zh-CN" sz="1400" dirty="0">
+                <a:latin typeface="Consolas" panose="020B0609020204030204" pitchFamily="49" charset="0"/>
+                <a:ea typeface="+mj-ea"/>
+                <a:cs typeface="+mj-cs"/>
+              </a:rPr>
+              <a:t>), </a:t>
+            </a:r>
+            <a:r>
+              <a:rPr lang="en-US" altLang="zh-CN" sz="1400" dirty="0" err="1">
+                <a:latin typeface="Consolas" panose="020B0609020204030204" pitchFamily="49" charset="0"/>
+                <a:ea typeface="+mj-ea"/>
+                <a:cs typeface="+mj-cs"/>
+              </a:rPr>
+              <a:t>RMSE%_range</a:t>
+            </a:r>
+            <a:r>
+              <a:rPr lang="en-US" altLang="zh-CN" sz="1400" dirty="0">
+                <a:latin typeface="Consolas" panose="020B0609020204030204" pitchFamily="49" charset="0"/>
+                <a:ea typeface="+mj-ea"/>
+                <a:cs typeface="+mj-cs"/>
+              </a:rPr>
+              <a:t>=1.39% (</a:t>
+            </a:r>
+            <a:r>
+              <a:rPr lang="zh-CN" altLang="en-US" sz="1400" dirty="0">
+                <a:latin typeface="Consolas" panose="020B0609020204030204" pitchFamily="49" charset="0"/>
+                <a:ea typeface="+mj-ea"/>
+                <a:cs typeface="+mj-cs"/>
+              </a:rPr>
+              <a:t>优秀</a:t>
+            </a:r>
+            <a:r>
+              <a:rPr lang="en-US" altLang="zh-CN" sz="1400" dirty="0">
+                <a:latin typeface="Consolas" panose="020B0609020204030204" pitchFamily="49" charset="0"/>
+                <a:ea typeface="+mj-ea"/>
+                <a:cs typeface="+mj-cs"/>
+              </a:rPr>
+              <a:t>), N=33</a:t>
+            </a:r>
+          </a:p>
+          <a:p>
+            <a:r>
+              <a:rPr lang="en-US" altLang="zh-CN" sz="1400" dirty="0">
+                <a:latin typeface="Consolas" panose="020B0609020204030204" pitchFamily="49" charset="0"/>
+                <a:ea typeface="+mj-ea"/>
+                <a:cs typeface="+mj-cs"/>
+              </a:rPr>
+              <a:t>Seed 123: MAPE=0.1848 (</a:t>
+            </a:r>
+            <a:r>
+              <a:rPr lang="zh-CN" altLang="en-US" sz="1400" dirty="0">
+                <a:latin typeface="Consolas" panose="020B0609020204030204" pitchFamily="49" charset="0"/>
+                <a:ea typeface="+mj-ea"/>
+                <a:cs typeface="+mj-cs"/>
+              </a:rPr>
+              <a:t>中等</a:t>
+            </a:r>
+            <a:r>
+              <a:rPr lang="en-US" altLang="zh-CN" sz="1400" dirty="0">
+                <a:latin typeface="Consolas" panose="020B0609020204030204" pitchFamily="49" charset="0"/>
+                <a:ea typeface="+mj-ea"/>
+                <a:cs typeface="+mj-cs"/>
+              </a:rPr>
+              <a:t>), R2=0.9968, RMSE=6.0358 (s), </a:t>
+            </a:r>
+            <a:r>
+              <a:rPr lang="en-US" altLang="zh-CN" sz="1400" dirty="0" err="1">
+                <a:latin typeface="Consolas" panose="020B0609020204030204" pitchFamily="49" charset="0"/>
+                <a:ea typeface="+mj-ea"/>
+                <a:cs typeface="+mj-cs"/>
+              </a:rPr>
+              <a:t>RMSE%_mean</a:t>
+            </a:r>
+            <a:r>
+              <a:rPr lang="en-US" altLang="zh-CN" sz="1400" dirty="0">
+                <a:latin typeface="Consolas" panose="020B0609020204030204" pitchFamily="49" charset="0"/>
+                <a:ea typeface="+mj-ea"/>
+                <a:cs typeface="+mj-cs"/>
+              </a:rPr>
+              <a:t>=7.15% (</a:t>
+            </a:r>
+            <a:r>
+              <a:rPr lang="zh-CN" altLang="en-US" sz="1400" dirty="0">
+                <a:latin typeface="Consolas" panose="020B0609020204030204" pitchFamily="49" charset="0"/>
+                <a:ea typeface="+mj-ea"/>
+                <a:cs typeface="+mj-cs"/>
+              </a:rPr>
+              <a:t>优秀</a:t>
+            </a:r>
+            <a:r>
+              <a:rPr lang="en-US" altLang="zh-CN" sz="1400" dirty="0">
+                <a:latin typeface="Consolas" panose="020B0609020204030204" pitchFamily="49" charset="0"/>
+                <a:ea typeface="+mj-ea"/>
+                <a:cs typeface="+mj-cs"/>
+              </a:rPr>
+              <a:t>), </a:t>
+            </a:r>
+            <a:r>
+              <a:rPr lang="en-US" altLang="zh-CN" sz="1400" dirty="0" err="1">
+                <a:latin typeface="Consolas" panose="020B0609020204030204" pitchFamily="49" charset="0"/>
+                <a:ea typeface="+mj-ea"/>
+                <a:cs typeface="+mj-cs"/>
+              </a:rPr>
+              <a:t>RMSE%_range</a:t>
+            </a:r>
+            <a:r>
+              <a:rPr lang="en-US" altLang="zh-CN" sz="1400" dirty="0">
+                <a:latin typeface="Consolas" panose="020B0609020204030204" pitchFamily="49" charset="0"/>
+                <a:ea typeface="+mj-ea"/>
+                <a:cs typeface="+mj-cs"/>
+              </a:rPr>
+              <a:t>=1.61% (</a:t>
+            </a:r>
+            <a:r>
+              <a:rPr lang="zh-CN" altLang="en-US" sz="1400" dirty="0">
+                <a:latin typeface="Consolas" panose="020B0609020204030204" pitchFamily="49" charset="0"/>
+                <a:ea typeface="+mj-ea"/>
+                <a:cs typeface="+mj-cs"/>
+              </a:rPr>
+              <a:t>优秀</a:t>
+            </a:r>
+            <a:r>
+              <a:rPr lang="en-US" altLang="zh-CN" sz="1400" dirty="0">
+                <a:latin typeface="Consolas" panose="020B0609020204030204" pitchFamily="49" charset="0"/>
+                <a:ea typeface="+mj-ea"/>
+                <a:cs typeface="+mj-cs"/>
+              </a:rPr>
+              <a:t>), N=33</a:t>
+            </a:r>
+          </a:p>
+          <a:p>
+            <a:r>
+              <a:rPr lang="en-US" altLang="zh-CN" sz="1400" dirty="0">
+                <a:latin typeface="Consolas" panose="020B0609020204030204" pitchFamily="49" charset="0"/>
+                <a:ea typeface="+mj-ea"/>
+                <a:cs typeface="+mj-cs"/>
+              </a:rPr>
+              <a:t>Seed 2025: MAPE=0.0901 (</a:t>
+            </a:r>
+            <a:r>
+              <a:rPr lang="zh-CN" altLang="en-US" sz="1400" dirty="0">
+                <a:latin typeface="Consolas" panose="020B0609020204030204" pitchFamily="49" charset="0"/>
+                <a:ea typeface="+mj-ea"/>
+                <a:cs typeface="+mj-cs"/>
+              </a:rPr>
+              <a:t>优秀</a:t>
+            </a:r>
+            <a:r>
+              <a:rPr lang="en-US" altLang="zh-CN" sz="1400" dirty="0">
+                <a:latin typeface="Consolas" panose="020B0609020204030204" pitchFamily="49" charset="0"/>
+                <a:ea typeface="+mj-ea"/>
+                <a:cs typeface="+mj-cs"/>
+              </a:rPr>
+              <a:t>), R2=0.9955, RMSE=6.0807 (s), </a:t>
+            </a:r>
+            <a:r>
+              <a:rPr lang="en-US" altLang="zh-CN" sz="1400" dirty="0" err="1">
+                <a:latin typeface="Consolas" panose="020B0609020204030204" pitchFamily="49" charset="0"/>
+                <a:ea typeface="+mj-ea"/>
+                <a:cs typeface="+mj-cs"/>
+              </a:rPr>
+              <a:t>RMSE%_mean</a:t>
+            </a:r>
+            <a:r>
+              <a:rPr lang="en-US" altLang="zh-CN" sz="1400" dirty="0">
+                <a:latin typeface="Consolas" panose="020B0609020204030204" pitchFamily="49" charset="0"/>
+                <a:ea typeface="+mj-ea"/>
+                <a:cs typeface="+mj-cs"/>
+              </a:rPr>
+              <a:t>=8.27% (</a:t>
+            </a:r>
+            <a:r>
+              <a:rPr lang="zh-CN" altLang="en-US" sz="1400" dirty="0">
+                <a:latin typeface="Consolas" panose="020B0609020204030204" pitchFamily="49" charset="0"/>
+                <a:ea typeface="+mj-ea"/>
+                <a:cs typeface="+mj-cs"/>
+              </a:rPr>
+              <a:t>优秀</a:t>
+            </a:r>
+            <a:r>
+              <a:rPr lang="en-US" altLang="zh-CN" sz="1400" dirty="0">
+                <a:latin typeface="Consolas" panose="020B0609020204030204" pitchFamily="49" charset="0"/>
+                <a:ea typeface="+mj-ea"/>
+                <a:cs typeface="+mj-cs"/>
+              </a:rPr>
+              <a:t>), </a:t>
+            </a:r>
+            <a:r>
+              <a:rPr lang="en-US" altLang="zh-CN" sz="1400" dirty="0" err="1">
+                <a:latin typeface="Consolas" panose="020B0609020204030204" pitchFamily="49" charset="0"/>
+                <a:ea typeface="+mj-ea"/>
+                <a:cs typeface="+mj-cs"/>
+              </a:rPr>
+              <a:t>RMSE%_range</a:t>
+            </a:r>
+            <a:r>
+              <a:rPr lang="en-US" altLang="zh-CN" sz="1400" dirty="0">
+                <a:latin typeface="Consolas" panose="020B0609020204030204" pitchFamily="49" charset="0"/>
+                <a:ea typeface="+mj-ea"/>
+                <a:cs typeface="+mj-cs"/>
+              </a:rPr>
+              <a:t>=1.62% (</a:t>
+            </a:r>
+            <a:r>
+              <a:rPr lang="zh-CN" altLang="en-US" sz="1400" dirty="0">
+                <a:latin typeface="Consolas" panose="020B0609020204030204" pitchFamily="49" charset="0"/>
+                <a:ea typeface="+mj-ea"/>
+                <a:cs typeface="+mj-cs"/>
+              </a:rPr>
+              <a:t>优秀</a:t>
+            </a:r>
+            <a:r>
+              <a:rPr lang="en-US" altLang="zh-CN" sz="1400" dirty="0">
+                <a:latin typeface="Consolas" panose="020B0609020204030204" pitchFamily="49" charset="0"/>
+                <a:ea typeface="+mj-ea"/>
+                <a:cs typeface="+mj-cs"/>
+              </a:rPr>
+              <a:t>), N=33</a:t>
+            </a:r>
+          </a:p>
+          <a:p>
+            <a:r>
+              <a:rPr lang="en-US" altLang="zh-CN" sz="1400" dirty="0">
+                <a:latin typeface="Consolas" panose="020B0609020204030204" pitchFamily="49" charset="0"/>
+                <a:ea typeface="+mj-ea"/>
+                <a:cs typeface="+mj-cs"/>
+              </a:rPr>
+              <a:t>Seed 33550336: MAPE=0.0986 (</a:t>
+            </a:r>
+            <a:r>
+              <a:rPr lang="zh-CN" altLang="en-US" sz="1400" dirty="0">
+                <a:latin typeface="Consolas" panose="020B0609020204030204" pitchFamily="49" charset="0"/>
+                <a:ea typeface="+mj-ea"/>
+                <a:cs typeface="+mj-cs"/>
+              </a:rPr>
+              <a:t>优秀</a:t>
+            </a:r>
+            <a:r>
+              <a:rPr lang="en-US" altLang="zh-CN" sz="1400" dirty="0">
+                <a:latin typeface="Consolas" panose="020B0609020204030204" pitchFamily="49" charset="0"/>
+                <a:ea typeface="+mj-ea"/>
+                <a:cs typeface="+mj-cs"/>
+              </a:rPr>
+              <a:t>), R2=0.9975, RMSE=5.0404 (s), </a:t>
+            </a:r>
+            <a:r>
+              <a:rPr lang="en-US" altLang="zh-CN" sz="1400" dirty="0" err="1">
+                <a:latin typeface="Consolas" panose="020B0609020204030204" pitchFamily="49" charset="0"/>
+                <a:ea typeface="+mj-ea"/>
+                <a:cs typeface="+mj-cs"/>
+              </a:rPr>
+              <a:t>RMSE%_mean</a:t>
+            </a:r>
+            <a:r>
+              <a:rPr lang="en-US" altLang="zh-CN" sz="1400" dirty="0">
+                <a:latin typeface="Consolas" panose="020B0609020204030204" pitchFamily="49" charset="0"/>
+                <a:ea typeface="+mj-ea"/>
+                <a:cs typeface="+mj-cs"/>
+              </a:rPr>
+              <a:t>=5.91% (</a:t>
+            </a:r>
+            <a:r>
+              <a:rPr lang="zh-CN" altLang="en-US" sz="1400" dirty="0">
+                <a:latin typeface="Consolas" panose="020B0609020204030204" pitchFamily="49" charset="0"/>
+                <a:ea typeface="+mj-ea"/>
+                <a:cs typeface="+mj-cs"/>
+              </a:rPr>
+              <a:t>优秀</a:t>
+            </a:r>
+            <a:r>
+              <a:rPr lang="en-US" altLang="zh-CN" sz="1400" dirty="0">
+                <a:latin typeface="Consolas" panose="020B0609020204030204" pitchFamily="49" charset="0"/>
+                <a:ea typeface="+mj-ea"/>
+                <a:cs typeface="+mj-cs"/>
+              </a:rPr>
+              <a:t>), </a:t>
+            </a:r>
+            <a:r>
+              <a:rPr lang="en-US" altLang="zh-CN" sz="1400" dirty="0" err="1">
+                <a:latin typeface="Consolas" panose="020B0609020204030204" pitchFamily="49" charset="0"/>
+                <a:ea typeface="+mj-ea"/>
+                <a:cs typeface="+mj-cs"/>
+              </a:rPr>
+              <a:t>RMSE%_range</a:t>
+            </a:r>
+            <a:r>
+              <a:rPr lang="en-US" altLang="zh-CN" sz="1400" dirty="0">
+                <a:latin typeface="Consolas" panose="020B0609020204030204" pitchFamily="49" charset="0"/>
+                <a:ea typeface="+mj-ea"/>
+                <a:cs typeface="+mj-cs"/>
+              </a:rPr>
+              <a:t>=1.46% (</a:t>
+            </a:r>
+            <a:r>
+              <a:rPr lang="zh-CN" altLang="en-US" sz="1400" dirty="0">
+                <a:latin typeface="Consolas" panose="020B0609020204030204" pitchFamily="49" charset="0"/>
+                <a:ea typeface="+mj-ea"/>
+                <a:cs typeface="+mj-cs"/>
+              </a:rPr>
+              <a:t>优秀</a:t>
+            </a:r>
+            <a:r>
+              <a:rPr lang="en-US" altLang="zh-CN" sz="1400" dirty="0">
+                <a:latin typeface="Consolas" panose="020B0609020204030204" pitchFamily="49" charset="0"/>
+                <a:ea typeface="+mj-ea"/>
+                <a:cs typeface="+mj-cs"/>
+              </a:rPr>
+              <a:t>), N=33</a:t>
+            </a:r>
+          </a:p>
+          <a:p>
+            <a:endParaRPr lang="en-US" altLang="zh-CN" sz="1400" dirty="0">
+              <a:latin typeface="Consolas" panose="020B0609020204030204" pitchFamily="49" charset="0"/>
+              <a:ea typeface="+mj-ea"/>
+              <a:cs typeface="+mj-cs"/>
+            </a:endParaRPr>
+          </a:p>
+          <a:p>
+            <a:r>
+              <a:rPr lang="en-US" altLang="zh-CN" sz="1400" dirty="0">
                 <a:latin typeface="Consolas" panose="020B0609020204030204" pitchFamily="49" charset="0"/>
                 <a:ea typeface="+mj-ea"/>
                 <a:cs typeface="+mj-cs"/>
@@ -33651,7 +34672,7 @@
               <a:t>MAPE: 0.1273 ± 0.0452 (</a:t>
             </a:r>
             <a:r>
-              <a:rPr lang="zh-CN" altLang="en-US" sz="1400">
+              <a:rPr lang="zh-CN" altLang="en-US" sz="1400" dirty="0">
                 <a:latin typeface="Consolas" panose="020B0609020204030204" pitchFamily="49" charset="0"/>
                 <a:ea typeface="+mj-ea"/>
                 <a:cs typeface="+mj-cs"/>
@@ -33659,7 +34680,7 @@
               <a:t>中等</a:t>
             </a:r>
             <a:r>
-              <a:rPr lang="en-US" altLang="zh-CN" sz="1400">
+              <a:rPr lang="en-US" altLang="zh-CN" sz="1400" dirty="0">
                 <a:latin typeface="Consolas" panose="020B0609020204030204" pitchFamily="49" charset="0"/>
                 <a:ea typeface="+mj-ea"/>
                 <a:cs typeface="+mj-cs"/>
@@ -33669,7 +34690,7 @@
           </a:p>
           <a:p>
             <a:r>
-              <a:rPr lang="en-US" altLang="zh-CN" sz="1400">
+              <a:rPr lang="en-US" altLang="zh-CN" sz="1400" dirty="0">
                 <a:latin typeface="Consolas" panose="020B0609020204030204" pitchFamily="49" charset="0"/>
                 <a:ea typeface="+mj-ea"/>
                 <a:cs typeface="+mj-cs"/>
@@ -33679,7 +34700,7 @@
           </a:p>
           <a:p>
             <a:r>
-              <a:rPr lang="en-US" altLang="zh-CN" sz="1400">
+              <a:rPr lang="en-US" altLang="zh-CN" sz="1400" dirty="0">
                 <a:latin typeface="Consolas" panose="020B0609020204030204" pitchFamily="49" charset="0"/>
                 <a:ea typeface="+mj-ea"/>
                 <a:cs typeface="+mj-cs"/>
@@ -33689,23 +34710,31 @@
           </a:p>
           <a:p>
             <a:r>
-              <a:rPr lang="en-US" altLang="zh-CN" sz="1400">
-                <a:latin typeface="Consolas" panose="020B0609020204030204" pitchFamily="49" charset="0"/>
-                <a:ea typeface="+mj-ea"/>
-                <a:cs typeface="+mj-cs"/>
-              </a:rPr>
-              <a:t>RMSE%_mean: 6.91% ± 1.08% (</a:t>
-            </a:r>
-            <a:r>
-              <a:rPr lang="zh-CN" altLang="en-US" sz="1400">
-                <a:latin typeface="Consolas" panose="020B0609020204030204" pitchFamily="49" charset="0"/>
-                <a:ea typeface="+mj-ea"/>
-                <a:cs typeface="+mj-cs"/>
-              </a:rPr>
-              <a:t>优秀</a:t>
-            </a:r>
-            <a:r>
-              <a:rPr lang="en-US" altLang="zh-CN" sz="1400">
+              <a:rPr lang="en-US" altLang="zh-CN" sz="1400" dirty="0" err="1">
+                <a:latin typeface="Consolas" panose="020B0609020204030204" pitchFamily="49" charset="0"/>
+                <a:ea typeface="+mj-ea"/>
+                <a:cs typeface="+mj-cs"/>
+              </a:rPr>
+              <a:t>RMSE%_mean</a:t>
+            </a:r>
+            <a:r>
+              <a:rPr lang="en-US" altLang="zh-CN" sz="1400" dirty="0">
+                <a:latin typeface="Consolas" panose="020B0609020204030204" pitchFamily="49" charset="0"/>
+                <a:ea typeface="+mj-ea"/>
+                <a:cs typeface="+mj-cs"/>
+              </a:rPr>
+              <a:t>: 6.91% ± 1.08% (</a:t>
+            </a:r>
+            <a:r>
+              <a:rPr lang="zh-CN" altLang="en-US" sz="1400" dirty="0">
+                <a:latin typeface="Consolas" panose="020B0609020204030204" pitchFamily="49" charset="0"/>
+                <a:ea typeface="+mj-ea"/>
+                <a:cs typeface="+mj-cs"/>
+              </a:rPr>
+              <a:t>优秀</a:t>
+            </a:r>
+            <a:r>
+              <a:rPr lang="en-US" altLang="zh-CN" sz="1400" dirty="0">
                 <a:latin typeface="Consolas" panose="020B0609020204030204" pitchFamily="49" charset="0"/>
                 <a:ea typeface="+mj-ea"/>
                 <a:cs typeface="+mj-cs"/>
@@ -33715,30 +34744,38 @@
           </a:p>
           <a:p>
             <a:r>
-              <a:rPr lang="en-US" altLang="zh-CN" sz="1400">
-                <a:latin typeface="Consolas" panose="020B0609020204030204" pitchFamily="49" charset="0"/>
-                <a:ea typeface="+mj-ea"/>
-                <a:cs typeface="+mj-cs"/>
-              </a:rPr>
-              <a:t>RMSE%_range: 1.66% ± 0.24% (</a:t>
-            </a:r>
-            <a:r>
-              <a:rPr lang="zh-CN" altLang="en-US" sz="1400">
-                <a:latin typeface="Consolas" panose="020B0609020204030204" pitchFamily="49" charset="0"/>
-                <a:ea typeface="+mj-ea"/>
-                <a:cs typeface="+mj-cs"/>
-              </a:rPr>
-              <a:t>优秀</a:t>
-            </a:r>
-            <a:r>
-              <a:rPr lang="en-US" altLang="zh-CN" sz="1400">
+              <a:rPr lang="en-US" altLang="zh-CN" sz="1400" dirty="0" err="1">
+                <a:latin typeface="Consolas" panose="020B0609020204030204" pitchFamily="49" charset="0"/>
+                <a:ea typeface="+mj-ea"/>
+                <a:cs typeface="+mj-cs"/>
+              </a:rPr>
+              <a:t>RMSE%_range</a:t>
+            </a:r>
+            <a:r>
+              <a:rPr lang="en-US" altLang="zh-CN" sz="1400" dirty="0">
+                <a:latin typeface="Consolas" panose="020B0609020204030204" pitchFamily="49" charset="0"/>
+                <a:ea typeface="+mj-ea"/>
+                <a:cs typeface="+mj-cs"/>
+              </a:rPr>
+              <a:t>: 1.66% ± 0.24% (</a:t>
+            </a:r>
+            <a:r>
+              <a:rPr lang="zh-CN" altLang="en-US" sz="1400" dirty="0">
+                <a:latin typeface="Consolas" panose="020B0609020204030204" pitchFamily="49" charset="0"/>
+                <a:ea typeface="+mj-ea"/>
+                <a:cs typeface="+mj-cs"/>
+              </a:rPr>
+              <a:t>优秀</a:t>
+            </a:r>
+            <a:r>
+              <a:rPr lang="en-US" altLang="zh-CN" sz="1400" dirty="0">
                 <a:latin typeface="Consolas" panose="020B0609020204030204" pitchFamily="49" charset="0"/>
                 <a:ea typeface="+mj-ea"/>
                 <a:cs typeface="+mj-cs"/>
               </a:rPr>
               <a:t>)</a:t>
             </a:r>
-            <a:endParaRPr lang="zh-CN" altLang="en-US" sz="1400">
+            <a:endParaRPr lang="zh-CN" altLang="en-US" sz="1400" dirty="0">
               <a:latin typeface="Consolas" panose="020B0609020204030204" pitchFamily="49" charset="0"/>
               <a:ea typeface="+mj-ea"/>
               <a:cs typeface="+mj-cs"/>
@@ -33856,7 +34893,7 @@
               <a:buChar char="•"/>
             </a:pPr>
             <a:r>
-              <a:rPr lang="zh-CN" altLang="en-US" sz="2000" b="1">
+              <a:rPr lang="zh-CN" altLang="en-US" sz="2000" b="1" dirty="0">
                 <a:solidFill>
                   <a:srgbClr val="00B0F0"/>
                 </a:solidFill>
@@ -33865,7 +34902,7 @@
               <a:t>从训练集</a:t>
             </a:r>
             <a:r>
-              <a:rPr lang="en-US" altLang="zh-CN" sz="2000" b="1">
+              <a:rPr lang="en-US" altLang="zh-CN" sz="2000" b="1" dirty="0">
                 <a:solidFill>
                   <a:srgbClr val="00B0F0"/>
                 </a:solidFill>
@@ -33874,7 +34911,7 @@
               <a:t>/</a:t>
             </a:r>
             <a:r>
-              <a:rPr lang="zh-CN" altLang="en-US" sz="2000" b="1">
+              <a:rPr lang="zh-CN" altLang="en-US" sz="2000" b="1" dirty="0">
                 <a:solidFill>
                   <a:srgbClr val="00B0F0"/>
                 </a:solidFill>
@@ -33883,7 +34920,7 @@
               <a:t>测试集按</a:t>
             </a:r>
             <a:r>
-              <a:rPr lang="en-US" altLang="zh-CN" sz="2000" b="1">
+              <a:rPr lang="en-US" altLang="zh-CN" sz="2000" b="1" dirty="0">
                 <a:solidFill>
                   <a:srgbClr val="00B0F0"/>
                 </a:solidFill>
@@ -33892,7 +34929,7 @@
               <a:t>90%/10%</a:t>
             </a:r>
             <a:r>
-              <a:rPr lang="zh-CN" altLang="en-US" sz="2000" b="1">
+              <a:rPr lang="zh-CN" altLang="en-US" sz="2000" b="1" dirty="0">
                 <a:solidFill>
                   <a:srgbClr val="00B0F0"/>
                 </a:solidFill>
@@ -33901,7 +34938,7 @@
               <a:t>划分改为</a:t>
             </a:r>
             <a:r>
-              <a:rPr lang="en-US" altLang="zh-CN" sz="2000" b="1">
+              <a:rPr lang="en-US" altLang="zh-CN" sz="2000" b="1" dirty="0">
                 <a:solidFill>
                   <a:srgbClr val="00B0F0"/>
                 </a:solidFill>
@@ -33910,7 +34947,7 @@
               <a:t>70%/30%</a:t>
             </a:r>
             <a:r>
-              <a:rPr lang="zh-CN" altLang="en-US" sz="2000" b="1">
+              <a:rPr lang="zh-CN" altLang="en-US" sz="2000" b="1" dirty="0">
                 <a:solidFill>
                   <a:srgbClr val="00B0F0"/>
                 </a:solidFill>
@@ -33918,7 +34955,7 @@
               </a:rPr>
               <a:t>划分。</a:t>
             </a:r>
-            <a:endParaRPr lang="en-US" altLang="zh-CN" sz="2000" b="1">
+            <a:endParaRPr lang="en-US" altLang="zh-CN" sz="2000" b="1" dirty="0">
               <a:solidFill>
                 <a:srgbClr val="00B0F0"/>
               </a:solidFill>
@@ -33937,7 +34974,7 @@
               <a:buChar char="•"/>
             </a:pPr>
             <a:r>
-              <a:rPr lang="zh-CN" altLang="zh-CN" sz="2000" b="1">
+              <a:rPr lang="zh-CN" altLang="zh-CN" sz="2000" b="1" dirty="0">
                 <a:solidFill>
                   <a:srgbClr val="00B0F0"/>
                 </a:solidFill>
@@ -33958,7 +34995,7 @@
               <a:buChar char="•"/>
             </a:pPr>
             <a:r>
-              <a:rPr lang="zh-CN" altLang="zh-CN" sz="2000" b="1">
+              <a:rPr lang="zh-CN" altLang="zh-CN" sz="2000" b="1" dirty="0">
                 <a:solidFill>
                   <a:srgbClr val="00B0F0"/>
                 </a:solidFill>
@@ -33966,7 +35003,7 @@
               </a:rPr>
               <a:t>90/10 给训练更多数据，可能让模型在训练上表现更好，但测试集太小会导致评估结果高度不稳定（噪声大），容易被“幸运的划分”误导。</a:t>
             </a:r>
-            <a:endParaRPr lang="en-US" altLang="zh-CN" sz="2000" b="1">
+            <a:endParaRPr lang="en-US" altLang="zh-CN" sz="2000" b="1" dirty="0">
               <a:solidFill>
                 <a:srgbClr val="00B0F0"/>
               </a:solidFill>
@@ -33985,16 +35022,16 @@
               <a:buChar char="•"/>
             </a:pPr>
             <a:r>
-              <a:rPr lang="zh-CN" altLang="en-US" sz="2000" b="1">
+              <a:rPr lang="zh-CN" altLang="en-US" sz="2000" b="1" dirty="0">
                 <a:solidFill>
                   <a:srgbClr val="00B0F0"/>
                 </a:solidFill>
                 <a:latin typeface="+mn-ea"/>
               </a:rPr>
-              <a:t>数据量很大（几万）时可以用</a:t>
-            </a:r>
-            <a:r>
-              <a:rPr lang="en-US" altLang="zh-CN" sz="2000" b="1">
+              <a:t>数据量很大（几千）时可以用</a:t>
+            </a:r>
+            <a:r>
+              <a:rPr lang="en-US" altLang="zh-CN" sz="2000" b="1" dirty="0">
                 <a:solidFill>
                   <a:srgbClr val="00B0F0"/>
                 </a:solidFill>
@@ -34003,7 +35040,7 @@
               <a:t>90%/10%</a:t>
             </a:r>
             <a:r>
-              <a:rPr lang="zh-CN" altLang="en-US" sz="2000" b="1">
+              <a:rPr lang="zh-CN" altLang="en-US" sz="2000" b="1" dirty="0">
                 <a:solidFill>
                   <a:srgbClr val="00B0F0"/>
                 </a:solidFill>
@@ -34011,7 +35048,7 @@
               </a:rPr>
               <a:t>，因为此时测试集依然很大。</a:t>
             </a:r>
-            <a:endParaRPr lang="en-US" altLang="zh-CN" sz="2000" b="1">
+            <a:endParaRPr lang="en-US" altLang="zh-CN" sz="2000" b="1" dirty="0">
               <a:solidFill>
                 <a:srgbClr val="00B0F0"/>
               </a:solidFill>
@@ -34030,7 +35067,7 @@
               <a:buChar char="•"/>
             </a:pPr>
             <a:r>
-              <a:rPr lang="zh-CN" altLang="en-US" sz="2000" b="1">
+              <a:rPr lang="zh-CN" altLang="en-US" sz="2000" b="1" dirty="0">
                 <a:solidFill>
                   <a:srgbClr val="00B0F0"/>
                 </a:solidFill>

--- a/R5.pptx
+++ b/R5.pptx
@@ -5,7 +5,7 @@
     <p:sldMasterId id="2147483648" r:id="rId1"/>
   </p:sldMasterIdLst>
   <p:notesMasterIdLst>
-    <p:notesMasterId r:id="rId50"/>
+    <p:notesMasterId r:id="rId51"/>
   </p:notesMasterIdLst>
   <p:sldIdLst>
     <p:sldId id="281" r:id="rId2"/>
@@ -56,6 +56,7 @@
     <p:sldId id="310" r:id="rId47"/>
     <p:sldId id="312" r:id="rId48"/>
     <p:sldId id="311" r:id="rId49"/>
+    <p:sldId id="314" r:id="rId50"/>
   </p:sldIdLst>
   <p:sldSz cx="12192000" cy="6858000"/>
   <p:notesSz cx="6858000" cy="9144000"/>
@@ -244,7 +245,7 @@
           <a:p>
             <a:fld id="{F785A1BD-EBB2-4221-B6F1-84446E81673C}" type="datetimeFigureOut">
               <a:rPr lang="zh-CN" altLang="en-US" smtClean="0"/>
-              <a:t>2025/10/23</a:t>
+              <a:t>2025/10/27</a:t>
             </a:fld>
             <a:endParaRPr lang="zh-CN" altLang="en-US"/>
           </a:p>
@@ -2962,7 +2963,7 @@
           <a:p>
             <a:fld id="{5D316963-EF35-41F4-B235-3A3F02295E84}" type="datetimeFigureOut">
               <a:rPr lang="zh-CN" altLang="en-US" smtClean="0"/>
-              <a:t>2025/10/23</a:t>
+              <a:t>2025/10/27</a:t>
             </a:fld>
             <a:endParaRPr lang="zh-CN" altLang="en-US"/>
           </a:p>
@@ -3160,7 +3161,7 @@
           <a:p>
             <a:fld id="{5D316963-EF35-41F4-B235-3A3F02295E84}" type="datetimeFigureOut">
               <a:rPr lang="zh-CN" altLang="en-US" smtClean="0"/>
-              <a:t>2025/10/23</a:t>
+              <a:t>2025/10/27</a:t>
             </a:fld>
             <a:endParaRPr lang="zh-CN" altLang="en-US"/>
           </a:p>
@@ -3368,7 +3369,7 @@
           <a:p>
             <a:fld id="{5D316963-EF35-41F4-B235-3A3F02295E84}" type="datetimeFigureOut">
               <a:rPr lang="zh-CN" altLang="en-US" smtClean="0"/>
-              <a:t>2025/10/23</a:t>
+              <a:t>2025/10/27</a:t>
             </a:fld>
             <a:endParaRPr lang="zh-CN" altLang="en-US"/>
           </a:p>
@@ -3566,7 +3567,7 @@
           <a:p>
             <a:fld id="{5D316963-EF35-41F4-B235-3A3F02295E84}" type="datetimeFigureOut">
               <a:rPr lang="zh-CN" altLang="en-US" smtClean="0"/>
-              <a:t>2025/10/23</a:t>
+              <a:t>2025/10/27</a:t>
             </a:fld>
             <a:endParaRPr lang="zh-CN" altLang="en-US"/>
           </a:p>
@@ -3841,7 +3842,7 @@
           <a:p>
             <a:fld id="{5D316963-EF35-41F4-B235-3A3F02295E84}" type="datetimeFigureOut">
               <a:rPr lang="zh-CN" altLang="en-US" smtClean="0"/>
-              <a:t>2025/10/23</a:t>
+              <a:t>2025/10/27</a:t>
             </a:fld>
             <a:endParaRPr lang="zh-CN" altLang="en-US"/>
           </a:p>
@@ -4106,7 +4107,7 @@
           <a:p>
             <a:fld id="{5D316963-EF35-41F4-B235-3A3F02295E84}" type="datetimeFigureOut">
               <a:rPr lang="zh-CN" altLang="en-US" smtClean="0"/>
-              <a:t>2025/10/23</a:t>
+              <a:t>2025/10/27</a:t>
             </a:fld>
             <a:endParaRPr lang="zh-CN" altLang="en-US"/>
           </a:p>
@@ -4518,7 +4519,7 @@
           <a:p>
             <a:fld id="{5D316963-EF35-41F4-B235-3A3F02295E84}" type="datetimeFigureOut">
               <a:rPr lang="zh-CN" altLang="en-US" smtClean="0"/>
-              <a:t>2025/10/23</a:t>
+              <a:t>2025/10/27</a:t>
             </a:fld>
             <a:endParaRPr lang="zh-CN" altLang="en-US"/>
           </a:p>
@@ -4659,7 +4660,7 @@
           <a:p>
             <a:fld id="{5D316963-EF35-41F4-B235-3A3F02295E84}" type="datetimeFigureOut">
               <a:rPr lang="zh-CN" altLang="en-US" smtClean="0"/>
-              <a:t>2025/10/23</a:t>
+              <a:t>2025/10/27</a:t>
             </a:fld>
             <a:endParaRPr lang="zh-CN" altLang="en-US"/>
           </a:p>
@@ -4772,7 +4773,7 @@
           <a:p>
             <a:fld id="{5D316963-EF35-41F4-B235-3A3F02295E84}" type="datetimeFigureOut">
               <a:rPr lang="zh-CN" altLang="en-US" smtClean="0"/>
-              <a:t>2025/10/23</a:t>
+              <a:t>2025/10/27</a:t>
             </a:fld>
             <a:endParaRPr lang="zh-CN" altLang="en-US"/>
           </a:p>
@@ -5083,7 +5084,7 @@
           <a:p>
             <a:fld id="{5D316963-EF35-41F4-B235-3A3F02295E84}" type="datetimeFigureOut">
               <a:rPr lang="zh-CN" altLang="en-US" smtClean="0"/>
-              <a:t>2025/10/23</a:t>
+              <a:t>2025/10/27</a:t>
             </a:fld>
             <a:endParaRPr lang="zh-CN" altLang="en-US"/>
           </a:p>
@@ -5371,7 +5372,7 @@
           <a:p>
             <a:fld id="{5D316963-EF35-41F4-B235-3A3F02295E84}" type="datetimeFigureOut">
               <a:rPr lang="zh-CN" altLang="en-US" smtClean="0"/>
-              <a:t>2025/10/23</a:t>
+              <a:t>2025/10/27</a:t>
             </a:fld>
             <a:endParaRPr lang="zh-CN" altLang="en-US"/>
           </a:p>
@@ -5612,7 +5613,7 @@
           <a:p>
             <a:fld id="{5D316963-EF35-41F4-B235-3A3F02295E84}" type="datetimeFigureOut">
               <a:rPr lang="zh-CN" altLang="en-US" smtClean="0"/>
-              <a:t>2025/10/23</a:t>
+              <a:t>2025/10/27</a:t>
             </a:fld>
             <a:endParaRPr lang="zh-CN" altLang="en-US"/>
           </a:p>
@@ -13046,8 +13047,8 @@
           </a:prstGeom>
         </p:spPr>
       </p:pic>
-      <mc:AlternateContent xmlns:mc="http://schemas.openxmlformats.org/markup-compatibility/2006">
-        <mc:Choice xmlns:a14="http://schemas.microsoft.com/office/drawing/2010/main" Requires="a14">
+      <mc:AlternateContent xmlns:mc="http://schemas.openxmlformats.org/markup-compatibility/2006" xmlns:a14="http://schemas.microsoft.com/office/drawing/2010/main">
+        <mc:Choice Requires="a14">
           <p:sp>
             <p:nvSpPr>
               <p:cNvPr id="7" name="文本框 6">
@@ -13162,7 +13163,7 @@
             </p:txBody>
           </p:sp>
         </mc:Choice>
-        <mc:Fallback>
+        <mc:Fallback xmlns="">
           <p:sp>
             <p:nvSpPr>
               <p:cNvPr id="7" name="文本框 6">
@@ -32487,6 +32488,102 @@
     <p:extLst>
       <p:ext uri="{BB962C8B-B14F-4D97-AF65-F5344CB8AC3E}">
         <p14:creationId xmlns:p14="http://schemas.microsoft.com/office/powerpoint/2010/main" val="3572341334"/>
+      </p:ext>
+    </p:extLst>
+  </p:cSld>
+  <p:clrMapOvr>
+    <a:masterClrMapping/>
+  </p:clrMapOvr>
+</p:sld>
+</file>
+
+<file path=ppt/slides/slide49.xml><?xml version="1.0" encoding="utf-8"?>
+<p:sld xmlns:a="http://schemas.openxmlformats.org/drawingml/2006/main" xmlns:r="http://schemas.openxmlformats.org/officeDocument/2006/relationships" xmlns:p="http://schemas.openxmlformats.org/presentationml/2006/main">
+  <p:cSld>
+    <p:spTree>
+      <p:nvGrpSpPr>
+        <p:cNvPr id="1" name=""/>
+        <p:cNvGrpSpPr/>
+        <p:nvPr/>
+      </p:nvGrpSpPr>
+      <p:grpSpPr>
+        <a:xfrm>
+          <a:off x="0" y="0"/>
+          <a:ext cx="0" cy="0"/>
+          <a:chOff x="0" y="0"/>
+          <a:chExt cx="0" cy="0"/>
+        </a:xfrm>
+      </p:grpSpPr>
+      <p:sp>
+        <p:nvSpPr>
+          <p:cNvPr id="5" name="文本框 4">
+            <a:extLst>
+              <a:ext uri="{FF2B5EF4-FFF2-40B4-BE49-F238E27FC236}">
+                <a16:creationId xmlns:a16="http://schemas.microsoft.com/office/drawing/2014/main" id="{10FB034A-47F7-4636-B888-8462C4C317A6}"/>
+              </a:ext>
+            </a:extLst>
+          </p:cNvPr>
+          <p:cNvSpPr txBox="1"/>
+          <p:nvPr/>
+        </p:nvSpPr>
+        <p:spPr>
+          <a:xfrm>
+            <a:off x="0" y="116314"/>
+            <a:ext cx="12192000" cy="1569660"/>
+          </a:xfrm>
+          <a:prstGeom prst="rect">
+            <a:avLst/>
+          </a:prstGeom>
+          <a:noFill/>
+        </p:spPr>
+        <p:txBody>
+          <a:bodyPr wrap="square">
+            <a:spAutoFit/>
+          </a:bodyPr>
+          <a:lstStyle/>
+          <a:p>
+            <a:r>
+              <a:rPr lang="en-US" altLang="zh-CN" sz="2400" dirty="0"/>
+              <a:t>FFT</a:t>
+            </a:r>
+            <a:r>
+              <a:rPr lang="zh-CN" altLang="en-US" sz="2400" dirty="0"/>
+              <a:t>由于数据采样点过少难以拟合，一般来说需要</a:t>
+            </a:r>
+            <a:r>
+              <a:rPr lang="en-US" altLang="zh-CN" sz="2400" dirty="0"/>
+              <a:t>50-100</a:t>
+            </a:r>
+            <a:r>
+              <a:rPr lang="zh-CN" altLang="en-US" sz="2400" dirty="0"/>
+              <a:t>个数据才能得到较好的效果，然而目前能采样的点远远小于这一数值。</a:t>
+            </a:r>
+            <a:endParaRPr lang="en-US" altLang="zh-CN" sz="2400" dirty="0"/>
+          </a:p>
+          <a:p>
+            <a:endParaRPr lang="en-US" altLang="zh-CN" sz="2400" dirty="0"/>
+          </a:p>
+          <a:p>
+            <a:r>
+              <a:rPr lang="zh-CN" altLang="en-US" sz="2400" dirty="0"/>
+              <a:t>不过又由于总共可能的</a:t>
+            </a:r>
+            <a:r>
+              <a:rPr lang="en-US" altLang="zh-CN" sz="2400" dirty="0"/>
+              <a:t>n</a:t>
+            </a:r>
+            <a:r>
+              <a:rPr lang="zh-CN" altLang="en-US" sz="2400"/>
+              <a:t>较少，也可以考虑查表</a:t>
+            </a:r>
+            <a:endParaRPr lang="en-US" altLang="zh-CN" sz="2400" dirty="0"/>
+          </a:p>
+        </p:txBody>
+      </p:sp>
+    </p:spTree>
+    <p:extLst>
+      <p:ext uri="{BB962C8B-B14F-4D97-AF65-F5344CB8AC3E}">
+        <p14:creationId xmlns:p14="http://schemas.microsoft.com/office/powerpoint/2010/main" val="4154729686"/>
       </p:ext>
     </p:extLst>
   </p:cSld>

--- a/R5.pptx
+++ b/R5.pptx
@@ -245,7 +245,7 @@
           <a:p>
             <a:fld id="{F785A1BD-EBB2-4221-B6F1-84446E81673C}" type="datetimeFigureOut">
               <a:rPr lang="zh-CN" altLang="en-US" smtClean="0"/>
-              <a:t>2025/10/27</a:t>
+              <a:t>2025/10/30</a:t>
             </a:fld>
             <a:endParaRPr lang="zh-CN" altLang="en-US"/>
           </a:p>
@@ -2963,7 +2963,7 @@
           <a:p>
             <a:fld id="{5D316963-EF35-41F4-B235-3A3F02295E84}" type="datetimeFigureOut">
               <a:rPr lang="zh-CN" altLang="en-US" smtClean="0"/>
-              <a:t>2025/10/27</a:t>
+              <a:t>2025/10/30</a:t>
             </a:fld>
             <a:endParaRPr lang="zh-CN" altLang="en-US"/>
           </a:p>
@@ -3161,7 +3161,7 @@
           <a:p>
             <a:fld id="{5D316963-EF35-41F4-B235-3A3F02295E84}" type="datetimeFigureOut">
               <a:rPr lang="zh-CN" altLang="en-US" smtClean="0"/>
-              <a:t>2025/10/27</a:t>
+              <a:t>2025/10/30</a:t>
             </a:fld>
             <a:endParaRPr lang="zh-CN" altLang="en-US"/>
           </a:p>
@@ -3369,7 +3369,7 @@
           <a:p>
             <a:fld id="{5D316963-EF35-41F4-B235-3A3F02295E84}" type="datetimeFigureOut">
               <a:rPr lang="zh-CN" altLang="en-US" smtClean="0"/>
-              <a:t>2025/10/27</a:t>
+              <a:t>2025/10/30</a:t>
             </a:fld>
             <a:endParaRPr lang="zh-CN" altLang="en-US"/>
           </a:p>
@@ -3567,7 +3567,7 @@
           <a:p>
             <a:fld id="{5D316963-EF35-41F4-B235-3A3F02295E84}" type="datetimeFigureOut">
               <a:rPr lang="zh-CN" altLang="en-US" smtClean="0"/>
-              <a:t>2025/10/27</a:t>
+              <a:t>2025/10/30</a:t>
             </a:fld>
             <a:endParaRPr lang="zh-CN" altLang="en-US"/>
           </a:p>
@@ -3842,7 +3842,7 @@
           <a:p>
             <a:fld id="{5D316963-EF35-41F4-B235-3A3F02295E84}" type="datetimeFigureOut">
               <a:rPr lang="zh-CN" altLang="en-US" smtClean="0"/>
-              <a:t>2025/10/27</a:t>
+              <a:t>2025/10/30</a:t>
             </a:fld>
             <a:endParaRPr lang="zh-CN" altLang="en-US"/>
           </a:p>
@@ -4107,7 +4107,7 @@
           <a:p>
             <a:fld id="{5D316963-EF35-41F4-B235-3A3F02295E84}" type="datetimeFigureOut">
               <a:rPr lang="zh-CN" altLang="en-US" smtClean="0"/>
-              <a:t>2025/10/27</a:t>
+              <a:t>2025/10/30</a:t>
             </a:fld>
             <a:endParaRPr lang="zh-CN" altLang="en-US"/>
           </a:p>
@@ -4519,7 +4519,7 @@
           <a:p>
             <a:fld id="{5D316963-EF35-41F4-B235-3A3F02295E84}" type="datetimeFigureOut">
               <a:rPr lang="zh-CN" altLang="en-US" smtClean="0"/>
-              <a:t>2025/10/27</a:t>
+              <a:t>2025/10/30</a:t>
             </a:fld>
             <a:endParaRPr lang="zh-CN" altLang="en-US"/>
           </a:p>
@@ -4660,7 +4660,7 @@
           <a:p>
             <a:fld id="{5D316963-EF35-41F4-B235-3A3F02295E84}" type="datetimeFigureOut">
               <a:rPr lang="zh-CN" altLang="en-US" smtClean="0"/>
-              <a:t>2025/10/27</a:t>
+              <a:t>2025/10/30</a:t>
             </a:fld>
             <a:endParaRPr lang="zh-CN" altLang="en-US"/>
           </a:p>
@@ -4773,7 +4773,7 @@
           <a:p>
             <a:fld id="{5D316963-EF35-41F4-B235-3A3F02295E84}" type="datetimeFigureOut">
               <a:rPr lang="zh-CN" altLang="en-US" smtClean="0"/>
-              <a:t>2025/10/27</a:t>
+              <a:t>2025/10/30</a:t>
             </a:fld>
             <a:endParaRPr lang="zh-CN" altLang="en-US"/>
           </a:p>
@@ -5084,7 +5084,7 @@
           <a:p>
             <a:fld id="{5D316963-EF35-41F4-B235-3A3F02295E84}" type="datetimeFigureOut">
               <a:rPr lang="zh-CN" altLang="en-US" smtClean="0"/>
-              <a:t>2025/10/27</a:t>
+              <a:t>2025/10/30</a:t>
             </a:fld>
             <a:endParaRPr lang="zh-CN" altLang="en-US"/>
           </a:p>
@@ -5372,7 +5372,7 @@
           <a:p>
             <a:fld id="{5D316963-EF35-41F4-B235-3A3F02295E84}" type="datetimeFigureOut">
               <a:rPr lang="zh-CN" altLang="en-US" smtClean="0"/>
-              <a:t>2025/10/27</a:t>
+              <a:t>2025/10/30</a:t>
             </a:fld>
             <a:endParaRPr lang="zh-CN" altLang="en-US"/>
           </a:p>
@@ -5613,7 +5613,7 @@
           <a:p>
             <a:fld id="{5D316963-EF35-41F4-B235-3A3F02295E84}" type="datetimeFigureOut">
               <a:rPr lang="zh-CN" altLang="en-US" smtClean="0"/>
-              <a:t>2025/10/27</a:t>
+              <a:t>2025/10/30</a:t>
             </a:fld>
             <a:endParaRPr lang="zh-CN" altLang="en-US"/>
           </a:p>
@@ -19176,36 +19176,6 @@
           </a:p>
         </p:txBody>
       </p:sp>
-      <p:pic>
-        <p:nvPicPr>
-          <p:cNvPr id="4" name="图片 3">
-            <a:extLst>
-              <a:ext uri="{FF2B5EF4-FFF2-40B4-BE49-F238E27FC236}">
-                <a16:creationId xmlns:a16="http://schemas.microsoft.com/office/drawing/2014/main" id="{6865809B-AF5C-3A4F-41D8-BBB91DE9465B}"/>
-              </a:ext>
-            </a:extLst>
-          </p:cNvPr>
-          <p:cNvPicPr>
-            <a:picLocks noChangeAspect="1"/>
-          </p:cNvPicPr>
-          <p:nvPr/>
-        </p:nvPicPr>
-        <p:blipFill>
-          <a:blip r:embed="rId2"/>
-          <a:stretch>
-            <a:fillRect/>
-          </a:stretch>
-        </p:blipFill>
-        <p:spPr>
-          <a:xfrm>
-            <a:off x="6162889" y="0"/>
-            <a:ext cx="12192001" cy="5883394"/>
-          </a:xfrm>
-          <a:prstGeom prst="rect">
-            <a:avLst/>
-          </a:prstGeom>
-        </p:spPr>
-      </p:pic>
       <p:sp>
         <p:nvSpPr>
           <p:cNvPr id="5" name="文本框 4">
@@ -19240,15 +19210,7 @@
             </a:r>
             <a:r>
               <a:rPr lang="en-US" altLang="zh-CN" sz="2000" dirty="0"/>
-              <a:t>(</a:t>
-            </a:r>
-            <a:r>
-              <a:rPr lang="zh-CN" altLang="en-US" sz="2000" dirty="0"/>
-              <a:t>秒</a:t>
-            </a:r>
-            <a:r>
-              <a:rPr lang="en-US" altLang="zh-CN" sz="2000" dirty="0"/>
-              <a:t>)</a:t>
+              <a:t>(ms)</a:t>
             </a:r>
             <a:r>
               <a:rPr lang="zh-CN" altLang="en-US" sz="2000" dirty="0"/>
@@ -19257,6 +19219,36 @@
           </a:p>
         </p:txBody>
       </p:sp>
+      <p:pic>
+        <p:nvPicPr>
+          <p:cNvPr id="2" name="图片 1">
+            <a:extLst>
+              <a:ext uri="{FF2B5EF4-FFF2-40B4-BE49-F238E27FC236}">
+                <a16:creationId xmlns:a16="http://schemas.microsoft.com/office/drawing/2014/main" id="{88FECC31-9D08-CF36-019C-EBC98316A929}"/>
+              </a:ext>
+            </a:extLst>
+          </p:cNvPr>
+          <p:cNvPicPr>
+            <a:picLocks noChangeAspect="1"/>
+          </p:cNvPicPr>
+          <p:nvPr/>
+        </p:nvPicPr>
+        <p:blipFill>
+          <a:blip r:embed="rId2"/>
+          <a:stretch>
+            <a:fillRect/>
+          </a:stretch>
+        </p:blipFill>
+        <p:spPr>
+          <a:xfrm>
+            <a:off x="6039898" y="0"/>
+            <a:ext cx="13312489" cy="5715000"/>
+          </a:xfrm>
+          <a:prstGeom prst="rect">
+            <a:avLst/>
+          </a:prstGeom>
+        </p:spPr>
+      </p:pic>
     </p:spTree>
     <p:extLst>
       <p:ext uri="{BB962C8B-B14F-4D97-AF65-F5344CB8AC3E}">
@@ -32306,10 +32298,10 @@
       </p:sp>
       <p:pic>
         <p:nvPicPr>
-          <p:cNvPr id="8" name="图片 7">
+          <p:cNvPr id="9" name="图片 8">
             <a:extLst>
               <a:ext uri="{FF2B5EF4-FFF2-40B4-BE49-F238E27FC236}">
-                <a16:creationId xmlns:a16="http://schemas.microsoft.com/office/drawing/2014/main" id="{50B78469-0695-7D15-0DCA-F22CEDD40C6C}"/>
+                <a16:creationId xmlns:a16="http://schemas.microsoft.com/office/drawing/2014/main" id="{01214AB1-9745-260E-834A-0ECABBA6F907}"/>
               </a:ext>
             </a:extLst>
           </p:cNvPr>
@@ -32332,8 +32324,8 @@
         </p:blipFill>
         <p:spPr>
           <a:xfrm>
-            <a:off x="0" y="0"/>
-            <a:ext cx="6096000" cy="4572000"/>
+            <a:off x="6817758" y="0"/>
+            <a:ext cx="5374242" cy="4030681"/>
           </a:xfrm>
           <a:prstGeom prst="rect">
             <a:avLst/>
@@ -32342,10 +32334,10 @@
       </p:pic>
       <p:pic>
         <p:nvPicPr>
-          <p:cNvPr id="10" name="图片 9">
+          <p:cNvPr id="13" name="图片 12">
             <a:extLst>
               <a:ext uri="{FF2B5EF4-FFF2-40B4-BE49-F238E27FC236}">
-                <a16:creationId xmlns:a16="http://schemas.microsoft.com/office/drawing/2014/main" id="{E99BCBD7-E161-D74A-92AE-52F7A2846A6D}"/>
+                <a16:creationId xmlns:a16="http://schemas.microsoft.com/office/drawing/2014/main" id="{DB12E77A-A1A6-EFC5-DB1B-B85D7FD3441B}"/>
               </a:ext>
             </a:extLst>
           </p:cNvPr>
@@ -32368,8 +32360,8 @@
         </p:blipFill>
         <p:spPr>
           <a:xfrm>
-            <a:off x="6096000" y="1"/>
-            <a:ext cx="6096000" cy="4572000"/>
+            <a:off x="245381" y="-3868"/>
+            <a:ext cx="5374242" cy="4030681"/>
           </a:xfrm>
           <a:prstGeom prst="rect">
             <a:avLst/>
@@ -32378,108 +32370,81 @@
       </p:pic>
       <p:sp>
         <p:nvSpPr>
-          <p:cNvPr id="11" name="标题 1">
+          <p:cNvPr id="15" name="文本框 14">
             <a:extLst>
               <a:ext uri="{FF2B5EF4-FFF2-40B4-BE49-F238E27FC236}">
-                <a16:creationId xmlns:a16="http://schemas.microsoft.com/office/drawing/2014/main" id="{C4A7FF83-8171-1C9C-F55D-85769C04CE5A}"/>
+                <a16:creationId xmlns:a16="http://schemas.microsoft.com/office/drawing/2014/main" id="{FFE553BC-330C-44DF-F1D3-8D61232B7803}"/>
               </a:ext>
             </a:extLst>
           </p:cNvPr>
-          <p:cNvSpPr>
-            <a:spLocks noGrp="1"/>
-          </p:cNvSpPr>
-          <p:nvPr>
-            <p:ph type="title"/>
-          </p:nvPr>
+          <p:cNvSpPr txBox="1"/>
+          <p:nvPr/>
         </p:nvSpPr>
         <p:spPr>
           <a:xfrm>
-            <a:off x="838200" y="4975548"/>
-            <a:ext cx="10515600" cy="1882451"/>
+            <a:off x="124097" y="4123814"/>
+            <a:ext cx="5495526" cy="923330"/>
           </a:xfrm>
+          <a:prstGeom prst="rect">
+            <a:avLst/>
+          </a:prstGeom>
+          <a:noFill/>
         </p:spPr>
         <p:txBody>
-          <a:bodyPr>
-            <a:normAutofit/>
+          <a:bodyPr wrap="square" rtlCol="0">
+            <a:spAutoFit/>
           </a:bodyPr>
           <a:lstStyle/>
           <a:p>
             <a:r>
-              <a:rPr lang="en-US" altLang="zh-CN" sz="2400" b="1" dirty="0">
-                <a:solidFill>
-                  <a:srgbClr val="FF0000"/>
-                </a:solidFill>
-              </a:rPr>
-              <a:t>FFT</a:t>
-            </a:r>
-            <a:r>
-              <a:rPr lang="zh-CN" altLang="en-US" sz="2400" b="1" dirty="0">
-                <a:solidFill>
-                  <a:srgbClr val="FF0000"/>
-                </a:solidFill>
-              </a:rPr>
-              <a:t>的问题：</a:t>
-            </a:r>
-            <a:br>
-              <a:rPr lang="en-US" altLang="zh-CN" sz="2400" b="1" dirty="0">
-                <a:solidFill>
-                  <a:srgbClr val="FF0000"/>
-                </a:solidFill>
-              </a:rPr>
-            </a:br>
-            <a:r>
-              <a:rPr lang="zh-CN" altLang="en-US" sz="2400" b="1" dirty="0">
-                <a:solidFill>
-                  <a:srgbClr val="FF0000"/>
-                </a:solidFill>
-              </a:rPr>
-              <a:t>输入规模是</a:t>
-            </a:r>
-            <a:r>
-              <a:rPr lang="en-US" altLang="zh-CN" sz="2400" b="1" dirty="0">
-                <a:solidFill>
-                  <a:srgbClr val="FF0000"/>
-                </a:solidFill>
-              </a:rPr>
-              <a:t>2</a:t>
-            </a:r>
-            <a:r>
-              <a:rPr lang="zh-CN" altLang="en-US" sz="2400" b="1" dirty="0">
-                <a:solidFill>
-                  <a:srgbClr val="FF0000"/>
-                </a:solidFill>
-              </a:rPr>
-              <a:t>的幂次，能采样的点有限，并且分布稀疏，可能受数据噪音影响较大</a:t>
-            </a:r>
-            <a:br>
-              <a:rPr lang="en-US" altLang="zh-CN" sz="2400" b="1" dirty="0">
-                <a:solidFill>
-                  <a:srgbClr val="FF0000"/>
-                </a:solidFill>
-              </a:rPr>
-            </a:br>
-            <a:r>
-              <a:rPr lang="zh-CN" altLang="en-US" sz="2400" b="1" dirty="0">
-                <a:solidFill>
-                  <a:srgbClr val="FF0000"/>
-                </a:solidFill>
-              </a:rPr>
-              <a:t>想法：</a:t>
-            </a:r>
-            <a:br>
-              <a:rPr lang="en-US" altLang="zh-CN" sz="2400" b="1" dirty="0">
-                <a:solidFill>
-                  <a:srgbClr val="FF0000"/>
-                </a:solidFill>
-              </a:rPr>
-            </a:br>
-            <a:r>
-              <a:rPr lang="zh-CN" altLang="en-US" sz="2400" b="1" dirty="0">
-                <a:solidFill>
-                  <a:srgbClr val="FF0000"/>
-                </a:solidFill>
-              </a:rPr>
-              <a:t>多次采样取均值</a:t>
+              <a:rPr lang="zh-CN" altLang="en-US" dirty="0"/>
+              <a:t>对一个输入规模</a:t>
+            </a:r>
+            <a:r>
+              <a:rPr lang="en-US" altLang="zh-CN" dirty="0"/>
+              <a:t>n</a:t>
+            </a:r>
+            <a:r>
+              <a:rPr lang="zh-CN" altLang="en-US" dirty="0"/>
+              <a:t>采样了</a:t>
+            </a:r>
+            <a:r>
+              <a:rPr lang="en-US" altLang="zh-CN" dirty="0"/>
+              <a:t>10</a:t>
+            </a:r>
+            <a:r>
+              <a:rPr lang="zh-CN" altLang="en-US" dirty="0"/>
+              <a:t>个运行时间</a:t>
+            </a:r>
+            <a:r>
+              <a:rPr lang="en-US" altLang="zh-CN" dirty="0"/>
+              <a:t>T</a:t>
+            </a:r>
+            <a:r>
+              <a:rPr lang="zh-CN" altLang="en-US" dirty="0"/>
+              <a:t>。</a:t>
+            </a:r>
+            <a:endParaRPr lang="en-US" altLang="zh-CN" dirty="0"/>
+          </a:p>
+          <a:p>
+            <a:r>
+              <a:rPr lang="zh-CN" altLang="en-US" dirty="0"/>
+              <a:t>总体而言数据波动过大，尤其在</a:t>
+            </a:r>
+            <a:r>
+              <a:rPr lang="en-US" altLang="zh-CN" dirty="0"/>
+              <a:t>n=2^19</a:t>
+            </a:r>
+            <a:r>
+              <a:rPr lang="zh-CN" altLang="en-US" dirty="0"/>
+              <a:t>处。</a:t>
+            </a:r>
+            <a:endParaRPr lang="en-US" altLang="zh-CN" dirty="0"/>
+          </a:p>
+          <a:p>
+            <a:r>
+              <a:rPr lang="zh-CN" altLang="en-US" dirty="0"/>
+              <a:t>无法拟合</a:t>
             </a:r>
           </a:p>
         </p:txBody>
@@ -32514,12 +32479,48 @@
           <a:chExt cx="0" cy="0"/>
         </a:xfrm>
       </p:grpSpPr>
+      <p:pic>
+        <p:nvPicPr>
+          <p:cNvPr id="3" name="图片 2">
+            <a:extLst>
+              <a:ext uri="{FF2B5EF4-FFF2-40B4-BE49-F238E27FC236}">
+                <a16:creationId xmlns:a16="http://schemas.microsoft.com/office/drawing/2014/main" id="{130AA9A0-8FE3-234E-6578-1014DF7AB370}"/>
+              </a:ext>
+            </a:extLst>
+          </p:cNvPr>
+          <p:cNvPicPr>
+            <a:picLocks noChangeAspect="1"/>
+          </p:cNvPicPr>
+          <p:nvPr/>
+        </p:nvPicPr>
+        <p:blipFill>
+          <a:blip r:embed="rId2">
+            <a:extLst>
+              <a:ext uri="{28A0092B-C50C-407E-A947-70E740481C1C}">
+                <a14:useLocalDpi xmlns:a14="http://schemas.microsoft.com/office/drawing/2010/main" val="0"/>
+              </a:ext>
+            </a:extLst>
+          </a:blip>
+          <a:stretch>
+            <a:fillRect/>
+          </a:stretch>
+        </p:blipFill>
+        <p:spPr>
+          <a:xfrm>
+            <a:off x="0" y="0"/>
+            <a:ext cx="7611337" cy="4281377"/>
+          </a:xfrm>
+          <a:prstGeom prst="rect">
+            <a:avLst/>
+          </a:prstGeom>
+        </p:spPr>
+      </p:pic>
       <p:sp>
         <p:nvSpPr>
-          <p:cNvPr id="5" name="文本框 4">
+          <p:cNvPr id="2" name="文本框 1">
             <a:extLst>
               <a:ext uri="{FF2B5EF4-FFF2-40B4-BE49-F238E27FC236}">
-                <a16:creationId xmlns:a16="http://schemas.microsoft.com/office/drawing/2014/main" id="{10FB034A-47F7-4636-B888-8462C4C317A6}"/>
+                <a16:creationId xmlns:a16="http://schemas.microsoft.com/office/drawing/2014/main" id="{A15D07D5-B120-6865-B2E1-5C665D8CAFF5}"/>
               </a:ext>
             </a:extLst>
           </p:cNvPr>
@@ -32528,8 +32529,8 @@
         </p:nvSpPr>
         <p:spPr>
           <a:xfrm>
-            <a:off x="0" y="116314"/>
-            <a:ext cx="12192000" cy="1569660"/>
+            <a:off x="0" y="4281377"/>
+            <a:ext cx="5495526" cy="369332"/>
           </a:xfrm>
           <a:prstGeom prst="rect">
             <a:avLst/>
@@ -32537,46 +32538,15 @@
           <a:noFill/>
         </p:spPr>
         <p:txBody>
-          <a:bodyPr wrap="square">
+          <a:bodyPr wrap="square" rtlCol="0">
             <a:spAutoFit/>
           </a:bodyPr>
           <a:lstStyle/>
           <a:p>
             <a:r>
-              <a:rPr lang="en-US" altLang="zh-CN" sz="2400" dirty="0"/>
-              <a:t>FFT</a:t>
-            </a:r>
-            <a:r>
-              <a:rPr lang="zh-CN" altLang="en-US" sz="2400" dirty="0"/>
-              <a:t>由于数据采样点过少难以拟合，一般来说需要</a:t>
-            </a:r>
-            <a:r>
-              <a:rPr lang="en-US" altLang="zh-CN" sz="2400" dirty="0"/>
-              <a:t>50-100</a:t>
-            </a:r>
-            <a:r>
-              <a:rPr lang="zh-CN" altLang="en-US" sz="2400" dirty="0"/>
-              <a:t>个数据才能得到较好的效果，然而目前能采样的点远远小于这一数值。</a:t>
-            </a:r>
-            <a:endParaRPr lang="en-US" altLang="zh-CN" sz="2400" dirty="0"/>
-          </a:p>
-          <a:p>
-            <a:endParaRPr lang="en-US" altLang="zh-CN" sz="2400" dirty="0"/>
-          </a:p>
-          <a:p>
-            <a:r>
-              <a:rPr lang="zh-CN" altLang="en-US" sz="2400" dirty="0"/>
-              <a:t>不过又由于总共可能的</a:t>
-            </a:r>
-            <a:r>
-              <a:rPr lang="en-US" altLang="zh-CN" sz="2400" dirty="0"/>
-              <a:t>n</a:t>
-            </a:r>
-            <a:r>
-              <a:rPr lang="zh-CN" altLang="en-US" sz="2400"/>
-              <a:t>较少，也可以考虑查表</a:t>
-            </a:r>
-            <a:endParaRPr lang="en-US" altLang="zh-CN" sz="2400" dirty="0"/>
+              <a:rPr lang="zh-CN" altLang="en-US" dirty="0"/>
+              <a:t>内存不足</a:t>
+            </a:r>
           </a:p>
         </p:txBody>
       </p:sp>

--- a/R5.pptx
+++ b/R5.pptx
@@ -245,7 +245,7 @@
           <a:p>
             <a:fld id="{F785A1BD-EBB2-4221-B6F1-84446E81673C}" type="datetimeFigureOut">
               <a:rPr lang="zh-CN" altLang="en-US" smtClean="0"/>
-              <a:t>2025/10/30</a:t>
+              <a:t>2025/11/4</a:t>
             </a:fld>
             <a:endParaRPr lang="zh-CN" altLang="en-US"/>
           </a:p>
@@ -2963,7 +2963,7 @@
           <a:p>
             <a:fld id="{5D316963-EF35-41F4-B235-3A3F02295E84}" type="datetimeFigureOut">
               <a:rPr lang="zh-CN" altLang="en-US" smtClean="0"/>
-              <a:t>2025/10/30</a:t>
+              <a:t>2025/11/4</a:t>
             </a:fld>
             <a:endParaRPr lang="zh-CN" altLang="en-US"/>
           </a:p>
@@ -3161,7 +3161,7 @@
           <a:p>
             <a:fld id="{5D316963-EF35-41F4-B235-3A3F02295E84}" type="datetimeFigureOut">
               <a:rPr lang="zh-CN" altLang="en-US" smtClean="0"/>
-              <a:t>2025/10/30</a:t>
+              <a:t>2025/11/4</a:t>
             </a:fld>
             <a:endParaRPr lang="zh-CN" altLang="en-US"/>
           </a:p>
@@ -3369,7 +3369,7 @@
           <a:p>
             <a:fld id="{5D316963-EF35-41F4-B235-3A3F02295E84}" type="datetimeFigureOut">
               <a:rPr lang="zh-CN" altLang="en-US" smtClean="0"/>
-              <a:t>2025/10/30</a:t>
+              <a:t>2025/11/4</a:t>
             </a:fld>
             <a:endParaRPr lang="zh-CN" altLang="en-US"/>
           </a:p>
@@ -3567,7 +3567,7 @@
           <a:p>
             <a:fld id="{5D316963-EF35-41F4-B235-3A3F02295E84}" type="datetimeFigureOut">
               <a:rPr lang="zh-CN" altLang="en-US" smtClean="0"/>
-              <a:t>2025/10/30</a:t>
+              <a:t>2025/11/4</a:t>
             </a:fld>
             <a:endParaRPr lang="zh-CN" altLang="en-US"/>
           </a:p>
@@ -3842,7 +3842,7 @@
           <a:p>
             <a:fld id="{5D316963-EF35-41F4-B235-3A3F02295E84}" type="datetimeFigureOut">
               <a:rPr lang="zh-CN" altLang="en-US" smtClean="0"/>
-              <a:t>2025/10/30</a:t>
+              <a:t>2025/11/4</a:t>
             </a:fld>
             <a:endParaRPr lang="zh-CN" altLang="en-US"/>
           </a:p>
@@ -4107,7 +4107,7 @@
           <a:p>
             <a:fld id="{5D316963-EF35-41F4-B235-3A3F02295E84}" type="datetimeFigureOut">
               <a:rPr lang="zh-CN" altLang="en-US" smtClean="0"/>
-              <a:t>2025/10/30</a:t>
+              <a:t>2025/11/4</a:t>
             </a:fld>
             <a:endParaRPr lang="zh-CN" altLang="en-US"/>
           </a:p>
@@ -4519,7 +4519,7 @@
           <a:p>
             <a:fld id="{5D316963-EF35-41F4-B235-3A3F02295E84}" type="datetimeFigureOut">
               <a:rPr lang="zh-CN" altLang="en-US" smtClean="0"/>
-              <a:t>2025/10/30</a:t>
+              <a:t>2025/11/4</a:t>
             </a:fld>
             <a:endParaRPr lang="zh-CN" altLang="en-US"/>
           </a:p>
@@ -4660,7 +4660,7 @@
           <a:p>
             <a:fld id="{5D316963-EF35-41F4-B235-3A3F02295E84}" type="datetimeFigureOut">
               <a:rPr lang="zh-CN" altLang="en-US" smtClean="0"/>
-              <a:t>2025/10/30</a:t>
+              <a:t>2025/11/4</a:t>
             </a:fld>
             <a:endParaRPr lang="zh-CN" altLang="en-US"/>
           </a:p>
@@ -4773,7 +4773,7 @@
           <a:p>
             <a:fld id="{5D316963-EF35-41F4-B235-3A3F02295E84}" type="datetimeFigureOut">
               <a:rPr lang="zh-CN" altLang="en-US" smtClean="0"/>
-              <a:t>2025/10/30</a:t>
+              <a:t>2025/11/4</a:t>
             </a:fld>
             <a:endParaRPr lang="zh-CN" altLang="en-US"/>
           </a:p>
@@ -5084,7 +5084,7 @@
           <a:p>
             <a:fld id="{5D316963-EF35-41F4-B235-3A3F02295E84}" type="datetimeFigureOut">
               <a:rPr lang="zh-CN" altLang="en-US" smtClean="0"/>
-              <a:t>2025/10/30</a:t>
+              <a:t>2025/11/4</a:t>
             </a:fld>
             <a:endParaRPr lang="zh-CN" altLang="en-US"/>
           </a:p>
@@ -5372,7 +5372,7 @@
           <a:p>
             <a:fld id="{5D316963-EF35-41F4-B235-3A3F02295E84}" type="datetimeFigureOut">
               <a:rPr lang="zh-CN" altLang="en-US" smtClean="0"/>
-              <a:t>2025/10/30</a:t>
+              <a:t>2025/11/4</a:t>
             </a:fld>
             <a:endParaRPr lang="zh-CN" altLang="en-US"/>
           </a:p>
@@ -5613,7 +5613,7 @@
           <a:p>
             <a:fld id="{5D316963-EF35-41F4-B235-3A3F02295E84}" type="datetimeFigureOut">
               <a:rPr lang="zh-CN" altLang="en-US" smtClean="0"/>
-              <a:t>2025/10/30</a:t>
+              <a:t>2025/11/4</a:t>
             </a:fld>
             <a:endParaRPr lang="zh-CN" altLang="en-US"/>
           </a:p>
@@ -32507,8 +32507,8 @@
         </p:blipFill>
         <p:spPr>
           <a:xfrm>
-            <a:off x="0" y="0"/>
-            <a:ext cx="7611337" cy="4281377"/>
+            <a:off x="1" y="0"/>
+            <a:ext cx="5677786" cy="3193755"/>
           </a:xfrm>
           <a:prstGeom prst="rect">
             <a:avLst/>
@@ -32529,8 +32529,8 @@
         </p:nvSpPr>
         <p:spPr>
           <a:xfrm>
-            <a:off x="0" y="4281377"/>
-            <a:ext cx="5495526" cy="369332"/>
+            <a:off x="0" y="3193755"/>
+            <a:ext cx="5495526" cy="707886"/>
           </a:xfrm>
           <a:prstGeom prst="rect">
             <a:avLst/>
@@ -32544,8 +32544,119 @@
           <a:lstStyle/>
           <a:p>
             <a:r>
-              <a:rPr lang="zh-CN" altLang="en-US" dirty="0"/>
-              <a:t>内存不足</a:t>
+              <a:rPr lang="zh-CN" altLang="en-US" sz="2000" dirty="0"/>
+              <a:t>错误码</a:t>
+            </a:r>
+            <a:r>
+              <a:rPr lang="en-US" altLang="zh-CN" sz="2000" dirty="0"/>
+              <a:t>2——</a:t>
+            </a:r>
+            <a:r>
+              <a:rPr lang="zh-CN" altLang="en-US" sz="2000" dirty="0"/>
+              <a:t>无法分配内存</a:t>
+            </a:r>
+            <a:endParaRPr lang="en-US" altLang="zh-CN" sz="2000" dirty="0"/>
+          </a:p>
+          <a:p>
+            <a:r>
+              <a:rPr lang="zh-CN" altLang="en-US" sz="2000" dirty="0"/>
+              <a:t>原因：代码中内存动态分配较大</a:t>
+            </a:r>
+            <a:endParaRPr lang="en-US" altLang="zh-CN" sz="2000" dirty="0"/>
+          </a:p>
+        </p:txBody>
+      </p:sp>
+      <p:pic>
+        <p:nvPicPr>
+          <p:cNvPr id="5" name="图片 4">
+            <a:extLst>
+              <a:ext uri="{FF2B5EF4-FFF2-40B4-BE49-F238E27FC236}">
+                <a16:creationId xmlns:a16="http://schemas.microsoft.com/office/drawing/2014/main" id="{66B39B7A-5972-E295-1B39-C1BB6CD63776}"/>
+              </a:ext>
+            </a:extLst>
+          </p:cNvPr>
+          <p:cNvPicPr>
+            <a:picLocks noChangeAspect="1"/>
+          </p:cNvPicPr>
+          <p:nvPr/>
+        </p:nvPicPr>
+        <p:blipFill>
+          <a:blip r:embed="rId3"/>
+          <a:stretch>
+            <a:fillRect/>
+          </a:stretch>
+        </p:blipFill>
+        <p:spPr>
+          <a:xfrm>
+            <a:off x="0" y="4208380"/>
+            <a:ext cx="4204831" cy="2649620"/>
+          </a:xfrm>
+          <a:prstGeom prst="rect">
+            <a:avLst/>
+          </a:prstGeom>
+        </p:spPr>
+      </p:pic>
+      <p:pic>
+        <p:nvPicPr>
+          <p:cNvPr id="7" name="图片 6">
+            <a:extLst>
+              <a:ext uri="{FF2B5EF4-FFF2-40B4-BE49-F238E27FC236}">
+                <a16:creationId xmlns:a16="http://schemas.microsoft.com/office/drawing/2014/main" id="{66337ACA-889B-47A5-86B6-1592452BF01C}"/>
+              </a:ext>
+            </a:extLst>
+          </p:cNvPr>
+          <p:cNvPicPr>
+            <a:picLocks noChangeAspect="1"/>
+          </p:cNvPicPr>
+          <p:nvPr/>
+        </p:nvPicPr>
+        <p:blipFill>
+          <a:blip r:embed="rId4"/>
+          <a:stretch>
+            <a:fillRect/>
+          </a:stretch>
+        </p:blipFill>
+        <p:spPr>
+          <a:xfrm>
+            <a:off x="6889896" y="4208380"/>
+            <a:ext cx="3301629" cy="2653646"/>
+          </a:xfrm>
+          <a:prstGeom prst="rect">
+            <a:avLst/>
+          </a:prstGeom>
+        </p:spPr>
+      </p:pic>
+      <p:sp>
+        <p:nvSpPr>
+          <p:cNvPr id="9" name="文本框 8">
+            <a:extLst>
+              <a:ext uri="{FF2B5EF4-FFF2-40B4-BE49-F238E27FC236}">
+                <a16:creationId xmlns:a16="http://schemas.microsoft.com/office/drawing/2014/main" id="{54572A43-24C1-B644-00C8-8ED65E6BB512}"/>
+              </a:ext>
+            </a:extLst>
+          </p:cNvPr>
+          <p:cNvSpPr txBox="1"/>
+          <p:nvPr/>
+        </p:nvSpPr>
+        <p:spPr>
+          <a:xfrm>
+            <a:off x="6889896" y="3516920"/>
+            <a:ext cx="3301629" cy="400110"/>
+          </a:xfrm>
+          <a:prstGeom prst="rect">
+            <a:avLst/>
+          </a:prstGeom>
+          <a:noFill/>
+        </p:spPr>
+        <p:txBody>
+          <a:bodyPr wrap="square">
+            <a:spAutoFit/>
+          </a:bodyPr>
+          <a:lstStyle/>
+          <a:p>
+            <a:r>
+              <a:rPr lang="zh-CN" altLang="en-US" sz="2000" dirty="0"/>
+              <a:t>解决方法：改为静态分配</a:t>
             </a:r>
           </a:p>
         </p:txBody>

--- a/R5.pptx
+++ b/R5.pptx
@@ -245,7 +245,7 @@
           <a:p>
             <a:fld id="{F785A1BD-EBB2-4221-B6F1-84446E81673C}" type="datetimeFigureOut">
               <a:rPr lang="zh-CN" altLang="en-US" smtClean="0"/>
-              <a:t>2025/11/4</a:t>
+              <a:t>2025/11/5</a:t>
             </a:fld>
             <a:endParaRPr lang="zh-CN" altLang="en-US"/>
           </a:p>
@@ -2963,7 +2963,7 @@
           <a:p>
             <a:fld id="{5D316963-EF35-41F4-B235-3A3F02295E84}" type="datetimeFigureOut">
               <a:rPr lang="zh-CN" altLang="en-US" smtClean="0"/>
-              <a:t>2025/11/4</a:t>
+              <a:t>2025/11/5</a:t>
             </a:fld>
             <a:endParaRPr lang="zh-CN" altLang="en-US"/>
           </a:p>
@@ -3161,7 +3161,7 @@
           <a:p>
             <a:fld id="{5D316963-EF35-41F4-B235-3A3F02295E84}" type="datetimeFigureOut">
               <a:rPr lang="zh-CN" altLang="en-US" smtClean="0"/>
-              <a:t>2025/11/4</a:t>
+              <a:t>2025/11/5</a:t>
             </a:fld>
             <a:endParaRPr lang="zh-CN" altLang="en-US"/>
           </a:p>
@@ -3369,7 +3369,7 @@
           <a:p>
             <a:fld id="{5D316963-EF35-41F4-B235-3A3F02295E84}" type="datetimeFigureOut">
               <a:rPr lang="zh-CN" altLang="en-US" smtClean="0"/>
-              <a:t>2025/11/4</a:t>
+              <a:t>2025/11/5</a:t>
             </a:fld>
             <a:endParaRPr lang="zh-CN" altLang="en-US"/>
           </a:p>
@@ -3567,7 +3567,7 @@
           <a:p>
             <a:fld id="{5D316963-EF35-41F4-B235-3A3F02295E84}" type="datetimeFigureOut">
               <a:rPr lang="zh-CN" altLang="en-US" smtClean="0"/>
-              <a:t>2025/11/4</a:t>
+              <a:t>2025/11/5</a:t>
             </a:fld>
             <a:endParaRPr lang="zh-CN" altLang="en-US"/>
           </a:p>
@@ -3842,7 +3842,7 @@
           <a:p>
             <a:fld id="{5D316963-EF35-41F4-B235-3A3F02295E84}" type="datetimeFigureOut">
               <a:rPr lang="zh-CN" altLang="en-US" smtClean="0"/>
-              <a:t>2025/11/4</a:t>
+              <a:t>2025/11/5</a:t>
             </a:fld>
             <a:endParaRPr lang="zh-CN" altLang="en-US"/>
           </a:p>
@@ -4107,7 +4107,7 @@
           <a:p>
             <a:fld id="{5D316963-EF35-41F4-B235-3A3F02295E84}" type="datetimeFigureOut">
               <a:rPr lang="zh-CN" altLang="en-US" smtClean="0"/>
-              <a:t>2025/11/4</a:t>
+              <a:t>2025/11/5</a:t>
             </a:fld>
             <a:endParaRPr lang="zh-CN" altLang="en-US"/>
           </a:p>
@@ -4519,7 +4519,7 @@
           <a:p>
             <a:fld id="{5D316963-EF35-41F4-B235-3A3F02295E84}" type="datetimeFigureOut">
               <a:rPr lang="zh-CN" altLang="en-US" smtClean="0"/>
-              <a:t>2025/11/4</a:t>
+              <a:t>2025/11/5</a:t>
             </a:fld>
             <a:endParaRPr lang="zh-CN" altLang="en-US"/>
           </a:p>
@@ -4660,7 +4660,7 @@
           <a:p>
             <a:fld id="{5D316963-EF35-41F4-B235-3A3F02295E84}" type="datetimeFigureOut">
               <a:rPr lang="zh-CN" altLang="en-US" smtClean="0"/>
-              <a:t>2025/11/4</a:t>
+              <a:t>2025/11/5</a:t>
             </a:fld>
             <a:endParaRPr lang="zh-CN" altLang="en-US"/>
           </a:p>
@@ -4773,7 +4773,7 @@
           <a:p>
             <a:fld id="{5D316963-EF35-41F4-B235-3A3F02295E84}" type="datetimeFigureOut">
               <a:rPr lang="zh-CN" altLang="en-US" smtClean="0"/>
-              <a:t>2025/11/4</a:t>
+              <a:t>2025/11/5</a:t>
             </a:fld>
             <a:endParaRPr lang="zh-CN" altLang="en-US"/>
           </a:p>
@@ -5084,7 +5084,7 @@
           <a:p>
             <a:fld id="{5D316963-EF35-41F4-B235-3A3F02295E84}" type="datetimeFigureOut">
               <a:rPr lang="zh-CN" altLang="en-US" smtClean="0"/>
-              <a:t>2025/11/4</a:t>
+              <a:t>2025/11/5</a:t>
             </a:fld>
             <a:endParaRPr lang="zh-CN" altLang="en-US"/>
           </a:p>
@@ -5372,7 +5372,7 @@
           <a:p>
             <a:fld id="{5D316963-EF35-41F4-B235-3A3F02295E84}" type="datetimeFigureOut">
               <a:rPr lang="zh-CN" altLang="en-US" smtClean="0"/>
-              <a:t>2025/11/4</a:t>
+              <a:t>2025/11/5</a:t>
             </a:fld>
             <a:endParaRPr lang="zh-CN" altLang="en-US"/>
           </a:p>
@@ -5613,7 +5613,7 @@
           <a:p>
             <a:fld id="{5D316963-EF35-41F4-B235-3A3F02295E84}" type="datetimeFigureOut">
               <a:rPr lang="zh-CN" altLang="en-US" smtClean="0"/>
-              <a:t>2025/11/4</a:t>
+              <a:t>2025/11/5</a:t>
             </a:fld>
             <a:endParaRPr lang="zh-CN" altLang="en-US"/>
           </a:p>
@@ -19221,10 +19221,10 @@
       </p:sp>
       <p:pic>
         <p:nvPicPr>
-          <p:cNvPr id="2" name="图片 1">
+          <p:cNvPr id="4" name="图片 3">
             <a:extLst>
               <a:ext uri="{FF2B5EF4-FFF2-40B4-BE49-F238E27FC236}">
-                <a16:creationId xmlns:a16="http://schemas.microsoft.com/office/drawing/2014/main" id="{88FECC31-9D08-CF36-019C-EBC98316A929}"/>
+                <a16:creationId xmlns:a16="http://schemas.microsoft.com/office/drawing/2014/main" id="{E6038144-1002-38E4-FEDA-9372C8D50EA6}"/>
               </a:ext>
             </a:extLst>
           </p:cNvPr>
@@ -19241,8 +19241,8 @@
         </p:blipFill>
         <p:spPr>
           <a:xfrm>
-            <a:off x="6039898" y="0"/>
-            <a:ext cx="13312489" cy="5715000"/>
+            <a:off x="6096000" y="0"/>
+            <a:ext cx="12949036" cy="5558971"/>
           </a:xfrm>
           <a:prstGeom prst="rect">
             <a:avLst/>
@@ -32239,63 +32239,6 @@
           <a:chExt cx="0" cy="0"/>
         </a:xfrm>
       </p:grpSpPr>
-      <p:sp>
-        <p:nvSpPr>
-          <p:cNvPr id="4" name="标题 1">
-            <a:extLst>
-              <a:ext uri="{FF2B5EF4-FFF2-40B4-BE49-F238E27FC236}">
-                <a16:creationId xmlns:a16="http://schemas.microsoft.com/office/drawing/2014/main" id="{48DD730A-4219-B746-10C7-5C85DEED5376}"/>
-              </a:ext>
-            </a:extLst>
-          </p:cNvPr>
-          <p:cNvSpPr txBox="1">
-            <a:spLocks/>
-          </p:cNvSpPr>
-          <p:nvPr/>
-        </p:nvSpPr>
-        <p:spPr>
-          <a:xfrm>
-            <a:off x="124096" y="3430893"/>
-            <a:ext cx="5616812" cy="595920"/>
-          </a:xfrm>
-          <a:prstGeom prst="rect">
-            <a:avLst/>
-          </a:prstGeom>
-        </p:spPr>
-        <p:txBody>
-          <a:bodyPr vert="horz" lIns="91440" tIns="45720" rIns="91440" bIns="45720" rtlCol="0" anchor="ctr">
-            <a:noAutofit/>
-          </a:bodyPr>
-          <a:lstStyle>
-            <a:lvl1pPr algn="l" defTabSz="914400" rtl="0" eaLnBrk="1" latinLnBrk="0" hangingPunct="1">
-              <a:lnSpc>
-                <a:spcPct val="90000"/>
-              </a:lnSpc>
-              <a:spcBef>
-                <a:spcPct val="0"/>
-              </a:spcBef>
-              <a:buNone/>
-              <a:defRPr sz="4400" kern="1200">
-                <a:solidFill>
-                  <a:schemeClr val="tx1"/>
-                </a:solidFill>
-                <a:latin typeface="+mj-lt"/>
-                <a:ea typeface="+mj-ea"/>
-                <a:cs typeface="+mj-cs"/>
-              </a:defRPr>
-            </a:lvl1pPr>
-          </a:lstStyle>
-          <a:p>
-            <a:endParaRPr lang="pt-BR" altLang="zh-CN" sz="1600" b="1">
-              <a:solidFill>
-                <a:srgbClr val="00B0F0"/>
-              </a:solidFill>
-              <a:latin typeface="+mn-ea"/>
-              <a:ea typeface="+mn-ea"/>
-            </a:endParaRPr>
-          </a:p>
-        </p:txBody>
-      </p:sp>
       <p:pic>
         <p:nvPicPr>
           <p:cNvPr id="9" name="图片 8">
@@ -32324,8 +32267,8 @@
         </p:blipFill>
         <p:spPr>
           <a:xfrm>
-            <a:off x="6817758" y="0"/>
-            <a:ext cx="5374242" cy="4030681"/>
+            <a:off x="0" y="2735225"/>
+            <a:ext cx="3664690" cy="2748517"/>
           </a:xfrm>
           <a:prstGeom prst="rect">
             <a:avLst/>
@@ -32360,8 +32303,8 @@
         </p:blipFill>
         <p:spPr>
           <a:xfrm>
-            <a:off x="245381" y="-3868"/>
-            <a:ext cx="5374242" cy="4030681"/>
+            <a:off x="0" y="0"/>
+            <a:ext cx="3664690" cy="2748517"/>
           </a:xfrm>
           <a:prstGeom prst="rect">
             <a:avLst/>
@@ -32382,8 +32325,8 @@
         </p:nvSpPr>
         <p:spPr>
           <a:xfrm>
-            <a:off x="124097" y="4123814"/>
-            <a:ext cx="5495526" cy="923330"/>
+            <a:off x="3664690" y="167283"/>
+            <a:ext cx="4447121" cy="1200329"/>
           </a:xfrm>
           <a:prstGeom prst="rect">
             <a:avLst/>
@@ -32397,6 +32340,25 @@
           <a:lstStyle/>
           <a:p>
             <a:r>
+              <a:rPr lang="en-US" altLang="zh-CN" dirty="0"/>
+              <a:t>FFT</a:t>
+            </a:r>
+            <a:r>
+              <a:rPr lang="zh-CN" altLang="en-US" dirty="0"/>
+              <a:t>在</a:t>
+            </a:r>
+            <a:r>
+              <a:rPr lang="en-US" altLang="zh-CN" dirty="0"/>
+              <a:t>A72</a:t>
+            </a:r>
+            <a:r>
+              <a:rPr lang="zh-CN" altLang="en-US" dirty="0"/>
+              <a:t>平台（左）：</a:t>
+            </a:r>
+            <a:endParaRPr lang="en-US" altLang="zh-CN" dirty="0"/>
+          </a:p>
+          <a:p>
+            <a:r>
               <a:rPr lang="zh-CN" altLang="en-US" dirty="0"/>
               <a:t>对一个输入规模</a:t>
             </a:r>
@@ -32444,8 +32406,128 @@
           <a:p>
             <a:r>
               <a:rPr lang="zh-CN" altLang="en-US" dirty="0"/>
-              <a:t>无法拟合</a:t>
-            </a:r>
+              <a:t>完全无法拟合</a:t>
+            </a:r>
+          </a:p>
+        </p:txBody>
+      </p:sp>
+      <p:pic>
+        <p:nvPicPr>
+          <p:cNvPr id="2" name="图片 1">
+            <a:extLst>
+              <a:ext uri="{FF2B5EF4-FFF2-40B4-BE49-F238E27FC236}">
+                <a16:creationId xmlns:a16="http://schemas.microsoft.com/office/drawing/2014/main" id="{4389E8A6-34E3-7BCF-0289-53BB215B1BAA}"/>
+              </a:ext>
+            </a:extLst>
+          </p:cNvPr>
+          <p:cNvPicPr>
+            <a:picLocks noChangeAspect="1"/>
+          </p:cNvPicPr>
+          <p:nvPr/>
+        </p:nvPicPr>
+        <p:blipFill>
+          <a:blip r:embed="rId5">
+            <a:extLst>
+              <a:ext uri="{28A0092B-C50C-407E-A947-70E740481C1C}">
+                <a14:useLocalDpi xmlns:a14="http://schemas.microsoft.com/office/drawing/2010/main" val="0"/>
+              </a:ext>
+            </a:extLst>
+          </a:blip>
+          <a:srcRect/>
+          <a:stretch/>
+        </p:blipFill>
+        <p:spPr>
+          <a:xfrm>
+            <a:off x="8527312" y="2748517"/>
+            <a:ext cx="3664689" cy="2748517"/>
+          </a:xfrm>
+          <a:prstGeom prst="rect">
+            <a:avLst/>
+          </a:prstGeom>
+        </p:spPr>
+      </p:pic>
+      <p:sp>
+        <p:nvSpPr>
+          <p:cNvPr id="3" name="文本框 2">
+            <a:extLst>
+              <a:ext uri="{FF2B5EF4-FFF2-40B4-BE49-F238E27FC236}">
+                <a16:creationId xmlns:a16="http://schemas.microsoft.com/office/drawing/2014/main" id="{C765E702-4966-CC5C-3DCD-90389C3725C5}"/>
+              </a:ext>
+            </a:extLst>
+          </p:cNvPr>
+          <p:cNvSpPr txBox="1"/>
+          <p:nvPr/>
+        </p:nvSpPr>
+        <p:spPr>
+          <a:xfrm>
+            <a:off x="3664690" y="3030986"/>
+            <a:ext cx="4447121" cy="1477328"/>
+          </a:xfrm>
+          <a:prstGeom prst="rect">
+            <a:avLst/>
+          </a:prstGeom>
+          <a:noFill/>
+        </p:spPr>
+        <p:txBody>
+          <a:bodyPr wrap="square" rtlCol="0">
+            <a:spAutoFit/>
+          </a:bodyPr>
+          <a:lstStyle/>
+          <a:p>
+            <a:r>
+              <a:rPr lang="en-US" altLang="zh-CN" dirty="0"/>
+              <a:t>FFT</a:t>
+            </a:r>
+            <a:r>
+              <a:rPr lang="zh-CN" altLang="en-US" dirty="0"/>
+              <a:t>在</a:t>
+            </a:r>
+            <a:r>
+              <a:rPr lang="en-US" altLang="zh-CN" dirty="0"/>
+              <a:t>R5</a:t>
+            </a:r>
+            <a:r>
+              <a:rPr lang="zh-CN" altLang="en-US" dirty="0"/>
+              <a:t>平台（右）：</a:t>
+            </a:r>
+            <a:endParaRPr lang="en-US" altLang="zh-CN" dirty="0"/>
+          </a:p>
+          <a:p>
+            <a:r>
+              <a:rPr lang="zh-CN" altLang="en-US" dirty="0"/>
+              <a:t>可采样的数据点过少（</a:t>
+            </a:r>
+            <a:r>
+              <a:rPr lang="en-US" altLang="zh-CN" dirty="0"/>
+              <a:t>2^3~2^10</a:t>
+            </a:r>
+            <a:r>
+              <a:rPr lang="zh-CN" altLang="en-US" dirty="0"/>
+              <a:t>共</a:t>
+            </a:r>
+            <a:r>
+              <a:rPr lang="en-US" altLang="zh-CN" dirty="0"/>
+              <a:t>8</a:t>
+            </a:r>
+            <a:r>
+              <a:rPr lang="zh-CN" altLang="en-US" dirty="0"/>
+              <a:t>个），</a:t>
+            </a:r>
+            <a:endParaRPr lang="en-US" altLang="zh-CN" dirty="0"/>
+          </a:p>
+          <a:p>
+            <a:r>
+              <a:rPr lang="zh-CN" altLang="en-US" dirty="0"/>
+              <a:t>对同一个规模多次测试，运行时间几乎没有波动</a:t>
+            </a:r>
+            <a:endParaRPr lang="en-US" altLang="zh-CN" dirty="0"/>
+          </a:p>
+          <a:p>
+            <a:r>
+              <a:rPr lang="zh-CN" altLang="en-US" dirty="0"/>
+              <a:t>考虑查表</a:t>
+            </a:r>
+            <a:endParaRPr lang="en-US" altLang="zh-CN" dirty="0"/>
           </a:p>
         </p:txBody>
       </p:sp>
@@ -32529,7 +32611,7 @@
         </p:nvSpPr>
         <p:spPr>
           <a:xfrm>
-            <a:off x="0" y="3193755"/>
+            <a:off x="5677787" y="0"/>
             <a:ext cx="5495526" cy="707886"/>
           </a:xfrm>
           <a:prstGeom prst="rect">
@@ -32588,8 +32670,8 @@
         </p:blipFill>
         <p:spPr>
           <a:xfrm>
-            <a:off x="0" y="4208380"/>
-            <a:ext cx="4204831" cy="2649620"/>
+            <a:off x="0" y="3267740"/>
+            <a:ext cx="5697586" cy="3590260"/>
           </a:xfrm>
           <a:prstGeom prst="rect">
             <a:avLst/>
@@ -32618,8 +32700,8 @@
         </p:blipFill>
         <p:spPr>
           <a:xfrm>
-            <a:off x="6889896" y="4208380"/>
-            <a:ext cx="3301629" cy="2653646"/>
+            <a:off x="7726327" y="3272792"/>
+            <a:ext cx="4465674" cy="3589234"/>
           </a:xfrm>
           <a:prstGeom prst="rect">
             <a:avLst/>
@@ -32628,10 +32710,10 @@
       </p:pic>
       <p:sp>
         <p:nvSpPr>
-          <p:cNvPr id="9" name="文本框 8">
+          <p:cNvPr id="6" name="文本框 5">
             <a:extLst>
               <a:ext uri="{FF2B5EF4-FFF2-40B4-BE49-F238E27FC236}">
-                <a16:creationId xmlns:a16="http://schemas.microsoft.com/office/drawing/2014/main" id="{54572A43-24C1-B644-00C8-8ED65E6BB512}"/>
+                <a16:creationId xmlns:a16="http://schemas.microsoft.com/office/drawing/2014/main" id="{D1A00BFC-12D9-FE3A-DAAE-0C1D706D1020}"/>
               </a:ext>
             </a:extLst>
           </p:cNvPr>
@@ -32640,8 +32722,8 @@
         </p:nvSpPr>
         <p:spPr>
           <a:xfrm>
-            <a:off x="6889896" y="3516920"/>
-            <a:ext cx="3301629" cy="400110"/>
+            <a:off x="8250865" y="2459816"/>
+            <a:ext cx="3317358" cy="646331"/>
           </a:xfrm>
           <a:prstGeom prst="rect">
             <a:avLst/>
@@ -32655,9 +32737,33 @@
           <a:lstStyle/>
           <a:p>
             <a:r>
-              <a:rPr lang="zh-CN" altLang="en-US" sz="2000" dirty="0"/>
+              <a:rPr lang="zh-CN" altLang="en-US" sz="1800" dirty="0"/>
               <a:t>解决方法：改为静态分配</a:t>
             </a:r>
+            <a:endParaRPr lang="en-US" altLang="zh-CN" sz="1800" dirty="0"/>
+          </a:p>
+          <a:p>
+            <a:r>
+              <a:rPr lang="zh-CN" altLang="en-US" dirty="0"/>
+              <a:t>经测试</a:t>
+            </a:r>
+            <a:r>
+              <a:rPr lang="en-US" altLang="zh-CN" dirty="0"/>
+              <a:t>MAX_DIM</a:t>
+            </a:r>
+            <a:r>
+              <a:rPr lang="zh-CN" altLang="en-US" dirty="0"/>
+              <a:t>可开到</a:t>
+            </a:r>
+            <a:r>
+              <a:rPr lang="en-US" altLang="zh-CN" dirty="0"/>
+              <a:t>40</a:t>
+            </a:r>
+            <a:r>
+              <a:rPr lang="zh-CN" altLang="en-US" dirty="0"/>
+              <a:t>左右</a:t>
+            </a:r>
+            <a:endParaRPr lang="zh-CN" altLang="en-US" sz="1800" dirty="0"/>
           </a:p>
         </p:txBody>
       </p:sp>

--- a/R5.pptx
+++ b/R5.pptx
@@ -245,7 +245,7 @@
           <a:p>
             <a:fld id="{F785A1BD-EBB2-4221-B6F1-84446E81673C}" type="datetimeFigureOut">
               <a:rPr lang="zh-CN" altLang="en-US" smtClean="0"/>
-              <a:t>2025/11/5</a:t>
+              <a:t>2025/11/6</a:t>
             </a:fld>
             <a:endParaRPr lang="zh-CN" altLang="en-US"/>
           </a:p>
@@ -2963,7 +2963,7 @@
           <a:p>
             <a:fld id="{5D316963-EF35-41F4-B235-3A3F02295E84}" type="datetimeFigureOut">
               <a:rPr lang="zh-CN" altLang="en-US" smtClean="0"/>
-              <a:t>2025/11/5</a:t>
+              <a:t>2025/11/6</a:t>
             </a:fld>
             <a:endParaRPr lang="zh-CN" altLang="en-US"/>
           </a:p>
@@ -3161,7 +3161,7 @@
           <a:p>
             <a:fld id="{5D316963-EF35-41F4-B235-3A3F02295E84}" type="datetimeFigureOut">
               <a:rPr lang="zh-CN" altLang="en-US" smtClean="0"/>
-              <a:t>2025/11/5</a:t>
+              <a:t>2025/11/6</a:t>
             </a:fld>
             <a:endParaRPr lang="zh-CN" altLang="en-US"/>
           </a:p>
@@ -3369,7 +3369,7 @@
           <a:p>
             <a:fld id="{5D316963-EF35-41F4-B235-3A3F02295E84}" type="datetimeFigureOut">
               <a:rPr lang="zh-CN" altLang="en-US" smtClean="0"/>
-              <a:t>2025/11/5</a:t>
+              <a:t>2025/11/6</a:t>
             </a:fld>
             <a:endParaRPr lang="zh-CN" altLang="en-US"/>
           </a:p>
@@ -3567,7 +3567,7 @@
           <a:p>
             <a:fld id="{5D316963-EF35-41F4-B235-3A3F02295E84}" type="datetimeFigureOut">
               <a:rPr lang="zh-CN" altLang="en-US" smtClean="0"/>
-              <a:t>2025/11/5</a:t>
+              <a:t>2025/11/6</a:t>
             </a:fld>
             <a:endParaRPr lang="zh-CN" altLang="en-US"/>
           </a:p>
@@ -3842,7 +3842,7 @@
           <a:p>
             <a:fld id="{5D316963-EF35-41F4-B235-3A3F02295E84}" type="datetimeFigureOut">
               <a:rPr lang="zh-CN" altLang="en-US" smtClean="0"/>
-              <a:t>2025/11/5</a:t>
+              <a:t>2025/11/6</a:t>
             </a:fld>
             <a:endParaRPr lang="zh-CN" altLang="en-US"/>
           </a:p>
@@ -4107,7 +4107,7 @@
           <a:p>
             <a:fld id="{5D316963-EF35-41F4-B235-3A3F02295E84}" type="datetimeFigureOut">
               <a:rPr lang="zh-CN" altLang="en-US" smtClean="0"/>
-              <a:t>2025/11/5</a:t>
+              <a:t>2025/11/6</a:t>
             </a:fld>
             <a:endParaRPr lang="zh-CN" altLang="en-US"/>
           </a:p>
@@ -4519,7 +4519,7 @@
           <a:p>
             <a:fld id="{5D316963-EF35-41F4-B235-3A3F02295E84}" type="datetimeFigureOut">
               <a:rPr lang="zh-CN" altLang="en-US" smtClean="0"/>
-              <a:t>2025/11/5</a:t>
+              <a:t>2025/11/6</a:t>
             </a:fld>
             <a:endParaRPr lang="zh-CN" altLang="en-US"/>
           </a:p>
@@ -4660,7 +4660,7 @@
           <a:p>
             <a:fld id="{5D316963-EF35-41F4-B235-3A3F02295E84}" type="datetimeFigureOut">
               <a:rPr lang="zh-CN" altLang="en-US" smtClean="0"/>
-              <a:t>2025/11/5</a:t>
+              <a:t>2025/11/6</a:t>
             </a:fld>
             <a:endParaRPr lang="zh-CN" altLang="en-US"/>
           </a:p>
@@ -4773,7 +4773,7 @@
           <a:p>
             <a:fld id="{5D316963-EF35-41F4-B235-3A3F02295E84}" type="datetimeFigureOut">
               <a:rPr lang="zh-CN" altLang="en-US" smtClean="0"/>
-              <a:t>2025/11/5</a:t>
+              <a:t>2025/11/6</a:t>
             </a:fld>
             <a:endParaRPr lang="zh-CN" altLang="en-US"/>
           </a:p>
@@ -5084,7 +5084,7 @@
           <a:p>
             <a:fld id="{5D316963-EF35-41F4-B235-3A3F02295E84}" type="datetimeFigureOut">
               <a:rPr lang="zh-CN" altLang="en-US" smtClean="0"/>
-              <a:t>2025/11/5</a:t>
+              <a:t>2025/11/6</a:t>
             </a:fld>
             <a:endParaRPr lang="zh-CN" altLang="en-US"/>
           </a:p>
@@ -5372,7 +5372,7 @@
           <a:p>
             <a:fld id="{5D316963-EF35-41F4-B235-3A3F02295E84}" type="datetimeFigureOut">
               <a:rPr lang="zh-CN" altLang="en-US" smtClean="0"/>
-              <a:t>2025/11/5</a:t>
+              <a:t>2025/11/6</a:t>
             </a:fld>
             <a:endParaRPr lang="zh-CN" altLang="en-US"/>
           </a:p>
@@ -5613,7 +5613,7 @@
           <a:p>
             <a:fld id="{5D316963-EF35-41F4-B235-3A3F02295E84}" type="datetimeFigureOut">
               <a:rPr lang="zh-CN" altLang="en-US" smtClean="0"/>
-              <a:t>2025/11/5</a:t>
+              <a:t>2025/11/6</a:t>
             </a:fld>
             <a:endParaRPr lang="zh-CN" altLang="en-US"/>
           </a:p>
@@ -19216,6 +19216,7 @@
               <a:rPr lang="zh-CN" altLang="en-US" sz="2000" dirty="0"/>
               <a:t>的数据</a:t>
             </a:r>
+            <a:endParaRPr lang="en-US" altLang="zh-CN" sz="2000" dirty="0"/>
           </a:p>
         </p:txBody>
       </p:sp>
@@ -32326,7 +32327,7 @@
         <p:spPr>
           <a:xfrm>
             <a:off x="3664690" y="167283"/>
-            <a:ext cx="4447121" cy="1200329"/>
+            <a:ext cx="4447121" cy="2585323"/>
           </a:xfrm>
           <a:prstGeom prst="rect">
             <a:avLst/>
@@ -32407,6 +32408,23 @@
             <a:r>
               <a:rPr lang="zh-CN" altLang="en-US" dirty="0"/>
               <a:t>完全无法拟合</a:t>
+            </a:r>
+            <a:endParaRPr lang="en-US" altLang="zh-CN" dirty="0"/>
+          </a:p>
+          <a:p>
+            <a:endParaRPr lang="en-US" altLang="zh-CN" dirty="0"/>
+          </a:p>
+          <a:p>
+            <a:r>
+              <a:rPr lang="zh-CN" altLang="en-US" dirty="0"/>
+              <a:t>刘亚琼：</a:t>
+            </a:r>
+            <a:endParaRPr lang="en-US" altLang="zh-CN" dirty="0"/>
+          </a:p>
+          <a:p>
+            <a:r>
+              <a:rPr lang="zh-CN" altLang="en-US" dirty="0"/>
+              <a:t>时间激增应该是因为，数据量增多，存储的区域从访问较快的缓存区移到慢缓存区了</a:t>
             </a:r>
           </a:p>
         </p:txBody>
